--- a/Lecture10_SyntheticControl_QuantileRegression/Lecture10_SyntheticControl_QuantileRegression.pptx
+++ b/Lecture10_SyntheticControl_QuantileRegression/Lecture10_SyntheticControl_QuantileRegression.pptx
@@ -248,7 +248,7 @@
           <a:p>
             <a:fld id="{EF911157-0FC2-4F06-8D61-FD647FE4E19D}" type="datetimeFigureOut">
               <a:rPr lang="en-US" smtClean="0"/>
-              <a:t>7/26/2022</a:t>
+              <a:t>8/15/2022</a:t>
             </a:fld>
             <a:endParaRPr lang="en-US"/>
           </a:p>
@@ -3678,6 +3678,31 @@
           <a:bodyPr/>
           <a:lstStyle/>
           <a:p>
+            <a:pPr marL="0" marR="0" lvl="0" indent="0" algn="l" defTabSz="914400" rtl="0" eaLnBrk="1" fontAlgn="auto" latinLnBrk="0" hangingPunct="1">
+              <a:lnSpc>
+                <a:spcPct val="100000"/>
+              </a:lnSpc>
+              <a:spcBef>
+                <a:spcPts val="0"/>
+              </a:spcBef>
+              <a:spcAft>
+                <a:spcPts val="0"/>
+              </a:spcAft>
+              <a:buClrTx/>
+              <a:buSzTx/>
+              <a:buFontTx/>
+              <a:buNone/>
+              <a:tabLst/>
+              <a:defRPr/>
+            </a:pPr>
+            <a:r>
+              <a:rPr lang="en-US" sz="1200" dirty="0">
+                <a:cs typeface="Times New Roman" panose="02020603050405020304" pitchFamily="18" charset="0"/>
+              </a:rPr>
+              <a:t>Lots of ways to estimate distributional effects!</a:t>
+            </a:r>
+          </a:p>
+          <a:p>
             <a:endParaRPr lang="en-US" dirty="0"/>
           </a:p>
         </p:txBody>
@@ -4334,7 +4359,7 @@
             <a:fld id="{0972D05C-DCFB-4BB6-B49C-AC126BF3ED2C}" type="datetimeFigureOut">
               <a:rPr lang="en-US" smtClean="0"/>
               <a:pPr/>
-              <a:t>7/26/2022</a:t>
+              <a:t>8/15/2022</a:t>
             </a:fld>
             <a:endParaRPr lang="en-US"/>
           </a:p>
@@ -4564,7 +4589,7 @@
             <a:fld id="{0972D05C-DCFB-4BB6-B49C-AC126BF3ED2C}" type="datetimeFigureOut">
               <a:rPr lang="en-US" smtClean="0"/>
               <a:pPr/>
-              <a:t>7/26/2022</a:t>
+              <a:t>8/15/2022</a:t>
             </a:fld>
             <a:endParaRPr lang="en-US"/>
           </a:p>
@@ -4746,7 +4771,7 @@
             <a:fld id="{0972D05C-DCFB-4BB6-B49C-AC126BF3ED2C}" type="datetimeFigureOut">
               <a:rPr lang="en-US" smtClean="0"/>
               <a:pPr/>
-              <a:t>7/26/2022</a:t>
+              <a:t>8/15/2022</a:t>
             </a:fld>
             <a:endParaRPr lang="en-US"/>
           </a:p>
@@ -4918,7 +4943,7 @@
             <a:fld id="{0972D05C-DCFB-4BB6-B49C-AC126BF3ED2C}" type="datetimeFigureOut">
               <a:rPr lang="en-US" smtClean="0"/>
               <a:pPr/>
-              <a:t>7/26/2022</a:t>
+              <a:t>8/15/2022</a:t>
             </a:fld>
             <a:endParaRPr lang="en-US"/>
           </a:p>
@@ -5174,7 +5199,7 @@
             <a:fld id="{0972D05C-DCFB-4BB6-B49C-AC126BF3ED2C}" type="datetimeFigureOut">
               <a:rPr lang="en-US" smtClean="0"/>
               <a:pPr/>
-              <a:t>7/26/2022</a:t>
+              <a:t>8/15/2022</a:t>
             </a:fld>
             <a:endParaRPr lang="en-US"/>
           </a:p>
@@ -5502,7 +5527,7 @@
             <a:fld id="{0972D05C-DCFB-4BB6-B49C-AC126BF3ED2C}" type="datetimeFigureOut">
               <a:rPr lang="en-US" smtClean="0"/>
               <a:pPr/>
-              <a:t>7/26/2022</a:t>
+              <a:t>8/15/2022</a:t>
             </a:fld>
             <a:endParaRPr lang="en-US"/>
           </a:p>
@@ -5955,7 +5980,7 @@
             <a:fld id="{0972D05C-DCFB-4BB6-B49C-AC126BF3ED2C}" type="datetimeFigureOut">
               <a:rPr lang="en-US" smtClean="0"/>
               <a:pPr/>
-              <a:t>7/26/2022</a:t>
+              <a:t>8/15/2022</a:t>
             </a:fld>
             <a:endParaRPr lang="en-US"/>
           </a:p>
@@ -6075,7 +6100,7 @@
             <a:fld id="{0972D05C-DCFB-4BB6-B49C-AC126BF3ED2C}" type="datetimeFigureOut">
               <a:rPr lang="en-US" smtClean="0"/>
               <a:pPr/>
-              <a:t>7/26/2022</a:t>
+              <a:t>8/15/2022</a:t>
             </a:fld>
             <a:endParaRPr lang="en-US"/>
           </a:p>
@@ -6172,7 +6197,7 @@
             <a:fld id="{0972D05C-DCFB-4BB6-B49C-AC126BF3ED2C}" type="datetimeFigureOut">
               <a:rPr lang="en-US" smtClean="0"/>
               <a:pPr/>
-              <a:t>7/26/2022</a:t>
+              <a:t>8/15/2022</a:t>
             </a:fld>
             <a:endParaRPr lang="en-US"/>
           </a:p>
@@ -6461,7 +6486,7 @@
             <a:fld id="{0972D05C-DCFB-4BB6-B49C-AC126BF3ED2C}" type="datetimeFigureOut">
               <a:rPr lang="en-US" smtClean="0"/>
               <a:pPr/>
-              <a:t>7/26/2022</a:t>
+              <a:t>8/15/2022</a:t>
             </a:fld>
             <a:endParaRPr lang="en-US"/>
           </a:p>
@@ -6785,7 +6810,7 @@
             <a:fld id="{0972D05C-DCFB-4BB6-B49C-AC126BF3ED2C}" type="datetimeFigureOut">
               <a:rPr lang="en-US" smtClean="0"/>
               <a:pPr/>
-              <a:t>7/26/2022</a:t>
+              <a:t>8/15/2022</a:t>
             </a:fld>
             <a:endParaRPr lang="en-US"/>
           </a:p>
@@ -7040,7 +7065,7 @@
             <a:fld id="{0972D05C-DCFB-4BB6-B49C-AC126BF3ED2C}" type="datetimeFigureOut">
               <a:rPr lang="en-US" smtClean="0"/>
               <a:pPr/>
-              <a:t>7/26/2022</a:t>
+              <a:t>8/15/2022</a:t>
             </a:fld>
             <a:endParaRPr lang="en-US" dirty="0"/>
           </a:p>
@@ -7686,8 +7711,8 @@
         </p:nvSpPr>
         <p:spPr>
           <a:xfrm>
-            <a:off x="1219199" y="1066801"/>
-            <a:ext cx="9405791" cy="5141388"/>
+            <a:off x="609601" y="1066801"/>
+            <a:ext cx="10015390" cy="5141388"/>
           </a:xfrm>
         </p:spPr>
         <p:txBody>
@@ -7697,13 +7722,13 @@
           <a:lstStyle/>
           <a:p>
             <a:r>
-              <a:rPr lang="en-US" sz="2200" dirty="0">
+              <a:rPr lang="en-US" sz="2400" dirty="0">
                 <a:cs typeface="Times New Roman" panose="02020603050405020304" pitchFamily="18" charset="0"/>
               </a:rPr>
               <a:t>To get around the problem: </a:t>
             </a:r>
             <a:r>
-              <a:rPr lang="en-US" sz="2200" b="1" dirty="0">
+              <a:rPr lang="en-US" sz="2400" b="1" dirty="0">
                 <a:cs typeface="Times New Roman" panose="02020603050405020304" pitchFamily="18" charset="0"/>
               </a:rPr>
               <a:t>throw in the kitchen sink!</a:t>
@@ -7711,7 +7736,7 @@
           </a:p>
           <a:p>
             <a:r>
-              <a:rPr lang="en-US" sz="2200" dirty="0">
+              <a:rPr lang="en-US" sz="2400" dirty="0">
                 <a:cs typeface="Times New Roman" panose="02020603050405020304" pitchFamily="18" charset="0"/>
               </a:rPr>
               <a:t>Main advantage: data-driven way to construct weighted average </a:t>
@@ -7720,7 +7745,7 @@
           <a:p>
             <a:pPr lvl="1"/>
             <a:r>
-              <a:rPr lang="en-US" sz="2200" dirty="0">
+              <a:rPr lang="en-US" sz="2400" dirty="0">
                 <a:cs typeface="Times New Roman" panose="02020603050405020304" pitchFamily="18" charset="0"/>
               </a:rPr>
               <a:t>Researcher doesn’t choose weights</a:t>
@@ -7728,7 +7753,7 @@
           </a:p>
           <a:p>
             <a:r>
-              <a:rPr lang="en-US" sz="2200" dirty="0">
+              <a:rPr lang="en-US" sz="2400" dirty="0">
                 <a:cs typeface="Times New Roman" panose="02020603050405020304" pitchFamily="18" charset="0"/>
               </a:rPr>
               <a:t>Researcher chooses: </a:t>
@@ -7740,13 +7765,13 @@
               <a:buAutoNum type="arabicPeriod"/>
             </a:pPr>
             <a:r>
-              <a:rPr lang="en-US" sz="2200" b="1" dirty="0">
+              <a:rPr lang="en-US" sz="2400" b="1" dirty="0">
                 <a:cs typeface="Times New Roman" panose="02020603050405020304" pitchFamily="18" charset="0"/>
               </a:rPr>
               <a:t>Donor pool</a:t>
             </a:r>
             <a:r>
-              <a:rPr lang="en-US" sz="2200" dirty="0">
+              <a:rPr lang="en-US" sz="2400" dirty="0">
                 <a:cs typeface="Times New Roman" panose="02020603050405020304" pitchFamily="18" charset="0"/>
               </a:rPr>
               <a:t>: possible states for control (algorithm may assign weight 0)</a:t>
@@ -7758,13 +7783,13 @@
               <a:buAutoNum type="arabicPeriod"/>
             </a:pPr>
             <a:r>
-              <a:rPr lang="en-US" sz="2200" b="1" dirty="0">
+              <a:rPr lang="en-US" sz="2400" b="1" dirty="0">
                 <a:cs typeface="Times New Roman" panose="02020603050405020304" pitchFamily="18" charset="0"/>
               </a:rPr>
               <a:t>Matching variables: </a:t>
             </a:r>
             <a:r>
-              <a:rPr lang="en-US" sz="2200" dirty="0">
+              <a:rPr lang="en-US" sz="2400" dirty="0">
                 <a:cs typeface="Times New Roman" panose="02020603050405020304" pitchFamily="18" charset="0"/>
               </a:rPr>
               <a:t>pre-treatment trends + any other covariates</a:t>
@@ -7775,7 +7800,7 @@
               <a:buFont typeface="+mj-lt"/>
               <a:buAutoNum type="arabicPeriod"/>
             </a:pPr>
-            <a:endParaRPr lang="en-US" sz="2200" dirty="0">
+            <a:endParaRPr lang="en-US" sz="2400" dirty="0">
               <a:cs typeface="Times New Roman" panose="02020603050405020304" pitchFamily="18" charset="0"/>
             </a:endParaRPr>
           </a:p>
@@ -7784,7 +7809,7 @@
               <a:buNone/>
             </a:pPr>
             <a:r>
-              <a:rPr lang="en-US" sz="2200" dirty="0">
+              <a:rPr lang="en-US" sz="2400" dirty="0">
                 <a:cs typeface="Times New Roman" panose="02020603050405020304" pitchFamily="18" charset="0"/>
               </a:rPr>
               <a:t>In this context: </a:t>
@@ -7793,7 +7818,7 @@
           <a:p>
             <a:pPr lvl="1"/>
             <a:r>
-              <a:rPr lang="en-US" sz="2200" dirty="0">
+              <a:rPr lang="en-US" sz="2400" dirty="0">
                 <a:cs typeface="Times New Roman" panose="02020603050405020304" pitchFamily="18" charset="0"/>
               </a:rPr>
               <a:t>Unit of observation: state</a:t>
@@ -7802,7 +7827,7 @@
           <a:p>
             <a:pPr lvl="1"/>
             <a:r>
-              <a:rPr lang="en-US" sz="2200" dirty="0">
+              <a:rPr lang="en-US" sz="2400" dirty="0">
                 <a:cs typeface="Times New Roman" panose="02020603050405020304" pitchFamily="18" charset="0"/>
               </a:rPr>
               <a:t>Exclude other states that subsequently passed control programs</a:t>
@@ -7811,7 +7836,7 @@
           <a:p>
             <a:pPr lvl="1"/>
             <a:r>
-              <a:rPr lang="en-US" sz="2200" dirty="0">
+              <a:rPr lang="en-US" sz="2400" dirty="0">
                 <a:cs typeface="Times New Roman" panose="02020603050405020304" pitchFamily="18" charset="0"/>
               </a:rPr>
               <a:t>Match on pre-trends + state economy, price of cigarettes, etc. </a:t>
@@ -7820,19 +7845,19 @@
           <a:p>
             <a:pPr lvl="1"/>
             <a:r>
-              <a:rPr lang="en-US" sz="2200" dirty="0">
+              <a:rPr lang="en-US" sz="2400" dirty="0">
                 <a:cs typeface="Times New Roman" panose="02020603050405020304" pitchFamily="18" charset="0"/>
               </a:rPr>
               <a:t>Main goal: </a:t>
             </a:r>
             <a:r>
-              <a:rPr lang="en-US" sz="2200" b="1" dirty="0">
+              <a:rPr lang="en-US" sz="2400" b="1" dirty="0">
                 <a:cs typeface="Times New Roman" panose="02020603050405020304" pitchFamily="18" charset="0"/>
               </a:rPr>
               <a:t>interpolation </a:t>
             </a:r>
             <a:r>
-              <a:rPr lang="en-US" sz="2200" dirty="0">
+              <a:rPr lang="en-US" sz="2400" dirty="0">
                 <a:cs typeface="Times New Roman" panose="02020603050405020304" pitchFamily="18" charset="0"/>
               </a:rPr>
               <a:t>(next slide)</a:t>
@@ -7964,8 +7989,8 @@
         </p:nvSpPr>
         <p:spPr>
           <a:xfrm>
-            <a:off x="1219199" y="1066801"/>
-            <a:ext cx="9405791" cy="5141388"/>
+            <a:off x="609601" y="1066801"/>
+            <a:ext cx="10015390" cy="5141388"/>
           </a:xfrm>
         </p:spPr>
         <p:txBody>
@@ -7975,19 +8000,19 @@
           <a:lstStyle/>
           <a:p>
             <a:r>
-              <a:rPr lang="en-US" sz="2200" dirty="0">
+              <a:rPr lang="en-US" sz="2400" dirty="0">
                 <a:cs typeface="Times New Roman" panose="02020603050405020304" pitchFamily="18" charset="0"/>
               </a:rPr>
               <a:t>Synthetic Ohio is generated from </a:t>
             </a:r>
             <a:r>
-              <a:rPr lang="en-US" sz="2200" b="1" dirty="0">
+              <a:rPr lang="en-US" sz="2400" b="1" dirty="0">
                 <a:cs typeface="Times New Roman" panose="02020603050405020304" pitchFamily="18" charset="0"/>
               </a:rPr>
               <a:t>a convex hull </a:t>
             </a:r>
             <a:r>
-              <a:rPr lang="en-US" sz="2200" dirty="0">
+              <a:rPr lang="en-US" sz="2400" dirty="0">
                 <a:cs typeface="Times New Roman" panose="02020603050405020304" pitchFamily="18" charset="0"/>
               </a:rPr>
               <a:t>of control states</a:t>
@@ -7996,14 +8021,14 @@
           <a:p>
             <a:pPr lvl="1"/>
             <a:r>
-              <a:rPr lang="en-US" sz="2000" dirty="0">
+              <a:rPr lang="en-US" sz="2400" dirty="0">
                 <a:cs typeface="Times New Roman" panose="02020603050405020304" pitchFamily="18" charset="0"/>
               </a:rPr>
               <a:t>Requires some amount of comparability (can’t compare OH to Mars)</a:t>
             </a:r>
           </a:p>
           <a:p>
-            <a:endParaRPr lang="en-US" sz="2200" dirty="0">
+            <a:endParaRPr lang="en-US" sz="2400" dirty="0">
               <a:cs typeface="Times New Roman" panose="02020603050405020304" pitchFamily="18" charset="0"/>
             </a:endParaRPr>
           </a:p>
@@ -8088,8 +8113,8 @@
             </p:nvSpPr>
             <p:spPr>
               <a:xfrm>
-                <a:off x="1219199" y="1066801"/>
-                <a:ext cx="9405791" cy="5141388"/>
+                <a:off x="685801" y="1066801"/>
+                <a:ext cx="9939190" cy="5141388"/>
               </a:xfrm>
             </p:spPr>
             <p:txBody>
@@ -8099,19 +8124,19 @@
               <a:lstStyle/>
               <a:p>
                 <a:r>
-                  <a:rPr lang="en-US" sz="2200" dirty="0">
+                  <a:rPr lang="en-US" sz="2400" dirty="0">
                     <a:cs typeface="Times New Roman" panose="02020603050405020304" pitchFamily="18" charset="0"/>
                   </a:rPr>
                   <a:t>Synthetic Ohio is generated from </a:t>
                 </a:r>
                 <a:r>
-                  <a:rPr lang="en-US" sz="2200" b="1" dirty="0">
+                  <a:rPr lang="en-US" sz="2400" b="1" dirty="0">
                     <a:cs typeface="Times New Roman" panose="02020603050405020304" pitchFamily="18" charset="0"/>
                   </a:rPr>
                   <a:t>a convex hull </a:t>
                 </a:r>
                 <a:r>
-                  <a:rPr lang="en-US" sz="2200" dirty="0">
+                  <a:rPr lang="en-US" sz="2400" dirty="0">
                     <a:cs typeface="Times New Roman" panose="02020603050405020304" pitchFamily="18" charset="0"/>
                   </a:rPr>
                   <a:t>of control states</a:t>
@@ -8120,7 +8145,7 @@
               <a:p>
                 <a:pPr lvl="1"/>
                 <a:r>
-                  <a:rPr lang="en-US" sz="2000" dirty="0">
+                  <a:rPr lang="en-US" sz="2400" dirty="0">
                     <a:cs typeface="Times New Roman" panose="02020603050405020304" pitchFamily="18" charset="0"/>
                   </a:rPr>
                   <a:t>Requires some amount of comparability (can’t compare OH to Mars)</a:t>
@@ -8128,7 +8153,7 @@
               </a:p>
               <a:p>
                 <a:r>
-                  <a:rPr lang="en-US" sz="2200" dirty="0">
+                  <a:rPr lang="en-US" sz="2400" dirty="0">
                     <a:cs typeface="Times New Roman" panose="02020603050405020304" pitchFamily="18" charset="0"/>
                   </a:rPr>
                   <a:t>Goal of model: choose weights </a:t>
@@ -8138,7 +8163,7 @@
                     <m:sSub>
                       <m:sSubPr>
                         <m:ctrlPr>
-                          <a:rPr lang="en-US" sz="2200" b="0" i="1" smtClean="0">
+                          <a:rPr lang="en-US" sz="2400" b="0" i="1" smtClean="0">
                             <a:latin typeface="Cambria Math" panose="02040503050406030204" pitchFamily="18" charset="0"/>
                             <a:cs typeface="Times New Roman" panose="02020603050405020304" pitchFamily="18" charset="0"/>
                           </a:rPr>
@@ -8150,7 +8175,7 @@
                             <m:begChr m:val="{"/>
                             <m:endChr m:val="}"/>
                             <m:ctrlPr>
-                              <a:rPr lang="en-US" sz="2200" b="0" i="1" smtClean="0">
+                              <a:rPr lang="en-US" sz="2400" b="0" i="1" smtClean="0">
                                 <a:latin typeface="Cambria Math" panose="02040503050406030204" pitchFamily="18" charset="0"/>
                                 <a:cs typeface="Times New Roman" panose="02020603050405020304" pitchFamily="18" charset="0"/>
                               </a:rPr>
@@ -8160,7 +8185,7 @@
                             <m:sSub>
                               <m:sSubPr>
                                 <m:ctrlPr>
-                                  <a:rPr lang="en-US" sz="2200" b="0" i="1" smtClean="0">
+                                  <a:rPr lang="en-US" sz="2400" b="0" i="1" smtClean="0">
                                     <a:latin typeface="Cambria Math" panose="02040503050406030204" pitchFamily="18" charset="0"/>
                                     <a:cs typeface="Times New Roman" panose="02020603050405020304" pitchFamily="18" charset="0"/>
                                   </a:rPr>
@@ -8168,7 +8193,7 @@
                               </m:sSubPr>
                               <m:e>
                                 <m:r>
-                                  <a:rPr lang="en-US" sz="2200" b="0" i="1" smtClean="0">
+                                  <a:rPr lang="en-US" sz="2400" b="0" i="1" smtClean="0">
                                     <a:latin typeface="Cambria Math" panose="02040503050406030204" pitchFamily="18" charset="0"/>
                                     <a:cs typeface="Times New Roman" panose="02020603050405020304" pitchFamily="18" charset="0"/>
                                   </a:rPr>
@@ -8177,7 +8202,7 @@
                               </m:e>
                               <m:sub>
                                 <m:r>
-                                  <a:rPr lang="en-US" sz="2200" b="0" i="1" smtClean="0">
+                                  <a:rPr lang="en-US" sz="2400" b="0" i="1" smtClean="0">
                                     <a:latin typeface="Cambria Math" panose="02040503050406030204" pitchFamily="18" charset="0"/>
                                     <a:cs typeface="Times New Roman" panose="02020603050405020304" pitchFamily="18" charset="0"/>
                                   </a:rPr>
@@ -8190,21 +8215,21 @@
                       </m:e>
                       <m:sub>
                         <m:r>
-                          <a:rPr lang="en-US" sz="2200" b="0" i="1" smtClean="0">
+                          <a:rPr lang="en-US" sz="2400" b="0" i="1" smtClean="0">
                             <a:latin typeface="Cambria Math" panose="02040503050406030204" pitchFamily="18" charset="0"/>
                             <a:cs typeface="Times New Roman" panose="02020603050405020304" pitchFamily="18" charset="0"/>
                           </a:rPr>
                           <m:t>𝑗</m:t>
                         </m:r>
                         <m:r>
-                          <a:rPr lang="en-US" sz="2200" b="0" i="1" smtClean="0">
+                          <a:rPr lang="en-US" sz="2400" b="0" i="1" smtClean="0">
                             <a:latin typeface="Cambria Math" panose="02040503050406030204" pitchFamily="18" charset="0"/>
                             <a:cs typeface="Times New Roman" panose="02020603050405020304" pitchFamily="18" charset="0"/>
                           </a:rPr>
                           <m:t>∈</m:t>
                         </m:r>
                         <m:r>
-                          <a:rPr lang="en-US" sz="2200" b="0" i="1" smtClean="0">
+                          <a:rPr lang="en-US" sz="2400" b="0" i="1" smtClean="0">
                             <a:latin typeface="Cambria Math" panose="02040503050406030204" pitchFamily="18" charset="0"/>
                             <a:cs typeface="Times New Roman" panose="02020603050405020304" pitchFamily="18" charset="0"/>
                           </a:rPr>
@@ -8215,7 +8240,7 @@
                   </m:oMath>
                 </a14:m>
                 <a:r>
-                  <a:rPr lang="en-US" sz="2200" dirty="0">
+                  <a:rPr lang="en-US" sz="2400" dirty="0">
                     <a:cs typeface="Times New Roman" panose="02020603050405020304" pitchFamily="18" charset="0"/>
                   </a:rPr>
                   <a:t>for comparison states/variables</a:t>
@@ -8234,7 +8259,7 @@
                       <m:func>
                         <m:funcPr>
                           <m:ctrlPr>
-                            <a:rPr lang="en-US" sz="2200" b="0" i="1" smtClean="0">
+                            <a:rPr lang="en-US" sz="2400" b="0" i="1" smtClean="0">
                               <a:latin typeface="Cambria Math" panose="02040503050406030204" pitchFamily="18" charset="0"/>
                               <a:cs typeface="Times New Roman" panose="02020603050405020304" pitchFamily="18" charset="0"/>
                             </a:rPr>
@@ -8244,7 +8269,7 @@
                           <m:sSubSup>
                             <m:sSubSupPr>
                               <m:ctrlPr>
-                                <a:rPr lang="en-US" sz="2200" b="0" i="0" smtClean="0">
+                                <a:rPr lang="en-US" sz="2400" b="0" i="1" smtClean="0">
                                   <a:latin typeface="Cambria Math" panose="02040503050406030204" pitchFamily="18" charset="0"/>
                                   <a:cs typeface="Times New Roman" panose="02020603050405020304" pitchFamily="18" charset="0"/>
                                 </a:rPr>
@@ -8255,7 +8280,7 @@
                                 <m:rPr>
                                   <m:sty m:val="p"/>
                                 </m:rPr>
-                                <a:rPr lang="en-US" sz="2200" b="0" i="0" smtClean="0">
+                                <a:rPr lang="en-US" sz="2400" b="0" i="0" smtClean="0">
                                   <a:latin typeface="Cambria Math" panose="02040503050406030204" pitchFamily="18" charset="0"/>
                                   <a:cs typeface="Times New Roman" panose="02020603050405020304" pitchFamily="18" charset="0"/>
                                 </a:rPr>
@@ -8267,7 +8292,7 @@
                                 <m:rPr>
                                   <m:sty m:val="p"/>
                                 </m:rPr>
-                                <a:rPr lang="en-US" sz="2200" b="0" i="0" smtClean="0">
+                                <a:rPr lang="en-US" sz="2400" b="0" i="0" smtClean="0">
                                   <a:latin typeface="Cambria Math" panose="02040503050406030204" pitchFamily="18" charset="0"/>
                                   <a:cs typeface="Times New Roman" panose="02020603050405020304" pitchFamily="18" charset="0"/>
                                 </a:rPr>
@@ -8276,7 +8301,7 @@
                             </m:sub>
                             <m:sup>
                               <m:r>
-                                <a:rPr lang="en-US" sz="2200" b="0" i="0" smtClean="0">
+                                <a:rPr lang="en-US" sz="2400" b="0" i="0" smtClean="0">
                                   <a:latin typeface="Cambria Math" panose="02040503050406030204" pitchFamily="18" charset="0"/>
                                   <a:cs typeface="Times New Roman" panose="02020603050405020304" pitchFamily="18" charset="0"/>
                                 </a:rPr>
@@ -8285,7 +8310,7 @@
                             </m:sup>
                           </m:sSubSup>
                           <m:r>
-                            <a:rPr lang="en-US" sz="2200" b="0" i="0" smtClean="0">
+                            <a:rPr lang="en-US" sz="2400" b="0" i="0" smtClean="0">
                               <a:latin typeface="Cambria Math" panose="02040503050406030204" pitchFamily="18" charset="0"/>
                               <a:cs typeface="Times New Roman" panose="02020603050405020304" pitchFamily="18" charset="0"/>
                             </a:rPr>
@@ -8295,7 +8320,7 @@
                             <m:rPr>
                               <m:sty m:val="p"/>
                             </m:rPr>
-                            <a:rPr lang="en-US" sz="2200" b="0" i="0" smtClean="0">
+                            <a:rPr lang="en-US" sz="2400" b="0" i="0" smtClean="0">
                               <a:latin typeface="Cambria Math" panose="02040503050406030204" pitchFamily="18" charset="0"/>
                               <a:cs typeface="Times New Roman" panose="02020603050405020304" pitchFamily="18" charset="0"/>
                             </a:rPr>
@@ -8308,7 +8333,7 @@
                               <m:begChr m:val="|"/>
                               <m:endChr m:val="|"/>
                               <m:ctrlPr>
-                                <a:rPr lang="en-US" sz="2200" b="0" i="1" smtClean="0">
+                                <a:rPr lang="en-US" sz="2400" b="0" i="1" smtClean="0">
                                   <a:latin typeface="Cambria Math" panose="02040503050406030204" pitchFamily="18" charset="0"/>
                                   <a:cs typeface="Times New Roman" panose="02020603050405020304" pitchFamily="18" charset="0"/>
                                 </a:rPr>
@@ -8320,7 +8345,7 @@
                                   <m:begChr m:val="|"/>
                                   <m:endChr m:val="|"/>
                                   <m:ctrlPr>
-                                    <a:rPr lang="en-US" sz="2200" b="0" i="1" smtClean="0">
+                                    <a:rPr lang="en-US" sz="2400" b="0" i="1" smtClean="0">
                                       <a:latin typeface="Cambria Math" panose="02040503050406030204" pitchFamily="18" charset="0"/>
                                       <a:cs typeface="Times New Roman" panose="02020603050405020304" pitchFamily="18" charset="0"/>
                                     </a:rPr>
@@ -8330,7 +8355,7 @@
                                   <m:sSub>
                                     <m:sSubPr>
                                       <m:ctrlPr>
-                                        <a:rPr lang="en-US" sz="2200" b="0" i="1" smtClean="0">
+                                        <a:rPr lang="en-US" sz="2400" b="0" i="1" smtClean="0">
                                           <a:latin typeface="Cambria Math" panose="02040503050406030204" pitchFamily="18" charset="0"/>
                                           <a:cs typeface="Times New Roman" panose="02020603050405020304" pitchFamily="18" charset="0"/>
                                         </a:rPr>
@@ -8338,7 +8363,7 @@
                                     </m:sSubPr>
                                     <m:e>
                                       <m:r>
-                                        <a:rPr lang="en-US" sz="2200" b="0" i="1" smtClean="0">
+                                        <a:rPr lang="en-US" sz="2400" b="0" i="1" smtClean="0">
                                           <a:latin typeface="Cambria Math" panose="02040503050406030204" pitchFamily="18" charset="0"/>
                                           <a:cs typeface="Times New Roman" panose="02020603050405020304" pitchFamily="18" charset="0"/>
                                         </a:rPr>
@@ -8347,7 +8372,7 @@
                                     </m:e>
                                     <m:sub>
                                       <m:r>
-                                        <a:rPr lang="en-US" sz="2200" b="0" i="1" smtClean="0">
+                                        <a:rPr lang="en-US" sz="2400" b="0" i="1" smtClean="0">
                                           <a:latin typeface="Cambria Math" panose="02040503050406030204" pitchFamily="18" charset="0"/>
                                           <a:cs typeface="Times New Roman" panose="02020603050405020304" pitchFamily="18" charset="0"/>
                                         </a:rPr>
@@ -8356,7 +8381,7 @@
                                     </m:sub>
                                   </m:sSub>
                                   <m:r>
-                                    <a:rPr lang="en-US" sz="2200" b="0" i="1" smtClean="0">
+                                    <a:rPr lang="en-US" sz="2400" b="0" i="1" smtClean="0">
                                       <a:latin typeface="Cambria Math" panose="02040503050406030204" pitchFamily="18" charset="0"/>
                                       <a:cs typeface="Times New Roman" panose="02020603050405020304" pitchFamily="18" charset="0"/>
                                     </a:rPr>
@@ -8365,7 +8390,7 @@
                                   <m:sSub>
                                     <m:sSubPr>
                                       <m:ctrlPr>
-                                        <a:rPr lang="en-US" sz="2200" b="0" i="1" smtClean="0">
+                                        <a:rPr lang="en-US" sz="2400" b="0" i="1" smtClean="0">
                                           <a:latin typeface="Cambria Math" panose="02040503050406030204" pitchFamily="18" charset="0"/>
                                           <a:cs typeface="Times New Roman" panose="02020603050405020304" pitchFamily="18" charset="0"/>
                                         </a:rPr>
@@ -8373,7 +8398,7 @@
                                     </m:sSubPr>
                                     <m:e>
                                       <m:r>
-                                        <a:rPr lang="en-US" sz="2200" b="0" i="1" smtClean="0">
+                                        <a:rPr lang="en-US" sz="2400" b="0" i="1" smtClean="0">
                                           <a:latin typeface="Cambria Math" panose="02040503050406030204" pitchFamily="18" charset="0"/>
                                           <a:cs typeface="Times New Roman" panose="02020603050405020304" pitchFamily="18" charset="0"/>
                                         </a:rPr>
@@ -8382,7 +8407,7 @@
                                     </m:e>
                                     <m:sub>
                                       <m:r>
-                                        <a:rPr lang="en-US" sz="2200" b="0" i="1" smtClean="0">
+                                        <a:rPr lang="en-US" sz="2400" b="0" i="1" smtClean="0">
                                           <a:latin typeface="Cambria Math" panose="02040503050406030204" pitchFamily="18" charset="0"/>
                                           <a:cs typeface="Times New Roman" panose="02020603050405020304" pitchFamily="18" charset="0"/>
                                         </a:rPr>
@@ -8391,7 +8416,7 @@
                                     </m:sub>
                                   </m:sSub>
                                   <m:r>
-                                    <a:rPr lang="en-US" sz="2200" b="0" i="1" smtClean="0">
+                                    <a:rPr lang="en-US" sz="2400" b="0" i="1" smtClean="0">
                                       <a:latin typeface="Cambria Math" panose="02040503050406030204" pitchFamily="18" charset="0"/>
                                       <a:cs typeface="Times New Roman" panose="02020603050405020304" pitchFamily="18" charset="0"/>
                                     </a:rPr>
@@ -8404,7 +8429,7 @@
                         </m:e>
                       </m:func>
                       <m:r>
-                        <a:rPr lang="en-US" sz="2200" b="0" i="0" smtClean="0">
+                        <a:rPr lang="en-US" sz="2400" b="0" i="0" smtClean="0">
                           <a:latin typeface="Cambria Math" panose="02040503050406030204" pitchFamily="18" charset="0"/>
                           <a:cs typeface="Times New Roman" panose="02020603050405020304" pitchFamily="18" charset="0"/>
                         </a:rPr>
@@ -8414,14 +8439,14 @@
                         <m:rPr>
                           <m:sty m:val="p"/>
                         </m:rPr>
-                        <a:rPr lang="en-US" sz="2200" b="0" i="0" smtClean="0">
+                        <a:rPr lang="en-US" sz="2400" b="0" i="0" smtClean="0">
                           <a:latin typeface="Cambria Math" panose="02040503050406030204" pitchFamily="18" charset="0"/>
                           <a:cs typeface="Times New Roman" panose="02020603050405020304" pitchFamily="18" charset="0"/>
                         </a:rPr>
                         <m:t>s</m:t>
                       </m:r>
                       <m:r>
-                        <a:rPr lang="en-US" sz="2200" b="0" i="0" smtClean="0">
+                        <a:rPr lang="en-US" sz="2400" b="0" i="0" smtClean="0">
                           <a:latin typeface="Cambria Math" panose="02040503050406030204" pitchFamily="18" charset="0"/>
                           <a:cs typeface="Times New Roman" panose="02020603050405020304" pitchFamily="18" charset="0"/>
                         </a:rPr>
@@ -8431,14 +8456,14 @@
                         <m:rPr>
                           <m:sty m:val="p"/>
                         </m:rPr>
-                        <a:rPr lang="en-US" sz="2200" b="0" i="0" smtClean="0">
+                        <a:rPr lang="en-US" sz="2400" b="0" i="0" smtClean="0">
                           <a:latin typeface="Cambria Math" panose="02040503050406030204" pitchFamily="18" charset="0"/>
                           <a:cs typeface="Times New Roman" panose="02020603050405020304" pitchFamily="18" charset="0"/>
                         </a:rPr>
                         <m:t>t</m:t>
                       </m:r>
                       <m:r>
-                        <a:rPr lang="en-US" sz="2200" b="0" i="0" smtClean="0">
+                        <a:rPr lang="en-US" sz="2400" b="0" i="0" smtClean="0">
                           <a:latin typeface="Cambria Math" panose="02040503050406030204" pitchFamily="18" charset="0"/>
                           <a:cs typeface="Times New Roman" panose="02020603050405020304" pitchFamily="18" charset="0"/>
                         </a:rPr>
@@ -8447,7 +8472,7 @@
                       <m:sSub>
                         <m:sSubPr>
                           <m:ctrlPr>
-                            <a:rPr lang="en-US" sz="2200" b="0" i="0" smtClean="0">
+                            <a:rPr lang="en-US" sz="2400" b="0" i="1" smtClean="0">
                               <a:latin typeface="Cambria Math" panose="02040503050406030204" pitchFamily="18" charset="0"/>
                               <a:cs typeface="Times New Roman" panose="02020603050405020304" pitchFamily="18" charset="0"/>
                             </a:rPr>
@@ -8458,7 +8483,7 @@
                             <m:rPr>
                               <m:sty m:val="p"/>
                             </m:rPr>
-                            <a:rPr lang="en-US" sz="2200" b="0" i="0" smtClean="0">
+                            <a:rPr lang="en-US" sz="2400" b="0" i="0" smtClean="0">
                               <a:latin typeface="Cambria Math" panose="02040503050406030204" pitchFamily="18" charset="0"/>
                               <a:cs typeface="Times New Roman" panose="02020603050405020304" pitchFamily="18" charset="0"/>
                             </a:rPr>
@@ -8470,7 +8495,7 @@
                             <m:rPr>
                               <m:sty m:val="p"/>
                             </m:rPr>
-                            <a:rPr lang="en-US" sz="2200" b="0" i="0" smtClean="0">
+                            <a:rPr lang="en-US" sz="2400" b="0" i="0" smtClean="0">
                               <a:latin typeface="Cambria Math" panose="02040503050406030204" pitchFamily="18" charset="0"/>
                               <a:cs typeface="Times New Roman" panose="02020603050405020304" pitchFamily="18" charset="0"/>
                             </a:rPr>
@@ -8479,7 +8504,7 @@
                         </m:sub>
                       </m:sSub>
                       <m:r>
-                        <a:rPr lang="en-US" sz="2200" b="0" i="1" smtClean="0">
+                        <a:rPr lang="en-US" sz="2400" b="0" i="1" smtClean="0">
                           <a:latin typeface="Cambria Math" panose="02040503050406030204" pitchFamily="18" charset="0"/>
                           <a:cs typeface="Times New Roman" panose="02020603050405020304" pitchFamily="18" charset="0"/>
                         </a:rPr>
@@ -8490,7 +8515,7 @@
                           <m:chr m:val="∑"/>
                           <m:supHide m:val="on"/>
                           <m:ctrlPr>
-                            <a:rPr lang="en-US" sz="2200" b="0" i="1" smtClean="0">
+                            <a:rPr lang="en-US" sz="2400" b="0" i="1" smtClean="0">
                               <a:latin typeface="Cambria Math" panose="02040503050406030204" pitchFamily="18" charset="0"/>
                               <a:cs typeface="Times New Roman" panose="02020603050405020304" pitchFamily="18" charset="0"/>
                             </a:rPr>
@@ -8498,7 +8523,7 @@
                         </m:naryPr>
                         <m:sub>
                           <m:r>
-                            <a:rPr lang="en-US" sz="2200" b="0" i="1" smtClean="0">
+                            <a:rPr lang="en-US" sz="2400" b="0" i="1" smtClean="0">
                               <a:latin typeface="Cambria Math" panose="02040503050406030204" pitchFamily="18" charset="0"/>
                               <a:cs typeface="Times New Roman" panose="02020603050405020304" pitchFamily="18" charset="0"/>
                             </a:rPr>
@@ -8510,7 +8535,7 @@
                           <m:sSub>
                             <m:sSubPr>
                               <m:ctrlPr>
-                                <a:rPr lang="en-US" sz="2200" b="0" i="1" smtClean="0">
+                                <a:rPr lang="en-US" sz="2400" b="0" i="1" smtClean="0">
                                   <a:latin typeface="Cambria Math" panose="02040503050406030204" pitchFamily="18" charset="0"/>
                                   <a:cs typeface="Times New Roman" panose="02020603050405020304" pitchFamily="18" charset="0"/>
                                 </a:rPr>
@@ -8518,7 +8543,7 @@
                             </m:sSubPr>
                             <m:e>
                               <m:r>
-                                <a:rPr lang="en-US" sz="2200" b="0" i="1" smtClean="0">
+                                <a:rPr lang="en-US" sz="2400" b="0" i="1" smtClean="0">
                                   <a:latin typeface="Cambria Math" panose="02040503050406030204" pitchFamily="18" charset="0"/>
                                   <a:cs typeface="Times New Roman" panose="02020603050405020304" pitchFamily="18" charset="0"/>
                                 </a:rPr>
@@ -8527,7 +8552,7 @@
                             </m:e>
                             <m:sub>
                               <m:r>
-                                <a:rPr lang="en-US" sz="2200" b="0" i="1" smtClean="0">
+                                <a:rPr lang="en-US" sz="2400" b="0" i="1" smtClean="0">
                                   <a:latin typeface="Cambria Math" panose="02040503050406030204" pitchFamily="18" charset="0"/>
                                   <a:cs typeface="Times New Roman" panose="02020603050405020304" pitchFamily="18" charset="0"/>
                                 </a:rPr>
@@ -8536,7 +8561,7 @@
                             </m:sub>
                           </m:sSub>
                           <m:r>
-                            <a:rPr lang="en-US" sz="2200" b="0" i="1" smtClean="0">
+                            <a:rPr lang="en-US" sz="2400" b="0" i="1" smtClean="0">
                               <a:latin typeface="Cambria Math" panose="02040503050406030204" pitchFamily="18" charset="0"/>
                               <a:cs typeface="Times New Roman" panose="02020603050405020304" pitchFamily="18" charset="0"/>
                             </a:rPr>
@@ -8547,13 +8572,13 @@
                     </m:oMath>
                   </m:oMathPara>
                 </a14:m>
-                <a:endParaRPr lang="en-US" sz="2200" dirty="0">
+                <a:endParaRPr lang="en-US" sz="2400" dirty="0">
                   <a:cs typeface="Times New Roman" panose="02020603050405020304" pitchFamily="18" charset="0"/>
                 </a:endParaRPr>
               </a:p>
               <a:p>
                 <a:r>
-                  <a:rPr lang="en-US" sz="2200" dirty="0">
+                  <a:rPr lang="en-US" sz="2400" dirty="0">
                     <a:cs typeface="Times New Roman" panose="02020603050405020304" pitchFamily="18" charset="0"/>
                   </a:rPr>
                   <a:t>Then, model causal effect as </a:t>
@@ -8572,7 +8597,7 @@
                       <m:sSub>
                         <m:sSubPr>
                           <m:ctrlPr>
-                            <a:rPr lang="en-US" sz="2200" b="0" i="1" smtClean="0">
+                            <a:rPr lang="en-US" sz="2400" b="0" i="1" smtClean="0">
                               <a:latin typeface="Cambria Math" panose="02040503050406030204" pitchFamily="18" charset="0"/>
                               <a:cs typeface="Times New Roman" panose="02020603050405020304" pitchFamily="18" charset="0"/>
                             </a:rPr>
@@ -8580,7 +8605,7 @@
                         </m:sSubPr>
                         <m:e>
                           <m:r>
-                            <a:rPr lang="en-US" sz="2200" b="0" i="1" smtClean="0">
+                            <a:rPr lang="en-US" sz="2400" b="0" i="1" smtClean="0">
                               <a:latin typeface="Cambria Math" panose="02040503050406030204" pitchFamily="18" charset="0"/>
                               <a:cs typeface="Times New Roman" panose="02020603050405020304" pitchFamily="18" charset="0"/>
                             </a:rPr>
@@ -8589,14 +8614,14 @@
                         </m:e>
                         <m:sub>
                           <m:r>
-                            <a:rPr lang="en-US" sz="2200" b="0" i="1" smtClean="0">
+                            <a:rPr lang="en-US" sz="2400" b="0" i="1" smtClean="0">
                               <a:latin typeface="Cambria Math" panose="02040503050406030204" pitchFamily="18" charset="0"/>
                               <a:cs typeface="Times New Roman" panose="02020603050405020304" pitchFamily="18" charset="0"/>
                             </a:rPr>
                             <m:t>1</m:t>
                           </m:r>
                           <m:r>
-                            <a:rPr lang="en-US" sz="2200" b="0" i="1" smtClean="0">
+                            <a:rPr lang="en-US" sz="2400" b="0" i="1" smtClean="0">
                               <a:latin typeface="Cambria Math" panose="02040503050406030204" pitchFamily="18" charset="0"/>
                               <a:cs typeface="Times New Roman" panose="02020603050405020304" pitchFamily="18" charset="0"/>
                             </a:rPr>
@@ -8605,7 +8630,7 @@
                         </m:sub>
                       </m:sSub>
                       <m:r>
-                        <a:rPr lang="en-US" sz="2200" b="0" i="1" smtClean="0">
+                        <a:rPr lang="en-US" sz="2400" b="0" i="1" smtClean="0">
                           <a:latin typeface="Cambria Math" panose="02040503050406030204" pitchFamily="18" charset="0"/>
                           <a:cs typeface="Times New Roman" panose="02020603050405020304" pitchFamily="18" charset="0"/>
                         </a:rPr>
@@ -8616,7 +8641,7 @@
                           <m:chr m:val="∑"/>
                           <m:supHide m:val="on"/>
                           <m:ctrlPr>
-                            <a:rPr lang="en-US" sz="2200" b="0" i="1" smtClean="0">
+                            <a:rPr lang="en-US" sz="2400" b="0" i="1" smtClean="0">
                               <a:latin typeface="Cambria Math" panose="02040503050406030204" pitchFamily="18" charset="0"/>
                               <a:cs typeface="Times New Roman" panose="02020603050405020304" pitchFamily="18" charset="0"/>
                             </a:rPr>
@@ -8624,7 +8649,7 @@
                         </m:naryPr>
                         <m:sub>
                           <m:r>
-                            <a:rPr lang="en-US" sz="2200" b="0" i="1" smtClean="0">
+                            <a:rPr lang="en-US" sz="2400" b="0" i="1" smtClean="0">
                               <a:latin typeface="Cambria Math" panose="02040503050406030204" pitchFamily="18" charset="0"/>
                               <a:cs typeface="Times New Roman" panose="02020603050405020304" pitchFamily="18" charset="0"/>
                             </a:rPr>
@@ -8636,7 +8661,7 @@
                           <m:sSub>
                             <m:sSubPr>
                               <m:ctrlPr>
-                                <a:rPr lang="en-US" sz="2200" b="0" i="1" smtClean="0">
+                                <a:rPr lang="en-US" sz="2400" b="0" i="1" smtClean="0">
                                   <a:latin typeface="Cambria Math" panose="02040503050406030204" pitchFamily="18" charset="0"/>
                                   <a:cs typeface="Times New Roman" panose="02020603050405020304" pitchFamily="18" charset="0"/>
                                 </a:rPr>
@@ -8644,7 +8669,7 @@
                             </m:sSubPr>
                             <m:e>
                               <m:r>
-                                <a:rPr lang="en-US" sz="2200" b="0" i="1" smtClean="0">
+                                <a:rPr lang="en-US" sz="2400" b="0" i="1" smtClean="0">
                                   <a:latin typeface="Cambria Math" panose="02040503050406030204" pitchFamily="18" charset="0"/>
                                   <a:cs typeface="Times New Roman" panose="02020603050405020304" pitchFamily="18" charset="0"/>
                                 </a:rPr>
@@ -8653,7 +8678,7 @@
                             </m:e>
                             <m:sub>
                               <m:r>
-                                <a:rPr lang="en-US" sz="2200" b="0" i="1" smtClean="0">
+                                <a:rPr lang="en-US" sz="2400" b="0" i="1" smtClean="0">
                                   <a:latin typeface="Cambria Math" panose="02040503050406030204" pitchFamily="18" charset="0"/>
                                   <a:cs typeface="Times New Roman" panose="02020603050405020304" pitchFamily="18" charset="0"/>
                                 </a:rPr>
@@ -8664,7 +8689,7 @@
                           <m:sSub>
                             <m:sSubPr>
                               <m:ctrlPr>
-                                <a:rPr lang="en-US" sz="2200" b="0" i="1" smtClean="0">
+                                <a:rPr lang="en-US" sz="2400" b="0" i="1" smtClean="0">
                                   <a:latin typeface="Cambria Math" panose="02040503050406030204" pitchFamily="18" charset="0"/>
                                   <a:cs typeface="Times New Roman" panose="02020603050405020304" pitchFamily="18" charset="0"/>
                                 </a:rPr>
@@ -8672,7 +8697,7 @@
                             </m:sSubPr>
                             <m:e>
                               <m:r>
-                                <a:rPr lang="en-US" sz="2200" b="0" i="1" smtClean="0">
+                                <a:rPr lang="en-US" sz="2400" b="0" i="1" smtClean="0">
                                   <a:latin typeface="Cambria Math" panose="02040503050406030204" pitchFamily="18" charset="0"/>
                                   <a:cs typeface="Times New Roman" panose="02020603050405020304" pitchFamily="18" charset="0"/>
                                 </a:rPr>
@@ -8681,7 +8706,7 @@
                             </m:e>
                             <m:sub>
                               <m:r>
-                                <a:rPr lang="en-US" sz="2200" b="0" i="1" smtClean="0">
+                                <a:rPr lang="en-US" sz="2400" b="0" i="1" smtClean="0">
                                   <a:latin typeface="Cambria Math" panose="02040503050406030204" pitchFamily="18" charset="0"/>
                                   <a:cs typeface="Times New Roman" panose="02020603050405020304" pitchFamily="18" charset="0"/>
                                 </a:rPr>
@@ -8694,7 +8719,7 @@
                     </m:oMath>
                   </m:oMathPara>
                 </a14:m>
-                <a:endParaRPr lang="en-US" sz="2200" dirty="0">
+                <a:endParaRPr lang="en-US" sz="2400" dirty="0">
                   <a:cs typeface="Times New Roman" panose="02020603050405020304" pitchFamily="18" charset="0"/>
                 </a:endParaRPr>
               </a:p>
@@ -8703,7 +8728,7 @@
                   <a:buNone/>
                 </a:pPr>
                 <a:r>
-                  <a:rPr lang="en-US" sz="2200" dirty="0">
+                  <a:rPr lang="en-US" sz="2400" dirty="0">
                     <a:cs typeface="Times New Roman" panose="02020603050405020304" pitchFamily="18" charset="0"/>
                   </a:rPr>
                   <a:t>Based on weights</a:t>
@@ -8725,13 +8750,13 @@
             </p:nvSpPr>
             <p:spPr>
               <a:xfrm>
-                <a:off x="1219199" y="1066801"/>
-                <a:ext cx="9405791" cy="5141388"/>
+                <a:off x="685801" y="1066801"/>
+                <a:ext cx="9939190" cy="5141388"/>
               </a:xfrm>
               <a:blipFill>
                 <a:blip r:embed="rId3"/>
                 <a:stretch>
-                  <a:fillRect l="-843" t="-1068"/>
+                  <a:fillRect l="-982" t="-1305"/>
                 </a:stretch>
               </a:blipFill>
             </p:spPr>
@@ -9583,8 +9608,8 @@
         </p:nvSpPr>
         <p:spPr>
           <a:xfrm>
-            <a:off x="1219199" y="1066801"/>
-            <a:ext cx="9405791" cy="5141388"/>
+            <a:off x="609601" y="1066801"/>
+            <a:ext cx="10015390" cy="5141388"/>
           </a:xfrm>
         </p:spPr>
         <p:txBody>
@@ -9603,7 +9628,7 @@
           <a:p>
             <a:pPr lvl="1"/>
             <a:r>
-              <a:rPr lang="en-US" sz="2200" dirty="0">
+              <a:rPr lang="en-US" sz="2400" dirty="0">
                 <a:cs typeface="Times New Roman" panose="02020603050405020304" pitchFamily="18" charset="0"/>
               </a:rPr>
               <a:t>Where are the stars? </a:t>
@@ -9626,19 +9651,19 @@
           <a:p>
             <a:pPr lvl="1"/>
             <a:r>
-              <a:rPr lang="en-US" sz="2200" dirty="0">
+              <a:rPr lang="en-US" sz="2400" dirty="0">
                 <a:cs typeface="Times New Roman" panose="02020603050405020304" pitchFamily="18" charset="0"/>
               </a:rPr>
               <a:t>Relies heavily on </a:t>
             </a:r>
             <a:r>
-              <a:rPr lang="en-US" sz="2200" b="1" dirty="0">
+              <a:rPr lang="en-US" sz="2400" b="1" dirty="0">
                 <a:cs typeface="Times New Roman" panose="02020603050405020304" pitchFamily="18" charset="0"/>
               </a:rPr>
               <a:t>placebo tests</a:t>
             </a:r>
             <a:r>
-              <a:rPr lang="en-US" sz="2200" dirty="0">
+              <a:rPr lang="en-US" sz="2400" dirty="0">
                 <a:cs typeface="Times New Roman" panose="02020603050405020304" pitchFamily="18" charset="0"/>
               </a:rPr>
               <a:t> – how does my estimate change if I introduce sampling variation?</a:t>
@@ -9647,13 +9672,13 @@
           <a:p>
             <a:pPr lvl="1"/>
             <a:r>
-              <a:rPr lang="en-US" sz="2200" dirty="0">
+              <a:rPr lang="en-US" sz="2400" dirty="0">
                 <a:cs typeface="Times New Roman" panose="02020603050405020304" pitchFamily="18" charset="0"/>
               </a:rPr>
               <a:t>Also similar intuition to </a:t>
             </a:r>
             <a:r>
-              <a:rPr lang="en-US" sz="2200" b="1" dirty="0">
+              <a:rPr lang="en-US" sz="2400" b="1" dirty="0">
                 <a:cs typeface="Times New Roman" panose="02020603050405020304" pitchFamily="18" charset="0"/>
               </a:rPr>
               <a:t>bootstrapping</a:t>
@@ -9738,8 +9763,8 @@
         </p:nvSpPr>
         <p:spPr>
           <a:xfrm>
-            <a:off x="1219199" y="1066801"/>
-            <a:ext cx="9405791" cy="5141388"/>
+            <a:off x="609601" y="1107012"/>
+            <a:ext cx="10015390" cy="5141388"/>
           </a:xfrm>
         </p:spPr>
         <p:txBody>
@@ -9758,7 +9783,7 @@
           <a:p>
             <a:pPr lvl="1"/>
             <a:r>
-              <a:rPr lang="en-US" sz="2200" dirty="0">
+              <a:rPr lang="en-US" sz="2400" dirty="0">
                 <a:cs typeface="Times New Roman" panose="02020603050405020304" pitchFamily="18" charset="0"/>
               </a:rPr>
               <a:t>Where are the stars? </a:t>
@@ -9781,19 +9806,19 @@
           <a:p>
             <a:pPr lvl="1"/>
             <a:r>
-              <a:rPr lang="en-US" sz="2200" dirty="0">
+              <a:rPr lang="en-US" sz="2400" dirty="0">
                 <a:cs typeface="Times New Roman" panose="02020603050405020304" pitchFamily="18" charset="0"/>
               </a:rPr>
               <a:t>Relies heavily on </a:t>
             </a:r>
             <a:r>
-              <a:rPr lang="en-US" sz="2200" b="1" dirty="0">
+              <a:rPr lang="en-US" sz="2400" b="1" dirty="0">
                 <a:cs typeface="Times New Roman" panose="02020603050405020304" pitchFamily="18" charset="0"/>
               </a:rPr>
               <a:t>placebo tests</a:t>
             </a:r>
             <a:r>
-              <a:rPr lang="en-US" sz="2200" dirty="0">
+              <a:rPr lang="en-US" sz="2400" dirty="0">
                 <a:cs typeface="Times New Roman" panose="02020603050405020304" pitchFamily="18" charset="0"/>
               </a:rPr>
               <a:t> – how does my estimate change if I introduce sampling variation?</a:t>
@@ -9802,13 +9827,13 @@
           <a:p>
             <a:pPr lvl="1"/>
             <a:r>
-              <a:rPr lang="en-US" sz="2200" dirty="0">
+              <a:rPr lang="en-US" sz="2400" dirty="0">
                 <a:cs typeface="Times New Roman" panose="02020603050405020304" pitchFamily="18" charset="0"/>
               </a:rPr>
               <a:t>Also similar intuition to </a:t>
             </a:r>
             <a:r>
-              <a:rPr lang="en-US" sz="2200" b="1" dirty="0">
+              <a:rPr lang="en-US" sz="2400" b="1" dirty="0">
                 <a:cs typeface="Times New Roman" panose="02020603050405020304" pitchFamily="18" charset="0"/>
               </a:rPr>
               <a:t>bootstrapping</a:t>
@@ -9929,7 +9954,7 @@
         <p:spPr>
           <a:xfrm>
             <a:off x="1219199" y="1066801"/>
-            <a:ext cx="9405791" cy="5141388"/>
+            <a:ext cx="9906001" cy="5141388"/>
           </a:xfrm>
         </p:spPr>
         <p:txBody>
@@ -9939,19 +9964,19 @@
           <a:lstStyle/>
           <a:p>
             <a:r>
-              <a:rPr lang="en-US" sz="2200" dirty="0">
+              <a:rPr lang="en-US" sz="2400" dirty="0">
                 <a:cs typeface="Times New Roman" panose="02020603050405020304" pitchFamily="18" charset="0"/>
               </a:rPr>
               <a:t>Exploration of </a:t>
             </a:r>
             <a:r>
-              <a:rPr lang="en-US" sz="2200" b="1" dirty="0">
+              <a:rPr lang="en-US" sz="2400" b="1" dirty="0">
                 <a:cs typeface="Times New Roman" panose="02020603050405020304" pitchFamily="18" charset="0"/>
               </a:rPr>
               <a:t>quasi-experiments </a:t>
             </a:r>
             <a:r>
-              <a:rPr lang="en-US" sz="2200" dirty="0">
+              <a:rPr lang="en-US" sz="2400" dirty="0">
                 <a:cs typeface="Times New Roman" panose="02020603050405020304" pitchFamily="18" charset="0"/>
               </a:rPr>
               <a:t>to assess policy effects</a:t>
@@ -9960,7 +9985,7 @@
           <a:p>
             <a:pPr lvl="1"/>
             <a:r>
-              <a:rPr lang="en-US" sz="2000" dirty="0">
+              <a:rPr lang="en-US" sz="2400" dirty="0">
                 <a:cs typeface="Times New Roman" panose="02020603050405020304" pitchFamily="18" charset="0"/>
               </a:rPr>
               <a:t>Especially useful with decentralized policies and good data collection</a:t>
@@ -9968,19 +9993,19 @@
           </a:p>
           <a:p>
             <a:r>
-              <a:rPr lang="en-US" sz="2200" dirty="0">
+              <a:rPr lang="en-US" sz="2400" dirty="0">
                 <a:cs typeface="Times New Roman" panose="02020603050405020304" pitchFamily="18" charset="0"/>
               </a:rPr>
               <a:t>DID is a classic tool in the policy evaluation toolkit (possibly </a:t>
             </a:r>
             <a:r>
-              <a:rPr lang="en-US" sz="2200" i="1" dirty="0">
+              <a:rPr lang="en-US" sz="2400" i="1" dirty="0">
                 <a:cs typeface="Times New Roman" panose="02020603050405020304" pitchFamily="18" charset="0"/>
               </a:rPr>
               <a:t>the </a:t>
             </a:r>
             <a:r>
-              <a:rPr lang="en-US" sz="2200" dirty="0">
+              <a:rPr lang="en-US" sz="2400" dirty="0">
                 <a:cs typeface="Times New Roman" panose="02020603050405020304" pitchFamily="18" charset="0"/>
               </a:rPr>
               <a:t>tool)</a:t>
@@ -9988,7 +10013,7 @@
           </a:p>
           <a:p>
             <a:r>
-              <a:rPr lang="en-US" sz="2200" dirty="0">
+              <a:rPr lang="en-US" sz="2400" dirty="0">
                 <a:cs typeface="Times New Roman" panose="02020603050405020304" pitchFamily="18" charset="0"/>
               </a:rPr>
               <a:t>Its assumptions aren’t too strong: </a:t>
@@ -9997,7 +10022,7 @@
           <a:p>
             <a:pPr lvl="1"/>
             <a:r>
-              <a:rPr lang="en-US" sz="2200" dirty="0">
+              <a:rPr lang="en-US" sz="2400" dirty="0">
                 <a:cs typeface="Times New Roman" panose="02020603050405020304" pitchFamily="18" charset="0"/>
               </a:rPr>
               <a:t>Parallel trends</a:t>
@@ -10006,7 +10031,7 @@
           <a:p>
             <a:pPr lvl="1"/>
             <a:r>
-              <a:rPr lang="en-US" sz="2200" dirty="0">
+              <a:rPr lang="en-US" sz="2400" dirty="0">
                 <a:cs typeface="Times New Roman" panose="02020603050405020304" pitchFamily="18" charset="0"/>
               </a:rPr>
               <a:t>Homogeneous treatment effects (in at least one dimension) </a:t>
@@ -10014,10 +10039,10 @@
           </a:p>
           <a:p>
             <a:r>
-              <a:rPr lang="en-US" sz="2200" dirty="0">
-                <a:cs typeface="Times New Roman" panose="02020603050405020304" pitchFamily="18" charset="0"/>
-              </a:rPr>
-              <a:t>Can puts lots of bells and whistles on it, but need to be careful about contamination across multiple specifications. </a:t>
+              <a:rPr lang="en-US" sz="2400" dirty="0">
+                <a:cs typeface="Times New Roman" panose="02020603050405020304" pitchFamily="18" charset="0"/>
+              </a:rPr>
+              <a:t>Can puts lots of bells and whistles on it but need to be careful about contamination across multiple specifications. </a:t>
             </a:r>
           </a:p>
           <a:p>
@@ -10039,19 +10064,19 @@
           <a:p>
             <a:pPr lvl="1"/>
             <a:r>
-              <a:rPr lang="en-US" sz="2200" dirty="0">
+              <a:rPr lang="en-US" sz="2400" dirty="0">
                 <a:cs typeface="Times New Roman" panose="02020603050405020304" pitchFamily="18" charset="0"/>
               </a:rPr>
               <a:t>Can we build our own control group? (</a:t>
             </a:r>
             <a:r>
-              <a:rPr lang="en-US" sz="2200" b="1" dirty="0">
+              <a:rPr lang="en-US" sz="2400" b="1" dirty="0">
                 <a:cs typeface="Times New Roman" panose="02020603050405020304" pitchFamily="18" charset="0"/>
               </a:rPr>
               <a:t>Synthetic controls</a:t>
             </a:r>
             <a:r>
-              <a:rPr lang="en-US" sz="2200" dirty="0">
+              <a:rPr lang="en-US" sz="2400" dirty="0">
                 <a:cs typeface="Times New Roman" panose="02020603050405020304" pitchFamily="18" charset="0"/>
               </a:rPr>
               <a:t>)</a:t>
@@ -10060,19 +10085,19 @@
           <a:p>
             <a:pPr lvl="1"/>
             <a:r>
-              <a:rPr lang="en-US" sz="2200" dirty="0">
-                <a:cs typeface="Times New Roman" panose="02020603050405020304" pitchFamily="18" charset="0"/>
-              </a:rPr>
-              <a:t>Can we get a handle on heterogeneous treatment effects? (</a:t>
-            </a:r>
-            <a:r>
-              <a:rPr lang="en-US" sz="2200" b="1" dirty="0">
+              <a:rPr lang="en-US" sz="2400" dirty="0">
+                <a:cs typeface="Times New Roman" panose="02020603050405020304" pitchFamily="18" charset="0"/>
+              </a:rPr>
+              <a:t>Can we recover heterogeneous treatment effects? (</a:t>
+            </a:r>
+            <a:r>
+              <a:rPr lang="en-US" sz="2400" b="1" dirty="0">
                 <a:cs typeface="Times New Roman" panose="02020603050405020304" pitchFamily="18" charset="0"/>
               </a:rPr>
               <a:t>Quantile regression</a:t>
             </a:r>
             <a:r>
-              <a:rPr lang="en-US" sz="2200" dirty="0">
+              <a:rPr lang="en-US" sz="2400" dirty="0">
                 <a:cs typeface="Times New Roman" panose="02020603050405020304" pitchFamily="18" charset="0"/>
               </a:rPr>
               <a:t>)</a:t>
@@ -11096,8 +11121,8 @@
           </a:p>
         </p:txBody>
       </p:sp>
-      <mc:AlternateContent xmlns:mc="http://schemas.openxmlformats.org/markup-compatibility/2006">
-        <mc:Choice xmlns:a14="http://schemas.microsoft.com/office/drawing/2010/main" Requires="a14">
+      <mc:AlternateContent xmlns:mc="http://schemas.openxmlformats.org/markup-compatibility/2006" xmlns:a14="http://schemas.microsoft.com/office/drawing/2010/main">
+        <mc:Choice Requires="a14">
           <p:sp>
             <p:nvSpPr>
               <p:cNvPr id="3" name="Content Placeholder 2"/>
@@ -11419,7 +11444,7 @@
             </p:txBody>
           </p:sp>
         </mc:Choice>
-        <mc:Fallback>
+        <mc:Fallback xmlns="">
           <p:sp>
             <p:nvSpPr>
               <p:cNvPr id="3" name="Content Placeholder 2"/>
@@ -11522,8 +11547,8 @@
           </a:p>
         </p:txBody>
       </p:sp>
-      <mc:AlternateContent xmlns:mc="http://schemas.openxmlformats.org/markup-compatibility/2006">
-        <mc:Choice xmlns:a14="http://schemas.microsoft.com/office/drawing/2010/main" Requires="a14">
+      <mc:AlternateContent xmlns:mc="http://schemas.openxmlformats.org/markup-compatibility/2006" xmlns:a14="http://schemas.microsoft.com/office/drawing/2010/main">
+        <mc:Choice Requires="a14">
           <p:sp>
             <p:nvSpPr>
               <p:cNvPr id="3" name="Content Placeholder 2"/>
@@ -11770,7 +11795,7 @@
             </p:txBody>
           </p:sp>
         </mc:Choice>
-        <mc:Fallback>
+        <mc:Fallback xmlns="">
           <p:sp>
             <p:nvSpPr>
               <p:cNvPr id="3" name="Content Placeholder 2"/>
@@ -11903,8 +11928,8 @@
           </a:p>
         </p:txBody>
       </p:sp>
-      <mc:AlternateContent xmlns:mc="http://schemas.openxmlformats.org/markup-compatibility/2006">
-        <mc:Choice xmlns:a14="http://schemas.microsoft.com/office/drawing/2010/main" Requires="a14">
+      <mc:AlternateContent xmlns:mc="http://schemas.openxmlformats.org/markup-compatibility/2006" xmlns:a14="http://schemas.microsoft.com/office/drawing/2010/main">
+        <mc:Choice Requires="a14">
           <p:sp>
             <p:nvSpPr>
               <p:cNvPr id="3" name="Content Placeholder 2"/>
@@ -12176,7 +12201,7 @@
             </p:txBody>
           </p:sp>
         </mc:Choice>
-        <mc:Fallback>
+        <mc:Fallback xmlns="">
           <p:sp>
             <p:nvSpPr>
               <p:cNvPr id="3" name="Content Placeholder 2"/>
@@ -12279,8 +12304,8 @@
           </a:p>
         </p:txBody>
       </p:sp>
-      <mc:AlternateContent xmlns:mc="http://schemas.openxmlformats.org/markup-compatibility/2006">
-        <mc:Choice xmlns:a14="http://schemas.microsoft.com/office/drawing/2010/main" Requires="a14">
+      <mc:AlternateContent xmlns:mc="http://schemas.openxmlformats.org/markup-compatibility/2006" xmlns:a14="http://schemas.microsoft.com/office/drawing/2010/main">
+        <mc:Choice Requires="a14">
           <p:sp>
             <p:nvSpPr>
               <p:cNvPr id="3" name="Content Placeholder 2"/>
@@ -12591,7 +12616,7 @@
             </p:txBody>
           </p:sp>
         </mc:Choice>
-        <mc:Fallback>
+        <mc:Fallback xmlns="">
           <p:sp>
             <p:nvSpPr>
               <p:cNvPr id="3" name="Content Placeholder 2"/>
@@ -12784,8 +12809,8 @@
           </a:p>
         </p:txBody>
       </p:sp>
-      <mc:AlternateContent xmlns:mc="http://schemas.openxmlformats.org/markup-compatibility/2006">
-        <mc:Choice xmlns:a14="http://schemas.microsoft.com/office/drawing/2010/main" Requires="a14">
+      <mc:AlternateContent xmlns:mc="http://schemas.openxmlformats.org/markup-compatibility/2006" xmlns:a14="http://schemas.microsoft.com/office/drawing/2010/main">
+        <mc:Choice Requires="a14">
           <p:sp>
             <p:nvSpPr>
               <p:cNvPr id="3" name="Content Placeholder 2"/>
@@ -13904,7 +13929,7 @@
             </p:txBody>
           </p:sp>
         </mc:Choice>
-        <mc:Fallback>
+        <mc:Fallback xmlns="">
           <p:sp>
             <p:nvSpPr>
               <p:cNvPr id="3" name="Content Placeholder 2"/>
@@ -14019,8 +14044,8 @@
         </p:nvSpPr>
         <p:spPr>
           <a:xfrm>
-            <a:off x="1219199" y="1066801"/>
-            <a:ext cx="9405791" cy="5141388"/>
+            <a:off x="609601" y="1066801"/>
+            <a:ext cx="10015390" cy="5141388"/>
           </a:xfrm>
         </p:spPr>
         <p:txBody>
@@ -14033,7 +14058,7 @@
               <a:buNone/>
             </a:pPr>
             <a:r>
-              <a:rPr lang="en-US" sz="2200" b="1" dirty="0">
+              <a:rPr lang="en-US" sz="2400" b="1" dirty="0">
                 <a:solidFill>
                   <a:srgbClr val="222222"/>
                 </a:solidFill>
@@ -14044,7 +14069,7 @@
           </a:p>
           <a:p>
             <a:r>
-              <a:rPr lang="en-US" sz="2200" dirty="0">
+              <a:rPr lang="en-US" sz="2400" dirty="0">
                 <a:solidFill>
                   <a:srgbClr val="222222"/>
                 </a:solidFill>
@@ -14055,7 +14080,7 @@
           </a:p>
           <a:p>
             <a:r>
-              <a:rPr lang="en-US" sz="2200" dirty="0">
+              <a:rPr lang="en-US" sz="2400" dirty="0">
                 <a:solidFill>
                   <a:srgbClr val="222222"/>
                 </a:solidFill>
@@ -14064,7 +14089,7 @@
               <a:t>Use “</a:t>
             </a:r>
             <a:r>
-              <a:rPr lang="en-US" sz="2200" dirty="0" err="1">
+              <a:rPr lang="en-US" sz="2400" dirty="0" err="1">
                 <a:solidFill>
                   <a:srgbClr val="222222"/>
                 </a:solidFill>
@@ -14073,7 +14098,7 @@
               <a:t>quantreg</a:t>
             </a:r>
             <a:r>
-              <a:rPr lang="en-US" sz="2200" dirty="0">
+              <a:rPr lang="en-US" sz="2400" dirty="0">
                 <a:solidFill>
                   <a:srgbClr val="222222"/>
                 </a:solidFill>
@@ -14087,7 +14112,7 @@
               <a:buNone/>
             </a:pPr>
             <a:r>
-              <a:rPr lang="en-US" sz="2200" b="1" dirty="0">
+              <a:rPr lang="en-US" sz="2400" b="1" dirty="0">
                 <a:solidFill>
                   <a:srgbClr val="222222"/>
                 </a:solidFill>
@@ -14098,28 +14123,28 @@
           </a:p>
           <a:p>
             <a:r>
-              <a:rPr lang="en-US" sz="2200" dirty="0"/>
+              <a:rPr lang="en-US" sz="2400" dirty="0"/>
               <a:t>A QRC is the marginal effect of x </a:t>
             </a:r>
             <a:r>
-              <a:rPr lang="en-US" sz="2200" b="1" dirty="0"/>
+              <a:rPr lang="en-US" sz="2400" b="1" dirty="0"/>
               <a:t>specifically on the quantile of interest</a:t>
             </a:r>
             <a:r>
-              <a:rPr lang="en-US" sz="2200" b="0" dirty="0"/>
+              <a:rPr lang="en-US" sz="2400" b="0" dirty="0"/>
               <a:t>. </a:t>
             </a:r>
           </a:p>
           <a:p>
             <a:r>
-              <a:rPr lang="en-US" sz="2200" dirty="0"/>
+              <a:rPr lang="en-US" sz="2400" dirty="0"/>
               <a:t>So you can interpret just like in OLS, just for a different moment!</a:t>
             </a:r>
-            <a:endParaRPr lang="en-US" sz="2200" b="0" dirty="0"/>
-          </a:p>
-          <a:p>
-            <a:r>
-              <a:rPr lang="en-US" sz="2200" dirty="0"/>
+            <a:endParaRPr lang="en-US" sz="2400" b="0" dirty="0"/>
+          </a:p>
+          <a:p>
+            <a:r>
+              <a:rPr lang="en-US" sz="2400" dirty="0"/>
               <a:t>Two options for effect interpretation (think carefully): </a:t>
             </a:r>
           </a:p>
@@ -14129,7 +14154,7 @@
               <a:buAutoNum type="arabicPeriod"/>
             </a:pPr>
             <a:r>
-              <a:rPr lang="en-US" sz="2000" dirty="0"/>
+              <a:rPr lang="en-US" sz="2400" dirty="0"/>
               <a:t>Marginal effects</a:t>
             </a:r>
           </a:p>
@@ -14139,12 +14164,12 @@
               <a:buAutoNum type="arabicPeriod"/>
             </a:pPr>
             <a:r>
-              <a:rPr lang="en-US" sz="2000" dirty="0"/>
+              <a:rPr lang="en-US" sz="2400" dirty="0"/>
               <a:t>Scaled as percentage increases of sample quantile </a:t>
             </a:r>
           </a:p>
           <a:p>
-            <a:endParaRPr lang="en-US" sz="2200" dirty="0">
+            <a:endParaRPr lang="en-US" sz="2400" dirty="0">
               <a:solidFill>
                 <a:srgbClr val="222222"/>
               </a:solidFill>
@@ -14360,8 +14385,8 @@
           </a:p>
         </p:txBody>
       </p:sp>
-      <mc:AlternateContent xmlns:mc="http://schemas.openxmlformats.org/markup-compatibility/2006">
-        <mc:Choice xmlns:a14="http://schemas.microsoft.com/office/drawing/2010/main" Requires="a14">
+      <mc:AlternateContent xmlns:mc="http://schemas.openxmlformats.org/markup-compatibility/2006" xmlns:a14="http://schemas.microsoft.com/office/drawing/2010/main">
+        <mc:Choice Requires="a14">
           <p:sp>
             <p:nvSpPr>
               <p:cNvPr id="3" name="Content Placeholder 2"/>
@@ -14706,7 +14731,7 @@
             </p:txBody>
           </p:sp>
         </mc:Choice>
-        <mc:Fallback>
+        <mc:Fallback xmlns="">
           <p:sp>
             <p:nvSpPr>
               <p:cNvPr id="3" name="Content Placeholder 2"/>
@@ -14809,8 +14834,8 @@
           </a:p>
         </p:txBody>
       </p:sp>
-      <mc:AlternateContent xmlns:mc="http://schemas.openxmlformats.org/markup-compatibility/2006">
-        <mc:Choice xmlns:a14="http://schemas.microsoft.com/office/drawing/2010/main" Requires="a14">
+      <mc:AlternateContent xmlns:mc="http://schemas.openxmlformats.org/markup-compatibility/2006" xmlns:a14="http://schemas.microsoft.com/office/drawing/2010/main">
+        <mc:Choice Requires="a14">
           <p:sp>
             <p:nvSpPr>
               <p:cNvPr id="3" name="Content Placeholder 2"/>
@@ -15232,7 +15257,7 @@
             </p:txBody>
           </p:sp>
         </mc:Choice>
-        <mc:Fallback>
+        <mc:Fallback xmlns="">
           <p:sp>
             <p:nvSpPr>
               <p:cNvPr id="3" name="Content Placeholder 2"/>
@@ -15349,8 +15374,8 @@
             </p:nvSpPr>
             <p:spPr>
               <a:xfrm>
-                <a:off x="1219199" y="1066801"/>
-                <a:ext cx="9405791" cy="5141388"/>
+                <a:off x="762001" y="1066801"/>
+                <a:ext cx="9862990" cy="5141388"/>
               </a:xfrm>
             </p:spPr>
             <p:txBody>
@@ -16017,7 +16042,7 @@
               <a:p>
                 <a:pPr lvl="1"/>
                 <a:r>
-                  <a:rPr lang="en-US" sz="2200" dirty="0">
+                  <a:rPr lang="en-US" sz="2400" dirty="0">
                     <a:solidFill>
                       <a:srgbClr val="222222"/>
                     </a:solidFill>
@@ -16030,7 +16055,7 @@
                     <m:sSub>
                       <m:sSubPr>
                         <m:ctrlPr>
-                          <a:rPr lang="en-US" sz="2200" b="0" i="1" smtClean="0">
+                          <a:rPr lang="en-US" sz="2400" b="0" i="1" smtClean="0">
                             <a:solidFill>
                               <a:srgbClr val="222222"/>
                             </a:solidFill>
@@ -16041,7 +16066,7 @@
                       </m:sSubPr>
                       <m:e>
                         <m:r>
-                          <a:rPr lang="en-US" sz="2200" b="0" i="1" smtClean="0">
+                          <a:rPr lang="en-US" sz="2400" b="0" i="1" smtClean="0">
                             <a:solidFill>
                               <a:srgbClr val="222222"/>
                             </a:solidFill>
@@ -16053,7 +16078,7 @@
                       </m:e>
                       <m:sub>
                         <m:r>
-                          <a:rPr lang="en-US" sz="2200" b="0" i="1" smtClean="0">
+                          <a:rPr lang="en-US" sz="2400" b="0" i="1" smtClean="0">
                             <a:solidFill>
                               <a:srgbClr val="222222"/>
                             </a:solidFill>
@@ -16067,7 +16092,7 @@
                   </m:oMath>
                 </a14:m>
                 <a:r>
-                  <a:rPr lang="en-US" sz="2200" dirty="0">
+                  <a:rPr lang="en-US" sz="2400" dirty="0">
                     <a:solidFill>
                       <a:srgbClr val="222222"/>
                     </a:solidFill>
@@ -16080,7 +16105,7 @@
                     <m:sSub>
                       <m:sSubPr>
                         <m:ctrlPr>
-                          <a:rPr lang="en-US" sz="2200" b="0" i="1" smtClean="0">
+                          <a:rPr lang="en-US" sz="2400" b="0" i="1" smtClean="0">
                             <a:solidFill>
                               <a:srgbClr val="222222"/>
                             </a:solidFill>
@@ -16091,7 +16116,7 @@
                       </m:sSubPr>
                       <m:e>
                         <m:r>
-                          <a:rPr lang="en-US" sz="2200" b="0" i="1" smtClean="0">
+                          <a:rPr lang="en-US" sz="2400" b="0" i="1" smtClean="0">
                             <a:solidFill>
                               <a:srgbClr val="222222"/>
                             </a:solidFill>
@@ -16103,7 +16128,7 @@
                       </m:e>
                       <m:sub>
                         <m:r>
-                          <a:rPr lang="en-US" sz="2200" b="0" i="1" smtClean="0">
+                          <a:rPr lang="en-US" sz="2400" b="0" i="1" smtClean="0">
                             <a:solidFill>
                               <a:srgbClr val="222222"/>
                             </a:solidFill>
@@ -16117,7 +16142,7 @@
                   </m:oMath>
                 </a14:m>
                 <a:r>
-                  <a:rPr lang="en-US" sz="2200" dirty="0">
+                  <a:rPr lang="en-US" sz="2400" dirty="0">
                     <a:solidFill>
                       <a:srgbClr val="222222"/>
                     </a:solidFill>
@@ -16129,7 +16154,7 @@
               <a:p>
                 <a:pPr lvl="1"/>
                 <a:r>
-                  <a:rPr lang="en-US" sz="2200" dirty="0">
+                  <a:rPr lang="en-US" sz="2400" dirty="0">
                     <a:solidFill>
                       <a:srgbClr val="222222"/>
                     </a:solidFill>
@@ -16140,7 +16165,7 @@
                 <a14:m>
                   <m:oMath xmlns:m="http://schemas.openxmlformats.org/officeDocument/2006/math">
                     <m:r>
-                      <a:rPr lang="en-US" sz="2200" b="0" i="1" smtClean="0">
+                      <a:rPr lang="en-US" sz="2400" b="0" i="1" smtClean="0">
                         <a:solidFill>
                           <a:srgbClr val="222222"/>
                         </a:solidFill>
@@ -16152,7 +16177,7 @@
                   </m:oMath>
                 </a14:m>
                 <a:r>
-                  <a:rPr lang="en-US" sz="2200" dirty="0">
+                  <a:rPr lang="en-US" sz="2400" dirty="0">
                     <a:solidFill>
                       <a:srgbClr val="222222"/>
                     </a:solidFill>
@@ -16164,7 +16189,7 @@
               <a:p>
                 <a:pPr lvl="1"/>
                 <a:r>
-                  <a:rPr lang="en-US" sz="2200" dirty="0">
+                  <a:rPr lang="en-US" sz="2400" dirty="0">
                     <a:solidFill>
                       <a:srgbClr val="222222"/>
                     </a:solidFill>
@@ -16183,7 +16208,7 @@
               </a:p>
               <a:p>
                 <a:pPr lvl="1"/>
-                <a:endParaRPr lang="en-US" sz="2200" dirty="0">
+                <a:endParaRPr lang="en-US" sz="2400" dirty="0">
                   <a:solidFill>
                     <a:srgbClr val="222222"/>
                   </a:solidFill>
@@ -16206,13 +16231,13 @@
             </p:nvSpPr>
             <p:spPr>
               <a:xfrm>
-                <a:off x="1219199" y="1066801"/>
-                <a:ext cx="9405791" cy="5141388"/>
+                <a:off x="762001" y="1066801"/>
+                <a:ext cx="9862990" cy="5141388"/>
               </a:xfrm>
               <a:blipFill>
                 <a:blip r:embed="rId3"/>
                 <a:stretch>
-                  <a:fillRect l="-454" t="-1305"/>
+                  <a:fillRect l="-433" t="-1305" r="-1112"/>
                 </a:stretch>
               </a:blipFill>
             </p:spPr>
@@ -16355,8 +16380,8 @@
         </p:nvSpPr>
         <p:spPr>
           <a:xfrm>
-            <a:off x="1219199" y="1066801"/>
-            <a:ext cx="9405791" cy="5141388"/>
+            <a:off x="609601" y="1066801"/>
+            <a:ext cx="10015390" cy="5141388"/>
           </a:xfrm>
         </p:spPr>
         <p:txBody>
@@ -16405,7 +16430,7 @@
           <a:p>
             <a:pPr lvl="1"/>
             <a:r>
-              <a:rPr lang="en-US" sz="2200" dirty="0">
+              <a:rPr lang="en-US" sz="2400" dirty="0">
                 <a:solidFill>
                   <a:srgbClr val="222222"/>
                 </a:solidFill>
@@ -16437,7 +16462,7 @@
           <a:p>
             <a:pPr lvl="1"/>
             <a:r>
-              <a:rPr lang="en-US" sz="2200" dirty="0">
+              <a:rPr lang="en-US" sz="2400" dirty="0">
                 <a:solidFill>
                   <a:srgbClr val="222222"/>
                 </a:solidFill>
@@ -16449,7 +16474,7 @@
           <a:p>
             <a:pPr lvl="1"/>
             <a:r>
-              <a:rPr lang="en-US" sz="2200" dirty="0">
+              <a:rPr lang="en-US" sz="2400" dirty="0">
                 <a:solidFill>
                   <a:srgbClr val="222222"/>
                 </a:solidFill>
@@ -16481,7 +16506,7 @@
           <a:p>
             <a:pPr lvl="1"/>
             <a:r>
-              <a:rPr lang="en-US" sz="2200" dirty="0">
+              <a:rPr lang="en-US" sz="2400" dirty="0">
                 <a:solidFill>
                   <a:srgbClr val="222222"/>
                 </a:solidFill>
@@ -16493,7 +16518,7 @@
           <a:p>
             <a:pPr lvl="1"/>
             <a:r>
-              <a:rPr lang="en-US" sz="2200" dirty="0">
+              <a:rPr lang="en-US" sz="2400" dirty="0">
                 <a:solidFill>
                   <a:srgbClr val="222222"/>
                 </a:solidFill>
@@ -16502,7 +16527,7 @@
               <a:t>Trim/</a:t>
             </a:r>
             <a:r>
-              <a:rPr lang="en-US" sz="2200" dirty="0" err="1">
+              <a:rPr lang="en-US" sz="2400" dirty="0" err="1">
                 <a:solidFill>
                   <a:srgbClr val="222222"/>
                 </a:solidFill>
@@ -16511,7 +16536,7 @@
               <a:t>windsorize</a:t>
             </a:r>
             <a:r>
-              <a:rPr lang="en-US" sz="2200" dirty="0">
+              <a:rPr lang="en-US" sz="2400" dirty="0">
                 <a:solidFill>
                   <a:srgbClr val="222222"/>
                 </a:solidFill>
@@ -16522,7 +16547,7 @@
           </a:p>
           <a:p>
             <a:r>
-              <a:rPr lang="en-US" sz="2600" b="1" dirty="0">
+              <a:rPr lang="en-US" sz="2400" b="1" dirty="0">
                 <a:solidFill>
                   <a:srgbClr val="222222"/>
                 </a:solidFill>
@@ -16721,8 +16746,8 @@
             </p:nvSpPr>
             <p:spPr>
               <a:xfrm>
-                <a:off x="1219199" y="1066801"/>
-                <a:ext cx="9405791" cy="5141388"/>
+                <a:off x="609601" y="1066801"/>
+                <a:ext cx="10015390" cy="5141388"/>
               </a:xfrm>
             </p:spPr>
             <p:txBody>
@@ -16854,7 +16879,7 @@
               <a:p>
                 <a:pPr lvl="1"/>
                 <a:r>
-                  <a:rPr lang="en-US" sz="2200" dirty="0">
+                  <a:rPr lang="en-US" sz="2400" dirty="0">
                     <a:solidFill>
                       <a:srgbClr val="222222"/>
                     </a:solidFill>
@@ -16866,7 +16891,7 @@
               <a:p>
                 <a:pPr lvl="1"/>
                 <a:r>
-                  <a:rPr lang="en-US" sz="2200" dirty="0">
+                  <a:rPr lang="en-US" sz="2400" dirty="0">
                     <a:solidFill>
                       <a:srgbClr val="222222"/>
                     </a:solidFill>
@@ -16875,7 +16900,7 @@
                   <a:t>What do we need in order to get back the </a:t>
                 </a:r>
                 <a:r>
-                  <a:rPr lang="en-US" sz="2200" b="1" dirty="0">
+                  <a:rPr lang="en-US" sz="2400" b="1" dirty="0">
                     <a:solidFill>
                       <a:srgbClr val="222222"/>
                     </a:solidFill>
@@ -16907,7 +16932,7 @@
               <a:p>
                 <a:pPr lvl="1"/>
                 <a:r>
-                  <a:rPr lang="en-US" sz="2200" dirty="0">
+                  <a:rPr lang="en-US" sz="2400" dirty="0">
                     <a:solidFill>
                       <a:srgbClr val="222222"/>
                     </a:solidFill>
@@ -16918,7 +16943,7 @@
                 <a14:m>
                   <m:oMath xmlns:m="http://schemas.openxmlformats.org/officeDocument/2006/math">
                     <m:r>
-                      <a:rPr lang="en-US" sz="2200" b="0" i="1" smtClean="0">
+                      <a:rPr lang="en-US" sz="2400" b="0" i="1" smtClean="0">
                         <a:solidFill>
                           <a:srgbClr val="222222"/>
                         </a:solidFill>
@@ -16928,7 +16953,7 @@
                       <m:t>𝐿</m:t>
                     </m:r>
                     <m:r>
-                      <a:rPr lang="en-US" sz="2200" b="0" i="1" smtClean="0">
+                      <a:rPr lang="en-US" sz="2400" b="0" i="1" smtClean="0">
                         <a:solidFill>
                           <a:srgbClr val="222222"/>
                         </a:solidFill>
@@ -16938,7 +16963,7 @@
                       <m:t>(</m:t>
                     </m:r>
                     <m:r>
-                      <a:rPr lang="en-US" sz="2200" b="0" i="1" smtClean="0">
+                      <a:rPr lang="en-US" sz="2400" b="0" i="1" smtClean="0">
                         <a:solidFill>
                           <a:srgbClr val="222222"/>
                         </a:solidFill>
@@ -16948,7 +16973,7 @@
                       <m:t>𝑝</m:t>
                     </m:r>
                     <m:r>
-                      <a:rPr lang="en-US" sz="2200" b="0" i="1" smtClean="0">
+                      <a:rPr lang="en-US" sz="2400" b="0" i="1" smtClean="0">
                         <a:solidFill>
                           <a:srgbClr val="222222"/>
                         </a:solidFill>
@@ -16961,7 +16986,7 @@
                       <m:accPr>
                         <m:chr m:val="̂"/>
                         <m:ctrlPr>
-                          <a:rPr lang="en-US" sz="2200" b="0" i="1" smtClean="0">
+                          <a:rPr lang="en-US" sz="2400" b="0" i="1" smtClean="0">
                             <a:solidFill>
                               <a:srgbClr val="222222"/>
                             </a:solidFill>
@@ -16972,7 +16997,7 @@
                       </m:accPr>
                       <m:e>
                         <m:r>
-                          <a:rPr lang="en-US" sz="2200" b="0" i="1" smtClean="0">
+                          <a:rPr lang="en-US" sz="2400" b="0" i="1" smtClean="0">
                             <a:solidFill>
                               <a:srgbClr val="222222"/>
                             </a:solidFill>
@@ -16984,7 +17009,7 @@
                       </m:e>
                     </m:acc>
                     <m:r>
-                      <a:rPr lang="en-US" sz="2200" b="0" i="1" smtClean="0">
+                      <a:rPr lang="en-US" sz="2400" b="0" i="1" smtClean="0">
                         <a:solidFill>
                           <a:srgbClr val="222222"/>
                         </a:solidFill>
@@ -16996,7 +17021,7 @@
                   </m:oMath>
                 </a14:m>
                 <a:r>
-                  <a:rPr lang="en-US" sz="2200" dirty="0">
+                  <a:rPr lang="en-US" sz="2400" dirty="0">
                     <a:solidFill>
                       <a:srgbClr val="222222"/>
                     </a:solidFill>
@@ -17008,7 +17033,7 @@
               <a:p>
                 <a:pPr lvl="1"/>
                 <a:r>
-                  <a:rPr lang="en-US" sz="2200" dirty="0">
+                  <a:rPr lang="en-US" sz="2400" dirty="0">
                     <a:solidFill>
                       <a:srgbClr val="222222"/>
                     </a:solidFill>
@@ -17019,7 +17044,7 @@
                 <a14:m>
                   <m:oMath xmlns:m="http://schemas.openxmlformats.org/officeDocument/2006/math">
                     <m:r>
-                      <a:rPr lang="en-US" sz="2200" b="0" i="1" smtClean="0">
+                      <a:rPr lang="en-US" sz="2400" b="0" i="1" smtClean="0">
                         <a:solidFill>
                           <a:srgbClr val="222222"/>
                         </a:solidFill>
@@ -17029,7 +17054,7 @@
                       <m:t>𝑝</m:t>
                     </m:r>
                     <m:r>
-                      <a:rPr lang="en-US" sz="2200" b="0" i="1" smtClean="0">
+                      <a:rPr lang="en-US" sz="2400" b="0" i="1" smtClean="0">
                         <a:solidFill>
                           <a:srgbClr val="222222"/>
                         </a:solidFill>
@@ -17039,7 +17064,7 @@
                       <m:t>(</m:t>
                     </m:r>
                     <m:r>
-                      <a:rPr lang="en-US" sz="2200" b="0" i="1" smtClean="0">
+                      <a:rPr lang="en-US" sz="2400" b="0" i="1" smtClean="0">
                         <a:solidFill>
                           <a:srgbClr val="222222"/>
                         </a:solidFill>
@@ -17049,7 +17074,7 @@
                       <m:t>𝑦</m:t>
                     </m:r>
                     <m:r>
-                      <a:rPr lang="en-US" sz="2200" b="0" i="1" smtClean="0">
+                      <a:rPr lang="en-US" sz="2400" b="0" i="1" smtClean="0">
                         <a:solidFill>
                           <a:srgbClr val="222222"/>
                         </a:solidFill>
@@ -17059,7 +17084,7 @@
                       <m:t>|</m:t>
                     </m:r>
                     <m:r>
-                      <a:rPr lang="en-US" sz="2200" b="0" i="1" smtClean="0">
+                      <a:rPr lang="en-US" sz="2400" b="0" i="1" smtClean="0">
                         <a:solidFill>
                           <a:srgbClr val="222222"/>
                         </a:solidFill>
@@ -17069,7 +17094,7 @@
                       <m:t>𝑥</m:t>
                     </m:r>
                     <m:r>
-                      <a:rPr lang="en-US" sz="2200" b="0" i="1" smtClean="0">
+                      <a:rPr lang="en-US" sz="2400" b="0" i="1" smtClean="0">
                         <a:solidFill>
                           <a:srgbClr val="222222"/>
                         </a:solidFill>
@@ -17081,7 +17106,7 @@
                   </m:oMath>
                 </a14:m>
                 <a:r>
-                  <a:rPr lang="en-US" sz="2200" dirty="0">
+                  <a:rPr lang="en-US" sz="2400" dirty="0">
                     <a:solidFill>
                       <a:srgbClr val="222222"/>
                     </a:solidFill>
@@ -17093,7 +17118,7 @@
               <a:p>
                 <a:pPr lvl="1"/>
                 <a:r>
-                  <a:rPr lang="en-US" sz="2200" dirty="0">
+                  <a:rPr lang="en-US" sz="2400" dirty="0">
                     <a:solidFill>
                       <a:srgbClr val="222222"/>
                     </a:solidFill>
@@ -17107,7 +17132,7 @@
                       <m:accPr>
                         <m:chr m:val="̂"/>
                         <m:ctrlPr>
-                          <a:rPr lang="en-US" sz="2200" b="0" i="1" smtClean="0">
+                          <a:rPr lang="en-US" sz="2400" b="0" i="1" smtClean="0">
                             <a:solidFill>
                               <a:srgbClr val="222222"/>
                             </a:solidFill>
@@ -17118,7 +17143,7 @@
                       </m:accPr>
                       <m:e>
                         <m:r>
-                          <a:rPr lang="en-US" sz="2200" b="0" i="1" smtClean="0">
+                          <a:rPr lang="en-US" sz="2400" b="0" i="1" smtClean="0">
                             <a:solidFill>
                               <a:srgbClr val="222222"/>
                             </a:solidFill>
@@ -17130,7 +17155,7 @@
                       </m:e>
                     </m:acc>
                     <m:r>
-                      <a:rPr lang="en-US" sz="2200" b="0" i="1" smtClean="0">
+                      <a:rPr lang="en-US" sz="2400" b="0" i="1" smtClean="0">
                         <a:solidFill>
                           <a:srgbClr val="222222"/>
                         </a:solidFill>
@@ -17140,7 +17165,7 @@
                       <m:t>(</m:t>
                     </m:r>
                     <m:r>
-                      <a:rPr lang="en-US" sz="2200" b="0" i="1" smtClean="0">
+                      <a:rPr lang="en-US" sz="2400" b="0" i="1" smtClean="0">
                         <a:solidFill>
                           <a:srgbClr val="222222"/>
                         </a:solidFill>
@@ -17150,7 +17175,7 @@
                       <m:t>𝑦</m:t>
                     </m:r>
                     <m:r>
-                      <a:rPr lang="en-US" sz="2200" b="0" i="1" smtClean="0">
+                      <a:rPr lang="en-US" sz="2400" b="0" i="1" smtClean="0">
                         <a:solidFill>
                           <a:srgbClr val="222222"/>
                         </a:solidFill>
@@ -17160,7 +17185,7 @@
                       <m:t>|</m:t>
                     </m:r>
                     <m:r>
-                      <a:rPr lang="en-US" sz="2200" b="0" i="1" smtClean="0">
+                      <a:rPr lang="en-US" sz="2400" b="0" i="1" smtClean="0">
                         <a:solidFill>
                           <a:srgbClr val="222222"/>
                         </a:solidFill>
@@ -17170,7 +17195,7 @@
                       <m:t>𝑥</m:t>
                     </m:r>
                     <m:r>
-                      <a:rPr lang="en-US" sz="2200" b="0" i="1" smtClean="0">
+                      <a:rPr lang="en-US" sz="2400" b="0" i="1" smtClean="0">
                         <a:solidFill>
                           <a:srgbClr val="222222"/>
                         </a:solidFill>
@@ -17181,7 +17206,7 @@
                     </m:r>
                   </m:oMath>
                 </a14:m>
-                <a:endParaRPr lang="en-US" sz="2200" dirty="0">
+                <a:endParaRPr lang="en-US" sz="2400" dirty="0">
                   <a:solidFill>
                     <a:srgbClr val="222222"/>
                   </a:solidFill>
@@ -17204,13 +17229,13 @@
             </p:nvSpPr>
             <p:spPr>
               <a:xfrm>
-                <a:off x="1219199" y="1066801"/>
-                <a:ext cx="9405791" cy="5141388"/>
+                <a:off x="609601" y="1066801"/>
+                <a:ext cx="10015390" cy="5141388"/>
               </a:xfrm>
               <a:blipFill>
                 <a:blip r:embed="rId3"/>
                 <a:stretch>
-                  <a:fillRect l="-454" t="-1305"/>
+                  <a:fillRect l="-426" t="-1305"/>
                 </a:stretch>
               </a:blipFill>
             </p:spPr>
@@ -17308,8 +17333,8 @@
             </p:nvSpPr>
             <p:spPr>
               <a:xfrm>
-                <a:off x="1219199" y="1066801"/>
-                <a:ext cx="9829801" cy="5141388"/>
+                <a:off x="685801" y="1066801"/>
+                <a:ext cx="10363200" cy="5141388"/>
               </a:xfrm>
             </p:spPr>
             <p:txBody>
@@ -17441,7 +17466,7 @@
               <a:p>
                 <a:pPr lvl="1"/>
                 <a:r>
-                  <a:rPr lang="en-US" sz="2200" dirty="0">
+                  <a:rPr lang="en-US" sz="2400" dirty="0">
                     <a:solidFill>
                       <a:srgbClr val="222222"/>
                     </a:solidFill>
@@ -17453,7 +17478,7 @@
               <a:p>
                 <a:pPr lvl="1"/>
                 <a:r>
-                  <a:rPr lang="en-US" sz="2200" dirty="0">
+                  <a:rPr lang="en-US" sz="2400" dirty="0">
                     <a:solidFill>
                       <a:srgbClr val="222222"/>
                     </a:solidFill>
@@ -17462,7 +17487,7 @@
                   <a:t>What do we need in order to get back the </a:t>
                 </a:r>
                 <a:r>
-                  <a:rPr lang="en-US" sz="2200" b="1" dirty="0">
+                  <a:rPr lang="en-US" sz="2400" b="1" dirty="0">
                     <a:solidFill>
                       <a:srgbClr val="222222"/>
                     </a:solidFill>
@@ -17496,7 +17521,7 @@
                   <a:buNone/>
                 </a:pPr>
                 <a:r>
-                  <a:rPr lang="en-US" sz="2800" b="1" dirty="0">
+                  <a:rPr lang="en-US" sz="2400" b="1" dirty="0">
                     <a:solidFill>
                       <a:schemeClr val="accent2">
                         <a:lumMod val="75000"/>
@@ -17506,14 +17531,6 @@
                   </a:rPr>
                   <a:t>Some CDE Methods: </a:t>
                 </a:r>
-                <a:endParaRPr lang="en-US" sz="2400" b="1" dirty="0">
-                  <a:solidFill>
-                    <a:schemeClr val="accent2">
-                      <a:lumMod val="75000"/>
-                    </a:schemeClr>
-                  </a:solidFill>
-                  <a:cs typeface="Times New Roman" panose="02020603050405020304" pitchFamily="18" charset="0"/>
-                </a:endParaRPr>
               </a:p>
               <a:p>
                 <a:pPr marL="457200" indent="-457200">
@@ -17652,7 +17669,7 @@
               <a:p>
                 <a:pPr lvl="1"/>
                 <a:r>
-                  <a:rPr lang="en-US" sz="2200" dirty="0">
+                  <a:rPr lang="en-US" sz="2400" dirty="0">
                     <a:solidFill>
                       <a:srgbClr val="222222"/>
                     </a:solidFill>
@@ -17707,13 +17724,13 @@
             </p:nvSpPr>
             <p:spPr>
               <a:xfrm>
-                <a:off x="1219199" y="1066801"/>
-                <a:ext cx="9829801" cy="5141388"/>
+                <a:off x="685801" y="1066801"/>
+                <a:ext cx="10363200" cy="5141388"/>
               </a:xfrm>
               <a:blipFill>
                 <a:blip r:embed="rId3"/>
                 <a:stretch>
-                  <a:fillRect l="-1240" t="-1305"/>
+                  <a:fillRect l="-941" t="-1305"/>
                 </a:stretch>
               </a:blipFill>
             </p:spPr>
@@ -17809,8 +17826,8 @@
         </p:nvSpPr>
         <p:spPr>
           <a:xfrm>
-            <a:off x="1219199" y="1066801"/>
-            <a:ext cx="9829801" cy="5141388"/>
+            <a:off x="609601" y="1066801"/>
+            <a:ext cx="10439400" cy="5141388"/>
           </a:xfrm>
         </p:spPr>
         <p:txBody>
@@ -17850,81 +17867,17 @@
           <a:p>
             <a:pPr lvl="1"/>
             <a:r>
-              <a:rPr lang="en-US" sz="2200" dirty="0">
-                <a:solidFill>
-                  <a:srgbClr val="222222"/>
-                </a:solidFill>
-                <a:cs typeface="Times New Roman" panose="02020603050405020304" pitchFamily="18" charset="0"/>
-              </a:rPr>
-              <a:t>Rather than coefficient estimation based on averages of errors, </a:t>
-            </a:r>
-          </a:p>
-          <a:p>
-            <a:pPr lvl="1"/>
-            <a:r>
-              <a:rPr lang="en-US" sz="2200" dirty="0">
-                <a:solidFill>
-                  <a:srgbClr val="222222"/>
-                </a:solidFill>
-                <a:cs typeface="Times New Roman" panose="02020603050405020304" pitchFamily="18" charset="0"/>
-              </a:rPr>
-              <a:t>Split data into </a:t>
-            </a:r>
-            <a:r>
-              <a:rPr lang="en-US" sz="2200" i="1" dirty="0">
-                <a:solidFill>
-                  <a:srgbClr val="222222"/>
-                </a:solidFill>
-                <a:cs typeface="Times New Roman" panose="02020603050405020304" pitchFamily="18" charset="0"/>
-              </a:rPr>
-              <a:t>trees </a:t>
-            </a:r>
-            <a:r>
-              <a:rPr lang="en-US" sz="2200" dirty="0">
-                <a:solidFill>
-                  <a:srgbClr val="222222"/>
-                </a:solidFill>
-                <a:cs typeface="Times New Roman" panose="02020603050405020304" pitchFamily="18" charset="0"/>
-              </a:rPr>
-              <a:t>based on “cut-points” in data</a:t>
-            </a:r>
-          </a:p>
-          <a:p>
-            <a:pPr lvl="1"/>
-            <a:r>
-              <a:rPr lang="en-US" sz="2200" dirty="0">
-                <a:solidFill>
-                  <a:srgbClr val="222222"/>
-                </a:solidFill>
-                <a:cs typeface="Times New Roman" panose="02020603050405020304" pitchFamily="18" charset="0"/>
-              </a:rPr>
-              <a:t>Trees are chosen in order to maximize predictive power of data</a:t>
-            </a:r>
-          </a:p>
-          <a:p>
-            <a:r>
               <a:rPr lang="en-US" sz="2400" dirty="0">
                 <a:solidFill>
                   <a:srgbClr val="222222"/>
                 </a:solidFill>
                 <a:cs typeface="Times New Roman" panose="02020603050405020304" pitchFamily="18" charset="0"/>
               </a:rPr>
-              <a:t>Forests: bootstrapping over the trees!</a:t>
+              <a:t>Rather than coefficient estimation based on averages of errors, </a:t>
             </a:r>
           </a:p>
           <a:p>
             <a:pPr lvl="1"/>
-            <a:r>
-              <a:rPr lang="en-US" sz="2200" dirty="0">
-                <a:solidFill>
-                  <a:srgbClr val="222222"/>
-                </a:solidFill>
-                <a:cs typeface="Times New Roman" panose="02020603050405020304" pitchFamily="18" charset="0"/>
-              </a:rPr>
-              <a:t>There is new terminology here: bagging, boosting, etc. But the concepts are similar</a:t>
-            </a:r>
-          </a:p>
-          <a:p>
             <a:r>
               <a:rPr lang="en-US" sz="2400" dirty="0">
                 <a:solidFill>
@@ -17932,6 +17885,70 @@
                 </a:solidFill>
                 <a:cs typeface="Times New Roman" panose="02020603050405020304" pitchFamily="18" charset="0"/>
               </a:rPr>
+              <a:t>Split data into </a:t>
+            </a:r>
+            <a:r>
+              <a:rPr lang="en-US" sz="2400" i="1" dirty="0">
+                <a:solidFill>
+                  <a:srgbClr val="222222"/>
+                </a:solidFill>
+                <a:cs typeface="Times New Roman" panose="02020603050405020304" pitchFamily="18" charset="0"/>
+              </a:rPr>
+              <a:t>trees </a:t>
+            </a:r>
+            <a:r>
+              <a:rPr lang="en-US" sz="2400" dirty="0">
+                <a:solidFill>
+                  <a:srgbClr val="222222"/>
+                </a:solidFill>
+                <a:cs typeface="Times New Roman" panose="02020603050405020304" pitchFamily="18" charset="0"/>
+              </a:rPr>
+              <a:t>based on “cut-points” in data</a:t>
+            </a:r>
+          </a:p>
+          <a:p>
+            <a:pPr lvl="1"/>
+            <a:r>
+              <a:rPr lang="en-US" sz="2400" dirty="0">
+                <a:solidFill>
+                  <a:srgbClr val="222222"/>
+                </a:solidFill>
+                <a:cs typeface="Times New Roman" panose="02020603050405020304" pitchFamily="18" charset="0"/>
+              </a:rPr>
+              <a:t>Trees are chosen in order to maximize predictive power of data</a:t>
+            </a:r>
+          </a:p>
+          <a:p>
+            <a:r>
+              <a:rPr lang="en-US" sz="2400" dirty="0">
+                <a:solidFill>
+                  <a:srgbClr val="222222"/>
+                </a:solidFill>
+                <a:cs typeface="Times New Roman" panose="02020603050405020304" pitchFamily="18" charset="0"/>
+              </a:rPr>
+              <a:t>Forests: bootstrapping over the trees!</a:t>
+            </a:r>
+          </a:p>
+          <a:p>
+            <a:pPr lvl="1"/>
+            <a:r>
+              <a:rPr lang="en-US" sz="2400" dirty="0">
+                <a:solidFill>
+                  <a:srgbClr val="222222"/>
+                </a:solidFill>
+                <a:cs typeface="Times New Roman" panose="02020603050405020304" pitchFamily="18" charset="0"/>
+              </a:rPr>
+              <a:t>There is new terminology here: bagging, boosting, etc. But the concepts are similar</a:t>
+            </a:r>
+          </a:p>
+          <a:p>
+            <a:r>
+              <a:rPr lang="en-US" sz="2400" dirty="0">
+                <a:solidFill>
+                  <a:srgbClr val="222222"/>
+                </a:solidFill>
+                <a:cs typeface="Times New Roman" panose="02020603050405020304" pitchFamily="18" charset="0"/>
+              </a:rPr>
               <a:t>These methods were applied best as </a:t>
             </a:r>
             <a:r>
@@ -17956,22 +17973,13 @@
           <a:p>
             <a:pPr lvl="1"/>
             <a:r>
-              <a:rPr lang="en-US" sz="2200" dirty="0">
-                <a:solidFill>
-                  <a:srgbClr val="222222"/>
-                </a:solidFill>
-                <a:cs typeface="Times New Roman" panose="02020603050405020304" pitchFamily="18" charset="0"/>
-              </a:rPr>
-              <a:t>But causal methods are being developed; </a:t>
-            </a:r>
-            <a:r>
               <a:rPr lang="en-US" sz="2400" dirty="0">
                 <a:solidFill>
                   <a:srgbClr val="222222"/>
                 </a:solidFill>
                 <a:cs typeface="Times New Roman" panose="02020603050405020304" pitchFamily="18" charset="0"/>
               </a:rPr>
-              <a:t>see papers in </a:t>
+              <a:t>But causal methods are being developed; see papers in </a:t>
             </a:r>
             <a:r>
               <a:rPr lang="en-US" sz="2400" dirty="0" err="1">
@@ -18130,8 +18138,8 @@
           </a:p>
         </p:txBody>
       </p:sp>
-      <mc:AlternateContent xmlns:mc="http://schemas.openxmlformats.org/markup-compatibility/2006" xmlns:a14="http://schemas.microsoft.com/office/drawing/2010/main">
-        <mc:Choice Requires="a14">
+      <mc:AlternateContent xmlns:mc="http://schemas.openxmlformats.org/markup-compatibility/2006">
+        <mc:Choice xmlns:a14="http://schemas.microsoft.com/office/drawing/2010/main" Requires="a14">
           <p:sp>
             <p:nvSpPr>
               <p:cNvPr id="3" name="Content Placeholder 2"/>
@@ -18155,13 +18163,13 @@
               <a:lstStyle/>
               <a:p>
                 <a:r>
-                  <a:rPr lang="en-US" sz="2200" dirty="0">
+                  <a:rPr lang="en-US" sz="2400" dirty="0">
                     <a:cs typeface="Times New Roman" panose="02020603050405020304" pitchFamily="18" charset="0"/>
                   </a:rPr>
                   <a:t>Typical DID framework is a way to use </a:t>
                 </a:r>
                 <a:r>
-                  <a:rPr lang="en-US" sz="2200" b="1" dirty="0">
+                  <a:rPr lang="en-US" sz="2400" b="1" dirty="0">
                     <a:solidFill>
                       <a:schemeClr val="accent2">
                         <a:lumMod val="75000"/>
@@ -18172,13 +18180,13 @@
                   <a:t>observational data </a:t>
                 </a:r>
                 <a:r>
-                  <a:rPr lang="en-US" sz="2200" dirty="0">
+                  <a:rPr lang="en-US" sz="2400" dirty="0">
                     <a:cs typeface="Times New Roman" panose="02020603050405020304" pitchFamily="18" charset="0"/>
                   </a:rPr>
                   <a:t>to examine </a:t>
                 </a:r>
                 <a:r>
-                  <a:rPr lang="en-US" sz="2200" b="1" dirty="0">
+                  <a:rPr lang="en-US" sz="2400" b="1" dirty="0">
                     <a:solidFill>
                       <a:schemeClr val="accent3">
                         <a:lumMod val="75000"/>
@@ -18191,7 +18199,7 @@
               </a:p>
               <a:p>
                 <a:r>
-                  <a:rPr lang="en-US" sz="2200" dirty="0">
+                  <a:rPr lang="en-US" sz="2400" dirty="0">
                     <a:cs typeface="Times New Roman" panose="02020603050405020304" pitchFamily="18" charset="0"/>
                   </a:rPr>
                   <a:t>We would like to have: </a:t>
@@ -18210,7 +18218,7 @@
                       <m:sSub>
                         <m:sSubPr>
                           <m:ctrlPr>
-                            <a:rPr lang="en-US" sz="2200" b="0" i="1" smtClean="0">
+                            <a:rPr lang="en-US" sz="2400" b="0" i="1" smtClean="0">
                               <a:latin typeface="Cambria Math" panose="02040503050406030204" pitchFamily="18" charset="0"/>
                               <a:cs typeface="Times New Roman" panose="02020603050405020304" pitchFamily="18" charset="0"/>
                             </a:rPr>
@@ -18218,7 +18226,7 @@
                         </m:sSubPr>
                         <m:e>
                           <m:r>
-                            <a:rPr lang="en-US" sz="2200" b="0" i="1" smtClean="0">
+                            <a:rPr lang="en-US" sz="2400" b="0" i="1" smtClean="0">
                               <a:latin typeface="Cambria Math" panose="02040503050406030204" pitchFamily="18" charset="0"/>
                               <a:cs typeface="Times New Roman" panose="02020603050405020304" pitchFamily="18" charset="0"/>
                             </a:rPr>
@@ -18227,7 +18235,7 @@
                         </m:e>
                         <m:sub>
                           <m:r>
-                            <a:rPr lang="en-US" sz="2200" b="0" i="1" smtClean="0">
+                            <a:rPr lang="en-US" sz="2400" b="0" i="1" smtClean="0">
                               <a:latin typeface="Cambria Math" panose="02040503050406030204" pitchFamily="18" charset="0"/>
                               <a:cs typeface="Times New Roman" panose="02020603050405020304" pitchFamily="18" charset="0"/>
                             </a:rPr>
@@ -18236,7 +18244,7 @@
                         </m:sub>
                       </m:sSub>
                       <m:r>
-                        <a:rPr lang="en-US" sz="2200" b="0" i="1" smtClean="0">
+                        <a:rPr lang="en-US" sz="2400" b="0" i="1" smtClean="0">
                           <a:latin typeface="Cambria Math" panose="02040503050406030204" pitchFamily="18" charset="0"/>
                           <a:cs typeface="Times New Roman" panose="02020603050405020304" pitchFamily="18" charset="0"/>
                         </a:rPr>
@@ -18245,7 +18253,7 @@
                       <m:sSubSup>
                         <m:sSubSupPr>
                           <m:ctrlPr>
-                            <a:rPr lang="en-US" sz="2200" b="0" i="1" smtClean="0">
+                            <a:rPr lang="en-US" sz="2400" b="0" i="1" smtClean="0">
                               <a:latin typeface="Cambria Math" panose="02040503050406030204" pitchFamily="18" charset="0"/>
                               <a:cs typeface="Times New Roman" panose="02020603050405020304" pitchFamily="18" charset="0"/>
                             </a:rPr>
@@ -18253,7 +18261,7 @@
                         </m:sSubSupPr>
                         <m:e>
                           <m:r>
-                            <a:rPr lang="en-US" sz="2200" b="0" i="1" smtClean="0">
+                            <a:rPr lang="en-US" sz="2400" b="0" i="1" smtClean="0">
                               <a:latin typeface="Cambria Math" panose="02040503050406030204" pitchFamily="18" charset="0"/>
                               <a:cs typeface="Times New Roman" panose="02020603050405020304" pitchFamily="18" charset="0"/>
                             </a:rPr>
@@ -18262,7 +18270,7 @@
                         </m:e>
                         <m:sub>
                           <m:r>
-                            <a:rPr lang="en-US" sz="2200" b="0" i="1" smtClean="0">
+                            <a:rPr lang="en-US" sz="2400" b="0" i="1" smtClean="0">
                               <a:latin typeface="Cambria Math" panose="02040503050406030204" pitchFamily="18" charset="0"/>
                               <a:cs typeface="Times New Roman" panose="02020603050405020304" pitchFamily="18" charset="0"/>
                             </a:rPr>
@@ -18271,7 +18279,7 @@
                         </m:sub>
                         <m:sup>
                           <m:r>
-                            <a:rPr lang="en-US" sz="2200" b="0" i="1" smtClean="0">
+                            <a:rPr lang="en-US" sz="2400" b="0" i="1" smtClean="0">
                               <a:latin typeface="Cambria Math" panose="02040503050406030204" pitchFamily="18" charset="0"/>
                               <a:cs typeface="Times New Roman" panose="02020603050405020304" pitchFamily="18" charset="0"/>
                             </a:rPr>
@@ -18280,7 +18288,7 @@
                         </m:sup>
                       </m:sSubSup>
                       <m:r>
-                        <a:rPr lang="en-US" sz="2200" b="0" i="1" smtClean="0">
+                        <a:rPr lang="en-US" sz="2400" b="0" i="1" smtClean="0">
                           <a:latin typeface="Cambria Math" panose="02040503050406030204" pitchFamily="18" charset="0"/>
                           <a:cs typeface="Times New Roman" panose="02020603050405020304" pitchFamily="18" charset="0"/>
                         </a:rPr>
@@ -18289,7 +18297,7 @@
                       <m:sSubSup>
                         <m:sSubSupPr>
                           <m:ctrlPr>
-                            <a:rPr lang="en-US" sz="2200" b="0" i="1" smtClean="0">
+                            <a:rPr lang="en-US" sz="2400" b="0" i="1" smtClean="0">
                               <a:latin typeface="Cambria Math" panose="02040503050406030204" pitchFamily="18" charset="0"/>
                               <a:cs typeface="Times New Roman" panose="02020603050405020304" pitchFamily="18" charset="0"/>
                             </a:rPr>
@@ -18297,7 +18305,7 @@
                         </m:sSubSupPr>
                         <m:e>
                           <m:r>
-                            <a:rPr lang="en-US" sz="2200" b="0" i="1" smtClean="0">
+                            <a:rPr lang="en-US" sz="2400" b="0" i="1" smtClean="0">
                               <a:latin typeface="Cambria Math" panose="02040503050406030204" pitchFamily="18" charset="0"/>
                               <a:cs typeface="Times New Roman" panose="02020603050405020304" pitchFamily="18" charset="0"/>
                             </a:rPr>
@@ -18306,7 +18314,7 @@
                         </m:e>
                         <m:sub>
                           <m:r>
-                            <a:rPr lang="en-US" sz="2200" b="0" i="1" smtClean="0">
+                            <a:rPr lang="en-US" sz="2400" b="0" i="1" smtClean="0">
                               <a:latin typeface="Cambria Math" panose="02040503050406030204" pitchFamily="18" charset="0"/>
                               <a:cs typeface="Times New Roman" panose="02020603050405020304" pitchFamily="18" charset="0"/>
                             </a:rPr>
@@ -18315,7 +18323,7 @@
                         </m:sub>
                         <m:sup>
                           <m:r>
-                            <a:rPr lang="en-US" sz="2200" b="0" i="1" smtClean="0">
+                            <a:rPr lang="en-US" sz="2400" b="0" i="1" smtClean="0">
                               <a:latin typeface="Cambria Math" panose="02040503050406030204" pitchFamily="18" charset="0"/>
                               <a:cs typeface="Times New Roman" panose="02020603050405020304" pitchFamily="18" charset="0"/>
                             </a:rPr>
@@ -18326,13 +18334,13 @@
                     </m:oMath>
                   </m:oMathPara>
                 </a14:m>
-                <a:endParaRPr lang="en-US" sz="2200" dirty="0">
+                <a:endParaRPr lang="en-US" sz="2400" dirty="0">
                   <a:cs typeface="Times New Roman" panose="02020603050405020304" pitchFamily="18" charset="0"/>
                 </a:endParaRPr>
               </a:p>
               <a:p>
                 <a:r>
-                  <a:rPr lang="en-US" sz="2200" dirty="0">
+                  <a:rPr lang="en-US" sz="2400" dirty="0">
                     <a:cs typeface="Times New Roman" panose="02020603050405020304" pitchFamily="18" charset="0"/>
                   </a:rPr>
                   <a:t>When </a:t>
@@ -18342,7 +18350,7 @@
                     <m:sSubSup>
                       <m:sSubSupPr>
                         <m:ctrlPr>
-                          <a:rPr lang="en-US" sz="2200" b="0" i="1" smtClean="0">
+                          <a:rPr lang="en-US" sz="2400" b="0" i="1" smtClean="0">
                             <a:latin typeface="Cambria Math" panose="02040503050406030204" pitchFamily="18" charset="0"/>
                             <a:cs typeface="Times New Roman" panose="02020603050405020304" pitchFamily="18" charset="0"/>
                           </a:rPr>
@@ -18350,7 +18358,7 @@
                       </m:sSubSupPr>
                       <m:e>
                         <m:r>
-                          <a:rPr lang="en-US" sz="2200" b="0" i="1" smtClean="0">
+                          <a:rPr lang="en-US" sz="2400" b="0" i="1" smtClean="0">
                             <a:latin typeface="Cambria Math" panose="02040503050406030204" pitchFamily="18" charset="0"/>
                             <a:cs typeface="Times New Roman" panose="02020603050405020304" pitchFamily="18" charset="0"/>
                           </a:rPr>
@@ -18359,7 +18367,7 @@
                       </m:e>
                       <m:sub>
                         <m:r>
-                          <a:rPr lang="en-US" sz="2200" b="0" i="1" smtClean="0">
+                          <a:rPr lang="en-US" sz="2400" b="0" i="1" smtClean="0">
                             <a:latin typeface="Cambria Math" panose="02040503050406030204" pitchFamily="18" charset="0"/>
                             <a:cs typeface="Times New Roman" panose="02020603050405020304" pitchFamily="18" charset="0"/>
                           </a:rPr>
@@ -18368,7 +18376,7 @@
                       </m:sub>
                       <m:sup>
                         <m:r>
-                          <a:rPr lang="en-US" sz="2200" b="0" i="1" smtClean="0">
+                          <a:rPr lang="en-US" sz="2400" b="0" i="1" smtClean="0">
                             <a:latin typeface="Cambria Math" panose="02040503050406030204" pitchFamily="18" charset="0"/>
                             <a:cs typeface="Times New Roman" panose="02020603050405020304" pitchFamily="18" charset="0"/>
                           </a:rPr>
@@ -18379,31 +18387,31 @@
                   </m:oMath>
                 </a14:m>
                 <a:r>
-                  <a:rPr lang="en-US" sz="2200" dirty="0">
+                  <a:rPr lang="en-US" sz="2400" dirty="0">
                     <a:cs typeface="Times New Roman" panose="02020603050405020304" pitchFamily="18" charset="0"/>
                   </a:rPr>
                   <a:t> is unobserved, we </a:t>
                 </a:r>
                 <a:r>
-                  <a:rPr lang="en-US" sz="2200" u="sng" dirty="0">
+                  <a:rPr lang="en-US" sz="2400" u="sng" dirty="0">
                     <a:cs typeface="Times New Roman" panose="02020603050405020304" pitchFamily="18" charset="0"/>
                   </a:rPr>
                   <a:t>proxy it</a:t>
                 </a:r>
                 <a:r>
-                  <a:rPr lang="en-US" sz="2200" b="1" dirty="0">
+                  <a:rPr lang="en-US" sz="2400" b="1" dirty="0">
                     <a:cs typeface="Times New Roman" panose="02020603050405020304" pitchFamily="18" charset="0"/>
                   </a:rPr>
                   <a:t> </a:t>
                 </a:r>
                 <a:r>
-                  <a:rPr lang="en-US" sz="2200" dirty="0">
+                  <a:rPr lang="en-US" sz="2400" dirty="0">
                     <a:cs typeface="Times New Roman" panose="02020603050405020304" pitchFamily="18" charset="0"/>
                   </a:rPr>
                   <a:t>with a </a:t>
                 </a:r>
                 <a:r>
-                  <a:rPr lang="en-US" sz="2200" dirty="0">
+                  <a:rPr lang="en-US" sz="2400" dirty="0">
                     <a:solidFill>
                       <a:schemeClr val="accent2">
                         <a:lumMod val="75000"/>
@@ -18416,7 +18424,7 @@
               </a:p>
               <a:p>
                 <a:r>
-                  <a:rPr lang="en-US" sz="2200" dirty="0">
+                  <a:rPr lang="en-US" sz="2400" dirty="0">
                     <a:cs typeface="Times New Roman" panose="02020603050405020304" pitchFamily="18" charset="0"/>
                   </a:rPr>
                   <a:t>But are we limited to the control groups we observe?</a:t>
@@ -18430,7 +18438,7 @@
             </p:txBody>
           </p:sp>
         </mc:Choice>
-        <mc:Fallback xmlns="">
+        <mc:Fallback>
           <p:sp>
             <p:nvSpPr>
               <p:cNvPr id="3" name="Content Placeholder 2"/>
@@ -18449,7 +18457,7 @@
               <a:blipFill>
                 <a:blip r:embed="rId3"/>
                 <a:stretch>
-                  <a:fillRect l="-389" t="-1068"/>
+                  <a:fillRect l="-454" t="-1305"/>
                 </a:stretch>
               </a:blipFill>
             </p:spPr>
@@ -18545,8 +18553,8 @@
         </p:nvSpPr>
         <p:spPr>
           <a:xfrm>
-            <a:off x="1219199" y="1066801"/>
-            <a:ext cx="9829801" cy="5141388"/>
+            <a:off x="685801" y="1066801"/>
+            <a:ext cx="10363200" cy="5141388"/>
           </a:xfrm>
         </p:spPr>
         <p:txBody>
@@ -18597,54 +18605,54 @@
           <a:p>
             <a:pPr lvl="1"/>
             <a:r>
-              <a:rPr lang="en-US" sz="2200" dirty="0">
-                <a:solidFill>
-                  <a:srgbClr val="222222"/>
-                </a:solidFill>
-                <a:cs typeface="Times New Roman" panose="02020603050405020304" pitchFamily="18" charset="0"/>
-              </a:rPr>
-              <a:t>These neurons process data in “layered” steps</a:t>
-            </a:r>
-          </a:p>
-          <a:p>
-            <a:pPr lvl="1"/>
-            <a:r>
-              <a:rPr lang="en-US" sz="2200" dirty="0">
-                <a:solidFill>
-                  <a:srgbClr val="222222"/>
-                </a:solidFill>
-                <a:cs typeface="Times New Roman" panose="02020603050405020304" pitchFamily="18" charset="0"/>
-              </a:rPr>
-              <a:t>These layers can be unidirectional (feedforward NN) or circular (feedback NN)</a:t>
-            </a:r>
-          </a:p>
-          <a:p>
-            <a:r>
               <a:rPr lang="en-US" sz="2400" dirty="0">
                 <a:solidFill>
                   <a:srgbClr val="222222"/>
                 </a:solidFill>
                 <a:cs typeface="Times New Roman" panose="02020603050405020304" pitchFamily="18" charset="0"/>
               </a:rPr>
-              <a:t>This means that the hyperparameters needed for NN are much more involved</a:t>
+              <a:t>These neurons process data in “layered” steps</a:t>
             </a:r>
           </a:p>
           <a:p>
             <a:pPr lvl="1"/>
             <a:r>
-              <a:rPr lang="en-US" sz="2200" dirty="0">
+              <a:rPr lang="en-US" sz="2400" dirty="0">
                 <a:solidFill>
                   <a:srgbClr val="222222"/>
                 </a:solidFill>
                 <a:cs typeface="Times New Roman" panose="02020603050405020304" pitchFamily="18" charset="0"/>
               </a:rPr>
+              <a:t>These layers can be unidirectional (feedforward NN) or circular (feedback NN)</a:t>
+            </a:r>
+          </a:p>
+          <a:p>
+            <a:r>
+              <a:rPr lang="en-US" sz="2400" dirty="0">
+                <a:solidFill>
+                  <a:srgbClr val="222222"/>
+                </a:solidFill>
+                <a:cs typeface="Times New Roman" panose="02020603050405020304" pitchFamily="18" charset="0"/>
+              </a:rPr>
+              <a:t>This means that the hyperparameters needed for NN are much more involved</a:t>
+            </a:r>
+          </a:p>
+          <a:p>
+            <a:pPr lvl="1"/>
+            <a:r>
+              <a:rPr lang="en-US" sz="2400" dirty="0">
+                <a:solidFill>
+                  <a:srgbClr val="222222"/>
+                </a:solidFill>
+                <a:cs typeface="Times New Roman" panose="02020603050405020304" pitchFamily="18" charset="0"/>
+              </a:rPr>
               <a:t>Makes training these more of an “art” </a:t>
             </a:r>
           </a:p>
           <a:p>
             <a:pPr lvl="1"/>
             <a:r>
-              <a:rPr lang="en-US" sz="2200" dirty="0">
+              <a:rPr lang="en-US" sz="2400" dirty="0">
                 <a:solidFill>
                   <a:srgbClr val="222222"/>
                 </a:solidFill>
@@ -18781,8 +18789,8 @@
             </p:nvSpPr>
             <p:spPr>
               <a:xfrm>
-                <a:off x="1219199" y="1066801"/>
-                <a:ext cx="9405791" cy="5141388"/>
+                <a:off x="609601" y="1066801"/>
+                <a:ext cx="10015390" cy="5141388"/>
               </a:xfrm>
             </p:spPr>
             <p:txBody>
@@ -18795,7 +18803,7 @@
                   <a:buNone/>
                 </a:pPr>
                 <a:r>
-                  <a:rPr lang="en-US" sz="2200" b="1" dirty="0">
+                  <a:rPr lang="en-US" sz="2400" b="1" dirty="0">
                     <a:cs typeface="Times New Roman" panose="02020603050405020304" pitchFamily="18" charset="0"/>
                   </a:rPr>
                   <a:t>Synthetic Control</a:t>
@@ -18806,7 +18814,7 @@
                   <a:buNone/>
                 </a:pPr>
                 <a:r>
-                  <a:rPr lang="en-US" sz="2200" dirty="0">
+                  <a:rPr lang="en-US" sz="2400" dirty="0">
                     <a:cs typeface="Times New Roman" panose="02020603050405020304" pitchFamily="18" charset="0"/>
                   </a:rPr>
                   <a:t>Constructing adequate control groups using matching on pre-intervention characteristics </a:t>
@@ -18814,7 +18822,7 @@
                 <a14:m>
                   <m:oMath xmlns:m="http://schemas.openxmlformats.org/officeDocument/2006/math">
                     <m:r>
-                      <a:rPr lang="en-US" sz="2200" b="0" i="1" smtClean="0">
+                      <a:rPr lang="en-US" sz="2400" b="0" i="1" smtClean="0">
                         <a:latin typeface="Cambria Math" panose="02040503050406030204" pitchFamily="18" charset="0"/>
                         <a:cs typeface="Times New Roman" panose="02020603050405020304" pitchFamily="18" charset="0"/>
                       </a:rPr>
@@ -18823,7 +18831,7 @@
                   </m:oMath>
                 </a14:m>
                 <a:r>
-                  <a:rPr lang="en-US" sz="2200" dirty="0">
+                  <a:rPr lang="en-US" sz="2400" dirty="0">
                     <a:cs typeface="Times New Roman" panose="02020603050405020304" pitchFamily="18" charset="0"/>
                   </a:rPr>
                   <a:t> better (in some ways) comparisons</a:t>
@@ -18834,21 +18842,10 @@
                   <a:buNone/>
                 </a:pPr>
                 <a:r>
-                  <a:rPr lang="en-US" sz="2200" b="1" dirty="0">
+                  <a:rPr lang="en-US" sz="2400" b="1" dirty="0">
                     <a:cs typeface="Times New Roman" panose="02020603050405020304" pitchFamily="18" charset="0"/>
                   </a:rPr>
                   <a:t>Distributional Effects</a:t>
-                </a:r>
-              </a:p>
-              <a:p>
-                <a:pPr marL="0" indent="0">
-                  <a:buNone/>
-                </a:pPr>
-                <a:r>
-                  <a:rPr lang="en-US" sz="2200" dirty="0">
-                    <a:cs typeface="Times New Roman" panose="02020603050405020304" pitchFamily="18" charset="0"/>
-                  </a:rPr>
-                  <a:t>Lots of ways to estimate distributional effects!</a:t>
                 </a:r>
               </a:p>
               <a:p>
@@ -18857,7 +18854,7 @@
                   <a:buAutoNum type="arabicPeriod"/>
                 </a:pPr>
                 <a:r>
-                  <a:rPr lang="en-US" sz="2200" dirty="0">
+                  <a:rPr lang="en-US" sz="2400" dirty="0">
                     <a:cs typeface="Times New Roman" panose="02020603050405020304" pitchFamily="18" charset="0"/>
                   </a:rPr>
                   <a:t>Quantile Regression</a:t>
@@ -18869,7 +18866,7 @@
                   <a:buAutoNum type="arabicPeriod"/>
                 </a:pPr>
                 <a:r>
-                  <a:rPr lang="en-US" sz="2200" dirty="0">
+                  <a:rPr lang="en-US" sz="2400" dirty="0">
                     <a:cs typeface="Times New Roman" panose="02020603050405020304" pitchFamily="18" charset="0"/>
                   </a:rPr>
                   <a:t>Nonparametric Regression</a:t>
@@ -18878,25 +18875,25 @@
               <a:p>
                 <a:pPr lvl="1"/>
                 <a:r>
-                  <a:rPr lang="en-US" sz="2000" dirty="0">
+                  <a:rPr lang="en-US" sz="2400" dirty="0">
                     <a:cs typeface="Times New Roman" panose="02020603050405020304" pitchFamily="18" charset="0"/>
                   </a:rPr>
                   <a:t>Local polynomial regression / </a:t>
                 </a:r>
                 <a:r>
-                  <a:rPr lang="en-US" sz="2000" dirty="0" err="1">
+                  <a:rPr lang="en-US" sz="2400" dirty="0" err="1">
                     <a:cs typeface="Times New Roman" panose="02020603050405020304" pitchFamily="18" charset="0"/>
                   </a:rPr>
                   <a:t>binscatters</a:t>
                 </a:r>
-                <a:endParaRPr lang="en-US" sz="2000" dirty="0">
+                <a:endParaRPr lang="en-US" sz="2400" dirty="0">
                   <a:cs typeface="Times New Roman" panose="02020603050405020304" pitchFamily="18" charset="0"/>
                 </a:endParaRPr>
               </a:p>
               <a:p>
                 <a:pPr lvl="1"/>
                 <a:r>
-                  <a:rPr lang="en-US" sz="2000" dirty="0">
+                  <a:rPr lang="en-US" sz="2400" dirty="0">
                     <a:cs typeface="Times New Roman" panose="02020603050405020304" pitchFamily="18" charset="0"/>
                   </a:rPr>
                   <a:t>Kernel-weighted regressions</a:t>
@@ -18908,7 +18905,7 @@
                   <a:buAutoNum type="arabicPeriod"/>
                 </a:pPr>
                 <a:r>
-                  <a:rPr lang="en-US" sz="2200" dirty="0">
+                  <a:rPr lang="en-US" sz="2400" dirty="0">
                     <a:cs typeface="Times New Roman" panose="02020603050405020304" pitchFamily="18" charset="0"/>
                   </a:rPr>
                   <a:t>Machine Learning Techniques</a:t>
@@ -18917,7 +18914,7 @@
               <a:p>
                 <a:pPr lvl="1"/>
                 <a:r>
-                  <a:rPr lang="en-US" sz="2000" dirty="0">
+                  <a:rPr lang="en-US" sz="2400" dirty="0">
                     <a:cs typeface="Times New Roman" panose="02020603050405020304" pitchFamily="18" charset="0"/>
                   </a:rPr>
                   <a:t>Random forests</a:t>
@@ -18926,7 +18923,7 @@
               <a:p>
                 <a:pPr lvl="1"/>
                 <a:r>
-                  <a:rPr lang="en-US" sz="2000" dirty="0">
+                  <a:rPr lang="en-US" sz="2400" dirty="0">
                     <a:cs typeface="Times New Roman" panose="02020603050405020304" pitchFamily="18" charset="0"/>
                   </a:rPr>
                   <a:t>Neural networks</a:t>
@@ -18948,13 +18945,13 @@
             </p:nvSpPr>
             <p:spPr>
               <a:xfrm>
-                <a:off x="1219199" y="1066801"/>
-                <a:ext cx="9405791" cy="5141388"/>
+                <a:off x="609601" y="1066801"/>
+                <a:ext cx="10015390" cy="5141388"/>
               </a:xfrm>
               <a:blipFill>
                 <a:blip r:embed="rId3"/>
                 <a:stretch>
-                  <a:fillRect l="-843" t="-1068" b="-4270"/>
+                  <a:fillRect l="-913" t="-1305" b="-2966"/>
                 </a:stretch>
               </a:blipFill>
             </p:spPr>
@@ -19050,8 +19047,8 @@
           </a:p>
         </p:txBody>
       </p:sp>
-      <mc:AlternateContent xmlns:mc="http://schemas.openxmlformats.org/markup-compatibility/2006" xmlns:a14="http://schemas.microsoft.com/office/drawing/2010/main">
-        <mc:Choice Requires="a14">
+      <mc:AlternateContent xmlns:mc="http://schemas.openxmlformats.org/markup-compatibility/2006">
+        <mc:Choice xmlns:a14="http://schemas.microsoft.com/office/drawing/2010/main" Requires="a14">
           <p:sp>
             <p:nvSpPr>
               <p:cNvPr id="3" name="Content Placeholder 2"/>
@@ -19065,7 +19062,7 @@
             <p:spPr>
               <a:xfrm>
                 <a:off x="1219199" y="1066801"/>
-                <a:ext cx="9405791" cy="5141388"/>
+                <a:ext cx="9601201" cy="5141388"/>
               </a:xfrm>
             </p:spPr>
             <p:txBody>
@@ -19075,13 +19072,13 @@
               <a:lstStyle/>
               <a:p>
                 <a:r>
-                  <a:rPr lang="en-US" sz="2200" dirty="0">
+                  <a:rPr lang="en-US" sz="2400" dirty="0">
                     <a:cs typeface="Times New Roman" panose="02020603050405020304" pitchFamily="18" charset="0"/>
                   </a:rPr>
                   <a:t>Typical DID framework is a way to use </a:t>
                 </a:r>
                 <a:r>
-                  <a:rPr lang="en-US" sz="2200" b="1" dirty="0">
+                  <a:rPr lang="en-US" sz="2400" b="1" dirty="0">
                     <a:solidFill>
                       <a:schemeClr val="accent2">
                         <a:lumMod val="75000"/>
@@ -19092,13 +19089,13 @@
                   <a:t>observational data </a:t>
                 </a:r>
                 <a:r>
-                  <a:rPr lang="en-US" sz="2200" dirty="0">
+                  <a:rPr lang="en-US" sz="2400" dirty="0">
                     <a:cs typeface="Times New Roman" panose="02020603050405020304" pitchFamily="18" charset="0"/>
                   </a:rPr>
                   <a:t>to examine </a:t>
                 </a:r>
                 <a:r>
-                  <a:rPr lang="en-US" sz="2200" b="1" dirty="0">
+                  <a:rPr lang="en-US" sz="2400" b="1" dirty="0">
                     <a:solidFill>
                       <a:schemeClr val="accent3">
                         <a:lumMod val="75000"/>
@@ -19111,7 +19108,7 @@
               </a:p>
               <a:p>
                 <a:r>
-                  <a:rPr lang="en-US" sz="2200" dirty="0">
+                  <a:rPr lang="en-US" sz="2400" dirty="0">
                     <a:cs typeface="Times New Roman" panose="02020603050405020304" pitchFamily="18" charset="0"/>
                   </a:rPr>
                   <a:t>We would like to have: </a:t>
@@ -19130,7 +19127,7 @@
                       <m:sSub>
                         <m:sSubPr>
                           <m:ctrlPr>
-                            <a:rPr lang="en-US" sz="2200" b="0" i="1" smtClean="0">
+                            <a:rPr lang="en-US" sz="2400" b="0" i="1" smtClean="0">
                               <a:latin typeface="Cambria Math" panose="02040503050406030204" pitchFamily="18" charset="0"/>
                               <a:cs typeface="Times New Roman" panose="02020603050405020304" pitchFamily="18" charset="0"/>
                             </a:rPr>
@@ -19138,7 +19135,7 @@
                         </m:sSubPr>
                         <m:e>
                           <m:r>
-                            <a:rPr lang="en-US" sz="2200" b="0" i="1" smtClean="0">
+                            <a:rPr lang="en-US" sz="2400" b="0" i="1" smtClean="0">
                               <a:latin typeface="Cambria Math" panose="02040503050406030204" pitchFamily="18" charset="0"/>
                               <a:cs typeface="Times New Roman" panose="02020603050405020304" pitchFamily="18" charset="0"/>
                             </a:rPr>
@@ -19147,7 +19144,7 @@
                         </m:e>
                         <m:sub>
                           <m:r>
-                            <a:rPr lang="en-US" sz="2200" b="0" i="1" smtClean="0">
+                            <a:rPr lang="en-US" sz="2400" b="0" i="1" smtClean="0">
                               <a:latin typeface="Cambria Math" panose="02040503050406030204" pitchFamily="18" charset="0"/>
                               <a:cs typeface="Times New Roman" panose="02020603050405020304" pitchFamily="18" charset="0"/>
                             </a:rPr>
@@ -19156,7 +19153,7 @@
                         </m:sub>
                       </m:sSub>
                       <m:r>
-                        <a:rPr lang="en-US" sz="2200" b="0" i="1" smtClean="0">
+                        <a:rPr lang="en-US" sz="2400" b="0" i="1" smtClean="0">
                           <a:latin typeface="Cambria Math" panose="02040503050406030204" pitchFamily="18" charset="0"/>
                           <a:cs typeface="Times New Roman" panose="02020603050405020304" pitchFamily="18" charset="0"/>
                         </a:rPr>
@@ -19165,7 +19162,7 @@
                       <m:sSubSup>
                         <m:sSubSupPr>
                           <m:ctrlPr>
-                            <a:rPr lang="en-US" sz="2200" b="0" i="1" smtClean="0">
+                            <a:rPr lang="en-US" sz="2400" b="0" i="1" smtClean="0">
                               <a:latin typeface="Cambria Math" panose="02040503050406030204" pitchFamily="18" charset="0"/>
                               <a:cs typeface="Times New Roman" panose="02020603050405020304" pitchFamily="18" charset="0"/>
                             </a:rPr>
@@ -19173,7 +19170,7 @@
                         </m:sSubSupPr>
                         <m:e>
                           <m:r>
-                            <a:rPr lang="en-US" sz="2200" b="0" i="1" smtClean="0">
+                            <a:rPr lang="en-US" sz="2400" b="0" i="1" smtClean="0">
                               <a:latin typeface="Cambria Math" panose="02040503050406030204" pitchFamily="18" charset="0"/>
                               <a:cs typeface="Times New Roman" panose="02020603050405020304" pitchFamily="18" charset="0"/>
                             </a:rPr>
@@ -19182,7 +19179,7 @@
                         </m:e>
                         <m:sub>
                           <m:r>
-                            <a:rPr lang="en-US" sz="2200" b="0" i="1" smtClean="0">
+                            <a:rPr lang="en-US" sz="2400" b="0" i="1" smtClean="0">
                               <a:latin typeface="Cambria Math" panose="02040503050406030204" pitchFamily="18" charset="0"/>
                               <a:cs typeface="Times New Roman" panose="02020603050405020304" pitchFamily="18" charset="0"/>
                             </a:rPr>
@@ -19191,7 +19188,7 @@
                         </m:sub>
                         <m:sup>
                           <m:r>
-                            <a:rPr lang="en-US" sz="2200" b="0" i="1" smtClean="0">
+                            <a:rPr lang="en-US" sz="2400" b="0" i="1" smtClean="0">
                               <a:latin typeface="Cambria Math" panose="02040503050406030204" pitchFamily="18" charset="0"/>
                               <a:cs typeface="Times New Roman" panose="02020603050405020304" pitchFamily="18" charset="0"/>
                             </a:rPr>
@@ -19200,7 +19197,7 @@
                         </m:sup>
                       </m:sSubSup>
                       <m:r>
-                        <a:rPr lang="en-US" sz="2200" b="0" i="1" smtClean="0">
+                        <a:rPr lang="en-US" sz="2400" b="0" i="1" smtClean="0">
                           <a:latin typeface="Cambria Math" panose="02040503050406030204" pitchFamily="18" charset="0"/>
                           <a:cs typeface="Times New Roman" panose="02020603050405020304" pitchFamily="18" charset="0"/>
                         </a:rPr>
@@ -19209,7 +19206,7 @@
                       <m:sSubSup>
                         <m:sSubSupPr>
                           <m:ctrlPr>
-                            <a:rPr lang="en-US" sz="2200" b="0" i="1" smtClean="0">
+                            <a:rPr lang="en-US" sz="2400" b="0" i="1" smtClean="0">
                               <a:latin typeface="Cambria Math" panose="02040503050406030204" pitchFamily="18" charset="0"/>
                               <a:cs typeface="Times New Roman" panose="02020603050405020304" pitchFamily="18" charset="0"/>
                             </a:rPr>
@@ -19217,7 +19214,7 @@
                         </m:sSubSupPr>
                         <m:e>
                           <m:r>
-                            <a:rPr lang="en-US" sz="2200" b="0" i="1" smtClean="0">
+                            <a:rPr lang="en-US" sz="2400" b="0" i="1" smtClean="0">
                               <a:latin typeface="Cambria Math" panose="02040503050406030204" pitchFamily="18" charset="0"/>
                               <a:cs typeface="Times New Roman" panose="02020603050405020304" pitchFamily="18" charset="0"/>
                             </a:rPr>
@@ -19226,7 +19223,7 @@
                         </m:e>
                         <m:sub>
                           <m:r>
-                            <a:rPr lang="en-US" sz="2200" b="0" i="1" smtClean="0">
+                            <a:rPr lang="en-US" sz="2400" b="0" i="1" smtClean="0">
                               <a:latin typeface="Cambria Math" panose="02040503050406030204" pitchFamily="18" charset="0"/>
                               <a:cs typeface="Times New Roman" panose="02020603050405020304" pitchFamily="18" charset="0"/>
                             </a:rPr>
@@ -19235,7 +19232,7 @@
                         </m:sub>
                         <m:sup>
                           <m:r>
-                            <a:rPr lang="en-US" sz="2200" b="0" i="1" smtClean="0">
+                            <a:rPr lang="en-US" sz="2400" b="0" i="1" smtClean="0">
                               <a:latin typeface="Cambria Math" panose="02040503050406030204" pitchFamily="18" charset="0"/>
                               <a:cs typeface="Times New Roman" panose="02020603050405020304" pitchFamily="18" charset="0"/>
                             </a:rPr>
@@ -19246,13 +19243,13 @@
                     </m:oMath>
                   </m:oMathPara>
                 </a14:m>
-                <a:endParaRPr lang="en-US" sz="2200" dirty="0">
+                <a:endParaRPr lang="en-US" sz="2400" dirty="0">
                   <a:cs typeface="Times New Roman" panose="02020603050405020304" pitchFamily="18" charset="0"/>
                 </a:endParaRPr>
               </a:p>
               <a:p>
                 <a:r>
-                  <a:rPr lang="en-US" sz="2200" dirty="0">
+                  <a:rPr lang="en-US" sz="2400" dirty="0">
                     <a:cs typeface="Times New Roman" panose="02020603050405020304" pitchFamily="18" charset="0"/>
                   </a:rPr>
                   <a:t>When </a:t>
@@ -19262,7 +19259,7 @@
                     <m:sSubSup>
                       <m:sSubSupPr>
                         <m:ctrlPr>
-                          <a:rPr lang="en-US" sz="2200" b="0" i="1" smtClean="0">
+                          <a:rPr lang="en-US" sz="2400" b="0" i="1" smtClean="0">
                             <a:latin typeface="Cambria Math" panose="02040503050406030204" pitchFamily="18" charset="0"/>
                             <a:cs typeface="Times New Roman" panose="02020603050405020304" pitchFamily="18" charset="0"/>
                           </a:rPr>
@@ -19270,7 +19267,7 @@
                       </m:sSubSupPr>
                       <m:e>
                         <m:r>
-                          <a:rPr lang="en-US" sz="2200" b="0" i="1" smtClean="0">
+                          <a:rPr lang="en-US" sz="2400" b="0" i="1" smtClean="0">
                             <a:latin typeface="Cambria Math" panose="02040503050406030204" pitchFamily="18" charset="0"/>
                             <a:cs typeface="Times New Roman" panose="02020603050405020304" pitchFamily="18" charset="0"/>
                           </a:rPr>
@@ -19279,7 +19276,7 @@
                       </m:e>
                       <m:sub>
                         <m:r>
-                          <a:rPr lang="en-US" sz="2200" b="0" i="1" smtClean="0">
+                          <a:rPr lang="en-US" sz="2400" b="0" i="1" smtClean="0">
                             <a:latin typeface="Cambria Math" panose="02040503050406030204" pitchFamily="18" charset="0"/>
                             <a:cs typeface="Times New Roman" panose="02020603050405020304" pitchFamily="18" charset="0"/>
                           </a:rPr>
@@ -19288,7 +19285,7 @@
                       </m:sub>
                       <m:sup>
                         <m:r>
-                          <a:rPr lang="en-US" sz="2200" b="0" i="1" smtClean="0">
+                          <a:rPr lang="en-US" sz="2400" b="0" i="1" smtClean="0">
                             <a:latin typeface="Cambria Math" panose="02040503050406030204" pitchFamily="18" charset="0"/>
                             <a:cs typeface="Times New Roman" panose="02020603050405020304" pitchFamily="18" charset="0"/>
                           </a:rPr>
@@ -19299,31 +19296,31 @@
                   </m:oMath>
                 </a14:m>
                 <a:r>
-                  <a:rPr lang="en-US" sz="2200" dirty="0">
+                  <a:rPr lang="en-US" sz="2400" dirty="0">
                     <a:cs typeface="Times New Roman" panose="02020603050405020304" pitchFamily="18" charset="0"/>
                   </a:rPr>
                   <a:t> is unobserved, we </a:t>
                 </a:r>
                 <a:r>
-                  <a:rPr lang="en-US" sz="2200" u="sng" dirty="0">
+                  <a:rPr lang="en-US" sz="2400" u="sng" dirty="0">
                     <a:cs typeface="Times New Roman" panose="02020603050405020304" pitchFamily="18" charset="0"/>
                   </a:rPr>
                   <a:t>proxy it</a:t>
                 </a:r>
                 <a:r>
-                  <a:rPr lang="en-US" sz="2200" b="1" dirty="0">
+                  <a:rPr lang="en-US" sz="2400" b="1" dirty="0">
                     <a:cs typeface="Times New Roman" panose="02020603050405020304" pitchFamily="18" charset="0"/>
                   </a:rPr>
                   <a:t> </a:t>
                 </a:r>
                 <a:r>
-                  <a:rPr lang="en-US" sz="2200" dirty="0">
+                  <a:rPr lang="en-US" sz="2400" dirty="0">
                     <a:cs typeface="Times New Roman" panose="02020603050405020304" pitchFamily="18" charset="0"/>
                   </a:rPr>
                   <a:t>with a </a:t>
                 </a:r>
                 <a:r>
-                  <a:rPr lang="en-US" sz="2200" dirty="0">
+                  <a:rPr lang="en-US" sz="2400" dirty="0">
                     <a:solidFill>
                       <a:schemeClr val="accent2">
                         <a:lumMod val="75000"/>
@@ -19336,7 +19333,7 @@
               </a:p>
               <a:p>
                 <a:r>
-                  <a:rPr lang="en-US" sz="2200" dirty="0">
+                  <a:rPr lang="en-US" sz="2400" dirty="0">
                     <a:cs typeface="Times New Roman" panose="02020603050405020304" pitchFamily="18" charset="0"/>
                   </a:rPr>
                   <a:t>But are we limited to the control groups we observe?</a:t>
@@ -19367,7 +19364,7 @@
               </a:p>
               <a:p>
                 <a:r>
-                  <a:rPr lang="en-US" sz="2200" dirty="0">
+                  <a:rPr lang="en-US" sz="2400" dirty="0">
                     <a:cs typeface="Times New Roman" panose="02020603050405020304" pitchFamily="18" charset="0"/>
                   </a:rPr>
                   <a:t>A suitable counterfactual to treated group</a:t>
@@ -19375,7 +19372,7 @@
               </a:p>
               <a:p>
                 <a:r>
-                  <a:rPr lang="en-US" sz="2200" dirty="0">
+                  <a:rPr lang="en-US" sz="2400" dirty="0">
                     <a:cs typeface="Times New Roman" panose="02020603050405020304" pitchFamily="18" charset="0"/>
                   </a:rPr>
                   <a:t>Think of this as matching + parallel trends assumption </a:t>
@@ -19383,19 +19380,19 @@
               </a:p>
               <a:p>
                 <a:r>
-                  <a:rPr lang="en-US" sz="2200" dirty="0">
+                  <a:rPr lang="en-US" sz="2400" dirty="0">
                     <a:cs typeface="Times New Roman" panose="02020603050405020304" pitchFamily="18" charset="0"/>
                   </a:rPr>
                   <a:t>The weighted average may be a </a:t>
                 </a:r>
                 <a:r>
-                  <a:rPr lang="en-US" sz="2200" b="1" dirty="0">
+                  <a:rPr lang="en-US" sz="2400" b="1" dirty="0">
                     <a:cs typeface="Times New Roman" panose="02020603050405020304" pitchFamily="18" charset="0"/>
                   </a:rPr>
                   <a:t>superior control group </a:t>
                 </a:r>
                 <a:r>
-                  <a:rPr lang="en-US" sz="2200" dirty="0">
+                  <a:rPr lang="en-US" sz="2400" dirty="0">
                     <a:cs typeface="Times New Roman" panose="02020603050405020304" pitchFamily="18" charset="0"/>
                   </a:rPr>
                   <a:t>than any one unit</a:t>
@@ -19409,7 +19406,7 @@
             </p:txBody>
           </p:sp>
         </mc:Choice>
-        <mc:Fallback xmlns="">
+        <mc:Fallback>
           <p:sp>
             <p:nvSpPr>
               <p:cNvPr id="3" name="Content Placeholder 2"/>
@@ -19423,12 +19420,12 @@
             <p:spPr>
               <a:xfrm>
                 <a:off x="1219199" y="1066801"/>
-                <a:ext cx="9405791" cy="5141388"/>
+                <a:ext cx="9601201" cy="5141388"/>
               </a:xfrm>
               <a:blipFill>
                 <a:blip r:embed="rId3"/>
                 <a:stretch>
-                  <a:fillRect l="-972" t="-1068"/>
+                  <a:fillRect l="-952" t="-1305" b="-1186"/>
                 </a:stretch>
               </a:blipFill>
             </p:spPr>
@@ -19535,7 +19532,7 @@
           <a:lstStyle/>
           <a:p>
             <a:r>
-              <a:rPr lang="en-US" sz="2200" dirty="0">
+              <a:rPr lang="en-US" sz="2400" dirty="0">
                 <a:cs typeface="Times New Roman" panose="02020603050405020304" pitchFamily="18" charset="0"/>
               </a:rPr>
               <a:t>Recall Ohio’s vaccine lottery: </a:t>
@@ -19544,7 +19541,7 @@
           <a:p>
             <a:pPr lvl="1"/>
             <a:r>
-              <a:rPr lang="en-US" sz="2000" dirty="0">
+              <a:rPr lang="en-US" sz="2400" dirty="0">
                 <a:cs typeface="Times New Roman" panose="02020603050405020304" pitchFamily="18" charset="0"/>
               </a:rPr>
               <a:t>Million-USD lottery for vaccinated individuals</a:t>
@@ -19553,7 +19550,7 @@
           <a:p>
             <a:pPr lvl="1"/>
             <a:r>
-              <a:rPr lang="en-US" sz="2000" dirty="0">
+              <a:rPr lang="en-US" sz="2400" dirty="0">
                 <a:cs typeface="Times New Roman" panose="02020603050405020304" pitchFamily="18" charset="0"/>
               </a:rPr>
               <a:t>Announced on May 12, 2021</a:t>
@@ -19562,7 +19559,7 @@
           <a:p>
             <a:pPr lvl="1"/>
             <a:r>
-              <a:rPr lang="en-US" sz="2000" dirty="0">
+              <a:rPr lang="en-US" sz="2400" dirty="0">
                 <a:cs typeface="Times New Roman" panose="02020603050405020304" pitchFamily="18" charset="0"/>
               </a:rPr>
               <a:t>Lotteries drawn weekly until June 23, 2021</a:t>
@@ -19570,18 +19567,18 @@
           </a:p>
           <a:p>
             <a:r>
-              <a:rPr lang="en-US" sz="2200" dirty="0">
+              <a:rPr lang="en-US" sz="2400" dirty="0">
                 <a:cs typeface="Times New Roman" panose="02020603050405020304" pitchFamily="18" charset="0"/>
               </a:rPr>
               <a:t>Main question: </a:t>
             </a:r>
             <a:r>
-              <a:rPr lang="en-US" sz="2200" b="1" dirty="0">
+              <a:rPr lang="en-US" sz="2400" b="1" dirty="0">
                 <a:cs typeface="Times New Roman" panose="02020603050405020304" pitchFamily="18" charset="0"/>
               </a:rPr>
               <a:t>what is the effect of this lottery on vaccination rates?</a:t>
             </a:r>
-            <a:endParaRPr lang="en-US" sz="2200" dirty="0">
+            <a:endParaRPr lang="en-US" sz="2400" dirty="0">
               <a:cs typeface="Times New Roman" panose="02020603050405020304" pitchFamily="18" charset="0"/>
             </a:endParaRPr>
           </a:p>
@@ -19675,7 +19672,7 @@
           <a:lstStyle/>
           <a:p>
             <a:r>
-              <a:rPr lang="en-US" sz="2200" dirty="0">
+              <a:rPr lang="en-US" sz="2400" dirty="0">
                 <a:cs typeface="Times New Roman" panose="02020603050405020304" pitchFamily="18" charset="0"/>
               </a:rPr>
               <a:t>Recall Ohio’s vaccine lottery: </a:t>
@@ -19684,7 +19681,7 @@
           <a:p>
             <a:pPr lvl="1"/>
             <a:r>
-              <a:rPr lang="en-US" sz="2000" dirty="0">
+              <a:rPr lang="en-US" sz="2400" dirty="0">
                 <a:cs typeface="Times New Roman" panose="02020603050405020304" pitchFamily="18" charset="0"/>
               </a:rPr>
               <a:t>Million-USD lottery for vaccinated individuals</a:t>
@@ -19693,7 +19690,7 @@
           <a:p>
             <a:pPr lvl="1"/>
             <a:r>
-              <a:rPr lang="en-US" sz="2000" dirty="0">
+              <a:rPr lang="en-US" sz="2400" dirty="0">
                 <a:cs typeface="Times New Roman" panose="02020603050405020304" pitchFamily="18" charset="0"/>
               </a:rPr>
               <a:t>Announced on May 12, 2021</a:t>
@@ -19702,7 +19699,7 @@
           <a:p>
             <a:pPr lvl="1"/>
             <a:r>
-              <a:rPr lang="en-US" sz="2000" dirty="0">
+              <a:rPr lang="en-US" sz="2400" dirty="0">
                 <a:cs typeface="Times New Roman" panose="02020603050405020304" pitchFamily="18" charset="0"/>
               </a:rPr>
               <a:t>Lotteries drawn weekly until June 23, 2021</a:t>
@@ -19710,13 +19707,13 @@
           </a:p>
           <a:p>
             <a:r>
-              <a:rPr lang="en-US" sz="2200" dirty="0">
+              <a:rPr lang="en-US" sz="2400" dirty="0">
                 <a:cs typeface="Times New Roman" panose="02020603050405020304" pitchFamily="18" charset="0"/>
               </a:rPr>
               <a:t>Main question: </a:t>
             </a:r>
             <a:r>
-              <a:rPr lang="en-US" sz="2200" b="1" dirty="0">
+              <a:rPr lang="en-US" sz="2400" b="1" dirty="0">
                 <a:cs typeface="Times New Roman" panose="02020603050405020304" pitchFamily="18" charset="0"/>
               </a:rPr>
               <a:t>what is the effect of this lottery on vaccination rates?</a:t>
@@ -19724,13 +19721,13 @@
           </a:p>
           <a:p>
             <a:r>
-              <a:rPr lang="en-US" sz="2200" b="1" dirty="0">
+              <a:rPr lang="en-US" sz="2400" b="1" dirty="0">
                 <a:cs typeface="Times New Roman" panose="02020603050405020304" pitchFamily="18" charset="0"/>
               </a:rPr>
               <a:t>Main problem: </a:t>
             </a:r>
             <a:r>
-              <a:rPr lang="en-US" sz="2200" dirty="0">
+              <a:rPr lang="en-US" sz="2400" dirty="0">
                 <a:cs typeface="Times New Roman" panose="02020603050405020304" pitchFamily="18" charset="0"/>
               </a:rPr>
               <a:t>which state should we use as Ohio’s potential outcome? </a:t>
@@ -19739,7 +19736,7 @@
           <a:p>
             <a:pPr lvl="1"/>
             <a:r>
-              <a:rPr lang="en-US" sz="2000" dirty="0">
+              <a:rPr lang="en-US" sz="2400" dirty="0">
                 <a:cs typeface="Times New Roman" panose="02020603050405020304" pitchFamily="18" charset="0"/>
               </a:rPr>
               <a:t>Neighboring states? </a:t>
@@ -19748,7 +19745,7 @@
           <a:p>
             <a:pPr lvl="1"/>
             <a:r>
-              <a:rPr lang="en-US" sz="2000" dirty="0">
+              <a:rPr lang="en-US" sz="2400" dirty="0">
                 <a:cs typeface="Times New Roman" panose="02020603050405020304" pitchFamily="18" charset="0"/>
               </a:rPr>
               <a:t>Full US? </a:t>
@@ -19778,7 +19775,7 @@
             <a:pPr marL="0" indent="0">
               <a:buNone/>
             </a:pPr>
-            <a:endParaRPr lang="en-US" sz="2200" dirty="0">
+            <a:endParaRPr lang="en-US" sz="2400" dirty="0">
               <a:cs typeface="Times New Roman" panose="02020603050405020304" pitchFamily="18" charset="0"/>
             </a:endParaRPr>
           </a:p>
@@ -19984,8 +19981,8 @@
         </p:nvSpPr>
         <p:spPr>
           <a:xfrm>
-            <a:off x="1219199" y="1066801"/>
-            <a:ext cx="9405791" cy="5141388"/>
+            <a:off x="609601" y="1066801"/>
+            <a:ext cx="10210800" cy="5141388"/>
           </a:xfrm>
         </p:spPr>
         <p:txBody>
@@ -19995,13 +19992,13 @@
           <a:lstStyle/>
           <a:p>
             <a:r>
-              <a:rPr lang="en-US" sz="2200" dirty="0">
+              <a:rPr lang="en-US" sz="2400" dirty="0">
                 <a:cs typeface="Times New Roman" panose="02020603050405020304" pitchFamily="18" charset="0"/>
               </a:rPr>
               <a:t>To get around the problem: </a:t>
             </a:r>
             <a:r>
-              <a:rPr lang="en-US" sz="2200" b="1" dirty="0">
+              <a:rPr lang="en-US" sz="2400" b="1" dirty="0">
                 <a:cs typeface="Times New Roman" panose="02020603050405020304" pitchFamily="18" charset="0"/>
               </a:rPr>
               <a:t>throw in the kitchen sink!</a:t>
@@ -20009,7 +20006,7 @@
           </a:p>
           <a:p>
             <a:r>
-              <a:rPr lang="en-US" sz="2200" dirty="0">
+              <a:rPr lang="en-US" sz="2400" dirty="0">
                 <a:cs typeface="Times New Roman" panose="02020603050405020304" pitchFamily="18" charset="0"/>
               </a:rPr>
               <a:t>Main advantage: data-driven way to construct weighted average </a:t>
@@ -20018,7 +20015,7 @@
           <a:p>
             <a:pPr lvl="1"/>
             <a:r>
-              <a:rPr lang="en-US" sz="2000" dirty="0">
+              <a:rPr lang="en-US" sz="2400" dirty="0">
                 <a:cs typeface="Times New Roman" panose="02020603050405020304" pitchFamily="18" charset="0"/>
               </a:rPr>
               <a:t>Researcher doesn’t choose weights</a:t>
@@ -20026,7 +20023,7 @@
           </a:p>
           <a:p>
             <a:r>
-              <a:rPr lang="en-US" sz="2200" dirty="0">
+              <a:rPr lang="en-US" sz="2400" dirty="0">
                 <a:cs typeface="Times New Roman" panose="02020603050405020304" pitchFamily="18" charset="0"/>
               </a:rPr>
               <a:t>Researcher chooses: </a:t>
@@ -20038,13 +20035,13 @@
               <a:buAutoNum type="arabicPeriod"/>
             </a:pPr>
             <a:r>
-              <a:rPr lang="en-US" sz="2000" b="1" dirty="0">
+              <a:rPr lang="en-US" sz="2400" b="1" dirty="0">
                 <a:cs typeface="Times New Roman" panose="02020603050405020304" pitchFamily="18" charset="0"/>
               </a:rPr>
               <a:t>Donor pool</a:t>
             </a:r>
             <a:r>
-              <a:rPr lang="en-US" sz="2000" dirty="0">
+              <a:rPr lang="en-US" sz="2400" dirty="0">
                 <a:cs typeface="Times New Roman" panose="02020603050405020304" pitchFamily="18" charset="0"/>
               </a:rPr>
               <a:t>: possible states for control group (algorithm may assign weight 0)</a:t>
@@ -20056,13 +20053,13 @@
               <a:buAutoNum type="arabicPeriod"/>
             </a:pPr>
             <a:r>
-              <a:rPr lang="en-US" sz="2000" b="1" dirty="0">
+              <a:rPr lang="en-US" sz="2400" b="1" dirty="0">
                 <a:cs typeface="Times New Roman" panose="02020603050405020304" pitchFamily="18" charset="0"/>
               </a:rPr>
               <a:t>Matching variables: </a:t>
             </a:r>
             <a:r>
-              <a:rPr lang="en-US" sz="2000" dirty="0">
+              <a:rPr lang="en-US" sz="2400" dirty="0">
                 <a:cs typeface="Times New Roman" panose="02020603050405020304" pitchFamily="18" charset="0"/>
               </a:rPr>
               <a:t>should include pre-treatment trends + any other covariates</a:t>
@@ -20073,7 +20070,7 @@
               <a:buFont typeface="+mj-lt"/>
               <a:buAutoNum type="arabicPeriod"/>
             </a:pPr>
-            <a:endParaRPr lang="en-US" sz="2000" dirty="0">
+            <a:endParaRPr lang="en-US" sz="2400" dirty="0">
               <a:cs typeface="Times New Roman" panose="02020603050405020304" pitchFamily="18" charset="0"/>
             </a:endParaRPr>
           </a:p>

--- a/Lecture10_SyntheticControl_QuantileRegression/Lecture10_SyntheticControl_QuantileRegression.pptx
+++ b/Lecture10_SyntheticControl_QuantileRegression/Lecture10_SyntheticControl_QuantileRegression.pptx
@@ -5,7 +5,7 @@
     <p:sldMasterId id="2147483738" r:id="rId1"/>
   </p:sldMasterIdLst>
   <p:notesMasterIdLst>
-    <p:notesMasterId r:id="rId43"/>
+    <p:notesMasterId r:id="rId44"/>
   </p:notesMasterIdLst>
   <p:sldIdLst>
     <p:sldId id="256" r:id="rId2"/>
@@ -35,20 +35,21 @@
     <p:sldId id="616" r:id="rId26"/>
     <p:sldId id="615" r:id="rId27"/>
     <p:sldId id="617" r:id="rId28"/>
-    <p:sldId id="618" r:id="rId29"/>
-    <p:sldId id="619" r:id="rId30"/>
-    <p:sldId id="620" r:id="rId31"/>
-    <p:sldId id="622" r:id="rId32"/>
-    <p:sldId id="624" r:id="rId33"/>
-    <p:sldId id="625" r:id="rId34"/>
-    <p:sldId id="629" r:id="rId35"/>
-    <p:sldId id="630" r:id="rId36"/>
-    <p:sldId id="628" r:id="rId37"/>
-    <p:sldId id="626" r:id="rId38"/>
-    <p:sldId id="627" r:id="rId39"/>
-    <p:sldId id="631" r:id="rId40"/>
-    <p:sldId id="632" r:id="rId41"/>
-    <p:sldId id="586" r:id="rId42"/>
+    <p:sldId id="633" r:id="rId29"/>
+    <p:sldId id="618" r:id="rId30"/>
+    <p:sldId id="619" r:id="rId31"/>
+    <p:sldId id="620" r:id="rId32"/>
+    <p:sldId id="622" r:id="rId33"/>
+    <p:sldId id="624" r:id="rId34"/>
+    <p:sldId id="625" r:id="rId35"/>
+    <p:sldId id="629" r:id="rId36"/>
+    <p:sldId id="630" r:id="rId37"/>
+    <p:sldId id="628" r:id="rId38"/>
+    <p:sldId id="626" r:id="rId39"/>
+    <p:sldId id="627" r:id="rId40"/>
+    <p:sldId id="631" r:id="rId41"/>
+    <p:sldId id="632" r:id="rId42"/>
+    <p:sldId id="586" r:id="rId43"/>
   </p:sldIdLst>
   <p:sldSz cx="12192000" cy="6858000"/>
   <p:notesSz cx="7010400" cy="9296400"/>
@@ -2241,7 +2242,7 @@
           <a:p>
             <a:r>
               <a:rPr lang="en-US" dirty="0"/>
-              <a:t>This targets the conditional mean by setting beta to minimize the average deviations from the regression line (sum of squared errors)</a:t>
+              <a:t>This targets the conditional mean by setting beta to minimize the average deviations from the regression line (sum of squared errors). Note graph shows homogenous impact across a distribution (e.g., education and income)</a:t>
             </a:r>
           </a:p>
         </p:txBody>
@@ -2328,15 +2329,7 @@
           <a:p>
             <a:r>
               <a:rPr lang="en-US" dirty="0"/>
-              <a:t>Quantile: splits the distribution into the bottom tau% and the remainder of the distribution. Quantiles and percentiles are codefined; the median, for example, is the 50</a:t>
-            </a:r>
-            <a:r>
-              <a:rPr lang="en-US" baseline="30000" dirty="0"/>
-              <a:t>th</a:t>
-            </a:r>
-            <a:r>
-              <a:rPr lang="en-US" dirty="0"/>
-              <a:t> percentile. So targeting a quantile lets you target any point in a distribution. </a:t>
+              <a:t>What if effect differs across distribution? </a:t>
             </a:r>
           </a:p>
         </p:txBody>
@@ -2367,7 +2360,7 @@
     </p:spTree>
     <p:extLst>
       <p:ext uri="{BB962C8B-B14F-4D97-AF65-F5344CB8AC3E}">
-        <p14:creationId xmlns:p14="http://schemas.microsoft.com/office/powerpoint/2010/main" val="1631310871"/>
+        <p14:creationId xmlns:p14="http://schemas.microsoft.com/office/powerpoint/2010/main" val="1818158558"/>
       </p:ext>
     </p:extLst>
   </p:cSld>
@@ -2423,7 +2416,15 @@
           <a:p>
             <a:r>
               <a:rPr lang="en-US" dirty="0"/>
-              <a:t>LAD = least absolute deviation. How is this different than the traditional OLS? </a:t>
+              <a:t>Quantile: splits the distribution into the bottom tau% and the remainder of the distribution. Quantiles and percentiles are codefined; the median, for example, is the 50</a:t>
+            </a:r>
+            <a:r>
+              <a:rPr lang="en-US" baseline="30000" dirty="0"/>
+              <a:t>th</a:t>
+            </a:r>
+            <a:r>
+              <a:rPr lang="en-US" dirty="0"/>
+              <a:t> percentile. So targeting a quantile lets you target any point in a distribution. </a:t>
             </a:r>
           </a:p>
         </p:txBody>
@@ -2454,7 +2455,7 @@
     </p:spTree>
     <p:extLst>
       <p:ext uri="{BB962C8B-B14F-4D97-AF65-F5344CB8AC3E}">
-        <p14:creationId xmlns:p14="http://schemas.microsoft.com/office/powerpoint/2010/main" val="1763450857"/>
+        <p14:creationId xmlns:p14="http://schemas.microsoft.com/office/powerpoint/2010/main" val="1631310871"/>
       </p:ext>
     </p:extLst>
   </p:cSld>
@@ -2510,7 +2511,15 @@
           <a:p>
             <a:r>
               <a:rPr lang="en-US" dirty="0"/>
-              <a:t>This in the brackets is called the “check function” that sorts observations into above/below a sample quantile. </a:t>
+              <a:t>LAD = least absolute deviation. How is this different than the traditional OLS? Median regression is actually older than OLS! (</a:t>
+            </a:r>
+            <a:r>
+              <a:rPr lang="en-US" dirty="0" err="1"/>
+              <a:t>Boscovitch</a:t>
+            </a:r>
+            <a:r>
+              <a:rPr lang="en-US" dirty="0"/>
+              <a:t> 1760; OLS in 1789 by Laplace)</a:t>
             </a:r>
           </a:p>
         </p:txBody>
@@ -2541,7 +2550,7 @@
     </p:spTree>
     <p:extLst>
       <p:ext uri="{BB962C8B-B14F-4D97-AF65-F5344CB8AC3E}">
-        <p14:creationId xmlns:p14="http://schemas.microsoft.com/office/powerpoint/2010/main" val="1652781160"/>
+        <p14:creationId xmlns:p14="http://schemas.microsoft.com/office/powerpoint/2010/main" val="1763450857"/>
       </p:ext>
     </p:extLst>
   </p:cSld>
@@ -2682,7 +2691,10 @@
           <a:bodyPr/>
           <a:lstStyle/>
           <a:p>
-            <a:endParaRPr lang="en-US" dirty="0"/>
+            <a:r>
+              <a:rPr lang="en-US" dirty="0"/>
+              <a:t>This in the brackets is called the “check function” that sorts observations into above/below a sample quantile. </a:t>
+            </a:r>
           </a:p>
         </p:txBody>
       </p:sp>
@@ -2712,7 +2724,7 @@
     </p:spTree>
     <p:extLst>
       <p:ext uri="{BB962C8B-B14F-4D97-AF65-F5344CB8AC3E}">
-        <p14:creationId xmlns:p14="http://schemas.microsoft.com/office/powerpoint/2010/main" val="1520615147"/>
+        <p14:creationId xmlns:p14="http://schemas.microsoft.com/office/powerpoint/2010/main" val="1652781160"/>
       </p:ext>
     </p:extLst>
   </p:cSld>
@@ -2768,39 +2780,8 @@
           <a:p>
             <a:r>
               <a:rPr lang="en-US" dirty="0"/>
-              <a:t>Note that </a:t>
-            </a:r>
-            <a:r>
-              <a:rPr lang="en-US" b="0" i="0" dirty="0">
-                <a:solidFill>
-                  <a:srgbClr val="002A5C"/>
-                </a:solidFill>
-                <a:effectLst/>
-                <a:latin typeface="Graphik @FontFace"/>
-              </a:rPr>
-              <a:t>Zahra </a:t>
-            </a:r>
-            <a:r>
-              <a:rPr lang="en-US" b="0" i="0" dirty="0" err="1">
-                <a:solidFill>
-                  <a:srgbClr val="002A5C"/>
-                </a:solidFill>
-                <a:effectLst/>
-                <a:latin typeface="Graphik @FontFace"/>
-              </a:rPr>
-              <a:t>Shakeri</a:t>
-            </a:r>
-            <a:r>
-              <a:rPr lang="en-US" b="0" i="0" dirty="0">
-                <a:solidFill>
-                  <a:srgbClr val="002A5C"/>
-                </a:solidFill>
-                <a:effectLst/>
-                <a:latin typeface="Graphik @FontFace"/>
-              </a:rPr>
-              <a:t> is developing machine learning and data visualization courses for IHPME; I highly recommend looking into these and / or reaching out to her if you are interested in some of these methods. </a:t>
-            </a:r>
-            <a:endParaRPr lang="en-US" dirty="0"/>
+              <a:t>Technically, this interpretation requires a rank invariance condition (e.g., if you give everyone treatment, the ordering of individuals will stay the same). </a:t>
+            </a:r>
           </a:p>
         </p:txBody>
       </p:sp>
@@ -2830,7 +2811,7 @@
     </p:spTree>
     <p:extLst>
       <p:ext uri="{BB962C8B-B14F-4D97-AF65-F5344CB8AC3E}">
-        <p14:creationId xmlns:p14="http://schemas.microsoft.com/office/powerpoint/2010/main" val="3185086095"/>
+        <p14:creationId xmlns:p14="http://schemas.microsoft.com/office/powerpoint/2010/main" val="1520615147"/>
       </p:ext>
     </p:extLst>
   </p:cSld>
@@ -2886,16 +2867,39 @@
           <a:p>
             <a:r>
               <a:rPr lang="en-US" dirty="0"/>
-              <a:t>Goal: functional form with no restrictions on what f() looks like (i.e., not linear). I did add some notes on nonparametric regression to the </a:t>
-            </a:r>
-            <a:r>
-              <a:rPr lang="en-US" dirty="0" err="1"/>
-              <a:t>Github</a:t>
-            </a:r>
-            <a:r>
-              <a:rPr lang="en-US" dirty="0"/>
-              <a:t>, but there are whole textbooks you can use. </a:t>
-            </a:r>
+              <a:t>Note that </a:t>
+            </a:r>
+            <a:r>
+              <a:rPr lang="en-US" b="0" i="0" dirty="0">
+                <a:solidFill>
+                  <a:srgbClr val="002A5C"/>
+                </a:solidFill>
+                <a:effectLst/>
+                <a:latin typeface="Graphik @FontFace"/>
+              </a:rPr>
+              <a:t>Zahra </a:t>
+            </a:r>
+            <a:r>
+              <a:rPr lang="en-US" b="0" i="0" dirty="0" err="1">
+                <a:solidFill>
+                  <a:srgbClr val="002A5C"/>
+                </a:solidFill>
+                <a:effectLst/>
+                <a:latin typeface="Graphik @FontFace"/>
+              </a:rPr>
+              <a:t>Shakeri</a:t>
+            </a:r>
+            <a:r>
+              <a:rPr lang="en-US" b="0" i="0" dirty="0">
+                <a:solidFill>
+                  <a:srgbClr val="002A5C"/>
+                </a:solidFill>
+                <a:effectLst/>
+                <a:latin typeface="Graphik @FontFace"/>
+              </a:rPr>
+              <a:t> is developing machine learning and data visualization courses for IHPME; I highly recommend looking into these and / or reaching out to her if you are interested in some of these methods. </a:t>
+            </a:r>
+            <a:endParaRPr lang="en-US" dirty="0"/>
           </a:p>
         </p:txBody>
       </p:sp>
@@ -2925,7 +2929,7 @@
     </p:spTree>
     <p:extLst>
       <p:ext uri="{BB962C8B-B14F-4D97-AF65-F5344CB8AC3E}">
-        <p14:creationId xmlns:p14="http://schemas.microsoft.com/office/powerpoint/2010/main" val="3238735277"/>
+        <p14:creationId xmlns:p14="http://schemas.microsoft.com/office/powerpoint/2010/main" val="3185086095"/>
       </p:ext>
     </p:extLst>
   </p:cSld>
@@ -2981,7 +2985,15 @@
           <a:p>
             <a:r>
               <a:rPr lang="en-US" dirty="0"/>
-              <a:t>Note: lots of choices for nonparametric regression! Could be its own course. On (1) note that this is the bias-variance tradeoff; (2) is the choice of kernel; and (3) is the curse of dimensionality</a:t>
+              <a:t>Goal: functional form with no restrictions on what f() looks like (i.e., not linear). I did add some notes on nonparametric regression to the </a:t>
+            </a:r>
+            <a:r>
+              <a:rPr lang="en-US" dirty="0" err="1"/>
+              <a:t>Github</a:t>
+            </a:r>
+            <a:r>
+              <a:rPr lang="en-US" dirty="0"/>
+              <a:t>, but there are whole textbooks you can use. </a:t>
             </a:r>
           </a:p>
         </p:txBody>
@@ -3012,7 +3024,7 @@
     </p:spTree>
     <p:extLst>
       <p:ext uri="{BB962C8B-B14F-4D97-AF65-F5344CB8AC3E}">
-        <p14:creationId xmlns:p14="http://schemas.microsoft.com/office/powerpoint/2010/main" val="760652552"/>
+        <p14:creationId xmlns:p14="http://schemas.microsoft.com/office/powerpoint/2010/main" val="3238735277"/>
       </p:ext>
     </p:extLst>
   </p:cSld>
@@ -3068,7 +3080,7 @@
           <a:p>
             <a:r>
               <a:rPr lang="en-US" dirty="0"/>
-              <a:t>The focal point varies across bins. </a:t>
+              <a:t>Note: lots of choices for nonparametric regression! Could be its own course. On (1) note that this is the bias-variance tradeoff; (2) is the choice of kernel; and (3) is the curse of dimensionality</a:t>
             </a:r>
           </a:p>
         </p:txBody>
@@ -3099,7 +3111,7 @@
     </p:spTree>
     <p:extLst>
       <p:ext uri="{BB962C8B-B14F-4D97-AF65-F5344CB8AC3E}">
-        <p14:creationId xmlns:p14="http://schemas.microsoft.com/office/powerpoint/2010/main" val="964766668"/>
+        <p14:creationId xmlns:p14="http://schemas.microsoft.com/office/powerpoint/2010/main" val="760652552"/>
       </p:ext>
     </p:extLst>
   </p:cSld>
@@ -3155,7 +3167,7 @@
           <a:p>
             <a:r>
               <a:rPr lang="en-US" dirty="0"/>
-              <a:t>Goal: functional form with no restrictions on what f() looks like (i.e., not linear)</a:t>
+              <a:t>The focal point varies across bins. </a:t>
             </a:r>
           </a:p>
         </p:txBody>
@@ -3186,7 +3198,7 @@
     </p:spTree>
     <p:extLst>
       <p:ext uri="{BB962C8B-B14F-4D97-AF65-F5344CB8AC3E}">
-        <p14:creationId xmlns:p14="http://schemas.microsoft.com/office/powerpoint/2010/main" val="1044557314"/>
+        <p14:creationId xmlns:p14="http://schemas.microsoft.com/office/powerpoint/2010/main" val="964766668"/>
       </p:ext>
     </p:extLst>
   </p:cSld>
@@ -3242,17 +3254,8 @@
           <a:p>
             <a:r>
               <a:rPr lang="en-US" dirty="0"/>
-              <a:t>Note: there isn’t much difference between CDE and nonparametric regression – we are looking either for prediction of y given x (moments) or functional form F(x), but those are obviously intertwined. The difference is that there are additional </a:t>
-            </a:r>
-            <a:r>
-              <a:rPr lang="en-US" b="1" dirty="0"/>
-              <a:t>methods </a:t>
-            </a:r>
-            <a:r>
-              <a:rPr lang="en-US" b="0" dirty="0"/>
-              <a:t>in this literature that are useful. </a:t>
-            </a:r>
-            <a:endParaRPr lang="en-US" dirty="0"/>
+              <a:t>Goal: functional form with no restrictions on what f() looks like (i.e., not linear)</a:t>
+            </a:r>
           </a:p>
         </p:txBody>
       </p:sp>
@@ -3282,7 +3285,7 @@
     </p:spTree>
     <p:extLst>
       <p:ext uri="{BB962C8B-B14F-4D97-AF65-F5344CB8AC3E}">
-        <p14:creationId xmlns:p14="http://schemas.microsoft.com/office/powerpoint/2010/main" val="1506519752"/>
+        <p14:creationId xmlns:p14="http://schemas.microsoft.com/office/powerpoint/2010/main" val="1044557314"/>
       </p:ext>
     </p:extLst>
   </p:cSld>
@@ -3336,6 +3339,18 @@
           <a:bodyPr/>
           <a:lstStyle/>
           <a:p>
+            <a:r>
+              <a:rPr lang="en-US" dirty="0"/>
+              <a:t>Note: there isn’t much difference between CDE and nonparametric regression – we are looking either for prediction of y given x (moments) or functional form F(x), but those are obviously intertwined. The difference is that there are additional </a:t>
+            </a:r>
+            <a:r>
+              <a:rPr lang="en-US" b="1" dirty="0"/>
+              <a:t>methods </a:t>
+            </a:r>
+            <a:r>
+              <a:rPr lang="en-US" b="0" dirty="0"/>
+              <a:t>in this literature that are useful. </a:t>
+            </a:r>
             <a:endParaRPr lang="en-US" dirty="0"/>
           </a:p>
         </p:txBody>
@@ -3366,7 +3381,7 @@
     </p:spTree>
     <p:extLst>
       <p:ext uri="{BB962C8B-B14F-4D97-AF65-F5344CB8AC3E}">
-        <p14:creationId xmlns:p14="http://schemas.microsoft.com/office/powerpoint/2010/main" val="717166347"/>
+        <p14:creationId xmlns:p14="http://schemas.microsoft.com/office/powerpoint/2010/main" val="1506519752"/>
       </p:ext>
     </p:extLst>
   </p:cSld>
@@ -3420,10 +3435,7 @@
           <a:bodyPr/>
           <a:lstStyle/>
           <a:p>
-            <a:r>
-              <a:rPr lang="en-US" dirty="0"/>
-              <a:t>Cut-points – rules for how to bin data in order to assign prediction (e.g., if we’re predicting expenses, at what age do expenses go down (2?) and then up again (50?). Once we’ve done that cut, what’s the next best way to cut – by sex (older men versus older women)? And so on.)</a:t>
-            </a:r>
+            <a:endParaRPr lang="en-US" dirty="0"/>
           </a:p>
         </p:txBody>
       </p:sp>
@@ -3453,7 +3465,7 @@
     </p:spTree>
     <p:extLst>
       <p:ext uri="{BB962C8B-B14F-4D97-AF65-F5344CB8AC3E}">
-        <p14:creationId xmlns:p14="http://schemas.microsoft.com/office/powerpoint/2010/main" val="2040611805"/>
+        <p14:creationId xmlns:p14="http://schemas.microsoft.com/office/powerpoint/2010/main" val="717166347"/>
       </p:ext>
     </p:extLst>
   </p:cSld>
@@ -3509,7 +3521,7 @@
           <a:p>
             <a:r>
               <a:rPr lang="en-US" dirty="0"/>
-              <a:t>Neurons are similar to trees</a:t>
+              <a:t>Cut-points – rules for how to bin data in order to assign prediction (e.g., if we’re predicting expenses, at what age do expenses go down (2?) and then up again (50?). Once we’ve done that cut, what’s the next best way to cut – by sex (older men versus older women)? And so on.)</a:t>
             </a:r>
           </a:p>
         </p:txBody>
@@ -3540,7 +3552,7 @@
     </p:spTree>
     <p:extLst>
       <p:ext uri="{BB962C8B-B14F-4D97-AF65-F5344CB8AC3E}">
-        <p14:creationId xmlns:p14="http://schemas.microsoft.com/office/powerpoint/2010/main" val="817311110"/>
+        <p14:creationId xmlns:p14="http://schemas.microsoft.com/office/powerpoint/2010/main" val="2040611805"/>
       </p:ext>
     </p:extLst>
   </p:cSld>
@@ -3678,6 +3690,93 @@
           <a:bodyPr/>
           <a:lstStyle/>
           <a:p>
+            <a:r>
+              <a:rPr lang="en-US" dirty="0"/>
+              <a:t>Neurons are similar to trees</a:t>
+            </a:r>
+          </a:p>
+        </p:txBody>
+      </p:sp>
+      <p:sp>
+        <p:nvSpPr>
+          <p:cNvPr id="4" name="Slide Number Placeholder 3"/>
+          <p:cNvSpPr>
+            <a:spLocks noGrp="1"/>
+          </p:cNvSpPr>
+          <p:nvPr>
+            <p:ph type="sldNum" sz="quarter" idx="5"/>
+          </p:nvPr>
+        </p:nvSpPr>
+        <p:spPr/>
+        <p:txBody>
+          <a:bodyPr/>
+          <a:lstStyle/>
+          <a:p>
+            <a:fld id="{4AF79E1B-2C51-4B9B-8EA4-26DE9E345AFF}" type="slidenum">
+              <a:rPr lang="en-US" smtClean="0"/>
+              <a:t>41</a:t>
+            </a:fld>
+            <a:endParaRPr lang="en-US"/>
+          </a:p>
+        </p:txBody>
+      </p:sp>
+    </p:spTree>
+    <p:extLst>
+      <p:ext uri="{BB962C8B-B14F-4D97-AF65-F5344CB8AC3E}">
+        <p14:creationId xmlns:p14="http://schemas.microsoft.com/office/powerpoint/2010/main" val="817311110"/>
+      </p:ext>
+    </p:extLst>
+  </p:cSld>
+  <p:clrMapOvr>
+    <a:masterClrMapping/>
+  </p:clrMapOvr>
+</p:notes>
+</file>
+
+<file path=ppt/notesSlides/notesSlide41.xml><?xml version="1.0" encoding="utf-8"?>
+<p:notes xmlns:a="http://schemas.openxmlformats.org/drawingml/2006/main" xmlns:r="http://schemas.openxmlformats.org/officeDocument/2006/relationships" xmlns:p="http://schemas.openxmlformats.org/presentationml/2006/main">
+  <p:cSld>
+    <p:spTree>
+      <p:nvGrpSpPr>
+        <p:cNvPr id="1" name=""/>
+        <p:cNvGrpSpPr/>
+        <p:nvPr/>
+      </p:nvGrpSpPr>
+      <p:grpSpPr>
+        <a:xfrm>
+          <a:off x="0" y="0"/>
+          <a:ext cx="0" cy="0"/>
+          <a:chOff x="0" y="0"/>
+          <a:chExt cx="0" cy="0"/>
+        </a:xfrm>
+      </p:grpSpPr>
+      <p:sp>
+        <p:nvSpPr>
+          <p:cNvPr id="2" name="Slide Image Placeholder 1"/>
+          <p:cNvSpPr>
+            <a:spLocks noGrp="1" noRot="1" noChangeAspect="1"/>
+          </p:cNvSpPr>
+          <p:nvPr>
+            <p:ph type="sldImg"/>
+          </p:nvPr>
+        </p:nvSpPr>
+        <p:spPr/>
+      </p:sp>
+      <p:sp>
+        <p:nvSpPr>
+          <p:cNvPr id="3" name="Notes Placeholder 2"/>
+          <p:cNvSpPr>
+            <a:spLocks noGrp="1"/>
+          </p:cNvSpPr>
+          <p:nvPr>
+            <p:ph type="body" idx="1"/>
+          </p:nvPr>
+        </p:nvSpPr>
+        <p:spPr/>
+        <p:txBody>
+          <a:bodyPr/>
+          <a:lstStyle/>
+          <a:p>
             <a:pPr marL="0" marR="0" lvl="0" indent="0" algn="l" defTabSz="914400" rtl="0" eaLnBrk="1" fontAlgn="auto" latinLnBrk="0" hangingPunct="1">
               <a:lnSpc>
                 <a:spcPct val="100000"/>
@@ -3724,7 +3823,7 @@
           <a:p>
             <a:fld id="{4AF79E1B-2C51-4B9B-8EA4-26DE9E345AFF}" type="slidenum">
               <a:rPr lang="en-US" smtClean="0"/>
-              <a:t>41</a:t>
+              <a:t>42</a:t>
             </a:fld>
             <a:endParaRPr lang="en-US"/>
           </a:p>
@@ -8099,8 +8198,8 @@
           </a:p>
         </p:txBody>
       </p:sp>
-      <mc:AlternateContent xmlns:mc="http://schemas.openxmlformats.org/markup-compatibility/2006">
-        <mc:Choice xmlns:a14="http://schemas.microsoft.com/office/drawing/2010/main" Requires="a14">
+      <mc:AlternateContent xmlns:mc="http://schemas.openxmlformats.org/markup-compatibility/2006" xmlns:a14="http://schemas.microsoft.com/office/drawing/2010/main">
+        <mc:Choice Requires="a14">
           <p:sp>
             <p:nvSpPr>
               <p:cNvPr id="3" name="Content Placeholder 2"/>
@@ -8737,7 +8836,7 @@
             </p:txBody>
           </p:sp>
         </mc:Choice>
-        <mc:Fallback>
+        <mc:Fallback xmlns="">
           <p:sp>
             <p:nvSpPr>
               <p:cNvPr id="3" name="Content Placeholder 2"/>
@@ -11498,6 +11597,14 @@
 <file path=ppt/slides/slide27.xml><?xml version="1.0" encoding="utf-8"?>
 <p:sld xmlns:a="http://schemas.openxmlformats.org/drawingml/2006/main" xmlns:r="http://schemas.openxmlformats.org/officeDocument/2006/relationships" xmlns:p="http://schemas.openxmlformats.org/presentationml/2006/main">
   <p:cSld>
+    <p:bg>
+      <p:bgPr>
+        <a:solidFill>
+          <a:schemeClr val="bg1"/>
+        </a:solidFill>
+        <a:effectLst/>
+      </p:bgPr>
+    </p:bg>
     <p:spTree>
       <p:nvGrpSpPr>
         <p:cNvPr id="1" name=""/>
@@ -11512,43 +11619,37 @@
           <a:chExt cx="0" cy="0"/>
         </a:xfrm>
       </p:grpSpPr>
-      <p:sp>
-        <p:nvSpPr>
-          <p:cNvPr id="2" name="Title 1"/>
-          <p:cNvSpPr>
-            <a:spLocks noGrp="1"/>
-          </p:cNvSpPr>
-          <p:nvPr>
-            <p:ph type="title"/>
-          </p:nvPr>
-        </p:nvSpPr>
+      <p:pic>
+        <p:nvPicPr>
+          <p:cNvPr id="5" name="Picture 4">
+            <a:extLst>
+              <a:ext uri="{FF2B5EF4-FFF2-40B4-BE49-F238E27FC236}">
+                <a16:creationId xmlns:a16="http://schemas.microsoft.com/office/drawing/2014/main" id="{CE1C9616-3BE9-F3D5-A7BD-F2DEC429C0AF}"/>
+              </a:ext>
+            </a:extLst>
+          </p:cNvPr>
+          <p:cNvPicPr>
+            <a:picLocks noChangeAspect="1"/>
+          </p:cNvPicPr>
+          <p:nvPr/>
+        </p:nvPicPr>
+        <p:blipFill rotWithShape="1">
+          <a:blip r:embed="rId3"/>
+          <a:srcRect r="7127"/>
+          <a:stretch/>
+        </p:blipFill>
         <p:spPr>
           <a:xfrm>
-            <a:off x="609600" y="337392"/>
-            <a:ext cx="10439400" cy="624840"/>
+            <a:off x="4953000" y="962231"/>
+            <a:ext cx="6324601" cy="5022360"/>
           </a:xfrm>
+          <a:prstGeom prst="rect">
+            <a:avLst/>
+          </a:prstGeom>
         </p:spPr>
-        <p:txBody>
-          <a:bodyPr>
-            <a:noAutofit/>
-          </a:bodyPr>
-          <a:lstStyle/>
-          <a:p>
-            <a:r>
-              <a:rPr lang="en-US" sz="3600" dirty="0">
-                <a:cs typeface="Times New Roman" panose="02020603050405020304" pitchFamily="18" charset="0"/>
-              </a:rPr>
-              <a:t>Quantile Regression: Distributional Effects</a:t>
-            </a:r>
-            <a:endParaRPr lang="en-US" sz="3600" dirty="0">
-              <a:latin typeface="Times New Roman" panose="02020603050405020304" pitchFamily="18" charset="0"/>
-              <a:cs typeface="Times New Roman" panose="02020603050405020304" pitchFamily="18" charset="0"/>
-            </a:endParaRPr>
-          </a:p>
-        </p:txBody>
-      </p:sp>
-      <mc:AlternateContent xmlns:mc="http://schemas.openxmlformats.org/markup-compatibility/2006" xmlns:a14="http://schemas.microsoft.com/office/drawing/2010/main">
-        <mc:Choice Requires="a14">
+      </p:pic>
+      <mc:AlternateContent xmlns:mc="http://schemas.openxmlformats.org/markup-compatibility/2006">
+        <mc:Choice xmlns:a14="http://schemas.microsoft.com/office/drawing/2010/main" Requires="a14">
           <p:sp>
             <p:nvSpPr>
               <p:cNvPr id="3" name="Content Placeholder 2"/>
@@ -11561,38 +11662,29 @@
             </p:nvSpPr>
             <p:spPr>
               <a:xfrm>
-                <a:off x="1219199" y="1066801"/>
-                <a:ext cx="9405791" cy="5141388"/>
+                <a:off x="856095" y="962232"/>
+                <a:ext cx="4744606" cy="5217905"/>
               </a:xfrm>
             </p:spPr>
             <p:txBody>
               <a:bodyPr>
-                <a:noAutofit/>
+                <a:normAutofit/>
               </a:bodyPr>
               <a:lstStyle/>
               <a:p>
                 <a:r>
                   <a:rPr lang="en-US" sz="2400" dirty="0">
-                    <a:solidFill>
-                      <a:srgbClr val="222222"/>
-                    </a:solidFill>
                     <a:cs typeface="Times New Roman" panose="02020603050405020304" pitchFamily="18" charset="0"/>
                   </a:rPr>
                   <a:t>Linear regression implies </a:t>
                 </a:r>
                 <a:r>
                   <a:rPr lang="en-US" sz="2400" b="1" dirty="0">
-                    <a:solidFill>
-                      <a:srgbClr val="222222"/>
-                    </a:solidFill>
                     <a:cs typeface="Times New Roman" panose="02020603050405020304" pitchFamily="18" charset="0"/>
                   </a:rPr>
                   <a:t>homogeneous effects:</a:t>
                 </a:r>
                 <a:endParaRPr lang="en-US" sz="2400" dirty="0">
-                  <a:solidFill>
-                    <a:srgbClr val="222222"/>
-                  </a:solidFill>
                   <a:cs typeface="Times New Roman" panose="02020603050405020304" pitchFamily="18" charset="0"/>
                 </a:endParaRPr>
               </a:p>
@@ -11608,9 +11700,6 @@
                     <m:oMath xmlns:m="http://schemas.openxmlformats.org/officeDocument/2006/math">
                       <m:r>
                         <a:rPr lang="en-US" sz="2400" b="0" i="1" smtClean="0">
-                          <a:solidFill>
-                            <a:srgbClr val="222222"/>
-                          </a:solidFill>
                           <a:latin typeface="Cambria Math" panose="02040503050406030204" pitchFamily="18" charset="0"/>
                           <a:cs typeface="Times New Roman" panose="02020603050405020304" pitchFamily="18" charset="0"/>
                         </a:rPr>
@@ -11618,9 +11707,6 @@
                       </m:r>
                       <m:r>
                         <a:rPr lang="en-US" sz="2400" b="0" i="1" smtClean="0">
-                          <a:solidFill>
-                            <a:srgbClr val="222222"/>
-                          </a:solidFill>
                           <a:latin typeface="Cambria Math" panose="02040503050406030204" pitchFamily="18" charset="0"/>
                           <a:cs typeface="Times New Roman" panose="02020603050405020304" pitchFamily="18" charset="0"/>
                         </a:rPr>
@@ -11628,9 +11714,6 @@
                       </m:r>
                       <m:r>
                         <a:rPr lang="en-US" sz="2400" b="0" i="1" smtClean="0">
-                          <a:solidFill>
-                            <a:srgbClr val="222222"/>
-                          </a:solidFill>
                           <a:latin typeface="Cambria Math" panose="02040503050406030204" pitchFamily="18" charset="0"/>
                           <a:cs typeface="Times New Roman" panose="02020603050405020304" pitchFamily="18" charset="0"/>
                         </a:rPr>
@@ -11638,9 +11721,6 @@
                       </m:r>
                       <m:r>
                         <a:rPr lang="en-US" sz="2400" b="0" i="1" smtClean="0">
-                          <a:solidFill>
-                            <a:srgbClr val="222222"/>
-                          </a:solidFill>
                           <a:latin typeface="Cambria Math" panose="02040503050406030204" pitchFamily="18" charset="0"/>
                           <a:cs typeface="Times New Roman" panose="02020603050405020304" pitchFamily="18" charset="0"/>
                         </a:rPr>
@@ -11648,9 +11728,6 @@
                       </m:r>
                       <m:r>
                         <a:rPr lang="en-US" sz="2400" b="0" i="1" smtClean="0">
-                          <a:solidFill>
-                            <a:srgbClr val="222222"/>
-                          </a:solidFill>
                           <a:latin typeface="Cambria Math" panose="02040503050406030204" pitchFamily="18" charset="0"/>
                           <a:cs typeface="Times New Roman" panose="02020603050405020304" pitchFamily="18" charset="0"/>
                         </a:rPr>
@@ -11658,9 +11735,6 @@
                       </m:r>
                       <m:r>
                         <a:rPr lang="en-US" sz="2400" b="0" i="1" smtClean="0">
-                          <a:solidFill>
-                            <a:srgbClr val="222222"/>
-                          </a:solidFill>
                           <a:latin typeface="Cambria Math" panose="02040503050406030204" pitchFamily="18" charset="0"/>
                           <a:cs typeface="Times New Roman" panose="02020603050405020304" pitchFamily="18" charset="0"/>
                         </a:rPr>
@@ -11670,27 +11744,18 @@
                   </m:oMathPara>
                 </a14:m>
                 <a:endParaRPr lang="en-US" sz="2400" dirty="0">
-                  <a:solidFill>
-                    <a:srgbClr val="222222"/>
-                  </a:solidFill>
                   <a:cs typeface="Times New Roman" panose="02020603050405020304" pitchFamily="18" charset="0"/>
                 </a:endParaRPr>
               </a:p>
               <a:p>
                 <a:r>
                   <a:rPr lang="en-US" sz="2400" dirty="0">
-                    <a:solidFill>
-                      <a:srgbClr val="222222"/>
-                    </a:solidFill>
                     <a:cs typeface="Times New Roman" panose="02020603050405020304" pitchFamily="18" charset="0"/>
                   </a:rPr>
                   <a:t>All we need to care about here is the </a:t>
                 </a:r>
                 <a:r>
                   <a:rPr lang="en-US" sz="2400" b="1" dirty="0">
-                    <a:solidFill>
-                      <a:srgbClr val="222222"/>
-                    </a:solidFill>
                     <a:cs typeface="Times New Roman" panose="02020603050405020304" pitchFamily="18" charset="0"/>
                   </a:rPr>
                   <a:t>conditional mean </a:t>
@@ -11699,9 +11764,6 @@
                   <m:oMath xmlns:m="http://schemas.openxmlformats.org/officeDocument/2006/math">
                     <m:r>
                       <a:rPr lang="en-US" sz="2400" b="1" i="1" smtClean="0">
-                        <a:solidFill>
-                          <a:srgbClr val="222222"/>
-                        </a:solidFill>
                         <a:latin typeface="Cambria Math" panose="02040503050406030204" pitchFamily="18" charset="0"/>
                         <a:cs typeface="Times New Roman" panose="02020603050405020304" pitchFamily="18" charset="0"/>
                       </a:rPr>
@@ -11709,9 +11771,6 @@
                     </m:r>
                     <m:r>
                       <a:rPr lang="en-US" sz="2400" b="1" i="1" smtClean="0">
-                        <a:solidFill>
-                          <a:srgbClr val="222222"/>
-                        </a:solidFill>
                         <a:latin typeface="Cambria Math" panose="02040503050406030204" pitchFamily="18" charset="0"/>
                         <a:cs typeface="Times New Roman" panose="02020603050405020304" pitchFamily="18" charset="0"/>
                       </a:rPr>
@@ -11719,9 +11778,6 @@
                     </m:r>
                     <m:r>
                       <a:rPr lang="en-US" sz="2400" b="1" i="1" smtClean="0">
-                        <a:solidFill>
-                          <a:srgbClr val="222222"/>
-                        </a:solidFill>
                         <a:latin typeface="Cambria Math" panose="02040503050406030204" pitchFamily="18" charset="0"/>
                         <a:cs typeface="Times New Roman" panose="02020603050405020304" pitchFamily="18" charset="0"/>
                       </a:rPr>
@@ -11729,9 +11785,6 @@
                     </m:r>
                     <m:r>
                       <a:rPr lang="en-US" sz="2400" b="1" i="1" smtClean="0">
-                        <a:solidFill>
-                          <a:srgbClr val="222222"/>
-                        </a:solidFill>
                         <a:latin typeface="Cambria Math" panose="02040503050406030204" pitchFamily="18" charset="0"/>
                         <a:cs typeface="Times New Roman" panose="02020603050405020304" pitchFamily="18" charset="0"/>
                       </a:rPr>
@@ -11739,9 +11792,6 @@
                     </m:r>
                     <m:r>
                       <a:rPr lang="en-US" sz="2400" b="1" i="1" smtClean="0">
-                        <a:solidFill>
-                          <a:srgbClr val="222222"/>
-                        </a:solidFill>
                         <a:latin typeface="Cambria Math" panose="02040503050406030204" pitchFamily="18" charset="0"/>
                         <a:cs typeface="Times New Roman" panose="02020603050405020304" pitchFamily="18" charset="0"/>
                       </a:rPr>
@@ -11749,9 +11799,6 @@
                     </m:r>
                     <m:r>
                       <a:rPr lang="en-US" sz="2400" b="1" i="1" smtClean="0">
-                        <a:solidFill>
-                          <a:srgbClr val="222222"/>
-                        </a:solidFill>
                         <a:latin typeface="Cambria Math" panose="02040503050406030204" pitchFamily="18" charset="0"/>
                         <a:cs typeface="Times New Roman" panose="02020603050405020304" pitchFamily="18" charset="0"/>
                       </a:rPr>
@@ -11760,42 +11807,13 @@
                   </m:oMath>
                 </a14:m>
                 <a:endParaRPr lang="en-US" sz="2400" dirty="0">
-                  <a:solidFill>
-                    <a:srgbClr val="222222"/>
-                  </a:solidFill>
-                  <a:cs typeface="Times New Roman" panose="02020603050405020304" pitchFamily="18" charset="0"/>
-                </a:endParaRPr>
-              </a:p>
-              <a:p>
-                <a:r>
-                  <a:rPr lang="en-US" sz="2400" dirty="0">
-                    <a:solidFill>
-                      <a:srgbClr val="222222"/>
-                    </a:solidFill>
-                    <a:cs typeface="Times New Roman" panose="02020603050405020304" pitchFamily="18" charset="0"/>
-                  </a:rPr>
-                  <a:t>But what if an effect differs for individuals </a:t>
-                </a:r>
-                <a:r>
-                  <a:rPr lang="en-US" sz="2400" i="1" dirty="0">
-                    <a:solidFill>
-                      <a:srgbClr val="222222"/>
-                    </a:solidFill>
-                    <a:cs typeface="Times New Roman" panose="02020603050405020304" pitchFamily="18" charset="0"/>
-                  </a:rPr>
-                  <a:t>along the distribution of x?</a:t>
-                </a:r>
-                <a:endParaRPr lang="en-US" sz="2400" dirty="0">
-                  <a:solidFill>
-                    <a:srgbClr val="222222"/>
-                  </a:solidFill>
                   <a:cs typeface="Times New Roman" panose="02020603050405020304" pitchFamily="18" charset="0"/>
                 </a:endParaRPr>
               </a:p>
             </p:txBody>
           </p:sp>
         </mc:Choice>
-        <mc:Fallback xmlns="">
+        <mc:Fallback>
           <p:sp>
             <p:nvSpPr>
               <p:cNvPr id="3" name="Content Placeholder 2"/>
@@ -11808,13 +11826,13 @@
             </p:nvSpPr>
             <p:spPr>
               <a:xfrm>
-                <a:off x="1219199" y="1066801"/>
-                <a:ext cx="9405791" cy="5141388"/>
+                <a:off x="856095" y="962232"/>
+                <a:ext cx="4744606" cy="5217905"/>
               </a:xfrm>
               <a:blipFill>
-                <a:blip r:embed="rId3"/>
+                <a:blip r:embed="rId4"/>
                 <a:stretch>
-                  <a:fillRect l="-454" t="-1305"/>
+                  <a:fillRect l="-899" t="-1285"/>
                 </a:stretch>
               </a:blipFill>
             </p:spPr>
@@ -11833,6 +11851,62 @@
           </p:sp>
         </mc:Fallback>
       </mc:AlternateContent>
+      <p:sp>
+        <p:nvSpPr>
+          <p:cNvPr id="6" name="Title 1">
+            <a:extLst>
+              <a:ext uri="{FF2B5EF4-FFF2-40B4-BE49-F238E27FC236}">
+                <a16:creationId xmlns:a16="http://schemas.microsoft.com/office/drawing/2014/main" id="{F4D68C9B-0AC4-FAAC-1DD9-41E0AF93018E}"/>
+              </a:ext>
+            </a:extLst>
+          </p:cNvPr>
+          <p:cNvSpPr txBox="1">
+            <a:spLocks/>
+          </p:cNvSpPr>
+          <p:nvPr/>
+        </p:nvSpPr>
+        <p:spPr>
+          <a:xfrm>
+            <a:off x="609600" y="337392"/>
+            <a:ext cx="10439400" cy="624840"/>
+          </a:xfrm>
+          <a:prstGeom prst="rect">
+            <a:avLst/>
+          </a:prstGeom>
+        </p:spPr>
+        <p:txBody>
+          <a:bodyPr vert="horz" lIns="91440" tIns="45720" rIns="91440" bIns="45720" rtlCol="0" anchor="b">
+            <a:noAutofit/>
+          </a:bodyPr>
+          <a:lstStyle>
+            <a:lvl1pPr algn="l" defTabSz="914400" rtl="0" eaLnBrk="1" latinLnBrk="0" hangingPunct="1">
+              <a:lnSpc>
+                <a:spcPct val="90000"/>
+              </a:lnSpc>
+              <a:spcBef>
+                <a:spcPct val="0"/>
+              </a:spcBef>
+              <a:buNone/>
+              <a:defRPr sz="4400" kern="1200" spc="-50" baseline="0">
+                <a:solidFill>
+                  <a:schemeClr val="tx1"/>
+                </a:solidFill>
+                <a:latin typeface="Times New Roman" panose="02020603050405020304" pitchFamily="18" charset="0"/>
+                <a:ea typeface="+mj-ea"/>
+                <a:cs typeface="+mj-cs"/>
+              </a:defRPr>
+            </a:lvl1pPr>
+          </a:lstStyle>
+          <a:p>
+            <a:r>
+              <a:rPr lang="en-US" sz="3600" dirty="0">
+                <a:cs typeface="Times New Roman" panose="02020603050405020304" pitchFamily="18" charset="0"/>
+              </a:rPr>
+              <a:t>Quantile Regression: Distributional Effects</a:t>
+            </a:r>
+          </a:p>
+        </p:txBody>
+      </p:sp>
     </p:spTree>
     <p:extLst>
       <p:ext uri="{BB962C8B-B14F-4D97-AF65-F5344CB8AC3E}">
@@ -11847,6 +11921,342 @@
 </file>
 
 <file path=ppt/slides/slide28.xml><?xml version="1.0" encoding="utf-8"?>
+<p:sld xmlns:a="http://schemas.openxmlformats.org/drawingml/2006/main" xmlns:r="http://schemas.openxmlformats.org/officeDocument/2006/relationships" xmlns:p="http://schemas.openxmlformats.org/presentationml/2006/main">
+  <p:cSld>
+    <p:spTree>
+      <p:nvGrpSpPr>
+        <p:cNvPr id="1" name=""/>
+        <p:cNvGrpSpPr/>
+        <p:nvPr/>
+      </p:nvGrpSpPr>
+      <p:grpSpPr>
+        <a:xfrm>
+          <a:off x="0" y="0"/>
+          <a:ext cx="0" cy="0"/>
+          <a:chOff x="0" y="0"/>
+          <a:chExt cx="0" cy="0"/>
+        </a:xfrm>
+      </p:grpSpPr>
+      <mc:AlternateContent xmlns:mc="http://schemas.openxmlformats.org/markup-compatibility/2006">
+        <mc:Choice xmlns:a14="http://schemas.microsoft.com/office/drawing/2010/main" Requires="a14">
+          <p:sp>
+            <p:nvSpPr>
+              <p:cNvPr id="3" name="Content Placeholder 2"/>
+              <p:cNvSpPr>
+                <a:spLocks noGrp="1"/>
+              </p:cNvSpPr>
+              <p:nvPr>
+                <p:ph idx="1"/>
+              </p:nvPr>
+            </p:nvSpPr>
+            <p:spPr>
+              <a:xfrm>
+                <a:off x="856095" y="962232"/>
+                <a:ext cx="4744606" cy="5217905"/>
+              </a:xfrm>
+            </p:spPr>
+            <p:txBody>
+              <a:bodyPr>
+                <a:normAutofit/>
+              </a:bodyPr>
+              <a:lstStyle/>
+              <a:p>
+                <a:r>
+                  <a:rPr lang="en-US" sz="2400" dirty="0">
+                    <a:cs typeface="Times New Roman" panose="02020603050405020304" pitchFamily="18" charset="0"/>
+                  </a:rPr>
+                  <a:t>Linear regression implies </a:t>
+                </a:r>
+                <a:r>
+                  <a:rPr lang="en-US" sz="2400" b="1" dirty="0">
+                    <a:cs typeface="Times New Roman" panose="02020603050405020304" pitchFamily="18" charset="0"/>
+                  </a:rPr>
+                  <a:t>homogeneous effects:</a:t>
+                </a:r>
+                <a:endParaRPr lang="en-US" sz="2400" dirty="0">
+                  <a:cs typeface="Times New Roman" panose="02020603050405020304" pitchFamily="18" charset="0"/>
+                </a:endParaRPr>
+              </a:p>
+              <a:p>
+                <a:pPr marL="0" indent="0">
+                  <a:buNone/>
+                </a:pPr>
+                <a14:m>
+                  <m:oMathPara xmlns:m="http://schemas.openxmlformats.org/officeDocument/2006/math">
+                    <m:oMathParaPr>
+                      <m:jc m:val="centerGroup"/>
+                    </m:oMathParaPr>
+                    <m:oMath xmlns:m="http://schemas.openxmlformats.org/officeDocument/2006/math">
+                      <m:r>
+                        <a:rPr lang="en-US" sz="2400" b="0" i="1" smtClean="0">
+                          <a:latin typeface="Cambria Math" panose="02040503050406030204" pitchFamily="18" charset="0"/>
+                          <a:cs typeface="Times New Roman" panose="02020603050405020304" pitchFamily="18" charset="0"/>
+                        </a:rPr>
+                        <m:t>𝑦</m:t>
+                      </m:r>
+                      <m:r>
+                        <a:rPr lang="en-US" sz="2400" b="0" i="1" smtClean="0">
+                          <a:latin typeface="Cambria Math" panose="02040503050406030204" pitchFamily="18" charset="0"/>
+                          <a:cs typeface="Times New Roman" panose="02020603050405020304" pitchFamily="18" charset="0"/>
+                        </a:rPr>
+                        <m:t>=</m:t>
+                      </m:r>
+                      <m:r>
+                        <a:rPr lang="en-US" sz="2400" b="0" i="1" smtClean="0">
+                          <a:latin typeface="Cambria Math" panose="02040503050406030204" pitchFamily="18" charset="0"/>
+                          <a:cs typeface="Times New Roman" panose="02020603050405020304" pitchFamily="18" charset="0"/>
+                        </a:rPr>
+                        <m:t>𝛽</m:t>
+                      </m:r>
+                      <m:r>
+                        <a:rPr lang="en-US" sz="2400" b="0" i="1" smtClean="0">
+                          <a:latin typeface="Cambria Math" panose="02040503050406030204" pitchFamily="18" charset="0"/>
+                          <a:cs typeface="Times New Roman" panose="02020603050405020304" pitchFamily="18" charset="0"/>
+                        </a:rPr>
+                        <m:t>𝑥</m:t>
+                      </m:r>
+                      <m:r>
+                        <a:rPr lang="en-US" sz="2400" b="0" i="1" smtClean="0">
+                          <a:latin typeface="Cambria Math" panose="02040503050406030204" pitchFamily="18" charset="0"/>
+                          <a:cs typeface="Times New Roman" panose="02020603050405020304" pitchFamily="18" charset="0"/>
+                        </a:rPr>
+                        <m:t>+</m:t>
+                      </m:r>
+                      <m:r>
+                        <a:rPr lang="en-US" sz="2400" b="0" i="1" smtClean="0">
+                          <a:latin typeface="Cambria Math" panose="02040503050406030204" pitchFamily="18" charset="0"/>
+                          <a:cs typeface="Times New Roman" panose="02020603050405020304" pitchFamily="18" charset="0"/>
+                        </a:rPr>
+                        <m:t>𝜀</m:t>
+                      </m:r>
+                    </m:oMath>
+                  </m:oMathPara>
+                </a14:m>
+                <a:endParaRPr lang="en-US" sz="2400" dirty="0">
+                  <a:cs typeface="Times New Roman" panose="02020603050405020304" pitchFamily="18" charset="0"/>
+                </a:endParaRPr>
+              </a:p>
+              <a:p>
+                <a:r>
+                  <a:rPr lang="en-US" sz="2400" dirty="0">
+                    <a:cs typeface="Times New Roman" panose="02020603050405020304" pitchFamily="18" charset="0"/>
+                  </a:rPr>
+                  <a:t>All we need to care about here is the </a:t>
+                </a:r>
+                <a:r>
+                  <a:rPr lang="en-US" sz="2400" b="1" dirty="0">
+                    <a:cs typeface="Times New Roman" panose="02020603050405020304" pitchFamily="18" charset="0"/>
+                  </a:rPr>
+                  <a:t>conditional mean </a:t>
+                </a:r>
+                <a14:m>
+                  <m:oMath xmlns:m="http://schemas.openxmlformats.org/officeDocument/2006/math">
+                    <m:r>
+                      <a:rPr lang="en-US" sz="2400" b="1" i="1" smtClean="0">
+                        <a:latin typeface="Cambria Math" panose="02040503050406030204" pitchFamily="18" charset="0"/>
+                        <a:cs typeface="Times New Roman" panose="02020603050405020304" pitchFamily="18" charset="0"/>
+                      </a:rPr>
+                      <m:t>𝔼</m:t>
+                    </m:r>
+                    <m:r>
+                      <a:rPr lang="en-US" sz="2400" b="1" i="1" smtClean="0">
+                        <a:latin typeface="Cambria Math" panose="02040503050406030204" pitchFamily="18" charset="0"/>
+                        <a:cs typeface="Times New Roman" panose="02020603050405020304" pitchFamily="18" charset="0"/>
+                      </a:rPr>
+                      <m:t>[</m:t>
+                    </m:r>
+                    <m:r>
+                      <a:rPr lang="en-US" sz="2400" b="1" i="1" smtClean="0">
+                        <a:latin typeface="Cambria Math" panose="02040503050406030204" pitchFamily="18" charset="0"/>
+                        <a:cs typeface="Times New Roman" panose="02020603050405020304" pitchFamily="18" charset="0"/>
+                      </a:rPr>
+                      <m:t>𝒚</m:t>
+                    </m:r>
+                    <m:r>
+                      <a:rPr lang="en-US" sz="2400" b="1" i="1" smtClean="0">
+                        <a:latin typeface="Cambria Math" panose="02040503050406030204" pitchFamily="18" charset="0"/>
+                        <a:cs typeface="Times New Roman" panose="02020603050405020304" pitchFamily="18" charset="0"/>
+                      </a:rPr>
+                      <m:t>|</m:t>
+                    </m:r>
+                    <m:r>
+                      <a:rPr lang="en-US" sz="2400" b="1" i="1" smtClean="0">
+                        <a:latin typeface="Cambria Math" panose="02040503050406030204" pitchFamily="18" charset="0"/>
+                        <a:cs typeface="Times New Roman" panose="02020603050405020304" pitchFamily="18" charset="0"/>
+                      </a:rPr>
+                      <m:t>𝒙</m:t>
+                    </m:r>
+                    <m:r>
+                      <a:rPr lang="en-US" sz="2400" b="1" i="1" smtClean="0">
+                        <a:latin typeface="Cambria Math" panose="02040503050406030204" pitchFamily="18" charset="0"/>
+                        <a:cs typeface="Times New Roman" panose="02020603050405020304" pitchFamily="18" charset="0"/>
+                      </a:rPr>
+                      <m:t>]</m:t>
+                    </m:r>
+                  </m:oMath>
+                </a14:m>
+                <a:endParaRPr lang="en-US" sz="2400" dirty="0">
+                  <a:cs typeface="Times New Roman" panose="02020603050405020304" pitchFamily="18" charset="0"/>
+                </a:endParaRPr>
+              </a:p>
+              <a:p>
+                <a:r>
+                  <a:rPr lang="en-US" sz="2400" dirty="0">
+                    <a:cs typeface="Times New Roman" panose="02020603050405020304" pitchFamily="18" charset="0"/>
+                  </a:rPr>
+                  <a:t>But what if an effect differs for individuals </a:t>
+                </a:r>
+                <a:r>
+                  <a:rPr lang="en-US" sz="2400" i="1" dirty="0">
+                    <a:cs typeface="Times New Roman" panose="02020603050405020304" pitchFamily="18" charset="0"/>
+                  </a:rPr>
+                  <a:t>along distribution of x?</a:t>
+                </a:r>
+                <a:endParaRPr lang="en-US" sz="2400" dirty="0">
+                  <a:cs typeface="Times New Roman" panose="02020603050405020304" pitchFamily="18" charset="0"/>
+                </a:endParaRPr>
+              </a:p>
+            </p:txBody>
+          </p:sp>
+        </mc:Choice>
+        <mc:Fallback>
+          <p:sp>
+            <p:nvSpPr>
+              <p:cNvPr id="3" name="Content Placeholder 2"/>
+              <p:cNvSpPr>
+                <a:spLocks noGrp="1" noRot="1" noChangeAspect="1" noMove="1" noResize="1" noEditPoints="1" noAdjustHandles="1" noChangeArrowheads="1" noChangeShapeType="1" noTextEdit="1"/>
+              </p:cNvSpPr>
+              <p:nvPr>
+                <p:ph idx="1"/>
+              </p:nvPr>
+            </p:nvSpPr>
+            <p:spPr>
+              <a:xfrm>
+                <a:off x="856095" y="962232"/>
+                <a:ext cx="4744606" cy="5217905"/>
+              </a:xfrm>
+              <a:blipFill>
+                <a:blip r:embed="rId3"/>
+                <a:stretch>
+                  <a:fillRect l="-899" t="-1285" r="-1155"/>
+                </a:stretch>
+              </a:blipFill>
+            </p:spPr>
+            <p:txBody>
+              <a:bodyPr/>
+              <a:lstStyle/>
+              <a:p>
+                <a:r>
+                  <a:rPr lang="en-US">
+                    <a:noFill/>
+                  </a:rPr>
+                  <a:t> </a:t>
+                </a:r>
+              </a:p>
+            </p:txBody>
+          </p:sp>
+        </mc:Fallback>
+      </mc:AlternateContent>
+      <p:sp>
+        <p:nvSpPr>
+          <p:cNvPr id="6" name="Title 1">
+            <a:extLst>
+              <a:ext uri="{FF2B5EF4-FFF2-40B4-BE49-F238E27FC236}">
+                <a16:creationId xmlns:a16="http://schemas.microsoft.com/office/drawing/2014/main" id="{F4D68C9B-0AC4-FAAC-1DD9-41E0AF93018E}"/>
+              </a:ext>
+            </a:extLst>
+          </p:cNvPr>
+          <p:cNvSpPr txBox="1">
+            <a:spLocks/>
+          </p:cNvSpPr>
+          <p:nvPr/>
+        </p:nvSpPr>
+        <p:spPr>
+          <a:xfrm>
+            <a:off x="609600" y="337392"/>
+            <a:ext cx="10439400" cy="624840"/>
+          </a:xfrm>
+          <a:prstGeom prst="rect">
+            <a:avLst/>
+          </a:prstGeom>
+        </p:spPr>
+        <p:txBody>
+          <a:bodyPr vert="horz" lIns="91440" tIns="45720" rIns="91440" bIns="45720" rtlCol="0" anchor="b">
+            <a:noAutofit/>
+          </a:bodyPr>
+          <a:lstStyle>
+            <a:lvl1pPr algn="l" defTabSz="914400" rtl="0" eaLnBrk="1" latinLnBrk="0" hangingPunct="1">
+              <a:lnSpc>
+                <a:spcPct val="90000"/>
+              </a:lnSpc>
+              <a:spcBef>
+                <a:spcPct val="0"/>
+              </a:spcBef>
+              <a:buNone/>
+              <a:defRPr sz="4400" kern="1200" spc="-50" baseline="0">
+                <a:solidFill>
+                  <a:schemeClr val="tx1"/>
+                </a:solidFill>
+                <a:latin typeface="Times New Roman" panose="02020603050405020304" pitchFamily="18" charset="0"/>
+                <a:ea typeface="+mj-ea"/>
+                <a:cs typeface="+mj-cs"/>
+              </a:defRPr>
+            </a:lvl1pPr>
+          </a:lstStyle>
+          <a:p>
+            <a:r>
+              <a:rPr lang="en-US" sz="3600" dirty="0">
+                <a:cs typeface="Times New Roman" panose="02020603050405020304" pitchFamily="18" charset="0"/>
+              </a:rPr>
+              <a:t>Quantile Regression: Distributional Effects</a:t>
+            </a:r>
+          </a:p>
+        </p:txBody>
+      </p:sp>
+      <p:pic>
+        <p:nvPicPr>
+          <p:cNvPr id="4" name="Picture 3">
+            <a:extLst>
+              <a:ext uri="{FF2B5EF4-FFF2-40B4-BE49-F238E27FC236}">
+                <a16:creationId xmlns:a16="http://schemas.microsoft.com/office/drawing/2014/main" id="{B7976A07-4F47-BC28-9286-8987EE41BE58}"/>
+              </a:ext>
+            </a:extLst>
+          </p:cNvPr>
+          <p:cNvPicPr>
+            <a:picLocks noChangeAspect="1"/>
+          </p:cNvPicPr>
+          <p:nvPr/>
+        </p:nvPicPr>
+        <p:blipFill>
+          <a:blip r:embed="rId4"/>
+          <a:stretch>
+            <a:fillRect/>
+          </a:stretch>
+        </p:blipFill>
+        <p:spPr>
+          <a:xfrm>
+            <a:off x="5510415" y="1127324"/>
+            <a:ext cx="5814060" cy="4603352"/>
+          </a:xfrm>
+          <a:prstGeom prst="rect">
+            <a:avLst/>
+          </a:prstGeom>
+        </p:spPr>
+      </p:pic>
+    </p:spTree>
+    <p:extLst>
+      <p:ext uri="{BB962C8B-B14F-4D97-AF65-F5344CB8AC3E}">
+        <p14:creationId xmlns:p14="http://schemas.microsoft.com/office/powerpoint/2010/main" val="3301846513"/>
+      </p:ext>
+    </p:extLst>
+  </p:cSld>
+  <p:clrMapOvr>
+    <a:masterClrMapping/>
+  </p:clrMapOvr>
+</p:sld>
+</file>
+
+<file path=ppt/slides/slide29.xml><?xml version="1.0" encoding="utf-8"?>
 <p:sld xmlns:a="http://schemas.openxmlformats.org/drawingml/2006/main" xmlns:r="http://schemas.openxmlformats.org/officeDocument/2006/relationships" xmlns:p="http://schemas.openxmlformats.org/presentationml/2006/main">
   <p:cSld>
     <p:spTree>
@@ -12252,7 +12662,97 @@
 </p:sld>
 </file>
 
-<file path=ppt/slides/slide29.xml><?xml version="1.0" encoding="utf-8"?>
+<file path=ppt/slides/slide3.xml><?xml version="1.0" encoding="utf-8"?>
+<p:sld xmlns:a="http://schemas.openxmlformats.org/drawingml/2006/main" xmlns:r="http://schemas.openxmlformats.org/officeDocument/2006/relationships" xmlns:p="http://schemas.openxmlformats.org/presentationml/2006/main">
+  <p:cSld>
+    <p:spTree>
+      <p:nvGrpSpPr>
+        <p:cNvPr id="1" name=""/>
+        <p:cNvGrpSpPr/>
+        <p:nvPr/>
+      </p:nvGrpSpPr>
+      <p:grpSpPr>
+        <a:xfrm>
+          <a:off x="0" y="0"/>
+          <a:ext cx="0" cy="0"/>
+          <a:chOff x="0" y="0"/>
+          <a:chExt cx="0" cy="0"/>
+        </a:xfrm>
+      </p:grpSpPr>
+      <p:sp>
+        <p:nvSpPr>
+          <p:cNvPr id="2" name="Title 1">
+            <a:extLst>
+              <a:ext uri="{FF2B5EF4-FFF2-40B4-BE49-F238E27FC236}">
+                <a16:creationId xmlns:a16="http://schemas.microsoft.com/office/drawing/2014/main" id="{F6693EDF-660D-4391-A114-A6C54268E445}"/>
+              </a:ext>
+            </a:extLst>
+          </p:cNvPr>
+          <p:cNvSpPr>
+            <a:spLocks noGrp="1"/>
+          </p:cNvSpPr>
+          <p:nvPr>
+            <p:ph type="ctrTitle"/>
+          </p:nvPr>
+        </p:nvSpPr>
+        <p:spPr>
+          <a:xfrm>
+            <a:off x="1261872" y="758952"/>
+            <a:ext cx="10549128" cy="4041648"/>
+          </a:xfrm>
+        </p:spPr>
+        <p:txBody>
+          <a:bodyPr/>
+          <a:lstStyle/>
+          <a:p>
+            <a:r>
+              <a:rPr lang="en-US" dirty="0"/>
+              <a:t>Synthetic Controls </a:t>
+            </a:r>
+          </a:p>
+        </p:txBody>
+      </p:sp>
+      <p:sp>
+        <p:nvSpPr>
+          <p:cNvPr id="3" name="Subtitle 2">
+            <a:extLst>
+              <a:ext uri="{FF2B5EF4-FFF2-40B4-BE49-F238E27FC236}">
+                <a16:creationId xmlns:a16="http://schemas.microsoft.com/office/drawing/2014/main" id="{9A7FADE3-4D7C-4B3A-B023-71CD85AECCCB}"/>
+              </a:ext>
+            </a:extLst>
+          </p:cNvPr>
+          <p:cNvSpPr>
+            <a:spLocks noGrp="1"/>
+          </p:cNvSpPr>
+          <p:nvPr>
+            <p:ph type="subTitle" idx="1"/>
+          </p:nvPr>
+        </p:nvSpPr>
+        <p:spPr/>
+        <p:txBody>
+          <a:bodyPr>
+            <a:normAutofit/>
+          </a:bodyPr>
+          <a:lstStyle/>
+          <a:p>
+            <a:endParaRPr lang="en-US" sz="4400" dirty="0"/>
+          </a:p>
+        </p:txBody>
+      </p:sp>
+    </p:spTree>
+    <p:extLst>
+      <p:ext uri="{BB962C8B-B14F-4D97-AF65-F5344CB8AC3E}">
+        <p14:creationId xmlns:p14="http://schemas.microsoft.com/office/powerpoint/2010/main" val="2953910715"/>
+      </p:ext>
+    </p:extLst>
+  </p:cSld>
+  <p:clrMapOvr>
+    <a:masterClrMapping/>
+  </p:clrMapOvr>
+</p:sld>
+</file>
+
+<file path=ppt/slides/slide30.xml><?xml version="1.0" encoding="utf-8"?>
 <p:sld xmlns:a="http://schemas.openxmlformats.org/drawingml/2006/main" xmlns:r="http://schemas.openxmlformats.org/officeDocument/2006/relationships" xmlns:p="http://schemas.openxmlformats.org/presentationml/2006/main">
   <p:cSld>
     <p:spTree>
@@ -12667,97 +13167,7 @@
 </p:sld>
 </file>
 
-<file path=ppt/slides/slide3.xml><?xml version="1.0" encoding="utf-8"?>
-<p:sld xmlns:a="http://schemas.openxmlformats.org/drawingml/2006/main" xmlns:r="http://schemas.openxmlformats.org/officeDocument/2006/relationships" xmlns:p="http://schemas.openxmlformats.org/presentationml/2006/main">
-  <p:cSld>
-    <p:spTree>
-      <p:nvGrpSpPr>
-        <p:cNvPr id="1" name=""/>
-        <p:cNvGrpSpPr/>
-        <p:nvPr/>
-      </p:nvGrpSpPr>
-      <p:grpSpPr>
-        <a:xfrm>
-          <a:off x="0" y="0"/>
-          <a:ext cx="0" cy="0"/>
-          <a:chOff x="0" y="0"/>
-          <a:chExt cx="0" cy="0"/>
-        </a:xfrm>
-      </p:grpSpPr>
-      <p:sp>
-        <p:nvSpPr>
-          <p:cNvPr id="2" name="Title 1">
-            <a:extLst>
-              <a:ext uri="{FF2B5EF4-FFF2-40B4-BE49-F238E27FC236}">
-                <a16:creationId xmlns:a16="http://schemas.microsoft.com/office/drawing/2014/main" id="{F6693EDF-660D-4391-A114-A6C54268E445}"/>
-              </a:ext>
-            </a:extLst>
-          </p:cNvPr>
-          <p:cNvSpPr>
-            <a:spLocks noGrp="1"/>
-          </p:cNvSpPr>
-          <p:nvPr>
-            <p:ph type="ctrTitle"/>
-          </p:nvPr>
-        </p:nvSpPr>
-        <p:spPr>
-          <a:xfrm>
-            <a:off x="1261872" y="758952"/>
-            <a:ext cx="10549128" cy="4041648"/>
-          </a:xfrm>
-        </p:spPr>
-        <p:txBody>
-          <a:bodyPr/>
-          <a:lstStyle/>
-          <a:p>
-            <a:r>
-              <a:rPr lang="en-US" dirty="0"/>
-              <a:t>Synthetic Controls </a:t>
-            </a:r>
-          </a:p>
-        </p:txBody>
-      </p:sp>
-      <p:sp>
-        <p:nvSpPr>
-          <p:cNvPr id="3" name="Subtitle 2">
-            <a:extLst>
-              <a:ext uri="{FF2B5EF4-FFF2-40B4-BE49-F238E27FC236}">
-                <a16:creationId xmlns:a16="http://schemas.microsoft.com/office/drawing/2014/main" id="{9A7FADE3-4D7C-4B3A-B023-71CD85AECCCB}"/>
-              </a:ext>
-            </a:extLst>
-          </p:cNvPr>
-          <p:cNvSpPr>
-            <a:spLocks noGrp="1"/>
-          </p:cNvSpPr>
-          <p:nvPr>
-            <p:ph type="subTitle" idx="1"/>
-          </p:nvPr>
-        </p:nvSpPr>
-        <p:spPr/>
-        <p:txBody>
-          <a:bodyPr>
-            <a:normAutofit/>
-          </a:bodyPr>
-          <a:lstStyle/>
-          <a:p>
-            <a:endParaRPr lang="en-US" sz="4400" dirty="0"/>
-          </a:p>
-        </p:txBody>
-      </p:sp>
-    </p:spTree>
-    <p:extLst>
-      <p:ext uri="{BB962C8B-B14F-4D97-AF65-F5344CB8AC3E}">
-        <p14:creationId xmlns:p14="http://schemas.microsoft.com/office/powerpoint/2010/main" val="2953910715"/>
-      </p:ext>
-    </p:extLst>
-  </p:cSld>
-  <p:clrMapOvr>
-    <a:masterClrMapping/>
-  </p:clrMapOvr>
-</p:sld>
-</file>
-
-<file path=ppt/slides/slide30.xml><?xml version="1.0" encoding="utf-8"?>
+<file path=ppt/slides/slide31.xml><?xml version="1.0" encoding="utf-8"?>
 <p:sld xmlns:a="http://schemas.openxmlformats.org/drawingml/2006/main" xmlns:r="http://schemas.openxmlformats.org/officeDocument/2006/relationships" xmlns:p="http://schemas.openxmlformats.org/presentationml/2006/main">
   <p:cSld>
     <p:spTree>
@@ -13980,7 +14390,7 @@
 </p:sld>
 </file>
 
-<file path=ppt/slides/slide31.xml><?xml version="1.0" encoding="utf-8"?>
+<file path=ppt/slides/slide32.xml><?xml version="1.0" encoding="utf-8"?>
 <p:sld xmlns:a="http://schemas.openxmlformats.org/drawingml/2006/main" xmlns:r="http://schemas.openxmlformats.org/officeDocument/2006/relationships" xmlns:p="http://schemas.openxmlformats.org/presentationml/2006/main">
   <p:cSld>
     <p:spTree>
@@ -14167,6 +14577,17 @@
               <a:rPr lang="en-US" sz="2400" dirty="0"/>
               <a:t>Scaled as percentage increases of sample quantile </a:t>
             </a:r>
+          </a:p>
+          <a:p>
+            <a:r>
+              <a:rPr lang="en-US" sz="2600" dirty="0"/>
+              <a:t>Bootstrapped standard errors work best without </a:t>
+            </a:r>
+            <a:r>
+              <a:rPr lang="en-US" sz="2600"/>
+              <a:t>rank invariance</a:t>
+            </a:r>
+            <a:endParaRPr lang="en-US" sz="2600" dirty="0"/>
           </a:p>
           <a:p>
             <a:endParaRPr lang="en-US" sz="2400" dirty="0">
@@ -14238,7 +14659,7 @@
 </p:sld>
 </file>
 
-<file path=ppt/slides/slide32.xml><?xml version="1.0" encoding="utf-8"?>
+<file path=ppt/slides/slide33.xml><?xml version="1.0" encoding="utf-8"?>
 <p:sld xmlns:a="http://schemas.openxmlformats.org/drawingml/2006/main" xmlns:r="http://schemas.openxmlformats.org/officeDocument/2006/relationships" xmlns:p="http://schemas.openxmlformats.org/presentationml/2006/main">
   <p:cSld>
     <p:spTree>
@@ -14333,7 +14754,7 @@
 </p:sld>
 </file>
 
-<file path=ppt/slides/slide33.xml><?xml version="1.0" encoding="utf-8"?>
+<file path=ppt/slides/slide34.xml><?xml version="1.0" encoding="utf-8"?>
 <p:sld xmlns:a="http://schemas.openxmlformats.org/drawingml/2006/main" xmlns:r="http://schemas.openxmlformats.org/officeDocument/2006/relationships" xmlns:p="http://schemas.openxmlformats.org/presentationml/2006/main">
   <p:cSld>
     <p:spTree>
@@ -14782,7 +15203,7 @@
 </p:sld>
 </file>
 
-<file path=ppt/slides/slide34.xml><?xml version="1.0" encoding="utf-8"?>
+<file path=ppt/slides/slide35.xml><?xml version="1.0" encoding="utf-8"?>
 <p:sld xmlns:a="http://schemas.openxmlformats.org/drawingml/2006/main" xmlns:r="http://schemas.openxmlformats.org/officeDocument/2006/relationships" xmlns:p="http://schemas.openxmlformats.org/presentationml/2006/main">
   <p:cSld>
     <p:spTree>
@@ -15308,7 +15729,7 @@
 </p:sld>
 </file>
 
-<file path=ppt/slides/slide35.xml><?xml version="1.0" encoding="utf-8"?>
+<file path=ppt/slides/slide36.xml><?xml version="1.0" encoding="utf-8"?>
 <p:sld xmlns:a="http://schemas.openxmlformats.org/drawingml/2006/main" xmlns:r="http://schemas.openxmlformats.org/officeDocument/2006/relationships" xmlns:p="http://schemas.openxmlformats.org/presentationml/2006/main">
   <p:cSld>
     <p:spTree>
@@ -15360,8 +15781,8 @@
           </a:p>
         </p:txBody>
       </p:sp>
-      <mc:AlternateContent xmlns:mc="http://schemas.openxmlformats.org/markup-compatibility/2006">
-        <mc:Choice xmlns:a14="http://schemas.microsoft.com/office/drawing/2010/main" Requires="a14">
+      <mc:AlternateContent xmlns:mc="http://schemas.openxmlformats.org/markup-compatibility/2006" xmlns:a14="http://schemas.microsoft.com/office/drawing/2010/main">
+        <mc:Choice Requires="a14">
           <p:sp>
             <p:nvSpPr>
               <p:cNvPr id="3" name="Content Placeholder 2"/>
@@ -16218,7 +16639,7 @@
             </p:txBody>
           </p:sp>
         </mc:Choice>
-        <mc:Fallback>
+        <mc:Fallback xmlns="">
           <p:sp>
             <p:nvSpPr>
               <p:cNvPr id="3" name="Content Placeholder 2"/>
@@ -16316,7 +16737,7 @@
 </p:sld>
 </file>
 
-<file path=ppt/slides/slide36.xml><?xml version="1.0" encoding="utf-8"?>
+<file path=ppt/slides/slide37.xml><?xml version="1.0" encoding="utf-8"?>
 <p:sld xmlns:a="http://schemas.openxmlformats.org/drawingml/2006/main" xmlns:r="http://schemas.openxmlformats.org/officeDocument/2006/relationships" xmlns:p="http://schemas.openxmlformats.org/presentationml/2006/main">
   <p:cSld>
     <p:spTree>
@@ -16680,7 +17101,7 @@
 </p:sld>
 </file>
 
-<file path=ppt/slides/slide37.xml><?xml version="1.0" encoding="utf-8"?>
+<file path=ppt/slides/slide38.xml><?xml version="1.0" encoding="utf-8"?>
 <p:sld xmlns:a="http://schemas.openxmlformats.org/drawingml/2006/main" xmlns:r="http://schemas.openxmlformats.org/officeDocument/2006/relationships" xmlns:p="http://schemas.openxmlformats.org/presentationml/2006/main">
   <p:cSld>
     <p:spTree>
@@ -16732,8 +17153,8 @@
           </a:p>
         </p:txBody>
       </p:sp>
-      <mc:AlternateContent xmlns:mc="http://schemas.openxmlformats.org/markup-compatibility/2006">
-        <mc:Choice xmlns:a14="http://schemas.microsoft.com/office/drawing/2010/main" Requires="a14">
+      <mc:AlternateContent xmlns:mc="http://schemas.openxmlformats.org/markup-compatibility/2006" xmlns:a14="http://schemas.microsoft.com/office/drawing/2010/main">
+        <mc:Choice Requires="a14">
           <p:sp>
             <p:nvSpPr>
               <p:cNvPr id="3" name="Content Placeholder 2"/>
@@ -17216,7 +17637,7 @@
             </p:txBody>
           </p:sp>
         </mc:Choice>
-        <mc:Fallback>
+        <mc:Fallback xmlns="">
           <p:sp>
             <p:nvSpPr>
               <p:cNvPr id="3" name="Content Placeholder 2"/>
@@ -17267,7 +17688,7 @@
 </p:sld>
 </file>
 
-<file path=ppt/slides/slide38.xml><?xml version="1.0" encoding="utf-8"?>
+<file path=ppt/slides/slide39.xml><?xml version="1.0" encoding="utf-8"?>
 <p:sld xmlns:a="http://schemas.openxmlformats.org/drawingml/2006/main" xmlns:r="http://schemas.openxmlformats.org/officeDocument/2006/relationships" xmlns:p="http://schemas.openxmlformats.org/presentationml/2006/main">
   <p:cSld>
     <p:spTree>
@@ -17319,8 +17740,8 @@
           </a:p>
         </p:txBody>
       </p:sp>
-      <mc:AlternateContent xmlns:mc="http://schemas.openxmlformats.org/markup-compatibility/2006">
-        <mc:Choice xmlns:a14="http://schemas.microsoft.com/office/drawing/2010/main" Requires="a14">
+      <mc:AlternateContent xmlns:mc="http://schemas.openxmlformats.org/markup-compatibility/2006" xmlns:a14="http://schemas.microsoft.com/office/drawing/2010/main">
+        <mc:Choice Requires="a14">
           <p:sp>
             <p:nvSpPr>
               <p:cNvPr id="3" name="Content Placeholder 2"/>
@@ -17711,7 +18132,7 @@
             </p:txBody>
           </p:sp>
         </mc:Choice>
-        <mc:Fallback>
+        <mc:Fallback xmlns="">
           <p:sp>
             <p:nvSpPr>
               <p:cNvPr id="3" name="Content Placeholder 2"/>
@@ -17762,318 +18183,6 @@
 </p:sld>
 </file>
 
-<file path=ppt/slides/slide39.xml><?xml version="1.0" encoding="utf-8"?>
-<p:sld xmlns:a="http://schemas.openxmlformats.org/drawingml/2006/main" xmlns:r="http://schemas.openxmlformats.org/officeDocument/2006/relationships" xmlns:p="http://schemas.openxmlformats.org/presentationml/2006/main">
-  <p:cSld>
-    <p:spTree>
-      <p:nvGrpSpPr>
-        <p:cNvPr id="1" name=""/>
-        <p:cNvGrpSpPr/>
-        <p:nvPr/>
-      </p:nvGrpSpPr>
-      <p:grpSpPr>
-        <a:xfrm>
-          <a:off x="0" y="0"/>
-          <a:ext cx="0" cy="0"/>
-          <a:chOff x="0" y="0"/>
-          <a:chExt cx="0" cy="0"/>
-        </a:xfrm>
-      </p:grpSpPr>
-      <p:sp>
-        <p:nvSpPr>
-          <p:cNvPr id="2" name="Title 1"/>
-          <p:cNvSpPr>
-            <a:spLocks noGrp="1"/>
-          </p:cNvSpPr>
-          <p:nvPr>
-            <p:ph type="title"/>
-          </p:nvPr>
-        </p:nvSpPr>
-        <p:spPr>
-          <a:xfrm>
-            <a:off x="609600" y="337392"/>
-            <a:ext cx="10439400" cy="624840"/>
-          </a:xfrm>
-        </p:spPr>
-        <p:txBody>
-          <a:bodyPr>
-            <a:noAutofit/>
-          </a:bodyPr>
-          <a:lstStyle/>
-          <a:p>
-            <a:r>
-              <a:rPr lang="en-US" sz="3600" dirty="0">
-                <a:cs typeface="Times New Roman" panose="02020603050405020304" pitchFamily="18" charset="0"/>
-              </a:rPr>
-              <a:t>Random Forests</a:t>
-            </a:r>
-            <a:endParaRPr lang="en-US" sz="3600" dirty="0">
-              <a:latin typeface="Times New Roman" panose="02020603050405020304" pitchFamily="18" charset="0"/>
-              <a:cs typeface="Times New Roman" panose="02020603050405020304" pitchFamily="18" charset="0"/>
-            </a:endParaRPr>
-          </a:p>
-        </p:txBody>
-      </p:sp>
-      <p:sp>
-        <p:nvSpPr>
-          <p:cNvPr id="3" name="Content Placeholder 2"/>
-          <p:cNvSpPr>
-            <a:spLocks noGrp="1"/>
-          </p:cNvSpPr>
-          <p:nvPr>
-            <p:ph idx="1"/>
-          </p:nvPr>
-        </p:nvSpPr>
-        <p:spPr>
-          <a:xfrm>
-            <a:off x="609601" y="1066801"/>
-            <a:ext cx="10439400" cy="5141388"/>
-          </a:xfrm>
-        </p:spPr>
-        <p:txBody>
-          <a:bodyPr>
-            <a:noAutofit/>
-          </a:bodyPr>
-          <a:lstStyle/>
-          <a:p>
-            <a:r>
-              <a:rPr lang="en-US" sz="2400" dirty="0">
-                <a:solidFill>
-                  <a:srgbClr val="222222"/>
-                </a:solidFill>
-                <a:cs typeface="Times New Roman" panose="02020603050405020304" pitchFamily="18" charset="0"/>
-              </a:rPr>
-              <a:t>A more </a:t>
-            </a:r>
-            <a:r>
-              <a:rPr lang="en-US" sz="2400" b="1" dirty="0">
-                <a:solidFill>
-                  <a:srgbClr val="222222"/>
-                </a:solidFill>
-                <a:cs typeface="Times New Roman" panose="02020603050405020304" pitchFamily="18" charset="0"/>
-              </a:rPr>
-              <a:t>computer science / prediction </a:t>
-            </a:r>
-            <a:r>
-              <a:rPr lang="en-US" sz="2400" dirty="0">
-                <a:solidFill>
-                  <a:srgbClr val="222222"/>
-                </a:solidFill>
-                <a:cs typeface="Times New Roman" panose="02020603050405020304" pitchFamily="18" charset="0"/>
-              </a:rPr>
-              <a:t>approach to regression</a:t>
-            </a:r>
-          </a:p>
-          <a:p>
-            <a:pPr lvl="1"/>
-            <a:r>
-              <a:rPr lang="en-US" sz="2400" dirty="0">
-                <a:solidFill>
-                  <a:srgbClr val="222222"/>
-                </a:solidFill>
-                <a:cs typeface="Times New Roman" panose="02020603050405020304" pitchFamily="18" charset="0"/>
-              </a:rPr>
-              <a:t>Rather than coefficient estimation based on averages of errors, </a:t>
-            </a:r>
-          </a:p>
-          <a:p>
-            <a:pPr lvl="1"/>
-            <a:r>
-              <a:rPr lang="en-US" sz="2400" dirty="0">
-                <a:solidFill>
-                  <a:srgbClr val="222222"/>
-                </a:solidFill>
-                <a:cs typeface="Times New Roman" panose="02020603050405020304" pitchFamily="18" charset="0"/>
-              </a:rPr>
-              <a:t>Split data into </a:t>
-            </a:r>
-            <a:r>
-              <a:rPr lang="en-US" sz="2400" i="1" dirty="0">
-                <a:solidFill>
-                  <a:srgbClr val="222222"/>
-                </a:solidFill>
-                <a:cs typeface="Times New Roman" panose="02020603050405020304" pitchFamily="18" charset="0"/>
-              </a:rPr>
-              <a:t>trees </a:t>
-            </a:r>
-            <a:r>
-              <a:rPr lang="en-US" sz="2400" dirty="0">
-                <a:solidFill>
-                  <a:srgbClr val="222222"/>
-                </a:solidFill>
-                <a:cs typeface="Times New Roman" panose="02020603050405020304" pitchFamily="18" charset="0"/>
-              </a:rPr>
-              <a:t>based on “cut-points” in data</a:t>
-            </a:r>
-          </a:p>
-          <a:p>
-            <a:pPr lvl="1"/>
-            <a:r>
-              <a:rPr lang="en-US" sz="2400" dirty="0">
-                <a:solidFill>
-                  <a:srgbClr val="222222"/>
-                </a:solidFill>
-                <a:cs typeface="Times New Roman" panose="02020603050405020304" pitchFamily="18" charset="0"/>
-              </a:rPr>
-              <a:t>Trees are chosen in order to maximize predictive power of data</a:t>
-            </a:r>
-          </a:p>
-          <a:p>
-            <a:r>
-              <a:rPr lang="en-US" sz="2400" dirty="0">
-                <a:solidFill>
-                  <a:srgbClr val="222222"/>
-                </a:solidFill>
-                <a:cs typeface="Times New Roman" panose="02020603050405020304" pitchFamily="18" charset="0"/>
-              </a:rPr>
-              <a:t>Forests: bootstrapping over the trees!</a:t>
-            </a:r>
-          </a:p>
-          <a:p>
-            <a:pPr lvl="1"/>
-            <a:r>
-              <a:rPr lang="en-US" sz="2400" dirty="0">
-                <a:solidFill>
-                  <a:srgbClr val="222222"/>
-                </a:solidFill>
-                <a:cs typeface="Times New Roman" panose="02020603050405020304" pitchFamily="18" charset="0"/>
-              </a:rPr>
-              <a:t>There is new terminology here: bagging, boosting, etc. But the concepts are similar</a:t>
-            </a:r>
-          </a:p>
-          <a:p>
-            <a:r>
-              <a:rPr lang="en-US" sz="2400" dirty="0">
-                <a:solidFill>
-                  <a:srgbClr val="222222"/>
-                </a:solidFill>
-                <a:cs typeface="Times New Roman" panose="02020603050405020304" pitchFamily="18" charset="0"/>
-              </a:rPr>
-              <a:t>These methods were applied best as </a:t>
-            </a:r>
-            <a:r>
-              <a:rPr lang="en-US" sz="2400" b="1" dirty="0">
-                <a:solidFill>
-                  <a:srgbClr val="222222"/>
-                </a:solidFill>
-                <a:cs typeface="Times New Roman" panose="02020603050405020304" pitchFamily="18" charset="0"/>
-              </a:rPr>
-              <a:t>predictive methods</a:t>
-            </a:r>
-            <a:r>
-              <a:rPr lang="en-US" sz="2400" dirty="0">
-                <a:solidFill>
-                  <a:srgbClr val="222222"/>
-                </a:solidFill>
-                <a:cs typeface="Times New Roman" panose="02020603050405020304" pitchFamily="18" charset="0"/>
-              </a:rPr>
-              <a:t>, so causality is not always apparent</a:t>
-            </a:r>
-          </a:p>
-          <a:p>
-            <a:pPr lvl="1"/>
-            <a:r>
-              <a:rPr lang="en-US" sz="2400" dirty="0">
-                <a:solidFill>
-                  <a:srgbClr val="222222"/>
-                </a:solidFill>
-                <a:cs typeface="Times New Roman" panose="02020603050405020304" pitchFamily="18" charset="0"/>
-              </a:rPr>
-              <a:t>But causal methods are being developed; see papers in </a:t>
-            </a:r>
-            <a:r>
-              <a:rPr lang="en-US" sz="2400" dirty="0" err="1">
-                <a:solidFill>
-                  <a:srgbClr val="222222"/>
-                </a:solidFill>
-                <a:cs typeface="Times New Roman" panose="02020603050405020304" pitchFamily="18" charset="0"/>
-              </a:rPr>
-              <a:t>Github</a:t>
-            </a:r>
-            <a:r>
-              <a:rPr lang="en-US" sz="2400" dirty="0">
-                <a:solidFill>
-                  <a:srgbClr val="222222"/>
-                </a:solidFill>
-                <a:cs typeface="Times New Roman" panose="02020603050405020304" pitchFamily="18" charset="0"/>
-              </a:rPr>
-              <a:t> repo </a:t>
-            </a:r>
-          </a:p>
-          <a:p>
-            <a:pPr lvl="1"/>
-            <a:r>
-              <a:rPr lang="en-US" sz="2400" dirty="0">
-                <a:solidFill>
-                  <a:srgbClr val="222222"/>
-                </a:solidFill>
-                <a:cs typeface="Times New Roman" panose="02020603050405020304" pitchFamily="18" charset="0"/>
-              </a:rPr>
-              <a:t>Sometimes we care about prediction too! (e.g., risk adjustment)</a:t>
-            </a:r>
-          </a:p>
-        </p:txBody>
-      </p:sp>
-      <p:pic>
-        <p:nvPicPr>
-          <p:cNvPr id="4" name="Picture 2" descr="RStudio - RStudio">
-            <a:extLst>
-              <a:ext uri="{FF2B5EF4-FFF2-40B4-BE49-F238E27FC236}">
-                <a16:creationId xmlns:a16="http://schemas.microsoft.com/office/drawing/2014/main" id="{EAA4D273-BE86-B94A-B34C-C3E48EB17EDD}"/>
-              </a:ext>
-            </a:extLst>
-          </p:cNvPr>
-          <p:cNvPicPr>
-            <a:picLocks noChangeAspect="1" noChangeArrowheads="1"/>
-          </p:cNvPicPr>
-          <p:nvPr/>
-        </p:nvPicPr>
-        <p:blipFill>
-          <a:blip r:embed="rId3">
-            <a:extLst>
-              <a:ext uri="{28A0092B-C50C-407E-A947-70E740481C1C}">
-                <a14:useLocalDpi xmlns:a14="http://schemas.microsoft.com/office/drawing/2010/main" val="0"/>
-              </a:ext>
-            </a:extLst>
-          </a:blip>
-          <a:srcRect/>
-          <a:stretch>
-            <a:fillRect/>
-          </a:stretch>
-        </p:blipFill>
-        <p:spPr bwMode="auto">
-          <a:xfrm>
-            <a:off x="9527629" y="5209968"/>
-            <a:ext cx="1371600" cy="1371600"/>
-          </a:xfrm>
-          <a:prstGeom prst="rect">
-            <a:avLst/>
-          </a:prstGeom>
-          <a:noFill/>
-          <a:extLst>
-            <a:ext uri="{909E8E84-426E-40DD-AFC4-6F175D3DCCD1}">
-              <a14:hiddenFill xmlns:a14="http://schemas.microsoft.com/office/drawing/2010/main">
-                <a:solidFill>
-                  <a:srgbClr val="FFFFFF"/>
-                </a:solidFill>
-              </a14:hiddenFill>
-            </a:ext>
-          </a:extLst>
-        </p:spPr>
-      </p:pic>
-    </p:spTree>
-    <p:extLst>
-      <p:ext uri="{BB962C8B-B14F-4D97-AF65-F5344CB8AC3E}">
-        <p14:creationId xmlns:p14="http://schemas.microsoft.com/office/powerpoint/2010/main" val="1679008531"/>
-      </p:ext>
-    </p:extLst>
-  </p:cSld>
-  <p:clrMapOvr>
-    <a:masterClrMapping/>
-  </p:clrMapOvr>
-</p:sld>
-</file>
-
 <file path=ppt/slides/slide4.xml><?xml version="1.0" encoding="utf-8"?>
 <p:sld xmlns:a="http://schemas.openxmlformats.org/drawingml/2006/main" xmlns:r="http://schemas.openxmlformats.org/officeDocument/2006/relationships" xmlns:p="http://schemas.openxmlformats.org/presentationml/2006/main">
   <p:cSld>
@@ -18138,8 +18247,8 @@
           </a:p>
         </p:txBody>
       </p:sp>
-      <mc:AlternateContent xmlns:mc="http://schemas.openxmlformats.org/markup-compatibility/2006">
-        <mc:Choice xmlns:a14="http://schemas.microsoft.com/office/drawing/2010/main" Requires="a14">
+      <mc:AlternateContent xmlns:mc="http://schemas.openxmlformats.org/markup-compatibility/2006" xmlns:a14="http://schemas.microsoft.com/office/drawing/2010/main">
+        <mc:Choice Requires="a14">
           <p:sp>
             <p:nvSpPr>
               <p:cNvPr id="3" name="Content Placeholder 2"/>
@@ -18438,7 +18547,7 @@
             </p:txBody>
           </p:sp>
         </mc:Choice>
-        <mc:Fallback>
+        <mc:Fallback xmlns="">
           <p:sp>
             <p:nvSpPr>
               <p:cNvPr id="3" name="Content Placeholder 2"/>
@@ -18532,6 +18641,318 @@
               <a:rPr lang="en-US" sz="3600" dirty="0">
                 <a:cs typeface="Times New Roman" panose="02020603050405020304" pitchFamily="18" charset="0"/>
               </a:rPr>
+              <a:t>Random Forests</a:t>
+            </a:r>
+            <a:endParaRPr lang="en-US" sz="3600" dirty="0">
+              <a:latin typeface="Times New Roman" panose="02020603050405020304" pitchFamily="18" charset="0"/>
+              <a:cs typeface="Times New Roman" panose="02020603050405020304" pitchFamily="18" charset="0"/>
+            </a:endParaRPr>
+          </a:p>
+        </p:txBody>
+      </p:sp>
+      <p:sp>
+        <p:nvSpPr>
+          <p:cNvPr id="3" name="Content Placeholder 2"/>
+          <p:cNvSpPr>
+            <a:spLocks noGrp="1"/>
+          </p:cNvSpPr>
+          <p:nvPr>
+            <p:ph idx="1"/>
+          </p:nvPr>
+        </p:nvSpPr>
+        <p:spPr>
+          <a:xfrm>
+            <a:off x="609601" y="1066801"/>
+            <a:ext cx="10439400" cy="5141388"/>
+          </a:xfrm>
+        </p:spPr>
+        <p:txBody>
+          <a:bodyPr>
+            <a:noAutofit/>
+          </a:bodyPr>
+          <a:lstStyle/>
+          <a:p>
+            <a:r>
+              <a:rPr lang="en-US" sz="2400" dirty="0">
+                <a:solidFill>
+                  <a:srgbClr val="222222"/>
+                </a:solidFill>
+                <a:cs typeface="Times New Roman" panose="02020603050405020304" pitchFamily="18" charset="0"/>
+              </a:rPr>
+              <a:t>A more </a:t>
+            </a:r>
+            <a:r>
+              <a:rPr lang="en-US" sz="2400" b="1" dirty="0">
+                <a:solidFill>
+                  <a:srgbClr val="222222"/>
+                </a:solidFill>
+                <a:cs typeface="Times New Roman" panose="02020603050405020304" pitchFamily="18" charset="0"/>
+              </a:rPr>
+              <a:t>computer science / prediction </a:t>
+            </a:r>
+            <a:r>
+              <a:rPr lang="en-US" sz="2400" dirty="0">
+                <a:solidFill>
+                  <a:srgbClr val="222222"/>
+                </a:solidFill>
+                <a:cs typeface="Times New Roman" panose="02020603050405020304" pitchFamily="18" charset="0"/>
+              </a:rPr>
+              <a:t>approach to regression</a:t>
+            </a:r>
+          </a:p>
+          <a:p>
+            <a:pPr lvl="1"/>
+            <a:r>
+              <a:rPr lang="en-US" sz="2400" dirty="0">
+                <a:solidFill>
+                  <a:srgbClr val="222222"/>
+                </a:solidFill>
+                <a:cs typeface="Times New Roman" panose="02020603050405020304" pitchFamily="18" charset="0"/>
+              </a:rPr>
+              <a:t>Rather than coefficient estimation based on averages of errors, </a:t>
+            </a:r>
+          </a:p>
+          <a:p>
+            <a:pPr lvl="1"/>
+            <a:r>
+              <a:rPr lang="en-US" sz="2400" dirty="0">
+                <a:solidFill>
+                  <a:srgbClr val="222222"/>
+                </a:solidFill>
+                <a:cs typeface="Times New Roman" panose="02020603050405020304" pitchFamily="18" charset="0"/>
+              </a:rPr>
+              <a:t>Split data into </a:t>
+            </a:r>
+            <a:r>
+              <a:rPr lang="en-US" sz="2400" i="1" dirty="0">
+                <a:solidFill>
+                  <a:srgbClr val="222222"/>
+                </a:solidFill>
+                <a:cs typeface="Times New Roman" panose="02020603050405020304" pitchFamily="18" charset="0"/>
+              </a:rPr>
+              <a:t>trees </a:t>
+            </a:r>
+            <a:r>
+              <a:rPr lang="en-US" sz="2400" dirty="0">
+                <a:solidFill>
+                  <a:srgbClr val="222222"/>
+                </a:solidFill>
+                <a:cs typeface="Times New Roman" panose="02020603050405020304" pitchFamily="18" charset="0"/>
+              </a:rPr>
+              <a:t>based on “cut-points” in data</a:t>
+            </a:r>
+          </a:p>
+          <a:p>
+            <a:pPr lvl="1"/>
+            <a:r>
+              <a:rPr lang="en-US" sz="2400" dirty="0">
+                <a:solidFill>
+                  <a:srgbClr val="222222"/>
+                </a:solidFill>
+                <a:cs typeface="Times New Roman" panose="02020603050405020304" pitchFamily="18" charset="0"/>
+              </a:rPr>
+              <a:t>Trees are chosen in order to maximize predictive power of data</a:t>
+            </a:r>
+          </a:p>
+          <a:p>
+            <a:r>
+              <a:rPr lang="en-US" sz="2400" dirty="0">
+                <a:solidFill>
+                  <a:srgbClr val="222222"/>
+                </a:solidFill>
+                <a:cs typeface="Times New Roman" panose="02020603050405020304" pitchFamily="18" charset="0"/>
+              </a:rPr>
+              <a:t>Forests: bootstrapping over the trees!</a:t>
+            </a:r>
+          </a:p>
+          <a:p>
+            <a:pPr lvl="1"/>
+            <a:r>
+              <a:rPr lang="en-US" sz="2400" dirty="0">
+                <a:solidFill>
+                  <a:srgbClr val="222222"/>
+                </a:solidFill>
+                <a:cs typeface="Times New Roman" panose="02020603050405020304" pitchFamily="18" charset="0"/>
+              </a:rPr>
+              <a:t>There is new terminology here: bagging, boosting, etc. But the concepts are similar</a:t>
+            </a:r>
+          </a:p>
+          <a:p>
+            <a:r>
+              <a:rPr lang="en-US" sz="2400" dirty="0">
+                <a:solidFill>
+                  <a:srgbClr val="222222"/>
+                </a:solidFill>
+                <a:cs typeface="Times New Roman" panose="02020603050405020304" pitchFamily="18" charset="0"/>
+              </a:rPr>
+              <a:t>These methods were applied best as </a:t>
+            </a:r>
+            <a:r>
+              <a:rPr lang="en-US" sz="2400" b="1" dirty="0">
+                <a:solidFill>
+                  <a:srgbClr val="222222"/>
+                </a:solidFill>
+                <a:cs typeface="Times New Roman" panose="02020603050405020304" pitchFamily="18" charset="0"/>
+              </a:rPr>
+              <a:t>predictive methods</a:t>
+            </a:r>
+            <a:r>
+              <a:rPr lang="en-US" sz="2400" dirty="0">
+                <a:solidFill>
+                  <a:srgbClr val="222222"/>
+                </a:solidFill>
+                <a:cs typeface="Times New Roman" panose="02020603050405020304" pitchFamily="18" charset="0"/>
+              </a:rPr>
+              <a:t>, so causality is not always apparent</a:t>
+            </a:r>
+          </a:p>
+          <a:p>
+            <a:pPr lvl="1"/>
+            <a:r>
+              <a:rPr lang="en-US" sz="2400" dirty="0">
+                <a:solidFill>
+                  <a:srgbClr val="222222"/>
+                </a:solidFill>
+                <a:cs typeface="Times New Roman" panose="02020603050405020304" pitchFamily="18" charset="0"/>
+              </a:rPr>
+              <a:t>But causal methods are being developed; see papers in </a:t>
+            </a:r>
+            <a:r>
+              <a:rPr lang="en-US" sz="2400" dirty="0" err="1">
+                <a:solidFill>
+                  <a:srgbClr val="222222"/>
+                </a:solidFill>
+                <a:cs typeface="Times New Roman" panose="02020603050405020304" pitchFamily="18" charset="0"/>
+              </a:rPr>
+              <a:t>Github</a:t>
+            </a:r>
+            <a:r>
+              <a:rPr lang="en-US" sz="2400" dirty="0">
+                <a:solidFill>
+                  <a:srgbClr val="222222"/>
+                </a:solidFill>
+                <a:cs typeface="Times New Roman" panose="02020603050405020304" pitchFamily="18" charset="0"/>
+              </a:rPr>
+              <a:t> repo </a:t>
+            </a:r>
+          </a:p>
+          <a:p>
+            <a:pPr lvl="1"/>
+            <a:r>
+              <a:rPr lang="en-US" sz="2400" dirty="0">
+                <a:solidFill>
+                  <a:srgbClr val="222222"/>
+                </a:solidFill>
+                <a:cs typeface="Times New Roman" panose="02020603050405020304" pitchFamily="18" charset="0"/>
+              </a:rPr>
+              <a:t>Sometimes we care about prediction too! (e.g., risk adjustment)</a:t>
+            </a:r>
+          </a:p>
+        </p:txBody>
+      </p:sp>
+      <p:pic>
+        <p:nvPicPr>
+          <p:cNvPr id="4" name="Picture 2" descr="RStudio - RStudio">
+            <a:extLst>
+              <a:ext uri="{FF2B5EF4-FFF2-40B4-BE49-F238E27FC236}">
+                <a16:creationId xmlns:a16="http://schemas.microsoft.com/office/drawing/2014/main" id="{EAA4D273-BE86-B94A-B34C-C3E48EB17EDD}"/>
+              </a:ext>
+            </a:extLst>
+          </p:cNvPr>
+          <p:cNvPicPr>
+            <a:picLocks noChangeAspect="1" noChangeArrowheads="1"/>
+          </p:cNvPicPr>
+          <p:nvPr/>
+        </p:nvPicPr>
+        <p:blipFill>
+          <a:blip r:embed="rId3">
+            <a:extLst>
+              <a:ext uri="{28A0092B-C50C-407E-A947-70E740481C1C}">
+                <a14:useLocalDpi xmlns:a14="http://schemas.microsoft.com/office/drawing/2010/main" val="0"/>
+              </a:ext>
+            </a:extLst>
+          </a:blip>
+          <a:srcRect/>
+          <a:stretch>
+            <a:fillRect/>
+          </a:stretch>
+        </p:blipFill>
+        <p:spPr bwMode="auto">
+          <a:xfrm>
+            <a:off x="9527629" y="5209968"/>
+            <a:ext cx="1371600" cy="1371600"/>
+          </a:xfrm>
+          <a:prstGeom prst="rect">
+            <a:avLst/>
+          </a:prstGeom>
+          <a:noFill/>
+          <a:extLst>
+            <a:ext uri="{909E8E84-426E-40DD-AFC4-6F175D3DCCD1}">
+              <a14:hiddenFill xmlns:a14="http://schemas.microsoft.com/office/drawing/2010/main">
+                <a:solidFill>
+                  <a:srgbClr val="FFFFFF"/>
+                </a:solidFill>
+              </a14:hiddenFill>
+            </a:ext>
+          </a:extLst>
+        </p:spPr>
+      </p:pic>
+    </p:spTree>
+    <p:extLst>
+      <p:ext uri="{BB962C8B-B14F-4D97-AF65-F5344CB8AC3E}">
+        <p14:creationId xmlns:p14="http://schemas.microsoft.com/office/powerpoint/2010/main" val="1679008531"/>
+      </p:ext>
+    </p:extLst>
+  </p:cSld>
+  <p:clrMapOvr>
+    <a:masterClrMapping/>
+  </p:clrMapOvr>
+</p:sld>
+</file>
+
+<file path=ppt/slides/slide41.xml><?xml version="1.0" encoding="utf-8"?>
+<p:sld xmlns:a="http://schemas.openxmlformats.org/drawingml/2006/main" xmlns:r="http://schemas.openxmlformats.org/officeDocument/2006/relationships" xmlns:p="http://schemas.openxmlformats.org/presentationml/2006/main">
+  <p:cSld>
+    <p:spTree>
+      <p:nvGrpSpPr>
+        <p:cNvPr id="1" name=""/>
+        <p:cNvGrpSpPr/>
+        <p:nvPr/>
+      </p:nvGrpSpPr>
+      <p:grpSpPr>
+        <a:xfrm>
+          <a:off x="0" y="0"/>
+          <a:ext cx="0" cy="0"/>
+          <a:chOff x="0" y="0"/>
+          <a:chExt cx="0" cy="0"/>
+        </a:xfrm>
+      </p:grpSpPr>
+      <p:sp>
+        <p:nvSpPr>
+          <p:cNvPr id="2" name="Title 1"/>
+          <p:cNvSpPr>
+            <a:spLocks noGrp="1"/>
+          </p:cNvSpPr>
+          <p:nvPr>
+            <p:ph type="title"/>
+          </p:nvPr>
+        </p:nvSpPr>
+        <p:spPr>
+          <a:xfrm>
+            <a:off x="609600" y="337392"/>
+            <a:ext cx="10439400" cy="624840"/>
+          </a:xfrm>
+        </p:spPr>
+        <p:txBody>
+          <a:bodyPr>
+            <a:noAutofit/>
+          </a:bodyPr>
+          <a:lstStyle/>
+          <a:p>
+            <a:r>
+              <a:rPr lang="en-US" sz="3600" dirty="0">
+                <a:cs typeface="Times New Roman" panose="02020603050405020304" pitchFamily="18" charset="0"/>
+              </a:rPr>
               <a:t>Neural Networks</a:t>
             </a:r>
             <a:endParaRPr lang="en-US" sz="3600" dirty="0">
@@ -18723,7 +19144,7 @@
 </p:sld>
 </file>
 
-<file path=ppt/slides/slide41.xml><?xml version="1.0" encoding="utf-8"?>
+<file path=ppt/slides/slide42.xml><?xml version="1.0" encoding="utf-8"?>
 <p:sld xmlns:a="http://schemas.openxmlformats.org/drawingml/2006/main" xmlns:r="http://schemas.openxmlformats.org/officeDocument/2006/relationships" xmlns:p="http://schemas.openxmlformats.org/presentationml/2006/main">
   <p:cSld>
     <p:spTree>
@@ -18775,8 +19196,8 @@
           </a:p>
         </p:txBody>
       </p:sp>
-      <mc:AlternateContent xmlns:mc="http://schemas.openxmlformats.org/markup-compatibility/2006">
-        <mc:Choice xmlns:a14="http://schemas.microsoft.com/office/drawing/2010/main" Requires="a14">
+      <mc:AlternateContent xmlns:mc="http://schemas.openxmlformats.org/markup-compatibility/2006" xmlns:a14="http://schemas.microsoft.com/office/drawing/2010/main">
+        <mc:Choice Requires="a14">
           <p:sp>
             <p:nvSpPr>
               <p:cNvPr id="3" name="Content Placeholder 2"/>
@@ -18932,7 +19353,7 @@
             </p:txBody>
           </p:sp>
         </mc:Choice>
-        <mc:Fallback>
+        <mc:Fallback xmlns="">
           <p:sp>
             <p:nvSpPr>
               <p:cNvPr id="3" name="Content Placeholder 2"/>
@@ -19047,8 +19468,8 @@
           </a:p>
         </p:txBody>
       </p:sp>
-      <mc:AlternateContent xmlns:mc="http://schemas.openxmlformats.org/markup-compatibility/2006">
-        <mc:Choice xmlns:a14="http://schemas.microsoft.com/office/drawing/2010/main" Requires="a14">
+      <mc:AlternateContent xmlns:mc="http://schemas.openxmlformats.org/markup-compatibility/2006" xmlns:a14="http://schemas.microsoft.com/office/drawing/2010/main">
+        <mc:Choice Requires="a14">
           <p:sp>
             <p:nvSpPr>
               <p:cNvPr id="3" name="Content Placeholder 2"/>
@@ -19406,7 +19827,7 @@
             </p:txBody>
           </p:sp>
         </mc:Choice>
-        <mc:Fallback>
+        <mc:Fallback xmlns="">
           <p:sp>
             <p:nvSpPr>
               <p:cNvPr id="3" name="Content Placeholder 2"/>

--- a/Lecture10_SyntheticControl_QuantileRegression/Lecture10_SyntheticControl_QuantileRegression.pptx
+++ b/Lecture10_SyntheticControl_QuantileRegression/Lecture10_SyntheticControl_QuantileRegression.pptx
@@ -5,7 +5,7 @@
     <p:sldMasterId id="2147483738" r:id="rId1"/>
   </p:sldMasterIdLst>
   <p:notesMasterIdLst>
-    <p:notesMasterId r:id="rId44"/>
+    <p:notesMasterId r:id="rId45"/>
   </p:notesMasterIdLst>
   <p:sldIdLst>
     <p:sldId id="256" r:id="rId2"/>
@@ -30,26 +30,27 @@
     <p:sldId id="604" r:id="rId21"/>
     <p:sldId id="613" r:id="rId22"/>
     <p:sldId id="606" r:id="rId23"/>
-    <p:sldId id="589" r:id="rId24"/>
-    <p:sldId id="614" r:id="rId25"/>
-    <p:sldId id="616" r:id="rId26"/>
-    <p:sldId id="615" r:id="rId27"/>
-    <p:sldId id="617" r:id="rId28"/>
-    <p:sldId id="633" r:id="rId29"/>
-    <p:sldId id="618" r:id="rId30"/>
-    <p:sldId id="619" r:id="rId31"/>
-    <p:sldId id="620" r:id="rId32"/>
-    <p:sldId id="622" r:id="rId33"/>
-    <p:sldId id="624" r:id="rId34"/>
-    <p:sldId id="625" r:id="rId35"/>
-    <p:sldId id="629" r:id="rId36"/>
-    <p:sldId id="630" r:id="rId37"/>
-    <p:sldId id="628" r:id="rId38"/>
-    <p:sldId id="626" r:id="rId39"/>
-    <p:sldId id="627" r:id="rId40"/>
-    <p:sldId id="631" r:id="rId41"/>
-    <p:sldId id="632" r:id="rId42"/>
-    <p:sldId id="586" r:id="rId43"/>
+    <p:sldId id="634" r:id="rId24"/>
+    <p:sldId id="589" r:id="rId25"/>
+    <p:sldId id="614" r:id="rId26"/>
+    <p:sldId id="616" r:id="rId27"/>
+    <p:sldId id="615" r:id="rId28"/>
+    <p:sldId id="617" r:id="rId29"/>
+    <p:sldId id="633" r:id="rId30"/>
+    <p:sldId id="618" r:id="rId31"/>
+    <p:sldId id="619" r:id="rId32"/>
+    <p:sldId id="620" r:id="rId33"/>
+    <p:sldId id="622" r:id="rId34"/>
+    <p:sldId id="624" r:id="rId35"/>
+    <p:sldId id="625" r:id="rId36"/>
+    <p:sldId id="629" r:id="rId37"/>
+    <p:sldId id="630" r:id="rId38"/>
+    <p:sldId id="628" r:id="rId39"/>
+    <p:sldId id="626" r:id="rId40"/>
+    <p:sldId id="627" r:id="rId41"/>
+    <p:sldId id="631" r:id="rId42"/>
+    <p:sldId id="632" r:id="rId43"/>
+    <p:sldId id="586" r:id="rId44"/>
   </p:sldIdLst>
   <p:sldSz cx="12192000" cy="6858000"/>
   <p:notesSz cx="7010400" cy="9296400"/>
@@ -249,7 +250,7 @@
           <a:p>
             <a:fld id="{EF911157-0FC2-4F06-8D61-FD647FE4E19D}" type="datetimeFigureOut">
               <a:rPr lang="en-US" smtClean="0"/>
-              <a:t>8/15/2022</a:t>
+              <a:t>10/12/2022</a:t>
             </a:fld>
             <a:endParaRPr lang="en-US"/>
           </a:p>
@@ -1971,10 +1972,7 @@
           <a:bodyPr/>
           <a:lstStyle/>
           <a:p>
-            <a:r>
-              <a:rPr lang="en-US" dirty="0"/>
-              <a:t>Couldn’t find a good figure for CA but is similar</a:t>
-            </a:r>
+            <a:endParaRPr lang="en-US" dirty="0"/>
           </a:p>
         </p:txBody>
       </p:sp>
@@ -1995,7 +1993,7 @@
           <a:p>
             <a:fld id="{4AF79E1B-2C51-4B9B-8EA4-26DE9E345AFF}" type="slidenum">
               <a:rPr lang="en-US" smtClean="0"/>
-              <a:t>24</a:t>
+              <a:t>23</a:t>
             </a:fld>
             <a:endParaRPr lang="en-US"/>
           </a:p>
@@ -2004,7 +2002,7 @@
     </p:spTree>
     <p:extLst>
       <p:ext uri="{BB962C8B-B14F-4D97-AF65-F5344CB8AC3E}">
-        <p14:creationId xmlns:p14="http://schemas.microsoft.com/office/powerpoint/2010/main" val="534326552"/>
+        <p14:creationId xmlns:p14="http://schemas.microsoft.com/office/powerpoint/2010/main" val="1475033141"/>
       </p:ext>
     </p:extLst>
   </p:cSld>
@@ -2060,15 +2058,7 @@
           <a:p>
             <a:r>
               <a:rPr lang="en-US" dirty="0"/>
-              <a:t>Econometrically, we may be concerned that our estimates are biased if we aren’t correcting for the </a:t>
-            </a:r>
-            <a:r>
-              <a:rPr lang="en-US" dirty="0" err="1"/>
-              <a:t>distirbutions</a:t>
-            </a:r>
-            <a:r>
-              <a:rPr lang="en-US" dirty="0"/>
-              <a:t>. Policy wise, we may care a lot more about nudging the median spender than the mean, or about super-utilizers, or disparities in the bottom quintile of income, etc. </a:t>
+              <a:t>Couldn’t find a good figure for CA but is similar</a:t>
             </a:r>
           </a:p>
         </p:txBody>
@@ -2099,7 +2089,7 @@
     </p:spTree>
     <p:extLst>
       <p:ext uri="{BB962C8B-B14F-4D97-AF65-F5344CB8AC3E}">
-        <p14:creationId xmlns:p14="http://schemas.microsoft.com/office/powerpoint/2010/main" val="3037542011"/>
+        <p14:creationId xmlns:p14="http://schemas.microsoft.com/office/powerpoint/2010/main" val="534326552"/>
       </p:ext>
     </p:extLst>
   </p:cSld>
@@ -2155,7 +2145,15 @@
           <a:p>
             <a:r>
               <a:rPr lang="en-US" dirty="0"/>
-              <a:t>Notice that 1, 3, and 4 are very similar. We won’t spend a lot of time on (2) today (example: want to assign people into risk categories and estimate separately based on risk; this is a two-step model like a hurdle model). (1) you have to specify a target quantile and run T regressions; (3) and (4) come from a single estimation</a:t>
+              <a:t>Econometrically, we may be concerned that our estimates are biased if we aren’t correcting for the </a:t>
+            </a:r>
+            <a:r>
+              <a:rPr lang="en-US" dirty="0" err="1"/>
+              <a:t>distirbutions</a:t>
+            </a:r>
+            <a:r>
+              <a:rPr lang="en-US" dirty="0"/>
+              <a:t>. Policy wise, we may care a lot more about nudging the median spender than the mean, or about super-utilizers, or disparities in the bottom quintile of income, etc. </a:t>
             </a:r>
           </a:p>
         </p:txBody>
@@ -2186,7 +2184,7 @@
     </p:spTree>
     <p:extLst>
       <p:ext uri="{BB962C8B-B14F-4D97-AF65-F5344CB8AC3E}">
-        <p14:creationId xmlns:p14="http://schemas.microsoft.com/office/powerpoint/2010/main" val="481156745"/>
+        <p14:creationId xmlns:p14="http://schemas.microsoft.com/office/powerpoint/2010/main" val="3037542011"/>
       </p:ext>
     </p:extLst>
   </p:cSld>
@@ -2242,7 +2240,7 @@
           <a:p>
             <a:r>
               <a:rPr lang="en-US" dirty="0"/>
-              <a:t>This targets the conditional mean by setting beta to minimize the average deviations from the regression line (sum of squared errors). Note graph shows homogenous impact across a distribution (e.g., education and income)</a:t>
+              <a:t>Notice that 1, 3, and 4 are very similar. We won’t spend a lot of time on (2) today (example: want to assign people into risk categories and estimate separately based on risk; this is a two-step model like a hurdle model). (1) you have to specify a target quantile and run T regressions; (3) and (4) come from a single estimation</a:t>
             </a:r>
           </a:p>
         </p:txBody>
@@ -2273,7 +2271,7 @@
     </p:spTree>
     <p:extLst>
       <p:ext uri="{BB962C8B-B14F-4D97-AF65-F5344CB8AC3E}">
-        <p14:creationId xmlns:p14="http://schemas.microsoft.com/office/powerpoint/2010/main" val="3883769231"/>
+        <p14:creationId xmlns:p14="http://schemas.microsoft.com/office/powerpoint/2010/main" val="481156745"/>
       </p:ext>
     </p:extLst>
   </p:cSld>
@@ -2329,7 +2327,7 @@
           <a:p>
             <a:r>
               <a:rPr lang="en-US" dirty="0"/>
-              <a:t>What if effect differs across distribution? </a:t>
+              <a:t>This targets the conditional mean by setting beta to minimize the average deviations from the regression line (sum of squared errors). Note graph shows homogenous impact across a distribution (e.g., education and income)</a:t>
             </a:r>
           </a:p>
         </p:txBody>
@@ -2360,7 +2358,7 @@
     </p:spTree>
     <p:extLst>
       <p:ext uri="{BB962C8B-B14F-4D97-AF65-F5344CB8AC3E}">
-        <p14:creationId xmlns:p14="http://schemas.microsoft.com/office/powerpoint/2010/main" val="1818158558"/>
+        <p14:creationId xmlns:p14="http://schemas.microsoft.com/office/powerpoint/2010/main" val="3883769231"/>
       </p:ext>
     </p:extLst>
   </p:cSld>
@@ -2416,15 +2414,7 @@
           <a:p>
             <a:r>
               <a:rPr lang="en-US" dirty="0"/>
-              <a:t>Quantile: splits the distribution into the bottom tau% and the remainder of the distribution. Quantiles and percentiles are codefined; the median, for example, is the 50</a:t>
-            </a:r>
-            <a:r>
-              <a:rPr lang="en-US" baseline="30000" dirty="0"/>
-              <a:t>th</a:t>
-            </a:r>
-            <a:r>
-              <a:rPr lang="en-US" dirty="0"/>
-              <a:t> percentile. So targeting a quantile lets you target any point in a distribution. </a:t>
+              <a:t>What if effect differs across distribution? </a:t>
             </a:r>
           </a:p>
         </p:txBody>
@@ -2455,7 +2445,7 @@
     </p:spTree>
     <p:extLst>
       <p:ext uri="{BB962C8B-B14F-4D97-AF65-F5344CB8AC3E}">
-        <p14:creationId xmlns:p14="http://schemas.microsoft.com/office/powerpoint/2010/main" val="1631310871"/>
+        <p14:creationId xmlns:p14="http://schemas.microsoft.com/office/powerpoint/2010/main" val="1818158558"/>
       </p:ext>
     </p:extLst>
   </p:cSld>
@@ -2511,15 +2501,15 @@
           <a:p>
             <a:r>
               <a:rPr lang="en-US" dirty="0"/>
-              <a:t>LAD = least absolute deviation. How is this different than the traditional OLS? Median regression is actually older than OLS! (</a:t>
-            </a:r>
-            <a:r>
-              <a:rPr lang="en-US" dirty="0" err="1"/>
-              <a:t>Boscovitch</a:t>
+              <a:t>Quantile: splits the distribution into the bottom tau% and the remainder of the distribution. Quantiles and percentiles are codefined; the median, for example, is the 50</a:t>
+            </a:r>
+            <a:r>
+              <a:rPr lang="en-US" baseline="30000" dirty="0"/>
+              <a:t>th</a:t>
             </a:r>
             <a:r>
               <a:rPr lang="en-US" dirty="0"/>
-              <a:t> 1760; OLS in 1789 by Laplace)</a:t>
+              <a:t> percentile. So targeting a quantile lets you target any point in a distribution. </a:t>
             </a:r>
           </a:p>
         </p:txBody>
@@ -2550,7 +2540,7 @@
     </p:spTree>
     <p:extLst>
       <p:ext uri="{BB962C8B-B14F-4D97-AF65-F5344CB8AC3E}">
-        <p14:creationId xmlns:p14="http://schemas.microsoft.com/office/powerpoint/2010/main" val="1763450857"/>
+        <p14:creationId xmlns:p14="http://schemas.microsoft.com/office/powerpoint/2010/main" val="1631310871"/>
       </p:ext>
     </p:extLst>
   </p:cSld>
@@ -2693,7 +2683,15 @@
           <a:p>
             <a:r>
               <a:rPr lang="en-US" dirty="0"/>
-              <a:t>This in the brackets is called the “check function” that sorts observations into above/below a sample quantile. </a:t>
+              <a:t>LAD = least absolute deviation. How is this different than the traditional OLS? Median regression is actually older than OLS! (</a:t>
+            </a:r>
+            <a:r>
+              <a:rPr lang="en-US" dirty="0" err="1"/>
+              <a:t>Boscovitch</a:t>
+            </a:r>
+            <a:r>
+              <a:rPr lang="en-US" dirty="0"/>
+              <a:t> 1760; OLS in 1789 by Laplace)</a:t>
             </a:r>
           </a:p>
         </p:txBody>
@@ -2724,7 +2722,7 @@
     </p:spTree>
     <p:extLst>
       <p:ext uri="{BB962C8B-B14F-4D97-AF65-F5344CB8AC3E}">
-        <p14:creationId xmlns:p14="http://schemas.microsoft.com/office/powerpoint/2010/main" val="1652781160"/>
+        <p14:creationId xmlns:p14="http://schemas.microsoft.com/office/powerpoint/2010/main" val="1763450857"/>
       </p:ext>
     </p:extLst>
   </p:cSld>
@@ -2780,7 +2778,7 @@
           <a:p>
             <a:r>
               <a:rPr lang="en-US" dirty="0"/>
-              <a:t>Technically, this interpretation requires a rank invariance condition (e.g., if you give everyone treatment, the ordering of individuals will stay the same). </a:t>
+              <a:t>This in the brackets is called the “check function” that sorts observations into above/below a sample quantile. </a:t>
             </a:r>
           </a:p>
         </p:txBody>
@@ -2811,7 +2809,7 @@
     </p:spTree>
     <p:extLst>
       <p:ext uri="{BB962C8B-B14F-4D97-AF65-F5344CB8AC3E}">
-        <p14:creationId xmlns:p14="http://schemas.microsoft.com/office/powerpoint/2010/main" val="1520615147"/>
+        <p14:creationId xmlns:p14="http://schemas.microsoft.com/office/powerpoint/2010/main" val="1652781160"/>
       </p:ext>
     </p:extLst>
   </p:cSld>
@@ -2867,39 +2865,8 @@
           <a:p>
             <a:r>
               <a:rPr lang="en-US" dirty="0"/>
-              <a:t>Note that </a:t>
-            </a:r>
-            <a:r>
-              <a:rPr lang="en-US" b="0" i="0" dirty="0">
-                <a:solidFill>
-                  <a:srgbClr val="002A5C"/>
-                </a:solidFill>
-                <a:effectLst/>
-                <a:latin typeface="Graphik @FontFace"/>
-              </a:rPr>
-              <a:t>Zahra </a:t>
-            </a:r>
-            <a:r>
-              <a:rPr lang="en-US" b="0" i="0" dirty="0" err="1">
-                <a:solidFill>
-                  <a:srgbClr val="002A5C"/>
-                </a:solidFill>
-                <a:effectLst/>
-                <a:latin typeface="Graphik @FontFace"/>
-              </a:rPr>
-              <a:t>Shakeri</a:t>
-            </a:r>
-            <a:r>
-              <a:rPr lang="en-US" b="0" i="0" dirty="0">
-                <a:solidFill>
-                  <a:srgbClr val="002A5C"/>
-                </a:solidFill>
-                <a:effectLst/>
-                <a:latin typeface="Graphik @FontFace"/>
-              </a:rPr>
-              <a:t> is developing machine learning and data visualization courses for IHPME; I highly recommend looking into these and / or reaching out to her if you are interested in some of these methods. </a:t>
-            </a:r>
-            <a:endParaRPr lang="en-US" dirty="0"/>
+              <a:t>Technically, this interpretation requires a rank invariance condition (e.g., if you give everyone treatment, the ordering of individuals will stay the same). </a:t>
+            </a:r>
           </a:p>
         </p:txBody>
       </p:sp>
@@ -2929,7 +2896,7 @@
     </p:spTree>
     <p:extLst>
       <p:ext uri="{BB962C8B-B14F-4D97-AF65-F5344CB8AC3E}">
-        <p14:creationId xmlns:p14="http://schemas.microsoft.com/office/powerpoint/2010/main" val="3185086095"/>
+        <p14:creationId xmlns:p14="http://schemas.microsoft.com/office/powerpoint/2010/main" val="1520615147"/>
       </p:ext>
     </p:extLst>
   </p:cSld>
@@ -2985,16 +2952,39 @@
           <a:p>
             <a:r>
               <a:rPr lang="en-US" dirty="0"/>
-              <a:t>Goal: functional form with no restrictions on what f() looks like (i.e., not linear). I did add some notes on nonparametric regression to the </a:t>
-            </a:r>
-            <a:r>
-              <a:rPr lang="en-US" dirty="0" err="1"/>
-              <a:t>Github</a:t>
-            </a:r>
-            <a:r>
-              <a:rPr lang="en-US" dirty="0"/>
-              <a:t>, but there are whole textbooks you can use. </a:t>
-            </a:r>
+              <a:t>Note that </a:t>
+            </a:r>
+            <a:r>
+              <a:rPr lang="en-US" b="0" i="0" dirty="0">
+                <a:solidFill>
+                  <a:srgbClr val="002A5C"/>
+                </a:solidFill>
+                <a:effectLst/>
+                <a:latin typeface="Graphik @FontFace"/>
+              </a:rPr>
+              <a:t>Zahra </a:t>
+            </a:r>
+            <a:r>
+              <a:rPr lang="en-US" b="0" i="0" dirty="0" err="1">
+                <a:solidFill>
+                  <a:srgbClr val="002A5C"/>
+                </a:solidFill>
+                <a:effectLst/>
+                <a:latin typeface="Graphik @FontFace"/>
+              </a:rPr>
+              <a:t>Shakeri</a:t>
+            </a:r>
+            <a:r>
+              <a:rPr lang="en-US" b="0" i="0" dirty="0">
+                <a:solidFill>
+                  <a:srgbClr val="002A5C"/>
+                </a:solidFill>
+                <a:effectLst/>
+                <a:latin typeface="Graphik @FontFace"/>
+              </a:rPr>
+              <a:t> is developing machine learning and data visualization courses for IHPME; I highly recommend looking into these and / or reaching out to her if you are interested in some of these methods. </a:t>
+            </a:r>
+            <a:endParaRPr lang="en-US" dirty="0"/>
           </a:p>
         </p:txBody>
       </p:sp>
@@ -3024,7 +3014,7 @@
     </p:spTree>
     <p:extLst>
       <p:ext uri="{BB962C8B-B14F-4D97-AF65-F5344CB8AC3E}">
-        <p14:creationId xmlns:p14="http://schemas.microsoft.com/office/powerpoint/2010/main" val="3238735277"/>
+        <p14:creationId xmlns:p14="http://schemas.microsoft.com/office/powerpoint/2010/main" val="3185086095"/>
       </p:ext>
     </p:extLst>
   </p:cSld>
@@ -3080,7 +3070,15 @@
           <a:p>
             <a:r>
               <a:rPr lang="en-US" dirty="0"/>
-              <a:t>Note: lots of choices for nonparametric regression! Could be its own course. On (1) note that this is the bias-variance tradeoff; (2) is the choice of kernel; and (3) is the curse of dimensionality</a:t>
+              <a:t>Goal: functional form with no restrictions on what f() looks like (i.e., not linear). I did add some notes on nonparametric regression to the </a:t>
+            </a:r>
+            <a:r>
+              <a:rPr lang="en-US" dirty="0" err="1"/>
+              <a:t>Github</a:t>
+            </a:r>
+            <a:r>
+              <a:rPr lang="en-US" dirty="0"/>
+              <a:t>, but there are whole textbooks you can use. </a:t>
             </a:r>
           </a:p>
         </p:txBody>
@@ -3111,7 +3109,7 @@
     </p:spTree>
     <p:extLst>
       <p:ext uri="{BB962C8B-B14F-4D97-AF65-F5344CB8AC3E}">
-        <p14:creationId xmlns:p14="http://schemas.microsoft.com/office/powerpoint/2010/main" val="760652552"/>
+        <p14:creationId xmlns:p14="http://schemas.microsoft.com/office/powerpoint/2010/main" val="3238735277"/>
       </p:ext>
     </p:extLst>
   </p:cSld>
@@ -3167,7 +3165,7 @@
           <a:p>
             <a:r>
               <a:rPr lang="en-US" dirty="0"/>
-              <a:t>The focal point varies across bins. </a:t>
+              <a:t>Note: lots of choices for nonparametric regression! Could be its own course. On (1) note that this is the bias-variance tradeoff; (2) is the choice of kernel; and (3) is the curse of dimensionality</a:t>
             </a:r>
           </a:p>
         </p:txBody>
@@ -3198,7 +3196,7 @@
     </p:spTree>
     <p:extLst>
       <p:ext uri="{BB962C8B-B14F-4D97-AF65-F5344CB8AC3E}">
-        <p14:creationId xmlns:p14="http://schemas.microsoft.com/office/powerpoint/2010/main" val="964766668"/>
+        <p14:creationId xmlns:p14="http://schemas.microsoft.com/office/powerpoint/2010/main" val="760652552"/>
       </p:ext>
     </p:extLst>
   </p:cSld>
@@ -3254,7 +3252,7 @@
           <a:p>
             <a:r>
               <a:rPr lang="en-US" dirty="0"/>
-              <a:t>Goal: functional form with no restrictions on what f() looks like (i.e., not linear)</a:t>
+              <a:t>The focal point varies across bins. </a:t>
             </a:r>
           </a:p>
         </p:txBody>
@@ -3285,7 +3283,7 @@
     </p:spTree>
     <p:extLst>
       <p:ext uri="{BB962C8B-B14F-4D97-AF65-F5344CB8AC3E}">
-        <p14:creationId xmlns:p14="http://schemas.microsoft.com/office/powerpoint/2010/main" val="1044557314"/>
+        <p14:creationId xmlns:p14="http://schemas.microsoft.com/office/powerpoint/2010/main" val="964766668"/>
       </p:ext>
     </p:extLst>
   </p:cSld>
@@ -3341,17 +3339,8 @@
           <a:p>
             <a:r>
               <a:rPr lang="en-US" dirty="0"/>
-              <a:t>Note: there isn’t much difference between CDE and nonparametric regression – we are looking either for prediction of y given x (moments) or functional form F(x), but those are obviously intertwined. The difference is that there are additional </a:t>
-            </a:r>
-            <a:r>
-              <a:rPr lang="en-US" b="1" dirty="0"/>
-              <a:t>methods </a:t>
-            </a:r>
-            <a:r>
-              <a:rPr lang="en-US" b="0" dirty="0"/>
-              <a:t>in this literature that are useful. </a:t>
-            </a:r>
-            <a:endParaRPr lang="en-US" dirty="0"/>
+              <a:t>Goal: functional form with no restrictions on what f() looks like (i.e., not linear)</a:t>
+            </a:r>
           </a:p>
         </p:txBody>
       </p:sp>
@@ -3381,7 +3370,7 @@
     </p:spTree>
     <p:extLst>
       <p:ext uri="{BB962C8B-B14F-4D97-AF65-F5344CB8AC3E}">
-        <p14:creationId xmlns:p14="http://schemas.microsoft.com/office/powerpoint/2010/main" val="1506519752"/>
+        <p14:creationId xmlns:p14="http://schemas.microsoft.com/office/powerpoint/2010/main" val="1044557314"/>
       </p:ext>
     </p:extLst>
   </p:cSld>
@@ -3435,6 +3424,18 @@
           <a:bodyPr/>
           <a:lstStyle/>
           <a:p>
+            <a:r>
+              <a:rPr lang="en-US" dirty="0"/>
+              <a:t>Note: there isn’t much difference between CDE and nonparametric regression – we are looking either for prediction of y given x (moments) or functional form F(x), but those are obviously intertwined. The difference is that there are additional </a:t>
+            </a:r>
+            <a:r>
+              <a:rPr lang="en-US" b="1" dirty="0"/>
+              <a:t>methods </a:t>
+            </a:r>
+            <a:r>
+              <a:rPr lang="en-US" b="0" dirty="0"/>
+              <a:t>in this literature that are useful. </a:t>
+            </a:r>
             <a:endParaRPr lang="en-US" dirty="0"/>
           </a:p>
         </p:txBody>
@@ -3465,7 +3466,7 @@
     </p:spTree>
     <p:extLst>
       <p:ext uri="{BB962C8B-B14F-4D97-AF65-F5344CB8AC3E}">
-        <p14:creationId xmlns:p14="http://schemas.microsoft.com/office/powerpoint/2010/main" val="717166347"/>
+        <p14:creationId xmlns:p14="http://schemas.microsoft.com/office/powerpoint/2010/main" val="1506519752"/>
       </p:ext>
     </p:extLst>
   </p:cSld>
@@ -3519,10 +3520,7 @@
           <a:bodyPr/>
           <a:lstStyle/>
           <a:p>
-            <a:r>
-              <a:rPr lang="en-US" dirty="0"/>
-              <a:t>Cut-points – rules for how to bin data in order to assign prediction (e.g., if we’re predicting expenses, at what age do expenses go down (2?) and then up again (50?). Once we’ve done that cut, what’s the next best way to cut – by sex (older men versus older women)? And so on.)</a:t>
-            </a:r>
+            <a:endParaRPr lang="en-US" dirty="0"/>
           </a:p>
         </p:txBody>
       </p:sp>
@@ -3552,7 +3550,7 @@
     </p:spTree>
     <p:extLst>
       <p:ext uri="{BB962C8B-B14F-4D97-AF65-F5344CB8AC3E}">
-        <p14:creationId xmlns:p14="http://schemas.microsoft.com/office/powerpoint/2010/main" val="2040611805"/>
+        <p14:creationId xmlns:p14="http://schemas.microsoft.com/office/powerpoint/2010/main" val="717166347"/>
       </p:ext>
     </p:extLst>
   </p:cSld>
@@ -3692,7 +3690,7 @@
           <a:p>
             <a:r>
               <a:rPr lang="en-US" dirty="0"/>
-              <a:t>Neurons are similar to trees</a:t>
+              <a:t>Cut-points – rules for how to bin data in order to assign prediction (e.g., if we’re predicting expenses, at what age do expenses go down (2?) and then up again (50?). Once we’ve done that cut, what’s the next best way to cut – by sex (older men versus older women)? And so on.)</a:t>
             </a:r>
           </a:p>
         </p:txBody>
@@ -3723,7 +3721,7 @@
     </p:spTree>
     <p:extLst>
       <p:ext uri="{BB962C8B-B14F-4D97-AF65-F5344CB8AC3E}">
-        <p14:creationId xmlns:p14="http://schemas.microsoft.com/office/powerpoint/2010/main" val="817311110"/>
+        <p14:creationId xmlns:p14="http://schemas.microsoft.com/office/powerpoint/2010/main" val="2040611805"/>
       </p:ext>
     </p:extLst>
   </p:cSld>
@@ -3777,6 +3775,93 @@
           <a:bodyPr/>
           <a:lstStyle/>
           <a:p>
+            <a:r>
+              <a:rPr lang="en-US" dirty="0"/>
+              <a:t>Neurons are similar to trees</a:t>
+            </a:r>
+          </a:p>
+        </p:txBody>
+      </p:sp>
+      <p:sp>
+        <p:nvSpPr>
+          <p:cNvPr id="4" name="Slide Number Placeholder 3"/>
+          <p:cNvSpPr>
+            <a:spLocks noGrp="1"/>
+          </p:cNvSpPr>
+          <p:nvPr>
+            <p:ph type="sldNum" sz="quarter" idx="5"/>
+          </p:nvPr>
+        </p:nvSpPr>
+        <p:spPr/>
+        <p:txBody>
+          <a:bodyPr/>
+          <a:lstStyle/>
+          <a:p>
+            <a:fld id="{4AF79E1B-2C51-4B9B-8EA4-26DE9E345AFF}" type="slidenum">
+              <a:rPr lang="en-US" smtClean="0"/>
+              <a:t>42</a:t>
+            </a:fld>
+            <a:endParaRPr lang="en-US"/>
+          </a:p>
+        </p:txBody>
+      </p:sp>
+    </p:spTree>
+    <p:extLst>
+      <p:ext uri="{BB962C8B-B14F-4D97-AF65-F5344CB8AC3E}">
+        <p14:creationId xmlns:p14="http://schemas.microsoft.com/office/powerpoint/2010/main" val="817311110"/>
+      </p:ext>
+    </p:extLst>
+  </p:cSld>
+  <p:clrMapOvr>
+    <a:masterClrMapping/>
+  </p:clrMapOvr>
+</p:notes>
+</file>
+
+<file path=ppt/notesSlides/notesSlide42.xml><?xml version="1.0" encoding="utf-8"?>
+<p:notes xmlns:a="http://schemas.openxmlformats.org/drawingml/2006/main" xmlns:r="http://schemas.openxmlformats.org/officeDocument/2006/relationships" xmlns:p="http://schemas.openxmlformats.org/presentationml/2006/main">
+  <p:cSld>
+    <p:spTree>
+      <p:nvGrpSpPr>
+        <p:cNvPr id="1" name=""/>
+        <p:cNvGrpSpPr/>
+        <p:nvPr/>
+      </p:nvGrpSpPr>
+      <p:grpSpPr>
+        <a:xfrm>
+          <a:off x="0" y="0"/>
+          <a:ext cx="0" cy="0"/>
+          <a:chOff x="0" y="0"/>
+          <a:chExt cx="0" cy="0"/>
+        </a:xfrm>
+      </p:grpSpPr>
+      <p:sp>
+        <p:nvSpPr>
+          <p:cNvPr id="2" name="Slide Image Placeholder 1"/>
+          <p:cNvSpPr>
+            <a:spLocks noGrp="1" noRot="1" noChangeAspect="1"/>
+          </p:cNvSpPr>
+          <p:nvPr>
+            <p:ph type="sldImg"/>
+          </p:nvPr>
+        </p:nvSpPr>
+        <p:spPr/>
+      </p:sp>
+      <p:sp>
+        <p:nvSpPr>
+          <p:cNvPr id="3" name="Notes Placeholder 2"/>
+          <p:cNvSpPr>
+            <a:spLocks noGrp="1"/>
+          </p:cNvSpPr>
+          <p:nvPr>
+            <p:ph type="body" idx="1"/>
+          </p:nvPr>
+        </p:nvSpPr>
+        <p:spPr/>
+        <p:txBody>
+          <a:bodyPr/>
+          <a:lstStyle/>
+          <a:p>
             <a:pPr marL="0" marR="0" lvl="0" indent="0" algn="l" defTabSz="914400" rtl="0" eaLnBrk="1" fontAlgn="auto" latinLnBrk="0" hangingPunct="1">
               <a:lnSpc>
                 <a:spcPct val="100000"/>
@@ -3823,7 +3908,7 @@
           <a:p>
             <a:fld id="{4AF79E1B-2C51-4B9B-8EA4-26DE9E345AFF}" type="slidenum">
               <a:rPr lang="en-US" smtClean="0"/>
-              <a:t>42</a:t>
+              <a:t>43</a:t>
             </a:fld>
             <a:endParaRPr lang="en-US"/>
           </a:p>
@@ -4458,7 +4543,7 @@
             <a:fld id="{0972D05C-DCFB-4BB6-B49C-AC126BF3ED2C}" type="datetimeFigureOut">
               <a:rPr lang="en-US" smtClean="0"/>
               <a:pPr/>
-              <a:t>8/15/2022</a:t>
+              <a:t>10/12/2022</a:t>
             </a:fld>
             <a:endParaRPr lang="en-US"/>
           </a:p>
@@ -4688,7 +4773,7 @@
             <a:fld id="{0972D05C-DCFB-4BB6-B49C-AC126BF3ED2C}" type="datetimeFigureOut">
               <a:rPr lang="en-US" smtClean="0"/>
               <a:pPr/>
-              <a:t>8/15/2022</a:t>
+              <a:t>10/12/2022</a:t>
             </a:fld>
             <a:endParaRPr lang="en-US"/>
           </a:p>
@@ -4870,7 +4955,7 @@
             <a:fld id="{0972D05C-DCFB-4BB6-B49C-AC126BF3ED2C}" type="datetimeFigureOut">
               <a:rPr lang="en-US" smtClean="0"/>
               <a:pPr/>
-              <a:t>8/15/2022</a:t>
+              <a:t>10/12/2022</a:t>
             </a:fld>
             <a:endParaRPr lang="en-US"/>
           </a:p>
@@ -5042,7 +5127,7 @@
             <a:fld id="{0972D05C-DCFB-4BB6-B49C-AC126BF3ED2C}" type="datetimeFigureOut">
               <a:rPr lang="en-US" smtClean="0"/>
               <a:pPr/>
-              <a:t>8/15/2022</a:t>
+              <a:t>10/12/2022</a:t>
             </a:fld>
             <a:endParaRPr lang="en-US"/>
           </a:p>
@@ -5298,7 +5383,7 @@
             <a:fld id="{0972D05C-DCFB-4BB6-B49C-AC126BF3ED2C}" type="datetimeFigureOut">
               <a:rPr lang="en-US" smtClean="0"/>
               <a:pPr/>
-              <a:t>8/15/2022</a:t>
+              <a:t>10/12/2022</a:t>
             </a:fld>
             <a:endParaRPr lang="en-US"/>
           </a:p>
@@ -5626,7 +5711,7 @@
             <a:fld id="{0972D05C-DCFB-4BB6-B49C-AC126BF3ED2C}" type="datetimeFigureOut">
               <a:rPr lang="en-US" smtClean="0"/>
               <a:pPr/>
-              <a:t>8/15/2022</a:t>
+              <a:t>10/12/2022</a:t>
             </a:fld>
             <a:endParaRPr lang="en-US"/>
           </a:p>
@@ -6079,7 +6164,7 @@
             <a:fld id="{0972D05C-DCFB-4BB6-B49C-AC126BF3ED2C}" type="datetimeFigureOut">
               <a:rPr lang="en-US" smtClean="0"/>
               <a:pPr/>
-              <a:t>8/15/2022</a:t>
+              <a:t>10/12/2022</a:t>
             </a:fld>
             <a:endParaRPr lang="en-US"/>
           </a:p>
@@ -6199,7 +6284,7 @@
             <a:fld id="{0972D05C-DCFB-4BB6-B49C-AC126BF3ED2C}" type="datetimeFigureOut">
               <a:rPr lang="en-US" smtClean="0"/>
               <a:pPr/>
-              <a:t>8/15/2022</a:t>
+              <a:t>10/12/2022</a:t>
             </a:fld>
             <a:endParaRPr lang="en-US"/>
           </a:p>
@@ -6296,7 +6381,7 @@
             <a:fld id="{0972D05C-DCFB-4BB6-B49C-AC126BF3ED2C}" type="datetimeFigureOut">
               <a:rPr lang="en-US" smtClean="0"/>
               <a:pPr/>
-              <a:t>8/15/2022</a:t>
+              <a:t>10/12/2022</a:t>
             </a:fld>
             <a:endParaRPr lang="en-US"/>
           </a:p>
@@ -6585,7 +6670,7 @@
             <a:fld id="{0972D05C-DCFB-4BB6-B49C-AC126BF3ED2C}" type="datetimeFigureOut">
               <a:rPr lang="en-US" smtClean="0"/>
               <a:pPr/>
-              <a:t>8/15/2022</a:t>
+              <a:t>10/12/2022</a:t>
             </a:fld>
             <a:endParaRPr lang="en-US"/>
           </a:p>
@@ -6909,7 +6994,7 @@
             <a:fld id="{0972D05C-DCFB-4BB6-B49C-AC126BF3ED2C}" type="datetimeFigureOut">
               <a:rPr lang="en-US" smtClean="0"/>
               <a:pPr/>
-              <a:t>8/15/2022</a:t>
+              <a:t>10/12/2022</a:t>
             </a:fld>
             <a:endParaRPr lang="en-US"/>
           </a:p>
@@ -7164,7 +7249,7 @@
             <a:fld id="{0972D05C-DCFB-4BB6-B49C-AC126BF3ED2C}" type="datetimeFigureOut">
               <a:rPr lang="en-US" smtClean="0"/>
               <a:pPr/>
-              <a:t>8/15/2022</a:t>
+              <a:t>10/12/2022</a:t>
             </a:fld>
             <a:endParaRPr lang="en-US" dirty="0"/>
           </a:p>
@@ -10703,6 +10788,14 @@
 <file path=ppt/slides/slide23.xml><?xml version="1.0" encoding="utf-8"?>
 <p:sld xmlns:a="http://schemas.openxmlformats.org/drawingml/2006/main" xmlns:r="http://schemas.openxmlformats.org/officeDocument/2006/relationships" xmlns:p="http://schemas.openxmlformats.org/presentationml/2006/main">
   <p:cSld>
+    <p:bg>
+      <p:bgPr>
+        <a:solidFill>
+          <a:schemeClr val="bg1"/>
+        </a:solidFill>
+        <a:effectLst/>
+      </p:bgPr>
+    </p:bg>
     <p:spTree>
       <p:nvGrpSpPr>
         <p:cNvPr id="1" name=""/>
@@ -10719,6 +10812,175 @@
       </p:grpSpPr>
       <p:sp>
         <p:nvSpPr>
+          <p:cNvPr id="2" name="Title 1"/>
+          <p:cNvSpPr>
+            <a:spLocks noGrp="1"/>
+          </p:cNvSpPr>
+          <p:nvPr>
+            <p:ph type="title"/>
+          </p:nvPr>
+        </p:nvSpPr>
+        <p:spPr>
+          <a:xfrm>
+            <a:off x="7391399" y="645106"/>
+            <a:ext cx="3563112" cy="650294"/>
+          </a:xfrm>
+        </p:spPr>
+        <p:txBody>
+          <a:bodyPr>
+            <a:normAutofit fontScale="90000"/>
+          </a:bodyPr>
+          <a:lstStyle/>
+          <a:p>
+            <a:r>
+              <a:rPr lang="en-US" dirty="0">
+                <a:cs typeface="Times New Roman" panose="02020603050405020304" pitchFamily="18" charset="0"/>
+              </a:rPr>
+              <a:t>Additional Help</a:t>
+            </a:r>
+            <a:endParaRPr lang="en-US" dirty="0">
+              <a:latin typeface="Times New Roman" panose="02020603050405020304" pitchFamily="18" charset="0"/>
+              <a:cs typeface="Times New Roman" panose="02020603050405020304" pitchFamily="18" charset="0"/>
+            </a:endParaRPr>
+          </a:p>
+        </p:txBody>
+      </p:sp>
+      <p:pic>
+        <p:nvPicPr>
+          <p:cNvPr id="5" name="Picture 4">
+            <a:extLst>
+              <a:ext uri="{FF2B5EF4-FFF2-40B4-BE49-F238E27FC236}">
+                <a16:creationId xmlns:a16="http://schemas.microsoft.com/office/drawing/2014/main" id="{0C592E84-F181-A1A0-FF67-389261A36400}"/>
+              </a:ext>
+            </a:extLst>
+          </p:cNvPr>
+          <p:cNvPicPr>
+            <a:picLocks noChangeAspect="1"/>
+          </p:cNvPicPr>
+          <p:nvPr/>
+        </p:nvPicPr>
+        <p:blipFill rotWithShape="1">
+          <a:blip r:embed="rId3"/>
+          <a:srcRect l="2240" r="4619" b="1"/>
+          <a:stretch/>
+        </p:blipFill>
+        <p:spPr>
+          <a:xfrm>
+            <a:off x="266846" y="645106"/>
+            <a:ext cx="7086600" cy="5535031"/>
+          </a:xfrm>
+          <a:prstGeom prst="rect">
+            <a:avLst/>
+          </a:prstGeom>
+        </p:spPr>
+      </p:pic>
+      <p:sp>
+        <p:nvSpPr>
+          <p:cNvPr id="3" name="Content Placeholder 2"/>
+          <p:cNvSpPr>
+            <a:spLocks noGrp="1"/>
+          </p:cNvSpPr>
+          <p:nvPr>
+            <p:ph idx="1"/>
+          </p:nvPr>
+        </p:nvSpPr>
+        <p:spPr>
+          <a:xfrm>
+            <a:off x="7391399" y="1295400"/>
+            <a:ext cx="3601065" cy="4884737"/>
+          </a:xfrm>
+        </p:spPr>
+        <p:txBody>
+          <a:bodyPr>
+            <a:normAutofit/>
+          </a:bodyPr>
+          <a:lstStyle/>
+          <a:p>
+            <a:r>
+              <a:rPr lang="en-US" sz="2400" b="0" i="0" dirty="0">
+                <a:effectLst/>
+                <a:cs typeface="Times New Roman" panose="02020603050405020304" pitchFamily="18" charset="0"/>
+              </a:rPr>
+              <a:t>Nice </a:t>
+            </a:r>
+            <a:r>
+              <a:rPr lang="en-US" sz="2400" b="0" i="1" dirty="0">
+                <a:effectLst/>
+                <a:cs typeface="Times New Roman" panose="02020603050405020304" pitchFamily="18" charset="0"/>
+              </a:rPr>
+              <a:t>Journal of Economic Literature </a:t>
+            </a:r>
+            <a:r>
+              <a:rPr lang="en-US" sz="2400" b="0" dirty="0">
+                <a:effectLst/>
+                <a:cs typeface="Times New Roman" panose="02020603050405020304" pitchFamily="18" charset="0"/>
+              </a:rPr>
+              <a:t>guide</a:t>
+            </a:r>
+            <a:endParaRPr lang="en-US" sz="2400" b="0" i="0" dirty="0">
+              <a:effectLst/>
+              <a:cs typeface="Times New Roman" panose="02020603050405020304" pitchFamily="18" charset="0"/>
+            </a:endParaRPr>
+          </a:p>
+          <a:p>
+            <a:r>
+              <a:rPr lang="en-US" sz="2400" dirty="0">
+                <a:cs typeface="Times New Roman" panose="02020603050405020304" pitchFamily="18" charset="0"/>
+              </a:rPr>
+              <a:t>Video presentation: </a:t>
+            </a:r>
+            <a:r>
+              <a:rPr lang="en-US" sz="2400" dirty="0">
+                <a:cs typeface="Times New Roman" panose="02020603050405020304" pitchFamily="18" charset="0"/>
+                <a:hlinkClick r:id="rId4"/>
+              </a:rPr>
+              <a:t>https://www.youtube.com/watch?v=nKzNp-qpE-I&amp;ab_channel=BradyNeal-CausalInference</a:t>
+            </a:r>
+            <a:r>
+              <a:rPr lang="en-US" sz="2400" dirty="0">
+                <a:cs typeface="Times New Roman" panose="02020603050405020304" pitchFamily="18" charset="0"/>
+              </a:rPr>
+              <a:t> </a:t>
+            </a:r>
+            <a:endParaRPr lang="en-US" sz="2400" b="0" i="0" dirty="0">
+              <a:effectLst/>
+              <a:cs typeface="Times New Roman" panose="02020603050405020304" pitchFamily="18" charset="0"/>
+            </a:endParaRPr>
+          </a:p>
+        </p:txBody>
+      </p:sp>
+    </p:spTree>
+    <p:extLst>
+      <p:ext uri="{BB962C8B-B14F-4D97-AF65-F5344CB8AC3E}">
+        <p14:creationId xmlns:p14="http://schemas.microsoft.com/office/powerpoint/2010/main" val="4148253601"/>
+      </p:ext>
+    </p:extLst>
+  </p:cSld>
+  <p:clrMapOvr>
+    <a:masterClrMapping/>
+  </p:clrMapOvr>
+</p:sld>
+</file>
+
+<file path=ppt/slides/slide24.xml><?xml version="1.0" encoding="utf-8"?>
+<p:sld xmlns:a="http://schemas.openxmlformats.org/drawingml/2006/main" xmlns:r="http://schemas.openxmlformats.org/officeDocument/2006/relationships" xmlns:p="http://schemas.openxmlformats.org/presentationml/2006/main">
+  <p:cSld>
+    <p:spTree>
+      <p:nvGrpSpPr>
+        <p:cNvPr id="1" name=""/>
+        <p:cNvGrpSpPr/>
+        <p:nvPr/>
+      </p:nvGrpSpPr>
+      <p:grpSpPr>
+        <a:xfrm>
+          <a:off x="0" y="0"/>
+          <a:ext cx="0" cy="0"/>
+          <a:chOff x="0" y="0"/>
+          <a:chExt cx="0" cy="0"/>
+        </a:xfrm>
+      </p:grpSpPr>
+      <p:sp>
+        <p:nvSpPr>
           <p:cNvPr id="2" name="Title 1">
             <a:extLst>
               <a:ext uri="{FF2B5EF4-FFF2-40B4-BE49-F238E27FC236}">
@@ -10788,7 +11050,7 @@
 </p:sld>
 </file>
 
-<file path=ppt/slides/slide24.xml><?xml version="1.0" encoding="utf-8"?>
+<file path=ppt/slides/slide25.xml><?xml version="1.0" encoding="utf-8"?>
 <p:sld xmlns:a="http://schemas.openxmlformats.org/drawingml/2006/main" xmlns:r="http://schemas.openxmlformats.org/officeDocument/2006/relationships" xmlns:p="http://schemas.openxmlformats.org/presentationml/2006/main">
   <p:cSld>
     <p:spTree>
@@ -10972,7 +11234,7 @@
 </p:sld>
 </file>
 
-<file path=ppt/slides/slide25.xml><?xml version="1.0" encoding="utf-8"?>
+<file path=ppt/slides/slide26.xml><?xml version="1.0" encoding="utf-8"?>
 <p:sld xmlns:a="http://schemas.openxmlformats.org/drawingml/2006/main" xmlns:r="http://schemas.openxmlformats.org/officeDocument/2006/relationships" xmlns:p="http://schemas.openxmlformats.org/presentationml/2006/main">
   <p:cSld>
     <p:spTree>
@@ -11168,7 +11430,7 @@
 </p:sld>
 </file>
 
-<file path=ppt/slides/slide26.xml><?xml version="1.0" encoding="utf-8"?>
+<file path=ppt/slides/slide27.xml><?xml version="1.0" encoding="utf-8"?>
 <p:sld xmlns:a="http://schemas.openxmlformats.org/drawingml/2006/main" xmlns:r="http://schemas.openxmlformats.org/officeDocument/2006/relationships" xmlns:p="http://schemas.openxmlformats.org/presentationml/2006/main">
   <p:cSld>
     <p:spTree>
@@ -11594,7 +11856,7 @@
 </p:sld>
 </file>
 
-<file path=ppt/slides/slide27.xml><?xml version="1.0" encoding="utf-8"?>
+<file path=ppt/slides/slide28.xml><?xml version="1.0" encoding="utf-8"?>
 <p:sld xmlns:a="http://schemas.openxmlformats.org/drawingml/2006/main" xmlns:r="http://schemas.openxmlformats.org/officeDocument/2006/relationships" xmlns:p="http://schemas.openxmlformats.org/presentationml/2006/main">
   <p:cSld>
     <p:bg>
@@ -11648,8 +11910,8 @@
           </a:prstGeom>
         </p:spPr>
       </p:pic>
-      <mc:AlternateContent xmlns:mc="http://schemas.openxmlformats.org/markup-compatibility/2006">
-        <mc:Choice xmlns:a14="http://schemas.microsoft.com/office/drawing/2010/main" Requires="a14">
+      <mc:AlternateContent xmlns:mc="http://schemas.openxmlformats.org/markup-compatibility/2006" xmlns:a14="http://schemas.microsoft.com/office/drawing/2010/main">
+        <mc:Choice Requires="a14">
           <p:sp>
             <p:nvSpPr>
               <p:cNvPr id="3" name="Content Placeholder 2"/>
@@ -11813,7 +12075,7 @@
             </p:txBody>
           </p:sp>
         </mc:Choice>
-        <mc:Fallback>
+        <mc:Fallback xmlns="">
           <p:sp>
             <p:nvSpPr>
               <p:cNvPr id="3" name="Content Placeholder 2"/>
@@ -11920,7 +12182,7 @@
 </p:sld>
 </file>
 
-<file path=ppt/slides/slide28.xml><?xml version="1.0" encoding="utf-8"?>
+<file path=ppt/slides/slide29.xml><?xml version="1.0" encoding="utf-8"?>
 <p:sld xmlns:a="http://schemas.openxmlformats.org/drawingml/2006/main" xmlns:r="http://schemas.openxmlformats.org/officeDocument/2006/relationships" xmlns:p="http://schemas.openxmlformats.org/presentationml/2006/main">
   <p:cSld>
     <p:spTree>
@@ -11937,8 +12199,8 @@
           <a:chExt cx="0" cy="0"/>
         </a:xfrm>
       </p:grpSpPr>
-      <mc:AlternateContent xmlns:mc="http://schemas.openxmlformats.org/markup-compatibility/2006">
-        <mc:Choice xmlns:a14="http://schemas.microsoft.com/office/drawing/2010/main" Requires="a14">
+      <mc:AlternateContent xmlns:mc="http://schemas.openxmlformats.org/markup-compatibility/2006" xmlns:a14="http://schemas.microsoft.com/office/drawing/2010/main">
+        <mc:Choice Requires="a14">
           <p:sp>
             <p:nvSpPr>
               <p:cNvPr id="3" name="Content Placeholder 2"/>
@@ -12119,7 +12381,7 @@
             </p:txBody>
           </p:sp>
         </mc:Choice>
-        <mc:Fallback>
+        <mc:Fallback xmlns="">
           <p:sp>
             <p:nvSpPr>
               <p:cNvPr id="3" name="Content Placeholder 2"/>
@@ -12256,7 +12518,97 @@
 </p:sld>
 </file>
 
-<file path=ppt/slides/slide29.xml><?xml version="1.0" encoding="utf-8"?>
+<file path=ppt/slides/slide3.xml><?xml version="1.0" encoding="utf-8"?>
+<p:sld xmlns:a="http://schemas.openxmlformats.org/drawingml/2006/main" xmlns:r="http://schemas.openxmlformats.org/officeDocument/2006/relationships" xmlns:p="http://schemas.openxmlformats.org/presentationml/2006/main">
+  <p:cSld>
+    <p:spTree>
+      <p:nvGrpSpPr>
+        <p:cNvPr id="1" name=""/>
+        <p:cNvGrpSpPr/>
+        <p:nvPr/>
+      </p:nvGrpSpPr>
+      <p:grpSpPr>
+        <a:xfrm>
+          <a:off x="0" y="0"/>
+          <a:ext cx="0" cy="0"/>
+          <a:chOff x="0" y="0"/>
+          <a:chExt cx="0" cy="0"/>
+        </a:xfrm>
+      </p:grpSpPr>
+      <p:sp>
+        <p:nvSpPr>
+          <p:cNvPr id="2" name="Title 1">
+            <a:extLst>
+              <a:ext uri="{FF2B5EF4-FFF2-40B4-BE49-F238E27FC236}">
+                <a16:creationId xmlns:a16="http://schemas.microsoft.com/office/drawing/2014/main" id="{F6693EDF-660D-4391-A114-A6C54268E445}"/>
+              </a:ext>
+            </a:extLst>
+          </p:cNvPr>
+          <p:cNvSpPr>
+            <a:spLocks noGrp="1"/>
+          </p:cNvSpPr>
+          <p:nvPr>
+            <p:ph type="ctrTitle"/>
+          </p:nvPr>
+        </p:nvSpPr>
+        <p:spPr>
+          <a:xfrm>
+            <a:off x="1261872" y="758952"/>
+            <a:ext cx="10549128" cy="4041648"/>
+          </a:xfrm>
+        </p:spPr>
+        <p:txBody>
+          <a:bodyPr/>
+          <a:lstStyle/>
+          <a:p>
+            <a:r>
+              <a:rPr lang="en-US" dirty="0"/>
+              <a:t>Synthetic Controls </a:t>
+            </a:r>
+          </a:p>
+        </p:txBody>
+      </p:sp>
+      <p:sp>
+        <p:nvSpPr>
+          <p:cNvPr id="3" name="Subtitle 2">
+            <a:extLst>
+              <a:ext uri="{FF2B5EF4-FFF2-40B4-BE49-F238E27FC236}">
+                <a16:creationId xmlns:a16="http://schemas.microsoft.com/office/drawing/2014/main" id="{9A7FADE3-4D7C-4B3A-B023-71CD85AECCCB}"/>
+              </a:ext>
+            </a:extLst>
+          </p:cNvPr>
+          <p:cNvSpPr>
+            <a:spLocks noGrp="1"/>
+          </p:cNvSpPr>
+          <p:nvPr>
+            <p:ph type="subTitle" idx="1"/>
+          </p:nvPr>
+        </p:nvSpPr>
+        <p:spPr/>
+        <p:txBody>
+          <a:bodyPr>
+            <a:normAutofit/>
+          </a:bodyPr>
+          <a:lstStyle/>
+          <a:p>
+            <a:endParaRPr lang="en-US" sz="4400" dirty="0"/>
+          </a:p>
+        </p:txBody>
+      </p:sp>
+    </p:spTree>
+    <p:extLst>
+      <p:ext uri="{BB962C8B-B14F-4D97-AF65-F5344CB8AC3E}">
+        <p14:creationId xmlns:p14="http://schemas.microsoft.com/office/powerpoint/2010/main" val="2953910715"/>
+      </p:ext>
+    </p:extLst>
+  </p:cSld>
+  <p:clrMapOvr>
+    <a:masterClrMapping/>
+  </p:clrMapOvr>
+</p:sld>
+</file>
+
+<file path=ppt/slides/slide30.xml><?xml version="1.0" encoding="utf-8"?>
 <p:sld xmlns:a="http://schemas.openxmlformats.org/drawingml/2006/main" xmlns:r="http://schemas.openxmlformats.org/officeDocument/2006/relationships" xmlns:p="http://schemas.openxmlformats.org/presentationml/2006/main">
   <p:cSld>
     <p:spTree>
@@ -12662,97 +13014,7 @@
 </p:sld>
 </file>
 
-<file path=ppt/slides/slide3.xml><?xml version="1.0" encoding="utf-8"?>
-<p:sld xmlns:a="http://schemas.openxmlformats.org/drawingml/2006/main" xmlns:r="http://schemas.openxmlformats.org/officeDocument/2006/relationships" xmlns:p="http://schemas.openxmlformats.org/presentationml/2006/main">
-  <p:cSld>
-    <p:spTree>
-      <p:nvGrpSpPr>
-        <p:cNvPr id="1" name=""/>
-        <p:cNvGrpSpPr/>
-        <p:nvPr/>
-      </p:nvGrpSpPr>
-      <p:grpSpPr>
-        <a:xfrm>
-          <a:off x="0" y="0"/>
-          <a:ext cx="0" cy="0"/>
-          <a:chOff x="0" y="0"/>
-          <a:chExt cx="0" cy="0"/>
-        </a:xfrm>
-      </p:grpSpPr>
-      <p:sp>
-        <p:nvSpPr>
-          <p:cNvPr id="2" name="Title 1">
-            <a:extLst>
-              <a:ext uri="{FF2B5EF4-FFF2-40B4-BE49-F238E27FC236}">
-                <a16:creationId xmlns:a16="http://schemas.microsoft.com/office/drawing/2014/main" id="{F6693EDF-660D-4391-A114-A6C54268E445}"/>
-              </a:ext>
-            </a:extLst>
-          </p:cNvPr>
-          <p:cNvSpPr>
-            <a:spLocks noGrp="1"/>
-          </p:cNvSpPr>
-          <p:nvPr>
-            <p:ph type="ctrTitle"/>
-          </p:nvPr>
-        </p:nvSpPr>
-        <p:spPr>
-          <a:xfrm>
-            <a:off x="1261872" y="758952"/>
-            <a:ext cx="10549128" cy="4041648"/>
-          </a:xfrm>
-        </p:spPr>
-        <p:txBody>
-          <a:bodyPr/>
-          <a:lstStyle/>
-          <a:p>
-            <a:r>
-              <a:rPr lang="en-US" dirty="0"/>
-              <a:t>Synthetic Controls </a:t>
-            </a:r>
-          </a:p>
-        </p:txBody>
-      </p:sp>
-      <p:sp>
-        <p:nvSpPr>
-          <p:cNvPr id="3" name="Subtitle 2">
-            <a:extLst>
-              <a:ext uri="{FF2B5EF4-FFF2-40B4-BE49-F238E27FC236}">
-                <a16:creationId xmlns:a16="http://schemas.microsoft.com/office/drawing/2014/main" id="{9A7FADE3-4D7C-4B3A-B023-71CD85AECCCB}"/>
-              </a:ext>
-            </a:extLst>
-          </p:cNvPr>
-          <p:cNvSpPr>
-            <a:spLocks noGrp="1"/>
-          </p:cNvSpPr>
-          <p:nvPr>
-            <p:ph type="subTitle" idx="1"/>
-          </p:nvPr>
-        </p:nvSpPr>
-        <p:spPr/>
-        <p:txBody>
-          <a:bodyPr>
-            <a:normAutofit/>
-          </a:bodyPr>
-          <a:lstStyle/>
-          <a:p>
-            <a:endParaRPr lang="en-US" sz="4400" dirty="0"/>
-          </a:p>
-        </p:txBody>
-      </p:sp>
-    </p:spTree>
-    <p:extLst>
-      <p:ext uri="{BB962C8B-B14F-4D97-AF65-F5344CB8AC3E}">
-        <p14:creationId xmlns:p14="http://schemas.microsoft.com/office/powerpoint/2010/main" val="2953910715"/>
-      </p:ext>
-    </p:extLst>
-  </p:cSld>
-  <p:clrMapOvr>
-    <a:masterClrMapping/>
-  </p:clrMapOvr>
-</p:sld>
-</file>
-
-<file path=ppt/slides/slide30.xml><?xml version="1.0" encoding="utf-8"?>
+<file path=ppt/slides/slide31.xml><?xml version="1.0" encoding="utf-8"?>
 <p:sld xmlns:a="http://schemas.openxmlformats.org/drawingml/2006/main" xmlns:r="http://schemas.openxmlformats.org/officeDocument/2006/relationships" xmlns:p="http://schemas.openxmlformats.org/presentationml/2006/main">
   <p:cSld>
     <p:spTree>
@@ -13167,7 +13429,7 @@
 </p:sld>
 </file>
 
-<file path=ppt/slides/slide31.xml><?xml version="1.0" encoding="utf-8"?>
+<file path=ppt/slides/slide32.xml><?xml version="1.0" encoding="utf-8"?>
 <p:sld xmlns:a="http://schemas.openxmlformats.org/drawingml/2006/main" xmlns:r="http://schemas.openxmlformats.org/officeDocument/2006/relationships" xmlns:p="http://schemas.openxmlformats.org/presentationml/2006/main">
   <p:cSld>
     <p:spTree>
@@ -14390,7 +14652,7 @@
 </p:sld>
 </file>
 
-<file path=ppt/slides/slide32.xml><?xml version="1.0" encoding="utf-8"?>
+<file path=ppt/slides/slide33.xml><?xml version="1.0" encoding="utf-8"?>
 <p:sld xmlns:a="http://schemas.openxmlformats.org/drawingml/2006/main" xmlns:r="http://schemas.openxmlformats.org/officeDocument/2006/relationships" xmlns:p="http://schemas.openxmlformats.org/presentationml/2006/main">
   <p:cSld>
     <p:spTree>
@@ -14659,7 +14921,7 @@
 </p:sld>
 </file>
 
-<file path=ppt/slides/slide33.xml><?xml version="1.0" encoding="utf-8"?>
+<file path=ppt/slides/slide34.xml><?xml version="1.0" encoding="utf-8"?>
 <p:sld xmlns:a="http://schemas.openxmlformats.org/drawingml/2006/main" xmlns:r="http://schemas.openxmlformats.org/officeDocument/2006/relationships" xmlns:p="http://schemas.openxmlformats.org/presentationml/2006/main">
   <p:cSld>
     <p:spTree>
@@ -14754,7 +15016,7 @@
 </p:sld>
 </file>
 
-<file path=ppt/slides/slide34.xml><?xml version="1.0" encoding="utf-8"?>
+<file path=ppt/slides/slide35.xml><?xml version="1.0" encoding="utf-8"?>
 <p:sld xmlns:a="http://schemas.openxmlformats.org/drawingml/2006/main" xmlns:r="http://schemas.openxmlformats.org/officeDocument/2006/relationships" xmlns:p="http://schemas.openxmlformats.org/presentationml/2006/main">
   <p:cSld>
     <p:spTree>
@@ -15203,7 +15465,7 @@
 </p:sld>
 </file>
 
-<file path=ppt/slides/slide35.xml><?xml version="1.0" encoding="utf-8"?>
+<file path=ppt/slides/slide36.xml><?xml version="1.0" encoding="utf-8"?>
 <p:sld xmlns:a="http://schemas.openxmlformats.org/drawingml/2006/main" xmlns:r="http://schemas.openxmlformats.org/officeDocument/2006/relationships" xmlns:p="http://schemas.openxmlformats.org/presentationml/2006/main">
   <p:cSld>
     <p:spTree>
@@ -15729,7 +15991,7 @@
 </p:sld>
 </file>
 
-<file path=ppt/slides/slide36.xml><?xml version="1.0" encoding="utf-8"?>
+<file path=ppt/slides/slide37.xml><?xml version="1.0" encoding="utf-8"?>
 <p:sld xmlns:a="http://schemas.openxmlformats.org/drawingml/2006/main" xmlns:r="http://schemas.openxmlformats.org/officeDocument/2006/relationships" xmlns:p="http://schemas.openxmlformats.org/presentationml/2006/main">
   <p:cSld>
     <p:spTree>
@@ -16737,7 +16999,7 @@
 </p:sld>
 </file>
 
-<file path=ppt/slides/slide37.xml><?xml version="1.0" encoding="utf-8"?>
+<file path=ppt/slides/slide38.xml><?xml version="1.0" encoding="utf-8"?>
 <p:sld xmlns:a="http://schemas.openxmlformats.org/drawingml/2006/main" xmlns:r="http://schemas.openxmlformats.org/officeDocument/2006/relationships" xmlns:p="http://schemas.openxmlformats.org/presentationml/2006/main">
   <p:cSld>
     <p:spTree>
@@ -17101,7 +17363,7 @@
 </p:sld>
 </file>
 
-<file path=ppt/slides/slide38.xml><?xml version="1.0" encoding="utf-8"?>
+<file path=ppt/slides/slide39.xml><?xml version="1.0" encoding="utf-8"?>
 <p:sld xmlns:a="http://schemas.openxmlformats.org/drawingml/2006/main" xmlns:r="http://schemas.openxmlformats.org/officeDocument/2006/relationships" xmlns:p="http://schemas.openxmlformats.org/presentationml/2006/main">
   <p:cSld>
     <p:spTree>
@@ -17688,7 +17950,422 @@
 </p:sld>
 </file>
 
-<file path=ppt/slides/slide39.xml><?xml version="1.0" encoding="utf-8"?>
+<file path=ppt/slides/slide4.xml><?xml version="1.0" encoding="utf-8"?>
+<p:sld xmlns:a="http://schemas.openxmlformats.org/drawingml/2006/main" xmlns:r="http://schemas.openxmlformats.org/officeDocument/2006/relationships" xmlns:p="http://schemas.openxmlformats.org/presentationml/2006/main">
+  <p:cSld>
+    <p:spTree>
+      <p:nvGrpSpPr>
+        <p:cNvPr id="1" name=""/>
+        <p:cNvGrpSpPr/>
+        <p:nvPr/>
+      </p:nvGrpSpPr>
+      <p:grpSpPr>
+        <a:xfrm>
+          <a:off x="0" y="0"/>
+          <a:ext cx="0" cy="0"/>
+          <a:chOff x="0" y="0"/>
+          <a:chExt cx="0" cy="0"/>
+        </a:xfrm>
+      </p:grpSpPr>
+      <p:sp>
+        <p:nvSpPr>
+          <p:cNvPr id="2" name="Title 1"/>
+          <p:cNvSpPr>
+            <a:spLocks noGrp="1"/>
+          </p:cNvSpPr>
+          <p:nvPr>
+            <p:ph type="title"/>
+          </p:nvPr>
+        </p:nvSpPr>
+        <p:spPr>
+          <a:xfrm>
+            <a:off x="609600" y="337392"/>
+            <a:ext cx="10439400" cy="624840"/>
+          </a:xfrm>
+        </p:spPr>
+        <p:txBody>
+          <a:bodyPr>
+            <a:noAutofit/>
+          </a:bodyPr>
+          <a:lstStyle/>
+          <a:p>
+            <a:r>
+              <a:rPr lang="en-US" sz="3600" dirty="0">
+                <a:cs typeface="Times New Roman" panose="02020603050405020304" pitchFamily="18" charset="0"/>
+              </a:rPr>
+              <a:t>What are we </a:t>
+            </a:r>
+            <a:r>
+              <a:rPr lang="en-US" sz="3600" dirty="0" err="1">
+                <a:cs typeface="Times New Roman" panose="02020603050405020304" pitchFamily="18" charset="0"/>
+              </a:rPr>
+              <a:t>DIDing</a:t>
+            </a:r>
+            <a:r>
+              <a:rPr lang="en-US" sz="3600" dirty="0">
+                <a:cs typeface="Times New Roman" panose="02020603050405020304" pitchFamily="18" charset="0"/>
+              </a:rPr>
+              <a:t>? </a:t>
+            </a:r>
+            <a:endParaRPr lang="en-US" sz="3600" dirty="0">
+              <a:latin typeface="Times New Roman" panose="02020603050405020304" pitchFamily="18" charset="0"/>
+              <a:cs typeface="Times New Roman" panose="02020603050405020304" pitchFamily="18" charset="0"/>
+            </a:endParaRPr>
+          </a:p>
+        </p:txBody>
+      </p:sp>
+      <mc:AlternateContent xmlns:mc="http://schemas.openxmlformats.org/markup-compatibility/2006" xmlns:a14="http://schemas.microsoft.com/office/drawing/2010/main">
+        <mc:Choice Requires="a14">
+          <p:sp>
+            <p:nvSpPr>
+              <p:cNvPr id="3" name="Content Placeholder 2"/>
+              <p:cNvSpPr>
+                <a:spLocks noGrp="1"/>
+              </p:cNvSpPr>
+              <p:nvPr>
+                <p:ph idx="1"/>
+              </p:nvPr>
+            </p:nvSpPr>
+            <p:spPr>
+              <a:xfrm>
+                <a:off x="1219199" y="1066801"/>
+                <a:ext cx="9405791" cy="5141388"/>
+              </a:xfrm>
+            </p:spPr>
+            <p:txBody>
+              <a:bodyPr>
+                <a:noAutofit/>
+              </a:bodyPr>
+              <a:lstStyle/>
+              <a:p>
+                <a:r>
+                  <a:rPr lang="en-US" sz="2400" dirty="0">
+                    <a:cs typeface="Times New Roman" panose="02020603050405020304" pitchFamily="18" charset="0"/>
+                  </a:rPr>
+                  <a:t>Typical DID framework is a way to use </a:t>
+                </a:r>
+                <a:r>
+                  <a:rPr lang="en-US" sz="2400" b="1" dirty="0">
+                    <a:solidFill>
+                      <a:schemeClr val="accent2">
+                        <a:lumMod val="75000"/>
+                      </a:schemeClr>
+                    </a:solidFill>
+                    <a:cs typeface="Times New Roman" panose="02020603050405020304" pitchFamily="18" charset="0"/>
+                  </a:rPr>
+                  <a:t>observational data </a:t>
+                </a:r>
+                <a:r>
+                  <a:rPr lang="en-US" sz="2400" dirty="0">
+                    <a:cs typeface="Times New Roman" panose="02020603050405020304" pitchFamily="18" charset="0"/>
+                  </a:rPr>
+                  <a:t>to examine </a:t>
+                </a:r>
+                <a:r>
+                  <a:rPr lang="en-US" sz="2400" b="1" dirty="0">
+                    <a:solidFill>
+                      <a:schemeClr val="accent3">
+                        <a:lumMod val="75000"/>
+                      </a:schemeClr>
+                    </a:solidFill>
+                    <a:cs typeface="Times New Roman" panose="02020603050405020304" pitchFamily="18" charset="0"/>
+                  </a:rPr>
+                  <a:t>potential outcomes</a:t>
+                </a:r>
+              </a:p>
+              <a:p>
+                <a:r>
+                  <a:rPr lang="en-US" sz="2400" dirty="0">
+                    <a:cs typeface="Times New Roman" panose="02020603050405020304" pitchFamily="18" charset="0"/>
+                  </a:rPr>
+                  <a:t>We would like to have: </a:t>
+                </a:r>
+              </a:p>
+              <a:p>
+                <a:pPr marL="0" indent="0">
+                  <a:buNone/>
+                </a:pPr>
+                <a14:m>
+                  <m:oMathPara xmlns:m="http://schemas.openxmlformats.org/officeDocument/2006/math">
+                    <m:oMathParaPr>
+                      <m:jc m:val="centerGroup"/>
+                    </m:oMathParaPr>
+                    <m:oMath xmlns:m="http://schemas.openxmlformats.org/officeDocument/2006/math">
+                      <m:sSub>
+                        <m:sSubPr>
+                          <m:ctrlPr>
+                            <a:rPr lang="en-US" sz="2400" b="0" i="1" smtClean="0">
+                              <a:latin typeface="Cambria Math" panose="02040503050406030204" pitchFamily="18" charset="0"/>
+                              <a:cs typeface="Times New Roman" panose="02020603050405020304" pitchFamily="18" charset="0"/>
+                            </a:rPr>
+                          </m:ctrlPr>
+                        </m:sSubPr>
+                        <m:e>
+                          <m:r>
+                            <a:rPr lang="en-US" sz="2400" b="0" i="1" smtClean="0">
+                              <a:latin typeface="Cambria Math" panose="02040503050406030204" pitchFamily="18" charset="0"/>
+                              <a:cs typeface="Times New Roman" panose="02020603050405020304" pitchFamily="18" charset="0"/>
+                            </a:rPr>
+                            <m:t>𝛿</m:t>
+                          </m:r>
+                        </m:e>
+                        <m:sub>
+                          <m:r>
+                            <a:rPr lang="en-US" sz="2400" b="0" i="1" smtClean="0">
+                              <a:latin typeface="Cambria Math" panose="02040503050406030204" pitchFamily="18" charset="0"/>
+                              <a:cs typeface="Times New Roman" panose="02020603050405020304" pitchFamily="18" charset="0"/>
+                            </a:rPr>
+                            <m:t>𝑖𝑡</m:t>
+                          </m:r>
+                        </m:sub>
+                      </m:sSub>
+                      <m:r>
+                        <a:rPr lang="en-US" sz="2400" b="0" i="1" smtClean="0">
+                          <a:latin typeface="Cambria Math" panose="02040503050406030204" pitchFamily="18" charset="0"/>
+                          <a:cs typeface="Times New Roman" panose="02020603050405020304" pitchFamily="18" charset="0"/>
+                        </a:rPr>
+                        <m:t>=</m:t>
+                      </m:r>
+                      <m:sSubSup>
+                        <m:sSubSupPr>
+                          <m:ctrlPr>
+                            <a:rPr lang="en-US" sz="2400" b="0" i="1" smtClean="0">
+                              <a:latin typeface="Cambria Math" panose="02040503050406030204" pitchFamily="18" charset="0"/>
+                              <a:cs typeface="Times New Roman" panose="02020603050405020304" pitchFamily="18" charset="0"/>
+                            </a:rPr>
+                          </m:ctrlPr>
+                        </m:sSubSupPr>
+                        <m:e>
+                          <m:r>
+                            <a:rPr lang="en-US" sz="2400" b="0" i="1" smtClean="0">
+                              <a:latin typeface="Cambria Math" panose="02040503050406030204" pitchFamily="18" charset="0"/>
+                              <a:cs typeface="Times New Roman" panose="02020603050405020304" pitchFamily="18" charset="0"/>
+                            </a:rPr>
+                            <m:t>𝑌</m:t>
+                          </m:r>
+                        </m:e>
+                        <m:sub>
+                          <m:r>
+                            <a:rPr lang="en-US" sz="2400" b="0" i="1" smtClean="0">
+                              <a:latin typeface="Cambria Math" panose="02040503050406030204" pitchFamily="18" charset="0"/>
+                              <a:cs typeface="Times New Roman" panose="02020603050405020304" pitchFamily="18" charset="0"/>
+                            </a:rPr>
+                            <m:t>𝑖𝑡</m:t>
+                          </m:r>
+                        </m:sub>
+                        <m:sup>
+                          <m:r>
+                            <a:rPr lang="en-US" sz="2400" b="0" i="1" smtClean="0">
+                              <a:latin typeface="Cambria Math" panose="02040503050406030204" pitchFamily="18" charset="0"/>
+                              <a:cs typeface="Times New Roman" panose="02020603050405020304" pitchFamily="18" charset="0"/>
+                            </a:rPr>
+                            <m:t>1</m:t>
+                          </m:r>
+                        </m:sup>
+                      </m:sSubSup>
+                      <m:r>
+                        <a:rPr lang="en-US" sz="2400" b="0" i="1" smtClean="0">
+                          <a:latin typeface="Cambria Math" panose="02040503050406030204" pitchFamily="18" charset="0"/>
+                          <a:cs typeface="Times New Roman" panose="02020603050405020304" pitchFamily="18" charset="0"/>
+                        </a:rPr>
+                        <m:t>−</m:t>
+                      </m:r>
+                      <m:sSubSup>
+                        <m:sSubSupPr>
+                          <m:ctrlPr>
+                            <a:rPr lang="en-US" sz="2400" b="0" i="1" smtClean="0">
+                              <a:latin typeface="Cambria Math" panose="02040503050406030204" pitchFamily="18" charset="0"/>
+                              <a:cs typeface="Times New Roman" panose="02020603050405020304" pitchFamily="18" charset="0"/>
+                            </a:rPr>
+                          </m:ctrlPr>
+                        </m:sSubSupPr>
+                        <m:e>
+                          <m:r>
+                            <a:rPr lang="en-US" sz="2400" b="0" i="1" smtClean="0">
+                              <a:latin typeface="Cambria Math" panose="02040503050406030204" pitchFamily="18" charset="0"/>
+                              <a:cs typeface="Times New Roman" panose="02020603050405020304" pitchFamily="18" charset="0"/>
+                            </a:rPr>
+                            <m:t>𝑌</m:t>
+                          </m:r>
+                        </m:e>
+                        <m:sub>
+                          <m:r>
+                            <a:rPr lang="en-US" sz="2400" b="0" i="1" smtClean="0">
+                              <a:latin typeface="Cambria Math" panose="02040503050406030204" pitchFamily="18" charset="0"/>
+                              <a:cs typeface="Times New Roman" panose="02020603050405020304" pitchFamily="18" charset="0"/>
+                            </a:rPr>
+                            <m:t>𝑖𝑡</m:t>
+                          </m:r>
+                        </m:sub>
+                        <m:sup>
+                          <m:r>
+                            <a:rPr lang="en-US" sz="2400" b="0" i="1" smtClean="0">
+                              <a:latin typeface="Cambria Math" panose="02040503050406030204" pitchFamily="18" charset="0"/>
+                              <a:cs typeface="Times New Roman" panose="02020603050405020304" pitchFamily="18" charset="0"/>
+                            </a:rPr>
+                            <m:t>0</m:t>
+                          </m:r>
+                        </m:sup>
+                      </m:sSubSup>
+                    </m:oMath>
+                  </m:oMathPara>
+                </a14:m>
+                <a:endParaRPr lang="en-US" sz="2400" dirty="0">
+                  <a:cs typeface="Times New Roman" panose="02020603050405020304" pitchFamily="18" charset="0"/>
+                </a:endParaRPr>
+              </a:p>
+              <a:p>
+                <a:r>
+                  <a:rPr lang="en-US" sz="2400" dirty="0">
+                    <a:cs typeface="Times New Roman" panose="02020603050405020304" pitchFamily="18" charset="0"/>
+                  </a:rPr>
+                  <a:t>When </a:t>
+                </a:r>
+                <a14:m>
+                  <m:oMath xmlns:m="http://schemas.openxmlformats.org/officeDocument/2006/math">
+                    <m:sSubSup>
+                      <m:sSubSupPr>
+                        <m:ctrlPr>
+                          <a:rPr lang="en-US" sz="2400" b="0" i="1" smtClean="0">
+                            <a:latin typeface="Cambria Math" panose="02040503050406030204" pitchFamily="18" charset="0"/>
+                            <a:cs typeface="Times New Roman" panose="02020603050405020304" pitchFamily="18" charset="0"/>
+                          </a:rPr>
+                        </m:ctrlPr>
+                      </m:sSubSupPr>
+                      <m:e>
+                        <m:r>
+                          <a:rPr lang="en-US" sz="2400" b="0" i="1" smtClean="0">
+                            <a:latin typeface="Cambria Math" panose="02040503050406030204" pitchFamily="18" charset="0"/>
+                            <a:cs typeface="Times New Roman" panose="02020603050405020304" pitchFamily="18" charset="0"/>
+                          </a:rPr>
+                          <m:t>𝑌</m:t>
+                        </m:r>
+                      </m:e>
+                      <m:sub>
+                        <m:r>
+                          <a:rPr lang="en-US" sz="2400" b="0" i="1" smtClean="0">
+                            <a:latin typeface="Cambria Math" panose="02040503050406030204" pitchFamily="18" charset="0"/>
+                            <a:cs typeface="Times New Roman" panose="02020603050405020304" pitchFamily="18" charset="0"/>
+                          </a:rPr>
+                          <m:t>𝑖𝑡</m:t>
+                        </m:r>
+                      </m:sub>
+                      <m:sup>
+                        <m:r>
+                          <a:rPr lang="en-US" sz="2400" b="0" i="1" smtClean="0">
+                            <a:latin typeface="Cambria Math" panose="02040503050406030204" pitchFamily="18" charset="0"/>
+                            <a:cs typeface="Times New Roman" panose="02020603050405020304" pitchFamily="18" charset="0"/>
+                          </a:rPr>
+                          <m:t>0</m:t>
+                        </m:r>
+                      </m:sup>
+                    </m:sSubSup>
+                  </m:oMath>
+                </a14:m>
+                <a:r>
+                  <a:rPr lang="en-US" sz="2400" dirty="0">
+                    <a:cs typeface="Times New Roman" panose="02020603050405020304" pitchFamily="18" charset="0"/>
+                  </a:rPr>
+                  <a:t> is unobserved, we </a:t>
+                </a:r>
+                <a:r>
+                  <a:rPr lang="en-US" sz="2400" u="sng" dirty="0">
+                    <a:cs typeface="Times New Roman" panose="02020603050405020304" pitchFamily="18" charset="0"/>
+                  </a:rPr>
+                  <a:t>proxy it</a:t>
+                </a:r>
+                <a:r>
+                  <a:rPr lang="en-US" sz="2400" b="1" dirty="0">
+                    <a:cs typeface="Times New Roman" panose="02020603050405020304" pitchFamily="18" charset="0"/>
+                  </a:rPr>
+                  <a:t> </a:t>
+                </a:r>
+                <a:r>
+                  <a:rPr lang="en-US" sz="2400" dirty="0">
+                    <a:cs typeface="Times New Roman" panose="02020603050405020304" pitchFamily="18" charset="0"/>
+                  </a:rPr>
+                  <a:t>with a </a:t>
+                </a:r>
+                <a:r>
+                  <a:rPr lang="en-US" sz="2400" dirty="0">
+                    <a:solidFill>
+                      <a:schemeClr val="accent2">
+                        <a:lumMod val="75000"/>
+                      </a:schemeClr>
+                    </a:solidFill>
+                    <a:cs typeface="Times New Roman" panose="02020603050405020304" pitchFamily="18" charset="0"/>
+                  </a:rPr>
+                  <a:t>control group </a:t>
+                </a:r>
+              </a:p>
+              <a:p>
+                <a:r>
+                  <a:rPr lang="en-US" sz="2400" dirty="0">
+                    <a:cs typeface="Times New Roman" panose="02020603050405020304" pitchFamily="18" charset="0"/>
+                  </a:rPr>
+                  <a:t>But are we limited to the control groups we observe?</a:t>
+                </a:r>
+              </a:p>
+              <a:p>
+                <a:endParaRPr lang="en-US" sz="2400" dirty="0">
+                  <a:cs typeface="Times New Roman" panose="02020603050405020304" pitchFamily="18" charset="0"/>
+                </a:endParaRPr>
+              </a:p>
+            </p:txBody>
+          </p:sp>
+        </mc:Choice>
+        <mc:Fallback xmlns="">
+          <p:sp>
+            <p:nvSpPr>
+              <p:cNvPr id="3" name="Content Placeholder 2"/>
+              <p:cNvSpPr>
+                <a:spLocks noGrp="1" noRot="1" noChangeAspect="1" noMove="1" noResize="1" noEditPoints="1" noAdjustHandles="1" noChangeArrowheads="1" noChangeShapeType="1" noTextEdit="1"/>
+              </p:cNvSpPr>
+              <p:nvPr>
+                <p:ph idx="1"/>
+              </p:nvPr>
+            </p:nvSpPr>
+            <p:spPr>
+              <a:xfrm>
+                <a:off x="1219199" y="1066801"/>
+                <a:ext cx="9405791" cy="5141388"/>
+              </a:xfrm>
+              <a:blipFill>
+                <a:blip r:embed="rId3"/>
+                <a:stretch>
+                  <a:fillRect l="-454" t="-1305"/>
+                </a:stretch>
+              </a:blipFill>
+            </p:spPr>
+            <p:txBody>
+              <a:bodyPr/>
+              <a:lstStyle/>
+              <a:p>
+                <a:r>
+                  <a:rPr lang="en-US">
+                    <a:noFill/>
+                  </a:rPr>
+                  <a:t> </a:t>
+                </a:r>
+              </a:p>
+            </p:txBody>
+          </p:sp>
+        </mc:Fallback>
+      </mc:AlternateContent>
+    </p:spTree>
+    <p:extLst>
+      <p:ext uri="{BB962C8B-B14F-4D97-AF65-F5344CB8AC3E}">
+        <p14:creationId xmlns:p14="http://schemas.microsoft.com/office/powerpoint/2010/main" val="3368403731"/>
+      </p:ext>
+    </p:extLst>
+  </p:cSld>
+  <p:clrMapOvr>
+    <a:masterClrMapping/>
+  </p:clrMapOvr>
+</p:sld>
+</file>
+
+<file path=ppt/slides/slide40.xml><?xml version="1.0" encoding="utf-8"?>
 <p:sld xmlns:a="http://schemas.openxmlformats.org/drawingml/2006/main" xmlns:r="http://schemas.openxmlformats.org/officeDocument/2006/relationships" xmlns:p="http://schemas.openxmlformats.org/presentationml/2006/main">
   <p:cSld>
     <p:spTree>
@@ -18183,422 +18860,7 @@
 </p:sld>
 </file>
 
-<file path=ppt/slides/slide4.xml><?xml version="1.0" encoding="utf-8"?>
-<p:sld xmlns:a="http://schemas.openxmlformats.org/drawingml/2006/main" xmlns:r="http://schemas.openxmlformats.org/officeDocument/2006/relationships" xmlns:p="http://schemas.openxmlformats.org/presentationml/2006/main">
-  <p:cSld>
-    <p:spTree>
-      <p:nvGrpSpPr>
-        <p:cNvPr id="1" name=""/>
-        <p:cNvGrpSpPr/>
-        <p:nvPr/>
-      </p:nvGrpSpPr>
-      <p:grpSpPr>
-        <a:xfrm>
-          <a:off x="0" y="0"/>
-          <a:ext cx="0" cy="0"/>
-          <a:chOff x="0" y="0"/>
-          <a:chExt cx="0" cy="0"/>
-        </a:xfrm>
-      </p:grpSpPr>
-      <p:sp>
-        <p:nvSpPr>
-          <p:cNvPr id="2" name="Title 1"/>
-          <p:cNvSpPr>
-            <a:spLocks noGrp="1"/>
-          </p:cNvSpPr>
-          <p:nvPr>
-            <p:ph type="title"/>
-          </p:nvPr>
-        </p:nvSpPr>
-        <p:spPr>
-          <a:xfrm>
-            <a:off x="609600" y="337392"/>
-            <a:ext cx="10439400" cy="624840"/>
-          </a:xfrm>
-        </p:spPr>
-        <p:txBody>
-          <a:bodyPr>
-            <a:noAutofit/>
-          </a:bodyPr>
-          <a:lstStyle/>
-          <a:p>
-            <a:r>
-              <a:rPr lang="en-US" sz="3600" dirty="0">
-                <a:cs typeface="Times New Roman" panose="02020603050405020304" pitchFamily="18" charset="0"/>
-              </a:rPr>
-              <a:t>What are we </a:t>
-            </a:r>
-            <a:r>
-              <a:rPr lang="en-US" sz="3600" dirty="0" err="1">
-                <a:cs typeface="Times New Roman" panose="02020603050405020304" pitchFamily="18" charset="0"/>
-              </a:rPr>
-              <a:t>DIDing</a:t>
-            </a:r>
-            <a:r>
-              <a:rPr lang="en-US" sz="3600" dirty="0">
-                <a:cs typeface="Times New Roman" panose="02020603050405020304" pitchFamily="18" charset="0"/>
-              </a:rPr>
-              <a:t>? </a:t>
-            </a:r>
-            <a:endParaRPr lang="en-US" sz="3600" dirty="0">
-              <a:latin typeface="Times New Roman" panose="02020603050405020304" pitchFamily="18" charset="0"/>
-              <a:cs typeface="Times New Roman" panose="02020603050405020304" pitchFamily="18" charset="0"/>
-            </a:endParaRPr>
-          </a:p>
-        </p:txBody>
-      </p:sp>
-      <mc:AlternateContent xmlns:mc="http://schemas.openxmlformats.org/markup-compatibility/2006" xmlns:a14="http://schemas.microsoft.com/office/drawing/2010/main">
-        <mc:Choice Requires="a14">
-          <p:sp>
-            <p:nvSpPr>
-              <p:cNvPr id="3" name="Content Placeholder 2"/>
-              <p:cNvSpPr>
-                <a:spLocks noGrp="1"/>
-              </p:cNvSpPr>
-              <p:nvPr>
-                <p:ph idx="1"/>
-              </p:nvPr>
-            </p:nvSpPr>
-            <p:spPr>
-              <a:xfrm>
-                <a:off x="1219199" y="1066801"/>
-                <a:ext cx="9405791" cy="5141388"/>
-              </a:xfrm>
-            </p:spPr>
-            <p:txBody>
-              <a:bodyPr>
-                <a:noAutofit/>
-              </a:bodyPr>
-              <a:lstStyle/>
-              <a:p>
-                <a:r>
-                  <a:rPr lang="en-US" sz="2400" dirty="0">
-                    <a:cs typeface="Times New Roman" panose="02020603050405020304" pitchFamily="18" charset="0"/>
-                  </a:rPr>
-                  <a:t>Typical DID framework is a way to use </a:t>
-                </a:r>
-                <a:r>
-                  <a:rPr lang="en-US" sz="2400" b="1" dirty="0">
-                    <a:solidFill>
-                      <a:schemeClr val="accent2">
-                        <a:lumMod val="75000"/>
-                      </a:schemeClr>
-                    </a:solidFill>
-                    <a:cs typeface="Times New Roman" panose="02020603050405020304" pitchFamily="18" charset="0"/>
-                  </a:rPr>
-                  <a:t>observational data </a:t>
-                </a:r>
-                <a:r>
-                  <a:rPr lang="en-US" sz="2400" dirty="0">
-                    <a:cs typeface="Times New Roman" panose="02020603050405020304" pitchFamily="18" charset="0"/>
-                  </a:rPr>
-                  <a:t>to examine </a:t>
-                </a:r>
-                <a:r>
-                  <a:rPr lang="en-US" sz="2400" b="1" dirty="0">
-                    <a:solidFill>
-                      <a:schemeClr val="accent3">
-                        <a:lumMod val="75000"/>
-                      </a:schemeClr>
-                    </a:solidFill>
-                    <a:cs typeface="Times New Roman" panose="02020603050405020304" pitchFamily="18" charset="0"/>
-                  </a:rPr>
-                  <a:t>potential outcomes</a:t>
-                </a:r>
-              </a:p>
-              <a:p>
-                <a:r>
-                  <a:rPr lang="en-US" sz="2400" dirty="0">
-                    <a:cs typeface="Times New Roman" panose="02020603050405020304" pitchFamily="18" charset="0"/>
-                  </a:rPr>
-                  <a:t>We would like to have: </a:t>
-                </a:r>
-              </a:p>
-              <a:p>
-                <a:pPr marL="0" indent="0">
-                  <a:buNone/>
-                </a:pPr>
-                <a14:m>
-                  <m:oMathPara xmlns:m="http://schemas.openxmlformats.org/officeDocument/2006/math">
-                    <m:oMathParaPr>
-                      <m:jc m:val="centerGroup"/>
-                    </m:oMathParaPr>
-                    <m:oMath xmlns:m="http://schemas.openxmlformats.org/officeDocument/2006/math">
-                      <m:sSub>
-                        <m:sSubPr>
-                          <m:ctrlPr>
-                            <a:rPr lang="en-US" sz="2400" b="0" i="1" smtClean="0">
-                              <a:latin typeface="Cambria Math" panose="02040503050406030204" pitchFamily="18" charset="0"/>
-                              <a:cs typeface="Times New Roman" panose="02020603050405020304" pitchFamily="18" charset="0"/>
-                            </a:rPr>
-                          </m:ctrlPr>
-                        </m:sSubPr>
-                        <m:e>
-                          <m:r>
-                            <a:rPr lang="en-US" sz="2400" b="0" i="1" smtClean="0">
-                              <a:latin typeface="Cambria Math" panose="02040503050406030204" pitchFamily="18" charset="0"/>
-                              <a:cs typeface="Times New Roman" panose="02020603050405020304" pitchFamily="18" charset="0"/>
-                            </a:rPr>
-                            <m:t>𝛿</m:t>
-                          </m:r>
-                        </m:e>
-                        <m:sub>
-                          <m:r>
-                            <a:rPr lang="en-US" sz="2400" b="0" i="1" smtClean="0">
-                              <a:latin typeface="Cambria Math" panose="02040503050406030204" pitchFamily="18" charset="0"/>
-                              <a:cs typeface="Times New Roman" panose="02020603050405020304" pitchFamily="18" charset="0"/>
-                            </a:rPr>
-                            <m:t>𝑖𝑡</m:t>
-                          </m:r>
-                        </m:sub>
-                      </m:sSub>
-                      <m:r>
-                        <a:rPr lang="en-US" sz="2400" b="0" i="1" smtClean="0">
-                          <a:latin typeface="Cambria Math" panose="02040503050406030204" pitchFamily="18" charset="0"/>
-                          <a:cs typeface="Times New Roman" panose="02020603050405020304" pitchFamily="18" charset="0"/>
-                        </a:rPr>
-                        <m:t>=</m:t>
-                      </m:r>
-                      <m:sSubSup>
-                        <m:sSubSupPr>
-                          <m:ctrlPr>
-                            <a:rPr lang="en-US" sz="2400" b="0" i="1" smtClean="0">
-                              <a:latin typeface="Cambria Math" panose="02040503050406030204" pitchFamily="18" charset="0"/>
-                              <a:cs typeface="Times New Roman" panose="02020603050405020304" pitchFamily="18" charset="0"/>
-                            </a:rPr>
-                          </m:ctrlPr>
-                        </m:sSubSupPr>
-                        <m:e>
-                          <m:r>
-                            <a:rPr lang="en-US" sz="2400" b="0" i="1" smtClean="0">
-                              <a:latin typeface="Cambria Math" panose="02040503050406030204" pitchFamily="18" charset="0"/>
-                              <a:cs typeface="Times New Roman" panose="02020603050405020304" pitchFamily="18" charset="0"/>
-                            </a:rPr>
-                            <m:t>𝑌</m:t>
-                          </m:r>
-                        </m:e>
-                        <m:sub>
-                          <m:r>
-                            <a:rPr lang="en-US" sz="2400" b="0" i="1" smtClean="0">
-                              <a:latin typeface="Cambria Math" panose="02040503050406030204" pitchFamily="18" charset="0"/>
-                              <a:cs typeface="Times New Roman" panose="02020603050405020304" pitchFamily="18" charset="0"/>
-                            </a:rPr>
-                            <m:t>𝑖𝑡</m:t>
-                          </m:r>
-                        </m:sub>
-                        <m:sup>
-                          <m:r>
-                            <a:rPr lang="en-US" sz="2400" b="0" i="1" smtClean="0">
-                              <a:latin typeface="Cambria Math" panose="02040503050406030204" pitchFamily="18" charset="0"/>
-                              <a:cs typeface="Times New Roman" panose="02020603050405020304" pitchFamily="18" charset="0"/>
-                            </a:rPr>
-                            <m:t>1</m:t>
-                          </m:r>
-                        </m:sup>
-                      </m:sSubSup>
-                      <m:r>
-                        <a:rPr lang="en-US" sz="2400" b="0" i="1" smtClean="0">
-                          <a:latin typeface="Cambria Math" panose="02040503050406030204" pitchFamily="18" charset="0"/>
-                          <a:cs typeface="Times New Roman" panose="02020603050405020304" pitchFamily="18" charset="0"/>
-                        </a:rPr>
-                        <m:t>−</m:t>
-                      </m:r>
-                      <m:sSubSup>
-                        <m:sSubSupPr>
-                          <m:ctrlPr>
-                            <a:rPr lang="en-US" sz="2400" b="0" i="1" smtClean="0">
-                              <a:latin typeface="Cambria Math" panose="02040503050406030204" pitchFamily="18" charset="0"/>
-                              <a:cs typeface="Times New Roman" panose="02020603050405020304" pitchFamily="18" charset="0"/>
-                            </a:rPr>
-                          </m:ctrlPr>
-                        </m:sSubSupPr>
-                        <m:e>
-                          <m:r>
-                            <a:rPr lang="en-US" sz="2400" b="0" i="1" smtClean="0">
-                              <a:latin typeface="Cambria Math" panose="02040503050406030204" pitchFamily="18" charset="0"/>
-                              <a:cs typeface="Times New Roman" panose="02020603050405020304" pitchFamily="18" charset="0"/>
-                            </a:rPr>
-                            <m:t>𝑌</m:t>
-                          </m:r>
-                        </m:e>
-                        <m:sub>
-                          <m:r>
-                            <a:rPr lang="en-US" sz="2400" b="0" i="1" smtClean="0">
-                              <a:latin typeface="Cambria Math" panose="02040503050406030204" pitchFamily="18" charset="0"/>
-                              <a:cs typeface="Times New Roman" panose="02020603050405020304" pitchFamily="18" charset="0"/>
-                            </a:rPr>
-                            <m:t>𝑖𝑡</m:t>
-                          </m:r>
-                        </m:sub>
-                        <m:sup>
-                          <m:r>
-                            <a:rPr lang="en-US" sz="2400" b="0" i="1" smtClean="0">
-                              <a:latin typeface="Cambria Math" panose="02040503050406030204" pitchFamily="18" charset="0"/>
-                              <a:cs typeface="Times New Roman" panose="02020603050405020304" pitchFamily="18" charset="0"/>
-                            </a:rPr>
-                            <m:t>0</m:t>
-                          </m:r>
-                        </m:sup>
-                      </m:sSubSup>
-                    </m:oMath>
-                  </m:oMathPara>
-                </a14:m>
-                <a:endParaRPr lang="en-US" sz="2400" dirty="0">
-                  <a:cs typeface="Times New Roman" panose="02020603050405020304" pitchFamily="18" charset="0"/>
-                </a:endParaRPr>
-              </a:p>
-              <a:p>
-                <a:r>
-                  <a:rPr lang="en-US" sz="2400" dirty="0">
-                    <a:cs typeface="Times New Roman" panose="02020603050405020304" pitchFamily="18" charset="0"/>
-                  </a:rPr>
-                  <a:t>When </a:t>
-                </a:r>
-                <a14:m>
-                  <m:oMath xmlns:m="http://schemas.openxmlformats.org/officeDocument/2006/math">
-                    <m:sSubSup>
-                      <m:sSubSupPr>
-                        <m:ctrlPr>
-                          <a:rPr lang="en-US" sz="2400" b="0" i="1" smtClean="0">
-                            <a:latin typeface="Cambria Math" panose="02040503050406030204" pitchFamily="18" charset="0"/>
-                            <a:cs typeface="Times New Roman" panose="02020603050405020304" pitchFamily="18" charset="0"/>
-                          </a:rPr>
-                        </m:ctrlPr>
-                      </m:sSubSupPr>
-                      <m:e>
-                        <m:r>
-                          <a:rPr lang="en-US" sz="2400" b="0" i="1" smtClean="0">
-                            <a:latin typeface="Cambria Math" panose="02040503050406030204" pitchFamily="18" charset="0"/>
-                            <a:cs typeface="Times New Roman" panose="02020603050405020304" pitchFamily="18" charset="0"/>
-                          </a:rPr>
-                          <m:t>𝑌</m:t>
-                        </m:r>
-                      </m:e>
-                      <m:sub>
-                        <m:r>
-                          <a:rPr lang="en-US" sz="2400" b="0" i="1" smtClean="0">
-                            <a:latin typeface="Cambria Math" panose="02040503050406030204" pitchFamily="18" charset="0"/>
-                            <a:cs typeface="Times New Roman" panose="02020603050405020304" pitchFamily="18" charset="0"/>
-                          </a:rPr>
-                          <m:t>𝑖𝑡</m:t>
-                        </m:r>
-                      </m:sub>
-                      <m:sup>
-                        <m:r>
-                          <a:rPr lang="en-US" sz="2400" b="0" i="1" smtClean="0">
-                            <a:latin typeface="Cambria Math" panose="02040503050406030204" pitchFamily="18" charset="0"/>
-                            <a:cs typeface="Times New Roman" panose="02020603050405020304" pitchFamily="18" charset="0"/>
-                          </a:rPr>
-                          <m:t>0</m:t>
-                        </m:r>
-                      </m:sup>
-                    </m:sSubSup>
-                  </m:oMath>
-                </a14:m>
-                <a:r>
-                  <a:rPr lang="en-US" sz="2400" dirty="0">
-                    <a:cs typeface="Times New Roman" panose="02020603050405020304" pitchFamily="18" charset="0"/>
-                  </a:rPr>
-                  <a:t> is unobserved, we </a:t>
-                </a:r>
-                <a:r>
-                  <a:rPr lang="en-US" sz="2400" u="sng" dirty="0">
-                    <a:cs typeface="Times New Roman" panose="02020603050405020304" pitchFamily="18" charset="0"/>
-                  </a:rPr>
-                  <a:t>proxy it</a:t>
-                </a:r>
-                <a:r>
-                  <a:rPr lang="en-US" sz="2400" b="1" dirty="0">
-                    <a:cs typeface="Times New Roman" panose="02020603050405020304" pitchFamily="18" charset="0"/>
-                  </a:rPr>
-                  <a:t> </a:t>
-                </a:r>
-                <a:r>
-                  <a:rPr lang="en-US" sz="2400" dirty="0">
-                    <a:cs typeface="Times New Roman" panose="02020603050405020304" pitchFamily="18" charset="0"/>
-                  </a:rPr>
-                  <a:t>with a </a:t>
-                </a:r>
-                <a:r>
-                  <a:rPr lang="en-US" sz="2400" dirty="0">
-                    <a:solidFill>
-                      <a:schemeClr val="accent2">
-                        <a:lumMod val="75000"/>
-                      </a:schemeClr>
-                    </a:solidFill>
-                    <a:cs typeface="Times New Roman" panose="02020603050405020304" pitchFamily="18" charset="0"/>
-                  </a:rPr>
-                  <a:t>control group </a:t>
-                </a:r>
-              </a:p>
-              <a:p>
-                <a:r>
-                  <a:rPr lang="en-US" sz="2400" dirty="0">
-                    <a:cs typeface="Times New Roman" panose="02020603050405020304" pitchFamily="18" charset="0"/>
-                  </a:rPr>
-                  <a:t>But are we limited to the control groups we observe?</a:t>
-                </a:r>
-              </a:p>
-              <a:p>
-                <a:endParaRPr lang="en-US" sz="2400" dirty="0">
-                  <a:cs typeface="Times New Roman" panose="02020603050405020304" pitchFamily="18" charset="0"/>
-                </a:endParaRPr>
-              </a:p>
-            </p:txBody>
-          </p:sp>
-        </mc:Choice>
-        <mc:Fallback xmlns="">
-          <p:sp>
-            <p:nvSpPr>
-              <p:cNvPr id="3" name="Content Placeholder 2"/>
-              <p:cNvSpPr>
-                <a:spLocks noGrp="1" noRot="1" noChangeAspect="1" noMove="1" noResize="1" noEditPoints="1" noAdjustHandles="1" noChangeArrowheads="1" noChangeShapeType="1" noTextEdit="1"/>
-              </p:cNvSpPr>
-              <p:nvPr>
-                <p:ph idx="1"/>
-              </p:nvPr>
-            </p:nvSpPr>
-            <p:spPr>
-              <a:xfrm>
-                <a:off x="1219199" y="1066801"/>
-                <a:ext cx="9405791" cy="5141388"/>
-              </a:xfrm>
-              <a:blipFill>
-                <a:blip r:embed="rId3"/>
-                <a:stretch>
-                  <a:fillRect l="-454" t="-1305"/>
-                </a:stretch>
-              </a:blipFill>
-            </p:spPr>
-            <p:txBody>
-              <a:bodyPr/>
-              <a:lstStyle/>
-              <a:p>
-                <a:r>
-                  <a:rPr lang="en-US">
-                    <a:noFill/>
-                  </a:rPr>
-                  <a:t> </a:t>
-                </a:r>
-              </a:p>
-            </p:txBody>
-          </p:sp>
-        </mc:Fallback>
-      </mc:AlternateContent>
-    </p:spTree>
-    <p:extLst>
-      <p:ext uri="{BB962C8B-B14F-4D97-AF65-F5344CB8AC3E}">
-        <p14:creationId xmlns:p14="http://schemas.microsoft.com/office/powerpoint/2010/main" val="3368403731"/>
-      </p:ext>
-    </p:extLst>
-  </p:cSld>
-  <p:clrMapOvr>
-    <a:masterClrMapping/>
-  </p:clrMapOvr>
-</p:sld>
-</file>
-
-<file path=ppt/slides/slide40.xml><?xml version="1.0" encoding="utf-8"?>
+<file path=ppt/slides/slide41.xml><?xml version="1.0" encoding="utf-8"?>
 <p:sld xmlns:a="http://schemas.openxmlformats.org/drawingml/2006/main" xmlns:r="http://schemas.openxmlformats.org/officeDocument/2006/relationships" xmlns:p="http://schemas.openxmlformats.org/presentationml/2006/main">
   <p:cSld>
     <p:spTree>
@@ -18910,7 +19172,7 @@
 </p:sld>
 </file>
 
-<file path=ppt/slides/slide41.xml><?xml version="1.0" encoding="utf-8"?>
+<file path=ppt/slides/slide42.xml><?xml version="1.0" encoding="utf-8"?>
 <p:sld xmlns:a="http://schemas.openxmlformats.org/drawingml/2006/main" xmlns:r="http://schemas.openxmlformats.org/officeDocument/2006/relationships" xmlns:p="http://schemas.openxmlformats.org/presentationml/2006/main">
   <p:cSld>
     <p:spTree>
@@ -19144,7 +19406,7 @@
 </p:sld>
 </file>
 
-<file path=ppt/slides/slide42.xml><?xml version="1.0" encoding="utf-8"?>
+<file path=ppt/slides/slide43.xml><?xml version="1.0" encoding="utf-8"?>
 <p:sld xmlns:a="http://schemas.openxmlformats.org/drawingml/2006/main" xmlns:r="http://schemas.openxmlformats.org/officeDocument/2006/relationships" xmlns:p="http://schemas.openxmlformats.org/presentationml/2006/main">
   <p:cSld>
     <p:spTree>

--- a/Lecture10_SyntheticControl_QuantileRegression/Lecture10_SyntheticControl_QuantileRegression.pptx
+++ b/Lecture10_SyntheticControl_QuantileRegression/Lecture10_SyntheticControl_QuantileRegression.pptx
@@ -5,7 +5,7 @@
     <p:sldMasterId id="2147483738" r:id="rId1"/>
   </p:sldMasterIdLst>
   <p:notesMasterIdLst>
-    <p:notesMasterId r:id="rId45"/>
+    <p:notesMasterId r:id="rId50"/>
   </p:notesMasterIdLst>
   <p:sldIdLst>
     <p:sldId id="256" r:id="rId2"/>
@@ -33,24 +33,29 @@
     <p:sldId id="634" r:id="rId24"/>
     <p:sldId id="589" r:id="rId25"/>
     <p:sldId id="614" r:id="rId26"/>
-    <p:sldId id="616" r:id="rId27"/>
-    <p:sldId id="615" r:id="rId28"/>
-    <p:sldId id="617" r:id="rId29"/>
-    <p:sldId id="633" r:id="rId30"/>
-    <p:sldId id="618" r:id="rId31"/>
-    <p:sldId id="619" r:id="rId32"/>
-    <p:sldId id="620" r:id="rId33"/>
-    <p:sldId id="622" r:id="rId34"/>
-    <p:sldId id="624" r:id="rId35"/>
-    <p:sldId id="625" r:id="rId36"/>
-    <p:sldId id="629" r:id="rId37"/>
-    <p:sldId id="630" r:id="rId38"/>
-    <p:sldId id="628" r:id="rId39"/>
-    <p:sldId id="626" r:id="rId40"/>
-    <p:sldId id="627" r:id="rId41"/>
-    <p:sldId id="631" r:id="rId42"/>
-    <p:sldId id="632" r:id="rId43"/>
-    <p:sldId id="586" r:id="rId44"/>
+    <p:sldId id="636" r:id="rId27"/>
+    <p:sldId id="637" r:id="rId28"/>
+    <p:sldId id="638" r:id="rId29"/>
+    <p:sldId id="639" r:id="rId30"/>
+    <p:sldId id="635" r:id="rId31"/>
+    <p:sldId id="616" r:id="rId32"/>
+    <p:sldId id="615" r:id="rId33"/>
+    <p:sldId id="617" r:id="rId34"/>
+    <p:sldId id="633" r:id="rId35"/>
+    <p:sldId id="618" r:id="rId36"/>
+    <p:sldId id="619" r:id="rId37"/>
+    <p:sldId id="620" r:id="rId38"/>
+    <p:sldId id="622" r:id="rId39"/>
+    <p:sldId id="624" r:id="rId40"/>
+    <p:sldId id="625" r:id="rId41"/>
+    <p:sldId id="629" r:id="rId42"/>
+    <p:sldId id="630" r:id="rId43"/>
+    <p:sldId id="628" r:id="rId44"/>
+    <p:sldId id="626" r:id="rId45"/>
+    <p:sldId id="627" r:id="rId46"/>
+    <p:sldId id="631" r:id="rId47"/>
+    <p:sldId id="632" r:id="rId48"/>
+    <p:sldId id="586" r:id="rId49"/>
   </p:sldIdLst>
   <p:sldSz cx="12192000" cy="6858000"/>
   <p:notesSz cx="7010400" cy="9296400"/>
@@ -168,6 +173,122 @@
 </p:presentation>
 </file>
 
+<file path=ppt/ink/ink1.xml><?xml version="1.0" encoding="utf-8"?>
+<inkml:ink xmlns:inkml="http://www.w3.org/2003/InkML">
+  <inkml:definitions>
+    <inkml:context xml:id="ctx0">
+      <inkml:inkSource xml:id="inkSrc0">
+        <inkml:traceFormat>
+          <inkml:channel name="X" type="integer" min="-2.14748E9" max="2.14748E9" units="cm"/>
+          <inkml:channel name="Y" type="integer" min="-2.14748E9" max="2.14748E9" units="cm"/>
+        </inkml:traceFormat>
+        <inkml:channelProperties>
+          <inkml:channelProperty channel="X" name="resolution" value="1000" units="1/cm"/>
+          <inkml:channelProperty channel="Y" name="resolution" value="1000" units="1/cm"/>
+        </inkml:channelProperties>
+      </inkml:inkSource>
+      <inkml:timestamp xml:id="ts0" timeString="2022-11-07T14:37:21.065"/>
+    </inkml:context>
+    <inkml:brush xml:id="br0">
+      <inkml:brushProperty name="width" value="0.3" units="cm"/>
+      <inkml:brushProperty name="height" value="0.6" units="cm"/>
+      <inkml:brushProperty name="color" value="#FFFC00"/>
+      <inkml:brushProperty name="tip" value="rectangle"/>
+      <inkml:brushProperty name="rasterOp" value="maskPen"/>
+      <inkml:brushProperty name="ignorePressure" value="1"/>
+    </inkml:brush>
+  </inkml:definitions>
+  <inkml:trace contextRef="#ctx0" brushRef="#br0">2289 1,'0'0,"-14"1,-161 14,-500 37,-6-46,434-22,-187-4,372 23,62-3</inkml:trace>
+</inkml:ink>
+</file>
+
+<file path=ppt/ink/ink2.xml><?xml version="1.0" encoding="utf-8"?>
+<inkml:ink xmlns:inkml="http://www.w3.org/2003/InkML">
+  <inkml:definitions>
+    <inkml:context xml:id="ctx0">
+      <inkml:inkSource xml:id="inkSrc0">
+        <inkml:traceFormat>
+          <inkml:channel name="X" type="integer" min="-2.14748E9" max="2.14748E9" units="cm"/>
+          <inkml:channel name="Y" type="integer" min="-2.14748E9" max="2.14748E9" units="cm"/>
+        </inkml:traceFormat>
+        <inkml:channelProperties>
+          <inkml:channelProperty channel="X" name="resolution" value="1000" units="1/cm"/>
+          <inkml:channelProperty channel="Y" name="resolution" value="1000" units="1/cm"/>
+        </inkml:channelProperties>
+      </inkml:inkSource>
+      <inkml:timestamp xml:id="ts0" timeString="2022-11-07T14:37:45.530"/>
+    </inkml:context>
+    <inkml:brush xml:id="br0">
+      <inkml:brushProperty name="width" value="0.3" units="cm"/>
+      <inkml:brushProperty name="height" value="0.6" units="cm"/>
+      <inkml:brushProperty name="color" value="#FFFC00"/>
+      <inkml:brushProperty name="tip" value="rectangle"/>
+      <inkml:brushProperty name="rasterOp" value="maskPen"/>
+      <inkml:brushProperty name="ignorePressure" value="1"/>
+    </inkml:brush>
+  </inkml:definitions>
+  <inkml:trace contextRef="#ctx0" brushRef="#br0">2097 324,'0'0,"0"0,-294-2,-327-45,429 12,-220-71,188 44,-83-10,305 72,1 0,-1 1,1-1,0 0,-1 1,1-1,-1 1,1-1,0 1,0 0,-1 0,1-1,0 1,0 0,0 0,0 0,0 0,0 0,0 0,0 1,0-1,0 0,0 2,-16 31,17-34</inkml:trace>
+</inkml:ink>
+</file>
+
+<file path=ppt/ink/ink3.xml><?xml version="1.0" encoding="utf-8"?>
+<inkml:ink xmlns:inkml="http://www.w3.org/2003/InkML">
+  <inkml:definitions>
+    <inkml:context xml:id="ctx0">
+      <inkml:inkSource xml:id="inkSrc0">
+        <inkml:traceFormat>
+          <inkml:channel name="X" type="integer" min="-2.14748E9" max="2.14748E9" units="cm"/>
+          <inkml:channel name="Y" type="integer" min="-2.14748E9" max="2.14748E9" units="cm"/>
+        </inkml:traceFormat>
+        <inkml:channelProperties>
+          <inkml:channelProperty channel="X" name="resolution" value="1000" units="1/cm"/>
+          <inkml:channelProperty channel="Y" name="resolution" value="1000" units="1/cm"/>
+        </inkml:channelProperties>
+      </inkml:inkSource>
+      <inkml:timestamp xml:id="ts0" timeString="2022-11-07T14:37:49.519"/>
+    </inkml:context>
+    <inkml:brush xml:id="br0">
+      <inkml:brushProperty name="width" value="0.3" units="cm"/>
+      <inkml:brushProperty name="height" value="0.6" units="cm"/>
+      <inkml:brushProperty name="color" value="#FFFC00"/>
+      <inkml:brushProperty name="tip" value="rectangle"/>
+      <inkml:brushProperty name="rasterOp" value="maskPen"/>
+      <inkml:brushProperty name="ignorePressure" value="1"/>
+    </inkml:brush>
+  </inkml:definitions>
+  <inkml:trace contextRef="#ctx0" brushRef="#br0">0 1,'18'3,"1233"201,14-105,395-86,-1262-18,127-17,201 3,-364 36,606 10,-95-80,239-18,-914 62,288-20,543-13,68 12,-1015 24,-43 5,1-3,64-13,-105 17,1 0</inkml:trace>
+</inkml:ink>
+</file>
+
+<file path=ppt/ink/ink4.xml><?xml version="1.0" encoding="utf-8"?>
+<inkml:ink xmlns:inkml="http://www.w3.org/2003/InkML">
+  <inkml:definitions>
+    <inkml:context xml:id="ctx0">
+      <inkml:inkSource xml:id="inkSrc0">
+        <inkml:traceFormat>
+          <inkml:channel name="X" type="integer" min="-2.14748E9" max="2.14748E9" units="cm"/>
+          <inkml:channel name="Y" type="integer" min="-2.14748E9" max="2.14748E9" units="cm"/>
+        </inkml:traceFormat>
+        <inkml:channelProperties>
+          <inkml:channelProperty channel="X" name="resolution" value="1000" units="1/cm"/>
+          <inkml:channelProperty channel="Y" name="resolution" value="1000" units="1/cm"/>
+        </inkml:channelProperties>
+      </inkml:inkSource>
+      <inkml:timestamp xml:id="ts0" timeString="2022-11-07T14:37:55.081"/>
+    </inkml:context>
+    <inkml:brush xml:id="br0">
+      <inkml:brushProperty name="width" value="0.3" units="cm"/>
+      <inkml:brushProperty name="height" value="0.6" units="cm"/>
+      <inkml:brushProperty name="color" value="#FFFC00"/>
+      <inkml:brushProperty name="tip" value="rectangle"/>
+      <inkml:brushProperty name="rasterOp" value="maskPen"/>
+      <inkml:brushProperty name="ignorePressure" value="1"/>
+    </inkml:brush>
+  </inkml:definitions>
+  <inkml:trace contextRef="#ctx0" brushRef="#br0">8629 1,'0'0,"0"0,0 0,0 0,0 0,0 0,0 0,0 0,0 0,0 0,0 0,-15 0,-576 22,-700 9,392-9,63 0,365-31,-299 3,-988 19,1365-41,-58-1,-139 30,233 1,295-3,-73 3,125-1</inkml:trace>
+</inkml:ink>
+</file>
+
 <file path=ppt/notesMasters/notesMaster1.xml><?xml version="1.0" encoding="utf-8"?>
 <p:notesMaster xmlns:a="http://schemas.openxmlformats.org/drawingml/2006/main" xmlns:r="http://schemas.openxmlformats.org/officeDocument/2006/relationships" xmlns:p="http://schemas.openxmlformats.org/presentationml/2006/main">
   <p:cSld>
@@ -250,7 +371,7 @@
           <a:p>
             <a:fld id="{EF911157-0FC2-4F06-8D61-FD647FE4E19D}" type="datetimeFigureOut">
               <a:rPr lang="en-US" smtClean="0"/>
-              <a:t>10/12/2022</a:t>
+              <a:t>11/7/2022</a:t>
             </a:fld>
             <a:endParaRPr lang="en-US"/>
           </a:p>
@@ -2058,8 +2179,19 @@
           <a:p>
             <a:r>
               <a:rPr lang="en-US" dirty="0"/>
-              <a:t>Couldn’t find a good figure for CA but is similar</a:t>
-            </a:r>
+              <a:t>Example: new study claimed to find “clear evidence” for the serotonin hypothesis of depression (</a:t>
+            </a:r>
+            <a:r>
+              <a:rPr lang="en-CA" b="0" i="0" dirty="0">
+                <a:solidFill>
+                  <a:srgbClr val="4D5156"/>
+                </a:solidFill>
+                <a:effectLst/>
+                <a:latin typeface="Roboto" panose="02000000000000000000" pitchFamily="2" charset="0"/>
+              </a:rPr>
+              <a:t>deficit in brain serotonin causes depression)</a:t>
+            </a:r>
+            <a:endParaRPr lang="en-US" dirty="0"/>
           </a:p>
         </p:txBody>
       </p:sp>
@@ -2144,17 +2276,10 @@
           <a:lstStyle/>
           <a:p>
             <a:r>
-              <a:rPr lang="en-US" dirty="0"/>
-              <a:t>Econometrically, we may be concerned that our estimates are biased if we aren’t correcting for the </a:t>
-            </a:r>
-            <a:r>
-              <a:rPr lang="en-US" dirty="0" err="1"/>
-              <a:t>distirbutions</a:t>
-            </a:r>
-            <a:r>
-              <a:rPr lang="en-US" dirty="0"/>
-              <a:t>. Policy wise, we may care a lot more about nudging the median spender than the mean, or about super-utilizers, or disparities in the bottom quintile of income, etc. </a:t>
-            </a:r>
+              <a:rPr lang="en-CA" dirty="0"/>
+              <a:t>Small sample size, simple regression (is this causal? Could be because it’s an RCT! But other issues abound)</a:t>
+            </a:r>
+            <a:endParaRPr lang="en-US" dirty="0"/>
           </a:p>
         </p:txBody>
       </p:sp>
@@ -2184,7 +2309,7 @@
     </p:spTree>
     <p:extLst>
       <p:ext uri="{BB962C8B-B14F-4D97-AF65-F5344CB8AC3E}">
-        <p14:creationId xmlns:p14="http://schemas.microsoft.com/office/powerpoint/2010/main" val="3037542011"/>
+        <p14:creationId xmlns:p14="http://schemas.microsoft.com/office/powerpoint/2010/main" val="2880429362"/>
       </p:ext>
     </p:extLst>
   </p:cSld>
@@ -2239,9 +2364,10 @@
           <a:lstStyle/>
           <a:p>
             <a:r>
-              <a:rPr lang="en-US" dirty="0"/>
-              <a:t>Notice that 1, 3, and 4 are very similar. We won’t spend a lot of time on (2) today (example: want to assign people into risk categories and estimate separately based on risk; this is a two-step model like a hurdle model). (1) you have to specify a target quantile and run T regressions; (3) and (4) come from a single estimation</a:t>
-            </a:r>
+              <a:rPr lang="en-CA" dirty="0"/>
+              <a:t>Average indicates the treatment effect</a:t>
+            </a:r>
+            <a:endParaRPr lang="en-US" dirty="0"/>
           </a:p>
         </p:txBody>
       </p:sp>
@@ -2271,7 +2397,7 @@
     </p:spTree>
     <p:extLst>
       <p:ext uri="{BB962C8B-B14F-4D97-AF65-F5344CB8AC3E}">
-        <p14:creationId xmlns:p14="http://schemas.microsoft.com/office/powerpoint/2010/main" val="481156745"/>
+        <p14:creationId xmlns:p14="http://schemas.microsoft.com/office/powerpoint/2010/main" val="1100338526"/>
       </p:ext>
     </p:extLst>
   </p:cSld>
@@ -2326,9 +2452,10 @@
           <a:lstStyle/>
           <a:p>
             <a:r>
-              <a:rPr lang="en-US" dirty="0"/>
-              <a:t>This targets the conditional mean by setting beta to minimize the average deviations from the regression line (sum of squared errors). Note graph shows homogenous impact across a distribution (e.g., education and income)</a:t>
-            </a:r>
+              <a:rPr lang="en-CA" dirty="0"/>
+              <a:t>It’s all outliers!</a:t>
+            </a:r>
+            <a:endParaRPr lang="en-US" dirty="0"/>
           </a:p>
         </p:txBody>
       </p:sp>
@@ -2358,7 +2485,7 @@
     </p:spTree>
     <p:extLst>
       <p:ext uri="{BB962C8B-B14F-4D97-AF65-F5344CB8AC3E}">
-        <p14:creationId xmlns:p14="http://schemas.microsoft.com/office/powerpoint/2010/main" val="3883769231"/>
+        <p14:creationId xmlns:p14="http://schemas.microsoft.com/office/powerpoint/2010/main" val="2307620350"/>
       </p:ext>
     </p:extLst>
   </p:cSld>
@@ -2413,9 +2540,14 @@
           <a:lstStyle/>
           <a:p>
             <a:r>
-              <a:rPr lang="en-US" dirty="0"/>
-              <a:t>What if effect differs across distribution? </a:t>
-            </a:r>
+              <a:rPr lang="en-CA" dirty="0"/>
+              <a:t>So what could be done instead? Measure effects across </a:t>
+            </a:r>
+            <a:r>
+              <a:rPr lang="en-CA"/>
+              <a:t>the distribution ! </a:t>
+            </a:r>
+            <a:endParaRPr lang="en-US" dirty="0"/>
           </a:p>
         </p:txBody>
       </p:sp>
@@ -2445,7 +2577,7 @@
     </p:spTree>
     <p:extLst>
       <p:ext uri="{BB962C8B-B14F-4D97-AF65-F5344CB8AC3E}">
-        <p14:creationId xmlns:p14="http://schemas.microsoft.com/office/powerpoint/2010/main" val="1818158558"/>
+        <p14:creationId xmlns:p14="http://schemas.microsoft.com/office/powerpoint/2010/main" val="3708255401"/>
       </p:ext>
     </p:extLst>
   </p:cSld>
@@ -2501,15 +2633,7 @@
           <a:p>
             <a:r>
               <a:rPr lang="en-US" dirty="0"/>
-              <a:t>Quantile: splits the distribution into the bottom tau% and the remainder of the distribution. Quantiles and percentiles are codefined; the median, for example, is the 50</a:t>
-            </a:r>
-            <a:r>
-              <a:rPr lang="en-US" baseline="30000" dirty="0"/>
-              <a:t>th</a:t>
-            </a:r>
-            <a:r>
-              <a:rPr lang="en-US" dirty="0"/>
-              <a:t> percentile. So targeting a quantile lets you target any point in a distribution. </a:t>
+              <a:t>Couldn’t find a good figure for CA but is similar</a:t>
             </a:r>
           </a:p>
         </p:txBody>
@@ -2540,7 +2664,7 @@
     </p:spTree>
     <p:extLst>
       <p:ext uri="{BB962C8B-B14F-4D97-AF65-F5344CB8AC3E}">
-        <p14:creationId xmlns:p14="http://schemas.microsoft.com/office/powerpoint/2010/main" val="1631310871"/>
+        <p14:creationId xmlns:p14="http://schemas.microsoft.com/office/powerpoint/2010/main" val="4104526759"/>
       </p:ext>
     </p:extLst>
   </p:cSld>
@@ -2683,15 +2807,15 @@
           <a:p>
             <a:r>
               <a:rPr lang="en-US" dirty="0"/>
-              <a:t>LAD = least absolute deviation. How is this different than the traditional OLS? Median regression is actually older than OLS! (</a:t>
+              <a:t>Econometrically, we may be concerned that our estimates are biased if we aren’t correcting for the </a:t>
             </a:r>
             <a:r>
               <a:rPr lang="en-US" dirty="0" err="1"/>
-              <a:t>Boscovitch</a:t>
+              <a:t>distirbutions</a:t>
             </a:r>
             <a:r>
               <a:rPr lang="en-US" dirty="0"/>
-              <a:t> 1760; OLS in 1789 by Laplace)</a:t>
+              <a:t>. Policy wise, we may care a lot more about nudging the median spender than the mean, or about super-utilizers, or disparities in the bottom quintile of income, etc. </a:t>
             </a:r>
           </a:p>
         </p:txBody>
@@ -2722,7 +2846,7 @@
     </p:spTree>
     <p:extLst>
       <p:ext uri="{BB962C8B-B14F-4D97-AF65-F5344CB8AC3E}">
-        <p14:creationId xmlns:p14="http://schemas.microsoft.com/office/powerpoint/2010/main" val="1763450857"/>
+        <p14:creationId xmlns:p14="http://schemas.microsoft.com/office/powerpoint/2010/main" val="3037542011"/>
       </p:ext>
     </p:extLst>
   </p:cSld>
@@ -2778,7 +2902,7 @@
           <a:p>
             <a:r>
               <a:rPr lang="en-US" dirty="0"/>
-              <a:t>This in the brackets is called the “check function” that sorts observations into above/below a sample quantile. </a:t>
+              <a:t>Notice that 1, 3, and 4 are very similar. We won’t spend a lot of time on (2) today (example: want to assign people into risk categories and estimate separately based on risk; this is a two-step model like a hurdle model). (1) you have to specify a target quantile and run T regressions; (3) and (4) come from a single estimation</a:t>
             </a:r>
           </a:p>
         </p:txBody>
@@ -2809,7 +2933,7 @@
     </p:spTree>
     <p:extLst>
       <p:ext uri="{BB962C8B-B14F-4D97-AF65-F5344CB8AC3E}">
-        <p14:creationId xmlns:p14="http://schemas.microsoft.com/office/powerpoint/2010/main" val="1652781160"/>
+        <p14:creationId xmlns:p14="http://schemas.microsoft.com/office/powerpoint/2010/main" val="481156745"/>
       </p:ext>
     </p:extLst>
   </p:cSld>
@@ -2865,7 +2989,7 @@
           <a:p>
             <a:r>
               <a:rPr lang="en-US" dirty="0"/>
-              <a:t>Technically, this interpretation requires a rank invariance condition (e.g., if you give everyone treatment, the ordering of individuals will stay the same). </a:t>
+              <a:t>This targets the conditional mean by setting beta to minimize the average deviations from the regression line (sum of squared errors). Note graph shows homogenous impact across a distribution (e.g., education and income)</a:t>
             </a:r>
           </a:p>
         </p:txBody>
@@ -2896,7 +3020,7 @@
     </p:spTree>
     <p:extLst>
       <p:ext uri="{BB962C8B-B14F-4D97-AF65-F5344CB8AC3E}">
-        <p14:creationId xmlns:p14="http://schemas.microsoft.com/office/powerpoint/2010/main" val="1520615147"/>
+        <p14:creationId xmlns:p14="http://schemas.microsoft.com/office/powerpoint/2010/main" val="3883769231"/>
       </p:ext>
     </p:extLst>
   </p:cSld>
@@ -2952,39 +3076,8 @@
           <a:p>
             <a:r>
               <a:rPr lang="en-US" dirty="0"/>
-              <a:t>Note that </a:t>
-            </a:r>
-            <a:r>
-              <a:rPr lang="en-US" b="0" i="0" dirty="0">
-                <a:solidFill>
-                  <a:srgbClr val="002A5C"/>
-                </a:solidFill>
-                <a:effectLst/>
-                <a:latin typeface="Graphik @FontFace"/>
-              </a:rPr>
-              <a:t>Zahra </a:t>
-            </a:r>
-            <a:r>
-              <a:rPr lang="en-US" b="0" i="0" dirty="0" err="1">
-                <a:solidFill>
-                  <a:srgbClr val="002A5C"/>
-                </a:solidFill>
-                <a:effectLst/>
-                <a:latin typeface="Graphik @FontFace"/>
-              </a:rPr>
-              <a:t>Shakeri</a:t>
-            </a:r>
-            <a:r>
-              <a:rPr lang="en-US" b="0" i="0" dirty="0">
-                <a:solidFill>
-                  <a:srgbClr val="002A5C"/>
-                </a:solidFill>
-                <a:effectLst/>
-                <a:latin typeface="Graphik @FontFace"/>
-              </a:rPr>
-              <a:t> is developing machine learning and data visualization courses for IHPME; I highly recommend looking into these and / or reaching out to her if you are interested in some of these methods. </a:t>
-            </a:r>
-            <a:endParaRPr lang="en-US" dirty="0"/>
+              <a:t>What if effect differs across distribution? </a:t>
+            </a:r>
           </a:p>
         </p:txBody>
       </p:sp>
@@ -3014,7 +3107,7 @@
     </p:spTree>
     <p:extLst>
       <p:ext uri="{BB962C8B-B14F-4D97-AF65-F5344CB8AC3E}">
-        <p14:creationId xmlns:p14="http://schemas.microsoft.com/office/powerpoint/2010/main" val="3185086095"/>
+        <p14:creationId xmlns:p14="http://schemas.microsoft.com/office/powerpoint/2010/main" val="1818158558"/>
       </p:ext>
     </p:extLst>
   </p:cSld>
@@ -3070,15 +3163,15 @@
           <a:p>
             <a:r>
               <a:rPr lang="en-US" dirty="0"/>
-              <a:t>Goal: functional form with no restrictions on what f() looks like (i.e., not linear). I did add some notes on nonparametric regression to the </a:t>
-            </a:r>
-            <a:r>
-              <a:rPr lang="en-US" dirty="0" err="1"/>
-              <a:t>Github</a:t>
+              <a:t>Quantile: splits the distribution into the bottom tau% and the remainder of the distribution. Quantiles and percentiles are codefined; the median, for example, is the 50</a:t>
+            </a:r>
+            <a:r>
+              <a:rPr lang="en-US" baseline="30000" dirty="0"/>
+              <a:t>th</a:t>
             </a:r>
             <a:r>
               <a:rPr lang="en-US" dirty="0"/>
-              <a:t>, but there are whole textbooks you can use. </a:t>
+              <a:t> percentile. So targeting a quantile lets you target any point in a distribution. </a:t>
             </a:r>
           </a:p>
         </p:txBody>
@@ -3109,7 +3202,7 @@
     </p:spTree>
     <p:extLst>
       <p:ext uri="{BB962C8B-B14F-4D97-AF65-F5344CB8AC3E}">
-        <p14:creationId xmlns:p14="http://schemas.microsoft.com/office/powerpoint/2010/main" val="3238735277"/>
+        <p14:creationId xmlns:p14="http://schemas.microsoft.com/office/powerpoint/2010/main" val="1631310871"/>
       </p:ext>
     </p:extLst>
   </p:cSld>
@@ -3165,7 +3258,15 @@
           <a:p>
             <a:r>
               <a:rPr lang="en-US" dirty="0"/>
-              <a:t>Note: lots of choices for nonparametric regression! Could be its own course. On (1) note that this is the bias-variance tradeoff; (2) is the choice of kernel; and (3) is the curse of dimensionality</a:t>
+              <a:t>LAD = least absolute deviation. How is this different than the traditional OLS? Median regression is actually older than OLS! (</a:t>
+            </a:r>
+            <a:r>
+              <a:rPr lang="en-US" dirty="0" err="1"/>
+              <a:t>Boscovitch</a:t>
+            </a:r>
+            <a:r>
+              <a:rPr lang="en-US" dirty="0"/>
+              <a:t> 1760; OLS in 1789 by Laplace)</a:t>
             </a:r>
           </a:p>
         </p:txBody>
@@ -3196,7 +3297,7 @@
     </p:spTree>
     <p:extLst>
       <p:ext uri="{BB962C8B-B14F-4D97-AF65-F5344CB8AC3E}">
-        <p14:creationId xmlns:p14="http://schemas.microsoft.com/office/powerpoint/2010/main" val="760652552"/>
+        <p14:creationId xmlns:p14="http://schemas.microsoft.com/office/powerpoint/2010/main" val="1763450857"/>
       </p:ext>
     </p:extLst>
   </p:cSld>
@@ -3252,7 +3353,7 @@
           <a:p>
             <a:r>
               <a:rPr lang="en-US" dirty="0"/>
-              <a:t>The focal point varies across bins. </a:t>
+              <a:t>This in the brackets is called the “check function” that sorts observations into above/below a sample quantile. </a:t>
             </a:r>
           </a:p>
         </p:txBody>
@@ -3283,7 +3384,7 @@
     </p:spTree>
     <p:extLst>
       <p:ext uri="{BB962C8B-B14F-4D97-AF65-F5344CB8AC3E}">
-        <p14:creationId xmlns:p14="http://schemas.microsoft.com/office/powerpoint/2010/main" val="964766668"/>
+        <p14:creationId xmlns:p14="http://schemas.microsoft.com/office/powerpoint/2010/main" val="1652781160"/>
       </p:ext>
     </p:extLst>
   </p:cSld>
@@ -3339,7 +3440,7 @@
           <a:p>
             <a:r>
               <a:rPr lang="en-US" dirty="0"/>
-              <a:t>Goal: functional form with no restrictions on what f() looks like (i.e., not linear)</a:t>
+              <a:t>Technically, this interpretation requires a rank invariance condition (e.g., if you give everyone treatment, the ordering of individuals will stay the same). </a:t>
             </a:r>
           </a:p>
         </p:txBody>
@@ -3370,7 +3471,7 @@
     </p:spTree>
     <p:extLst>
       <p:ext uri="{BB962C8B-B14F-4D97-AF65-F5344CB8AC3E}">
-        <p14:creationId xmlns:p14="http://schemas.microsoft.com/office/powerpoint/2010/main" val="1044557314"/>
+        <p14:creationId xmlns:p14="http://schemas.microsoft.com/office/powerpoint/2010/main" val="1520615147"/>
       </p:ext>
     </p:extLst>
   </p:cSld>
@@ -3426,15 +3527,37 @@
           <a:p>
             <a:r>
               <a:rPr lang="en-US" dirty="0"/>
-              <a:t>Note: there isn’t much difference between CDE and nonparametric regression – we are looking either for prediction of y given x (moments) or functional form F(x), but those are obviously intertwined. The difference is that there are additional </a:t>
-            </a:r>
-            <a:r>
-              <a:rPr lang="en-US" b="1" dirty="0"/>
-              <a:t>methods </a:t>
-            </a:r>
-            <a:r>
-              <a:rPr lang="en-US" b="0" dirty="0"/>
-              <a:t>in this literature that are useful. </a:t>
+              <a:t>Note that </a:t>
+            </a:r>
+            <a:r>
+              <a:rPr lang="en-US" b="0" i="0" dirty="0">
+                <a:solidFill>
+                  <a:srgbClr val="002A5C"/>
+                </a:solidFill>
+                <a:effectLst/>
+                <a:latin typeface="Graphik @FontFace"/>
+              </a:rPr>
+              <a:t>Zahra </a:t>
+            </a:r>
+            <a:r>
+              <a:rPr lang="en-US" b="0" i="0" dirty="0" err="1">
+                <a:solidFill>
+                  <a:srgbClr val="002A5C"/>
+                </a:solidFill>
+                <a:effectLst/>
+                <a:latin typeface="Graphik @FontFace"/>
+              </a:rPr>
+              <a:t>Shakeri</a:t>
+            </a:r>
+            <a:r>
+              <a:rPr lang="en-US" b="0" i="0" dirty="0">
+                <a:solidFill>
+                  <a:srgbClr val="002A5C"/>
+                </a:solidFill>
+                <a:effectLst/>
+                <a:latin typeface="Graphik @FontFace"/>
+              </a:rPr>
+              <a:t> is developing machine learning and data visualization courses for IHPME; I highly recommend looking into these and / or reaching out to her if you are interested in some of these methods. </a:t>
             </a:r>
             <a:endParaRPr lang="en-US" dirty="0"/>
           </a:p>
@@ -3466,7 +3589,7 @@
     </p:spTree>
     <p:extLst>
       <p:ext uri="{BB962C8B-B14F-4D97-AF65-F5344CB8AC3E}">
-        <p14:creationId xmlns:p14="http://schemas.microsoft.com/office/powerpoint/2010/main" val="1506519752"/>
+        <p14:creationId xmlns:p14="http://schemas.microsoft.com/office/powerpoint/2010/main" val="3185086095"/>
       </p:ext>
     </p:extLst>
   </p:cSld>
@@ -3520,7 +3643,18 @@
           <a:bodyPr/>
           <a:lstStyle/>
           <a:p>
-            <a:endParaRPr lang="en-US" dirty="0"/>
+            <a:r>
+              <a:rPr lang="en-US" dirty="0"/>
+              <a:t>Goal: functional form with no restrictions on what f() looks like (i.e., not linear). I did add some notes on nonparametric regression to the </a:t>
+            </a:r>
+            <a:r>
+              <a:rPr lang="en-US" dirty="0" err="1"/>
+              <a:t>Github</a:t>
+            </a:r>
+            <a:r>
+              <a:rPr lang="en-US" dirty="0"/>
+              <a:t>, but there are whole textbooks you can use. </a:t>
+            </a:r>
           </a:p>
         </p:txBody>
       </p:sp>
@@ -3550,7 +3684,7 @@
     </p:spTree>
     <p:extLst>
       <p:ext uri="{BB962C8B-B14F-4D97-AF65-F5344CB8AC3E}">
-        <p14:creationId xmlns:p14="http://schemas.microsoft.com/office/powerpoint/2010/main" val="717166347"/>
+        <p14:creationId xmlns:p14="http://schemas.microsoft.com/office/powerpoint/2010/main" val="3238735277"/>
       </p:ext>
     </p:extLst>
   </p:cSld>
@@ -3690,7 +3824,7 @@
           <a:p>
             <a:r>
               <a:rPr lang="en-US" dirty="0"/>
-              <a:t>Cut-points – rules for how to bin data in order to assign prediction (e.g., if we’re predicting expenses, at what age do expenses go down (2?) and then up again (50?). Once we’ve done that cut, what’s the next best way to cut – by sex (older men versus older women)? And so on.)</a:t>
+              <a:t>Note: lots of choices for nonparametric regression! Could be its own course. On (1) note that this is the bias-variance tradeoff; (2) is the choice of kernel; and (3) is the curse of dimensionality</a:t>
             </a:r>
           </a:p>
         </p:txBody>
@@ -3721,7 +3855,7 @@
     </p:spTree>
     <p:extLst>
       <p:ext uri="{BB962C8B-B14F-4D97-AF65-F5344CB8AC3E}">
-        <p14:creationId xmlns:p14="http://schemas.microsoft.com/office/powerpoint/2010/main" val="2040611805"/>
+        <p14:creationId xmlns:p14="http://schemas.microsoft.com/office/powerpoint/2010/main" val="760652552"/>
       </p:ext>
     </p:extLst>
   </p:cSld>
@@ -3777,7 +3911,7 @@
           <a:p>
             <a:r>
               <a:rPr lang="en-US" dirty="0"/>
-              <a:t>Neurons are similar to trees</a:t>
+              <a:t>The focal point varies across bins. </a:t>
             </a:r>
           </a:p>
         </p:txBody>
@@ -3808,7 +3942,7 @@
     </p:spTree>
     <p:extLst>
       <p:ext uri="{BB962C8B-B14F-4D97-AF65-F5344CB8AC3E}">
-        <p14:creationId xmlns:p14="http://schemas.microsoft.com/office/powerpoint/2010/main" val="817311110"/>
+        <p14:creationId xmlns:p14="http://schemas.microsoft.com/office/powerpoint/2010/main" val="964766668"/>
       </p:ext>
     </p:extLst>
   </p:cSld>
@@ -3862,6 +3996,447 @@
           <a:bodyPr/>
           <a:lstStyle/>
           <a:p>
+            <a:r>
+              <a:rPr lang="en-US" dirty="0"/>
+              <a:t>Goal: functional form with no restrictions on what f() looks like (i.e., not linear)</a:t>
+            </a:r>
+          </a:p>
+        </p:txBody>
+      </p:sp>
+      <p:sp>
+        <p:nvSpPr>
+          <p:cNvPr id="4" name="Slide Number Placeholder 3"/>
+          <p:cNvSpPr>
+            <a:spLocks noGrp="1"/>
+          </p:cNvSpPr>
+          <p:nvPr>
+            <p:ph type="sldNum" sz="quarter" idx="5"/>
+          </p:nvPr>
+        </p:nvSpPr>
+        <p:spPr/>
+        <p:txBody>
+          <a:bodyPr/>
+          <a:lstStyle/>
+          <a:p>
+            <a:fld id="{4AF79E1B-2C51-4B9B-8EA4-26DE9E345AFF}" type="slidenum">
+              <a:rPr lang="en-US" smtClean="0"/>
+              <a:t>43</a:t>
+            </a:fld>
+            <a:endParaRPr lang="en-US"/>
+          </a:p>
+        </p:txBody>
+      </p:sp>
+    </p:spTree>
+    <p:extLst>
+      <p:ext uri="{BB962C8B-B14F-4D97-AF65-F5344CB8AC3E}">
+        <p14:creationId xmlns:p14="http://schemas.microsoft.com/office/powerpoint/2010/main" val="1044557314"/>
+      </p:ext>
+    </p:extLst>
+  </p:cSld>
+  <p:clrMapOvr>
+    <a:masterClrMapping/>
+  </p:clrMapOvr>
+</p:notes>
+</file>
+
+<file path=ppt/notesSlides/notesSlide43.xml><?xml version="1.0" encoding="utf-8"?>
+<p:notes xmlns:a="http://schemas.openxmlformats.org/drawingml/2006/main" xmlns:r="http://schemas.openxmlformats.org/officeDocument/2006/relationships" xmlns:p="http://schemas.openxmlformats.org/presentationml/2006/main">
+  <p:cSld>
+    <p:spTree>
+      <p:nvGrpSpPr>
+        <p:cNvPr id="1" name=""/>
+        <p:cNvGrpSpPr/>
+        <p:nvPr/>
+      </p:nvGrpSpPr>
+      <p:grpSpPr>
+        <a:xfrm>
+          <a:off x="0" y="0"/>
+          <a:ext cx="0" cy="0"/>
+          <a:chOff x="0" y="0"/>
+          <a:chExt cx="0" cy="0"/>
+        </a:xfrm>
+      </p:grpSpPr>
+      <p:sp>
+        <p:nvSpPr>
+          <p:cNvPr id="2" name="Slide Image Placeholder 1"/>
+          <p:cNvSpPr>
+            <a:spLocks noGrp="1" noRot="1" noChangeAspect="1"/>
+          </p:cNvSpPr>
+          <p:nvPr>
+            <p:ph type="sldImg"/>
+          </p:nvPr>
+        </p:nvSpPr>
+        <p:spPr/>
+      </p:sp>
+      <p:sp>
+        <p:nvSpPr>
+          <p:cNvPr id="3" name="Notes Placeholder 2"/>
+          <p:cNvSpPr>
+            <a:spLocks noGrp="1"/>
+          </p:cNvSpPr>
+          <p:nvPr>
+            <p:ph type="body" idx="1"/>
+          </p:nvPr>
+        </p:nvSpPr>
+        <p:spPr/>
+        <p:txBody>
+          <a:bodyPr/>
+          <a:lstStyle/>
+          <a:p>
+            <a:r>
+              <a:rPr lang="en-US" dirty="0"/>
+              <a:t>Note: there isn’t much difference between CDE and nonparametric regression – we are looking either for prediction of y given x (moments) or functional form F(x), but those are obviously intertwined. The difference is that there are additional </a:t>
+            </a:r>
+            <a:r>
+              <a:rPr lang="en-US" b="1" dirty="0"/>
+              <a:t>methods </a:t>
+            </a:r>
+            <a:r>
+              <a:rPr lang="en-US" b="0" dirty="0"/>
+              <a:t>in this literature that are useful. </a:t>
+            </a:r>
+            <a:endParaRPr lang="en-US" dirty="0"/>
+          </a:p>
+        </p:txBody>
+      </p:sp>
+      <p:sp>
+        <p:nvSpPr>
+          <p:cNvPr id="4" name="Slide Number Placeholder 3"/>
+          <p:cNvSpPr>
+            <a:spLocks noGrp="1"/>
+          </p:cNvSpPr>
+          <p:nvPr>
+            <p:ph type="sldNum" sz="quarter" idx="5"/>
+          </p:nvPr>
+        </p:nvSpPr>
+        <p:spPr/>
+        <p:txBody>
+          <a:bodyPr/>
+          <a:lstStyle/>
+          <a:p>
+            <a:fld id="{4AF79E1B-2C51-4B9B-8EA4-26DE9E345AFF}" type="slidenum">
+              <a:rPr lang="en-US" smtClean="0"/>
+              <a:t>44</a:t>
+            </a:fld>
+            <a:endParaRPr lang="en-US"/>
+          </a:p>
+        </p:txBody>
+      </p:sp>
+    </p:spTree>
+    <p:extLst>
+      <p:ext uri="{BB962C8B-B14F-4D97-AF65-F5344CB8AC3E}">
+        <p14:creationId xmlns:p14="http://schemas.microsoft.com/office/powerpoint/2010/main" val="1506519752"/>
+      </p:ext>
+    </p:extLst>
+  </p:cSld>
+  <p:clrMapOvr>
+    <a:masterClrMapping/>
+  </p:clrMapOvr>
+</p:notes>
+</file>
+
+<file path=ppt/notesSlides/notesSlide44.xml><?xml version="1.0" encoding="utf-8"?>
+<p:notes xmlns:a="http://schemas.openxmlformats.org/drawingml/2006/main" xmlns:r="http://schemas.openxmlformats.org/officeDocument/2006/relationships" xmlns:p="http://schemas.openxmlformats.org/presentationml/2006/main">
+  <p:cSld>
+    <p:spTree>
+      <p:nvGrpSpPr>
+        <p:cNvPr id="1" name=""/>
+        <p:cNvGrpSpPr/>
+        <p:nvPr/>
+      </p:nvGrpSpPr>
+      <p:grpSpPr>
+        <a:xfrm>
+          <a:off x="0" y="0"/>
+          <a:ext cx="0" cy="0"/>
+          <a:chOff x="0" y="0"/>
+          <a:chExt cx="0" cy="0"/>
+        </a:xfrm>
+      </p:grpSpPr>
+      <p:sp>
+        <p:nvSpPr>
+          <p:cNvPr id="2" name="Slide Image Placeholder 1"/>
+          <p:cNvSpPr>
+            <a:spLocks noGrp="1" noRot="1" noChangeAspect="1"/>
+          </p:cNvSpPr>
+          <p:nvPr>
+            <p:ph type="sldImg"/>
+          </p:nvPr>
+        </p:nvSpPr>
+        <p:spPr/>
+      </p:sp>
+      <p:sp>
+        <p:nvSpPr>
+          <p:cNvPr id="3" name="Notes Placeholder 2"/>
+          <p:cNvSpPr>
+            <a:spLocks noGrp="1"/>
+          </p:cNvSpPr>
+          <p:nvPr>
+            <p:ph type="body" idx="1"/>
+          </p:nvPr>
+        </p:nvSpPr>
+        <p:spPr/>
+        <p:txBody>
+          <a:bodyPr/>
+          <a:lstStyle/>
+          <a:p>
+            <a:endParaRPr lang="en-US" dirty="0"/>
+          </a:p>
+        </p:txBody>
+      </p:sp>
+      <p:sp>
+        <p:nvSpPr>
+          <p:cNvPr id="4" name="Slide Number Placeholder 3"/>
+          <p:cNvSpPr>
+            <a:spLocks noGrp="1"/>
+          </p:cNvSpPr>
+          <p:nvPr>
+            <p:ph type="sldNum" sz="quarter" idx="5"/>
+          </p:nvPr>
+        </p:nvSpPr>
+        <p:spPr/>
+        <p:txBody>
+          <a:bodyPr/>
+          <a:lstStyle/>
+          <a:p>
+            <a:fld id="{4AF79E1B-2C51-4B9B-8EA4-26DE9E345AFF}" type="slidenum">
+              <a:rPr lang="en-US" smtClean="0"/>
+              <a:t>45</a:t>
+            </a:fld>
+            <a:endParaRPr lang="en-US"/>
+          </a:p>
+        </p:txBody>
+      </p:sp>
+    </p:spTree>
+    <p:extLst>
+      <p:ext uri="{BB962C8B-B14F-4D97-AF65-F5344CB8AC3E}">
+        <p14:creationId xmlns:p14="http://schemas.microsoft.com/office/powerpoint/2010/main" val="717166347"/>
+      </p:ext>
+    </p:extLst>
+  </p:cSld>
+  <p:clrMapOvr>
+    <a:masterClrMapping/>
+  </p:clrMapOvr>
+</p:notes>
+</file>
+
+<file path=ppt/notesSlides/notesSlide45.xml><?xml version="1.0" encoding="utf-8"?>
+<p:notes xmlns:a="http://schemas.openxmlformats.org/drawingml/2006/main" xmlns:r="http://schemas.openxmlformats.org/officeDocument/2006/relationships" xmlns:p="http://schemas.openxmlformats.org/presentationml/2006/main">
+  <p:cSld>
+    <p:spTree>
+      <p:nvGrpSpPr>
+        <p:cNvPr id="1" name=""/>
+        <p:cNvGrpSpPr/>
+        <p:nvPr/>
+      </p:nvGrpSpPr>
+      <p:grpSpPr>
+        <a:xfrm>
+          <a:off x="0" y="0"/>
+          <a:ext cx="0" cy="0"/>
+          <a:chOff x="0" y="0"/>
+          <a:chExt cx="0" cy="0"/>
+        </a:xfrm>
+      </p:grpSpPr>
+      <p:sp>
+        <p:nvSpPr>
+          <p:cNvPr id="2" name="Slide Image Placeholder 1"/>
+          <p:cNvSpPr>
+            <a:spLocks noGrp="1" noRot="1" noChangeAspect="1"/>
+          </p:cNvSpPr>
+          <p:nvPr>
+            <p:ph type="sldImg"/>
+          </p:nvPr>
+        </p:nvSpPr>
+        <p:spPr/>
+      </p:sp>
+      <p:sp>
+        <p:nvSpPr>
+          <p:cNvPr id="3" name="Notes Placeholder 2"/>
+          <p:cNvSpPr>
+            <a:spLocks noGrp="1"/>
+          </p:cNvSpPr>
+          <p:nvPr>
+            <p:ph type="body" idx="1"/>
+          </p:nvPr>
+        </p:nvSpPr>
+        <p:spPr/>
+        <p:txBody>
+          <a:bodyPr/>
+          <a:lstStyle/>
+          <a:p>
+            <a:r>
+              <a:rPr lang="en-US" dirty="0"/>
+              <a:t>Cut-points – rules for how to bin data in order to assign prediction (e.g., if we’re predicting expenses, at what age do expenses go down (2?) and then up again (50?). Once we’ve done that cut, what’s the next best way to cut – by sex (older men versus older women)? And so on.)</a:t>
+            </a:r>
+          </a:p>
+        </p:txBody>
+      </p:sp>
+      <p:sp>
+        <p:nvSpPr>
+          <p:cNvPr id="4" name="Slide Number Placeholder 3"/>
+          <p:cNvSpPr>
+            <a:spLocks noGrp="1"/>
+          </p:cNvSpPr>
+          <p:nvPr>
+            <p:ph type="sldNum" sz="quarter" idx="5"/>
+          </p:nvPr>
+        </p:nvSpPr>
+        <p:spPr/>
+        <p:txBody>
+          <a:bodyPr/>
+          <a:lstStyle/>
+          <a:p>
+            <a:fld id="{4AF79E1B-2C51-4B9B-8EA4-26DE9E345AFF}" type="slidenum">
+              <a:rPr lang="en-US" smtClean="0"/>
+              <a:t>46</a:t>
+            </a:fld>
+            <a:endParaRPr lang="en-US"/>
+          </a:p>
+        </p:txBody>
+      </p:sp>
+    </p:spTree>
+    <p:extLst>
+      <p:ext uri="{BB962C8B-B14F-4D97-AF65-F5344CB8AC3E}">
+        <p14:creationId xmlns:p14="http://schemas.microsoft.com/office/powerpoint/2010/main" val="2040611805"/>
+      </p:ext>
+    </p:extLst>
+  </p:cSld>
+  <p:clrMapOvr>
+    <a:masterClrMapping/>
+  </p:clrMapOvr>
+</p:notes>
+</file>
+
+<file path=ppt/notesSlides/notesSlide46.xml><?xml version="1.0" encoding="utf-8"?>
+<p:notes xmlns:a="http://schemas.openxmlformats.org/drawingml/2006/main" xmlns:r="http://schemas.openxmlformats.org/officeDocument/2006/relationships" xmlns:p="http://schemas.openxmlformats.org/presentationml/2006/main">
+  <p:cSld>
+    <p:spTree>
+      <p:nvGrpSpPr>
+        <p:cNvPr id="1" name=""/>
+        <p:cNvGrpSpPr/>
+        <p:nvPr/>
+      </p:nvGrpSpPr>
+      <p:grpSpPr>
+        <a:xfrm>
+          <a:off x="0" y="0"/>
+          <a:ext cx="0" cy="0"/>
+          <a:chOff x="0" y="0"/>
+          <a:chExt cx="0" cy="0"/>
+        </a:xfrm>
+      </p:grpSpPr>
+      <p:sp>
+        <p:nvSpPr>
+          <p:cNvPr id="2" name="Slide Image Placeholder 1"/>
+          <p:cNvSpPr>
+            <a:spLocks noGrp="1" noRot="1" noChangeAspect="1"/>
+          </p:cNvSpPr>
+          <p:nvPr>
+            <p:ph type="sldImg"/>
+          </p:nvPr>
+        </p:nvSpPr>
+        <p:spPr/>
+      </p:sp>
+      <p:sp>
+        <p:nvSpPr>
+          <p:cNvPr id="3" name="Notes Placeholder 2"/>
+          <p:cNvSpPr>
+            <a:spLocks noGrp="1"/>
+          </p:cNvSpPr>
+          <p:nvPr>
+            <p:ph type="body" idx="1"/>
+          </p:nvPr>
+        </p:nvSpPr>
+        <p:spPr/>
+        <p:txBody>
+          <a:bodyPr/>
+          <a:lstStyle/>
+          <a:p>
+            <a:r>
+              <a:rPr lang="en-US" dirty="0"/>
+              <a:t>Neurons are similar to trees</a:t>
+            </a:r>
+          </a:p>
+        </p:txBody>
+      </p:sp>
+      <p:sp>
+        <p:nvSpPr>
+          <p:cNvPr id="4" name="Slide Number Placeholder 3"/>
+          <p:cNvSpPr>
+            <a:spLocks noGrp="1"/>
+          </p:cNvSpPr>
+          <p:nvPr>
+            <p:ph type="sldNum" sz="quarter" idx="5"/>
+          </p:nvPr>
+        </p:nvSpPr>
+        <p:spPr/>
+        <p:txBody>
+          <a:bodyPr/>
+          <a:lstStyle/>
+          <a:p>
+            <a:fld id="{4AF79E1B-2C51-4B9B-8EA4-26DE9E345AFF}" type="slidenum">
+              <a:rPr lang="en-US" smtClean="0"/>
+              <a:t>47</a:t>
+            </a:fld>
+            <a:endParaRPr lang="en-US"/>
+          </a:p>
+        </p:txBody>
+      </p:sp>
+    </p:spTree>
+    <p:extLst>
+      <p:ext uri="{BB962C8B-B14F-4D97-AF65-F5344CB8AC3E}">
+        <p14:creationId xmlns:p14="http://schemas.microsoft.com/office/powerpoint/2010/main" val="817311110"/>
+      </p:ext>
+    </p:extLst>
+  </p:cSld>
+  <p:clrMapOvr>
+    <a:masterClrMapping/>
+  </p:clrMapOvr>
+</p:notes>
+</file>
+
+<file path=ppt/notesSlides/notesSlide47.xml><?xml version="1.0" encoding="utf-8"?>
+<p:notes xmlns:a="http://schemas.openxmlformats.org/drawingml/2006/main" xmlns:r="http://schemas.openxmlformats.org/officeDocument/2006/relationships" xmlns:p="http://schemas.openxmlformats.org/presentationml/2006/main">
+  <p:cSld>
+    <p:spTree>
+      <p:nvGrpSpPr>
+        <p:cNvPr id="1" name=""/>
+        <p:cNvGrpSpPr/>
+        <p:nvPr/>
+      </p:nvGrpSpPr>
+      <p:grpSpPr>
+        <a:xfrm>
+          <a:off x="0" y="0"/>
+          <a:ext cx="0" cy="0"/>
+          <a:chOff x="0" y="0"/>
+          <a:chExt cx="0" cy="0"/>
+        </a:xfrm>
+      </p:grpSpPr>
+      <p:sp>
+        <p:nvSpPr>
+          <p:cNvPr id="2" name="Slide Image Placeholder 1"/>
+          <p:cNvSpPr>
+            <a:spLocks noGrp="1" noRot="1" noChangeAspect="1"/>
+          </p:cNvSpPr>
+          <p:nvPr>
+            <p:ph type="sldImg"/>
+          </p:nvPr>
+        </p:nvSpPr>
+        <p:spPr/>
+      </p:sp>
+      <p:sp>
+        <p:nvSpPr>
+          <p:cNvPr id="3" name="Notes Placeholder 2"/>
+          <p:cNvSpPr>
+            <a:spLocks noGrp="1"/>
+          </p:cNvSpPr>
+          <p:nvPr>
+            <p:ph type="body" idx="1"/>
+          </p:nvPr>
+        </p:nvSpPr>
+        <p:spPr/>
+        <p:txBody>
+          <a:bodyPr/>
+          <a:lstStyle/>
+          <a:p>
             <a:pPr marL="0" marR="0" lvl="0" indent="0" algn="l" defTabSz="914400" rtl="0" eaLnBrk="1" fontAlgn="auto" latinLnBrk="0" hangingPunct="1">
               <a:lnSpc>
                 <a:spcPct val="100000"/>
@@ -3908,7 +4483,7 @@
           <a:p>
             <a:fld id="{4AF79E1B-2C51-4B9B-8EA4-26DE9E345AFF}" type="slidenum">
               <a:rPr lang="en-US" smtClean="0"/>
-              <a:t>43</a:t>
+              <a:t>48</a:t>
             </a:fld>
             <a:endParaRPr lang="en-US"/>
           </a:p>
@@ -4543,7 +5118,7 @@
             <a:fld id="{0972D05C-DCFB-4BB6-B49C-AC126BF3ED2C}" type="datetimeFigureOut">
               <a:rPr lang="en-US" smtClean="0"/>
               <a:pPr/>
-              <a:t>10/12/2022</a:t>
+              <a:t>11/7/2022</a:t>
             </a:fld>
             <a:endParaRPr lang="en-US"/>
           </a:p>
@@ -4773,7 +5348,7 @@
             <a:fld id="{0972D05C-DCFB-4BB6-B49C-AC126BF3ED2C}" type="datetimeFigureOut">
               <a:rPr lang="en-US" smtClean="0"/>
               <a:pPr/>
-              <a:t>10/12/2022</a:t>
+              <a:t>11/7/2022</a:t>
             </a:fld>
             <a:endParaRPr lang="en-US"/>
           </a:p>
@@ -4955,7 +5530,7 @@
             <a:fld id="{0972D05C-DCFB-4BB6-B49C-AC126BF3ED2C}" type="datetimeFigureOut">
               <a:rPr lang="en-US" smtClean="0"/>
               <a:pPr/>
-              <a:t>10/12/2022</a:t>
+              <a:t>11/7/2022</a:t>
             </a:fld>
             <a:endParaRPr lang="en-US"/>
           </a:p>
@@ -5127,7 +5702,7 @@
             <a:fld id="{0972D05C-DCFB-4BB6-B49C-AC126BF3ED2C}" type="datetimeFigureOut">
               <a:rPr lang="en-US" smtClean="0"/>
               <a:pPr/>
-              <a:t>10/12/2022</a:t>
+              <a:t>11/7/2022</a:t>
             </a:fld>
             <a:endParaRPr lang="en-US"/>
           </a:p>
@@ -5383,7 +5958,7 @@
             <a:fld id="{0972D05C-DCFB-4BB6-B49C-AC126BF3ED2C}" type="datetimeFigureOut">
               <a:rPr lang="en-US" smtClean="0"/>
               <a:pPr/>
-              <a:t>10/12/2022</a:t>
+              <a:t>11/7/2022</a:t>
             </a:fld>
             <a:endParaRPr lang="en-US"/>
           </a:p>
@@ -5711,7 +6286,7 @@
             <a:fld id="{0972D05C-DCFB-4BB6-B49C-AC126BF3ED2C}" type="datetimeFigureOut">
               <a:rPr lang="en-US" smtClean="0"/>
               <a:pPr/>
-              <a:t>10/12/2022</a:t>
+              <a:t>11/7/2022</a:t>
             </a:fld>
             <a:endParaRPr lang="en-US"/>
           </a:p>
@@ -6164,7 +6739,7 @@
             <a:fld id="{0972D05C-DCFB-4BB6-B49C-AC126BF3ED2C}" type="datetimeFigureOut">
               <a:rPr lang="en-US" smtClean="0"/>
               <a:pPr/>
-              <a:t>10/12/2022</a:t>
+              <a:t>11/7/2022</a:t>
             </a:fld>
             <a:endParaRPr lang="en-US"/>
           </a:p>
@@ -6284,7 +6859,7 @@
             <a:fld id="{0972D05C-DCFB-4BB6-B49C-AC126BF3ED2C}" type="datetimeFigureOut">
               <a:rPr lang="en-US" smtClean="0"/>
               <a:pPr/>
-              <a:t>10/12/2022</a:t>
+              <a:t>11/7/2022</a:t>
             </a:fld>
             <a:endParaRPr lang="en-US"/>
           </a:p>
@@ -6381,7 +6956,7 @@
             <a:fld id="{0972D05C-DCFB-4BB6-B49C-AC126BF3ED2C}" type="datetimeFigureOut">
               <a:rPr lang="en-US" smtClean="0"/>
               <a:pPr/>
-              <a:t>10/12/2022</a:t>
+              <a:t>11/7/2022</a:t>
             </a:fld>
             <a:endParaRPr lang="en-US"/>
           </a:p>
@@ -6670,7 +7245,7 @@
             <a:fld id="{0972D05C-DCFB-4BB6-B49C-AC126BF3ED2C}" type="datetimeFigureOut">
               <a:rPr lang="en-US" smtClean="0"/>
               <a:pPr/>
-              <a:t>10/12/2022</a:t>
+              <a:t>11/7/2022</a:t>
             </a:fld>
             <a:endParaRPr lang="en-US"/>
           </a:p>
@@ -6994,7 +7569,7 @@
             <a:fld id="{0972D05C-DCFB-4BB6-B49C-AC126BF3ED2C}" type="datetimeFigureOut">
               <a:rPr lang="en-US" smtClean="0"/>
               <a:pPr/>
-              <a:t>10/12/2022</a:t>
+              <a:t>11/7/2022</a:t>
             </a:fld>
             <a:endParaRPr lang="en-US"/>
           </a:p>
@@ -7249,7 +7824,7 @@
             <a:fld id="{0972D05C-DCFB-4BB6-B49C-AC126BF3ED2C}" type="datetimeFigureOut">
               <a:rPr lang="en-US" smtClean="0"/>
               <a:pPr/>
-              <a:t>10/12/2022</a:t>
+              <a:t>11/7/2022</a:t>
             </a:fld>
             <a:endParaRPr lang="en-US" dirty="0"/>
           </a:p>
@@ -11093,19 +11668,7 @@
               <a:rPr lang="en-US" sz="3600" dirty="0">
                 <a:cs typeface="Times New Roman" panose="02020603050405020304" pitchFamily="18" charset="0"/>
               </a:rPr>
-              <a:t>How can we </a:t>
-            </a:r>
-            <a:r>
-              <a:rPr lang="en-US" sz="3600" b="1" dirty="0">
-                <a:cs typeface="Times New Roman" panose="02020603050405020304" pitchFamily="18" charset="0"/>
-              </a:rPr>
-              <a:t>measure </a:t>
-            </a:r>
-            <a:r>
-              <a:rPr lang="en-US" sz="3600" dirty="0">
-                <a:cs typeface="Times New Roman" panose="02020603050405020304" pitchFamily="18" charset="0"/>
-              </a:rPr>
-              <a:t>heterogeneous treatment effects?</a:t>
+              <a:t>When can the average treatment effect be misleading?</a:t>
             </a:r>
             <a:endParaRPr lang="en-US" sz="3600" dirty="0">
               <a:latin typeface="Times New Roman" panose="02020603050405020304" pitchFamily="18" charset="0"/>
@@ -11114,89 +11677,110 @@
           </a:p>
         </p:txBody>
       </p:sp>
-      <p:sp>
-        <p:nvSpPr>
-          <p:cNvPr id="3" name="Content Placeholder 2"/>
-          <p:cNvSpPr>
-            <a:spLocks noGrp="1"/>
-          </p:cNvSpPr>
-          <p:nvPr>
-            <p:ph idx="1"/>
-          </p:nvPr>
-        </p:nvSpPr>
-        <p:spPr>
-          <a:xfrm>
-            <a:off x="1219199" y="1066801"/>
-            <a:ext cx="9405791" cy="5141388"/>
-          </a:xfrm>
-        </p:spPr>
-        <p:txBody>
-          <a:bodyPr>
-            <a:noAutofit/>
-          </a:bodyPr>
-          <a:lstStyle/>
-          <a:p>
-            <a:pPr marL="0" indent="0">
-              <a:buNone/>
-            </a:pPr>
-            <a:r>
-              <a:rPr lang="en-US" sz="2400" dirty="0">
-                <a:solidFill>
-                  <a:srgbClr val="222222"/>
-                </a:solidFill>
-                <a:cs typeface="Times New Roman" panose="02020603050405020304" pitchFamily="18" charset="0"/>
-              </a:rPr>
-              <a:t>We frequently work with </a:t>
-            </a:r>
-            <a:r>
-              <a:rPr lang="en-US" sz="2400" b="1" dirty="0">
-                <a:solidFill>
-                  <a:srgbClr val="222222"/>
-                </a:solidFill>
-                <a:cs typeface="Times New Roman" panose="02020603050405020304" pitchFamily="18" charset="0"/>
-              </a:rPr>
-              <a:t>very skewed distributions </a:t>
-            </a:r>
-            <a:r>
-              <a:rPr lang="en-US" sz="2400" dirty="0">
-                <a:solidFill>
-                  <a:srgbClr val="222222"/>
-                </a:solidFill>
-                <a:cs typeface="Times New Roman" panose="02020603050405020304" pitchFamily="18" charset="0"/>
-              </a:rPr>
-              <a:t>in our data</a:t>
-            </a:r>
-          </a:p>
-          <a:p>
-            <a:r>
-              <a:rPr lang="en-US" sz="2400" dirty="0">
-                <a:solidFill>
-                  <a:srgbClr val="222222"/>
-                </a:solidFill>
-                <a:cs typeface="Times New Roman" panose="02020603050405020304" pitchFamily="18" charset="0"/>
-              </a:rPr>
-              <a:t>How does this affect our econometrics? </a:t>
-            </a:r>
-          </a:p>
-          <a:p>
-            <a:r>
-              <a:rPr lang="en-US" sz="2400" dirty="0">
-                <a:solidFill>
-                  <a:srgbClr val="222222"/>
-                </a:solidFill>
-                <a:cs typeface="Times New Roman" panose="02020603050405020304" pitchFamily="18" charset="0"/>
-              </a:rPr>
-              <a:t>How does this affect our policy? </a:t>
-            </a:r>
-          </a:p>
-        </p:txBody>
-      </p:sp>
+      <mc:AlternateContent xmlns:mc="http://schemas.openxmlformats.org/markup-compatibility/2006">
+        <mc:Choice xmlns:a14="http://schemas.microsoft.com/office/drawing/2010/main" Requires="a14">
+          <p:sp>
+            <p:nvSpPr>
+              <p:cNvPr id="3" name="Content Placeholder 2"/>
+              <p:cNvSpPr>
+                <a:spLocks noGrp="1"/>
+              </p:cNvSpPr>
+              <p:nvPr>
+                <p:ph idx="1"/>
+              </p:nvPr>
+            </p:nvSpPr>
+            <p:spPr>
+              <a:xfrm>
+                <a:off x="762001" y="1066801"/>
+                <a:ext cx="9862990" cy="5141388"/>
+              </a:xfrm>
+            </p:spPr>
+            <p:txBody>
+              <a:bodyPr>
+                <a:noAutofit/>
+              </a:bodyPr>
+              <a:lstStyle/>
+              <a:p>
+                <a:r>
+                  <a:rPr lang="en-US" sz="2400" dirty="0">
+                    <a:solidFill>
+                      <a:srgbClr val="222222"/>
+                    </a:solidFill>
+                    <a:cs typeface="Times New Roman" panose="02020603050405020304" pitchFamily="18" charset="0"/>
+                  </a:rPr>
+                  <a:t>Does a single </a:t>
+                </a:r>
+                <a14:m>
+                  <m:oMath xmlns:m="http://schemas.openxmlformats.org/officeDocument/2006/math">
+                    <m:r>
+                      <a:rPr lang="en-CA" sz="2400" b="0" i="1" smtClean="0">
+                        <a:solidFill>
+                          <a:srgbClr val="222222"/>
+                        </a:solidFill>
+                        <a:latin typeface="Cambria Math" panose="02040503050406030204" pitchFamily="18" charset="0"/>
+                        <a:cs typeface="Times New Roman" panose="02020603050405020304" pitchFamily="18" charset="0"/>
+                      </a:rPr>
+                      <m:t>𝛿</m:t>
+                    </m:r>
+                  </m:oMath>
+                </a14:m>
+                <a:r>
+                  <a:rPr lang="en-US" sz="2400" dirty="0">
+                    <a:solidFill>
+                      <a:srgbClr val="222222"/>
+                    </a:solidFill>
+                    <a:cs typeface="Times New Roman" panose="02020603050405020304" pitchFamily="18" charset="0"/>
+                  </a:rPr>
+                  <a:t> work for a full distribution? </a:t>
+                </a:r>
+              </a:p>
+            </p:txBody>
+          </p:sp>
+        </mc:Choice>
+        <mc:Fallback>
+          <p:sp>
+            <p:nvSpPr>
+              <p:cNvPr id="3" name="Content Placeholder 2"/>
+              <p:cNvSpPr>
+                <a:spLocks noGrp="1" noRot="1" noChangeAspect="1" noMove="1" noResize="1" noEditPoints="1" noAdjustHandles="1" noChangeArrowheads="1" noChangeShapeType="1" noTextEdit="1"/>
+              </p:cNvSpPr>
+              <p:nvPr>
+                <p:ph idx="1"/>
+              </p:nvPr>
+            </p:nvSpPr>
+            <p:spPr>
+              <a:xfrm>
+                <a:off x="762001" y="1066801"/>
+                <a:ext cx="9862990" cy="5141388"/>
+              </a:xfrm>
+              <a:blipFill>
+                <a:blip r:embed="rId3"/>
+                <a:stretch>
+                  <a:fillRect l="-433" t="-1305"/>
+                </a:stretch>
+              </a:blipFill>
+            </p:spPr>
+            <p:txBody>
+              <a:bodyPr/>
+              <a:lstStyle/>
+              <a:p>
+                <a:r>
+                  <a:rPr lang="en-CA">
+                    <a:noFill/>
+                  </a:rPr>
+                  <a:t> </a:t>
+                </a:r>
+              </a:p>
+            </p:txBody>
+          </p:sp>
+        </mc:Fallback>
+      </mc:AlternateContent>
       <p:pic>
         <p:nvPicPr>
-          <p:cNvPr id="5" name="Picture 4">
+          <p:cNvPr id="6" name="Picture 5">
             <a:extLst>
               <a:ext uri="{FF2B5EF4-FFF2-40B4-BE49-F238E27FC236}">
-                <a16:creationId xmlns:a16="http://schemas.microsoft.com/office/drawing/2014/main" id="{C0FCE4F7-48AB-B9DB-BF8E-853124F7E01D}"/>
+                <a16:creationId xmlns:a16="http://schemas.microsoft.com/office/drawing/2014/main" id="{AD6950F9-214A-83EA-38F3-6B95BD3C5195}"/>
               </a:ext>
             </a:extLst>
           </p:cNvPr>
@@ -11206,15 +11790,15 @@
           <p:nvPr/>
         </p:nvPicPr>
         <p:blipFill>
-          <a:blip r:embed="rId3"/>
+          <a:blip r:embed="rId4"/>
           <a:stretch>
             <a:fillRect/>
           </a:stretch>
         </p:blipFill>
         <p:spPr>
           <a:xfrm>
-            <a:off x="1229809" y="1537752"/>
-            <a:ext cx="8229600" cy="4742779"/>
+            <a:off x="914400" y="1600200"/>
+            <a:ext cx="7830643" cy="3324689"/>
           </a:xfrm>
           <a:prstGeom prst="rect">
             <a:avLst/>
@@ -11277,6 +11861,1189 @@
               <a:rPr lang="en-US" sz="3600" dirty="0">
                 <a:cs typeface="Times New Roman" panose="02020603050405020304" pitchFamily="18" charset="0"/>
               </a:rPr>
+              <a:t>When can the average treatment effect be misleading?</a:t>
+            </a:r>
+            <a:endParaRPr lang="en-US" sz="3600" dirty="0">
+              <a:latin typeface="Times New Roman" panose="02020603050405020304" pitchFamily="18" charset="0"/>
+              <a:cs typeface="Times New Roman" panose="02020603050405020304" pitchFamily="18" charset="0"/>
+            </a:endParaRPr>
+          </a:p>
+        </p:txBody>
+      </p:sp>
+      <mc:AlternateContent xmlns:mc="http://schemas.openxmlformats.org/markup-compatibility/2006">
+        <mc:Choice xmlns:a14="http://schemas.microsoft.com/office/drawing/2010/main" Requires="a14">
+          <p:sp>
+            <p:nvSpPr>
+              <p:cNvPr id="3" name="Content Placeholder 2"/>
+              <p:cNvSpPr>
+                <a:spLocks noGrp="1"/>
+              </p:cNvSpPr>
+              <p:nvPr>
+                <p:ph idx="1"/>
+              </p:nvPr>
+            </p:nvSpPr>
+            <p:spPr>
+              <a:xfrm>
+                <a:off x="762001" y="1066801"/>
+                <a:ext cx="9862990" cy="5141388"/>
+              </a:xfrm>
+            </p:spPr>
+            <p:txBody>
+              <a:bodyPr>
+                <a:noAutofit/>
+              </a:bodyPr>
+              <a:lstStyle/>
+              <a:p>
+                <a:r>
+                  <a:rPr lang="en-US" sz="2400" dirty="0">
+                    <a:solidFill>
+                      <a:srgbClr val="222222"/>
+                    </a:solidFill>
+                    <a:cs typeface="Times New Roman" panose="02020603050405020304" pitchFamily="18" charset="0"/>
+                  </a:rPr>
+                  <a:t>Does a single </a:t>
+                </a:r>
+                <a14:m>
+                  <m:oMath xmlns:m="http://schemas.openxmlformats.org/officeDocument/2006/math">
+                    <m:r>
+                      <a:rPr lang="en-CA" sz="2400" b="0" i="1" smtClean="0">
+                        <a:solidFill>
+                          <a:srgbClr val="222222"/>
+                        </a:solidFill>
+                        <a:latin typeface="Cambria Math" panose="02040503050406030204" pitchFamily="18" charset="0"/>
+                        <a:cs typeface="Times New Roman" panose="02020603050405020304" pitchFamily="18" charset="0"/>
+                      </a:rPr>
+                      <m:t>𝛿</m:t>
+                    </m:r>
+                  </m:oMath>
+                </a14:m>
+                <a:r>
+                  <a:rPr lang="en-US" sz="2400" dirty="0">
+                    <a:solidFill>
+                      <a:srgbClr val="222222"/>
+                    </a:solidFill>
+                    <a:cs typeface="Times New Roman" panose="02020603050405020304" pitchFamily="18" charset="0"/>
+                  </a:rPr>
+                  <a:t> work for a full distribution? </a:t>
+                </a:r>
+              </a:p>
+            </p:txBody>
+          </p:sp>
+        </mc:Choice>
+        <mc:Fallback>
+          <p:sp>
+            <p:nvSpPr>
+              <p:cNvPr id="3" name="Content Placeholder 2"/>
+              <p:cNvSpPr>
+                <a:spLocks noGrp="1" noRot="1" noChangeAspect="1" noMove="1" noResize="1" noEditPoints="1" noAdjustHandles="1" noChangeArrowheads="1" noChangeShapeType="1" noTextEdit="1"/>
+              </p:cNvSpPr>
+              <p:nvPr>
+                <p:ph idx="1"/>
+              </p:nvPr>
+            </p:nvSpPr>
+            <p:spPr>
+              <a:xfrm>
+                <a:off x="762001" y="1066801"/>
+                <a:ext cx="9862990" cy="5141388"/>
+              </a:xfrm>
+              <a:blipFill>
+                <a:blip r:embed="rId3"/>
+                <a:stretch>
+                  <a:fillRect l="-433" t="-1305"/>
+                </a:stretch>
+              </a:blipFill>
+            </p:spPr>
+            <p:txBody>
+              <a:bodyPr/>
+              <a:lstStyle/>
+              <a:p>
+                <a:r>
+                  <a:rPr lang="en-CA">
+                    <a:noFill/>
+                  </a:rPr>
+                  <a:t> </a:t>
+                </a:r>
+              </a:p>
+            </p:txBody>
+          </p:sp>
+        </mc:Fallback>
+      </mc:AlternateContent>
+      <p:pic>
+        <p:nvPicPr>
+          <p:cNvPr id="5" name="Picture 4">
+            <a:extLst>
+              <a:ext uri="{FF2B5EF4-FFF2-40B4-BE49-F238E27FC236}">
+                <a16:creationId xmlns:a16="http://schemas.microsoft.com/office/drawing/2014/main" id="{327F74FA-FD99-EE9B-C67F-FFD4D4AEA58E}"/>
+              </a:ext>
+            </a:extLst>
+          </p:cNvPr>
+          <p:cNvPicPr>
+            <a:picLocks noChangeAspect="1"/>
+          </p:cNvPicPr>
+          <p:nvPr/>
+        </p:nvPicPr>
+        <p:blipFill>
+          <a:blip r:embed="rId4"/>
+          <a:stretch>
+            <a:fillRect/>
+          </a:stretch>
+        </p:blipFill>
+        <p:spPr>
+          <a:xfrm>
+            <a:off x="731521" y="1676400"/>
+            <a:ext cx="10385777" cy="3048000"/>
+          </a:xfrm>
+          <a:prstGeom prst="rect">
+            <a:avLst/>
+          </a:prstGeom>
+        </p:spPr>
+      </p:pic>
+      <mc:AlternateContent xmlns:mc="http://schemas.openxmlformats.org/markup-compatibility/2006">
+        <mc:Choice xmlns:p14="http://schemas.microsoft.com/office/powerpoint/2010/main" Requires="p14">
+          <p:contentPart p14:bwMode="auto" r:id="rId5">
+            <p14:nvContentPartPr>
+              <p14:cNvPr id="8" name="Ink 7">
+                <a:extLst>
+                  <a:ext uri="{FF2B5EF4-FFF2-40B4-BE49-F238E27FC236}">
+                    <a16:creationId xmlns:a16="http://schemas.microsoft.com/office/drawing/2014/main" id="{D5D1A2D7-20CE-80D4-7509-A7565A0E07E1}"/>
+                  </a:ext>
+                </a:extLst>
+              </p14:cNvPr>
+              <p14:cNvContentPartPr/>
+              <p14:nvPr/>
+            </p14:nvContentPartPr>
+            <p14:xfrm>
+              <a:off x="963606" y="2247992"/>
+              <a:ext cx="824040" cy="27360"/>
+            </p14:xfrm>
+          </p:contentPart>
+        </mc:Choice>
+        <mc:Fallback>
+          <p:pic>
+            <p:nvPicPr>
+              <p:cNvPr id="8" name="Ink 7">
+                <a:extLst>
+                  <a:ext uri="{FF2B5EF4-FFF2-40B4-BE49-F238E27FC236}">
+                    <a16:creationId xmlns:a16="http://schemas.microsoft.com/office/drawing/2014/main" id="{D5D1A2D7-20CE-80D4-7509-A7565A0E07E1}"/>
+                  </a:ext>
+                </a:extLst>
+              </p:cNvPr>
+              <p:cNvPicPr/>
+              <p:nvPr/>
+            </p:nvPicPr>
+            <p:blipFill>
+              <a:blip r:embed="rId6"/>
+              <a:stretch>
+                <a:fillRect/>
+              </a:stretch>
+            </p:blipFill>
+            <p:spPr>
+              <a:xfrm>
+                <a:off x="909966" y="2140352"/>
+                <a:ext cx="931680" cy="243000"/>
+              </a:xfrm>
+              <a:prstGeom prst="rect">
+                <a:avLst/>
+              </a:prstGeom>
+            </p:spPr>
+          </p:pic>
+        </mc:Fallback>
+      </mc:AlternateContent>
+      <mc:AlternateContent xmlns:mc="http://schemas.openxmlformats.org/markup-compatibility/2006">
+        <mc:Choice xmlns:p14="http://schemas.microsoft.com/office/powerpoint/2010/main" Requires="p14">
+          <p:contentPart p14:bwMode="auto" r:id="rId7">
+            <p14:nvContentPartPr>
+              <p14:cNvPr id="9" name="Ink 8">
+                <a:extLst>
+                  <a:ext uri="{FF2B5EF4-FFF2-40B4-BE49-F238E27FC236}">
+                    <a16:creationId xmlns:a16="http://schemas.microsoft.com/office/drawing/2014/main" id="{B089058A-FACC-8738-CE7B-3F18472DE0F9}"/>
+                  </a:ext>
+                </a:extLst>
+              </p14:cNvPr>
+              <p14:cNvContentPartPr/>
+              <p14:nvPr/>
+            </p14:nvContentPartPr>
+            <p14:xfrm>
+              <a:off x="8806566" y="2102912"/>
+              <a:ext cx="754920" cy="117000"/>
+            </p14:xfrm>
+          </p:contentPart>
+        </mc:Choice>
+        <mc:Fallback>
+          <p:pic>
+            <p:nvPicPr>
+              <p:cNvPr id="9" name="Ink 8">
+                <a:extLst>
+                  <a:ext uri="{FF2B5EF4-FFF2-40B4-BE49-F238E27FC236}">
+                    <a16:creationId xmlns:a16="http://schemas.microsoft.com/office/drawing/2014/main" id="{B089058A-FACC-8738-CE7B-3F18472DE0F9}"/>
+                  </a:ext>
+                </a:extLst>
+              </p:cNvPr>
+              <p:cNvPicPr/>
+              <p:nvPr/>
+            </p:nvPicPr>
+            <p:blipFill>
+              <a:blip r:embed="rId8"/>
+              <a:stretch>
+                <a:fillRect/>
+              </a:stretch>
+            </p:blipFill>
+            <p:spPr>
+              <a:xfrm>
+                <a:off x="8752926" y="1994912"/>
+                <a:ext cx="862560" cy="332640"/>
+              </a:xfrm>
+              <a:prstGeom prst="rect">
+                <a:avLst/>
+              </a:prstGeom>
+            </p:spPr>
+          </p:pic>
+        </mc:Fallback>
+      </mc:AlternateContent>
+      <mc:AlternateContent xmlns:mc="http://schemas.openxmlformats.org/markup-compatibility/2006">
+        <mc:Choice xmlns:p14="http://schemas.microsoft.com/office/powerpoint/2010/main" Requires="p14">
+          <p:contentPart p14:bwMode="auto" r:id="rId9">
+            <p14:nvContentPartPr>
+              <p14:cNvPr id="10" name="Ink 9">
+                <a:extLst>
+                  <a:ext uri="{FF2B5EF4-FFF2-40B4-BE49-F238E27FC236}">
+                    <a16:creationId xmlns:a16="http://schemas.microsoft.com/office/drawing/2014/main" id="{755E3557-320A-59CB-7F50-FA14A1B7B674}"/>
+                  </a:ext>
+                </a:extLst>
+              </p14:cNvPr>
+              <p14:cNvContentPartPr/>
+              <p14:nvPr/>
+            </p14:nvContentPartPr>
+            <p14:xfrm>
+              <a:off x="4379646" y="3905432"/>
+              <a:ext cx="4404240" cy="115560"/>
+            </p14:xfrm>
+          </p:contentPart>
+        </mc:Choice>
+        <mc:Fallback>
+          <p:pic>
+            <p:nvPicPr>
+              <p:cNvPr id="10" name="Ink 9">
+                <a:extLst>
+                  <a:ext uri="{FF2B5EF4-FFF2-40B4-BE49-F238E27FC236}">
+                    <a16:creationId xmlns:a16="http://schemas.microsoft.com/office/drawing/2014/main" id="{755E3557-320A-59CB-7F50-FA14A1B7B674}"/>
+                  </a:ext>
+                </a:extLst>
+              </p:cNvPr>
+              <p:cNvPicPr/>
+              <p:nvPr/>
+            </p:nvPicPr>
+            <p:blipFill>
+              <a:blip r:embed="rId10"/>
+              <a:stretch>
+                <a:fillRect/>
+              </a:stretch>
+            </p:blipFill>
+            <p:spPr>
+              <a:xfrm>
+                <a:off x="4325646" y="3797792"/>
+                <a:ext cx="4511880" cy="331200"/>
+              </a:xfrm>
+              <a:prstGeom prst="rect">
+                <a:avLst/>
+              </a:prstGeom>
+            </p:spPr>
+          </p:pic>
+        </mc:Fallback>
+      </mc:AlternateContent>
+      <mc:AlternateContent xmlns:mc="http://schemas.openxmlformats.org/markup-compatibility/2006">
+        <mc:Choice xmlns:p14="http://schemas.microsoft.com/office/powerpoint/2010/main" Requires="p14">
+          <p:contentPart p14:bwMode="auto" r:id="rId11">
+            <p14:nvContentPartPr>
+              <p14:cNvPr id="11" name="Ink 10">
+                <a:extLst>
+                  <a:ext uri="{FF2B5EF4-FFF2-40B4-BE49-F238E27FC236}">
+                    <a16:creationId xmlns:a16="http://schemas.microsoft.com/office/drawing/2014/main" id="{4F0821AF-5948-4C93-7A7C-FFAA3FDA38A0}"/>
+                  </a:ext>
+                </a:extLst>
+              </p14:cNvPr>
+              <p14:cNvContentPartPr/>
+              <p14:nvPr/>
+            </p14:nvContentPartPr>
+            <p14:xfrm>
+              <a:off x="2417286" y="3112712"/>
+              <a:ext cx="3106440" cy="35640"/>
+            </p14:xfrm>
+          </p:contentPart>
+        </mc:Choice>
+        <mc:Fallback>
+          <p:pic>
+            <p:nvPicPr>
+              <p:cNvPr id="11" name="Ink 10">
+                <a:extLst>
+                  <a:ext uri="{FF2B5EF4-FFF2-40B4-BE49-F238E27FC236}">
+                    <a16:creationId xmlns:a16="http://schemas.microsoft.com/office/drawing/2014/main" id="{4F0821AF-5948-4C93-7A7C-FFAA3FDA38A0}"/>
+                  </a:ext>
+                </a:extLst>
+              </p:cNvPr>
+              <p:cNvPicPr/>
+              <p:nvPr/>
+            </p:nvPicPr>
+            <p:blipFill>
+              <a:blip r:embed="rId12"/>
+              <a:stretch>
+                <a:fillRect/>
+              </a:stretch>
+            </p:blipFill>
+            <p:spPr>
+              <a:xfrm>
+                <a:off x="2363286" y="3005072"/>
+                <a:ext cx="3214080" cy="251280"/>
+              </a:xfrm>
+              <a:prstGeom prst="rect">
+                <a:avLst/>
+              </a:prstGeom>
+            </p:spPr>
+          </p:pic>
+        </mc:Fallback>
+      </mc:AlternateContent>
+    </p:spTree>
+    <p:extLst>
+      <p:ext uri="{BB962C8B-B14F-4D97-AF65-F5344CB8AC3E}">
+        <p14:creationId xmlns:p14="http://schemas.microsoft.com/office/powerpoint/2010/main" val="819904959"/>
+      </p:ext>
+    </p:extLst>
+  </p:cSld>
+  <p:clrMapOvr>
+    <a:masterClrMapping/>
+  </p:clrMapOvr>
+</p:sld>
+</file>
+
+<file path=ppt/slides/slide27.xml><?xml version="1.0" encoding="utf-8"?>
+<p:sld xmlns:a="http://schemas.openxmlformats.org/drawingml/2006/main" xmlns:r="http://schemas.openxmlformats.org/officeDocument/2006/relationships" xmlns:p="http://schemas.openxmlformats.org/presentationml/2006/main">
+  <p:cSld>
+    <p:spTree>
+      <p:nvGrpSpPr>
+        <p:cNvPr id="1" name=""/>
+        <p:cNvGrpSpPr/>
+        <p:nvPr/>
+      </p:nvGrpSpPr>
+      <p:grpSpPr>
+        <a:xfrm>
+          <a:off x="0" y="0"/>
+          <a:ext cx="0" cy="0"/>
+          <a:chOff x="0" y="0"/>
+          <a:chExt cx="0" cy="0"/>
+        </a:xfrm>
+      </p:grpSpPr>
+      <p:sp>
+        <p:nvSpPr>
+          <p:cNvPr id="2" name="Title 1"/>
+          <p:cNvSpPr>
+            <a:spLocks noGrp="1"/>
+          </p:cNvSpPr>
+          <p:nvPr>
+            <p:ph type="title"/>
+          </p:nvPr>
+        </p:nvSpPr>
+        <p:spPr>
+          <a:xfrm>
+            <a:off x="609600" y="337392"/>
+            <a:ext cx="10439400" cy="624840"/>
+          </a:xfrm>
+        </p:spPr>
+        <p:txBody>
+          <a:bodyPr>
+            <a:noAutofit/>
+          </a:bodyPr>
+          <a:lstStyle/>
+          <a:p>
+            <a:r>
+              <a:rPr lang="en-US" sz="3600" dirty="0">
+                <a:cs typeface="Times New Roman" panose="02020603050405020304" pitchFamily="18" charset="0"/>
+              </a:rPr>
+              <a:t>When can the average treatment effect be misleading?</a:t>
+            </a:r>
+            <a:endParaRPr lang="en-US" sz="3600" dirty="0">
+              <a:latin typeface="Times New Roman" panose="02020603050405020304" pitchFamily="18" charset="0"/>
+              <a:cs typeface="Times New Roman" panose="02020603050405020304" pitchFamily="18" charset="0"/>
+            </a:endParaRPr>
+          </a:p>
+        </p:txBody>
+      </p:sp>
+      <mc:AlternateContent xmlns:mc="http://schemas.openxmlformats.org/markup-compatibility/2006">
+        <mc:Choice xmlns:a14="http://schemas.microsoft.com/office/drawing/2010/main" Requires="a14">
+          <p:sp>
+            <p:nvSpPr>
+              <p:cNvPr id="3" name="Content Placeholder 2"/>
+              <p:cNvSpPr>
+                <a:spLocks noGrp="1"/>
+              </p:cNvSpPr>
+              <p:nvPr>
+                <p:ph idx="1"/>
+              </p:nvPr>
+            </p:nvSpPr>
+            <p:spPr>
+              <a:xfrm>
+                <a:off x="762001" y="1066801"/>
+                <a:ext cx="9862990" cy="5141388"/>
+              </a:xfrm>
+            </p:spPr>
+            <p:txBody>
+              <a:bodyPr>
+                <a:noAutofit/>
+              </a:bodyPr>
+              <a:lstStyle/>
+              <a:p>
+                <a:r>
+                  <a:rPr lang="en-US" sz="2400" dirty="0">
+                    <a:solidFill>
+                      <a:srgbClr val="222222"/>
+                    </a:solidFill>
+                    <a:cs typeface="Times New Roman" panose="02020603050405020304" pitchFamily="18" charset="0"/>
+                  </a:rPr>
+                  <a:t>Does a single </a:t>
+                </a:r>
+                <a14:m>
+                  <m:oMath xmlns:m="http://schemas.openxmlformats.org/officeDocument/2006/math">
+                    <m:r>
+                      <a:rPr lang="en-CA" sz="2400" b="0" i="1" smtClean="0">
+                        <a:solidFill>
+                          <a:srgbClr val="222222"/>
+                        </a:solidFill>
+                        <a:latin typeface="Cambria Math" panose="02040503050406030204" pitchFamily="18" charset="0"/>
+                        <a:cs typeface="Times New Roman" panose="02020603050405020304" pitchFamily="18" charset="0"/>
+                      </a:rPr>
+                      <m:t>𝛿</m:t>
+                    </m:r>
+                  </m:oMath>
+                </a14:m>
+                <a:r>
+                  <a:rPr lang="en-US" sz="2400" dirty="0">
+                    <a:solidFill>
+                      <a:srgbClr val="222222"/>
+                    </a:solidFill>
+                    <a:cs typeface="Times New Roman" panose="02020603050405020304" pitchFamily="18" charset="0"/>
+                  </a:rPr>
+                  <a:t> work for a full distribution? </a:t>
+                </a:r>
+              </a:p>
+            </p:txBody>
+          </p:sp>
+        </mc:Choice>
+        <mc:Fallback>
+          <p:sp>
+            <p:nvSpPr>
+              <p:cNvPr id="3" name="Content Placeholder 2"/>
+              <p:cNvSpPr>
+                <a:spLocks noGrp="1" noRot="1" noChangeAspect="1" noMove="1" noResize="1" noEditPoints="1" noAdjustHandles="1" noChangeArrowheads="1" noChangeShapeType="1" noTextEdit="1"/>
+              </p:cNvSpPr>
+              <p:nvPr>
+                <p:ph idx="1"/>
+              </p:nvPr>
+            </p:nvSpPr>
+            <p:spPr>
+              <a:xfrm>
+                <a:off x="762001" y="1066801"/>
+                <a:ext cx="9862990" cy="5141388"/>
+              </a:xfrm>
+              <a:blipFill>
+                <a:blip r:embed="rId3"/>
+                <a:stretch>
+                  <a:fillRect l="-433" t="-1305"/>
+                </a:stretch>
+              </a:blipFill>
+            </p:spPr>
+            <p:txBody>
+              <a:bodyPr/>
+              <a:lstStyle/>
+              <a:p>
+                <a:r>
+                  <a:rPr lang="en-CA">
+                    <a:noFill/>
+                  </a:rPr>
+                  <a:t> </a:t>
+                </a:r>
+              </a:p>
+            </p:txBody>
+          </p:sp>
+        </mc:Fallback>
+      </mc:AlternateContent>
+      <p:pic>
+        <p:nvPicPr>
+          <p:cNvPr id="6" name="Picture 5">
+            <a:extLst>
+              <a:ext uri="{FF2B5EF4-FFF2-40B4-BE49-F238E27FC236}">
+                <a16:creationId xmlns:a16="http://schemas.microsoft.com/office/drawing/2014/main" id="{395DD740-2919-79AF-1EA2-7EB5058BA28B}"/>
+              </a:ext>
+            </a:extLst>
+          </p:cNvPr>
+          <p:cNvPicPr>
+            <a:picLocks noChangeAspect="1"/>
+          </p:cNvPicPr>
+          <p:nvPr/>
+        </p:nvPicPr>
+        <p:blipFill>
+          <a:blip r:embed="rId4"/>
+          <a:stretch>
+            <a:fillRect/>
+          </a:stretch>
+        </p:blipFill>
+        <p:spPr>
+          <a:xfrm>
+            <a:off x="786866" y="1523999"/>
+            <a:ext cx="4775734" cy="4796497"/>
+          </a:xfrm>
+          <a:prstGeom prst="rect">
+            <a:avLst/>
+          </a:prstGeom>
+        </p:spPr>
+      </p:pic>
+    </p:spTree>
+    <p:extLst>
+      <p:ext uri="{BB962C8B-B14F-4D97-AF65-F5344CB8AC3E}">
+        <p14:creationId xmlns:p14="http://schemas.microsoft.com/office/powerpoint/2010/main" val="774351846"/>
+      </p:ext>
+    </p:extLst>
+  </p:cSld>
+  <p:clrMapOvr>
+    <a:masterClrMapping/>
+  </p:clrMapOvr>
+</p:sld>
+</file>
+
+<file path=ppt/slides/slide28.xml><?xml version="1.0" encoding="utf-8"?>
+<p:sld xmlns:a="http://schemas.openxmlformats.org/drawingml/2006/main" xmlns:r="http://schemas.openxmlformats.org/officeDocument/2006/relationships" xmlns:p="http://schemas.openxmlformats.org/presentationml/2006/main">
+  <p:cSld>
+    <p:spTree>
+      <p:nvGrpSpPr>
+        <p:cNvPr id="1" name=""/>
+        <p:cNvGrpSpPr/>
+        <p:nvPr/>
+      </p:nvGrpSpPr>
+      <p:grpSpPr>
+        <a:xfrm>
+          <a:off x="0" y="0"/>
+          <a:ext cx="0" cy="0"/>
+          <a:chOff x="0" y="0"/>
+          <a:chExt cx="0" cy="0"/>
+        </a:xfrm>
+      </p:grpSpPr>
+      <p:sp>
+        <p:nvSpPr>
+          <p:cNvPr id="2" name="Title 1"/>
+          <p:cNvSpPr>
+            <a:spLocks noGrp="1"/>
+          </p:cNvSpPr>
+          <p:nvPr>
+            <p:ph type="title"/>
+          </p:nvPr>
+        </p:nvSpPr>
+        <p:spPr>
+          <a:xfrm>
+            <a:off x="609600" y="337392"/>
+            <a:ext cx="10439400" cy="624840"/>
+          </a:xfrm>
+        </p:spPr>
+        <p:txBody>
+          <a:bodyPr>
+            <a:noAutofit/>
+          </a:bodyPr>
+          <a:lstStyle/>
+          <a:p>
+            <a:r>
+              <a:rPr lang="en-US" sz="3600" dirty="0">
+                <a:cs typeface="Times New Roman" panose="02020603050405020304" pitchFamily="18" charset="0"/>
+              </a:rPr>
+              <a:t>When can the average treatment effect be misleading?</a:t>
+            </a:r>
+            <a:endParaRPr lang="en-US" sz="3600" dirty="0">
+              <a:latin typeface="Times New Roman" panose="02020603050405020304" pitchFamily="18" charset="0"/>
+              <a:cs typeface="Times New Roman" panose="02020603050405020304" pitchFamily="18" charset="0"/>
+            </a:endParaRPr>
+          </a:p>
+        </p:txBody>
+      </p:sp>
+      <mc:AlternateContent xmlns:mc="http://schemas.openxmlformats.org/markup-compatibility/2006">
+        <mc:Choice xmlns:a14="http://schemas.microsoft.com/office/drawing/2010/main" Requires="a14">
+          <p:sp>
+            <p:nvSpPr>
+              <p:cNvPr id="3" name="Content Placeholder 2"/>
+              <p:cNvSpPr>
+                <a:spLocks noGrp="1"/>
+              </p:cNvSpPr>
+              <p:nvPr>
+                <p:ph idx="1"/>
+              </p:nvPr>
+            </p:nvSpPr>
+            <p:spPr>
+              <a:xfrm>
+                <a:off x="762001" y="1066801"/>
+                <a:ext cx="9862990" cy="5141388"/>
+              </a:xfrm>
+            </p:spPr>
+            <p:txBody>
+              <a:bodyPr>
+                <a:noAutofit/>
+              </a:bodyPr>
+              <a:lstStyle/>
+              <a:p>
+                <a:r>
+                  <a:rPr lang="en-US" sz="2400" dirty="0">
+                    <a:solidFill>
+                      <a:srgbClr val="222222"/>
+                    </a:solidFill>
+                    <a:cs typeface="Times New Roman" panose="02020603050405020304" pitchFamily="18" charset="0"/>
+                  </a:rPr>
+                  <a:t>Does a single </a:t>
+                </a:r>
+                <a14:m>
+                  <m:oMath xmlns:m="http://schemas.openxmlformats.org/officeDocument/2006/math">
+                    <m:r>
+                      <a:rPr lang="en-CA" sz="2400" b="0" i="1" smtClean="0">
+                        <a:solidFill>
+                          <a:srgbClr val="222222"/>
+                        </a:solidFill>
+                        <a:latin typeface="Cambria Math" panose="02040503050406030204" pitchFamily="18" charset="0"/>
+                        <a:cs typeface="Times New Roman" panose="02020603050405020304" pitchFamily="18" charset="0"/>
+                      </a:rPr>
+                      <m:t>𝛿</m:t>
+                    </m:r>
+                  </m:oMath>
+                </a14:m>
+                <a:r>
+                  <a:rPr lang="en-US" sz="2400" dirty="0">
+                    <a:solidFill>
+                      <a:srgbClr val="222222"/>
+                    </a:solidFill>
+                    <a:cs typeface="Times New Roman" panose="02020603050405020304" pitchFamily="18" charset="0"/>
+                  </a:rPr>
+                  <a:t> work for a full distribution? </a:t>
+                </a:r>
+              </a:p>
+            </p:txBody>
+          </p:sp>
+        </mc:Choice>
+        <mc:Fallback>
+          <p:sp>
+            <p:nvSpPr>
+              <p:cNvPr id="3" name="Content Placeholder 2"/>
+              <p:cNvSpPr>
+                <a:spLocks noGrp="1" noRot="1" noChangeAspect="1" noMove="1" noResize="1" noEditPoints="1" noAdjustHandles="1" noChangeArrowheads="1" noChangeShapeType="1" noTextEdit="1"/>
+              </p:cNvSpPr>
+              <p:nvPr>
+                <p:ph idx="1"/>
+              </p:nvPr>
+            </p:nvSpPr>
+            <p:spPr>
+              <a:xfrm>
+                <a:off x="762001" y="1066801"/>
+                <a:ext cx="9862990" cy="5141388"/>
+              </a:xfrm>
+              <a:blipFill>
+                <a:blip r:embed="rId3"/>
+                <a:stretch>
+                  <a:fillRect l="-433" t="-1305"/>
+                </a:stretch>
+              </a:blipFill>
+            </p:spPr>
+            <p:txBody>
+              <a:bodyPr/>
+              <a:lstStyle/>
+              <a:p>
+                <a:r>
+                  <a:rPr lang="en-CA">
+                    <a:noFill/>
+                  </a:rPr>
+                  <a:t> </a:t>
+                </a:r>
+              </a:p>
+            </p:txBody>
+          </p:sp>
+        </mc:Fallback>
+      </mc:AlternateContent>
+      <p:pic>
+        <p:nvPicPr>
+          <p:cNvPr id="5" name="Picture 4">
+            <a:extLst>
+              <a:ext uri="{FF2B5EF4-FFF2-40B4-BE49-F238E27FC236}">
+                <a16:creationId xmlns:a16="http://schemas.microsoft.com/office/drawing/2014/main" id="{E122A4E9-C3F8-4EF1-9EC8-FBD0703B092F}"/>
+              </a:ext>
+            </a:extLst>
+          </p:cNvPr>
+          <p:cNvPicPr>
+            <a:picLocks noChangeAspect="1"/>
+          </p:cNvPicPr>
+          <p:nvPr/>
+        </p:nvPicPr>
+        <p:blipFill>
+          <a:blip r:embed="rId4"/>
+          <a:stretch>
+            <a:fillRect/>
+          </a:stretch>
+        </p:blipFill>
+        <p:spPr>
+          <a:xfrm>
+            <a:off x="628048" y="1426823"/>
+            <a:ext cx="5696745" cy="5134692"/>
+          </a:xfrm>
+          <a:prstGeom prst="rect">
+            <a:avLst/>
+          </a:prstGeom>
+        </p:spPr>
+      </p:pic>
+    </p:spTree>
+    <p:extLst>
+      <p:ext uri="{BB962C8B-B14F-4D97-AF65-F5344CB8AC3E}">
+        <p14:creationId xmlns:p14="http://schemas.microsoft.com/office/powerpoint/2010/main" val="167057989"/>
+      </p:ext>
+    </p:extLst>
+  </p:cSld>
+  <p:clrMapOvr>
+    <a:masterClrMapping/>
+  </p:clrMapOvr>
+</p:sld>
+</file>
+
+<file path=ppt/slides/slide29.xml><?xml version="1.0" encoding="utf-8"?>
+<p:sld xmlns:a="http://schemas.openxmlformats.org/drawingml/2006/main" xmlns:r="http://schemas.openxmlformats.org/officeDocument/2006/relationships" xmlns:p="http://schemas.openxmlformats.org/presentationml/2006/main">
+  <p:cSld>
+    <p:spTree>
+      <p:nvGrpSpPr>
+        <p:cNvPr id="1" name=""/>
+        <p:cNvGrpSpPr/>
+        <p:nvPr/>
+      </p:nvGrpSpPr>
+      <p:grpSpPr>
+        <a:xfrm>
+          <a:off x="0" y="0"/>
+          <a:ext cx="0" cy="0"/>
+          <a:chOff x="0" y="0"/>
+          <a:chExt cx="0" cy="0"/>
+        </a:xfrm>
+      </p:grpSpPr>
+      <p:sp>
+        <p:nvSpPr>
+          <p:cNvPr id="2" name="Title 1"/>
+          <p:cNvSpPr>
+            <a:spLocks noGrp="1"/>
+          </p:cNvSpPr>
+          <p:nvPr>
+            <p:ph type="title"/>
+          </p:nvPr>
+        </p:nvSpPr>
+        <p:spPr>
+          <a:xfrm>
+            <a:off x="5129605" y="838200"/>
+            <a:ext cx="5919395" cy="624840"/>
+          </a:xfrm>
+        </p:spPr>
+        <p:txBody>
+          <a:bodyPr>
+            <a:noAutofit/>
+          </a:bodyPr>
+          <a:lstStyle/>
+          <a:p>
+            <a:r>
+              <a:rPr lang="en-US" sz="3600" dirty="0">
+                <a:cs typeface="Times New Roman" panose="02020603050405020304" pitchFamily="18" charset="0"/>
+              </a:rPr>
+              <a:t>What should we do instead?</a:t>
+            </a:r>
+            <a:endParaRPr lang="en-US" sz="3600" dirty="0">
+              <a:latin typeface="Times New Roman" panose="02020603050405020304" pitchFamily="18" charset="0"/>
+              <a:cs typeface="Times New Roman" panose="02020603050405020304" pitchFamily="18" charset="0"/>
+            </a:endParaRPr>
+          </a:p>
+        </p:txBody>
+      </p:sp>
+      <p:sp>
+        <p:nvSpPr>
+          <p:cNvPr id="3" name="Content Placeholder 2"/>
+          <p:cNvSpPr>
+            <a:spLocks noGrp="1"/>
+          </p:cNvSpPr>
+          <p:nvPr>
+            <p:ph idx="1"/>
+          </p:nvPr>
+        </p:nvSpPr>
+        <p:spPr>
+          <a:xfrm>
+            <a:off x="762001" y="1066801"/>
+            <a:ext cx="9862990" cy="5141388"/>
+          </a:xfrm>
+        </p:spPr>
+        <p:txBody>
+          <a:bodyPr>
+            <a:noAutofit/>
+          </a:bodyPr>
+          <a:lstStyle/>
+          <a:p>
+            <a:endParaRPr lang="en-US" sz="2400" dirty="0">
+              <a:solidFill>
+                <a:srgbClr val="222222"/>
+              </a:solidFill>
+              <a:cs typeface="Times New Roman" panose="02020603050405020304" pitchFamily="18" charset="0"/>
+            </a:endParaRPr>
+          </a:p>
+        </p:txBody>
+      </p:sp>
+      <p:pic>
+        <p:nvPicPr>
+          <p:cNvPr id="6" name="Picture 5">
+            <a:extLst>
+              <a:ext uri="{FF2B5EF4-FFF2-40B4-BE49-F238E27FC236}">
+                <a16:creationId xmlns:a16="http://schemas.microsoft.com/office/drawing/2014/main" id="{C7ED6457-035A-BAD2-CF25-C8D2DF4651D0}"/>
+              </a:ext>
+            </a:extLst>
+          </p:cNvPr>
+          <p:cNvPicPr>
+            <a:picLocks noChangeAspect="1"/>
+          </p:cNvPicPr>
+          <p:nvPr/>
+        </p:nvPicPr>
+        <p:blipFill>
+          <a:blip r:embed="rId3"/>
+          <a:stretch>
+            <a:fillRect/>
+          </a:stretch>
+        </p:blipFill>
+        <p:spPr>
+          <a:xfrm>
+            <a:off x="304800" y="4011"/>
+            <a:ext cx="4824805" cy="6858000"/>
+          </a:xfrm>
+          <a:prstGeom prst="rect">
+            <a:avLst/>
+          </a:prstGeom>
+        </p:spPr>
+      </p:pic>
+    </p:spTree>
+    <p:extLst>
+      <p:ext uri="{BB962C8B-B14F-4D97-AF65-F5344CB8AC3E}">
+        <p14:creationId xmlns:p14="http://schemas.microsoft.com/office/powerpoint/2010/main" val="1565734234"/>
+      </p:ext>
+    </p:extLst>
+  </p:cSld>
+  <p:clrMapOvr>
+    <a:masterClrMapping/>
+  </p:clrMapOvr>
+</p:sld>
+</file>
+
+<file path=ppt/slides/slide3.xml><?xml version="1.0" encoding="utf-8"?>
+<p:sld xmlns:a="http://schemas.openxmlformats.org/drawingml/2006/main" xmlns:r="http://schemas.openxmlformats.org/officeDocument/2006/relationships" xmlns:p="http://schemas.openxmlformats.org/presentationml/2006/main">
+  <p:cSld>
+    <p:spTree>
+      <p:nvGrpSpPr>
+        <p:cNvPr id="1" name=""/>
+        <p:cNvGrpSpPr/>
+        <p:nvPr/>
+      </p:nvGrpSpPr>
+      <p:grpSpPr>
+        <a:xfrm>
+          <a:off x="0" y="0"/>
+          <a:ext cx="0" cy="0"/>
+          <a:chOff x="0" y="0"/>
+          <a:chExt cx="0" cy="0"/>
+        </a:xfrm>
+      </p:grpSpPr>
+      <p:sp>
+        <p:nvSpPr>
+          <p:cNvPr id="2" name="Title 1">
+            <a:extLst>
+              <a:ext uri="{FF2B5EF4-FFF2-40B4-BE49-F238E27FC236}">
+                <a16:creationId xmlns:a16="http://schemas.microsoft.com/office/drawing/2014/main" id="{F6693EDF-660D-4391-A114-A6C54268E445}"/>
+              </a:ext>
+            </a:extLst>
+          </p:cNvPr>
+          <p:cNvSpPr>
+            <a:spLocks noGrp="1"/>
+          </p:cNvSpPr>
+          <p:nvPr>
+            <p:ph type="ctrTitle"/>
+          </p:nvPr>
+        </p:nvSpPr>
+        <p:spPr>
+          <a:xfrm>
+            <a:off x="1261872" y="758952"/>
+            <a:ext cx="10549128" cy="4041648"/>
+          </a:xfrm>
+        </p:spPr>
+        <p:txBody>
+          <a:bodyPr/>
+          <a:lstStyle/>
+          <a:p>
+            <a:r>
+              <a:rPr lang="en-US" dirty="0"/>
+              <a:t>Synthetic Controls </a:t>
+            </a:r>
+          </a:p>
+        </p:txBody>
+      </p:sp>
+      <p:sp>
+        <p:nvSpPr>
+          <p:cNvPr id="3" name="Subtitle 2">
+            <a:extLst>
+              <a:ext uri="{FF2B5EF4-FFF2-40B4-BE49-F238E27FC236}">
+                <a16:creationId xmlns:a16="http://schemas.microsoft.com/office/drawing/2014/main" id="{9A7FADE3-4D7C-4B3A-B023-71CD85AECCCB}"/>
+              </a:ext>
+            </a:extLst>
+          </p:cNvPr>
+          <p:cNvSpPr>
+            <a:spLocks noGrp="1"/>
+          </p:cNvSpPr>
+          <p:nvPr>
+            <p:ph type="subTitle" idx="1"/>
+          </p:nvPr>
+        </p:nvSpPr>
+        <p:spPr/>
+        <p:txBody>
+          <a:bodyPr>
+            <a:normAutofit/>
+          </a:bodyPr>
+          <a:lstStyle/>
+          <a:p>
+            <a:endParaRPr lang="en-US" sz="4400" dirty="0"/>
+          </a:p>
+        </p:txBody>
+      </p:sp>
+    </p:spTree>
+    <p:extLst>
+      <p:ext uri="{BB962C8B-B14F-4D97-AF65-F5344CB8AC3E}">
+        <p14:creationId xmlns:p14="http://schemas.microsoft.com/office/powerpoint/2010/main" val="2953910715"/>
+      </p:ext>
+    </p:extLst>
+  </p:cSld>
+  <p:clrMapOvr>
+    <a:masterClrMapping/>
+  </p:clrMapOvr>
+</p:sld>
+</file>
+
+<file path=ppt/slides/slide30.xml><?xml version="1.0" encoding="utf-8"?>
+<p:sld xmlns:a="http://schemas.openxmlformats.org/drawingml/2006/main" xmlns:r="http://schemas.openxmlformats.org/officeDocument/2006/relationships" xmlns:p="http://schemas.openxmlformats.org/presentationml/2006/main">
+  <p:cSld>
+    <p:spTree>
+      <p:nvGrpSpPr>
+        <p:cNvPr id="1" name=""/>
+        <p:cNvGrpSpPr/>
+        <p:nvPr/>
+      </p:nvGrpSpPr>
+      <p:grpSpPr>
+        <a:xfrm>
+          <a:off x="0" y="0"/>
+          <a:ext cx="0" cy="0"/>
+          <a:chOff x="0" y="0"/>
+          <a:chExt cx="0" cy="0"/>
+        </a:xfrm>
+      </p:grpSpPr>
+      <p:sp>
+        <p:nvSpPr>
+          <p:cNvPr id="2" name="Title 1"/>
+          <p:cNvSpPr>
+            <a:spLocks noGrp="1"/>
+          </p:cNvSpPr>
+          <p:nvPr>
+            <p:ph type="title"/>
+          </p:nvPr>
+        </p:nvSpPr>
+        <p:spPr>
+          <a:xfrm>
+            <a:off x="609600" y="337392"/>
+            <a:ext cx="10439400" cy="624840"/>
+          </a:xfrm>
+        </p:spPr>
+        <p:txBody>
+          <a:bodyPr>
+            <a:noAutofit/>
+          </a:bodyPr>
+          <a:lstStyle/>
+          <a:p>
+            <a:r>
+              <a:rPr lang="en-US" sz="3600" dirty="0">
+                <a:cs typeface="Times New Roman" panose="02020603050405020304" pitchFamily="18" charset="0"/>
+              </a:rPr>
+              <a:t>How can we </a:t>
+            </a:r>
+            <a:r>
+              <a:rPr lang="en-US" sz="3600" b="1" dirty="0">
+                <a:cs typeface="Times New Roman" panose="02020603050405020304" pitchFamily="18" charset="0"/>
+              </a:rPr>
+              <a:t>measure </a:t>
+            </a:r>
+            <a:r>
+              <a:rPr lang="en-US" sz="3600" dirty="0">
+                <a:cs typeface="Times New Roman" panose="02020603050405020304" pitchFamily="18" charset="0"/>
+              </a:rPr>
+              <a:t>heterogeneous treatment effects?</a:t>
+            </a:r>
+            <a:endParaRPr lang="en-US" sz="3600" dirty="0">
+              <a:latin typeface="Times New Roman" panose="02020603050405020304" pitchFamily="18" charset="0"/>
+              <a:cs typeface="Times New Roman" panose="02020603050405020304" pitchFamily="18" charset="0"/>
+            </a:endParaRPr>
+          </a:p>
+        </p:txBody>
+      </p:sp>
+      <p:sp>
+        <p:nvSpPr>
+          <p:cNvPr id="3" name="Content Placeholder 2"/>
+          <p:cNvSpPr>
+            <a:spLocks noGrp="1"/>
+          </p:cNvSpPr>
+          <p:nvPr>
+            <p:ph idx="1"/>
+          </p:nvPr>
+        </p:nvSpPr>
+        <p:spPr>
+          <a:xfrm>
+            <a:off x="1219199" y="1066801"/>
+            <a:ext cx="9405791" cy="5141388"/>
+          </a:xfrm>
+        </p:spPr>
+        <p:txBody>
+          <a:bodyPr>
+            <a:noAutofit/>
+          </a:bodyPr>
+          <a:lstStyle/>
+          <a:p>
+            <a:pPr marL="0" indent="0">
+              <a:buNone/>
+            </a:pPr>
+            <a:r>
+              <a:rPr lang="en-US" sz="2400" dirty="0">
+                <a:solidFill>
+                  <a:srgbClr val="222222"/>
+                </a:solidFill>
+                <a:cs typeface="Times New Roman" panose="02020603050405020304" pitchFamily="18" charset="0"/>
+              </a:rPr>
+              <a:t>We frequently work with </a:t>
+            </a:r>
+            <a:r>
+              <a:rPr lang="en-US" sz="2400" b="1" dirty="0">
+                <a:solidFill>
+                  <a:srgbClr val="222222"/>
+                </a:solidFill>
+                <a:cs typeface="Times New Roman" panose="02020603050405020304" pitchFamily="18" charset="0"/>
+              </a:rPr>
+              <a:t>very skewed distributions </a:t>
+            </a:r>
+            <a:r>
+              <a:rPr lang="en-US" sz="2400" dirty="0">
+                <a:solidFill>
+                  <a:srgbClr val="222222"/>
+                </a:solidFill>
+                <a:cs typeface="Times New Roman" panose="02020603050405020304" pitchFamily="18" charset="0"/>
+              </a:rPr>
+              <a:t>in our data</a:t>
+            </a:r>
+          </a:p>
+          <a:p>
+            <a:r>
+              <a:rPr lang="en-US" sz="2400" dirty="0">
+                <a:solidFill>
+                  <a:srgbClr val="222222"/>
+                </a:solidFill>
+                <a:cs typeface="Times New Roman" panose="02020603050405020304" pitchFamily="18" charset="0"/>
+              </a:rPr>
+              <a:t>How does this affect our econometrics? </a:t>
+            </a:r>
+          </a:p>
+          <a:p>
+            <a:r>
+              <a:rPr lang="en-US" sz="2400" dirty="0">
+                <a:solidFill>
+                  <a:srgbClr val="222222"/>
+                </a:solidFill>
+                <a:cs typeface="Times New Roman" panose="02020603050405020304" pitchFamily="18" charset="0"/>
+              </a:rPr>
+              <a:t>How does this affect our policy? </a:t>
+            </a:r>
+          </a:p>
+        </p:txBody>
+      </p:sp>
+      <p:pic>
+        <p:nvPicPr>
+          <p:cNvPr id="5" name="Picture 4">
+            <a:extLst>
+              <a:ext uri="{FF2B5EF4-FFF2-40B4-BE49-F238E27FC236}">
+                <a16:creationId xmlns:a16="http://schemas.microsoft.com/office/drawing/2014/main" id="{C0FCE4F7-48AB-B9DB-BF8E-853124F7E01D}"/>
+              </a:ext>
+            </a:extLst>
+          </p:cNvPr>
+          <p:cNvPicPr>
+            <a:picLocks noChangeAspect="1"/>
+          </p:cNvPicPr>
+          <p:nvPr/>
+        </p:nvPicPr>
+        <p:blipFill>
+          <a:blip r:embed="rId3"/>
+          <a:stretch>
+            <a:fillRect/>
+          </a:stretch>
+        </p:blipFill>
+        <p:spPr>
+          <a:xfrm>
+            <a:off x="1229809" y="1537752"/>
+            <a:ext cx="8229600" cy="4742779"/>
+          </a:xfrm>
+          <a:prstGeom prst="rect">
+            <a:avLst/>
+          </a:prstGeom>
+        </p:spPr>
+      </p:pic>
+    </p:spTree>
+    <p:extLst>
+      <p:ext uri="{BB962C8B-B14F-4D97-AF65-F5344CB8AC3E}">
+        <p14:creationId xmlns:p14="http://schemas.microsoft.com/office/powerpoint/2010/main" val="643842919"/>
+      </p:ext>
+    </p:extLst>
+  </p:cSld>
+  <p:clrMapOvr>
+    <a:masterClrMapping/>
+  </p:clrMapOvr>
+</p:sld>
+</file>
+
+<file path=ppt/slides/slide31.xml><?xml version="1.0" encoding="utf-8"?>
+<p:sld xmlns:a="http://schemas.openxmlformats.org/drawingml/2006/main" xmlns:r="http://schemas.openxmlformats.org/officeDocument/2006/relationships" xmlns:p="http://schemas.openxmlformats.org/presentationml/2006/main">
+  <p:cSld>
+    <p:spTree>
+      <p:nvGrpSpPr>
+        <p:cNvPr id="1" name=""/>
+        <p:cNvGrpSpPr/>
+        <p:nvPr/>
+      </p:nvGrpSpPr>
+      <p:grpSpPr>
+        <a:xfrm>
+          <a:off x="0" y="0"/>
+          <a:ext cx="0" cy="0"/>
+          <a:chOff x="0" y="0"/>
+          <a:chExt cx="0" cy="0"/>
+        </a:xfrm>
+      </p:grpSpPr>
+      <p:sp>
+        <p:nvSpPr>
+          <p:cNvPr id="2" name="Title 1"/>
+          <p:cNvSpPr>
+            <a:spLocks noGrp="1"/>
+          </p:cNvSpPr>
+          <p:nvPr>
+            <p:ph type="title"/>
+          </p:nvPr>
+        </p:nvSpPr>
+        <p:spPr>
+          <a:xfrm>
+            <a:off x="609600" y="337392"/>
+            <a:ext cx="10439400" cy="624840"/>
+          </a:xfrm>
+        </p:spPr>
+        <p:txBody>
+          <a:bodyPr>
+            <a:noAutofit/>
+          </a:bodyPr>
+          <a:lstStyle/>
+          <a:p>
+            <a:r>
+              <a:rPr lang="en-US" sz="3600" dirty="0">
+                <a:cs typeface="Times New Roman" panose="02020603050405020304" pitchFamily="18" charset="0"/>
+              </a:rPr>
               <a:t>How can we </a:t>
             </a:r>
             <a:r>
@@ -11430,7 +13197,7 @@
 </p:sld>
 </file>
 
-<file path=ppt/slides/slide27.xml><?xml version="1.0" encoding="utf-8"?>
+<file path=ppt/slides/slide32.xml><?xml version="1.0" encoding="utf-8"?>
 <p:sld xmlns:a="http://schemas.openxmlformats.org/drawingml/2006/main" xmlns:r="http://schemas.openxmlformats.org/officeDocument/2006/relationships" xmlns:p="http://schemas.openxmlformats.org/presentationml/2006/main">
   <p:cSld>
     <p:spTree>
@@ -11856,7 +13623,7 @@
 </p:sld>
 </file>
 
-<file path=ppt/slides/slide28.xml><?xml version="1.0" encoding="utf-8"?>
+<file path=ppt/slides/slide33.xml><?xml version="1.0" encoding="utf-8"?>
 <p:sld xmlns:a="http://schemas.openxmlformats.org/drawingml/2006/main" xmlns:r="http://schemas.openxmlformats.org/officeDocument/2006/relationships" xmlns:p="http://schemas.openxmlformats.org/presentationml/2006/main">
   <p:cSld>
     <p:bg>
@@ -12182,7 +13949,7 @@
 </p:sld>
 </file>
 
-<file path=ppt/slides/slide29.xml><?xml version="1.0" encoding="utf-8"?>
+<file path=ppt/slides/slide34.xml><?xml version="1.0" encoding="utf-8"?>
 <p:sld xmlns:a="http://schemas.openxmlformats.org/drawingml/2006/main" xmlns:r="http://schemas.openxmlformats.org/officeDocument/2006/relationships" xmlns:p="http://schemas.openxmlformats.org/presentationml/2006/main">
   <p:cSld>
     <p:spTree>
@@ -12518,97 +14285,7 @@
 </p:sld>
 </file>
 
-<file path=ppt/slides/slide3.xml><?xml version="1.0" encoding="utf-8"?>
-<p:sld xmlns:a="http://schemas.openxmlformats.org/drawingml/2006/main" xmlns:r="http://schemas.openxmlformats.org/officeDocument/2006/relationships" xmlns:p="http://schemas.openxmlformats.org/presentationml/2006/main">
-  <p:cSld>
-    <p:spTree>
-      <p:nvGrpSpPr>
-        <p:cNvPr id="1" name=""/>
-        <p:cNvGrpSpPr/>
-        <p:nvPr/>
-      </p:nvGrpSpPr>
-      <p:grpSpPr>
-        <a:xfrm>
-          <a:off x="0" y="0"/>
-          <a:ext cx="0" cy="0"/>
-          <a:chOff x="0" y="0"/>
-          <a:chExt cx="0" cy="0"/>
-        </a:xfrm>
-      </p:grpSpPr>
-      <p:sp>
-        <p:nvSpPr>
-          <p:cNvPr id="2" name="Title 1">
-            <a:extLst>
-              <a:ext uri="{FF2B5EF4-FFF2-40B4-BE49-F238E27FC236}">
-                <a16:creationId xmlns:a16="http://schemas.microsoft.com/office/drawing/2014/main" id="{F6693EDF-660D-4391-A114-A6C54268E445}"/>
-              </a:ext>
-            </a:extLst>
-          </p:cNvPr>
-          <p:cNvSpPr>
-            <a:spLocks noGrp="1"/>
-          </p:cNvSpPr>
-          <p:nvPr>
-            <p:ph type="ctrTitle"/>
-          </p:nvPr>
-        </p:nvSpPr>
-        <p:spPr>
-          <a:xfrm>
-            <a:off x="1261872" y="758952"/>
-            <a:ext cx="10549128" cy="4041648"/>
-          </a:xfrm>
-        </p:spPr>
-        <p:txBody>
-          <a:bodyPr/>
-          <a:lstStyle/>
-          <a:p>
-            <a:r>
-              <a:rPr lang="en-US" dirty="0"/>
-              <a:t>Synthetic Controls </a:t>
-            </a:r>
-          </a:p>
-        </p:txBody>
-      </p:sp>
-      <p:sp>
-        <p:nvSpPr>
-          <p:cNvPr id="3" name="Subtitle 2">
-            <a:extLst>
-              <a:ext uri="{FF2B5EF4-FFF2-40B4-BE49-F238E27FC236}">
-                <a16:creationId xmlns:a16="http://schemas.microsoft.com/office/drawing/2014/main" id="{9A7FADE3-4D7C-4B3A-B023-71CD85AECCCB}"/>
-              </a:ext>
-            </a:extLst>
-          </p:cNvPr>
-          <p:cNvSpPr>
-            <a:spLocks noGrp="1"/>
-          </p:cNvSpPr>
-          <p:nvPr>
-            <p:ph type="subTitle" idx="1"/>
-          </p:nvPr>
-        </p:nvSpPr>
-        <p:spPr/>
-        <p:txBody>
-          <a:bodyPr>
-            <a:normAutofit/>
-          </a:bodyPr>
-          <a:lstStyle/>
-          <a:p>
-            <a:endParaRPr lang="en-US" sz="4400" dirty="0"/>
-          </a:p>
-        </p:txBody>
-      </p:sp>
-    </p:spTree>
-    <p:extLst>
-      <p:ext uri="{BB962C8B-B14F-4D97-AF65-F5344CB8AC3E}">
-        <p14:creationId xmlns:p14="http://schemas.microsoft.com/office/powerpoint/2010/main" val="2953910715"/>
-      </p:ext>
-    </p:extLst>
-  </p:cSld>
-  <p:clrMapOvr>
-    <a:masterClrMapping/>
-  </p:clrMapOvr>
-</p:sld>
-</file>
-
-<file path=ppt/slides/slide30.xml><?xml version="1.0" encoding="utf-8"?>
+<file path=ppt/slides/slide35.xml><?xml version="1.0" encoding="utf-8"?>
 <p:sld xmlns:a="http://schemas.openxmlformats.org/drawingml/2006/main" xmlns:r="http://schemas.openxmlformats.org/officeDocument/2006/relationships" xmlns:p="http://schemas.openxmlformats.org/presentationml/2006/main">
   <p:cSld>
     <p:spTree>
@@ -13014,7 +14691,7 @@
 </p:sld>
 </file>
 
-<file path=ppt/slides/slide31.xml><?xml version="1.0" encoding="utf-8"?>
+<file path=ppt/slides/slide36.xml><?xml version="1.0" encoding="utf-8"?>
 <p:sld xmlns:a="http://schemas.openxmlformats.org/drawingml/2006/main" xmlns:r="http://schemas.openxmlformats.org/officeDocument/2006/relationships" xmlns:p="http://schemas.openxmlformats.org/presentationml/2006/main">
   <p:cSld>
     <p:spTree>
@@ -13429,7 +15106,7 @@
 </p:sld>
 </file>
 
-<file path=ppt/slides/slide32.xml><?xml version="1.0" encoding="utf-8"?>
+<file path=ppt/slides/slide37.xml><?xml version="1.0" encoding="utf-8"?>
 <p:sld xmlns:a="http://schemas.openxmlformats.org/drawingml/2006/main" xmlns:r="http://schemas.openxmlformats.org/officeDocument/2006/relationships" xmlns:p="http://schemas.openxmlformats.org/presentationml/2006/main">
   <p:cSld>
     <p:spTree>
@@ -14652,7 +16329,7 @@
 </p:sld>
 </file>
 
-<file path=ppt/slides/slide33.xml><?xml version="1.0" encoding="utf-8"?>
+<file path=ppt/slides/slide38.xml><?xml version="1.0" encoding="utf-8"?>
 <p:sld xmlns:a="http://schemas.openxmlformats.org/drawingml/2006/main" xmlns:r="http://schemas.openxmlformats.org/officeDocument/2006/relationships" xmlns:p="http://schemas.openxmlformats.org/presentationml/2006/main">
   <p:cSld>
     <p:spTree>
@@ -14921,7 +16598,7 @@
 </p:sld>
 </file>
 
-<file path=ppt/slides/slide34.xml><?xml version="1.0" encoding="utf-8"?>
+<file path=ppt/slides/slide39.xml><?xml version="1.0" encoding="utf-8"?>
 <p:sld xmlns:a="http://schemas.openxmlformats.org/drawingml/2006/main" xmlns:r="http://schemas.openxmlformats.org/officeDocument/2006/relationships" xmlns:p="http://schemas.openxmlformats.org/presentationml/2006/main">
   <p:cSld>
     <p:spTree>
@@ -15016,7 +16693,422 @@
 </p:sld>
 </file>
 
-<file path=ppt/slides/slide35.xml><?xml version="1.0" encoding="utf-8"?>
+<file path=ppt/slides/slide4.xml><?xml version="1.0" encoding="utf-8"?>
+<p:sld xmlns:a="http://schemas.openxmlformats.org/drawingml/2006/main" xmlns:r="http://schemas.openxmlformats.org/officeDocument/2006/relationships" xmlns:p="http://schemas.openxmlformats.org/presentationml/2006/main">
+  <p:cSld>
+    <p:spTree>
+      <p:nvGrpSpPr>
+        <p:cNvPr id="1" name=""/>
+        <p:cNvGrpSpPr/>
+        <p:nvPr/>
+      </p:nvGrpSpPr>
+      <p:grpSpPr>
+        <a:xfrm>
+          <a:off x="0" y="0"/>
+          <a:ext cx="0" cy="0"/>
+          <a:chOff x="0" y="0"/>
+          <a:chExt cx="0" cy="0"/>
+        </a:xfrm>
+      </p:grpSpPr>
+      <p:sp>
+        <p:nvSpPr>
+          <p:cNvPr id="2" name="Title 1"/>
+          <p:cNvSpPr>
+            <a:spLocks noGrp="1"/>
+          </p:cNvSpPr>
+          <p:nvPr>
+            <p:ph type="title"/>
+          </p:nvPr>
+        </p:nvSpPr>
+        <p:spPr>
+          <a:xfrm>
+            <a:off x="609600" y="337392"/>
+            <a:ext cx="10439400" cy="624840"/>
+          </a:xfrm>
+        </p:spPr>
+        <p:txBody>
+          <a:bodyPr>
+            <a:noAutofit/>
+          </a:bodyPr>
+          <a:lstStyle/>
+          <a:p>
+            <a:r>
+              <a:rPr lang="en-US" sz="3600" dirty="0">
+                <a:cs typeface="Times New Roman" panose="02020603050405020304" pitchFamily="18" charset="0"/>
+              </a:rPr>
+              <a:t>What are we </a:t>
+            </a:r>
+            <a:r>
+              <a:rPr lang="en-US" sz="3600" dirty="0" err="1">
+                <a:cs typeface="Times New Roman" panose="02020603050405020304" pitchFamily="18" charset="0"/>
+              </a:rPr>
+              <a:t>DIDing</a:t>
+            </a:r>
+            <a:r>
+              <a:rPr lang="en-US" sz="3600" dirty="0">
+                <a:cs typeface="Times New Roman" panose="02020603050405020304" pitchFamily="18" charset="0"/>
+              </a:rPr>
+              <a:t>? </a:t>
+            </a:r>
+            <a:endParaRPr lang="en-US" sz="3600" dirty="0">
+              <a:latin typeface="Times New Roman" panose="02020603050405020304" pitchFamily="18" charset="0"/>
+              <a:cs typeface="Times New Roman" panose="02020603050405020304" pitchFamily="18" charset="0"/>
+            </a:endParaRPr>
+          </a:p>
+        </p:txBody>
+      </p:sp>
+      <mc:AlternateContent xmlns:mc="http://schemas.openxmlformats.org/markup-compatibility/2006" xmlns:a14="http://schemas.microsoft.com/office/drawing/2010/main">
+        <mc:Choice Requires="a14">
+          <p:sp>
+            <p:nvSpPr>
+              <p:cNvPr id="3" name="Content Placeholder 2"/>
+              <p:cNvSpPr>
+                <a:spLocks noGrp="1"/>
+              </p:cNvSpPr>
+              <p:nvPr>
+                <p:ph idx="1"/>
+              </p:nvPr>
+            </p:nvSpPr>
+            <p:spPr>
+              <a:xfrm>
+                <a:off x="1219199" y="1066801"/>
+                <a:ext cx="9405791" cy="5141388"/>
+              </a:xfrm>
+            </p:spPr>
+            <p:txBody>
+              <a:bodyPr>
+                <a:noAutofit/>
+              </a:bodyPr>
+              <a:lstStyle/>
+              <a:p>
+                <a:r>
+                  <a:rPr lang="en-US" sz="2400" dirty="0">
+                    <a:cs typeface="Times New Roman" panose="02020603050405020304" pitchFamily="18" charset="0"/>
+                  </a:rPr>
+                  <a:t>Typical DID framework is a way to use </a:t>
+                </a:r>
+                <a:r>
+                  <a:rPr lang="en-US" sz="2400" b="1" dirty="0">
+                    <a:solidFill>
+                      <a:schemeClr val="accent2">
+                        <a:lumMod val="75000"/>
+                      </a:schemeClr>
+                    </a:solidFill>
+                    <a:cs typeface="Times New Roman" panose="02020603050405020304" pitchFamily="18" charset="0"/>
+                  </a:rPr>
+                  <a:t>observational data </a:t>
+                </a:r>
+                <a:r>
+                  <a:rPr lang="en-US" sz="2400" dirty="0">
+                    <a:cs typeface="Times New Roman" panose="02020603050405020304" pitchFamily="18" charset="0"/>
+                  </a:rPr>
+                  <a:t>to examine </a:t>
+                </a:r>
+                <a:r>
+                  <a:rPr lang="en-US" sz="2400" b="1" dirty="0">
+                    <a:solidFill>
+                      <a:schemeClr val="accent3">
+                        <a:lumMod val="75000"/>
+                      </a:schemeClr>
+                    </a:solidFill>
+                    <a:cs typeface="Times New Roman" panose="02020603050405020304" pitchFamily="18" charset="0"/>
+                  </a:rPr>
+                  <a:t>potential outcomes</a:t>
+                </a:r>
+              </a:p>
+              <a:p>
+                <a:r>
+                  <a:rPr lang="en-US" sz="2400" dirty="0">
+                    <a:cs typeface="Times New Roman" panose="02020603050405020304" pitchFamily="18" charset="0"/>
+                  </a:rPr>
+                  <a:t>We would like to have: </a:t>
+                </a:r>
+              </a:p>
+              <a:p>
+                <a:pPr marL="0" indent="0">
+                  <a:buNone/>
+                </a:pPr>
+                <a14:m>
+                  <m:oMathPara xmlns:m="http://schemas.openxmlformats.org/officeDocument/2006/math">
+                    <m:oMathParaPr>
+                      <m:jc m:val="centerGroup"/>
+                    </m:oMathParaPr>
+                    <m:oMath xmlns:m="http://schemas.openxmlformats.org/officeDocument/2006/math">
+                      <m:sSub>
+                        <m:sSubPr>
+                          <m:ctrlPr>
+                            <a:rPr lang="en-US" sz="2400" b="0" i="1" smtClean="0">
+                              <a:latin typeface="Cambria Math" panose="02040503050406030204" pitchFamily="18" charset="0"/>
+                              <a:cs typeface="Times New Roman" panose="02020603050405020304" pitchFamily="18" charset="0"/>
+                            </a:rPr>
+                          </m:ctrlPr>
+                        </m:sSubPr>
+                        <m:e>
+                          <m:r>
+                            <a:rPr lang="en-US" sz="2400" b="0" i="1" smtClean="0">
+                              <a:latin typeface="Cambria Math" panose="02040503050406030204" pitchFamily="18" charset="0"/>
+                              <a:cs typeface="Times New Roman" panose="02020603050405020304" pitchFamily="18" charset="0"/>
+                            </a:rPr>
+                            <m:t>𝛿</m:t>
+                          </m:r>
+                        </m:e>
+                        <m:sub>
+                          <m:r>
+                            <a:rPr lang="en-US" sz="2400" b="0" i="1" smtClean="0">
+                              <a:latin typeface="Cambria Math" panose="02040503050406030204" pitchFamily="18" charset="0"/>
+                              <a:cs typeface="Times New Roman" panose="02020603050405020304" pitchFamily="18" charset="0"/>
+                            </a:rPr>
+                            <m:t>𝑖𝑡</m:t>
+                          </m:r>
+                        </m:sub>
+                      </m:sSub>
+                      <m:r>
+                        <a:rPr lang="en-US" sz="2400" b="0" i="1" smtClean="0">
+                          <a:latin typeface="Cambria Math" panose="02040503050406030204" pitchFamily="18" charset="0"/>
+                          <a:cs typeface="Times New Roman" panose="02020603050405020304" pitchFamily="18" charset="0"/>
+                        </a:rPr>
+                        <m:t>=</m:t>
+                      </m:r>
+                      <m:sSubSup>
+                        <m:sSubSupPr>
+                          <m:ctrlPr>
+                            <a:rPr lang="en-US" sz="2400" b="0" i="1" smtClean="0">
+                              <a:latin typeface="Cambria Math" panose="02040503050406030204" pitchFamily="18" charset="0"/>
+                              <a:cs typeface="Times New Roman" panose="02020603050405020304" pitchFamily="18" charset="0"/>
+                            </a:rPr>
+                          </m:ctrlPr>
+                        </m:sSubSupPr>
+                        <m:e>
+                          <m:r>
+                            <a:rPr lang="en-US" sz="2400" b="0" i="1" smtClean="0">
+                              <a:latin typeface="Cambria Math" panose="02040503050406030204" pitchFamily="18" charset="0"/>
+                              <a:cs typeface="Times New Roman" panose="02020603050405020304" pitchFamily="18" charset="0"/>
+                            </a:rPr>
+                            <m:t>𝑌</m:t>
+                          </m:r>
+                        </m:e>
+                        <m:sub>
+                          <m:r>
+                            <a:rPr lang="en-US" sz="2400" b="0" i="1" smtClean="0">
+                              <a:latin typeface="Cambria Math" panose="02040503050406030204" pitchFamily="18" charset="0"/>
+                              <a:cs typeface="Times New Roman" panose="02020603050405020304" pitchFamily="18" charset="0"/>
+                            </a:rPr>
+                            <m:t>𝑖𝑡</m:t>
+                          </m:r>
+                        </m:sub>
+                        <m:sup>
+                          <m:r>
+                            <a:rPr lang="en-US" sz="2400" b="0" i="1" smtClean="0">
+                              <a:latin typeface="Cambria Math" panose="02040503050406030204" pitchFamily="18" charset="0"/>
+                              <a:cs typeface="Times New Roman" panose="02020603050405020304" pitchFamily="18" charset="0"/>
+                            </a:rPr>
+                            <m:t>1</m:t>
+                          </m:r>
+                        </m:sup>
+                      </m:sSubSup>
+                      <m:r>
+                        <a:rPr lang="en-US" sz="2400" b="0" i="1" smtClean="0">
+                          <a:latin typeface="Cambria Math" panose="02040503050406030204" pitchFamily="18" charset="0"/>
+                          <a:cs typeface="Times New Roman" panose="02020603050405020304" pitchFamily="18" charset="0"/>
+                        </a:rPr>
+                        <m:t>−</m:t>
+                      </m:r>
+                      <m:sSubSup>
+                        <m:sSubSupPr>
+                          <m:ctrlPr>
+                            <a:rPr lang="en-US" sz="2400" b="0" i="1" smtClean="0">
+                              <a:latin typeface="Cambria Math" panose="02040503050406030204" pitchFamily="18" charset="0"/>
+                              <a:cs typeface="Times New Roman" panose="02020603050405020304" pitchFamily="18" charset="0"/>
+                            </a:rPr>
+                          </m:ctrlPr>
+                        </m:sSubSupPr>
+                        <m:e>
+                          <m:r>
+                            <a:rPr lang="en-US" sz="2400" b="0" i="1" smtClean="0">
+                              <a:latin typeface="Cambria Math" panose="02040503050406030204" pitchFamily="18" charset="0"/>
+                              <a:cs typeface="Times New Roman" panose="02020603050405020304" pitchFamily="18" charset="0"/>
+                            </a:rPr>
+                            <m:t>𝑌</m:t>
+                          </m:r>
+                        </m:e>
+                        <m:sub>
+                          <m:r>
+                            <a:rPr lang="en-US" sz="2400" b="0" i="1" smtClean="0">
+                              <a:latin typeface="Cambria Math" panose="02040503050406030204" pitchFamily="18" charset="0"/>
+                              <a:cs typeface="Times New Roman" panose="02020603050405020304" pitchFamily="18" charset="0"/>
+                            </a:rPr>
+                            <m:t>𝑖𝑡</m:t>
+                          </m:r>
+                        </m:sub>
+                        <m:sup>
+                          <m:r>
+                            <a:rPr lang="en-US" sz="2400" b="0" i="1" smtClean="0">
+                              <a:latin typeface="Cambria Math" panose="02040503050406030204" pitchFamily="18" charset="0"/>
+                              <a:cs typeface="Times New Roman" panose="02020603050405020304" pitchFamily="18" charset="0"/>
+                            </a:rPr>
+                            <m:t>0</m:t>
+                          </m:r>
+                        </m:sup>
+                      </m:sSubSup>
+                    </m:oMath>
+                  </m:oMathPara>
+                </a14:m>
+                <a:endParaRPr lang="en-US" sz="2400" dirty="0">
+                  <a:cs typeface="Times New Roman" panose="02020603050405020304" pitchFamily="18" charset="0"/>
+                </a:endParaRPr>
+              </a:p>
+              <a:p>
+                <a:r>
+                  <a:rPr lang="en-US" sz="2400" dirty="0">
+                    <a:cs typeface="Times New Roman" panose="02020603050405020304" pitchFamily="18" charset="0"/>
+                  </a:rPr>
+                  <a:t>When </a:t>
+                </a:r>
+                <a14:m>
+                  <m:oMath xmlns:m="http://schemas.openxmlformats.org/officeDocument/2006/math">
+                    <m:sSubSup>
+                      <m:sSubSupPr>
+                        <m:ctrlPr>
+                          <a:rPr lang="en-US" sz="2400" b="0" i="1" smtClean="0">
+                            <a:latin typeface="Cambria Math" panose="02040503050406030204" pitchFamily="18" charset="0"/>
+                            <a:cs typeface="Times New Roman" panose="02020603050405020304" pitchFamily="18" charset="0"/>
+                          </a:rPr>
+                        </m:ctrlPr>
+                      </m:sSubSupPr>
+                      <m:e>
+                        <m:r>
+                          <a:rPr lang="en-US" sz="2400" b="0" i="1" smtClean="0">
+                            <a:latin typeface="Cambria Math" panose="02040503050406030204" pitchFamily="18" charset="0"/>
+                            <a:cs typeface="Times New Roman" panose="02020603050405020304" pitchFamily="18" charset="0"/>
+                          </a:rPr>
+                          <m:t>𝑌</m:t>
+                        </m:r>
+                      </m:e>
+                      <m:sub>
+                        <m:r>
+                          <a:rPr lang="en-US" sz="2400" b="0" i="1" smtClean="0">
+                            <a:latin typeface="Cambria Math" panose="02040503050406030204" pitchFamily="18" charset="0"/>
+                            <a:cs typeface="Times New Roman" panose="02020603050405020304" pitchFamily="18" charset="0"/>
+                          </a:rPr>
+                          <m:t>𝑖𝑡</m:t>
+                        </m:r>
+                      </m:sub>
+                      <m:sup>
+                        <m:r>
+                          <a:rPr lang="en-US" sz="2400" b="0" i="1" smtClean="0">
+                            <a:latin typeface="Cambria Math" panose="02040503050406030204" pitchFamily="18" charset="0"/>
+                            <a:cs typeface="Times New Roman" panose="02020603050405020304" pitchFamily="18" charset="0"/>
+                          </a:rPr>
+                          <m:t>0</m:t>
+                        </m:r>
+                      </m:sup>
+                    </m:sSubSup>
+                  </m:oMath>
+                </a14:m>
+                <a:r>
+                  <a:rPr lang="en-US" sz="2400" dirty="0">
+                    <a:cs typeface="Times New Roman" panose="02020603050405020304" pitchFamily="18" charset="0"/>
+                  </a:rPr>
+                  <a:t> is unobserved, we </a:t>
+                </a:r>
+                <a:r>
+                  <a:rPr lang="en-US" sz="2400" u="sng" dirty="0">
+                    <a:cs typeface="Times New Roman" panose="02020603050405020304" pitchFamily="18" charset="0"/>
+                  </a:rPr>
+                  <a:t>proxy it</a:t>
+                </a:r>
+                <a:r>
+                  <a:rPr lang="en-US" sz="2400" b="1" dirty="0">
+                    <a:cs typeface="Times New Roman" panose="02020603050405020304" pitchFamily="18" charset="0"/>
+                  </a:rPr>
+                  <a:t> </a:t>
+                </a:r>
+                <a:r>
+                  <a:rPr lang="en-US" sz="2400" dirty="0">
+                    <a:cs typeface="Times New Roman" panose="02020603050405020304" pitchFamily="18" charset="0"/>
+                  </a:rPr>
+                  <a:t>with a </a:t>
+                </a:r>
+                <a:r>
+                  <a:rPr lang="en-US" sz="2400" dirty="0">
+                    <a:solidFill>
+                      <a:schemeClr val="accent2">
+                        <a:lumMod val="75000"/>
+                      </a:schemeClr>
+                    </a:solidFill>
+                    <a:cs typeface="Times New Roman" panose="02020603050405020304" pitchFamily="18" charset="0"/>
+                  </a:rPr>
+                  <a:t>control group </a:t>
+                </a:r>
+              </a:p>
+              <a:p>
+                <a:r>
+                  <a:rPr lang="en-US" sz="2400" dirty="0">
+                    <a:cs typeface="Times New Roman" panose="02020603050405020304" pitchFamily="18" charset="0"/>
+                  </a:rPr>
+                  <a:t>But are we limited to the control groups we observe?</a:t>
+                </a:r>
+              </a:p>
+              <a:p>
+                <a:endParaRPr lang="en-US" sz="2400" dirty="0">
+                  <a:cs typeface="Times New Roman" panose="02020603050405020304" pitchFamily="18" charset="0"/>
+                </a:endParaRPr>
+              </a:p>
+            </p:txBody>
+          </p:sp>
+        </mc:Choice>
+        <mc:Fallback xmlns="">
+          <p:sp>
+            <p:nvSpPr>
+              <p:cNvPr id="3" name="Content Placeholder 2"/>
+              <p:cNvSpPr>
+                <a:spLocks noGrp="1" noRot="1" noChangeAspect="1" noMove="1" noResize="1" noEditPoints="1" noAdjustHandles="1" noChangeArrowheads="1" noChangeShapeType="1" noTextEdit="1"/>
+              </p:cNvSpPr>
+              <p:nvPr>
+                <p:ph idx="1"/>
+              </p:nvPr>
+            </p:nvSpPr>
+            <p:spPr>
+              <a:xfrm>
+                <a:off x="1219199" y="1066801"/>
+                <a:ext cx="9405791" cy="5141388"/>
+              </a:xfrm>
+              <a:blipFill>
+                <a:blip r:embed="rId3"/>
+                <a:stretch>
+                  <a:fillRect l="-454" t="-1305"/>
+                </a:stretch>
+              </a:blipFill>
+            </p:spPr>
+            <p:txBody>
+              <a:bodyPr/>
+              <a:lstStyle/>
+              <a:p>
+                <a:r>
+                  <a:rPr lang="en-US">
+                    <a:noFill/>
+                  </a:rPr>
+                  <a:t> </a:t>
+                </a:r>
+              </a:p>
+            </p:txBody>
+          </p:sp>
+        </mc:Fallback>
+      </mc:AlternateContent>
+    </p:spTree>
+    <p:extLst>
+      <p:ext uri="{BB962C8B-B14F-4D97-AF65-F5344CB8AC3E}">
+        <p14:creationId xmlns:p14="http://schemas.microsoft.com/office/powerpoint/2010/main" val="3368403731"/>
+      </p:ext>
+    </p:extLst>
+  </p:cSld>
+  <p:clrMapOvr>
+    <a:masterClrMapping/>
+  </p:clrMapOvr>
+</p:sld>
+</file>
+
+<file path=ppt/slides/slide40.xml><?xml version="1.0" encoding="utf-8"?>
 <p:sld xmlns:a="http://schemas.openxmlformats.org/drawingml/2006/main" xmlns:r="http://schemas.openxmlformats.org/officeDocument/2006/relationships" xmlns:p="http://schemas.openxmlformats.org/presentationml/2006/main">
   <p:cSld>
     <p:spTree>
@@ -15465,7 +17557,7 @@
 </p:sld>
 </file>
 
-<file path=ppt/slides/slide36.xml><?xml version="1.0" encoding="utf-8"?>
+<file path=ppt/slides/slide41.xml><?xml version="1.0" encoding="utf-8"?>
 <p:sld xmlns:a="http://schemas.openxmlformats.org/drawingml/2006/main" xmlns:r="http://schemas.openxmlformats.org/officeDocument/2006/relationships" xmlns:p="http://schemas.openxmlformats.org/presentationml/2006/main">
   <p:cSld>
     <p:spTree>
@@ -15991,7 +18083,7 @@
 </p:sld>
 </file>
 
-<file path=ppt/slides/slide37.xml><?xml version="1.0" encoding="utf-8"?>
+<file path=ppt/slides/slide42.xml><?xml version="1.0" encoding="utf-8"?>
 <p:sld xmlns:a="http://schemas.openxmlformats.org/drawingml/2006/main" xmlns:r="http://schemas.openxmlformats.org/officeDocument/2006/relationships" xmlns:p="http://schemas.openxmlformats.org/presentationml/2006/main">
   <p:cSld>
     <p:spTree>
@@ -16999,7 +19091,7 @@
 </p:sld>
 </file>
 
-<file path=ppt/slides/slide38.xml><?xml version="1.0" encoding="utf-8"?>
+<file path=ppt/slides/slide43.xml><?xml version="1.0" encoding="utf-8"?>
 <p:sld xmlns:a="http://schemas.openxmlformats.org/drawingml/2006/main" xmlns:r="http://schemas.openxmlformats.org/officeDocument/2006/relationships" xmlns:p="http://schemas.openxmlformats.org/presentationml/2006/main">
   <p:cSld>
     <p:spTree>
@@ -17363,7 +19455,7 @@
 </p:sld>
 </file>
 
-<file path=ppt/slides/slide39.xml><?xml version="1.0" encoding="utf-8"?>
+<file path=ppt/slides/slide44.xml><?xml version="1.0" encoding="utf-8"?>
 <p:sld xmlns:a="http://schemas.openxmlformats.org/drawingml/2006/main" xmlns:r="http://schemas.openxmlformats.org/officeDocument/2006/relationships" xmlns:p="http://schemas.openxmlformats.org/presentationml/2006/main">
   <p:cSld>
     <p:spTree>
@@ -17950,422 +20042,7 @@
 </p:sld>
 </file>
 
-<file path=ppt/slides/slide4.xml><?xml version="1.0" encoding="utf-8"?>
-<p:sld xmlns:a="http://schemas.openxmlformats.org/drawingml/2006/main" xmlns:r="http://schemas.openxmlformats.org/officeDocument/2006/relationships" xmlns:p="http://schemas.openxmlformats.org/presentationml/2006/main">
-  <p:cSld>
-    <p:spTree>
-      <p:nvGrpSpPr>
-        <p:cNvPr id="1" name=""/>
-        <p:cNvGrpSpPr/>
-        <p:nvPr/>
-      </p:nvGrpSpPr>
-      <p:grpSpPr>
-        <a:xfrm>
-          <a:off x="0" y="0"/>
-          <a:ext cx="0" cy="0"/>
-          <a:chOff x="0" y="0"/>
-          <a:chExt cx="0" cy="0"/>
-        </a:xfrm>
-      </p:grpSpPr>
-      <p:sp>
-        <p:nvSpPr>
-          <p:cNvPr id="2" name="Title 1"/>
-          <p:cNvSpPr>
-            <a:spLocks noGrp="1"/>
-          </p:cNvSpPr>
-          <p:nvPr>
-            <p:ph type="title"/>
-          </p:nvPr>
-        </p:nvSpPr>
-        <p:spPr>
-          <a:xfrm>
-            <a:off x="609600" y="337392"/>
-            <a:ext cx="10439400" cy="624840"/>
-          </a:xfrm>
-        </p:spPr>
-        <p:txBody>
-          <a:bodyPr>
-            <a:noAutofit/>
-          </a:bodyPr>
-          <a:lstStyle/>
-          <a:p>
-            <a:r>
-              <a:rPr lang="en-US" sz="3600" dirty="0">
-                <a:cs typeface="Times New Roman" panose="02020603050405020304" pitchFamily="18" charset="0"/>
-              </a:rPr>
-              <a:t>What are we </a:t>
-            </a:r>
-            <a:r>
-              <a:rPr lang="en-US" sz="3600" dirty="0" err="1">
-                <a:cs typeface="Times New Roman" panose="02020603050405020304" pitchFamily="18" charset="0"/>
-              </a:rPr>
-              <a:t>DIDing</a:t>
-            </a:r>
-            <a:r>
-              <a:rPr lang="en-US" sz="3600" dirty="0">
-                <a:cs typeface="Times New Roman" panose="02020603050405020304" pitchFamily="18" charset="0"/>
-              </a:rPr>
-              <a:t>? </a:t>
-            </a:r>
-            <a:endParaRPr lang="en-US" sz="3600" dirty="0">
-              <a:latin typeface="Times New Roman" panose="02020603050405020304" pitchFamily="18" charset="0"/>
-              <a:cs typeface="Times New Roman" panose="02020603050405020304" pitchFamily="18" charset="0"/>
-            </a:endParaRPr>
-          </a:p>
-        </p:txBody>
-      </p:sp>
-      <mc:AlternateContent xmlns:mc="http://schemas.openxmlformats.org/markup-compatibility/2006" xmlns:a14="http://schemas.microsoft.com/office/drawing/2010/main">
-        <mc:Choice Requires="a14">
-          <p:sp>
-            <p:nvSpPr>
-              <p:cNvPr id="3" name="Content Placeholder 2"/>
-              <p:cNvSpPr>
-                <a:spLocks noGrp="1"/>
-              </p:cNvSpPr>
-              <p:nvPr>
-                <p:ph idx="1"/>
-              </p:nvPr>
-            </p:nvSpPr>
-            <p:spPr>
-              <a:xfrm>
-                <a:off x="1219199" y="1066801"/>
-                <a:ext cx="9405791" cy="5141388"/>
-              </a:xfrm>
-            </p:spPr>
-            <p:txBody>
-              <a:bodyPr>
-                <a:noAutofit/>
-              </a:bodyPr>
-              <a:lstStyle/>
-              <a:p>
-                <a:r>
-                  <a:rPr lang="en-US" sz="2400" dirty="0">
-                    <a:cs typeface="Times New Roman" panose="02020603050405020304" pitchFamily="18" charset="0"/>
-                  </a:rPr>
-                  <a:t>Typical DID framework is a way to use </a:t>
-                </a:r>
-                <a:r>
-                  <a:rPr lang="en-US" sz="2400" b="1" dirty="0">
-                    <a:solidFill>
-                      <a:schemeClr val="accent2">
-                        <a:lumMod val="75000"/>
-                      </a:schemeClr>
-                    </a:solidFill>
-                    <a:cs typeface="Times New Roman" panose="02020603050405020304" pitchFamily="18" charset="0"/>
-                  </a:rPr>
-                  <a:t>observational data </a:t>
-                </a:r>
-                <a:r>
-                  <a:rPr lang="en-US" sz="2400" dirty="0">
-                    <a:cs typeface="Times New Roman" panose="02020603050405020304" pitchFamily="18" charset="0"/>
-                  </a:rPr>
-                  <a:t>to examine </a:t>
-                </a:r>
-                <a:r>
-                  <a:rPr lang="en-US" sz="2400" b="1" dirty="0">
-                    <a:solidFill>
-                      <a:schemeClr val="accent3">
-                        <a:lumMod val="75000"/>
-                      </a:schemeClr>
-                    </a:solidFill>
-                    <a:cs typeface="Times New Roman" panose="02020603050405020304" pitchFamily="18" charset="0"/>
-                  </a:rPr>
-                  <a:t>potential outcomes</a:t>
-                </a:r>
-              </a:p>
-              <a:p>
-                <a:r>
-                  <a:rPr lang="en-US" sz="2400" dirty="0">
-                    <a:cs typeface="Times New Roman" panose="02020603050405020304" pitchFamily="18" charset="0"/>
-                  </a:rPr>
-                  <a:t>We would like to have: </a:t>
-                </a:r>
-              </a:p>
-              <a:p>
-                <a:pPr marL="0" indent="0">
-                  <a:buNone/>
-                </a:pPr>
-                <a14:m>
-                  <m:oMathPara xmlns:m="http://schemas.openxmlformats.org/officeDocument/2006/math">
-                    <m:oMathParaPr>
-                      <m:jc m:val="centerGroup"/>
-                    </m:oMathParaPr>
-                    <m:oMath xmlns:m="http://schemas.openxmlformats.org/officeDocument/2006/math">
-                      <m:sSub>
-                        <m:sSubPr>
-                          <m:ctrlPr>
-                            <a:rPr lang="en-US" sz="2400" b="0" i="1" smtClean="0">
-                              <a:latin typeface="Cambria Math" panose="02040503050406030204" pitchFamily="18" charset="0"/>
-                              <a:cs typeface="Times New Roman" panose="02020603050405020304" pitchFamily="18" charset="0"/>
-                            </a:rPr>
-                          </m:ctrlPr>
-                        </m:sSubPr>
-                        <m:e>
-                          <m:r>
-                            <a:rPr lang="en-US" sz="2400" b="0" i="1" smtClean="0">
-                              <a:latin typeface="Cambria Math" panose="02040503050406030204" pitchFamily="18" charset="0"/>
-                              <a:cs typeface="Times New Roman" panose="02020603050405020304" pitchFamily="18" charset="0"/>
-                            </a:rPr>
-                            <m:t>𝛿</m:t>
-                          </m:r>
-                        </m:e>
-                        <m:sub>
-                          <m:r>
-                            <a:rPr lang="en-US" sz="2400" b="0" i="1" smtClean="0">
-                              <a:latin typeface="Cambria Math" panose="02040503050406030204" pitchFamily="18" charset="0"/>
-                              <a:cs typeface="Times New Roman" panose="02020603050405020304" pitchFamily="18" charset="0"/>
-                            </a:rPr>
-                            <m:t>𝑖𝑡</m:t>
-                          </m:r>
-                        </m:sub>
-                      </m:sSub>
-                      <m:r>
-                        <a:rPr lang="en-US" sz="2400" b="0" i="1" smtClean="0">
-                          <a:latin typeface="Cambria Math" panose="02040503050406030204" pitchFamily="18" charset="0"/>
-                          <a:cs typeface="Times New Roman" panose="02020603050405020304" pitchFamily="18" charset="0"/>
-                        </a:rPr>
-                        <m:t>=</m:t>
-                      </m:r>
-                      <m:sSubSup>
-                        <m:sSubSupPr>
-                          <m:ctrlPr>
-                            <a:rPr lang="en-US" sz="2400" b="0" i="1" smtClean="0">
-                              <a:latin typeface="Cambria Math" panose="02040503050406030204" pitchFamily="18" charset="0"/>
-                              <a:cs typeface="Times New Roman" panose="02020603050405020304" pitchFamily="18" charset="0"/>
-                            </a:rPr>
-                          </m:ctrlPr>
-                        </m:sSubSupPr>
-                        <m:e>
-                          <m:r>
-                            <a:rPr lang="en-US" sz="2400" b="0" i="1" smtClean="0">
-                              <a:latin typeface="Cambria Math" panose="02040503050406030204" pitchFamily="18" charset="0"/>
-                              <a:cs typeface="Times New Roman" panose="02020603050405020304" pitchFamily="18" charset="0"/>
-                            </a:rPr>
-                            <m:t>𝑌</m:t>
-                          </m:r>
-                        </m:e>
-                        <m:sub>
-                          <m:r>
-                            <a:rPr lang="en-US" sz="2400" b="0" i="1" smtClean="0">
-                              <a:latin typeface="Cambria Math" panose="02040503050406030204" pitchFamily="18" charset="0"/>
-                              <a:cs typeface="Times New Roman" panose="02020603050405020304" pitchFamily="18" charset="0"/>
-                            </a:rPr>
-                            <m:t>𝑖𝑡</m:t>
-                          </m:r>
-                        </m:sub>
-                        <m:sup>
-                          <m:r>
-                            <a:rPr lang="en-US" sz="2400" b="0" i="1" smtClean="0">
-                              <a:latin typeface="Cambria Math" panose="02040503050406030204" pitchFamily="18" charset="0"/>
-                              <a:cs typeface="Times New Roman" panose="02020603050405020304" pitchFamily="18" charset="0"/>
-                            </a:rPr>
-                            <m:t>1</m:t>
-                          </m:r>
-                        </m:sup>
-                      </m:sSubSup>
-                      <m:r>
-                        <a:rPr lang="en-US" sz="2400" b="0" i="1" smtClean="0">
-                          <a:latin typeface="Cambria Math" panose="02040503050406030204" pitchFamily="18" charset="0"/>
-                          <a:cs typeface="Times New Roman" panose="02020603050405020304" pitchFamily="18" charset="0"/>
-                        </a:rPr>
-                        <m:t>−</m:t>
-                      </m:r>
-                      <m:sSubSup>
-                        <m:sSubSupPr>
-                          <m:ctrlPr>
-                            <a:rPr lang="en-US" sz="2400" b="0" i="1" smtClean="0">
-                              <a:latin typeface="Cambria Math" panose="02040503050406030204" pitchFamily="18" charset="0"/>
-                              <a:cs typeface="Times New Roman" panose="02020603050405020304" pitchFamily="18" charset="0"/>
-                            </a:rPr>
-                          </m:ctrlPr>
-                        </m:sSubSupPr>
-                        <m:e>
-                          <m:r>
-                            <a:rPr lang="en-US" sz="2400" b="0" i="1" smtClean="0">
-                              <a:latin typeface="Cambria Math" panose="02040503050406030204" pitchFamily="18" charset="0"/>
-                              <a:cs typeface="Times New Roman" panose="02020603050405020304" pitchFamily="18" charset="0"/>
-                            </a:rPr>
-                            <m:t>𝑌</m:t>
-                          </m:r>
-                        </m:e>
-                        <m:sub>
-                          <m:r>
-                            <a:rPr lang="en-US" sz="2400" b="0" i="1" smtClean="0">
-                              <a:latin typeface="Cambria Math" panose="02040503050406030204" pitchFamily="18" charset="0"/>
-                              <a:cs typeface="Times New Roman" panose="02020603050405020304" pitchFamily="18" charset="0"/>
-                            </a:rPr>
-                            <m:t>𝑖𝑡</m:t>
-                          </m:r>
-                        </m:sub>
-                        <m:sup>
-                          <m:r>
-                            <a:rPr lang="en-US" sz="2400" b="0" i="1" smtClean="0">
-                              <a:latin typeface="Cambria Math" panose="02040503050406030204" pitchFamily="18" charset="0"/>
-                              <a:cs typeface="Times New Roman" panose="02020603050405020304" pitchFamily="18" charset="0"/>
-                            </a:rPr>
-                            <m:t>0</m:t>
-                          </m:r>
-                        </m:sup>
-                      </m:sSubSup>
-                    </m:oMath>
-                  </m:oMathPara>
-                </a14:m>
-                <a:endParaRPr lang="en-US" sz="2400" dirty="0">
-                  <a:cs typeface="Times New Roman" panose="02020603050405020304" pitchFamily="18" charset="0"/>
-                </a:endParaRPr>
-              </a:p>
-              <a:p>
-                <a:r>
-                  <a:rPr lang="en-US" sz="2400" dirty="0">
-                    <a:cs typeface="Times New Roman" panose="02020603050405020304" pitchFamily="18" charset="0"/>
-                  </a:rPr>
-                  <a:t>When </a:t>
-                </a:r>
-                <a14:m>
-                  <m:oMath xmlns:m="http://schemas.openxmlformats.org/officeDocument/2006/math">
-                    <m:sSubSup>
-                      <m:sSubSupPr>
-                        <m:ctrlPr>
-                          <a:rPr lang="en-US" sz="2400" b="0" i="1" smtClean="0">
-                            <a:latin typeface="Cambria Math" panose="02040503050406030204" pitchFamily="18" charset="0"/>
-                            <a:cs typeface="Times New Roman" panose="02020603050405020304" pitchFamily="18" charset="0"/>
-                          </a:rPr>
-                        </m:ctrlPr>
-                      </m:sSubSupPr>
-                      <m:e>
-                        <m:r>
-                          <a:rPr lang="en-US" sz="2400" b="0" i="1" smtClean="0">
-                            <a:latin typeface="Cambria Math" panose="02040503050406030204" pitchFamily="18" charset="0"/>
-                            <a:cs typeface="Times New Roman" panose="02020603050405020304" pitchFamily="18" charset="0"/>
-                          </a:rPr>
-                          <m:t>𝑌</m:t>
-                        </m:r>
-                      </m:e>
-                      <m:sub>
-                        <m:r>
-                          <a:rPr lang="en-US" sz="2400" b="0" i="1" smtClean="0">
-                            <a:latin typeface="Cambria Math" panose="02040503050406030204" pitchFamily="18" charset="0"/>
-                            <a:cs typeface="Times New Roman" panose="02020603050405020304" pitchFamily="18" charset="0"/>
-                          </a:rPr>
-                          <m:t>𝑖𝑡</m:t>
-                        </m:r>
-                      </m:sub>
-                      <m:sup>
-                        <m:r>
-                          <a:rPr lang="en-US" sz="2400" b="0" i="1" smtClean="0">
-                            <a:latin typeface="Cambria Math" panose="02040503050406030204" pitchFamily="18" charset="0"/>
-                            <a:cs typeface="Times New Roman" panose="02020603050405020304" pitchFamily="18" charset="0"/>
-                          </a:rPr>
-                          <m:t>0</m:t>
-                        </m:r>
-                      </m:sup>
-                    </m:sSubSup>
-                  </m:oMath>
-                </a14:m>
-                <a:r>
-                  <a:rPr lang="en-US" sz="2400" dirty="0">
-                    <a:cs typeface="Times New Roman" panose="02020603050405020304" pitchFamily="18" charset="0"/>
-                  </a:rPr>
-                  <a:t> is unobserved, we </a:t>
-                </a:r>
-                <a:r>
-                  <a:rPr lang="en-US" sz="2400" u="sng" dirty="0">
-                    <a:cs typeface="Times New Roman" panose="02020603050405020304" pitchFamily="18" charset="0"/>
-                  </a:rPr>
-                  <a:t>proxy it</a:t>
-                </a:r>
-                <a:r>
-                  <a:rPr lang="en-US" sz="2400" b="1" dirty="0">
-                    <a:cs typeface="Times New Roman" panose="02020603050405020304" pitchFamily="18" charset="0"/>
-                  </a:rPr>
-                  <a:t> </a:t>
-                </a:r>
-                <a:r>
-                  <a:rPr lang="en-US" sz="2400" dirty="0">
-                    <a:cs typeface="Times New Roman" panose="02020603050405020304" pitchFamily="18" charset="0"/>
-                  </a:rPr>
-                  <a:t>with a </a:t>
-                </a:r>
-                <a:r>
-                  <a:rPr lang="en-US" sz="2400" dirty="0">
-                    <a:solidFill>
-                      <a:schemeClr val="accent2">
-                        <a:lumMod val="75000"/>
-                      </a:schemeClr>
-                    </a:solidFill>
-                    <a:cs typeface="Times New Roman" panose="02020603050405020304" pitchFamily="18" charset="0"/>
-                  </a:rPr>
-                  <a:t>control group </a:t>
-                </a:r>
-              </a:p>
-              <a:p>
-                <a:r>
-                  <a:rPr lang="en-US" sz="2400" dirty="0">
-                    <a:cs typeface="Times New Roman" panose="02020603050405020304" pitchFamily="18" charset="0"/>
-                  </a:rPr>
-                  <a:t>But are we limited to the control groups we observe?</a:t>
-                </a:r>
-              </a:p>
-              <a:p>
-                <a:endParaRPr lang="en-US" sz="2400" dirty="0">
-                  <a:cs typeface="Times New Roman" panose="02020603050405020304" pitchFamily="18" charset="0"/>
-                </a:endParaRPr>
-              </a:p>
-            </p:txBody>
-          </p:sp>
-        </mc:Choice>
-        <mc:Fallback xmlns="">
-          <p:sp>
-            <p:nvSpPr>
-              <p:cNvPr id="3" name="Content Placeholder 2"/>
-              <p:cNvSpPr>
-                <a:spLocks noGrp="1" noRot="1" noChangeAspect="1" noMove="1" noResize="1" noEditPoints="1" noAdjustHandles="1" noChangeArrowheads="1" noChangeShapeType="1" noTextEdit="1"/>
-              </p:cNvSpPr>
-              <p:nvPr>
-                <p:ph idx="1"/>
-              </p:nvPr>
-            </p:nvSpPr>
-            <p:spPr>
-              <a:xfrm>
-                <a:off x="1219199" y="1066801"/>
-                <a:ext cx="9405791" cy="5141388"/>
-              </a:xfrm>
-              <a:blipFill>
-                <a:blip r:embed="rId3"/>
-                <a:stretch>
-                  <a:fillRect l="-454" t="-1305"/>
-                </a:stretch>
-              </a:blipFill>
-            </p:spPr>
-            <p:txBody>
-              <a:bodyPr/>
-              <a:lstStyle/>
-              <a:p>
-                <a:r>
-                  <a:rPr lang="en-US">
-                    <a:noFill/>
-                  </a:rPr>
-                  <a:t> </a:t>
-                </a:r>
-              </a:p>
-            </p:txBody>
-          </p:sp>
-        </mc:Fallback>
-      </mc:AlternateContent>
-    </p:spTree>
-    <p:extLst>
-      <p:ext uri="{BB962C8B-B14F-4D97-AF65-F5344CB8AC3E}">
-        <p14:creationId xmlns:p14="http://schemas.microsoft.com/office/powerpoint/2010/main" val="3368403731"/>
-      </p:ext>
-    </p:extLst>
-  </p:cSld>
-  <p:clrMapOvr>
-    <a:masterClrMapping/>
-  </p:clrMapOvr>
-</p:sld>
-</file>
-
-<file path=ppt/slides/slide40.xml><?xml version="1.0" encoding="utf-8"?>
+<file path=ppt/slides/slide45.xml><?xml version="1.0" encoding="utf-8"?>
 <p:sld xmlns:a="http://schemas.openxmlformats.org/drawingml/2006/main" xmlns:r="http://schemas.openxmlformats.org/officeDocument/2006/relationships" xmlns:p="http://schemas.openxmlformats.org/presentationml/2006/main">
   <p:cSld>
     <p:spTree>
@@ -18860,7 +20537,7 @@
 </p:sld>
 </file>
 
-<file path=ppt/slides/slide41.xml><?xml version="1.0" encoding="utf-8"?>
+<file path=ppt/slides/slide46.xml><?xml version="1.0" encoding="utf-8"?>
 <p:sld xmlns:a="http://schemas.openxmlformats.org/drawingml/2006/main" xmlns:r="http://schemas.openxmlformats.org/officeDocument/2006/relationships" xmlns:p="http://schemas.openxmlformats.org/presentationml/2006/main">
   <p:cSld>
     <p:spTree>
@@ -19172,7 +20849,7 @@
 </p:sld>
 </file>
 
-<file path=ppt/slides/slide42.xml><?xml version="1.0" encoding="utf-8"?>
+<file path=ppt/slides/slide47.xml><?xml version="1.0" encoding="utf-8"?>
 <p:sld xmlns:a="http://schemas.openxmlformats.org/drawingml/2006/main" xmlns:r="http://schemas.openxmlformats.org/officeDocument/2006/relationships" xmlns:p="http://schemas.openxmlformats.org/presentationml/2006/main">
   <p:cSld>
     <p:spTree>
@@ -19406,7 +21083,7 @@
 </p:sld>
 </file>
 
-<file path=ppt/slides/slide43.xml><?xml version="1.0" encoding="utf-8"?>
+<file path=ppt/slides/slide48.xml><?xml version="1.0" encoding="utf-8"?>
 <p:sld xmlns:a="http://schemas.openxmlformats.org/drawingml/2006/main" xmlns:r="http://schemas.openxmlformats.org/officeDocument/2006/relationships" xmlns:p="http://schemas.openxmlformats.org/presentationml/2006/main">
   <p:cSld>
     <p:spTree>

--- a/Lecture10_SyntheticControl_QuantileRegression/Lecture10_SyntheticControl_QuantileRegression.pptx
+++ b/Lecture10_SyntheticControl_QuantileRegression/Lecture10_SyntheticControl_QuantileRegression.pptx
@@ -5,7 +5,7 @@
     <p:sldMasterId id="2147483738" r:id="rId1"/>
   </p:sldMasterIdLst>
   <p:notesMasterIdLst>
-    <p:notesMasterId r:id="rId50"/>
+    <p:notesMasterId r:id="rId57"/>
   </p:notesMasterIdLst>
   <p:sldIdLst>
     <p:sldId id="256" r:id="rId2"/>
@@ -23,39 +23,46 @@
     <p:sldId id="605" r:id="rId14"/>
     <p:sldId id="610" r:id="rId15"/>
     <p:sldId id="598" r:id="rId16"/>
-    <p:sldId id="611" r:id="rId17"/>
-    <p:sldId id="612" r:id="rId18"/>
-    <p:sldId id="603" r:id="rId19"/>
-    <p:sldId id="607" r:id="rId20"/>
-    <p:sldId id="604" r:id="rId21"/>
-    <p:sldId id="613" r:id="rId22"/>
-    <p:sldId id="606" r:id="rId23"/>
-    <p:sldId id="634" r:id="rId24"/>
-    <p:sldId id="589" r:id="rId25"/>
-    <p:sldId id="614" r:id="rId26"/>
-    <p:sldId id="636" r:id="rId27"/>
-    <p:sldId id="637" r:id="rId28"/>
-    <p:sldId id="638" r:id="rId29"/>
-    <p:sldId id="639" r:id="rId30"/>
-    <p:sldId id="635" r:id="rId31"/>
-    <p:sldId id="616" r:id="rId32"/>
-    <p:sldId id="615" r:id="rId33"/>
-    <p:sldId id="617" r:id="rId34"/>
-    <p:sldId id="633" r:id="rId35"/>
-    <p:sldId id="618" r:id="rId36"/>
-    <p:sldId id="619" r:id="rId37"/>
-    <p:sldId id="620" r:id="rId38"/>
-    <p:sldId id="622" r:id="rId39"/>
-    <p:sldId id="624" r:id="rId40"/>
-    <p:sldId id="625" r:id="rId41"/>
-    <p:sldId id="629" r:id="rId42"/>
-    <p:sldId id="630" r:id="rId43"/>
-    <p:sldId id="628" r:id="rId44"/>
-    <p:sldId id="626" r:id="rId45"/>
-    <p:sldId id="627" r:id="rId46"/>
-    <p:sldId id="631" r:id="rId47"/>
-    <p:sldId id="632" r:id="rId48"/>
-    <p:sldId id="586" r:id="rId49"/>
+    <p:sldId id="640" r:id="rId17"/>
+    <p:sldId id="611" r:id="rId18"/>
+    <p:sldId id="612" r:id="rId19"/>
+    <p:sldId id="603" r:id="rId20"/>
+    <p:sldId id="607" r:id="rId21"/>
+    <p:sldId id="604" r:id="rId22"/>
+    <p:sldId id="613" r:id="rId23"/>
+    <p:sldId id="606" r:id="rId24"/>
+    <p:sldId id="634" r:id="rId25"/>
+    <p:sldId id="589" r:id="rId26"/>
+    <p:sldId id="614" r:id="rId27"/>
+    <p:sldId id="636" r:id="rId28"/>
+    <p:sldId id="637" r:id="rId29"/>
+    <p:sldId id="638" r:id="rId30"/>
+    <p:sldId id="639" r:id="rId31"/>
+    <p:sldId id="635" r:id="rId32"/>
+    <p:sldId id="616" r:id="rId33"/>
+    <p:sldId id="615" r:id="rId34"/>
+    <p:sldId id="617" r:id="rId35"/>
+    <p:sldId id="633" r:id="rId36"/>
+    <p:sldId id="618" r:id="rId37"/>
+    <p:sldId id="619" r:id="rId38"/>
+    <p:sldId id="620" r:id="rId39"/>
+    <p:sldId id="622" r:id="rId40"/>
+    <p:sldId id="641" r:id="rId41"/>
+    <p:sldId id="642" r:id="rId42"/>
+    <p:sldId id="643" r:id="rId43"/>
+    <p:sldId id="644" r:id="rId44"/>
+    <p:sldId id="645" r:id="rId45"/>
+    <p:sldId id="646" r:id="rId46"/>
+    <p:sldId id="624" r:id="rId47"/>
+    <p:sldId id="625" r:id="rId48"/>
+    <p:sldId id="629" r:id="rId49"/>
+    <p:sldId id="630" r:id="rId50"/>
+    <p:sldId id="628" r:id="rId51"/>
+    <p:sldId id="626" r:id="rId52"/>
+    <p:sldId id="627" r:id="rId53"/>
+    <p:sldId id="631" r:id="rId54"/>
+    <p:sldId id="632" r:id="rId55"/>
+    <p:sldId id="586" r:id="rId56"/>
   </p:sldIdLst>
   <p:sldSz cx="12192000" cy="6858000"/>
   <p:notesSz cx="7010400" cy="9296400"/>
@@ -187,6 +194,35 @@
           <inkml:channelProperty channel="Y" name="resolution" value="1000" units="1/cm"/>
         </inkml:channelProperties>
       </inkml:inkSource>
+      <inkml:timestamp xml:id="ts0" timeString="2022-11-14T15:51:18.492"/>
+    </inkml:context>
+    <inkml:brush xml:id="br0">
+      <inkml:brushProperty name="width" value="0.3" units="cm"/>
+      <inkml:brushProperty name="height" value="0.6" units="cm"/>
+      <inkml:brushProperty name="color" value="#FFFC00"/>
+      <inkml:brushProperty name="tip" value="rectangle"/>
+      <inkml:brushProperty name="rasterOp" value="maskPen"/>
+      <inkml:brushProperty name="ignorePressure" value="1"/>
+    </inkml:brush>
+  </inkml:definitions>
+  <inkml:trace contextRef="#ctx0" brushRef="#br0">0 113,'28'-2,"-1"-2,1 0,-1-2,47-16,17-4,-5 10,176-12,90 24,-238 4,8047 5,-7298 35,-162-2,-558-35,439 16,-2 40,-452-43,135 1,129-19,-147-1,4327 3,-4275-16,-142 5,190-17,-330 27,-1-1,1-1,17-5,0-4</inkml:trace>
+</inkml:ink>
+</file>
+
+<file path=ppt/ink/ink2.xml><?xml version="1.0" encoding="utf-8"?>
+<inkml:ink xmlns:inkml="http://www.w3.org/2003/InkML">
+  <inkml:definitions>
+    <inkml:context xml:id="ctx0">
+      <inkml:inkSource xml:id="inkSrc0">
+        <inkml:traceFormat>
+          <inkml:channel name="X" type="integer" min="-2.14748E9" max="2.14748E9" units="cm"/>
+          <inkml:channel name="Y" type="integer" min="-2.14748E9" max="2.14748E9" units="cm"/>
+        </inkml:traceFormat>
+        <inkml:channelProperties>
+          <inkml:channelProperty channel="X" name="resolution" value="1000" units="1/cm"/>
+          <inkml:channelProperty channel="Y" name="resolution" value="1000" units="1/cm"/>
+        </inkml:channelProperties>
+      </inkml:inkSource>
       <inkml:timestamp xml:id="ts0" timeString="2022-11-07T14:37:21.065"/>
     </inkml:context>
     <inkml:brush xml:id="br0">
@@ -202,7 +238,7 @@
 </inkml:ink>
 </file>
 
-<file path=ppt/ink/ink2.xml><?xml version="1.0" encoding="utf-8"?>
+<file path=ppt/ink/ink3.xml><?xml version="1.0" encoding="utf-8"?>
 <inkml:ink xmlns:inkml="http://www.w3.org/2003/InkML">
   <inkml:definitions>
     <inkml:context xml:id="ctx0">
@@ -231,7 +267,7 @@
 </inkml:ink>
 </file>
 
-<file path=ppt/ink/ink3.xml><?xml version="1.0" encoding="utf-8"?>
+<file path=ppt/ink/ink4.xml><?xml version="1.0" encoding="utf-8"?>
 <inkml:ink xmlns:inkml="http://www.w3.org/2003/InkML">
   <inkml:definitions>
     <inkml:context xml:id="ctx0">
@@ -260,7 +296,7 @@
 </inkml:ink>
 </file>
 
-<file path=ppt/ink/ink4.xml><?xml version="1.0" encoding="utf-8"?>
+<file path=ppt/ink/ink5.xml><?xml version="1.0" encoding="utf-8"?>
 <inkml:ink xmlns:inkml="http://www.w3.org/2003/InkML">
   <inkml:definitions>
     <inkml:context xml:id="ctx0">
@@ -371,7 +407,7 @@
           <a:p>
             <a:fld id="{EF911157-0FC2-4F06-8D61-FD647FE4E19D}" type="datetimeFigureOut">
               <a:rPr lang="en-US" smtClean="0"/>
-              <a:t>11/7/2022</a:t>
+              <a:t>11/14/2022</a:t>
             </a:fld>
             <a:endParaRPr lang="en-US"/>
           </a:p>
@@ -691,7 +727,10 @@
               <a:buFont typeface="Arial" panose="020B0604020202020204" pitchFamily="34" charset="0"/>
               <a:buNone/>
             </a:pPr>
-            <a:endParaRPr lang="en-US" dirty="0"/>
+            <a:r>
+              <a:rPr lang="en-US" dirty="0"/>
+              <a:t>Announcement: we will do course evaluations sometime in the next lecture – please bring your laptop and your critiques! </a:t>
+            </a:r>
           </a:p>
         </p:txBody>
       </p:sp>
@@ -1092,7 +1131,7 @@
           <a:p>
             <a:r>
               <a:rPr lang="en-US" dirty="0"/>
-              <a:t>Show table of assigned weights here. </a:t>
+              <a:t>Show table of assigned weights here. (This is from Lang et al.)</a:t>
             </a:r>
           </a:p>
         </p:txBody>
@@ -1353,21 +1392,7 @@
           <a:p>
             <a:r>
               <a:rPr lang="en-US" dirty="0"/>
-              <a:t>If the </a:t>
-            </a:r>
-            <a:r>
-              <a:rPr lang="en-US" dirty="0" err="1"/>
-              <a:t>pretrends</a:t>
-            </a:r>
-            <a:r>
-              <a:rPr lang="en-US" dirty="0"/>
-              <a:t> aren’t essentially null here, you have done something wrong—this is the constraint imposed by the construction of the synth. </a:t>
-            </a:r>
-          </a:p>
-          <a:p>
-            <a:r>
-              <a:rPr lang="en-US" dirty="0"/>
-              <a:t>The treatment effects here are inherently dynamic because we are really just taking a period-specific difference (think potential outcome). All of the estimation work is in the construction of the time series. </a:t>
+              <a:t>Look at pre-trends, then differences following policy enforcement. What’s the treatment effect here? How do we interpret it?</a:t>
             </a:r>
           </a:p>
         </p:txBody>
@@ -1398,7 +1423,7 @@
     </p:spTree>
     <p:extLst>
       <p:ext uri="{BB962C8B-B14F-4D97-AF65-F5344CB8AC3E}">
-        <p14:creationId xmlns:p14="http://schemas.microsoft.com/office/powerpoint/2010/main" val="2817938372"/>
+        <p14:creationId xmlns:p14="http://schemas.microsoft.com/office/powerpoint/2010/main" val="4255491554"/>
       </p:ext>
     </p:extLst>
   </p:cSld>
@@ -1454,15 +1479,13 @@
           <a:p>
             <a:r>
               <a:rPr lang="en-US" dirty="0"/>
-              <a:t>Difference between the two. Can get these Cis by bootstrapping (or see replication code in </a:t>
-            </a:r>
-            <a:r>
-              <a:rPr lang="en-US" dirty="0" err="1"/>
-              <a:t>Github</a:t>
-            </a:r>
+              <a:t>If the pre-trends aren’t essentially null here, you have done something wrong—this is the constraint imposed by the construction of the synth. </a:t>
+            </a:r>
+          </a:p>
+          <a:p>
             <a:r>
               <a:rPr lang="en-US" dirty="0"/>
-              <a:t> to see how to do conformal inference)</a:t>
+              <a:t>The treatment effects here are inherently dynamic because we are really just taking a period-specific difference (think potential outcome). All of the estimation work is in the construction of the time series. We’ll talk more about standard error options on next slide. </a:t>
             </a:r>
           </a:p>
         </p:txBody>
@@ -1493,7 +1516,7 @@
     </p:spTree>
     <p:extLst>
       <p:ext uri="{BB962C8B-B14F-4D97-AF65-F5344CB8AC3E}">
-        <p14:creationId xmlns:p14="http://schemas.microsoft.com/office/powerpoint/2010/main" val="3297048047"/>
+        <p14:creationId xmlns:p14="http://schemas.microsoft.com/office/powerpoint/2010/main" val="2817938372"/>
       </p:ext>
     </p:extLst>
   </p:cSld>
@@ -1549,7 +1572,15 @@
           <a:p>
             <a:r>
               <a:rPr lang="en-US" dirty="0"/>
-              <a:t>RBI is a whole topic, happy to explore that in more detail in one of the last two lectures if there is interest. </a:t>
+              <a:t>How does this compare to results from last time? Difference between the two. Can get these Cis by bootstrapping (or see replication code in </a:t>
+            </a:r>
+            <a:r>
+              <a:rPr lang="en-US" dirty="0" err="1"/>
+              <a:t>Github</a:t>
+            </a:r>
+            <a:r>
+              <a:rPr lang="en-US" dirty="0"/>
+              <a:t> to see how to do conformal inference). See units on left of graph – what are we talking here? </a:t>
             </a:r>
           </a:p>
         </p:txBody>
@@ -1580,7 +1611,7 @@
     </p:spTree>
     <p:extLst>
       <p:ext uri="{BB962C8B-B14F-4D97-AF65-F5344CB8AC3E}">
-        <p14:creationId xmlns:p14="http://schemas.microsoft.com/office/powerpoint/2010/main" val="568765150"/>
+        <p14:creationId xmlns:p14="http://schemas.microsoft.com/office/powerpoint/2010/main" val="3297048047"/>
       </p:ext>
     </p:extLst>
   </p:cSld>
@@ -1636,21 +1667,8 @@
           <a:p>
             <a:r>
               <a:rPr lang="en-US" dirty="0"/>
-              <a:t>For (1), you drop your actually treated observation and work only with the other donor pool states. Construct a new synthetic OR, WV, DC, etc. Then </a:t>
-            </a:r>
-            <a:r>
-              <a:rPr lang="en-US" dirty="0" err="1"/>
-              <a:t>chek</a:t>
-            </a:r>
-            <a:r>
-              <a:rPr lang="en-US" dirty="0"/>
-              <a:t> what percentile your actual effect is in the “null distribution” you have created. Obviously, these work better if you have </a:t>
-            </a:r>
-            <a:r>
-              <a:rPr lang="en-US"/>
-              <a:t>many units in the donor pool. </a:t>
-            </a:r>
-            <a:endParaRPr lang="en-US" dirty="0"/>
+              <a:t>RBI is a whole topic, happy to explore that in more detail with students who are interested (see Nick/Scott’s textbooks). It’s like bootstrapping. </a:t>
+            </a:r>
           </a:p>
         </p:txBody>
       </p:sp>
@@ -1680,7 +1698,7 @@
     </p:spTree>
     <p:extLst>
       <p:ext uri="{BB962C8B-B14F-4D97-AF65-F5344CB8AC3E}">
-        <p14:creationId xmlns:p14="http://schemas.microsoft.com/office/powerpoint/2010/main" val="3275795211"/>
+        <p14:creationId xmlns:p14="http://schemas.microsoft.com/office/powerpoint/2010/main" val="568765150"/>
       </p:ext>
     </p:extLst>
   </p:cSld>
@@ -1823,7 +1841,7 @@
           <a:p>
             <a:r>
               <a:rPr lang="en-US" dirty="0"/>
-              <a:t>Running this is why the code before took a while – other placebos are mentioned in the code. How do we interpret this figure? </a:t>
+              <a:t>For (1), you drop your actually treated observation and work only with the other donor pool states. Construct a new synthetic OR, WV, DC, etc. Then check what percentile your actual effect is in the “null distribution” you have created. Obviously, these work better if you have many units in the donor pool. </a:t>
             </a:r>
           </a:p>
         </p:txBody>
@@ -1854,7 +1872,7 @@
     </p:spTree>
     <p:extLst>
       <p:ext uri="{BB962C8B-B14F-4D97-AF65-F5344CB8AC3E}">
-        <p14:creationId xmlns:p14="http://schemas.microsoft.com/office/powerpoint/2010/main" val="1007013562"/>
+        <p14:creationId xmlns:p14="http://schemas.microsoft.com/office/powerpoint/2010/main" val="3275795211"/>
       </p:ext>
     </p:extLst>
   </p:cSld>
@@ -1910,7 +1928,7 @@
           <a:p>
             <a:r>
               <a:rPr lang="en-US" dirty="0"/>
-              <a:t>This is the essence of randomization inference – no code, can you figure this out yourself? </a:t>
+              <a:t>Running this is why the code before took a while – other placebos are mentioned in the code. How do we interpret this figure? </a:t>
             </a:r>
           </a:p>
         </p:txBody>
@@ -1941,7 +1959,7 @@
     </p:spTree>
     <p:extLst>
       <p:ext uri="{BB962C8B-B14F-4D97-AF65-F5344CB8AC3E}">
-        <p14:creationId xmlns:p14="http://schemas.microsoft.com/office/powerpoint/2010/main" val="2439810711"/>
+        <p14:creationId xmlns:p14="http://schemas.microsoft.com/office/powerpoint/2010/main" val="1007013562"/>
       </p:ext>
     </p:extLst>
   </p:cSld>
@@ -1997,19 +2015,8 @@
           <a:p>
             <a:r>
               <a:rPr lang="en-US" dirty="0"/>
-              <a:t>RBI is a whole topic, happy to explore that in more detail in one of the last two lectures if there is interest. A note on matching on outcome: </a:t>
-            </a:r>
-            <a:r>
-              <a:rPr lang="en-US" sz="1200" b="0" i="0" dirty="0">
-                <a:solidFill>
-                  <a:srgbClr val="222222"/>
-                </a:solidFill>
-                <a:effectLst/>
-                <a:latin typeface="Source Sans Pro" panose="020B0503030403020204" pitchFamily="34" charset="0"/>
-              </a:rPr>
-              <a:t>Plus, other methods like difference-in-differences also use information about pre-treatment outcomes to produce their estimate. They just do so in less obvious ways. </a:t>
-            </a:r>
-            <a:endParaRPr lang="en-US" dirty="0"/>
+              <a:t>This is the essence of randomization inference – no code, can you figure this out yourself? Basically, how much does the post-treatment stand out from the pre-treatment fit?</a:t>
+            </a:r>
           </a:p>
         </p:txBody>
       </p:sp>
@@ -2039,7 +2046,7 @@
     </p:spTree>
     <p:extLst>
       <p:ext uri="{BB962C8B-B14F-4D97-AF65-F5344CB8AC3E}">
-        <p14:creationId xmlns:p14="http://schemas.microsoft.com/office/powerpoint/2010/main" val="541394651"/>
+        <p14:creationId xmlns:p14="http://schemas.microsoft.com/office/powerpoint/2010/main" val="2439810711"/>
       </p:ext>
     </p:extLst>
   </p:cSld>
@@ -2093,6 +2100,20 @@
           <a:bodyPr/>
           <a:lstStyle/>
           <a:p>
+            <a:r>
+              <a:rPr lang="en-US" dirty="0"/>
+              <a:t>A note on matching on outcome: </a:t>
+            </a:r>
+            <a:r>
+              <a:rPr lang="en-US" sz="1200" b="0" i="0" dirty="0">
+                <a:solidFill>
+                  <a:srgbClr val="222222"/>
+                </a:solidFill>
+                <a:effectLst/>
+                <a:latin typeface="Source Sans Pro" panose="020B0503030403020204" pitchFamily="34" charset="0"/>
+              </a:rPr>
+              <a:t>Plus, other methods like difference-in-differences also use information about pre-treatment outcomes to produce their estimate. They just do so in less obvious ways. </a:t>
+            </a:r>
             <a:endParaRPr lang="en-US" dirty="0"/>
           </a:p>
         </p:txBody>
@@ -2123,7 +2144,7 @@
     </p:spTree>
     <p:extLst>
       <p:ext uri="{BB962C8B-B14F-4D97-AF65-F5344CB8AC3E}">
-        <p14:creationId xmlns:p14="http://schemas.microsoft.com/office/powerpoint/2010/main" val="1475033141"/>
+        <p14:creationId xmlns:p14="http://schemas.microsoft.com/office/powerpoint/2010/main" val="541394651"/>
       </p:ext>
     </p:extLst>
   </p:cSld>
@@ -2177,20 +2198,6 @@
           <a:bodyPr/>
           <a:lstStyle/>
           <a:p>
-            <a:r>
-              <a:rPr lang="en-US" dirty="0"/>
-              <a:t>Example: new study claimed to find “clear evidence” for the serotonin hypothesis of depression (</a:t>
-            </a:r>
-            <a:r>
-              <a:rPr lang="en-CA" b="0" i="0" dirty="0">
-                <a:solidFill>
-                  <a:srgbClr val="4D5156"/>
-                </a:solidFill>
-                <a:effectLst/>
-                <a:latin typeface="Roboto" panose="02000000000000000000" pitchFamily="2" charset="0"/>
-              </a:rPr>
-              <a:t>deficit in brain serotonin causes depression)</a:t>
-            </a:r>
             <a:endParaRPr lang="en-US" dirty="0"/>
           </a:p>
         </p:txBody>
@@ -2212,7 +2219,7 @@
           <a:p>
             <a:fld id="{4AF79E1B-2C51-4B9B-8EA4-26DE9E345AFF}" type="slidenum">
               <a:rPr lang="en-US" smtClean="0"/>
-              <a:t>25</a:t>
+              <a:t>24</a:t>
             </a:fld>
             <a:endParaRPr lang="en-US"/>
           </a:p>
@@ -2221,7 +2228,7 @@
     </p:spTree>
     <p:extLst>
       <p:ext uri="{BB962C8B-B14F-4D97-AF65-F5344CB8AC3E}">
-        <p14:creationId xmlns:p14="http://schemas.microsoft.com/office/powerpoint/2010/main" val="534326552"/>
+        <p14:creationId xmlns:p14="http://schemas.microsoft.com/office/powerpoint/2010/main" val="1475033141"/>
       </p:ext>
     </p:extLst>
   </p:cSld>
@@ -2276,8 +2283,18 @@
           <a:lstStyle/>
           <a:p>
             <a:r>
-              <a:rPr lang="en-CA" dirty="0"/>
-              <a:t>Small sample size, simple regression (is this causal? Could be because it’s an RCT! But other issues abound)</a:t>
+              <a:rPr lang="en-US" dirty="0"/>
+              <a:t>Example: new study claimed to find “clear evidence” for the serotonin hypothesis of depression (</a:t>
+            </a:r>
+            <a:r>
+              <a:rPr lang="en-CA" b="0" i="0" dirty="0">
+                <a:solidFill>
+                  <a:srgbClr val="4D5156"/>
+                </a:solidFill>
+                <a:effectLst/>
+                <a:latin typeface="Roboto" panose="02000000000000000000" pitchFamily="2" charset="0"/>
+              </a:rPr>
+              <a:t>deficit in brain serotonin causes depression)</a:t>
             </a:r>
             <a:endParaRPr lang="en-US" dirty="0"/>
           </a:p>
@@ -2309,7 +2326,7 @@
     </p:spTree>
     <p:extLst>
       <p:ext uri="{BB962C8B-B14F-4D97-AF65-F5344CB8AC3E}">
-        <p14:creationId xmlns:p14="http://schemas.microsoft.com/office/powerpoint/2010/main" val="2880429362"/>
+        <p14:creationId xmlns:p14="http://schemas.microsoft.com/office/powerpoint/2010/main" val="534326552"/>
       </p:ext>
     </p:extLst>
   </p:cSld>
@@ -2365,7 +2382,7 @@
           <a:p>
             <a:r>
               <a:rPr lang="en-CA" dirty="0"/>
-              <a:t>Average indicates the treatment effect</a:t>
+              <a:t>Small sample size, simple regression (is this causal? Could be because it’s an RCT! But other issues abound)</a:t>
             </a:r>
             <a:endParaRPr lang="en-US" dirty="0"/>
           </a:p>
@@ -2397,7 +2414,7 @@
     </p:spTree>
     <p:extLst>
       <p:ext uri="{BB962C8B-B14F-4D97-AF65-F5344CB8AC3E}">
-        <p14:creationId xmlns:p14="http://schemas.microsoft.com/office/powerpoint/2010/main" val="1100338526"/>
+        <p14:creationId xmlns:p14="http://schemas.microsoft.com/office/powerpoint/2010/main" val="2880429362"/>
       </p:ext>
     </p:extLst>
   </p:cSld>
@@ -2453,7 +2470,7 @@
           <a:p>
             <a:r>
               <a:rPr lang="en-CA" dirty="0"/>
-              <a:t>It’s all outliers!</a:t>
+              <a:t>Average indicates the treatment effect</a:t>
             </a:r>
             <a:endParaRPr lang="en-US" dirty="0"/>
           </a:p>
@@ -2485,7 +2502,7 @@
     </p:spTree>
     <p:extLst>
       <p:ext uri="{BB962C8B-B14F-4D97-AF65-F5344CB8AC3E}">
-        <p14:creationId xmlns:p14="http://schemas.microsoft.com/office/powerpoint/2010/main" val="2307620350"/>
+        <p14:creationId xmlns:p14="http://schemas.microsoft.com/office/powerpoint/2010/main" val="1100338526"/>
       </p:ext>
     </p:extLst>
   </p:cSld>
@@ -2541,11 +2558,7 @@
           <a:p>
             <a:r>
               <a:rPr lang="en-CA" dirty="0"/>
-              <a:t>So what could be done instead? Measure effects across </a:t>
-            </a:r>
-            <a:r>
-              <a:rPr lang="en-CA"/>
-              <a:t>the distribution ! </a:t>
+              <a:t>It’s all outliers!</a:t>
             </a:r>
             <a:endParaRPr lang="en-US" dirty="0"/>
           </a:p>
@@ -2577,7 +2590,7 @@
     </p:spTree>
     <p:extLst>
       <p:ext uri="{BB962C8B-B14F-4D97-AF65-F5344CB8AC3E}">
-        <p14:creationId xmlns:p14="http://schemas.microsoft.com/office/powerpoint/2010/main" val="3708255401"/>
+        <p14:creationId xmlns:p14="http://schemas.microsoft.com/office/powerpoint/2010/main" val="2307620350"/>
       </p:ext>
     </p:extLst>
   </p:cSld>
@@ -2632,9 +2645,14 @@
           <a:lstStyle/>
           <a:p>
             <a:r>
-              <a:rPr lang="en-US" dirty="0"/>
-              <a:t>Couldn’t find a good figure for CA but is similar</a:t>
-            </a:r>
+              <a:rPr lang="en-CA" dirty="0"/>
+              <a:t>So what could be done instead? Measure effects across </a:t>
+            </a:r>
+            <a:r>
+              <a:rPr lang="en-CA"/>
+              <a:t>the distribution ! </a:t>
+            </a:r>
+            <a:endParaRPr lang="en-US" dirty="0"/>
           </a:p>
         </p:txBody>
       </p:sp>
@@ -2664,7 +2682,7 @@
     </p:spTree>
     <p:extLst>
       <p:ext uri="{BB962C8B-B14F-4D97-AF65-F5344CB8AC3E}">
-        <p14:creationId xmlns:p14="http://schemas.microsoft.com/office/powerpoint/2010/main" val="4104526759"/>
+        <p14:creationId xmlns:p14="http://schemas.microsoft.com/office/powerpoint/2010/main" val="3708255401"/>
       </p:ext>
     </p:extLst>
   </p:cSld>
@@ -2807,15 +2825,7 @@
           <a:p>
             <a:r>
               <a:rPr lang="en-US" dirty="0"/>
-              <a:t>Econometrically, we may be concerned that our estimates are biased if we aren’t correcting for the </a:t>
-            </a:r>
-            <a:r>
-              <a:rPr lang="en-US" dirty="0" err="1"/>
-              <a:t>distirbutions</a:t>
-            </a:r>
-            <a:r>
-              <a:rPr lang="en-US" dirty="0"/>
-              <a:t>. Policy wise, we may care a lot more about nudging the median spender than the mean, or about super-utilizers, or disparities in the bottom quintile of income, etc. </a:t>
+              <a:t>Couldn’t find a good figure for CA but is similar</a:t>
             </a:r>
           </a:p>
         </p:txBody>
@@ -2846,7 +2856,7 @@
     </p:spTree>
     <p:extLst>
       <p:ext uri="{BB962C8B-B14F-4D97-AF65-F5344CB8AC3E}">
-        <p14:creationId xmlns:p14="http://schemas.microsoft.com/office/powerpoint/2010/main" val="3037542011"/>
+        <p14:creationId xmlns:p14="http://schemas.microsoft.com/office/powerpoint/2010/main" val="4104526759"/>
       </p:ext>
     </p:extLst>
   </p:cSld>
@@ -2902,7 +2912,7 @@
           <a:p>
             <a:r>
               <a:rPr lang="en-US" dirty="0"/>
-              <a:t>Notice that 1, 3, and 4 are very similar. We won’t spend a lot of time on (2) today (example: want to assign people into risk categories and estimate separately based on risk; this is a two-step model like a hurdle model). (1) you have to specify a target quantile and run T regressions; (3) and (4) come from a single estimation</a:t>
+              <a:t>Econometrically, we may be concerned that our estimates are biased if we aren’t correcting for the distributions. Policy wise, we may care a lot more about nudging the median spender than the mean, or about super-utilizers, or disparities in the bottom quintile of income, etc. </a:t>
             </a:r>
           </a:p>
         </p:txBody>
@@ -2933,7 +2943,7 @@
     </p:spTree>
     <p:extLst>
       <p:ext uri="{BB962C8B-B14F-4D97-AF65-F5344CB8AC3E}">
-        <p14:creationId xmlns:p14="http://schemas.microsoft.com/office/powerpoint/2010/main" val="481156745"/>
+        <p14:creationId xmlns:p14="http://schemas.microsoft.com/office/powerpoint/2010/main" val="3037542011"/>
       </p:ext>
     </p:extLst>
   </p:cSld>
@@ -2989,7 +2999,7 @@
           <a:p>
             <a:r>
               <a:rPr lang="en-US" dirty="0"/>
-              <a:t>This targets the conditional mean by setting beta to minimize the average deviations from the regression line (sum of squared errors). Note graph shows homogenous impact across a distribution (e.g., education and income)</a:t>
+              <a:t>Notice that 1, 3, and 4 are very similar. We won’t spend a lot of time on (2) today (example: want to assign people into risk categories and estimate separately based on risk; this is a two-step model like a hurdle model). (1) you have to specify a target quantile and run T regressions; (3) and (4) come from a single estimation</a:t>
             </a:r>
           </a:p>
         </p:txBody>
@@ -3020,7 +3030,7 @@
     </p:spTree>
     <p:extLst>
       <p:ext uri="{BB962C8B-B14F-4D97-AF65-F5344CB8AC3E}">
-        <p14:creationId xmlns:p14="http://schemas.microsoft.com/office/powerpoint/2010/main" val="3883769231"/>
+        <p14:creationId xmlns:p14="http://schemas.microsoft.com/office/powerpoint/2010/main" val="481156745"/>
       </p:ext>
     </p:extLst>
   </p:cSld>
@@ -3076,7 +3086,7 @@
           <a:p>
             <a:r>
               <a:rPr lang="en-US" dirty="0"/>
-              <a:t>What if effect differs across distribution? </a:t>
+              <a:t>This targets the conditional mean by setting beta to minimize the average deviations from the regression line (sum of squared errors). Note graph shows homogenous impact across a distribution (e.g., effect of education on wages, across distribution of wages) (treated is solid, control counterfactual is dashed)</a:t>
             </a:r>
           </a:p>
         </p:txBody>
@@ -3107,7 +3117,7 @@
     </p:spTree>
     <p:extLst>
       <p:ext uri="{BB962C8B-B14F-4D97-AF65-F5344CB8AC3E}">
-        <p14:creationId xmlns:p14="http://schemas.microsoft.com/office/powerpoint/2010/main" val="1818158558"/>
+        <p14:creationId xmlns:p14="http://schemas.microsoft.com/office/powerpoint/2010/main" val="3883769231"/>
       </p:ext>
     </p:extLst>
   </p:cSld>
@@ -3163,15 +3173,23 @@
           <a:p>
             <a:r>
               <a:rPr lang="en-US" dirty="0"/>
-              <a:t>Quantile: splits the distribution into the bottom tau% and the remainder of the distribution. Quantiles and percentiles are codefined; the median, for example, is the 50</a:t>
-            </a:r>
-            <a:r>
-              <a:rPr lang="en-US" baseline="30000" dirty="0"/>
+              <a:t>What if effect differs across distribution? So effect of education on income is  greatest for those already at </a:t>
+            </a:r>
+            <a:r>
+              <a:rPr lang="en-US" dirty="0" err="1"/>
               <a:t>th</a:t>
             </a:r>
             <a:r>
               <a:rPr lang="en-US" dirty="0"/>
-              <a:t> percentile. So targeting a quantile lets you target any point in a distribution. </a:t>
+              <a:t> </a:t>
+            </a:r>
+            <a:r>
+              <a:rPr lang="en-US" dirty="0" err="1"/>
+              <a:t>etop</a:t>
+            </a:r>
+            <a:r>
+              <a:rPr lang="en-US" dirty="0"/>
+              <a:t> of the distribution.</a:t>
             </a:r>
           </a:p>
         </p:txBody>
@@ -3202,7 +3220,7 @@
     </p:spTree>
     <p:extLst>
       <p:ext uri="{BB962C8B-B14F-4D97-AF65-F5344CB8AC3E}">
-        <p14:creationId xmlns:p14="http://schemas.microsoft.com/office/powerpoint/2010/main" val="1631310871"/>
+        <p14:creationId xmlns:p14="http://schemas.microsoft.com/office/powerpoint/2010/main" val="1818158558"/>
       </p:ext>
     </p:extLst>
   </p:cSld>
@@ -3258,15 +3276,15 @@
           <a:p>
             <a:r>
               <a:rPr lang="en-US" dirty="0"/>
-              <a:t>LAD = least absolute deviation. How is this different than the traditional OLS? Median regression is actually older than OLS! (</a:t>
-            </a:r>
-            <a:r>
-              <a:rPr lang="en-US" dirty="0" err="1"/>
-              <a:t>Boscovitch</a:t>
+              <a:t>Quantile: splits the distribution into the bottom tau% and the remainder of the distribution. Quantiles and percentiles are codefined; the median, for example, is the 50</a:t>
+            </a:r>
+            <a:r>
+              <a:rPr lang="en-US" baseline="30000" dirty="0"/>
+              <a:t>th</a:t>
             </a:r>
             <a:r>
               <a:rPr lang="en-US" dirty="0"/>
-              <a:t> 1760; OLS in 1789 by Laplace)</a:t>
+              <a:t> percentile. So targeting a quantile lets you target any point in a distribution (or, multiple points)</a:t>
             </a:r>
           </a:p>
         </p:txBody>
@@ -3297,7 +3315,7 @@
     </p:spTree>
     <p:extLst>
       <p:ext uri="{BB962C8B-B14F-4D97-AF65-F5344CB8AC3E}">
-        <p14:creationId xmlns:p14="http://schemas.microsoft.com/office/powerpoint/2010/main" val="1763450857"/>
+        <p14:creationId xmlns:p14="http://schemas.microsoft.com/office/powerpoint/2010/main" val="1631310871"/>
       </p:ext>
     </p:extLst>
   </p:cSld>
@@ -3353,7 +3371,15 @@
           <a:p>
             <a:r>
               <a:rPr lang="en-US" dirty="0"/>
-              <a:t>This in the brackets is called the “check function” that sorts observations into above/below a sample quantile. </a:t>
+              <a:t>LAD = least absolute deviation. How is this different than the traditional OLS? Median regression is actually older than OLS! (</a:t>
+            </a:r>
+            <a:r>
+              <a:rPr lang="en-US" dirty="0" err="1"/>
+              <a:t>Boscovitch</a:t>
+            </a:r>
+            <a:r>
+              <a:rPr lang="en-US" dirty="0"/>
+              <a:t> 1760; OLS in 1789 by Laplace)</a:t>
             </a:r>
           </a:p>
         </p:txBody>
@@ -3384,7 +3410,7 @@
     </p:spTree>
     <p:extLst>
       <p:ext uri="{BB962C8B-B14F-4D97-AF65-F5344CB8AC3E}">
-        <p14:creationId xmlns:p14="http://schemas.microsoft.com/office/powerpoint/2010/main" val="1652781160"/>
+        <p14:creationId xmlns:p14="http://schemas.microsoft.com/office/powerpoint/2010/main" val="1763450857"/>
       </p:ext>
     </p:extLst>
   </p:cSld>
@@ -3440,7 +3466,7 @@
           <a:p>
             <a:r>
               <a:rPr lang="en-US" dirty="0"/>
-              <a:t>Technically, this interpretation requires a rank invariance condition (e.g., if you give everyone treatment, the ordering of individuals will stay the same). </a:t>
+              <a:t>This in the brackets is called the “check function” that sorts observations into above/below a sample quantile. </a:t>
             </a:r>
           </a:p>
         </p:txBody>
@@ -3471,7 +3497,7 @@
     </p:spTree>
     <p:extLst>
       <p:ext uri="{BB962C8B-B14F-4D97-AF65-F5344CB8AC3E}">
-        <p14:creationId xmlns:p14="http://schemas.microsoft.com/office/powerpoint/2010/main" val="1520615147"/>
+        <p14:creationId xmlns:p14="http://schemas.microsoft.com/office/powerpoint/2010/main" val="1652781160"/>
       </p:ext>
     </p:extLst>
   </p:cSld>
@@ -3527,39 +3553,8 @@
           <a:p>
             <a:r>
               <a:rPr lang="en-US" dirty="0"/>
-              <a:t>Note that </a:t>
-            </a:r>
-            <a:r>
-              <a:rPr lang="en-US" b="0" i="0" dirty="0">
-                <a:solidFill>
-                  <a:srgbClr val="002A5C"/>
-                </a:solidFill>
-                <a:effectLst/>
-                <a:latin typeface="Graphik @FontFace"/>
-              </a:rPr>
-              <a:t>Zahra </a:t>
-            </a:r>
-            <a:r>
-              <a:rPr lang="en-US" b="0" i="0" dirty="0" err="1">
-                <a:solidFill>
-                  <a:srgbClr val="002A5C"/>
-                </a:solidFill>
-                <a:effectLst/>
-                <a:latin typeface="Graphik @FontFace"/>
-              </a:rPr>
-              <a:t>Shakeri</a:t>
-            </a:r>
-            <a:r>
-              <a:rPr lang="en-US" b="0" i="0" dirty="0">
-                <a:solidFill>
-                  <a:srgbClr val="002A5C"/>
-                </a:solidFill>
-                <a:effectLst/>
-                <a:latin typeface="Graphik @FontFace"/>
-              </a:rPr>
-              <a:t> is developing machine learning and data visualization courses for IHPME; I highly recommend looking into these and / or reaching out to her if you are interested in some of these methods. </a:t>
-            </a:r>
-            <a:endParaRPr lang="en-US" dirty="0"/>
+              <a:t>Technically, this interpretation requires a rank invariance condition (e.g., if you give everyone treatment, the ordering of individuals will stay the same). </a:t>
+            </a:r>
           </a:p>
         </p:txBody>
       </p:sp>
@@ -3589,7 +3584,7 @@
     </p:spTree>
     <p:extLst>
       <p:ext uri="{BB962C8B-B14F-4D97-AF65-F5344CB8AC3E}">
-        <p14:creationId xmlns:p14="http://schemas.microsoft.com/office/powerpoint/2010/main" val="3185086095"/>
+        <p14:creationId xmlns:p14="http://schemas.microsoft.com/office/powerpoint/2010/main" val="1520615147"/>
       </p:ext>
     </p:extLst>
   </p:cSld>
@@ -3645,7 +3640,7 @@
           <a:p>
             <a:r>
               <a:rPr lang="en-US" dirty="0"/>
-              <a:t>Goal: functional form with no restrictions on what f() looks like (i.e., not linear). I did add some notes on nonparametric regression to the </a:t>
+              <a:t>Example paper in </a:t>
             </a:r>
             <a:r>
               <a:rPr lang="en-US" dirty="0" err="1"/>
@@ -3653,7 +3648,7 @@
             </a:r>
             <a:r>
               <a:rPr lang="en-US" dirty="0"/>
-              <a:t>, but there are whole textbooks you can use. </a:t>
+              <a:t> repo. Why are the quantile effects important here? </a:t>
             </a:r>
           </a:p>
         </p:txBody>
@@ -3684,7 +3679,7 @@
     </p:spTree>
     <p:extLst>
       <p:ext uri="{BB962C8B-B14F-4D97-AF65-F5344CB8AC3E}">
-        <p14:creationId xmlns:p14="http://schemas.microsoft.com/office/powerpoint/2010/main" val="3238735277"/>
+        <p14:creationId xmlns:p14="http://schemas.microsoft.com/office/powerpoint/2010/main" val="1808082269"/>
       </p:ext>
     </p:extLst>
   </p:cSld>
@@ -3738,7 +3733,10 @@
           <a:bodyPr/>
           <a:lstStyle/>
           <a:p>
-            <a:endParaRPr lang="en-US" dirty="0"/>
+            <a:r>
+              <a:rPr lang="en-US" dirty="0"/>
+              <a:t>Lots of reason to assume that other control regions might not be satisfactory (what do you think?)</a:t>
+            </a:r>
           </a:p>
         </p:txBody>
       </p:sp>
@@ -3824,7 +3822,7 @@
           <a:p>
             <a:r>
               <a:rPr lang="en-US" dirty="0"/>
-              <a:t>Note: lots of choices for nonparametric regression! Could be its own course. On (1) note that this is the bias-variance tradeoff; (2) is the choice of kernel; and (3) is the curse of dimensionality</a:t>
+              <a:t>Notice the mean effects are very noisy. </a:t>
             </a:r>
           </a:p>
         </p:txBody>
@@ -3855,7 +3853,7 @@
     </p:spTree>
     <p:extLst>
       <p:ext uri="{BB962C8B-B14F-4D97-AF65-F5344CB8AC3E}">
-        <p14:creationId xmlns:p14="http://schemas.microsoft.com/office/powerpoint/2010/main" val="760652552"/>
+        <p14:creationId xmlns:p14="http://schemas.microsoft.com/office/powerpoint/2010/main" val="1574253091"/>
       </p:ext>
     </p:extLst>
   </p:cSld>
@@ -3911,7 +3909,7 @@
           <a:p>
             <a:r>
               <a:rPr lang="en-US" dirty="0"/>
-              <a:t>The focal point varies across bins. </a:t>
+              <a:t>Notice the mean effects are very noisy. </a:t>
             </a:r>
           </a:p>
         </p:txBody>
@@ -3931,18 +3929,78 @@
           <a:bodyPr/>
           <a:lstStyle/>
           <a:p>
+            <a:pPr marL="0" marR="0" lvl="0" indent="0" algn="r" defTabSz="457200" rtl="0" eaLnBrk="1" fontAlgn="auto" latinLnBrk="0" hangingPunct="1">
+              <a:lnSpc>
+                <a:spcPct val="100000"/>
+              </a:lnSpc>
+              <a:spcBef>
+                <a:spcPts val="0"/>
+              </a:spcBef>
+              <a:spcAft>
+                <a:spcPts val="0"/>
+              </a:spcAft>
+              <a:buClrTx/>
+              <a:buSzTx/>
+              <a:buFontTx/>
+              <a:buNone/>
+              <a:tabLst/>
+              <a:defRPr/>
+            </a:pPr>
             <a:fld id="{4AF79E1B-2C51-4B9B-8EA4-26DE9E345AFF}" type="slidenum">
-              <a:rPr lang="en-US" smtClean="0"/>
+              <a:rPr kumimoji="0" lang="en-US" sz="1200" b="0" i="0" u="none" strike="noStrike" kern="1200" cap="none" spc="0" normalizeH="0" baseline="0" noProof="0" smtClean="0">
+                <a:ln>
+                  <a:noFill/>
+                </a:ln>
+                <a:solidFill>
+                  <a:prstClr val="black"/>
+                </a:solidFill>
+                <a:effectLst/>
+                <a:uLnTx/>
+                <a:uFillTx/>
+                <a:latin typeface="Calibri" panose="020F0502020204030204"/>
+                <a:ea typeface="+mn-ea"/>
+                <a:cs typeface="+mn-cs"/>
+              </a:rPr>
+              <a:pPr marL="0" marR="0" lvl="0" indent="0" algn="r" defTabSz="457200" rtl="0" eaLnBrk="1" fontAlgn="auto" latinLnBrk="0" hangingPunct="1">
+                <a:lnSpc>
+                  <a:spcPct val="100000"/>
+                </a:lnSpc>
+                <a:spcBef>
+                  <a:spcPts val="0"/>
+                </a:spcBef>
+                <a:spcAft>
+                  <a:spcPts val="0"/>
+                </a:spcAft>
+                <a:buClrTx/>
+                <a:buSzTx/>
+                <a:buFontTx/>
+                <a:buNone/>
+                <a:tabLst/>
+                <a:defRPr/>
+              </a:pPr>
               <a:t>42</a:t>
             </a:fld>
-            <a:endParaRPr lang="en-US"/>
+            <a:endParaRPr kumimoji="0" lang="en-US" sz="1200" b="0" i="0" u="none" strike="noStrike" kern="1200" cap="none" spc="0" normalizeH="0" baseline="0" noProof="0">
+              <a:ln>
+                <a:noFill/>
+              </a:ln>
+              <a:solidFill>
+                <a:prstClr val="black"/>
+              </a:solidFill>
+              <a:effectLst/>
+              <a:uLnTx/>
+              <a:uFillTx/>
+              <a:latin typeface="Calibri" panose="020F0502020204030204"/>
+              <a:ea typeface="+mn-ea"/>
+              <a:cs typeface="+mn-cs"/>
+            </a:endParaRPr>
           </a:p>
         </p:txBody>
       </p:sp>
     </p:spTree>
     <p:extLst>
       <p:ext uri="{BB962C8B-B14F-4D97-AF65-F5344CB8AC3E}">
-        <p14:creationId xmlns:p14="http://schemas.microsoft.com/office/powerpoint/2010/main" val="964766668"/>
+        <p14:creationId xmlns:p14="http://schemas.microsoft.com/office/powerpoint/2010/main" val="65419442"/>
       </p:ext>
     </p:extLst>
   </p:cSld>
@@ -3998,7 +4056,7 @@
           <a:p>
             <a:r>
               <a:rPr lang="en-US" dirty="0"/>
-              <a:t>Goal: functional form with no restrictions on what f() looks like (i.e., not linear)</a:t>
+              <a:t>Why did they pick these quantiles? Should we be concerned about this? </a:t>
             </a:r>
           </a:p>
         </p:txBody>
@@ -4018,18 +4076,78 @@
           <a:bodyPr/>
           <a:lstStyle/>
           <a:p>
+            <a:pPr marL="0" marR="0" lvl="0" indent="0" algn="r" defTabSz="457200" rtl="0" eaLnBrk="1" fontAlgn="auto" latinLnBrk="0" hangingPunct="1">
+              <a:lnSpc>
+                <a:spcPct val="100000"/>
+              </a:lnSpc>
+              <a:spcBef>
+                <a:spcPts val="0"/>
+              </a:spcBef>
+              <a:spcAft>
+                <a:spcPts val="0"/>
+              </a:spcAft>
+              <a:buClrTx/>
+              <a:buSzTx/>
+              <a:buFontTx/>
+              <a:buNone/>
+              <a:tabLst/>
+              <a:defRPr/>
+            </a:pPr>
             <a:fld id="{4AF79E1B-2C51-4B9B-8EA4-26DE9E345AFF}" type="slidenum">
-              <a:rPr lang="en-US" smtClean="0"/>
+              <a:rPr kumimoji="0" lang="en-US" sz="1200" b="0" i="0" u="none" strike="noStrike" kern="1200" cap="none" spc="0" normalizeH="0" baseline="0" noProof="0" smtClean="0">
+                <a:ln>
+                  <a:noFill/>
+                </a:ln>
+                <a:solidFill>
+                  <a:prstClr val="black"/>
+                </a:solidFill>
+                <a:effectLst/>
+                <a:uLnTx/>
+                <a:uFillTx/>
+                <a:latin typeface="Calibri" panose="020F0502020204030204"/>
+                <a:ea typeface="+mn-ea"/>
+                <a:cs typeface="+mn-cs"/>
+              </a:rPr>
+              <a:pPr marL="0" marR="0" lvl="0" indent="0" algn="r" defTabSz="457200" rtl="0" eaLnBrk="1" fontAlgn="auto" latinLnBrk="0" hangingPunct="1">
+                <a:lnSpc>
+                  <a:spcPct val="100000"/>
+                </a:lnSpc>
+                <a:spcBef>
+                  <a:spcPts val="0"/>
+                </a:spcBef>
+                <a:spcAft>
+                  <a:spcPts val="0"/>
+                </a:spcAft>
+                <a:buClrTx/>
+                <a:buSzTx/>
+                <a:buFontTx/>
+                <a:buNone/>
+                <a:tabLst/>
+                <a:defRPr/>
+              </a:pPr>
               <a:t>43</a:t>
             </a:fld>
-            <a:endParaRPr lang="en-US"/>
+            <a:endParaRPr kumimoji="0" lang="en-US" sz="1200" b="0" i="0" u="none" strike="noStrike" kern="1200" cap="none" spc="0" normalizeH="0" baseline="0" noProof="0">
+              <a:ln>
+                <a:noFill/>
+              </a:ln>
+              <a:solidFill>
+                <a:prstClr val="black"/>
+              </a:solidFill>
+              <a:effectLst/>
+              <a:uLnTx/>
+              <a:uFillTx/>
+              <a:latin typeface="Calibri" panose="020F0502020204030204"/>
+              <a:ea typeface="+mn-ea"/>
+              <a:cs typeface="+mn-cs"/>
+            </a:endParaRPr>
           </a:p>
         </p:txBody>
       </p:sp>
     </p:spTree>
     <p:extLst>
       <p:ext uri="{BB962C8B-B14F-4D97-AF65-F5344CB8AC3E}">
-        <p14:creationId xmlns:p14="http://schemas.microsoft.com/office/powerpoint/2010/main" val="1044557314"/>
+        <p14:creationId xmlns:p14="http://schemas.microsoft.com/office/powerpoint/2010/main" val="4100635707"/>
       </p:ext>
     </p:extLst>
   </p:cSld>
@@ -4085,17 +4203,8 @@
           <a:p>
             <a:r>
               <a:rPr lang="en-US" dirty="0"/>
-              <a:t>Note: there isn’t much difference between CDE and nonparametric regression – we are looking either for prediction of y given x (moments) or functional form F(x), but those are obviously intertwined. The difference is that there are additional </a:t>
-            </a:r>
-            <a:r>
-              <a:rPr lang="en-US" b="1" dirty="0"/>
-              <a:t>methods </a:t>
-            </a:r>
-            <a:r>
-              <a:rPr lang="en-US" b="0" dirty="0"/>
-              <a:t>in this literature that are useful. </a:t>
-            </a:r>
-            <a:endParaRPr lang="en-US" dirty="0"/>
+              <a:t>Note: here there are lots of outcomes, but no quantiles – why not? </a:t>
+            </a:r>
           </a:p>
         </p:txBody>
       </p:sp>
@@ -4114,18 +4223,78 @@
           <a:bodyPr/>
           <a:lstStyle/>
           <a:p>
+            <a:pPr marL="0" marR="0" lvl="0" indent="0" algn="r" defTabSz="457200" rtl="0" eaLnBrk="1" fontAlgn="auto" latinLnBrk="0" hangingPunct="1">
+              <a:lnSpc>
+                <a:spcPct val="100000"/>
+              </a:lnSpc>
+              <a:spcBef>
+                <a:spcPts val="0"/>
+              </a:spcBef>
+              <a:spcAft>
+                <a:spcPts val="0"/>
+              </a:spcAft>
+              <a:buClrTx/>
+              <a:buSzTx/>
+              <a:buFontTx/>
+              <a:buNone/>
+              <a:tabLst/>
+              <a:defRPr/>
+            </a:pPr>
             <a:fld id="{4AF79E1B-2C51-4B9B-8EA4-26DE9E345AFF}" type="slidenum">
-              <a:rPr lang="en-US" smtClean="0"/>
+              <a:rPr kumimoji="0" lang="en-US" sz="1200" b="0" i="0" u="none" strike="noStrike" kern="1200" cap="none" spc="0" normalizeH="0" baseline="0" noProof="0" smtClean="0">
+                <a:ln>
+                  <a:noFill/>
+                </a:ln>
+                <a:solidFill>
+                  <a:prstClr val="black"/>
+                </a:solidFill>
+                <a:effectLst/>
+                <a:uLnTx/>
+                <a:uFillTx/>
+                <a:latin typeface="Calibri" panose="020F0502020204030204"/>
+                <a:ea typeface="+mn-ea"/>
+                <a:cs typeface="+mn-cs"/>
+              </a:rPr>
+              <a:pPr marL="0" marR="0" lvl="0" indent="0" algn="r" defTabSz="457200" rtl="0" eaLnBrk="1" fontAlgn="auto" latinLnBrk="0" hangingPunct="1">
+                <a:lnSpc>
+                  <a:spcPct val="100000"/>
+                </a:lnSpc>
+                <a:spcBef>
+                  <a:spcPts val="0"/>
+                </a:spcBef>
+                <a:spcAft>
+                  <a:spcPts val="0"/>
+                </a:spcAft>
+                <a:buClrTx/>
+                <a:buSzTx/>
+                <a:buFontTx/>
+                <a:buNone/>
+                <a:tabLst/>
+                <a:defRPr/>
+              </a:pPr>
               <a:t>44</a:t>
             </a:fld>
-            <a:endParaRPr lang="en-US"/>
+            <a:endParaRPr kumimoji="0" lang="en-US" sz="1200" b="0" i="0" u="none" strike="noStrike" kern="1200" cap="none" spc="0" normalizeH="0" baseline="0" noProof="0">
+              <a:ln>
+                <a:noFill/>
+              </a:ln>
+              <a:solidFill>
+                <a:prstClr val="black"/>
+              </a:solidFill>
+              <a:effectLst/>
+              <a:uLnTx/>
+              <a:uFillTx/>
+              <a:latin typeface="Calibri" panose="020F0502020204030204"/>
+              <a:ea typeface="+mn-ea"/>
+              <a:cs typeface="+mn-cs"/>
+            </a:endParaRPr>
           </a:p>
         </p:txBody>
       </p:sp>
     </p:spTree>
     <p:extLst>
       <p:ext uri="{BB962C8B-B14F-4D97-AF65-F5344CB8AC3E}">
-        <p14:creationId xmlns:p14="http://schemas.microsoft.com/office/powerpoint/2010/main" val="1506519752"/>
+        <p14:creationId xmlns:p14="http://schemas.microsoft.com/office/powerpoint/2010/main" val="3287116798"/>
       </p:ext>
     </p:extLst>
   </p:cSld>
@@ -4179,7 +4348,18 @@
           <a:bodyPr/>
           <a:lstStyle/>
           <a:p>
-            <a:endParaRPr lang="en-US" dirty="0"/>
+            <a:r>
+              <a:rPr lang="en-US" dirty="0"/>
+              <a:t>This might be one reason why there’s no real quantile regression for outstanding </a:t>
+            </a:r>
+            <a:r>
+              <a:rPr lang="en-US" dirty="0" err="1"/>
+              <a:t>bils</a:t>
+            </a:r>
+            <a:r>
+              <a:rPr lang="en-US" dirty="0"/>
+              <a:t> – they go away!</a:t>
+            </a:r>
           </a:p>
         </p:txBody>
       </p:sp>
@@ -4198,18 +4378,78 @@
           <a:bodyPr/>
           <a:lstStyle/>
           <a:p>
+            <a:pPr marL="0" marR="0" lvl="0" indent="0" algn="r" defTabSz="457200" rtl="0" eaLnBrk="1" fontAlgn="auto" latinLnBrk="0" hangingPunct="1">
+              <a:lnSpc>
+                <a:spcPct val="100000"/>
+              </a:lnSpc>
+              <a:spcBef>
+                <a:spcPts val="0"/>
+              </a:spcBef>
+              <a:spcAft>
+                <a:spcPts val="0"/>
+              </a:spcAft>
+              <a:buClrTx/>
+              <a:buSzTx/>
+              <a:buFontTx/>
+              <a:buNone/>
+              <a:tabLst/>
+              <a:defRPr/>
+            </a:pPr>
             <a:fld id="{4AF79E1B-2C51-4B9B-8EA4-26DE9E345AFF}" type="slidenum">
-              <a:rPr lang="en-US" smtClean="0"/>
+              <a:rPr kumimoji="0" lang="en-US" sz="1200" b="0" i="0" u="none" strike="noStrike" kern="1200" cap="none" spc="0" normalizeH="0" baseline="0" noProof="0" smtClean="0">
+                <a:ln>
+                  <a:noFill/>
+                </a:ln>
+                <a:solidFill>
+                  <a:prstClr val="black"/>
+                </a:solidFill>
+                <a:effectLst/>
+                <a:uLnTx/>
+                <a:uFillTx/>
+                <a:latin typeface="Calibri" panose="020F0502020204030204"/>
+                <a:ea typeface="+mn-ea"/>
+                <a:cs typeface="+mn-cs"/>
+              </a:rPr>
+              <a:pPr marL="0" marR="0" lvl="0" indent="0" algn="r" defTabSz="457200" rtl="0" eaLnBrk="1" fontAlgn="auto" latinLnBrk="0" hangingPunct="1">
+                <a:lnSpc>
+                  <a:spcPct val="100000"/>
+                </a:lnSpc>
+                <a:spcBef>
+                  <a:spcPts val="0"/>
+                </a:spcBef>
+                <a:spcAft>
+                  <a:spcPts val="0"/>
+                </a:spcAft>
+                <a:buClrTx/>
+                <a:buSzTx/>
+                <a:buFontTx/>
+                <a:buNone/>
+                <a:tabLst/>
+                <a:defRPr/>
+              </a:pPr>
               <a:t>45</a:t>
             </a:fld>
-            <a:endParaRPr lang="en-US"/>
+            <a:endParaRPr kumimoji="0" lang="en-US" sz="1200" b="0" i="0" u="none" strike="noStrike" kern="1200" cap="none" spc="0" normalizeH="0" baseline="0" noProof="0">
+              <a:ln>
+                <a:noFill/>
+              </a:ln>
+              <a:solidFill>
+                <a:prstClr val="black"/>
+              </a:solidFill>
+              <a:effectLst/>
+              <a:uLnTx/>
+              <a:uFillTx/>
+              <a:latin typeface="Calibri" panose="020F0502020204030204"/>
+              <a:ea typeface="+mn-ea"/>
+              <a:cs typeface="+mn-cs"/>
+            </a:endParaRPr>
           </a:p>
         </p:txBody>
       </p:sp>
     </p:spTree>
     <p:extLst>
       <p:ext uri="{BB962C8B-B14F-4D97-AF65-F5344CB8AC3E}">
-        <p14:creationId xmlns:p14="http://schemas.microsoft.com/office/powerpoint/2010/main" val="717166347"/>
+        <p14:creationId xmlns:p14="http://schemas.microsoft.com/office/powerpoint/2010/main" val="3451069871"/>
       </p:ext>
     </p:extLst>
   </p:cSld>
@@ -4265,8 +4505,39 @@
           <a:p>
             <a:r>
               <a:rPr lang="en-US" dirty="0"/>
-              <a:t>Cut-points – rules for how to bin data in order to assign prediction (e.g., if we’re predicting expenses, at what age do expenses go down (2?) and then up again (50?). Once we’ve done that cut, what’s the next best way to cut – by sex (older men versus older women)? And so on.)</a:t>
-            </a:r>
+              <a:t>Note that </a:t>
+            </a:r>
+            <a:r>
+              <a:rPr lang="en-US" b="0" i="0" dirty="0">
+                <a:solidFill>
+                  <a:srgbClr val="002A5C"/>
+                </a:solidFill>
+                <a:effectLst/>
+                <a:latin typeface="Graphik @FontFace"/>
+              </a:rPr>
+              <a:t>Zahra </a:t>
+            </a:r>
+            <a:r>
+              <a:rPr lang="en-US" b="0" i="0" dirty="0" err="1">
+                <a:solidFill>
+                  <a:srgbClr val="002A5C"/>
+                </a:solidFill>
+                <a:effectLst/>
+                <a:latin typeface="Graphik @FontFace"/>
+              </a:rPr>
+              <a:t>Shakeri</a:t>
+            </a:r>
+            <a:r>
+              <a:rPr lang="en-US" b="0" i="0" dirty="0">
+                <a:solidFill>
+                  <a:srgbClr val="002A5C"/>
+                </a:solidFill>
+                <a:effectLst/>
+                <a:latin typeface="Graphik @FontFace"/>
+              </a:rPr>
+              <a:t> is developing machine learning and data visualization courses for IHPME; I highly recommend looking into these and / or reaching out to her if you are interested in some of these methods. </a:t>
+            </a:r>
+            <a:endParaRPr lang="en-US" dirty="0"/>
           </a:p>
         </p:txBody>
       </p:sp>
@@ -4296,7 +4567,7 @@
     </p:spTree>
     <p:extLst>
       <p:ext uri="{BB962C8B-B14F-4D97-AF65-F5344CB8AC3E}">
-        <p14:creationId xmlns:p14="http://schemas.microsoft.com/office/powerpoint/2010/main" val="2040611805"/>
+        <p14:creationId xmlns:p14="http://schemas.microsoft.com/office/powerpoint/2010/main" val="3185086095"/>
       </p:ext>
     </p:extLst>
   </p:cSld>
@@ -4352,7 +4623,15 @@
           <a:p>
             <a:r>
               <a:rPr lang="en-US" dirty="0"/>
-              <a:t>Neurons are similar to trees</a:t>
+              <a:t>Goal: functional form with no restrictions on what f() looks like (i.e., not linear). I did add some notes on nonparametric regression to the </a:t>
+            </a:r>
+            <a:r>
+              <a:rPr lang="en-US" dirty="0" err="1"/>
+              <a:t>Github</a:t>
+            </a:r>
+            <a:r>
+              <a:rPr lang="en-US" dirty="0"/>
+              <a:t>, but there are whole textbooks you can use. </a:t>
             </a:r>
           </a:p>
         </p:txBody>
@@ -4383,7 +4662,7 @@
     </p:spTree>
     <p:extLst>
       <p:ext uri="{BB962C8B-B14F-4D97-AF65-F5344CB8AC3E}">
-        <p14:creationId xmlns:p14="http://schemas.microsoft.com/office/powerpoint/2010/main" val="817311110"/>
+        <p14:creationId xmlns:p14="http://schemas.microsoft.com/office/powerpoint/2010/main" val="3238735277"/>
       </p:ext>
     </p:extLst>
   </p:cSld>
@@ -4437,32 +4716,10 @@
           <a:bodyPr/>
           <a:lstStyle/>
           <a:p>
-            <a:pPr marL="0" marR="0" lvl="0" indent="0" algn="l" defTabSz="914400" rtl="0" eaLnBrk="1" fontAlgn="auto" latinLnBrk="0" hangingPunct="1">
-              <a:lnSpc>
-                <a:spcPct val="100000"/>
-              </a:lnSpc>
-              <a:spcBef>
-                <a:spcPts val="0"/>
-              </a:spcBef>
-              <a:spcAft>
-                <a:spcPts val="0"/>
-              </a:spcAft>
-              <a:buClrTx/>
-              <a:buSzTx/>
-              <a:buFontTx/>
-              <a:buNone/>
-              <a:tabLst/>
-              <a:defRPr/>
-            </a:pPr>
-            <a:r>
-              <a:rPr lang="en-US" sz="1200" dirty="0">
-                <a:cs typeface="Times New Roman" panose="02020603050405020304" pitchFamily="18" charset="0"/>
-              </a:rPr>
-              <a:t>Lots of ways to estimate distributional effects!</a:t>
-            </a:r>
-          </a:p>
-          <a:p>
-            <a:endParaRPr lang="en-US" dirty="0"/>
+            <a:r>
+              <a:rPr lang="en-US" dirty="0"/>
+              <a:t>Note: lots of choices for nonparametric regression! Could be its own course. On (1) note that this is the bias-variance tradeoff; (2) is the choice of kernel; and (3) is the curse of dimensionality</a:t>
+            </a:r>
           </a:p>
         </p:txBody>
       </p:sp>
@@ -4492,7 +4749,181 @@
     </p:spTree>
     <p:extLst>
       <p:ext uri="{BB962C8B-B14F-4D97-AF65-F5344CB8AC3E}">
-        <p14:creationId xmlns:p14="http://schemas.microsoft.com/office/powerpoint/2010/main" val="2083499418"/>
+        <p14:creationId xmlns:p14="http://schemas.microsoft.com/office/powerpoint/2010/main" val="760652552"/>
+      </p:ext>
+    </p:extLst>
+  </p:cSld>
+  <p:clrMapOvr>
+    <a:masterClrMapping/>
+  </p:clrMapOvr>
+</p:notes>
+</file>
+
+<file path=ppt/notesSlides/notesSlide48.xml><?xml version="1.0" encoding="utf-8"?>
+<p:notes xmlns:a="http://schemas.openxmlformats.org/drawingml/2006/main" xmlns:r="http://schemas.openxmlformats.org/officeDocument/2006/relationships" xmlns:p="http://schemas.openxmlformats.org/presentationml/2006/main">
+  <p:cSld>
+    <p:spTree>
+      <p:nvGrpSpPr>
+        <p:cNvPr id="1" name=""/>
+        <p:cNvGrpSpPr/>
+        <p:nvPr/>
+      </p:nvGrpSpPr>
+      <p:grpSpPr>
+        <a:xfrm>
+          <a:off x="0" y="0"/>
+          <a:ext cx="0" cy="0"/>
+          <a:chOff x="0" y="0"/>
+          <a:chExt cx="0" cy="0"/>
+        </a:xfrm>
+      </p:grpSpPr>
+      <p:sp>
+        <p:nvSpPr>
+          <p:cNvPr id="2" name="Slide Image Placeholder 1"/>
+          <p:cNvSpPr>
+            <a:spLocks noGrp="1" noRot="1" noChangeAspect="1"/>
+          </p:cNvSpPr>
+          <p:nvPr>
+            <p:ph type="sldImg"/>
+          </p:nvPr>
+        </p:nvSpPr>
+        <p:spPr/>
+      </p:sp>
+      <p:sp>
+        <p:nvSpPr>
+          <p:cNvPr id="3" name="Notes Placeholder 2"/>
+          <p:cNvSpPr>
+            <a:spLocks noGrp="1"/>
+          </p:cNvSpPr>
+          <p:nvPr>
+            <p:ph type="body" idx="1"/>
+          </p:nvPr>
+        </p:nvSpPr>
+        <p:spPr/>
+        <p:txBody>
+          <a:bodyPr/>
+          <a:lstStyle/>
+          <a:p>
+            <a:r>
+              <a:rPr lang="en-US" dirty="0"/>
+              <a:t>The focal point varies across bins. </a:t>
+            </a:r>
+          </a:p>
+        </p:txBody>
+      </p:sp>
+      <p:sp>
+        <p:nvSpPr>
+          <p:cNvPr id="4" name="Slide Number Placeholder 3"/>
+          <p:cNvSpPr>
+            <a:spLocks noGrp="1"/>
+          </p:cNvSpPr>
+          <p:nvPr>
+            <p:ph type="sldNum" sz="quarter" idx="5"/>
+          </p:nvPr>
+        </p:nvSpPr>
+        <p:spPr/>
+        <p:txBody>
+          <a:bodyPr/>
+          <a:lstStyle/>
+          <a:p>
+            <a:fld id="{4AF79E1B-2C51-4B9B-8EA4-26DE9E345AFF}" type="slidenum">
+              <a:rPr lang="en-US" smtClean="0"/>
+              <a:t>49</a:t>
+            </a:fld>
+            <a:endParaRPr lang="en-US"/>
+          </a:p>
+        </p:txBody>
+      </p:sp>
+    </p:spTree>
+    <p:extLst>
+      <p:ext uri="{BB962C8B-B14F-4D97-AF65-F5344CB8AC3E}">
+        <p14:creationId xmlns:p14="http://schemas.microsoft.com/office/powerpoint/2010/main" val="964766668"/>
+      </p:ext>
+    </p:extLst>
+  </p:cSld>
+  <p:clrMapOvr>
+    <a:masterClrMapping/>
+  </p:clrMapOvr>
+</p:notes>
+</file>
+
+<file path=ppt/notesSlides/notesSlide49.xml><?xml version="1.0" encoding="utf-8"?>
+<p:notes xmlns:a="http://schemas.openxmlformats.org/drawingml/2006/main" xmlns:r="http://schemas.openxmlformats.org/officeDocument/2006/relationships" xmlns:p="http://schemas.openxmlformats.org/presentationml/2006/main">
+  <p:cSld>
+    <p:spTree>
+      <p:nvGrpSpPr>
+        <p:cNvPr id="1" name=""/>
+        <p:cNvGrpSpPr/>
+        <p:nvPr/>
+      </p:nvGrpSpPr>
+      <p:grpSpPr>
+        <a:xfrm>
+          <a:off x="0" y="0"/>
+          <a:ext cx="0" cy="0"/>
+          <a:chOff x="0" y="0"/>
+          <a:chExt cx="0" cy="0"/>
+        </a:xfrm>
+      </p:grpSpPr>
+      <p:sp>
+        <p:nvSpPr>
+          <p:cNvPr id="2" name="Slide Image Placeholder 1"/>
+          <p:cNvSpPr>
+            <a:spLocks noGrp="1" noRot="1" noChangeAspect="1"/>
+          </p:cNvSpPr>
+          <p:nvPr>
+            <p:ph type="sldImg"/>
+          </p:nvPr>
+        </p:nvSpPr>
+        <p:spPr/>
+      </p:sp>
+      <p:sp>
+        <p:nvSpPr>
+          <p:cNvPr id="3" name="Notes Placeholder 2"/>
+          <p:cNvSpPr>
+            <a:spLocks noGrp="1"/>
+          </p:cNvSpPr>
+          <p:nvPr>
+            <p:ph type="body" idx="1"/>
+          </p:nvPr>
+        </p:nvSpPr>
+        <p:spPr/>
+        <p:txBody>
+          <a:bodyPr/>
+          <a:lstStyle/>
+          <a:p>
+            <a:r>
+              <a:rPr lang="en-US" dirty="0"/>
+              <a:t>Goal: functional form with no restrictions on what f() looks like (i.e., not linear)</a:t>
+            </a:r>
+          </a:p>
+        </p:txBody>
+      </p:sp>
+      <p:sp>
+        <p:nvSpPr>
+          <p:cNvPr id="4" name="Slide Number Placeholder 3"/>
+          <p:cNvSpPr>
+            <a:spLocks noGrp="1"/>
+          </p:cNvSpPr>
+          <p:nvPr>
+            <p:ph type="sldNum" sz="quarter" idx="5"/>
+          </p:nvPr>
+        </p:nvSpPr>
+        <p:spPr/>
+        <p:txBody>
+          <a:bodyPr/>
+          <a:lstStyle/>
+          <a:p>
+            <a:fld id="{4AF79E1B-2C51-4B9B-8EA4-26DE9E345AFF}" type="slidenum">
+              <a:rPr lang="en-US" smtClean="0"/>
+              <a:t>50</a:t>
+            </a:fld>
+            <a:endParaRPr lang="en-US"/>
+          </a:p>
+        </p:txBody>
+      </p:sp>
+    </p:spTree>
+    <p:extLst>
+      <p:ext uri="{BB962C8B-B14F-4D97-AF65-F5344CB8AC3E}">
+        <p14:creationId xmlns:p14="http://schemas.microsoft.com/office/powerpoint/2010/main" val="1044557314"/>
       </p:ext>
     </p:extLst>
   </p:cSld>
@@ -4562,7 +4993,7 @@
             </a:r>
             <a:r>
               <a:rPr lang="en-US" i="0" dirty="0"/>
-              <a:t>gaps, not account for propensity of treatment!</a:t>
+              <a:t>gaps, not account for propensity of treatment! Explicitly more involved than matching</a:t>
             </a:r>
             <a:endParaRPr lang="en-US" dirty="0"/>
           </a:p>
@@ -4595,6 +5026,469 @@
     <p:extLst>
       <p:ext uri="{BB962C8B-B14F-4D97-AF65-F5344CB8AC3E}">
         <p14:creationId xmlns:p14="http://schemas.microsoft.com/office/powerpoint/2010/main" val="2160960673"/>
+      </p:ext>
+    </p:extLst>
+  </p:cSld>
+  <p:clrMapOvr>
+    <a:masterClrMapping/>
+  </p:clrMapOvr>
+</p:notes>
+</file>
+
+<file path=ppt/notesSlides/notesSlide50.xml><?xml version="1.0" encoding="utf-8"?>
+<p:notes xmlns:a="http://schemas.openxmlformats.org/drawingml/2006/main" xmlns:r="http://schemas.openxmlformats.org/officeDocument/2006/relationships" xmlns:p="http://schemas.openxmlformats.org/presentationml/2006/main">
+  <p:cSld>
+    <p:spTree>
+      <p:nvGrpSpPr>
+        <p:cNvPr id="1" name=""/>
+        <p:cNvGrpSpPr/>
+        <p:nvPr/>
+      </p:nvGrpSpPr>
+      <p:grpSpPr>
+        <a:xfrm>
+          <a:off x="0" y="0"/>
+          <a:ext cx="0" cy="0"/>
+          <a:chOff x="0" y="0"/>
+          <a:chExt cx="0" cy="0"/>
+        </a:xfrm>
+      </p:grpSpPr>
+      <p:sp>
+        <p:nvSpPr>
+          <p:cNvPr id="2" name="Slide Image Placeholder 1"/>
+          <p:cNvSpPr>
+            <a:spLocks noGrp="1" noRot="1" noChangeAspect="1"/>
+          </p:cNvSpPr>
+          <p:nvPr>
+            <p:ph type="sldImg"/>
+          </p:nvPr>
+        </p:nvSpPr>
+        <p:spPr/>
+      </p:sp>
+      <p:sp>
+        <p:nvSpPr>
+          <p:cNvPr id="3" name="Notes Placeholder 2"/>
+          <p:cNvSpPr>
+            <a:spLocks noGrp="1"/>
+          </p:cNvSpPr>
+          <p:nvPr>
+            <p:ph type="body" idx="1"/>
+          </p:nvPr>
+        </p:nvSpPr>
+        <p:spPr/>
+        <p:txBody>
+          <a:bodyPr/>
+          <a:lstStyle/>
+          <a:p>
+            <a:r>
+              <a:rPr lang="en-US" dirty="0"/>
+              <a:t>Note: there isn’t much difference between CDE and nonparametric regression – we are looking either for prediction of y given x (moments) or functional form F(x), but those are obviously intertwined. The difference is that there are additional </a:t>
+            </a:r>
+            <a:r>
+              <a:rPr lang="en-US" b="1" dirty="0"/>
+              <a:t>methods </a:t>
+            </a:r>
+            <a:r>
+              <a:rPr lang="en-US" b="0" dirty="0"/>
+              <a:t>in this literature that are useful. </a:t>
+            </a:r>
+            <a:endParaRPr lang="en-US" dirty="0"/>
+          </a:p>
+        </p:txBody>
+      </p:sp>
+      <p:sp>
+        <p:nvSpPr>
+          <p:cNvPr id="4" name="Slide Number Placeholder 3"/>
+          <p:cNvSpPr>
+            <a:spLocks noGrp="1"/>
+          </p:cNvSpPr>
+          <p:nvPr>
+            <p:ph type="sldNum" sz="quarter" idx="5"/>
+          </p:nvPr>
+        </p:nvSpPr>
+        <p:spPr/>
+        <p:txBody>
+          <a:bodyPr/>
+          <a:lstStyle/>
+          <a:p>
+            <a:fld id="{4AF79E1B-2C51-4B9B-8EA4-26DE9E345AFF}" type="slidenum">
+              <a:rPr lang="en-US" smtClean="0"/>
+              <a:t>51</a:t>
+            </a:fld>
+            <a:endParaRPr lang="en-US"/>
+          </a:p>
+        </p:txBody>
+      </p:sp>
+    </p:spTree>
+    <p:extLst>
+      <p:ext uri="{BB962C8B-B14F-4D97-AF65-F5344CB8AC3E}">
+        <p14:creationId xmlns:p14="http://schemas.microsoft.com/office/powerpoint/2010/main" val="1506519752"/>
+      </p:ext>
+    </p:extLst>
+  </p:cSld>
+  <p:clrMapOvr>
+    <a:masterClrMapping/>
+  </p:clrMapOvr>
+</p:notes>
+</file>
+
+<file path=ppt/notesSlides/notesSlide51.xml><?xml version="1.0" encoding="utf-8"?>
+<p:notes xmlns:a="http://schemas.openxmlformats.org/drawingml/2006/main" xmlns:r="http://schemas.openxmlformats.org/officeDocument/2006/relationships" xmlns:p="http://schemas.openxmlformats.org/presentationml/2006/main">
+  <p:cSld>
+    <p:spTree>
+      <p:nvGrpSpPr>
+        <p:cNvPr id="1" name=""/>
+        <p:cNvGrpSpPr/>
+        <p:nvPr/>
+      </p:nvGrpSpPr>
+      <p:grpSpPr>
+        <a:xfrm>
+          <a:off x="0" y="0"/>
+          <a:ext cx="0" cy="0"/>
+          <a:chOff x="0" y="0"/>
+          <a:chExt cx="0" cy="0"/>
+        </a:xfrm>
+      </p:grpSpPr>
+      <p:sp>
+        <p:nvSpPr>
+          <p:cNvPr id="2" name="Slide Image Placeholder 1"/>
+          <p:cNvSpPr>
+            <a:spLocks noGrp="1" noRot="1" noChangeAspect="1"/>
+          </p:cNvSpPr>
+          <p:nvPr>
+            <p:ph type="sldImg"/>
+          </p:nvPr>
+        </p:nvSpPr>
+        <p:spPr/>
+      </p:sp>
+      <p:sp>
+        <p:nvSpPr>
+          <p:cNvPr id="3" name="Notes Placeholder 2"/>
+          <p:cNvSpPr>
+            <a:spLocks noGrp="1"/>
+          </p:cNvSpPr>
+          <p:nvPr>
+            <p:ph type="body" idx="1"/>
+          </p:nvPr>
+        </p:nvSpPr>
+        <p:spPr/>
+        <p:txBody>
+          <a:bodyPr/>
+          <a:lstStyle/>
+          <a:p>
+            <a:endParaRPr lang="en-US" dirty="0"/>
+          </a:p>
+        </p:txBody>
+      </p:sp>
+      <p:sp>
+        <p:nvSpPr>
+          <p:cNvPr id="4" name="Slide Number Placeholder 3"/>
+          <p:cNvSpPr>
+            <a:spLocks noGrp="1"/>
+          </p:cNvSpPr>
+          <p:nvPr>
+            <p:ph type="sldNum" sz="quarter" idx="5"/>
+          </p:nvPr>
+        </p:nvSpPr>
+        <p:spPr/>
+        <p:txBody>
+          <a:bodyPr/>
+          <a:lstStyle/>
+          <a:p>
+            <a:fld id="{4AF79E1B-2C51-4B9B-8EA4-26DE9E345AFF}" type="slidenum">
+              <a:rPr lang="en-US" smtClean="0"/>
+              <a:t>52</a:t>
+            </a:fld>
+            <a:endParaRPr lang="en-US"/>
+          </a:p>
+        </p:txBody>
+      </p:sp>
+    </p:spTree>
+    <p:extLst>
+      <p:ext uri="{BB962C8B-B14F-4D97-AF65-F5344CB8AC3E}">
+        <p14:creationId xmlns:p14="http://schemas.microsoft.com/office/powerpoint/2010/main" val="717166347"/>
+      </p:ext>
+    </p:extLst>
+  </p:cSld>
+  <p:clrMapOvr>
+    <a:masterClrMapping/>
+  </p:clrMapOvr>
+</p:notes>
+</file>
+
+<file path=ppt/notesSlides/notesSlide52.xml><?xml version="1.0" encoding="utf-8"?>
+<p:notes xmlns:a="http://schemas.openxmlformats.org/drawingml/2006/main" xmlns:r="http://schemas.openxmlformats.org/officeDocument/2006/relationships" xmlns:p="http://schemas.openxmlformats.org/presentationml/2006/main">
+  <p:cSld>
+    <p:spTree>
+      <p:nvGrpSpPr>
+        <p:cNvPr id="1" name=""/>
+        <p:cNvGrpSpPr/>
+        <p:nvPr/>
+      </p:nvGrpSpPr>
+      <p:grpSpPr>
+        <a:xfrm>
+          <a:off x="0" y="0"/>
+          <a:ext cx="0" cy="0"/>
+          <a:chOff x="0" y="0"/>
+          <a:chExt cx="0" cy="0"/>
+        </a:xfrm>
+      </p:grpSpPr>
+      <p:sp>
+        <p:nvSpPr>
+          <p:cNvPr id="2" name="Slide Image Placeholder 1"/>
+          <p:cNvSpPr>
+            <a:spLocks noGrp="1" noRot="1" noChangeAspect="1"/>
+          </p:cNvSpPr>
+          <p:nvPr>
+            <p:ph type="sldImg"/>
+          </p:nvPr>
+        </p:nvSpPr>
+        <p:spPr/>
+      </p:sp>
+      <p:sp>
+        <p:nvSpPr>
+          <p:cNvPr id="3" name="Notes Placeholder 2"/>
+          <p:cNvSpPr>
+            <a:spLocks noGrp="1"/>
+          </p:cNvSpPr>
+          <p:nvPr>
+            <p:ph type="body" idx="1"/>
+          </p:nvPr>
+        </p:nvSpPr>
+        <p:spPr/>
+        <p:txBody>
+          <a:bodyPr/>
+          <a:lstStyle/>
+          <a:p>
+            <a:r>
+              <a:rPr lang="en-US" dirty="0"/>
+              <a:t>Cut-points – rules for how to bin data in order to assign prediction (e.g., if we’re predicting expenses, at what age do expenses go down (2?) and then up again (50?). Once we’ve done that cut, what’s the next best way to cut – by sex (older men versus older women)? And so on.)</a:t>
+            </a:r>
+          </a:p>
+        </p:txBody>
+      </p:sp>
+      <p:sp>
+        <p:nvSpPr>
+          <p:cNvPr id="4" name="Slide Number Placeholder 3"/>
+          <p:cNvSpPr>
+            <a:spLocks noGrp="1"/>
+          </p:cNvSpPr>
+          <p:nvPr>
+            <p:ph type="sldNum" sz="quarter" idx="5"/>
+          </p:nvPr>
+        </p:nvSpPr>
+        <p:spPr/>
+        <p:txBody>
+          <a:bodyPr/>
+          <a:lstStyle/>
+          <a:p>
+            <a:fld id="{4AF79E1B-2C51-4B9B-8EA4-26DE9E345AFF}" type="slidenum">
+              <a:rPr lang="en-US" smtClean="0"/>
+              <a:t>53</a:t>
+            </a:fld>
+            <a:endParaRPr lang="en-US"/>
+          </a:p>
+        </p:txBody>
+      </p:sp>
+    </p:spTree>
+    <p:extLst>
+      <p:ext uri="{BB962C8B-B14F-4D97-AF65-F5344CB8AC3E}">
+        <p14:creationId xmlns:p14="http://schemas.microsoft.com/office/powerpoint/2010/main" val="2040611805"/>
+      </p:ext>
+    </p:extLst>
+  </p:cSld>
+  <p:clrMapOvr>
+    <a:masterClrMapping/>
+  </p:clrMapOvr>
+</p:notes>
+</file>
+
+<file path=ppt/notesSlides/notesSlide53.xml><?xml version="1.0" encoding="utf-8"?>
+<p:notes xmlns:a="http://schemas.openxmlformats.org/drawingml/2006/main" xmlns:r="http://schemas.openxmlformats.org/officeDocument/2006/relationships" xmlns:p="http://schemas.openxmlformats.org/presentationml/2006/main">
+  <p:cSld>
+    <p:spTree>
+      <p:nvGrpSpPr>
+        <p:cNvPr id="1" name=""/>
+        <p:cNvGrpSpPr/>
+        <p:nvPr/>
+      </p:nvGrpSpPr>
+      <p:grpSpPr>
+        <a:xfrm>
+          <a:off x="0" y="0"/>
+          <a:ext cx="0" cy="0"/>
+          <a:chOff x="0" y="0"/>
+          <a:chExt cx="0" cy="0"/>
+        </a:xfrm>
+      </p:grpSpPr>
+      <p:sp>
+        <p:nvSpPr>
+          <p:cNvPr id="2" name="Slide Image Placeholder 1"/>
+          <p:cNvSpPr>
+            <a:spLocks noGrp="1" noRot="1" noChangeAspect="1"/>
+          </p:cNvSpPr>
+          <p:nvPr>
+            <p:ph type="sldImg"/>
+          </p:nvPr>
+        </p:nvSpPr>
+        <p:spPr/>
+      </p:sp>
+      <p:sp>
+        <p:nvSpPr>
+          <p:cNvPr id="3" name="Notes Placeholder 2"/>
+          <p:cNvSpPr>
+            <a:spLocks noGrp="1"/>
+          </p:cNvSpPr>
+          <p:nvPr>
+            <p:ph type="body" idx="1"/>
+          </p:nvPr>
+        </p:nvSpPr>
+        <p:spPr/>
+        <p:txBody>
+          <a:bodyPr/>
+          <a:lstStyle/>
+          <a:p>
+            <a:r>
+              <a:rPr lang="en-US" dirty="0"/>
+              <a:t>Neurons are similar to trees</a:t>
+            </a:r>
+          </a:p>
+        </p:txBody>
+      </p:sp>
+      <p:sp>
+        <p:nvSpPr>
+          <p:cNvPr id="4" name="Slide Number Placeholder 3"/>
+          <p:cNvSpPr>
+            <a:spLocks noGrp="1"/>
+          </p:cNvSpPr>
+          <p:nvPr>
+            <p:ph type="sldNum" sz="quarter" idx="5"/>
+          </p:nvPr>
+        </p:nvSpPr>
+        <p:spPr/>
+        <p:txBody>
+          <a:bodyPr/>
+          <a:lstStyle/>
+          <a:p>
+            <a:fld id="{4AF79E1B-2C51-4B9B-8EA4-26DE9E345AFF}" type="slidenum">
+              <a:rPr lang="en-US" smtClean="0"/>
+              <a:t>54</a:t>
+            </a:fld>
+            <a:endParaRPr lang="en-US"/>
+          </a:p>
+        </p:txBody>
+      </p:sp>
+    </p:spTree>
+    <p:extLst>
+      <p:ext uri="{BB962C8B-B14F-4D97-AF65-F5344CB8AC3E}">
+        <p14:creationId xmlns:p14="http://schemas.microsoft.com/office/powerpoint/2010/main" val="817311110"/>
+      </p:ext>
+    </p:extLst>
+  </p:cSld>
+  <p:clrMapOvr>
+    <a:masterClrMapping/>
+  </p:clrMapOvr>
+</p:notes>
+</file>
+
+<file path=ppt/notesSlides/notesSlide54.xml><?xml version="1.0" encoding="utf-8"?>
+<p:notes xmlns:a="http://schemas.openxmlformats.org/drawingml/2006/main" xmlns:r="http://schemas.openxmlformats.org/officeDocument/2006/relationships" xmlns:p="http://schemas.openxmlformats.org/presentationml/2006/main">
+  <p:cSld>
+    <p:spTree>
+      <p:nvGrpSpPr>
+        <p:cNvPr id="1" name=""/>
+        <p:cNvGrpSpPr/>
+        <p:nvPr/>
+      </p:nvGrpSpPr>
+      <p:grpSpPr>
+        <a:xfrm>
+          <a:off x="0" y="0"/>
+          <a:ext cx="0" cy="0"/>
+          <a:chOff x="0" y="0"/>
+          <a:chExt cx="0" cy="0"/>
+        </a:xfrm>
+      </p:grpSpPr>
+      <p:sp>
+        <p:nvSpPr>
+          <p:cNvPr id="2" name="Slide Image Placeholder 1"/>
+          <p:cNvSpPr>
+            <a:spLocks noGrp="1" noRot="1" noChangeAspect="1"/>
+          </p:cNvSpPr>
+          <p:nvPr>
+            <p:ph type="sldImg"/>
+          </p:nvPr>
+        </p:nvSpPr>
+        <p:spPr/>
+      </p:sp>
+      <p:sp>
+        <p:nvSpPr>
+          <p:cNvPr id="3" name="Notes Placeholder 2"/>
+          <p:cNvSpPr>
+            <a:spLocks noGrp="1"/>
+          </p:cNvSpPr>
+          <p:nvPr>
+            <p:ph type="body" idx="1"/>
+          </p:nvPr>
+        </p:nvSpPr>
+        <p:spPr/>
+        <p:txBody>
+          <a:bodyPr/>
+          <a:lstStyle/>
+          <a:p>
+            <a:pPr marL="0" marR="0" lvl="0" indent="0" algn="l" defTabSz="914400" rtl="0" eaLnBrk="1" fontAlgn="auto" latinLnBrk="0" hangingPunct="1">
+              <a:lnSpc>
+                <a:spcPct val="100000"/>
+              </a:lnSpc>
+              <a:spcBef>
+                <a:spcPts val="0"/>
+              </a:spcBef>
+              <a:spcAft>
+                <a:spcPts val="0"/>
+              </a:spcAft>
+              <a:buClrTx/>
+              <a:buSzTx/>
+              <a:buFontTx/>
+              <a:buNone/>
+              <a:tabLst/>
+              <a:defRPr/>
+            </a:pPr>
+            <a:r>
+              <a:rPr lang="en-US" sz="1200" dirty="0">
+                <a:cs typeface="Times New Roman" panose="02020603050405020304" pitchFamily="18" charset="0"/>
+              </a:rPr>
+              <a:t>Lots of ways to estimate distributional effects!</a:t>
+            </a:r>
+          </a:p>
+          <a:p>
+            <a:endParaRPr lang="en-US" dirty="0"/>
+          </a:p>
+        </p:txBody>
+      </p:sp>
+      <p:sp>
+        <p:nvSpPr>
+          <p:cNvPr id="4" name="Slide Number Placeholder 3"/>
+          <p:cNvSpPr>
+            <a:spLocks noGrp="1"/>
+          </p:cNvSpPr>
+          <p:nvPr>
+            <p:ph type="sldNum" sz="quarter" idx="5"/>
+          </p:nvPr>
+        </p:nvSpPr>
+        <p:spPr/>
+        <p:txBody>
+          <a:bodyPr/>
+          <a:lstStyle/>
+          <a:p>
+            <a:fld id="{4AF79E1B-2C51-4B9B-8EA4-26DE9E345AFF}" type="slidenum">
+              <a:rPr lang="en-US" smtClean="0"/>
+              <a:t>55</a:t>
+            </a:fld>
+            <a:endParaRPr lang="en-US"/>
+          </a:p>
+        </p:txBody>
+      </p:sp>
+    </p:spTree>
+    <p:extLst>
+      <p:ext uri="{BB962C8B-B14F-4D97-AF65-F5344CB8AC3E}">
+        <p14:creationId xmlns:p14="http://schemas.microsoft.com/office/powerpoint/2010/main" val="2083499418"/>
       </p:ext>
     </p:extLst>
   </p:cSld>
@@ -4735,7 +5629,10 @@
           <a:bodyPr/>
           <a:lstStyle/>
           <a:p>
-            <a:endParaRPr lang="en-US" dirty="0"/>
+            <a:r>
+              <a:rPr lang="en-US" dirty="0"/>
+              <a:t>Remember we got different results! So what should we use?</a:t>
+            </a:r>
           </a:p>
         </p:txBody>
       </p:sp>
@@ -4821,7 +5718,7 @@
           <a:p>
             <a:r>
               <a:rPr lang="en-US" dirty="0"/>
-              <a:t>Not sure how much everyone knows about the US</a:t>
+              <a:t>Remember we got different results based on the control groups! Lang et al did this with a real synthetic control</a:t>
             </a:r>
           </a:p>
         </p:txBody>
@@ -4908,7 +5805,7 @@
           <a:p>
             <a:r>
               <a:rPr lang="en-US" dirty="0"/>
-              <a:t>Add guide to synthetic controls to papers in folder</a:t>
+              <a:t>Add guide to synthetic controls to papers in folder (McClelland and Gault)</a:t>
             </a:r>
           </a:p>
         </p:txBody>
@@ -5118,7 +6015,7 @@
             <a:fld id="{0972D05C-DCFB-4BB6-B49C-AC126BF3ED2C}" type="datetimeFigureOut">
               <a:rPr lang="en-US" smtClean="0"/>
               <a:pPr/>
-              <a:t>11/7/2022</a:t>
+              <a:t>11/14/2022</a:t>
             </a:fld>
             <a:endParaRPr lang="en-US"/>
           </a:p>
@@ -5348,7 +6245,7 @@
             <a:fld id="{0972D05C-DCFB-4BB6-B49C-AC126BF3ED2C}" type="datetimeFigureOut">
               <a:rPr lang="en-US" smtClean="0"/>
               <a:pPr/>
-              <a:t>11/7/2022</a:t>
+              <a:t>11/14/2022</a:t>
             </a:fld>
             <a:endParaRPr lang="en-US"/>
           </a:p>
@@ -5530,7 +6427,7 @@
             <a:fld id="{0972D05C-DCFB-4BB6-B49C-AC126BF3ED2C}" type="datetimeFigureOut">
               <a:rPr lang="en-US" smtClean="0"/>
               <a:pPr/>
-              <a:t>11/7/2022</a:t>
+              <a:t>11/14/2022</a:t>
             </a:fld>
             <a:endParaRPr lang="en-US"/>
           </a:p>
@@ -5702,7 +6599,7 @@
             <a:fld id="{0972D05C-DCFB-4BB6-B49C-AC126BF3ED2C}" type="datetimeFigureOut">
               <a:rPr lang="en-US" smtClean="0"/>
               <a:pPr/>
-              <a:t>11/7/2022</a:t>
+              <a:t>11/14/2022</a:t>
             </a:fld>
             <a:endParaRPr lang="en-US"/>
           </a:p>
@@ -5958,7 +6855,7 @@
             <a:fld id="{0972D05C-DCFB-4BB6-B49C-AC126BF3ED2C}" type="datetimeFigureOut">
               <a:rPr lang="en-US" smtClean="0"/>
               <a:pPr/>
-              <a:t>11/7/2022</a:t>
+              <a:t>11/14/2022</a:t>
             </a:fld>
             <a:endParaRPr lang="en-US"/>
           </a:p>
@@ -6286,7 +7183,7 @@
             <a:fld id="{0972D05C-DCFB-4BB6-B49C-AC126BF3ED2C}" type="datetimeFigureOut">
               <a:rPr lang="en-US" smtClean="0"/>
               <a:pPr/>
-              <a:t>11/7/2022</a:t>
+              <a:t>11/14/2022</a:t>
             </a:fld>
             <a:endParaRPr lang="en-US"/>
           </a:p>
@@ -6739,7 +7636,7 @@
             <a:fld id="{0972D05C-DCFB-4BB6-B49C-AC126BF3ED2C}" type="datetimeFigureOut">
               <a:rPr lang="en-US" smtClean="0"/>
               <a:pPr/>
-              <a:t>11/7/2022</a:t>
+              <a:t>11/14/2022</a:t>
             </a:fld>
             <a:endParaRPr lang="en-US"/>
           </a:p>
@@ -6859,7 +7756,7 @@
             <a:fld id="{0972D05C-DCFB-4BB6-B49C-AC126BF3ED2C}" type="datetimeFigureOut">
               <a:rPr lang="en-US" smtClean="0"/>
               <a:pPr/>
-              <a:t>11/7/2022</a:t>
+              <a:t>11/14/2022</a:t>
             </a:fld>
             <a:endParaRPr lang="en-US"/>
           </a:p>
@@ -6956,7 +7853,7 @@
             <a:fld id="{0972D05C-DCFB-4BB6-B49C-AC126BF3ED2C}" type="datetimeFigureOut">
               <a:rPr lang="en-US" smtClean="0"/>
               <a:pPr/>
-              <a:t>11/7/2022</a:t>
+              <a:t>11/14/2022</a:t>
             </a:fld>
             <a:endParaRPr lang="en-US"/>
           </a:p>
@@ -7245,7 +8142,7 @@
             <a:fld id="{0972D05C-DCFB-4BB6-B49C-AC126BF3ED2C}" type="datetimeFigureOut">
               <a:rPr lang="en-US" smtClean="0"/>
               <a:pPr/>
-              <a:t>11/7/2022</a:t>
+              <a:t>11/14/2022</a:t>
             </a:fld>
             <a:endParaRPr lang="en-US"/>
           </a:p>
@@ -7569,7 +8466,7 @@
             <a:fld id="{0972D05C-DCFB-4BB6-B49C-AC126BF3ED2C}" type="datetimeFigureOut">
               <a:rPr lang="en-US" smtClean="0"/>
               <a:pPr/>
-              <a:t>11/7/2022</a:t>
+              <a:t>11/14/2022</a:t>
             </a:fld>
             <a:endParaRPr lang="en-US"/>
           </a:p>
@@ -7824,7 +8721,7 @@
             <a:fld id="{0972D05C-DCFB-4BB6-B49C-AC126BF3ED2C}" type="datetimeFigureOut">
               <a:rPr lang="en-US" smtClean="0"/>
               <a:pPr/>
-              <a:t>11/7/2022</a:t>
+              <a:t>11/14/2022</a:t>
             </a:fld>
             <a:endParaRPr lang="en-US" dirty="0"/>
           </a:p>
@@ -8480,6 +9377,9 @@
           </a:bodyPr>
           <a:lstStyle/>
           <a:p>
+            <a:pPr marL="0" indent="0">
+              <a:buNone/>
+            </a:pPr>
             <a:r>
               <a:rPr lang="en-US" sz="2400" dirty="0">
                 <a:cs typeface="Times New Roman" panose="02020603050405020304" pitchFamily="18" charset="0"/>
@@ -8488,9 +9388,14 @@
             </a:r>
             <a:r>
               <a:rPr lang="en-US" sz="2400" b="1" dirty="0">
+                <a:solidFill>
+                  <a:schemeClr val="accent2">
+                    <a:lumMod val="75000"/>
+                  </a:schemeClr>
+                </a:solidFill>
                 <a:cs typeface="Times New Roman" panose="02020603050405020304" pitchFamily="18" charset="0"/>
               </a:rPr>
-              <a:t>throw in the kitchen sink!</a:t>
+              <a:t>throw in the kitchen sink! (this time it’s okay)</a:t>
             </a:r>
           </a:p>
           <a:p>
@@ -8559,7 +9464,7 @@
               <a:buFont typeface="+mj-lt"/>
               <a:buAutoNum type="arabicPeriod"/>
             </a:pPr>
-            <a:endParaRPr lang="en-US" sz="2400" dirty="0">
+            <a:endParaRPr lang="en-US" sz="1400" dirty="0">
               <a:cs typeface="Times New Roman" panose="02020603050405020304" pitchFamily="18" charset="0"/>
             </a:endParaRPr>
           </a:p>
@@ -8784,6 +9689,20 @@
                 <a:cs typeface="Times New Roman" panose="02020603050405020304" pitchFamily="18" charset="0"/>
               </a:rPr>
               <a:t>Requires some amount of comparability (can’t compare OH to Mars)</a:t>
+            </a:r>
+          </a:p>
+          <a:p>
+            <a:pPr lvl="1"/>
+            <a:r>
+              <a:rPr lang="en-US" sz="2400" u="sng" dirty="0">
+                <a:solidFill>
+                  <a:schemeClr val="accent3">
+                    <a:lumMod val="75000"/>
+                  </a:schemeClr>
+                </a:solidFill>
+                <a:cs typeface="Times New Roman" panose="02020603050405020304" pitchFamily="18" charset="0"/>
+              </a:rPr>
+              <a:t>Weighted average of bad controls will still be…bad controls</a:t>
             </a:r>
           </a:p>
           <a:p>
@@ -9780,6 +10699,57 @@
           </a:prstGeom>
         </p:spPr>
       </p:pic>
+      <mc:AlternateContent xmlns:mc="http://schemas.openxmlformats.org/markup-compatibility/2006">
+        <mc:Choice xmlns:p14="http://schemas.microsoft.com/office/powerpoint/2010/main" Requires="p14">
+          <p:contentPart p14:bwMode="auto" r:id="rId4">
+            <p14:nvContentPartPr>
+              <p14:cNvPr id="4" name="Ink 3">
+                <a:extLst>
+                  <a:ext uri="{FF2B5EF4-FFF2-40B4-BE49-F238E27FC236}">
+                    <a16:creationId xmlns:a16="http://schemas.microsoft.com/office/drawing/2014/main" id="{61740180-7FBE-A21C-20F0-13887ADCF471}"/>
+                  </a:ext>
+                </a:extLst>
+              </p14:cNvPr>
+              <p14:cNvContentPartPr/>
+              <p14:nvPr/>
+            </p14:nvContentPartPr>
+            <p14:xfrm>
+              <a:off x="2685486" y="1922912"/>
+              <a:ext cx="6705000" cy="71280"/>
+            </p14:xfrm>
+          </p:contentPart>
+        </mc:Choice>
+        <mc:Fallback>
+          <p:pic>
+            <p:nvPicPr>
+              <p:cNvPr id="4" name="Ink 3">
+                <a:extLst>
+                  <a:ext uri="{FF2B5EF4-FFF2-40B4-BE49-F238E27FC236}">
+                    <a16:creationId xmlns:a16="http://schemas.microsoft.com/office/drawing/2014/main" id="{61740180-7FBE-A21C-20F0-13887ADCF471}"/>
+                  </a:ext>
+                </a:extLst>
+              </p:cNvPr>
+              <p:cNvPicPr/>
+              <p:nvPr/>
+            </p:nvPicPr>
+            <p:blipFill>
+              <a:blip r:embed="rId5"/>
+              <a:stretch>
+                <a:fillRect/>
+              </a:stretch>
+            </p:blipFill>
+            <p:spPr>
+              <a:xfrm>
+                <a:off x="2631486" y="1815272"/>
+                <a:ext cx="6812640" cy="286920"/>
+              </a:xfrm>
+              <a:prstGeom prst="rect">
+                <a:avLst/>
+              </a:prstGeom>
+            </p:spPr>
+          </p:pic>
+        </mc:Fallback>
+      </mc:AlternateContent>
     </p:spTree>
     <p:extLst>
       <p:ext uri="{BB962C8B-B14F-4D97-AF65-F5344CB8AC3E}">
@@ -9794,6 +10764,128 @@
 </file>
 
 <file path=ppt/slides/slide15.xml><?xml version="1.0" encoding="utf-8"?>
+<p:sld xmlns:a="http://schemas.openxmlformats.org/drawingml/2006/main" xmlns:r="http://schemas.openxmlformats.org/officeDocument/2006/relationships" xmlns:p="http://schemas.openxmlformats.org/presentationml/2006/main">
+  <p:cSld>
+    <p:spTree>
+      <p:nvGrpSpPr>
+        <p:cNvPr id="1" name=""/>
+        <p:cNvGrpSpPr/>
+        <p:nvPr/>
+      </p:nvGrpSpPr>
+      <p:grpSpPr>
+        <a:xfrm>
+          <a:off x="0" y="0"/>
+          <a:ext cx="0" cy="0"/>
+          <a:chOff x="0" y="0"/>
+          <a:chExt cx="0" cy="0"/>
+        </a:xfrm>
+      </p:grpSpPr>
+      <p:sp>
+        <p:nvSpPr>
+          <p:cNvPr id="2" name="Title 1"/>
+          <p:cNvSpPr>
+            <a:spLocks noGrp="1"/>
+          </p:cNvSpPr>
+          <p:nvPr>
+            <p:ph type="title"/>
+          </p:nvPr>
+        </p:nvSpPr>
+        <p:spPr>
+          <a:xfrm>
+            <a:off x="609600" y="337392"/>
+            <a:ext cx="10439400" cy="624840"/>
+          </a:xfrm>
+        </p:spPr>
+        <p:txBody>
+          <a:bodyPr>
+            <a:noAutofit/>
+          </a:bodyPr>
+          <a:lstStyle/>
+          <a:p>
+            <a:r>
+              <a:rPr lang="en-US" sz="3600" dirty="0">
+                <a:cs typeface="Times New Roman" panose="02020603050405020304" pitchFamily="18" charset="0"/>
+              </a:rPr>
+              <a:t>Results: OH vs. Synthetic OH</a:t>
+            </a:r>
+            <a:endParaRPr lang="en-US" sz="3600" dirty="0">
+              <a:latin typeface="Times New Roman" panose="02020603050405020304" pitchFamily="18" charset="0"/>
+              <a:cs typeface="Times New Roman" panose="02020603050405020304" pitchFamily="18" charset="0"/>
+            </a:endParaRPr>
+          </a:p>
+        </p:txBody>
+      </p:sp>
+      <p:sp>
+        <p:nvSpPr>
+          <p:cNvPr id="3" name="Content Placeholder 2"/>
+          <p:cNvSpPr>
+            <a:spLocks noGrp="1"/>
+          </p:cNvSpPr>
+          <p:nvPr>
+            <p:ph idx="1"/>
+          </p:nvPr>
+        </p:nvSpPr>
+        <p:spPr>
+          <a:xfrm>
+            <a:off x="1219199" y="1066801"/>
+            <a:ext cx="9405791" cy="5141388"/>
+          </a:xfrm>
+        </p:spPr>
+        <p:txBody>
+          <a:bodyPr>
+            <a:noAutofit/>
+          </a:bodyPr>
+          <a:lstStyle/>
+          <a:p>
+            <a:endParaRPr lang="en-US" sz="2000" dirty="0">
+              <a:cs typeface="Times New Roman" panose="02020603050405020304" pitchFamily="18" charset="0"/>
+            </a:endParaRPr>
+          </a:p>
+        </p:txBody>
+      </p:sp>
+      <p:pic>
+        <p:nvPicPr>
+          <p:cNvPr id="6" name="Picture 5">
+            <a:extLst>
+              <a:ext uri="{FF2B5EF4-FFF2-40B4-BE49-F238E27FC236}">
+                <a16:creationId xmlns:a16="http://schemas.microsoft.com/office/drawing/2014/main" id="{58F6F2A8-5C6F-78C7-8944-3E7EBF9C3127}"/>
+              </a:ext>
+            </a:extLst>
+          </p:cNvPr>
+          <p:cNvPicPr>
+            <a:picLocks noChangeAspect="1"/>
+          </p:cNvPicPr>
+          <p:nvPr/>
+        </p:nvPicPr>
+        <p:blipFill rotWithShape="1">
+          <a:blip r:embed="rId3"/>
+          <a:srcRect r="28005"/>
+          <a:stretch/>
+        </p:blipFill>
+        <p:spPr>
+          <a:xfrm>
+            <a:off x="2171700" y="962232"/>
+            <a:ext cx="5295900" cy="6621610"/>
+          </a:xfrm>
+          <a:prstGeom prst="rect">
+            <a:avLst/>
+          </a:prstGeom>
+        </p:spPr>
+      </p:pic>
+    </p:spTree>
+    <p:extLst>
+      <p:ext uri="{BB962C8B-B14F-4D97-AF65-F5344CB8AC3E}">
+        <p14:creationId xmlns:p14="http://schemas.microsoft.com/office/powerpoint/2010/main" val="2077178009"/>
+      </p:ext>
+    </p:extLst>
+  </p:cSld>
+  <p:clrMapOvr>
+    <a:masterClrMapping/>
+  </p:clrMapOvr>
+</p:sld>
+</file>
+
+<file path=ppt/slides/slide16.xml><?xml version="1.0" encoding="utf-8"?>
 <p:sld xmlns:a="http://schemas.openxmlformats.org/drawingml/2006/main" xmlns:r="http://schemas.openxmlformats.org/officeDocument/2006/relationships" xmlns:p="http://schemas.openxmlformats.org/presentationml/2006/main">
   <p:cSld>
     <p:spTree>
@@ -9953,7 +11045,7 @@
     </p:spTree>
     <p:extLst>
       <p:ext uri="{BB962C8B-B14F-4D97-AF65-F5344CB8AC3E}">
-        <p14:creationId xmlns:p14="http://schemas.microsoft.com/office/powerpoint/2010/main" val="2077178009"/>
+        <p14:creationId xmlns:p14="http://schemas.microsoft.com/office/powerpoint/2010/main" val="3744626433"/>
       </p:ext>
     </p:extLst>
   </p:cSld>
@@ -9963,7 +11055,7 @@
 </p:sld>
 </file>
 
-<file path=ppt/slides/slide16.xml><?xml version="1.0" encoding="utf-8"?>
+<file path=ppt/slides/slide17.xml><?xml version="1.0" encoding="utf-8"?>
 <p:sld xmlns:a="http://schemas.openxmlformats.org/drawingml/2006/main" xmlns:r="http://schemas.openxmlformats.org/officeDocument/2006/relationships" xmlns:p="http://schemas.openxmlformats.org/presentationml/2006/main">
   <p:cSld>
     <p:spTree>
@@ -10086,7 +11178,7 @@
 </p:sld>
 </file>
 
-<file path=ppt/slides/slide17.xml><?xml version="1.0" encoding="utf-8"?>
+<file path=ppt/slides/slide18.xml><?xml version="1.0" encoding="utf-8"?>
 <p:sld xmlns:a="http://schemas.openxmlformats.org/drawingml/2006/main" xmlns:r="http://schemas.openxmlformats.org/officeDocument/2006/relationships" xmlns:p="http://schemas.openxmlformats.org/presentationml/2006/main">
   <p:cSld>
     <p:spTree>
@@ -10303,161 +11395,6 @@
 </p:sld>
 </file>
 
-<file path=ppt/slides/slide18.xml><?xml version="1.0" encoding="utf-8"?>
-<p:sld xmlns:a="http://schemas.openxmlformats.org/drawingml/2006/main" xmlns:r="http://schemas.openxmlformats.org/officeDocument/2006/relationships" xmlns:p="http://schemas.openxmlformats.org/presentationml/2006/main">
-  <p:cSld>
-    <p:spTree>
-      <p:nvGrpSpPr>
-        <p:cNvPr id="1" name=""/>
-        <p:cNvGrpSpPr/>
-        <p:nvPr/>
-      </p:nvGrpSpPr>
-      <p:grpSpPr>
-        <a:xfrm>
-          <a:off x="0" y="0"/>
-          <a:ext cx="0" cy="0"/>
-          <a:chOff x="0" y="0"/>
-          <a:chExt cx="0" cy="0"/>
-        </a:xfrm>
-      </p:grpSpPr>
-      <p:sp>
-        <p:nvSpPr>
-          <p:cNvPr id="2" name="Title 1"/>
-          <p:cNvSpPr>
-            <a:spLocks noGrp="1"/>
-          </p:cNvSpPr>
-          <p:nvPr>
-            <p:ph type="title"/>
-          </p:nvPr>
-        </p:nvSpPr>
-        <p:spPr>
-          <a:xfrm>
-            <a:off x="609600" y="337392"/>
-            <a:ext cx="10439400" cy="624840"/>
-          </a:xfrm>
-        </p:spPr>
-        <p:txBody>
-          <a:bodyPr>
-            <a:noAutofit/>
-          </a:bodyPr>
-          <a:lstStyle/>
-          <a:p>
-            <a:r>
-              <a:rPr lang="en-US" sz="3600" dirty="0">
-                <a:cs typeface="Times New Roman" panose="02020603050405020304" pitchFamily="18" charset="0"/>
-              </a:rPr>
-              <a:t>Inference: Are these results significant?</a:t>
-            </a:r>
-            <a:endParaRPr lang="en-US" sz="3600" dirty="0">
-              <a:latin typeface="Times New Roman" panose="02020603050405020304" pitchFamily="18" charset="0"/>
-              <a:cs typeface="Times New Roman" panose="02020603050405020304" pitchFamily="18" charset="0"/>
-            </a:endParaRPr>
-          </a:p>
-        </p:txBody>
-      </p:sp>
-      <p:sp>
-        <p:nvSpPr>
-          <p:cNvPr id="3" name="Content Placeholder 2"/>
-          <p:cNvSpPr>
-            <a:spLocks noGrp="1"/>
-          </p:cNvSpPr>
-          <p:nvPr>
-            <p:ph idx="1"/>
-          </p:nvPr>
-        </p:nvSpPr>
-        <p:spPr>
-          <a:xfrm>
-            <a:off x="609601" y="1066801"/>
-            <a:ext cx="10015390" cy="5141388"/>
-          </a:xfrm>
-        </p:spPr>
-        <p:txBody>
-          <a:bodyPr>
-            <a:noAutofit/>
-          </a:bodyPr>
-          <a:lstStyle/>
-          <a:p>
-            <a:r>
-              <a:rPr lang="en-US" sz="2400" dirty="0">
-                <a:cs typeface="Times New Roman" panose="02020603050405020304" pitchFamily="18" charset="0"/>
-              </a:rPr>
-              <a:t>These results aren’t like others we’ve been focusing on</a:t>
-            </a:r>
-          </a:p>
-          <a:p>
-            <a:pPr lvl="1"/>
-            <a:r>
-              <a:rPr lang="en-US" sz="2400" dirty="0">
-                <a:cs typeface="Times New Roman" panose="02020603050405020304" pitchFamily="18" charset="0"/>
-              </a:rPr>
-              <a:t>Where are the stars? </a:t>
-            </a:r>
-          </a:p>
-          <a:p>
-            <a:r>
-              <a:rPr lang="en-US" sz="2400" dirty="0">
-                <a:cs typeface="Times New Roman" panose="02020603050405020304" pitchFamily="18" charset="0"/>
-              </a:rPr>
-              <a:t>We can still do inference! Using </a:t>
-            </a:r>
-            <a:r>
-              <a:rPr lang="en-US" sz="2400" b="1" dirty="0">
-                <a:cs typeface="Times New Roman" panose="02020603050405020304" pitchFamily="18" charset="0"/>
-              </a:rPr>
-              <a:t>randomization-based inference</a:t>
-            </a:r>
-          </a:p>
-          <a:p>
-            <a:pPr lvl="1"/>
-            <a:r>
-              <a:rPr lang="en-US" sz="2400" dirty="0">
-                <a:cs typeface="Times New Roman" panose="02020603050405020304" pitchFamily="18" charset="0"/>
-              </a:rPr>
-              <a:t>Relies heavily on </a:t>
-            </a:r>
-            <a:r>
-              <a:rPr lang="en-US" sz="2400" b="1" dirty="0">
-                <a:cs typeface="Times New Roman" panose="02020603050405020304" pitchFamily="18" charset="0"/>
-              </a:rPr>
-              <a:t>placebo tests</a:t>
-            </a:r>
-            <a:r>
-              <a:rPr lang="en-US" sz="2400" dirty="0">
-                <a:cs typeface="Times New Roman" panose="02020603050405020304" pitchFamily="18" charset="0"/>
-              </a:rPr>
-              <a:t> – how does my estimate change if I introduce sampling variation?</a:t>
-            </a:r>
-          </a:p>
-          <a:p>
-            <a:pPr lvl="1"/>
-            <a:r>
-              <a:rPr lang="en-US" sz="2400" dirty="0">
-                <a:cs typeface="Times New Roman" panose="02020603050405020304" pitchFamily="18" charset="0"/>
-              </a:rPr>
-              <a:t>Also similar intuition to </a:t>
-            </a:r>
-            <a:r>
-              <a:rPr lang="en-US" sz="2400" b="1" dirty="0">
-                <a:cs typeface="Times New Roman" panose="02020603050405020304" pitchFamily="18" charset="0"/>
-              </a:rPr>
-              <a:t>bootstrapping</a:t>
-            </a:r>
-          </a:p>
-        </p:txBody>
-      </p:sp>
-    </p:spTree>
-    <p:extLst>
-      <p:ext uri="{BB962C8B-B14F-4D97-AF65-F5344CB8AC3E}">
-        <p14:creationId xmlns:p14="http://schemas.microsoft.com/office/powerpoint/2010/main" val="1179963232"/>
-      </p:ext>
-    </p:extLst>
-  </p:cSld>
-  <p:clrMapOvr>
-    <a:masterClrMapping/>
-  </p:clrMapOvr>
-</p:sld>
-</file>
-
 <file path=ppt/slides/slide19.xml><?xml version="1.0" encoding="utf-8"?>
 <p:sld xmlns:a="http://schemas.openxmlformats.org/drawingml/2006/main" xmlns:r="http://schemas.openxmlformats.org/officeDocument/2006/relationships" xmlns:p="http://schemas.openxmlformats.org/presentationml/2006/main">
   <p:cSld>
@@ -10522,7 +11459,7 @@
         </p:nvSpPr>
         <p:spPr>
           <a:xfrm>
-            <a:off x="609601" y="1107012"/>
+            <a:off x="609601" y="1066801"/>
             <a:ext cx="10015390" cy="5141388"/>
           </a:xfrm>
         </p:spPr>
@@ -10574,63 +11511,25 @@
               <a:rPr lang="en-US" sz="2400" b="1" dirty="0">
                 <a:cs typeface="Times New Roman" panose="02020603050405020304" pitchFamily="18" charset="0"/>
               </a:rPr>
-              <a:t>placebo tests</a:t>
+              <a:t>placebo tests: </a:t>
             </a:r>
             <a:r>
               <a:rPr lang="en-US" sz="2400" dirty="0">
                 <a:cs typeface="Times New Roman" panose="02020603050405020304" pitchFamily="18" charset="0"/>
               </a:rPr>
-              <a:t> – how does my estimate change if I introduce sampling variation?</a:t>
-            </a:r>
-          </a:p>
-          <a:p>
-            <a:pPr lvl="1"/>
+              <a:t>how does estimate change if </a:t>
+            </a:r>
+            <a:r>
+              <a:rPr lang="en-US" sz="2400" i="1" dirty="0">
+                <a:cs typeface="Times New Roman" panose="02020603050405020304" pitchFamily="18" charset="0"/>
+              </a:rPr>
+              <a:t>I</a:t>
+            </a:r>
             <a:r>
               <a:rPr lang="en-US" sz="2400" dirty="0">
                 <a:cs typeface="Times New Roman" panose="02020603050405020304" pitchFamily="18" charset="0"/>
               </a:rPr>
-              <a:t>Also similar intuition to </a:t>
-            </a:r>
-            <a:r>
-              <a:rPr lang="en-US" sz="2400" b="1" dirty="0">
-                <a:cs typeface="Times New Roman" panose="02020603050405020304" pitchFamily="18" charset="0"/>
-              </a:rPr>
-              <a:t>bootstrapping</a:t>
-            </a:r>
-          </a:p>
-          <a:p>
-            <a:pPr marL="0" indent="0">
-              <a:buNone/>
-            </a:pPr>
-            <a:r>
-              <a:rPr lang="en-US" sz="2400" dirty="0">
-                <a:cs typeface="Times New Roman" panose="02020603050405020304" pitchFamily="18" charset="0"/>
-              </a:rPr>
-              <a:t>In the context of synthetic control: </a:t>
-            </a:r>
-          </a:p>
-          <a:p>
-            <a:pPr marL="457200" indent="-457200">
-              <a:buFont typeface="+mj-lt"/>
-              <a:buAutoNum type="arabicPeriod"/>
-            </a:pPr>
-            <a:r>
-              <a:rPr lang="en-US" sz="2400" dirty="0">
-                <a:cs typeface="Times New Roman" panose="02020603050405020304" pitchFamily="18" charset="0"/>
-              </a:rPr>
-              <a:t>Pretend that each unit in the “donor pool” is treated, compare effects</a:t>
-            </a:r>
-          </a:p>
-          <a:p>
-            <a:pPr marL="457200" indent="-457200">
-              <a:buFont typeface="+mj-lt"/>
-              <a:buAutoNum type="arabicPeriod"/>
-            </a:pPr>
-            <a:r>
-              <a:rPr lang="en-US" sz="2400" dirty="0">
-                <a:cs typeface="Times New Roman" panose="02020603050405020304" pitchFamily="18" charset="0"/>
-              </a:rPr>
-              <a:t>Vary the timing of treatment, compare effects</a:t>
+              <a:t> introduce sampling variation?</a:t>
             </a:r>
           </a:p>
         </p:txBody>
@@ -10638,7 +11537,7 @@
     </p:spTree>
     <p:extLst>
       <p:ext uri="{BB962C8B-B14F-4D97-AF65-F5344CB8AC3E}">
-        <p14:creationId xmlns:p14="http://schemas.microsoft.com/office/powerpoint/2010/main" val="4260630969"/>
+        <p14:creationId xmlns:p14="http://schemas.microsoft.com/office/powerpoint/2010/main" val="1179963232"/>
       </p:ext>
     </p:extLst>
   </p:cSld>
@@ -10883,6 +11782,181 @@
 </file>
 
 <file path=ppt/slides/slide20.xml><?xml version="1.0" encoding="utf-8"?>
+<p:sld xmlns:a="http://schemas.openxmlformats.org/drawingml/2006/main" xmlns:r="http://schemas.openxmlformats.org/officeDocument/2006/relationships" xmlns:p="http://schemas.openxmlformats.org/presentationml/2006/main">
+  <p:cSld>
+    <p:spTree>
+      <p:nvGrpSpPr>
+        <p:cNvPr id="1" name=""/>
+        <p:cNvGrpSpPr/>
+        <p:nvPr/>
+      </p:nvGrpSpPr>
+      <p:grpSpPr>
+        <a:xfrm>
+          <a:off x="0" y="0"/>
+          <a:ext cx="0" cy="0"/>
+          <a:chOff x="0" y="0"/>
+          <a:chExt cx="0" cy="0"/>
+        </a:xfrm>
+      </p:grpSpPr>
+      <p:sp>
+        <p:nvSpPr>
+          <p:cNvPr id="2" name="Title 1"/>
+          <p:cNvSpPr>
+            <a:spLocks noGrp="1"/>
+          </p:cNvSpPr>
+          <p:nvPr>
+            <p:ph type="title"/>
+          </p:nvPr>
+        </p:nvSpPr>
+        <p:spPr>
+          <a:xfrm>
+            <a:off x="609600" y="337392"/>
+            <a:ext cx="10439400" cy="624840"/>
+          </a:xfrm>
+        </p:spPr>
+        <p:txBody>
+          <a:bodyPr>
+            <a:noAutofit/>
+          </a:bodyPr>
+          <a:lstStyle/>
+          <a:p>
+            <a:r>
+              <a:rPr lang="en-US" sz="3600" dirty="0">
+                <a:cs typeface="Times New Roman" panose="02020603050405020304" pitchFamily="18" charset="0"/>
+              </a:rPr>
+              <a:t>Inference: Are these results significant?</a:t>
+            </a:r>
+            <a:endParaRPr lang="en-US" sz="3600" dirty="0">
+              <a:latin typeface="Times New Roman" panose="02020603050405020304" pitchFamily="18" charset="0"/>
+              <a:cs typeface="Times New Roman" panose="02020603050405020304" pitchFamily="18" charset="0"/>
+            </a:endParaRPr>
+          </a:p>
+        </p:txBody>
+      </p:sp>
+      <p:sp>
+        <p:nvSpPr>
+          <p:cNvPr id="3" name="Content Placeholder 2"/>
+          <p:cNvSpPr>
+            <a:spLocks noGrp="1"/>
+          </p:cNvSpPr>
+          <p:nvPr>
+            <p:ph idx="1"/>
+          </p:nvPr>
+        </p:nvSpPr>
+        <p:spPr>
+          <a:xfrm>
+            <a:off x="609601" y="1107012"/>
+            <a:ext cx="10015390" cy="5141388"/>
+          </a:xfrm>
+        </p:spPr>
+        <p:txBody>
+          <a:bodyPr>
+            <a:noAutofit/>
+          </a:bodyPr>
+          <a:lstStyle/>
+          <a:p>
+            <a:r>
+              <a:rPr lang="en-US" sz="2400" dirty="0">
+                <a:cs typeface="Times New Roman" panose="02020603050405020304" pitchFamily="18" charset="0"/>
+              </a:rPr>
+              <a:t>These results aren’t like others we’ve been focusing on</a:t>
+            </a:r>
+          </a:p>
+          <a:p>
+            <a:pPr lvl="1"/>
+            <a:r>
+              <a:rPr lang="en-US" sz="2400" dirty="0">
+                <a:cs typeface="Times New Roman" panose="02020603050405020304" pitchFamily="18" charset="0"/>
+              </a:rPr>
+              <a:t>Where are the stars? </a:t>
+            </a:r>
+          </a:p>
+          <a:p>
+            <a:r>
+              <a:rPr lang="en-US" sz="2400" dirty="0">
+                <a:cs typeface="Times New Roman" panose="02020603050405020304" pitchFamily="18" charset="0"/>
+              </a:rPr>
+              <a:t>We can still do inference! Using </a:t>
+            </a:r>
+            <a:r>
+              <a:rPr lang="en-US" sz="2400" b="1" dirty="0">
+                <a:cs typeface="Times New Roman" panose="02020603050405020304" pitchFamily="18" charset="0"/>
+              </a:rPr>
+              <a:t>randomization-based inference</a:t>
+            </a:r>
+          </a:p>
+          <a:p>
+            <a:pPr lvl="1"/>
+            <a:r>
+              <a:rPr lang="en-US" sz="2400" dirty="0">
+                <a:cs typeface="Times New Roman" panose="02020603050405020304" pitchFamily="18" charset="0"/>
+              </a:rPr>
+              <a:t>Relies heavily on </a:t>
+            </a:r>
+            <a:r>
+              <a:rPr lang="en-US" sz="2400" b="1" dirty="0">
+                <a:cs typeface="Times New Roman" panose="02020603050405020304" pitchFamily="18" charset="0"/>
+              </a:rPr>
+              <a:t>placebo tests</a:t>
+            </a:r>
+            <a:r>
+              <a:rPr lang="en-US" sz="2400" dirty="0">
+                <a:cs typeface="Times New Roman" panose="02020603050405020304" pitchFamily="18" charset="0"/>
+              </a:rPr>
+              <a:t> – how does my estimate change if I introduce sampling variation? </a:t>
+            </a:r>
+          </a:p>
+          <a:p>
+            <a:pPr marL="0" indent="0">
+              <a:buNone/>
+            </a:pPr>
+            <a:r>
+              <a:rPr lang="en-US" sz="2600" dirty="0">
+                <a:cs typeface="Times New Roman" panose="02020603050405020304" pitchFamily="18" charset="0"/>
+              </a:rPr>
+              <a:t>In the context of synthetic control: </a:t>
+            </a:r>
+          </a:p>
+          <a:p>
+            <a:pPr marL="457200" indent="-457200">
+              <a:buFont typeface="+mj-lt"/>
+              <a:buAutoNum type="arabicPeriod"/>
+            </a:pPr>
+            <a:r>
+              <a:rPr lang="en-US" sz="2400" dirty="0">
+                <a:cs typeface="Times New Roman" panose="02020603050405020304" pitchFamily="18" charset="0"/>
+              </a:rPr>
+              <a:t>Pretend that each unit in the “donor pool” is treated, compare effects</a:t>
+            </a:r>
+          </a:p>
+          <a:p>
+            <a:pPr marL="457200" indent="-457200">
+              <a:buFont typeface="+mj-lt"/>
+              <a:buAutoNum type="arabicPeriod"/>
+            </a:pPr>
+            <a:r>
+              <a:rPr lang="en-US" sz="2400" dirty="0">
+                <a:cs typeface="Times New Roman" panose="02020603050405020304" pitchFamily="18" charset="0"/>
+              </a:rPr>
+              <a:t>Vary the timing of treatment, compare effects</a:t>
+            </a:r>
+          </a:p>
+        </p:txBody>
+      </p:sp>
+    </p:spTree>
+    <p:extLst>
+      <p:ext uri="{BB962C8B-B14F-4D97-AF65-F5344CB8AC3E}">
+        <p14:creationId xmlns:p14="http://schemas.microsoft.com/office/powerpoint/2010/main" val="4260630969"/>
+      </p:ext>
+    </p:extLst>
+  </p:cSld>
+  <p:clrMapOvr>
+    <a:masterClrMapping/>
+  </p:clrMapOvr>
+</p:sld>
+</file>
+
+<file path=ppt/slides/slide21.xml><?xml version="1.0" encoding="utf-8"?>
 <p:sld xmlns:a="http://schemas.openxmlformats.org/drawingml/2006/main" xmlns:r="http://schemas.openxmlformats.org/officeDocument/2006/relationships" xmlns:p="http://schemas.openxmlformats.org/presentationml/2006/main">
   <p:cSld>
     <p:spTree>
@@ -11052,7 +12126,7 @@
 </p:sld>
 </file>
 
-<file path=ppt/slides/slide21.xml><?xml version="1.0" encoding="utf-8"?>
+<file path=ppt/slides/slide22.xml><?xml version="1.0" encoding="utf-8"?>
 <p:sld xmlns:a="http://schemas.openxmlformats.org/drawingml/2006/main" xmlns:r="http://schemas.openxmlformats.org/officeDocument/2006/relationships" xmlns:p="http://schemas.openxmlformats.org/presentationml/2006/main">
   <p:cSld>
     <p:spTree>
@@ -11175,7 +12249,7 @@
 </p:sld>
 </file>
 
-<file path=ppt/slides/slide22.xml><?xml version="1.0" encoding="utf-8"?>
+<file path=ppt/slides/slide23.xml><?xml version="1.0" encoding="utf-8"?>
 <p:sld xmlns:a="http://schemas.openxmlformats.org/drawingml/2006/main" xmlns:r="http://schemas.openxmlformats.org/officeDocument/2006/relationships" xmlns:p="http://schemas.openxmlformats.org/presentationml/2006/main">
   <p:cSld>
     <p:spTree>
@@ -11239,8 +12313,8 @@
         </p:nvSpPr>
         <p:spPr>
           <a:xfrm>
-            <a:off x="1219199" y="1066801"/>
-            <a:ext cx="9405791" cy="5141388"/>
+            <a:off x="609601" y="1066801"/>
+            <a:ext cx="10015390" cy="5141388"/>
           </a:xfrm>
         </p:spPr>
         <p:txBody>
@@ -11302,7 +12376,7 @@
             </a:r>
           </a:p>
           <a:p>
-            <a:endParaRPr lang="en-US" sz="2400" dirty="0">
+            <a:endParaRPr lang="en-US" sz="1050" dirty="0">
               <a:cs typeface="Times New Roman" panose="02020603050405020304" pitchFamily="18" charset="0"/>
             </a:endParaRPr>
           </a:p>
@@ -11360,7 +12434,7 @@
 </p:sld>
 </file>
 
-<file path=ppt/slides/slide23.xml><?xml version="1.0" encoding="utf-8"?>
+<file path=ppt/slides/slide24.xml><?xml version="1.0" encoding="utf-8"?>
 <p:sld xmlns:a="http://schemas.openxmlformats.org/drawingml/2006/main" xmlns:r="http://schemas.openxmlformats.org/officeDocument/2006/relationships" xmlns:p="http://schemas.openxmlformats.org/presentationml/2006/main">
   <p:cSld>
     <p:bg>
@@ -11537,94 +12611,6 @@
 </p:sld>
 </file>
 
-<file path=ppt/slides/slide24.xml><?xml version="1.0" encoding="utf-8"?>
-<p:sld xmlns:a="http://schemas.openxmlformats.org/drawingml/2006/main" xmlns:r="http://schemas.openxmlformats.org/officeDocument/2006/relationships" xmlns:p="http://schemas.openxmlformats.org/presentationml/2006/main">
-  <p:cSld>
-    <p:spTree>
-      <p:nvGrpSpPr>
-        <p:cNvPr id="1" name=""/>
-        <p:cNvGrpSpPr/>
-        <p:nvPr/>
-      </p:nvGrpSpPr>
-      <p:grpSpPr>
-        <a:xfrm>
-          <a:off x="0" y="0"/>
-          <a:ext cx="0" cy="0"/>
-          <a:chOff x="0" y="0"/>
-          <a:chExt cx="0" cy="0"/>
-        </a:xfrm>
-      </p:grpSpPr>
-      <p:sp>
-        <p:nvSpPr>
-          <p:cNvPr id="2" name="Title 1">
-            <a:extLst>
-              <a:ext uri="{FF2B5EF4-FFF2-40B4-BE49-F238E27FC236}">
-                <a16:creationId xmlns:a16="http://schemas.microsoft.com/office/drawing/2014/main" id="{F6693EDF-660D-4391-A114-A6C54268E445}"/>
-              </a:ext>
-            </a:extLst>
-          </p:cNvPr>
-          <p:cNvSpPr>
-            <a:spLocks noGrp="1"/>
-          </p:cNvSpPr>
-          <p:nvPr>
-            <p:ph type="ctrTitle"/>
-          </p:nvPr>
-        </p:nvSpPr>
-        <p:spPr>
-          <a:xfrm>
-            <a:off x="1261872" y="758952"/>
-            <a:ext cx="10549128" cy="4041648"/>
-          </a:xfrm>
-        </p:spPr>
-        <p:txBody>
-          <a:bodyPr/>
-          <a:lstStyle/>
-          <a:p>
-            <a:r>
-              <a:rPr lang="en-US" dirty="0"/>
-              <a:t>Quantile Regression</a:t>
-            </a:r>
-          </a:p>
-        </p:txBody>
-      </p:sp>
-      <p:sp>
-        <p:nvSpPr>
-          <p:cNvPr id="3" name="Subtitle 2">
-            <a:extLst>
-              <a:ext uri="{FF2B5EF4-FFF2-40B4-BE49-F238E27FC236}">
-                <a16:creationId xmlns:a16="http://schemas.microsoft.com/office/drawing/2014/main" id="{9A7FADE3-4D7C-4B3A-B023-71CD85AECCCB}"/>
-              </a:ext>
-            </a:extLst>
-          </p:cNvPr>
-          <p:cNvSpPr>
-            <a:spLocks noGrp="1"/>
-          </p:cNvSpPr>
-          <p:nvPr>
-            <p:ph type="subTitle" idx="1"/>
-          </p:nvPr>
-        </p:nvSpPr>
-        <p:spPr/>
-        <p:txBody>
-          <a:bodyPr/>
-          <a:lstStyle/>
-          <a:p>
-            <a:endParaRPr lang="en-US"/>
-          </a:p>
-        </p:txBody>
-      </p:sp>
-    </p:spTree>
-    <p:extLst>
-      <p:ext uri="{BB962C8B-B14F-4D97-AF65-F5344CB8AC3E}">
-        <p14:creationId xmlns:p14="http://schemas.microsoft.com/office/powerpoint/2010/main" val="2346864010"/>
-      </p:ext>
-    </p:extLst>
-  </p:cSld>
-  <p:clrMapOvr>
-    <a:masterClrMapping/>
-  </p:clrMapOvr>
-</p:sld>
-</file>
-
 <file path=ppt/slides/slide25.xml><?xml version="1.0" encoding="utf-8"?>
 <p:sld xmlns:a="http://schemas.openxmlformats.org/drawingml/2006/main" xmlns:r="http://schemas.openxmlformats.org/officeDocument/2006/relationships" xmlns:p="http://schemas.openxmlformats.org/presentationml/2006/main">
   <p:cSld>
@@ -11644,6 +12630,94 @@
       </p:grpSpPr>
       <p:sp>
         <p:nvSpPr>
+          <p:cNvPr id="2" name="Title 1">
+            <a:extLst>
+              <a:ext uri="{FF2B5EF4-FFF2-40B4-BE49-F238E27FC236}">
+                <a16:creationId xmlns:a16="http://schemas.microsoft.com/office/drawing/2014/main" id="{F6693EDF-660D-4391-A114-A6C54268E445}"/>
+              </a:ext>
+            </a:extLst>
+          </p:cNvPr>
+          <p:cNvSpPr>
+            <a:spLocks noGrp="1"/>
+          </p:cNvSpPr>
+          <p:nvPr>
+            <p:ph type="ctrTitle"/>
+          </p:nvPr>
+        </p:nvSpPr>
+        <p:spPr>
+          <a:xfrm>
+            <a:off x="1261872" y="758952"/>
+            <a:ext cx="10549128" cy="4041648"/>
+          </a:xfrm>
+        </p:spPr>
+        <p:txBody>
+          <a:bodyPr/>
+          <a:lstStyle/>
+          <a:p>
+            <a:r>
+              <a:rPr lang="en-US" dirty="0"/>
+              <a:t>Quantile Regression</a:t>
+            </a:r>
+          </a:p>
+        </p:txBody>
+      </p:sp>
+      <p:sp>
+        <p:nvSpPr>
+          <p:cNvPr id="3" name="Subtitle 2">
+            <a:extLst>
+              <a:ext uri="{FF2B5EF4-FFF2-40B4-BE49-F238E27FC236}">
+                <a16:creationId xmlns:a16="http://schemas.microsoft.com/office/drawing/2014/main" id="{9A7FADE3-4D7C-4B3A-B023-71CD85AECCCB}"/>
+              </a:ext>
+            </a:extLst>
+          </p:cNvPr>
+          <p:cNvSpPr>
+            <a:spLocks noGrp="1"/>
+          </p:cNvSpPr>
+          <p:nvPr>
+            <p:ph type="subTitle" idx="1"/>
+          </p:nvPr>
+        </p:nvSpPr>
+        <p:spPr/>
+        <p:txBody>
+          <a:bodyPr/>
+          <a:lstStyle/>
+          <a:p>
+            <a:endParaRPr lang="en-US"/>
+          </a:p>
+        </p:txBody>
+      </p:sp>
+    </p:spTree>
+    <p:extLst>
+      <p:ext uri="{BB962C8B-B14F-4D97-AF65-F5344CB8AC3E}">
+        <p14:creationId xmlns:p14="http://schemas.microsoft.com/office/powerpoint/2010/main" val="2346864010"/>
+      </p:ext>
+    </p:extLst>
+  </p:cSld>
+  <p:clrMapOvr>
+    <a:masterClrMapping/>
+  </p:clrMapOvr>
+</p:sld>
+</file>
+
+<file path=ppt/slides/slide26.xml><?xml version="1.0" encoding="utf-8"?>
+<p:sld xmlns:a="http://schemas.openxmlformats.org/drawingml/2006/main" xmlns:r="http://schemas.openxmlformats.org/officeDocument/2006/relationships" xmlns:p="http://schemas.openxmlformats.org/presentationml/2006/main">
+  <p:cSld>
+    <p:spTree>
+      <p:nvGrpSpPr>
+        <p:cNvPr id="1" name=""/>
+        <p:cNvGrpSpPr/>
+        <p:nvPr/>
+      </p:nvGrpSpPr>
+      <p:grpSpPr>
+        <a:xfrm>
+          <a:off x="0" y="0"/>
+          <a:ext cx="0" cy="0"/>
+          <a:chOff x="0" y="0"/>
+          <a:chExt cx="0" cy="0"/>
+        </a:xfrm>
+      </p:grpSpPr>
+      <p:sp>
+        <p:nvSpPr>
           <p:cNvPr id="2" name="Title 1"/>
           <p:cNvSpPr>
             <a:spLocks noGrp="1"/>
@@ -11677,8 +12751,8 @@
           </a:p>
         </p:txBody>
       </p:sp>
-      <mc:AlternateContent xmlns:mc="http://schemas.openxmlformats.org/markup-compatibility/2006">
-        <mc:Choice xmlns:a14="http://schemas.microsoft.com/office/drawing/2010/main" Requires="a14">
+      <mc:AlternateContent xmlns:mc="http://schemas.openxmlformats.org/markup-compatibility/2006" xmlns:a14="http://schemas.microsoft.com/office/drawing/2010/main">
+        <mc:Choice Requires="a14">
           <p:sp>
             <p:nvSpPr>
               <p:cNvPr id="3" name="Content Placeholder 2"/>
@@ -11737,7 +12811,7 @@
             </p:txBody>
           </p:sp>
         </mc:Choice>
-        <mc:Fallback>
+        <mc:Fallback xmlns="">
           <p:sp>
             <p:nvSpPr>
               <p:cNvPr id="3" name="Content Placeholder 2"/>
@@ -11818,7 +12892,7 @@
 </p:sld>
 </file>
 
-<file path=ppt/slides/slide26.xml><?xml version="1.0" encoding="utf-8"?>
+<file path=ppt/slides/slide27.xml><?xml version="1.0" encoding="utf-8"?>
 <p:sld xmlns:a="http://schemas.openxmlformats.org/drawingml/2006/main" xmlns:r="http://schemas.openxmlformats.org/officeDocument/2006/relationships" xmlns:p="http://schemas.openxmlformats.org/presentationml/2006/main">
   <p:cSld>
     <p:spTree>
@@ -11870,8 +12944,8 @@
           </a:p>
         </p:txBody>
       </p:sp>
-      <mc:AlternateContent xmlns:mc="http://schemas.openxmlformats.org/markup-compatibility/2006">
-        <mc:Choice xmlns:a14="http://schemas.microsoft.com/office/drawing/2010/main" Requires="a14">
+      <mc:AlternateContent xmlns:mc="http://schemas.openxmlformats.org/markup-compatibility/2006" xmlns:a14="http://schemas.microsoft.com/office/drawing/2010/main">
+        <mc:Choice Requires="a14">
           <p:sp>
             <p:nvSpPr>
               <p:cNvPr id="3" name="Content Placeholder 2"/>
@@ -11930,7 +13004,7 @@
             </p:txBody>
           </p:sp>
         </mc:Choice>
-        <mc:Fallback>
+        <mc:Fallback xmlns="">
           <p:sp>
             <p:nvSpPr>
               <p:cNvPr id="3" name="Content Placeholder 2"/>
@@ -11998,8 +13072,8 @@
           </a:prstGeom>
         </p:spPr>
       </p:pic>
-      <mc:AlternateContent xmlns:mc="http://schemas.openxmlformats.org/markup-compatibility/2006">
-        <mc:Choice xmlns:p14="http://schemas.microsoft.com/office/powerpoint/2010/main" Requires="p14">
+      <mc:AlternateContent xmlns:mc="http://schemas.openxmlformats.org/markup-compatibility/2006" xmlns:p14="http://schemas.microsoft.com/office/powerpoint/2010/main">
+        <mc:Choice Requires="p14">
           <p:contentPart p14:bwMode="auto" r:id="rId5">
             <p14:nvContentPartPr>
               <p14:cNvPr id="8" name="Ink 7">
@@ -12018,7 +13092,7 @@
             </p14:xfrm>
           </p:contentPart>
         </mc:Choice>
-        <mc:Fallback>
+        <mc:Fallback xmlns="">
           <p:pic>
             <p:nvPicPr>
               <p:cNvPr id="8" name="Ink 7">
@@ -12049,8 +13123,8 @@
           </p:pic>
         </mc:Fallback>
       </mc:AlternateContent>
-      <mc:AlternateContent xmlns:mc="http://schemas.openxmlformats.org/markup-compatibility/2006">
-        <mc:Choice xmlns:p14="http://schemas.microsoft.com/office/powerpoint/2010/main" Requires="p14">
+      <mc:AlternateContent xmlns:mc="http://schemas.openxmlformats.org/markup-compatibility/2006" xmlns:p14="http://schemas.microsoft.com/office/powerpoint/2010/main">
+        <mc:Choice Requires="p14">
           <p:contentPart p14:bwMode="auto" r:id="rId7">
             <p14:nvContentPartPr>
               <p14:cNvPr id="9" name="Ink 8">
@@ -12069,7 +13143,7 @@
             </p14:xfrm>
           </p:contentPart>
         </mc:Choice>
-        <mc:Fallback>
+        <mc:Fallback xmlns="">
           <p:pic>
             <p:nvPicPr>
               <p:cNvPr id="9" name="Ink 8">
@@ -12100,8 +13174,8 @@
           </p:pic>
         </mc:Fallback>
       </mc:AlternateContent>
-      <mc:AlternateContent xmlns:mc="http://schemas.openxmlformats.org/markup-compatibility/2006">
-        <mc:Choice xmlns:p14="http://schemas.microsoft.com/office/powerpoint/2010/main" Requires="p14">
+      <mc:AlternateContent xmlns:mc="http://schemas.openxmlformats.org/markup-compatibility/2006" xmlns:p14="http://schemas.microsoft.com/office/powerpoint/2010/main">
+        <mc:Choice Requires="p14">
           <p:contentPart p14:bwMode="auto" r:id="rId9">
             <p14:nvContentPartPr>
               <p14:cNvPr id="10" name="Ink 9">
@@ -12120,7 +13194,7 @@
             </p14:xfrm>
           </p:contentPart>
         </mc:Choice>
-        <mc:Fallback>
+        <mc:Fallback xmlns="">
           <p:pic>
             <p:nvPicPr>
               <p:cNvPr id="10" name="Ink 9">
@@ -12151,8 +13225,8 @@
           </p:pic>
         </mc:Fallback>
       </mc:AlternateContent>
-      <mc:AlternateContent xmlns:mc="http://schemas.openxmlformats.org/markup-compatibility/2006">
-        <mc:Choice xmlns:p14="http://schemas.microsoft.com/office/powerpoint/2010/main" Requires="p14">
+      <mc:AlternateContent xmlns:mc="http://schemas.openxmlformats.org/markup-compatibility/2006" xmlns:p14="http://schemas.microsoft.com/office/powerpoint/2010/main">
+        <mc:Choice Requires="p14">
           <p:contentPart p14:bwMode="auto" r:id="rId11">
             <p14:nvContentPartPr>
               <p14:cNvPr id="11" name="Ink 10">
@@ -12171,7 +13245,7 @@
             </p14:xfrm>
           </p:contentPart>
         </mc:Choice>
-        <mc:Fallback>
+        <mc:Fallback xmlns="">
           <p:pic>
             <p:nvPicPr>
               <p:cNvPr id="11" name="Ink 10">
@@ -12215,7 +13289,7 @@
 </p:sld>
 </file>
 
-<file path=ppt/slides/slide27.xml><?xml version="1.0" encoding="utf-8"?>
+<file path=ppt/slides/slide28.xml><?xml version="1.0" encoding="utf-8"?>
 <p:sld xmlns:a="http://schemas.openxmlformats.org/drawingml/2006/main" xmlns:r="http://schemas.openxmlformats.org/officeDocument/2006/relationships" xmlns:p="http://schemas.openxmlformats.org/presentationml/2006/main">
   <p:cSld>
     <p:spTree>
@@ -12267,8 +13341,8 @@
           </a:p>
         </p:txBody>
       </p:sp>
-      <mc:AlternateContent xmlns:mc="http://schemas.openxmlformats.org/markup-compatibility/2006">
-        <mc:Choice xmlns:a14="http://schemas.microsoft.com/office/drawing/2010/main" Requires="a14">
+      <mc:AlternateContent xmlns:mc="http://schemas.openxmlformats.org/markup-compatibility/2006" xmlns:a14="http://schemas.microsoft.com/office/drawing/2010/main">
+        <mc:Choice Requires="a14">
           <p:sp>
             <p:nvSpPr>
               <p:cNvPr id="3" name="Content Placeholder 2"/>
@@ -12327,7 +13401,7 @@
             </p:txBody>
           </p:sp>
         </mc:Choice>
-        <mc:Fallback>
+        <mc:Fallback xmlns="">
           <p:sp>
             <p:nvSpPr>
               <p:cNvPr id="3" name="Content Placeholder 2"/>
@@ -12408,7 +13482,7 @@
 </p:sld>
 </file>
 
-<file path=ppt/slides/slide28.xml><?xml version="1.0" encoding="utf-8"?>
+<file path=ppt/slides/slide29.xml><?xml version="1.0" encoding="utf-8"?>
 <p:sld xmlns:a="http://schemas.openxmlformats.org/drawingml/2006/main" xmlns:r="http://schemas.openxmlformats.org/officeDocument/2006/relationships" xmlns:p="http://schemas.openxmlformats.org/presentationml/2006/main">
   <p:cSld>
     <p:spTree>
@@ -12460,8 +13534,8 @@
           </a:p>
         </p:txBody>
       </p:sp>
-      <mc:AlternateContent xmlns:mc="http://schemas.openxmlformats.org/markup-compatibility/2006">
-        <mc:Choice xmlns:a14="http://schemas.microsoft.com/office/drawing/2010/main" Requires="a14">
+      <mc:AlternateContent xmlns:mc="http://schemas.openxmlformats.org/markup-compatibility/2006" xmlns:a14="http://schemas.microsoft.com/office/drawing/2010/main">
+        <mc:Choice Requires="a14">
           <p:sp>
             <p:nvSpPr>
               <p:cNvPr id="3" name="Content Placeholder 2"/>
@@ -12520,7 +13594,7 @@
             </p:txBody>
           </p:sp>
         </mc:Choice>
-        <mc:Fallback>
+        <mc:Fallback xmlns="">
           <p:sp>
             <p:nvSpPr>
               <p:cNvPr id="3" name="Content Placeholder 2"/>
@@ -12601,7 +13675,97 @@
 </p:sld>
 </file>
 
-<file path=ppt/slides/slide29.xml><?xml version="1.0" encoding="utf-8"?>
+<file path=ppt/slides/slide3.xml><?xml version="1.0" encoding="utf-8"?>
+<p:sld xmlns:a="http://schemas.openxmlformats.org/drawingml/2006/main" xmlns:r="http://schemas.openxmlformats.org/officeDocument/2006/relationships" xmlns:p="http://schemas.openxmlformats.org/presentationml/2006/main">
+  <p:cSld>
+    <p:spTree>
+      <p:nvGrpSpPr>
+        <p:cNvPr id="1" name=""/>
+        <p:cNvGrpSpPr/>
+        <p:nvPr/>
+      </p:nvGrpSpPr>
+      <p:grpSpPr>
+        <a:xfrm>
+          <a:off x="0" y="0"/>
+          <a:ext cx="0" cy="0"/>
+          <a:chOff x="0" y="0"/>
+          <a:chExt cx="0" cy="0"/>
+        </a:xfrm>
+      </p:grpSpPr>
+      <p:sp>
+        <p:nvSpPr>
+          <p:cNvPr id="2" name="Title 1">
+            <a:extLst>
+              <a:ext uri="{FF2B5EF4-FFF2-40B4-BE49-F238E27FC236}">
+                <a16:creationId xmlns:a16="http://schemas.microsoft.com/office/drawing/2014/main" id="{F6693EDF-660D-4391-A114-A6C54268E445}"/>
+              </a:ext>
+            </a:extLst>
+          </p:cNvPr>
+          <p:cNvSpPr>
+            <a:spLocks noGrp="1"/>
+          </p:cNvSpPr>
+          <p:nvPr>
+            <p:ph type="ctrTitle"/>
+          </p:nvPr>
+        </p:nvSpPr>
+        <p:spPr>
+          <a:xfrm>
+            <a:off x="1261872" y="758952"/>
+            <a:ext cx="10549128" cy="4041648"/>
+          </a:xfrm>
+        </p:spPr>
+        <p:txBody>
+          <a:bodyPr/>
+          <a:lstStyle/>
+          <a:p>
+            <a:r>
+              <a:rPr lang="en-US" dirty="0"/>
+              <a:t>Synthetic Controls </a:t>
+            </a:r>
+          </a:p>
+        </p:txBody>
+      </p:sp>
+      <p:sp>
+        <p:nvSpPr>
+          <p:cNvPr id="3" name="Subtitle 2">
+            <a:extLst>
+              <a:ext uri="{FF2B5EF4-FFF2-40B4-BE49-F238E27FC236}">
+                <a16:creationId xmlns:a16="http://schemas.microsoft.com/office/drawing/2014/main" id="{9A7FADE3-4D7C-4B3A-B023-71CD85AECCCB}"/>
+              </a:ext>
+            </a:extLst>
+          </p:cNvPr>
+          <p:cNvSpPr>
+            <a:spLocks noGrp="1"/>
+          </p:cNvSpPr>
+          <p:nvPr>
+            <p:ph type="subTitle" idx="1"/>
+          </p:nvPr>
+        </p:nvSpPr>
+        <p:spPr/>
+        <p:txBody>
+          <a:bodyPr>
+            <a:normAutofit/>
+          </a:bodyPr>
+          <a:lstStyle/>
+          <a:p>
+            <a:endParaRPr lang="en-US" sz="4400" dirty="0"/>
+          </a:p>
+        </p:txBody>
+      </p:sp>
+    </p:spTree>
+    <p:extLst>
+      <p:ext uri="{BB962C8B-B14F-4D97-AF65-F5344CB8AC3E}">
+        <p14:creationId xmlns:p14="http://schemas.microsoft.com/office/powerpoint/2010/main" val="2953910715"/>
+      </p:ext>
+    </p:extLst>
+  </p:cSld>
+  <p:clrMapOvr>
+    <a:masterClrMapping/>
+  </p:clrMapOvr>
+</p:sld>
+</file>
+
+<file path=ppt/slides/slide30.xml><?xml version="1.0" encoding="utf-8"?>
 <p:sld xmlns:a="http://schemas.openxmlformats.org/drawingml/2006/main" xmlns:r="http://schemas.openxmlformats.org/officeDocument/2006/relationships" xmlns:p="http://schemas.openxmlformats.org/presentationml/2006/main">
   <p:cSld>
     <p:spTree>
@@ -12727,97 +13891,7 @@
 </p:sld>
 </file>
 
-<file path=ppt/slides/slide3.xml><?xml version="1.0" encoding="utf-8"?>
-<p:sld xmlns:a="http://schemas.openxmlformats.org/drawingml/2006/main" xmlns:r="http://schemas.openxmlformats.org/officeDocument/2006/relationships" xmlns:p="http://schemas.openxmlformats.org/presentationml/2006/main">
-  <p:cSld>
-    <p:spTree>
-      <p:nvGrpSpPr>
-        <p:cNvPr id="1" name=""/>
-        <p:cNvGrpSpPr/>
-        <p:nvPr/>
-      </p:nvGrpSpPr>
-      <p:grpSpPr>
-        <a:xfrm>
-          <a:off x="0" y="0"/>
-          <a:ext cx="0" cy="0"/>
-          <a:chOff x="0" y="0"/>
-          <a:chExt cx="0" cy="0"/>
-        </a:xfrm>
-      </p:grpSpPr>
-      <p:sp>
-        <p:nvSpPr>
-          <p:cNvPr id="2" name="Title 1">
-            <a:extLst>
-              <a:ext uri="{FF2B5EF4-FFF2-40B4-BE49-F238E27FC236}">
-                <a16:creationId xmlns:a16="http://schemas.microsoft.com/office/drawing/2014/main" id="{F6693EDF-660D-4391-A114-A6C54268E445}"/>
-              </a:ext>
-            </a:extLst>
-          </p:cNvPr>
-          <p:cNvSpPr>
-            <a:spLocks noGrp="1"/>
-          </p:cNvSpPr>
-          <p:nvPr>
-            <p:ph type="ctrTitle"/>
-          </p:nvPr>
-        </p:nvSpPr>
-        <p:spPr>
-          <a:xfrm>
-            <a:off x="1261872" y="758952"/>
-            <a:ext cx="10549128" cy="4041648"/>
-          </a:xfrm>
-        </p:spPr>
-        <p:txBody>
-          <a:bodyPr/>
-          <a:lstStyle/>
-          <a:p>
-            <a:r>
-              <a:rPr lang="en-US" dirty="0"/>
-              <a:t>Synthetic Controls </a:t>
-            </a:r>
-          </a:p>
-        </p:txBody>
-      </p:sp>
-      <p:sp>
-        <p:nvSpPr>
-          <p:cNvPr id="3" name="Subtitle 2">
-            <a:extLst>
-              <a:ext uri="{FF2B5EF4-FFF2-40B4-BE49-F238E27FC236}">
-                <a16:creationId xmlns:a16="http://schemas.microsoft.com/office/drawing/2014/main" id="{9A7FADE3-4D7C-4B3A-B023-71CD85AECCCB}"/>
-              </a:ext>
-            </a:extLst>
-          </p:cNvPr>
-          <p:cNvSpPr>
-            <a:spLocks noGrp="1"/>
-          </p:cNvSpPr>
-          <p:nvPr>
-            <p:ph type="subTitle" idx="1"/>
-          </p:nvPr>
-        </p:nvSpPr>
-        <p:spPr/>
-        <p:txBody>
-          <a:bodyPr>
-            <a:normAutofit/>
-          </a:bodyPr>
-          <a:lstStyle/>
-          <a:p>
-            <a:endParaRPr lang="en-US" sz="4400" dirty="0"/>
-          </a:p>
-        </p:txBody>
-      </p:sp>
-    </p:spTree>
-    <p:extLst>
-      <p:ext uri="{BB962C8B-B14F-4D97-AF65-F5344CB8AC3E}">
-        <p14:creationId xmlns:p14="http://schemas.microsoft.com/office/powerpoint/2010/main" val="2953910715"/>
-      </p:ext>
-    </p:extLst>
-  </p:cSld>
-  <p:clrMapOvr>
-    <a:masterClrMapping/>
-  </p:clrMapOvr>
-</p:sld>
-</file>
-
-<file path=ppt/slides/slide30.xml><?xml version="1.0" encoding="utf-8"?>
+<file path=ppt/slides/slide31.xml><?xml version="1.0" encoding="utf-8"?>
 <p:sld xmlns:a="http://schemas.openxmlformats.org/drawingml/2006/main" xmlns:r="http://schemas.openxmlformats.org/officeDocument/2006/relationships" xmlns:p="http://schemas.openxmlformats.org/presentationml/2006/main">
   <p:cSld>
     <p:spTree>
@@ -13001,202 +14075,6 @@
 </p:sld>
 </file>
 
-<file path=ppt/slides/slide31.xml><?xml version="1.0" encoding="utf-8"?>
-<p:sld xmlns:a="http://schemas.openxmlformats.org/drawingml/2006/main" xmlns:r="http://schemas.openxmlformats.org/officeDocument/2006/relationships" xmlns:p="http://schemas.openxmlformats.org/presentationml/2006/main">
-  <p:cSld>
-    <p:spTree>
-      <p:nvGrpSpPr>
-        <p:cNvPr id="1" name=""/>
-        <p:cNvGrpSpPr/>
-        <p:nvPr/>
-      </p:nvGrpSpPr>
-      <p:grpSpPr>
-        <a:xfrm>
-          <a:off x="0" y="0"/>
-          <a:ext cx="0" cy="0"/>
-          <a:chOff x="0" y="0"/>
-          <a:chExt cx="0" cy="0"/>
-        </a:xfrm>
-      </p:grpSpPr>
-      <p:sp>
-        <p:nvSpPr>
-          <p:cNvPr id="2" name="Title 1"/>
-          <p:cNvSpPr>
-            <a:spLocks noGrp="1"/>
-          </p:cNvSpPr>
-          <p:nvPr>
-            <p:ph type="title"/>
-          </p:nvPr>
-        </p:nvSpPr>
-        <p:spPr>
-          <a:xfrm>
-            <a:off x="609600" y="337392"/>
-            <a:ext cx="10439400" cy="624840"/>
-          </a:xfrm>
-        </p:spPr>
-        <p:txBody>
-          <a:bodyPr>
-            <a:noAutofit/>
-          </a:bodyPr>
-          <a:lstStyle/>
-          <a:p>
-            <a:r>
-              <a:rPr lang="en-US" sz="3600" dirty="0">
-                <a:cs typeface="Times New Roman" panose="02020603050405020304" pitchFamily="18" charset="0"/>
-              </a:rPr>
-              <a:t>How can we </a:t>
-            </a:r>
-            <a:r>
-              <a:rPr lang="en-US" sz="3600" b="1" dirty="0">
-                <a:cs typeface="Times New Roman" panose="02020603050405020304" pitchFamily="18" charset="0"/>
-              </a:rPr>
-              <a:t>measure </a:t>
-            </a:r>
-            <a:r>
-              <a:rPr lang="en-US" sz="3600" dirty="0">
-                <a:cs typeface="Times New Roman" panose="02020603050405020304" pitchFamily="18" charset="0"/>
-              </a:rPr>
-              <a:t>heterogeneous treatment effects?</a:t>
-            </a:r>
-            <a:endParaRPr lang="en-US" sz="3600" dirty="0">
-              <a:latin typeface="Times New Roman" panose="02020603050405020304" pitchFamily="18" charset="0"/>
-              <a:cs typeface="Times New Roman" panose="02020603050405020304" pitchFamily="18" charset="0"/>
-            </a:endParaRPr>
-          </a:p>
-        </p:txBody>
-      </p:sp>
-      <p:sp>
-        <p:nvSpPr>
-          <p:cNvPr id="3" name="Content Placeholder 2"/>
-          <p:cNvSpPr>
-            <a:spLocks noGrp="1"/>
-          </p:cNvSpPr>
-          <p:nvPr>
-            <p:ph idx="1"/>
-          </p:nvPr>
-        </p:nvSpPr>
-        <p:spPr>
-          <a:xfrm>
-            <a:off x="1219199" y="1066801"/>
-            <a:ext cx="9405791" cy="5141388"/>
-          </a:xfrm>
-        </p:spPr>
-        <p:txBody>
-          <a:bodyPr>
-            <a:noAutofit/>
-          </a:bodyPr>
-          <a:lstStyle/>
-          <a:p>
-            <a:pPr marL="0" indent="0">
-              <a:buNone/>
-            </a:pPr>
-            <a:r>
-              <a:rPr lang="en-US" sz="2400" dirty="0">
-                <a:solidFill>
-                  <a:srgbClr val="222222"/>
-                </a:solidFill>
-                <a:cs typeface="Times New Roman" panose="02020603050405020304" pitchFamily="18" charset="0"/>
-              </a:rPr>
-              <a:t>We frequently work with </a:t>
-            </a:r>
-            <a:r>
-              <a:rPr lang="en-US" sz="2400" b="1" dirty="0">
-                <a:solidFill>
-                  <a:srgbClr val="222222"/>
-                </a:solidFill>
-                <a:cs typeface="Times New Roman" panose="02020603050405020304" pitchFamily="18" charset="0"/>
-              </a:rPr>
-              <a:t>very skewed distributions </a:t>
-            </a:r>
-            <a:r>
-              <a:rPr lang="en-US" sz="2400" dirty="0">
-                <a:solidFill>
-                  <a:srgbClr val="222222"/>
-                </a:solidFill>
-                <a:cs typeface="Times New Roman" panose="02020603050405020304" pitchFamily="18" charset="0"/>
-              </a:rPr>
-              <a:t>in our data</a:t>
-            </a:r>
-          </a:p>
-          <a:p>
-            <a:r>
-              <a:rPr lang="en-US" sz="2400" dirty="0">
-                <a:solidFill>
-                  <a:srgbClr val="222222"/>
-                </a:solidFill>
-                <a:cs typeface="Times New Roman" panose="02020603050405020304" pitchFamily="18" charset="0"/>
-              </a:rPr>
-              <a:t>How does this affect our econometrics? </a:t>
-            </a:r>
-          </a:p>
-          <a:p>
-            <a:r>
-              <a:rPr lang="en-US" sz="2400" dirty="0">
-                <a:solidFill>
-                  <a:srgbClr val="222222"/>
-                </a:solidFill>
-                <a:cs typeface="Times New Roman" panose="02020603050405020304" pitchFamily="18" charset="0"/>
-              </a:rPr>
-              <a:t>How does this affect our policy? </a:t>
-            </a:r>
-          </a:p>
-          <a:p>
-            <a:endParaRPr lang="en-US" sz="2400" dirty="0">
-              <a:solidFill>
-                <a:srgbClr val="222222"/>
-              </a:solidFill>
-              <a:cs typeface="Times New Roman" panose="02020603050405020304" pitchFamily="18" charset="0"/>
-            </a:endParaRPr>
-          </a:p>
-          <a:p>
-            <a:pPr marL="0" indent="0">
-              <a:buNone/>
-            </a:pPr>
-            <a:r>
-              <a:rPr lang="en-US" sz="2800" dirty="0">
-                <a:solidFill>
-                  <a:srgbClr val="222222"/>
-                </a:solidFill>
-                <a:cs typeface="Times New Roman" panose="02020603050405020304" pitchFamily="18" charset="0"/>
-              </a:rPr>
-              <a:t>Fortunately, there are </a:t>
-            </a:r>
-            <a:r>
-              <a:rPr lang="en-US" sz="2800" b="1" dirty="0">
-                <a:solidFill>
-                  <a:schemeClr val="accent2">
-                    <a:lumMod val="75000"/>
-                  </a:schemeClr>
-                </a:solidFill>
-                <a:cs typeface="Times New Roman" panose="02020603050405020304" pitchFamily="18" charset="0"/>
-              </a:rPr>
-              <a:t>econometric techniques </a:t>
-            </a:r>
-            <a:r>
-              <a:rPr lang="en-US" sz="2800" dirty="0">
-                <a:solidFill>
-                  <a:srgbClr val="222222"/>
-                </a:solidFill>
-                <a:cs typeface="Times New Roman" panose="02020603050405020304" pitchFamily="18" charset="0"/>
-              </a:rPr>
-              <a:t>to help us target different spots in a distribution</a:t>
-            </a:r>
-          </a:p>
-        </p:txBody>
-      </p:sp>
-    </p:spTree>
-    <p:extLst>
-      <p:ext uri="{BB962C8B-B14F-4D97-AF65-F5344CB8AC3E}">
-        <p14:creationId xmlns:p14="http://schemas.microsoft.com/office/powerpoint/2010/main" val="3840507300"/>
-      </p:ext>
-    </p:extLst>
-  </p:cSld>
-  <p:clrMapOvr>
-    <a:masterClrMapping/>
-  </p:clrMapOvr>
-</p:sld>
-</file>
-
 <file path=ppt/slides/slide32.xml><?xml version="1.0" encoding="utf-8"?>
 <p:sld xmlns:a="http://schemas.openxmlformats.org/drawingml/2006/main" xmlns:r="http://schemas.openxmlformats.org/officeDocument/2006/relationships" xmlns:p="http://schemas.openxmlformats.org/presentationml/2006/main">
   <p:cSld>
@@ -13240,7 +14118,19 @@
               <a:rPr lang="en-US" sz="3600" dirty="0">
                 <a:cs typeface="Times New Roman" panose="02020603050405020304" pitchFamily="18" charset="0"/>
               </a:rPr>
-              <a:t>Methods for heterogeneous treatment effects</a:t>
+              <a:t>How can we </a:t>
+            </a:r>
+            <a:r>
+              <a:rPr lang="en-US" sz="3600" b="1" dirty="0">
+                <a:cs typeface="Times New Roman" panose="02020603050405020304" pitchFamily="18" charset="0"/>
+              </a:rPr>
+              <a:t>measure </a:t>
+            </a:r>
+            <a:r>
+              <a:rPr lang="en-US" sz="3600" dirty="0">
+                <a:cs typeface="Times New Roman" panose="02020603050405020304" pitchFamily="18" charset="0"/>
+              </a:rPr>
+              <a:t>heterogeneous treatment effects?</a:t>
             </a:r>
             <a:endParaRPr lang="en-US" sz="3600" dirty="0">
               <a:latin typeface="Times New Roman" panose="02020603050405020304" pitchFamily="18" charset="0"/>
@@ -13249,8 +14139,192 @@
           </a:p>
         </p:txBody>
       </p:sp>
-      <mc:AlternateContent xmlns:mc="http://schemas.openxmlformats.org/markup-compatibility/2006" xmlns:a14="http://schemas.microsoft.com/office/drawing/2010/main">
-        <mc:Choice Requires="a14">
+      <p:sp>
+        <p:nvSpPr>
+          <p:cNvPr id="3" name="Content Placeholder 2"/>
+          <p:cNvSpPr>
+            <a:spLocks noGrp="1"/>
+          </p:cNvSpPr>
+          <p:nvPr>
+            <p:ph idx="1"/>
+          </p:nvPr>
+        </p:nvSpPr>
+        <p:spPr>
+          <a:xfrm>
+            <a:off x="1219199" y="1066801"/>
+            <a:ext cx="9405791" cy="5141388"/>
+          </a:xfrm>
+        </p:spPr>
+        <p:txBody>
+          <a:bodyPr>
+            <a:noAutofit/>
+          </a:bodyPr>
+          <a:lstStyle/>
+          <a:p>
+            <a:pPr marL="0" indent="0">
+              <a:buNone/>
+            </a:pPr>
+            <a:r>
+              <a:rPr lang="en-US" sz="2400" dirty="0">
+                <a:solidFill>
+                  <a:srgbClr val="222222"/>
+                </a:solidFill>
+                <a:cs typeface="Times New Roman" panose="02020603050405020304" pitchFamily="18" charset="0"/>
+              </a:rPr>
+              <a:t>We frequently work with </a:t>
+            </a:r>
+            <a:r>
+              <a:rPr lang="en-US" sz="2400" b="1" dirty="0">
+                <a:solidFill>
+                  <a:srgbClr val="222222"/>
+                </a:solidFill>
+                <a:cs typeface="Times New Roman" panose="02020603050405020304" pitchFamily="18" charset="0"/>
+              </a:rPr>
+              <a:t>very skewed distributions </a:t>
+            </a:r>
+            <a:r>
+              <a:rPr lang="en-US" sz="2400" dirty="0">
+                <a:solidFill>
+                  <a:srgbClr val="222222"/>
+                </a:solidFill>
+                <a:cs typeface="Times New Roman" panose="02020603050405020304" pitchFamily="18" charset="0"/>
+              </a:rPr>
+              <a:t>in our data</a:t>
+            </a:r>
+          </a:p>
+          <a:p>
+            <a:r>
+              <a:rPr lang="en-US" sz="2400" dirty="0">
+                <a:solidFill>
+                  <a:srgbClr val="222222"/>
+                </a:solidFill>
+                <a:cs typeface="Times New Roman" panose="02020603050405020304" pitchFamily="18" charset="0"/>
+              </a:rPr>
+              <a:t>How does this affect our econometrics? </a:t>
+            </a:r>
+          </a:p>
+          <a:p>
+            <a:r>
+              <a:rPr lang="en-US" sz="2400" dirty="0">
+                <a:solidFill>
+                  <a:srgbClr val="222222"/>
+                </a:solidFill>
+                <a:cs typeface="Times New Roman" panose="02020603050405020304" pitchFamily="18" charset="0"/>
+              </a:rPr>
+              <a:t>How does this affect our policy? </a:t>
+            </a:r>
+          </a:p>
+          <a:p>
+            <a:endParaRPr lang="en-US" sz="2400" dirty="0">
+              <a:solidFill>
+                <a:srgbClr val="222222"/>
+              </a:solidFill>
+              <a:cs typeface="Times New Roman" panose="02020603050405020304" pitchFamily="18" charset="0"/>
+            </a:endParaRPr>
+          </a:p>
+          <a:p>
+            <a:pPr marL="0" indent="0">
+              <a:buNone/>
+            </a:pPr>
+            <a:r>
+              <a:rPr lang="en-US" sz="2800" dirty="0">
+                <a:solidFill>
+                  <a:srgbClr val="222222"/>
+                </a:solidFill>
+                <a:cs typeface="Times New Roman" panose="02020603050405020304" pitchFamily="18" charset="0"/>
+              </a:rPr>
+              <a:t>Fortunately, there are </a:t>
+            </a:r>
+            <a:r>
+              <a:rPr lang="en-US" sz="2800" b="1" dirty="0">
+                <a:solidFill>
+                  <a:schemeClr val="accent2">
+                    <a:lumMod val="75000"/>
+                  </a:schemeClr>
+                </a:solidFill>
+                <a:cs typeface="Times New Roman" panose="02020603050405020304" pitchFamily="18" charset="0"/>
+              </a:rPr>
+              <a:t>econometric techniques </a:t>
+            </a:r>
+            <a:r>
+              <a:rPr lang="en-US" sz="2800" dirty="0">
+                <a:solidFill>
+                  <a:srgbClr val="222222"/>
+                </a:solidFill>
+                <a:cs typeface="Times New Roman" panose="02020603050405020304" pitchFamily="18" charset="0"/>
+              </a:rPr>
+              <a:t>to help us target different spots in a distribution</a:t>
+            </a:r>
+          </a:p>
+        </p:txBody>
+      </p:sp>
+    </p:spTree>
+    <p:extLst>
+      <p:ext uri="{BB962C8B-B14F-4D97-AF65-F5344CB8AC3E}">
+        <p14:creationId xmlns:p14="http://schemas.microsoft.com/office/powerpoint/2010/main" val="3840507300"/>
+      </p:ext>
+    </p:extLst>
+  </p:cSld>
+  <p:clrMapOvr>
+    <a:masterClrMapping/>
+  </p:clrMapOvr>
+</p:sld>
+</file>
+
+<file path=ppt/slides/slide33.xml><?xml version="1.0" encoding="utf-8"?>
+<p:sld xmlns:a="http://schemas.openxmlformats.org/drawingml/2006/main" xmlns:r="http://schemas.openxmlformats.org/officeDocument/2006/relationships" xmlns:p="http://schemas.openxmlformats.org/presentationml/2006/main">
+  <p:cSld>
+    <p:spTree>
+      <p:nvGrpSpPr>
+        <p:cNvPr id="1" name=""/>
+        <p:cNvGrpSpPr/>
+        <p:nvPr/>
+      </p:nvGrpSpPr>
+      <p:grpSpPr>
+        <a:xfrm>
+          <a:off x="0" y="0"/>
+          <a:ext cx="0" cy="0"/>
+          <a:chOff x="0" y="0"/>
+          <a:chExt cx="0" cy="0"/>
+        </a:xfrm>
+      </p:grpSpPr>
+      <p:sp>
+        <p:nvSpPr>
+          <p:cNvPr id="2" name="Title 1"/>
+          <p:cNvSpPr>
+            <a:spLocks noGrp="1"/>
+          </p:cNvSpPr>
+          <p:nvPr>
+            <p:ph type="title"/>
+          </p:nvPr>
+        </p:nvSpPr>
+        <p:spPr>
+          <a:xfrm>
+            <a:off x="609600" y="337392"/>
+            <a:ext cx="10439400" cy="624840"/>
+          </a:xfrm>
+        </p:spPr>
+        <p:txBody>
+          <a:bodyPr>
+            <a:noAutofit/>
+          </a:bodyPr>
+          <a:lstStyle/>
+          <a:p>
+            <a:r>
+              <a:rPr lang="en-US" sz="3600" dirty="0">
+                <a:cs typeface="Times New Roman" panose="02020603050405020304" pitchFamily="18" charset="0"/>
+              </a:rPr>
+              <a:t>Methods for heterogeneous treatment effects</a:t>
+            </a:r>
+            <a:endParaRPr lang="en-US" sz="3600" dirty="0">
+              <a:latin typeface="Times New Roman" panose="02020603050405020304" pitchFamily="18" charset="0"/>
+              <a:cs typeface="Times New Roman" panose="02020603050405020304" pitchFamily="18" charset="0"/>
+            </a:endParaRPr>
+          </a:p>
+        </p:txBody>
+      </p:sp>
+      <mc:AlternateContent xmlns:mc="http://schemas.openxmlformats.org/markup-compatibility/2006">
+        <mc:Choice xmlns:a14="http://schemas.microsoft.com/office/drawing/2010/main" Requires="a14">
           <p:sp>
             <p:nvSpPr>
               <p:cNvPr id="3" name="Content Placeholder 2"/>
@@ -13280,7 +14354,9 @@
                 <a:r>
                   <a:rPr lang="en-US" sz="2400" dirty="0">
                     <a:solidFill>
-                      <a:srgbClr val="222222"/>
+                      <a:schemeClr val="accent2">
+                        <a:lumMod val="75000"/>
+                      </a:schemeClr>
                     </a:solidFill>
                     <a:cs typeface="Times New Roman" panose="02020603050405020304" pitchFamily="18" charset="0"/>
                   </a:rPr>
@@ -13289,7 +14365,9 @@
                 <a:r>
                   <a:rPr lang="en-US" sz="2400" b="1" dirty="0">
                     <a:solidFill>
-                      <a:srgbClr val="222222"/>
+                      <a:schemeClr val="accent2">
+                        <a:lumMod val="75000"/>
+                      </a:schemeClr>
                     </a:solidFill>
                     <a:cs typeface="Times New Roman" panose="02020603050405020304" pitchFamily="18" charset="0"/>
                   </a:rPr>
@@ -13297,7 +14375,9 @@
                 </a:r>
                 <a:endParaRPr lang="en-US" sz="2400" dirty="0">
                   <a:solidFill>
-                    <a:srgbClr val="222222"/>
+                    <a:schemeClr val="accent2">
+                      <a:lumMod val="75000"/>
+                    </a:schemeClr>
                   </a:solidFill>
                   <a:cs typeface="Times New Roman" panose="02020603050405020304" pitchFamily="18" charset="0"/>
                 </a:endParaRPr>
@@ -13572,7 +14652,7 @@
             </p:txBody>
           </p:sp>
         </mc:Choice>
-        <mc:Fallback xmlns="">
+        <mc:Fallback>
           <p:sp>
             <p:nvSpPr>
               <p:cNvPr id="3" name="Content Placeholder 2"/>
@@ -13600,7 +14680,7 @@
               <a:lstStyle/>
               <a:p>
                 <a:r>
-                  <a:rPr lang="en-US">
+                  <a:rPr lang="en-CA">
                     <a:noFill/>
                   </a:rPr>
                   <a:t> </a:t>
@@ -13623,7 +14703,7 @@
 </p:sld>
 </file>
 
-<file path=ppt/slides/slide33.xml><?xml version="1.0" encoding="utf-8"?>
+<file path=ppt/slides/slide34.xml><?xml version="1.0" encoding="utf-8"?>
 <p:sld xmlns:a="http://schemas.openxmlformats.org/drawingml/2006/main" xmlns:r="http://schemas.openxmlformats.org/officeDocument/2006/relationships" xmlns:p="http://schemas.openxmlformats.org/presentationml/2006/main">
   <p:cSld>
     <p:bg>
@@ -13949,7 +15029,7 @@
 </p:sld>
 </file>
 
-<file path=ppt/slides/slide34.xml><?xml version="1.0" encoding="utf-8"?>
+<file path=ppt/slides/slide35.xml><?xml version="1.0" encoding="utf-8"?>
 <p:sld xmlns:a="http://schemas.openxmlformats.org/drawingml/2006/main" xmlns:r="http://schemas.openxmlformats.org/officeDocument/2006/relationships" xmlns:p="http://schemas.openxmlformats.org/presentationml/2006/main">
   <p:cSld>
     <p:spTree>
@@ -14285,7 +15365,7 @@
 </p:sld>
 </file>
 
-<file path=ppt/slides/slide35.xml><?xml version="1.0" encoding="utf-8"?>
+<file path=ppt/slides/slide36.xml><?xml version="1.0" encoding="utf-8"?>
 <p:sld xmlns:a="http://schemas.openxmlformats.org/drawingml/2006/main" xmlns:r="http://schemas.openxmlformats.org/officeDocument/2006/relationships" xmlns:p="http://schemas.openxmlformats.org/presentationml/2006/main">
   <p:cSld>
     <p:spTree>
@@ -14691,7 +15771,7 @@
 </p:sld>
 </file>
 
-<file path=ppt/slides/slide36.xml><?xml version="1.0" encoding="utf-8"?>
+<file path=ppt/slides/slide37.xml><?xml version="1.0" encoding="utf-8"?>
 <p:sld xmlns:a="http://schemas.openxmlformats.org/drawingml/2006/main" xmlns:r="http://schemas.openxmlformats.org/officeDocument/2006/relationships" xmlns:p="http://schemas.openxmlformats.org/presentationml/2006/main">
   <p:cSld>
     <p:spTree>
@@ -15106,7 +16186,7 @@
 </p:sld>
 </file>
 
-<file path=ppt/slides/slide37.xml><?xml version="1.0" encoding="utf-8"?>
+<file path=ppt/slides/slide38.xml><?xml version="1.0" encoding="utf-8"?>
 <p:sld xmlns:a="http://schemas.openxmlformats.org/drawingml/2006/main" xmlns:r="http://schemas.openxmlformats.org/officeDocument/2006/relationships" xmlns:p="http://schemas.openxmlformats.org/presentationml/2006/main">
   <p:cSld>
     <p:spTree>
@@ -16329,7 +17409,7 @@
 </p:sld>
 </file>
 
-<file path=ppt/slides/slide38.xml><?xml version="1.0" encoding="utf-8"?>
+<file path=ppt/slides/slide39.xml><?xml version="1.0" encoding="utf-8"?>
 <p:sld xmlns:a="http://schemas.openxmlformats.org/drawingml/2006/main" xmlns:r="http://schemas.openxmlformats.org/officeDocument/2006/relationships" xmlns:p="http://schemas.openxmlformats.org/presentationml/2006/main">
   <p:cSld>
     <p:spTree>
@@ -16589,101 +17669,6 @@
     <p:extLst>
       <p:ext uri="{BB962C8B-B14F-4D97-AF65-F5344CB8AC3E}">
         <p14:creationId xmlns:p14="http://schemas.microsoft.com/office/powerpoint/2010/main" val="711209646"/>
-      </p:ext>
-    </p:extLst>
-  </p:cSld>
-  <p:clrMapOvr>
-    <a:masterClrMapping/>
-  </p:clrMapOvr>
-</p:sld>
-</file>
-
-<file path=ppt/slides/slide39.xml><?xml version="1.0" encoding="utf-8"?>
-<p:sld xmlns:a="http://schemas.openxmlformats.org/drawingml/2006/main" xmlns:r="http://schemas.openxmlformats.org/officeDocument/2006/relationships" xmlns:p="http://schemas.openxmlformats.org/presentationml/2006/main">
-  <p:cSld>
-    <p:spTree>
-      <p:nvGrpSpPr>
-        <p:cNvPr id="1" name=""/>
-        <p:cNvGrpSpPr/>
-        <p:nvPr/>
-      </p:nvGrpSpPr>
-      <p:grpSpPr>
-        <a:xfrm>
-          <a:off x="0" y="0"/>
-          <a:ext cx="0" cy="0"/>
-          <a:chOff x="0" y="0"/>
-          <a:chExt cx="0" cy="0"/>
-        </a:xfrm>
-      </p:grpSpPr>
-      <p:sp>
-        <p:nvSpPr>
-          <p:cNvPr id="2" name="Title 1">
-            <a:extLst>
-              <a:ext uri="{FF2B5EF4-FFF2-40B4-BE49-F238E27FC236}">
-                <a16:creationId xmlns:a16="http://schemas.microsoft.com/office/drawing/2014/main" id="{F6693EDF-660D-4391-A114-A6C54268E445}"/>
-              </a:ext>
-            </a:extLst>
-          </p:cNvPr>
-          <p:cNvSpPr>
-            <a:spLocks noGrp="1"/>
-          </p:cNvSpPr>
-          <p:nvPr>
-            <p:ph type="ctrTitle"/>
-          </p:nvPr>
-        </p:nvSpPr>
-        <p:spPr>
-          <a:xfrm>
-            <a:off x="1261872" y="758952"/>
-            <a:ext cx="10549128" cy="4041648"/>
-          </a:xfrm>
-        </p:spPr>
-        <p:txBody>
-          <a:bodyPr/>
-          <a:lstStyle/>
-          <a:p>
-            <a:r>
-              <a:rPr lang="en-US" dirty="0"/>
-              <a:t>Nonparametric and </a:t>
-            </a:r>
-            <a:br>
-              <a:rPr lang="en-US" dirty="0"/>
-            </a:br>
-            <a:r>
-              <a:rPr lang="en-US" dirty="0"/>
-              <a:t>Conditional Density Estimation</a:t>
-            </a:r>
-          </a:p>
-        </p:txBody>
-      </p:sp>
-      <p:sp>
-        <p:nvSpPr>
-          <p:cNvPr id="3" name="Subtitle 2">
-            <a:extLst>
-              <a:ext uri="{FF2B5EF4-FFF2-40B4-BE49-F238E27FC236}">
-                <a16:creationId xmlns:a16="http://schemas.microsoft.com/office/drawing/2014/main" id="{9A7FADE3-4D7C-4B3A-B023-71CD85AECCCB}"/>
-              </a:ext>
-            </a:extLst>
-          </p:cNvPr>
-          <p:cNvSpPr>
-            <a:spLocks noGrp="1"/>
-          </p:cNvSpPr>
-          <p:nvPr>
-            <p:ph type="subTitle" idx="1"/>
-          </p:nvPr>
-        </p:nvSpPr>
-        <p:spPr/>
-        <p:txBody>
-          <a:bodyPr/>
-          <a:lstStyle/>
-          <a:p>
-            <a:endParaRPr lang="en-US"/>
-          </a:p>
-        </p:txBody>
-      </p:sp>
-    </p:spTree>
-    <p:extLst>
-      <p:ext uri="{BB962C8B-B14F-4D97-AF65-F5344CB8AC3E}">
-        <p14:creationId xmlns:p14="http://schemas.microsoft.com/office/powerpoint/2010/main" val="1548548980"/>
       </p:ext>
     </p:extLst>
   </p:cSld>
@@ -17151,7 +18136,7 @@
               <a:rPr lang="en-US" sz="3600" dirty="0">
                 <a:cs typeface="Times New Roman" panose="02020603050405020304" pitchFamily="18" charset="0"/>
               </a:rPr>
-              <a:t>Nonparametric Estimation (an introduction)</a:t>
+              <a:t>Effect of Medical Expenditure Risk on Financial Strain</a:t>
             </a:r>
             <a:endParaRPr lang="en-US" sz="3600" dirty="0">
               <a:latin typeface="Times New Roman" panose="02020603050405020304" pitchFamily="18" charset="0"/>
@@ -17160,8 +18145,1886 @@
           </a:p>
         </p:txBody>
       </p:sp>
-      <mc:AlternateContent xmlns:mc="http://schemas.openxmlformats.org/markup-compatibility/2006" xmlns:a14="http://schemas.microsoft.com/office/drawing/2010/main">
-        <mc:Choice Requires="a14">
+      <p:sp>
+        <p:nvSpPr>
+          <p:cNvPr id="3" name="Content Placeholder 2"/>
+          <p:cNvSpPr>
+            <a:spLocks noGrp="1"/>
+          </p:cNvSpPr>
+          <p:nvPr>
+            <p:ph idx="1"/>
+          </p:nvPr>
+        </p:nvSpPr>
+        <p:spPr>
+          <a:xfrm>
+            <a:off x="609601" y="1066801"/>
+            <a:ext cx="10015390" cy="5141388"/>
+          </a:xfrm>
+        </p:spPr>
+        <p:txBody>
+          <a:bodyPr>
+            <a:noAutofit/>
+          </a:bodyPr>
+          <a:lstStyle/>
+          <a:p>
+            <a:r>
+              <a:rPr lang="en-US" sz="2400" dirty="0">
+                <a:solidFill>
+                  <a:srgbClr val="222222"/>
+                </a:solidFill>
+                <a:cs typeface="Times New Roman" panose="02020603050405020304" pitchFamily="18" charset="0"/>
+              </a:rPr>
+              <a:t>Example: how protective is health insurance? </a:t>
+            </a:r>
+          </a:p>
+          <a:p>
+            <a:r>
+              <a:rPr lang="en-US" sz="2400" dirty="0">
+                <a:solidFill>
+                  <a:srgbClr val="222222"/>
+                </a:solidFill>
+                <a:cs typeface="Times New Roman" panose="02020603050405020304" pitchFamily="18" charset="0"/>
+              </a:rPr>
+              <a:t>In U.S., public coverage kicks in at age 65</a:t>
+            </a:r>
+          </a:p>
+          <a:p>
+            <a:pPr lvl="1"/>
+            <a:r>
+              <a:rPr lang="en-US" sz="2200" dirty="0">
+                <a:solidFill>
+                  <a:srgbClr val="222222"/>
+                </a:solidFill>
+                <a:cs typeface="Times New Roman" panose="02020603050405020304" pitchFamily="18" charset="0"/>
+              </a:rPr>
+              <a:t>How does this affect medical expenditures? </a:t>
+            </a:r>
+          </a:p>
+          <a:p>
+            <a:pPr lvl="1"/>
+            <a:r>
+              <a:rPr lang="en-US" sz="2200" dirty="0">
+                <a:solidFill>
+                  <a:srgbClr val="222222"/>
+                </a:solidFill>
+                <a:cs typeface="Times New Roman" panose="02020603050405020304" pitchFamily="18" charset="0"/>
+              </a:rPr>
+              <a:t>How does this, in turn, affect </a:t>
+            </a:r>
+            <a:r>
+              <a:rPr lang="en-US" sz="2200" b="1" dirty="0">
+                <a:solidFill>
+                  <a:srgbClr val="222222"/>
+                </a:solidFill>
+                <a:cs typeface="Times New Roman" panose="02020603050405020304" pitchFamily="18" charset="0"/>
+              </a:rPr>
+              <a:t>financial risk? </a:t>
+            </a:r>
+          </a:p>
+          <a:p>
+            <a:pPr lvl="1"/>
+            <a:r>
+              <a:rPr lang="en-US" sz="2200" b="1" dirty="0">
+                <a:solidFill>
+                  <a:schemeClr val="accent2">
+                    <a:lumMod val="75000"/>
+                  </a:schemeClr>
+                </a:solidFill>
+                <a:cs typeface="Times New Roman" panose="02020603050405020304" pitchFamily="18" charset="0"/>
+              </a:rPr>
+              <a:t>How is this distributed across the population?</a:t>
+            </a:r>
+            <a:endParaRPr lang="en-US" sz="2200" dirty="0">
+              <a:solidFill>
+                <a:schemeClr val="accent2">
+                  <a:lumMod val="75000"/>
+                </a:schemeClr>
+              </a:solidFill>
+              <a:cs typeface="Times New Roman" panose="02020603050405020304" pitchFamily="18" charset="0"/>
+            </a:endParaRPr>
+          </a:p>
+        </p:txBody>
+      </p:sp>
+      <p:pic>
+        <p:nvPicPr>
+          <p:cNvPr id="6" name="Picture 5">
+            <a:extLst>
+              <a:ext uri="{FF2B5EF4-FFF2-40B4-BE49-F238E27FC236}">
+                <a16:creationId xmlns:a16="http://schemas.microsoft.com/office/drawing/2014/main" id="{0FADE114-BD37-6580-A958-BDC68685F594}"/>
+              </a:ext>
+            </a:extLst>
+          </p:cNvPr>
+          <p:cNvPicPr>
+            <a:picLocks noChangeAspect="1"/>
+          </p:cNvPicPr>
+          <p:nvPr/>
+        </p:nvPicPr>
+        <p:blipFill>
+          <a:blip r:embed="rId3"/>
+          <a:stretch>
+            <a:fillRect/>
+          </a:stretch>
+        </p:blipFill>
+        <p:spPr>
+          <a:xfrm>
+            <a:off x="914400" y="3352800"/>
+            <a:ext cx="5400000" cy="3281076"/>
+          </a:xfrm>
+          <a:prstGeom prst="rect">
+            <a:avLst/>
+          </a:prstGeom>
+        </p:spPr>
+      </p:pic>
+    </p:spTree>
+    <p:extLst>
+      <p:ext uri="{BB962C8B-B14F-4D97-AF65-F5344CB8AC3E}">
+        <p14:creationId xmlns:p14="http://schemas.microsoft.com/office/powerpoint/2010/main" val="2699828313"/>
+      </p:ext>
+    </p:extLst>
+  </p:cSld>
+  <p:clrMapOvr>
+    <a:masterClrMapping/>
+  </p:clrMapOvr>
+</p:sld>
+</file>
+
+<file path=ppt/slides/slide41.xml><?xml version="1.0" encoding="utf-8"?>
+<p:sld xmlns:a="http://schemas.openxmlformats.org/drawingml/2006/main" xmlns:r="http://schemas.openxmlformats.org/officeDocument/2006/relationships" xmlns:p="http://schemas.openxmlformats.org/presentationml/2006/main">
+  <p:cSld>
+    <p:bg>
+      <p:bgPr>
+        <a:solidFill>
+          <a:schemeClr val="bg1"/>
+        </a:solidFill>
+        <a:effectLst/>
+      </p:bgPr>
+    </p:bg>
+    <p:spTree>
+      <p:nvGrpSpPr>
+        <p:cNvPr id="1" name=""/>
+        <p:cNvGrpSpPr/>
+        <p:nvPr/>
+      </p:nvGrpSpPr>
+      <p:grpSpPr>
+        <a:xfrm>
+          <a:off x="0" y="0"/>
+          <a:ext cx="0" cy="0"/>
+          <a:chOff x="0" y="0"/>
+          <a:chExt cx="0" cy="0"/>
+        </a:xfrm>
+      </p:grpSpPr>
+      <p:sp>
+        <p:nvSpPr>
+          <p:cNvPr id="10" name="Rectangle 9">
+            <a:extLst>
+              <a:ext uri="{FF2B5EF4-FFF2-40B4-BE49-F238E27FC236}">
+                <a16:creationId xmlns:a16="http://schemas.microsoft.com/office/drawing/2014/main" id="{5D5E0904-721C-4D68-9EB8-1C9752E329A7}"/>
+              </a:ext>
+              <a:ext uri="{C183D7F6-B498-43B3-948B-1728B52AA6E4}">
+                <adec:decorative xmlns:adec="http://schemas.microsoft.com/office/drawing/2017/decorative" val="1"/>
+              </a:ext>
+            </a:extLst>
+          </p:cNvPr>
+          <p:cNvSpPr>
+            <a:spLocks noGrp="1" noRot="1" noChangeAspect="1" noMove="1" noResize="1" noEditPoints="1" noAdjustHandles="1" noChangeArrowheads="1" noChangeShapeType="1" noTextEdit="1"/>
+          </p:cNvSpPr>
+          <p:nvPr>
+            <p:extLst>
+              <p:ext uri="{386F3935-93C4-4BCD-93E2-E3B085C9AB24}">
+                <p16:designElem xmlns:p16="http://schemas.microsoft.com/office/powerpoint/2015/main" val="1"/>
+              </p:ext>
+            </p:extLst>
+          </p:nvPr>
+        </p:nvSpPr>
+        <p:spPr>
+          <a:xfrm>
+            <a:off x="0" y="0"/>
+            <a:ext cx="457200" cy="6858000"/>
+          </a:xfrm>
+          <a:prstGeom prst="rect">
+            <a:avLst/>
+          </a:prstGeom>
+          <a:solidFill>
+            <a:schemeClr val="accent1"/>
+          </a:solidFill>
+          <a:ln>
+            <a:noFill/>
+          </a:ln>
+        </p:spPr>
+        <p:style>
+          <a:lnRef idx="2">
+            <a:schemeClr val="accent1">
+              <a:shade val="50000"/>
+            </a:schemeClr>
+          </a:lnRef>
+          <a:fillRef idx="1">
+            <a:schemeClr val="accent1"/>
+          </a:fillRef>
+          <a:effectRef idx="0">
+            <a:schemeClr val="accent1"/>
+          </a:effectRef>
+          <a:fontRef idx="minor">
+            <a:schemeClr val="lt1"/>
+          </a:fontRef>
+        </p:style>
+      </p:sp>
+      <p:sp>
+        <p:nvSpPr>
+          <p:cNvPr id="12" name="Rectangle 11">
+            <a:extLst>
+              <a:ext uri="{FF2B5EF4-FFF2-40B4-BE49-F238E27FC236}">
+                <a16:creationId xmlns:a16="http://schemas.microsoft.com/office/drawing/2014/main" id="{B298ECBA-3258-45DF-8FD4-7581736BCCBC}"/>
+              </a:ext>
+              <a:ext uri="{C183D7F6-B498-43B3-948B-1728B52AA6E4}">
+                <adec:decorative xmlns:adec="http://schemas.microsoft.com/office/drawing/2017/decorative" val="1"/>
+              </a:ext>
+            </a:extLst>
+          </p:cNvPr>
+          <p:cNvSpPr>
+            <a:spLocks noGrp="1" noRot="1" noChangeAspect="1" noMove="1" noResize="1" noEditPoints="1" noAdjustHandles="1" noChangeArrowheads="1" noChangeShapeType="1" noTextEdit="1"/>
+          </p:cNvSpPr>
+          <p:nvPr>
+            <p:extLst>
+              <p:ext uri="{386F3935-93C4-4BCD-93E2-E3B085C9AB24}">
+                <p16:designElem xmlns:p16="http://schemas.microsoft.com/office/powerpoint/2015/main" val="1"/>
+              </p:ext>
+            </p:extLst>
+          </p:nvPr>
+        </p:nvSpPr>
+        <p:spPr>
+          <a:xfrm>
+            <a:off x="0" y="-3244"/>
+            <a:ext cx="457200" cy="6858000"/>
+          </a:xfrm>
+          <a:prstGeom prst="rect">
+            <a:avLst/>
+          </a:prstGeom>
+          <a:solidFill>
+            <a:srgbClr val="6F6F74"/>
+          </a:solidFill>
+          <a:ln>
+            <a:noFill/>
+          </a:ln>
+        </p:spPr>
+        <p:style>
+          <a:lnRef idx="2">
+            <a:schemeClr val="accent1">
+              <a:shade val="50000"/>
+            </a:schemeClr>
+          </a:lnRef>
+          <a:fillRef idx="1">
+            <a:schemeClr val="accent1"/>
+          </a:fillRef>
+          <a:effectRef idx="0">
+            <a:schemeClr val="accent1"/>
+          </a:effectRef>
+          <a:fontRef idx="minor">
+            <a:schemeClr val="lt1"/>
+          </a:fontRef>
+        </p:style>
+        <p:txBody>
+          <a:bodyPr rtlCol="0" anchor="ctr"/>
+          <a:lstStyle/>
+          <a:p>
+            <a:pPr algn="ctr"/>
+            <a:endParaRPr lang="en-US"/>
+          </a:p>
+        </p:txBody>
+      </p:sp>
+      <p:sp>
+        <p:nvSpPr>
+          <p:cNvPr id="14" name="Rectangle 13">
+            <a:extLst>
+              <a:ext uri="{FF2B5EF4-FFF2-40B4-BE49-F238E27FC236}">
+                <a16:creationId xmlns:a16="http://schemas.microsoft.com/office/drawing/2014/main" id="{B62BF453-BD82-4B90-9FE7-51703133806E}"/>
+              </a:ext>
+              <a:ext uri="{C183D7F6-B498-43B3-948B-1728B52AA6E4}">
+                <adec:decorative xmlns:adec="http://schemas.microsoft.com/office/drawing/2017/decorative" val="1"/>
+              </a:ext>
+            </a:extLst>
+          </p:cNvPr>
+          <p:cNvSpPr>
+            <a:spLocks noGrp="1" noRot="1" noChangeAspect="1" noMove="1" noResize="1" noEditPoints="1" noAdjustHandles="1" noChangeArrowheads="1" noChangeShapeType="1" noTextEdit="1"/>
+          </p:cNvSpPr>
+          <p:nvPr>
+            <p:extLst>
+              <p:ext uri="{386F3935-93C4-4BCD-93E2-E3B085C9AB24}">
+                <p16:designElem xmlns:p16="http://schemas.microsoft.com/office/powerpoint/2015/main" val="1"/>
+              </p:ext>
+            </p:extLst>
+          </p:nvPr>
+        </p:nvSpPr>
+        <p:spPr>
+          <a:xfrm>
+            <a:off x="457200" y="0"/>
+            <a:ext cx="10835640" cy="6858000"/>
+          </a:xfrm>
+          <a:prstGeom prst="rect">
+            <a:avLst/>
+          </a:prstGeom>
+          <a:solidFill>
+            <a:srgbClr val="353537"/>
+          </a:solidFill>
+          <a:ln>
+            <a:noFill/>
+          </a:ln>
+        </p:spPr>
+        <p:style>
+          <a:lnRef idx="2">
+            <a:schemeClr val="accent1">
+              <a:shade val="50000"/>
+            </a:schemeClr>
+          </a:lnRef>
+          <a:fillRef idx="1">
+            <a:schemeClr val="accent1"/>
+          </a:fillRef>
+          <a:effectRef idx="0">
+            <a:schemeClr val="accent1"/>
+          </a:effectRef>
+          <a:fontRef idx="minor">
+            <a:schemeClr val="lt1"/>
+          </a:fontRef>
+        </p:style>
+      </p:sp>
+      <p:sp>
+        <p:nvSpPr>
+          <p:cNvPr id="2" name="Title 1"/>
+          <p:cNvSpPr>
+            <a:spLocks noGrp="1"/>
+          </p:cNvSpPr>
+          <p:nvPr>
+            <p:ph type="title"/>
+          </p:nvPr>
+        </p:nvSpPr>
+        <p:spPr>
+          <a:xfrm>
+            <a:off x="8318090" y="758952"/>
+            <a:ext cx="2802194" cy="4041648"/>
+          </a:xfrm>
+        </p:spPr>
+        <p:txBody>
+          <a:bodyPr vert="horz" lIns="91440" tIns="45720" rIns="91440" bIns="45720" rtlCol="0" anchor="b">
+            <a:normAutofit/>
+          </a:bodyPr>
+          <a:lstStyle/>
+          <a:p>
+            <a:pPr>
+              <a:lnSpc>
+                <a:spcPct val="85000"/>
+              </a:lnSpc>
+            </a:pPr>
+            <a:r>
+              <a:rPr lang="en-US" dirty="0">
+                <a:solidFill>
+                  <a:srgbClr val="FFFFFF"/>
+                </a:solidFill>
+                <a:latin typeface="+mj-lt"/>
+              </a:rPr>
+              <a:t>How does Medicare coverage affect </a:t>
+            </a:r>
+            <a:r>
+              <a:rPr lang="en-US" b="1" dirty="0">
+                <a:solidFill>
+                  <a:srgbClr val="FFFFFF"/>
+                </a:solidFill>
+                <a:latin typeface="+mj-lt"/>
+              </a:rPr>
+              <a:t>mean</a:t>
+            </a:r>
+            <a:r>
+              <a:rPr lang="en-US" dirty="0">
+                <a:solidFill>
+                  <a:srgbClr val="FFFFFF"/>
+                </a:solidFill>
+                <a:latin typeface="+mj-lt"/>
+              </a:rPr>
+              <a:t> spending?</a:t>
+            </a:r>
+          </a:p>
+        </p:txBody>
+      </p:sp>
+      <p:sp useBgFill="1">
+        <p:nvSpPr>
+          <p:cNvPr id="16" name="Rectangle 15">
+            <a:extLst>
+              <a:ext uri="{FF2B5EF4-FFF2-40B4-BE49-F238E27FC236}">
+                <a16:creationId xmlns:a16="http://schemas.microsoft.com/office/drawing/2014/main" id="{072366D3-9B5C-42E1-9906-77FF6BB55EAB}"/>
+              </a:ext>
+              <a:ext uri="{C183D7F6-B498-43B3-948B-1728B52AA6E4}">
+                <adec:decorative xmlns:adec="http://schemas.microsoft.com/office/drawing/2017/decorative" val="1"/>
+              </a:ext>
+            </a:extLst>
+          </p:cNvPr>
+          <p:cNvSpPr>
+            <a:spLocks noGrp="1" noRot="1" noChangeAspect="1" noMove="1" noResize="1" noEditPoints="1" noAdjustHandles="1" noChangeArrowheads="1" noChangeShapeType="1" noTextEdit="1"/>
+          </p:cNvSpPr>
+          <p:nvPr>
+            <p:extLst>
+              <p:ext uri="{386F3935-93C4-4BCD-93E2-E3B085C9AB24}">
+                <p16:designElem xmlns:p16="http://schemas.microsoft.com/office/powerpoint/2015/main" val="1"/>
+              </p:ext>
+            </p:extLst>
+          </p:nvPr>
+        </p:nvSpPr>
+        <p:spPr>
+          <a:xfrm>
+            <a:off x="452283" y="0"/>
+            <a:ext cx="7561007" cy="6858000"/>
+          </a:xfrm>
+          <a:prstGeom prst="rect">
+            <a:avLst/>
+          </a:prstGeom>
+          <a:ln>
+            <a:noFill/>
+          </a:ln>
+        </p:spPr>
+        <p:style>
+          <a:lnRef idx="2">
+            <a:schemeClr val="accent1">
+              <a:shade val="50000"/>
+            </a:schemeClr>
+          </a:lnRef>
+          <a:fillRef idx="1">
+            <a:schemeClr val="accent1"/>
+          </a:fillRef>
+          <a:effectRef idx="0">
+            <a:schemeClr val="accent1"/>
+          </a:effectRef>
+          <a:fontRef idx="minor">
+            <a:schemeClr val="lt1"/>
+          </a:fontRef>
+        </p:style>
+        <p:txBody>
+          <a:bodyPr rtlCol="0" anchor="ctr"/>
+          <a:lstStyle/>
+          <a:p>
+            <a:pPr algn="ctr"/>
+            <a:endParaRPr lang="en-US"/>
+          </a:p>
+        </p:txBody>
+      </p:sp>
+      <p:pic>
+        <p:nvPicPr>
+          <p:cNvPr id="5" name="Content Placeholder 4" descr="Chart, scatter chart&#10;&#10;Description automatically generated">
+            <a:extLst>
+              <a:ext uri="{FF2B5EF4-FFF2-40B4-BE49-F238E27FC236}">
+                <a16:creationId xmlns:a16="http://schemas.microsoft.com/office/drawing/2014/main" id="{70FE744B-6F07-7B6D-642E-02911CF1DFFE}"/>
+              </a:ext>
+            </a:extLst>
+          </p:cNvPr>
+          <p:cNvPicPr>
+            <a:picLocks noGrp="1" noChangeAspect="1"/>
+          </p:cNvPicPr>
+          <p:nvPr>
+            <p:ph idx="1"/>
+          </p:nvPr>
+        </p:nvPicPr>
+        <p:blipFill>
+          <a:blip r:embed="rId3"/>
+          <a:stretch>
+            <a:fillRect/>
+          </a:stretch>
+        </p:blipFill>
+        <p:spPr>
+          <a:xfrm>
+            <a:off x="924375" y="1300101"/>
+            <a:ext cx="6616823" cy="4251309"/>
+          </a:xfrm>
+          <a:prstGeom prst="rect">
+            <a:avLst/>
+          </a:prstGeom>
+        </p:spPr>
+      </p:pic>
+      <p:sp>
+        <p:nvSpPr>
+          <p:cNvPr id="18" name="Rectangle 17">
+            <a:extLst>
+              <a:ext uri="{FF2B5EF4-FFF2-40B4-BE49-F238E27FC236}">
+                <a16:creationId xmlns:a16="http://schemas.microsoft.com/office/drawing/2014/main" id="{121F5E60-4E89-4B16-A245-12BD9935998D}"/>
+              </a:ext>
+              <a:ext uri="{C183D7F6-B498-43B3-948B-1728B52AA6E4}">
+                <adec:decorative xmlns:adec="http://schemas.microsoft.com/office/drawing/2017/decorative" val="1"/>
+              </a:ext>
+            </a:extLst>
+          </p:cNvPr>
+          <p:cNvSpPr>
+            <a:spLocks noGrp="1" noRot="1" noChangeAspect="1" noMove="1" noResize="1" noEditPoints="1" noAdjustHandles="1" noChangeArrowheads="1" noChangeShapeType="1" noTextEdit="1"/>
+          </p:cNvSpPr>
+          <p:nvPr>
+            <p:extLst>
+              <p:ext uri="{386F3935-93C4-4BCD-93E2-E3B085C9AB24}">
+                <p16:designElem xmlns:p16="http://schemas.microsoft.com/office/powerpoint/2015/main" val="1"/>
+              </p:ext>
+            </p:extLst>
+          </p:nvPr>
+        </p:nvSpPr>
+        <p:spPr>
+          <a:xfrm>
+            <a:off x="11292840" y="0"/>
+            <a:ext cx="899160" cy="6858000"/>
+          </a:xfrm>
+          <a:prstGeom prst="rect">
+            <a:avLst/>
+          </a:prstGeom>
+          <a:solidFill>
+            <a:srgbClr val="353537"/>
+          </a:solidFill>
+          <a:ln>
+            <a:noFill/>
+          </a:ln>
+        </p:spPr>
+        <p:style>
+          <a:lnRef idx="2">
+            <a:schemeClr val="accent1">
+              <a:shade val="50000"/>
+            </a:schemeClr>
+          </a:lnRef>
+          <a:fillRef idx="1">
+            <a:schemeClr val="accent1"/>
+          </a:fillRef>
+          <a:effectRef idx="0">
+            <a:schemeClr val="accent1"/>
+          </a:effectRef>
+          <a:fontRef idx="minor">
+            <a:schemeClr val="lt1"/>
+          </a:fontRef>
+        </p:style>
+        <p:txBody>
+          <a:bodyPr rtlCol="0" anchor="ctr"/>
+          <a:lstStyle/>
+          <a:p>
+            <a:pPr algn="ctr"/>
+            <a:endParaRPr lang="en-US"/>
+          </a:p>
+        </p:txBody>
+      </p:sp>
+    </p:spTree>
+    <p:extLst>
+      <p:ext uri="{BB962C8B-B14F-4D97-AF65-F5344CB8AC3E}">
+        <p14:creationId xmlns:p14="http://schemas.microsoft.com/office/powerpoint/2010/main" val="2875466408"/>
+      </p:ext>
+    </p:extLst>
+  </p:cSld>
+  <p:clrMapOvr>
+    <a:masterClrMapping/>
+  </p:clrMapOvr>
+</p:sld>
+</file>
+
+<file path=ppt/slides/slide42.xml><?xml version="1.0" encoding="utf-8"?>
+<p:sld xmlns:a="http://schemas.openxmlformats.org/drawingml/2006/main" xmlns:r="http://schemas.openxmlformats.org/officeDocument/2006/relationships" xmlns:p="http://schemas.openxmlformats.org/presentationml/2006/main">
+  <p:cSld>
+    <p:bg>
+      <p:bgPr>
+        <a:solidFill>
+          <a:schemeClr val="bg1"/>
+        </a:solidFill>
+        <a:effectLst/>
+      </p:bgPr>
+    </p:bg>
+    <p:spTree>
+      <p:nvGrpSpPr>
+        <p:cNvPr id="1" name=""/>
+        <p:cNvGrpSpPr/>
+        <p:nvPr/>
+      </p:nvGrpSpPr>
+      <p:grpSpPr>
+        <a:xfrm>
+          <a:off x="0" y="0"/>
+          <a:ext cx="0" cy="0"/>
+          <a:chOff x="0" y="0"/>
+          <a:chExt cx="0" cy="0"/>
+        </a:xfrm>
+      </p:grpSpPr>
+      <p:sp>
+        <p:nvSpPr>
+          <p:cNvPr id="23" name="Rectangle 22">
+            <a:extLst>
+              <a:ext uri="{FF2B5EF4-FFF2-40B4-BE49-F238E27FC236}">
+                <a16:creationId xmlns:a16="http://schemas.microsoft.com/office/drawing/2014/main" id="{5D5E0904-721C-4D68-9EB8-1C9752E329A7}"/>
+              </a:ext>
+              <a:ext uri="{C183D7F6-B498-43B3-948B-1728B52AA6E4}">
+                <adec:decorative xmlns:adec="http://schemas.microsoft.com/office/drawing/2017/decorative" val="1"/>
+              </a:ext>
+            </a:extLst>
+          </p:cNvPr>
+          <p:cNvSpPr>
+            <a:spLocks noGrp="1" noRot="1" noChangeAspect="1" noMove="1" noResize="1" noEditPoints="1" noAdjustHandles="1" noChangeArrowheads="1" noChangeShapeType="1" noTextEdit="1"/>
+          </p:cNvSpPr>
+          <p:nvPr>
+            <p:extLst>
+              <p:ext uri="{386F3935-93C4-4BCD-93E2-E3B085C9AB24}">
+                <p16:designElem xmlns:p16="http://schemas.microsoft.com/office/powerpoint/2015/main" val="1"/>
+              </p:ext>
+            </p:extLst>
+          </p:nvPr>
+        </p:nvSpPr>
+        <p:spPr>
+          <a:xfrm>
+            <a:off x="0" y="0"/>
+            <a:ext cx="457200" cy="6858000"/>
+          </a:xfrm>
+          <a:prstGeom prst="rect">
+            <a:avLst/>
+          </a:prstGeom>
+          <a:solidFill>
+            <a:schemeClr val="accent1"/>
+          </a:solidFill>
+          <a:ln>
+            <a:noFill/>
+          </a:ln>
+        </p:spPr>
+        <p:style>
+          <a:lnRef idx="2">
+            <a:schemeClr val="accent1">
+              <a:shade val="50000"/>
+            </a:schemeClr>
+          </a:lnRef>
+          <a:fillRef idx="1">
+            <a:schemeClr val="accent1"/>
+          </a:fillRef>
+          <a:effectRef idx="0">
+            <a:schemeClr val="accent1"/>
+          </a:effectRef>
+          <a:fontRef idx="minor">
+            <a:schemeClr val="lt1"/>
+          </a:fontRef>
+        </p:style>
+      </p:sp>
+      <p:sp>
+        <p:nvSpPr>
+          <p:cNvPr id="25" name="Rectangle 24">
+            <a:extLst>
+              <a:ext uri="{FF2B5EF4-FFF2-40B4-BE49-F238E27FC236}">
+                <a16:creationId xmlns:a16="http://schemas.microsoft.com/office/drawing/2014/main" id="{B298ECBA-3258-45DF-8FD4-7581736BCCBC}"/>
+              </a:ext>
+              <a:ext uri="{C183D7F6-B498-43B3-948B-1728B52AA6E4}">
+                <adec:decorative xmlns:adec="http://schemas.microsoft.com/office/drawing/2017/decorative" val="1"/>
+              </a:ext>
+            </a:extLst>
+          </p:cNvPr>
+          <p:cNvSpPr>
+            <a:spLocks noGrp="1" noRot="1" noChangeAspect="1" noMove="1" noResize="1" noEditPoints="1" noAdjustHandles="1" noChangeArrowheads="1" noChangeShapeType="1" noTextEdit="1"/>
+          </p:cNvSpPr>
+          <p:nvPr>
+            <p:extLst>
+              <p:ext uri="{386F3935-93C4-4BCD-93E2-E3B085C9AB24}">
+                <p16:designElem xmlns:p16="http://schemas.microsoft.com/office/powerpoint/2015/main" val="1"/>
+              </p:ext>
+            </p:extLst>
+          </p:nvPr>
+        </p:nvSpPr>
+        <p:spPr>
+          <a:xfrm>
+            <a:off x="0" y="-3244"/>
+            <a:ext cx="457200" cy="6858000"/>
+          </a:xfrm>
+          <a:prstGeom prst="rect">
+            <a:avLst/>
+          </a:prstGeom>
+          <a:solidFill>
+            <a:srgbClr val="6F6F74"/>
+          </a:solidFill>
+          <a:ln>
+            <a:noFill/>
+          </a:ln>
+        </p:spPr>
+        <p:style>
+          <a:lnRef idx="2">
+            <a:schemeClr val="accent1">
+              <a:shade val="50000"/>
+            </a:schemeClr>
+          </a:lnRef>
+          <a:fillRef idx="1">
+            <a:schemeClr val="accent1"/>
+          </a:fillRef>
+          <a:effectRef idx="0">
+            <a:schemeClr val="accent1"/>
+          </a:effectRef>
+          <a:fontRef idx="minor">
+            <a:schemeClr val="lt1"/>
+          </a:fontRef>
+        </p:style>
+        <p:txBody>
+          <a:bodyPr rtlCol="0" anchor="ctr"/>
+          <a:lstStyle/>
+          <a:p>
+            <a:pPr algn="ctr"/>
+            <a:endParaRPr lang="en-US"/>
+          </a:p>
+        </p:txBody>
+      </p:sp>
+      <p:sp>
+        <p:nvSpPr>
+          <p:cNvPr id="27" name="Rectangle 26">
+            <a:extLst>
+              <a:ext uri="{FF2B5EF4-FFF2-40B4-BE49-F238E27FC236}">
+                <a16:creationId xmlns:a16="http://schemas.microsoft.com/office/drawing/2014/main" id="{B62BF453-BD82-4B90-9FE7-51703133806E}"/>
+              </a:ext>
+              <a:ext uri="{C183D7F6-B498-43B3-948B-1728B52AA6E4}">
+                <adec:decorative xmlns:adec="http://schemas.microsoft.com/office/drawing/2017/decorative" val="1"/>
+              </a:ext>
+            </a:extLst>
+          </p:cNvPr>
+          <p:cNvSpPr>
+            <a:spLocks noGrp="1" noRot="1" noChangeAspect="1" noMove="1" noResize="1" noEditPoints="1" noAdjustHandles="1" noChangeArrowheads="1" noChangeShapeType="1" noTextEdit="1"/>
+          </p:cNvSpPr>
+          <p:nvPr>
+            <p:extLst>
+              <p:ext uri="{386F3935-93C4-4BCD-93E2-E3B085C9AB24}">
+                <p16:designElem xmlns:p16="http://schemas.microsoft.com/office/powerpoint/2015/main" val="1"/>
+              </p:ext>
+            </p:extLst>
+          </p:nvPr>
+        </p:nvSpPr>
+        <p:spPr>
+          <a:xfrm>
+            <a:off x="457200" y="0"/>
+            <a:ext cx="10835640" cy="6858000"/>
+          </a:xfrm>
+          <a:prstGeom prst="rect">
+            <a:avLst/>
+          </a:prstGeom>
+          <a:solidFill>
+            <a:srgbClr val="353537"/>
+          </a:solidFill>
+          <a:ln>
+            <a:noFill/>
+          </a:ln>
+        </p:spPr>
+        <p:style>
+          <a:lnRef idx="2">
+            <a:schemeClr val="accent1">
+              <a:shade val="50000"/>
+            </a:schemeClr>
+          </a:lnRef>
+          <a:fillRef idx="1">
+            <a:schemeClr val="accent1"/>
+          </a:fillRef>
+          <a:effectRef idx="0">
+            <a:schemeClr val="accent1"/>
+          </a:effectRef>
+          <a:fontRef idx="minor">
+            <a:schemeClr val="lt1"/>
+          </a:fontRef>
+        </p:style>
+      </p:sp>
+      <p:sp>
+        <p:nvSpPr>
+          <p:cNvPr id="2" name="Title 1"/>
+          <p:cNvSpPr>
+            <a:spLocks noGrp="1"/>
+          </p:cNvSpPr>
+          <p:nvPr>
+            <p:ph type="title"/>
+          </p:nvPr>
+        </p:nvSpPr>
+        <p:spPr>
+          <a:xfrm>
+            <a:off x="8318090" y="758952"/>
+            <a:ext cx="2802194" cy="4041648"/>
+          </a:xfrm>
+        </p:spPr>
+        <p:txBody>
+          <a:bodyPr vert="horz" lIns="91440" tIns="45720" rIns="91440" bIns="45720" rtlCol="0" anchor="b">
+            <a:normAutofit/>
+          </a:bodyPr>
+          <a:lstStyle/>
+          <a:p>
+            <a:pPr>
+              <a:lnSpc>
+                <a:spcPct val="85000"/>
+              </a:lnSpc>
+            </a:pPr>
+            <a:r>
+              <a:rPr lang="en-US" sz="3700">
+                <a:solidFill>
+                  <a:srgbClr val="FFFFFF"/>
+                </a:solidFill>
+                <a:latin typeface="+mj-lt"/>
+              </a:rPr>
+              <a:t>How does Medicare coverage affect</a:t>
+            </a:r>
+            <a:br>
+              <a:rPr lang="en-US" sz="3700">
+                <a:solidFill>
+                  <a:srgbClr val="FFFFFF"/>
+                </a:solidFill>
+                <a:latin typeface="+mj-lt"/>
+              </a:rPr>
+            </a:br>
+            <a:r>
+              <a:rPr lang="en-US" sz="3700" b="1">
+                <a:solidFill>
+                  <a:srgbClr val="FFFFFF"/>
+                </a:solidFill>
+                <a:latin typeface="+mj-lt"/>
+              </a:rPr>
+              <a:t>other quantiles of</a:t>
+            </a:r>
+            <a:r>
+              <a:rPr lang="en-US" sz="3700">
+                <a:solidFill>
+                  <a:srgbClr val="FFFFFF"/>
+                </a:solidFill>
+                <a:latin typeface="+mj-lt"/>
+              </a:rPr>
+              <a:t> spending?</a:t>
+            </a:r>
+          </a:p>
+        </p:txBody>
+      </p:sp>
+      <p:sp useBgFill="1">
+        <p:nvSpPr>
+          <p:cNvPr id="29" name="Rectangle 28">
+            <a:extLst>
+              <a:ext uri="{FF2B5EF4-FFF2-40B4-BE49-F238E27FC236}">
+                <a16:creationId xmlns:a16="http://schemas.microsoft.com/office/drawing/2014/main" id="{072366D3-9B5C-42E1-9906-77FF6BB55EAB}"/>
+              </a:ext>
+              <a:ext uri="{C183D7F6-B498-43B3-948B-1728B52AA6E4}">
+                <adec:decorative xmlns:adec="http://schemas.microsoft.com/office/drawing/2017/decorative" val="1"/>
+              </a:ext>
+            </a:extLst>
+          </p:cNvPr>
+          <p:cNvSpPr>
+            <a:spLocks noGrp="1" noRot="1" noChangeAspect="1" noMove="1" noResize="1" noEditPoints="1" noAdjustHandles="1" noChangeArrowheads="1" noChangeShapeType="1" noTextEdit="1"/>
+          </p:cNvSpPr>
+          <p:nvPr>
+            <p:extLst>
+              <p:ext uri="{386F3935-93C4-4BCD-93E2-E3B085C9AB24}">
+                <p16:designElem xmlns:p16="http://schemas.microsoft.com/office/powerpoint/2015/main" val="1"/>
+              </p:ext>
+            </p:extLst>
+          </p:nvPr>
+        </p:nvSpPr>
+        <p:spPr>
+          <a:xfrm>
+            <a:off x="452283" y="0"/>
+            <a:ext cx="7561007" cy="6858000"/>
+          </a:xfrm>
+          <a:prstGeom prst="rect">
+            <a:avLst/>
+          </a:prstGeom>
+          <a:ln>
+            <a:noFill/>
+          </a:ln>
+        </p:spPr>
+        <p:style>
+          <a:lnRef idx="2">
+            <a:schemeClr val="accent1">
+              <a:shade val="50000"/>
+            </a:schemeClr>
+          </a:lnRef>
+          <a:fillRef idx="1">
+            <a:schemeClr val="accent1"/>
+          </a:fillRef>
+          <a:effectRef idx="0">
+            <a:schemeClr val="accent1"/>
+          </a:effectRef>
+          <a:fontRef idx="minor">
+            <a:schemeClr val="lt1"/>
+          </a:fontRef>
+        </p:style>
+        <p:txBody>
+          <a:bodyPr rtlCol="0" anchor="ctr"/>
+          <a:lstStyle/>
+          <a:p>
+            <a:pPr algn="ctr"/>
+            <a:endParaRPr lang="en-US"/>
+          </a:p>
+        </p:txBody>
+      </p:sp>
+      <p:pic>
+        <p:nvPicPr>
+          <p:cNvPr id="7" name="Content Placeholder 6" descr="Chart, scatter chart&#10;&#10;Description automatically generated">
+            <a:extLst>
+              <a:ext uri="{FF2B5EF4-FFF2-40B4-BE49-F238E27FC236}">
+                <a16:creationId xmlns:a16="http://schemas.microsoft.com/office/drawing/2014/main" id="{80B1F41D-2B9A-2C5D-9565-9F7BA1D2750F}"/>
+              </a:ext>
+            </a:extLst>
+          </p:cNvPr>
+          <p:cNvPicPr>
+            <a:picLocks noGrp="1" noChangeAspect="1"/>
+          </p:cNvPicPr>
+          <p:nvPr>
+            <p:ph idx="1"/>
+          </p:nvPr>
+        </p:nvPicPr>
+        <p:blipFill>
+          <a:blip r:embed="rId3"/>
+          <a:stretch>
+            <a:fillRect/>
+          </a:stretch>
+        </p:blipFill>
+        <p:spPr>
+          <a:xfrm>
+            <a:off x="924375" y="712859"/>
+            <a:ext cx="6616823" cy="5425794"/>
+          </a:xfrm>
+          <a:prstGeom prst="rect">
+            <a:avLst/>
+          </a:prstGeom>
+        </p:spPr>
+      </p:pic>
+      <p:sp>
+        <p:nvSpPr>
+          <p:cNvPr id="31" name="Rectangle 30">
+            <a:extLst>
+              <a:ext uri="{FF2B5EF4-FFF2-40B4-BE49-F238E27FC236}">
+                <a16:creationId xmlns:a16="http://schemas.microsoft.com/office/drawing/2014/main" id="{121F5E60-4E89-4B16-A245-12BD9935998D}"/>
+              </a:ext>
+              <a:ext uri="{C183D7F6-B498-43B3-948B-1728B52AA6E4}">
+                <adec:decorative xmlns:adec="http://schemas.microsoft.com/office/drawing/2017/decorative" val="1"/>
+              </a:ext>
+            </a:extLst>
+          </p:cNvPr>
+          <p:cNvSpPr>
+            <a:spLocks noGrp="1" noRot="1" noChangeAspect="1" noMove="1" noResize="1" noEditPoints="1" noAdjustHandles="1" noChangeArrowheads="1" noChangeShapeType="1" noTextEdit="1"/>
+          </p:cNvSpPr>
+          <p:nvPr>
+            <p:extLst>
+              <p:ext uri="{386F3935-93C4-4BCD-93E2-E3B085C9AB24}">
+                <p16:designElem xmlns:p16="http://schemas.microsoft.com/office/powerpoint/2015/main" val="1"/>
+              </p:ext>
+            </p:extLst>
+          </p:nvPr>
+        </p:nvSpPr>
+        <p:spPr>
+          <a:xfrm>
+            <a:off x="11292840" y="0"/>
+            <a:ext cx="899160" cy="6858000"/>
+          </a:xfrm>
+          <a:prstGeom prst="rect">
+            <a:avLst/>
+          </a:prstGeom>
+          <a:solidFill>
+            <a:srgbClr val="353537"/>
+          </a:solidFill>
+          <a:ln>
+            <a:noFill/>
+          </a:ln>
+        </p:spPr>
+        <p:style>
+          <a:lnRef idx="2">
+            <a:schemeClr val="accent1">
+              <a:shade val="50000"/>
+            </a:schemeClr>
+          </a:lnRef>
+          <a:fillRef idx="1">
+            <a:schemeClr val="accent1"/>
+          </a:fillRef>
+          <a:effectRef idx="0">
+            <a:schemeClr val="accent1"/>
+          </a:effectRef>
+          <a:fontRef idx="minor">
+            <a:schemeClr val="lt1"/>
+          </a:fontRef>
+        </p:style>
+        <p:txBody>
+          <a:bodyPr rtlCol="0" anchor="ctr"/>
+          <a:lstStyle/>
+          <a:p>
+            <a:pPr algn="ctr"/>
+            <a:endParaRPr lang="en-US"/>
+          </a:p>
+        </p:txBody>
+      </p:sp>
+    </p:spTree>
+    <p:extLst>
+      <p:ext uri="{BB962C8B-B14F-4D97-AF65-F5344CB8AC3E}">
+        <p14:creationId xmlns:p14="http://schemas.microsoft.com/office/powerpoint/2010/main" val="976968521"/>
+      </p:ext>
+    </p:extLst>
+  </p:cSld>
+  <p:clrMapOvr>
+    <a:masterClrMapping/>
+  </p:clrMapOvr>
+</p:sld>
+</file>
+
+<file path=ppt/slides/slide43.xml><?xml version="1.0" encoding="utf-8"?>
+<p:sld xmlns:a="http://schemas.openxmlformats.org/drawingml/2006/main" xmlns:r="http://schemas.openxmlformats.org/officeDocument/2006/relationships" xmlns:p="http://schemas.openxmlformats.org/presentationml/2006/main">
+  <p:cSld>
+    <p:spTree>
+      <p:nvGrpSpPr>
+        <p:cNvPr id="1" name=""/>
+        <p:cNvGrpSpPr/>
+        <p:nvPr/>
+      </p:nvGrpSpPr>
+      <p:grpSpPr>
+        <a:xfrm>
+          <a:off x="0" y="0"/>
+          <a:ext cx="0" cy="0"/>
+          <a:chOff x="0" y="0"/>
+          <a:chExt cx="0" cy="0"/>
+        </a:xfrm>
+      </p:grpSpPr>
+      <p:sp>
+        <p:nvSpPr>
+          <p:cNvPr id="2" name="Title 1"/>
+          <p:cNvSpPr>
+            <a:spLocks noGrp="1"/>
+          </p:cNvSpPr>
+          <p:nvPr>
+            <p:ph type="title"/>
+          </p:nvPr>
+        </p:nvSpPr>
+        <p:spPr>
+          <a:xfrm>
+            <a:off x="8318090" y="758952"/>
+            <a:ext cx="2802194" cy="4041648"/>
+          </a:xfrm>
+        </p:spPr>
+        <p:txBody>
+          <a:bodyPr vert="horz" lIns="91440" tIns="45720" rIns="91440" bIns="45720" rtlCol="0" anchor="b">
+            <a:normAutofit/>
+          </a:bodyPr>
+          <a:lstStyle/>
+          <a:p>
+            <a:pPr>
+              <a:lnSpc>
+                <a:spcPct val="85000"/>
+              </a:lnSpc>
+            </a:pPr>
+            <a:r>
+              <a:rPr lang="en-US" sz="3700">
+                <a:solidFill>
+                  <a:srgbClr val="FFFFFF"/>
+                </a:solidFill>
+                <a:latin typeface="+mj-lt"/>
+              </a:rPr>
+              <a:t>How does Medicare coverage affect</a:t>
+            </a:r>
+            <a:br>
+              <a:rPr lang="en-US" sz="3700">
+                <a:solidFill>
+                  <a:srgbClr val="FFFFFF"/>
+                </a:solidFill>
+                <a:latin typeface="+mj-lt"/>
+              </a:rPr>
+            </a:br>
+            <a:r>
+              <a:rPr lang="en-US" sz="3700" b="1">
+                <a:solidFill>
+                  <a:srgbClr val="FFFFFF"/>
+                </a:solidFill>
+                <a:latin typeface="+mj-lt"/>
+              </a:rPr>
+              <a:t>other quantiles of</a:t>
+            </a:r>
+            <a:r>
+              <a:rPr lang="en-US" sz="3700">
+                <a:solidFill>
+                  <a:srgbClr val="FFFFFF"/>
+                </a:solidFill>
+                <a:latin typeface="+mj-lt"/>
+              </a:rPr>
+              <a:t> spending?</a:t>
+            </a:r>
+          </a:p>
+        </p:txBody>
+      </p:sp>
+      <p:sp>
+        <p:nvSpPr>
+          <p:cNvPr id="4" name="Content Placeholder 3">
+            <a:extLst>
+              <a:ext uri="{FF2B5EF4-FFF2-40B4-BE49-F238E27FC236}">
+                <a16:creationId xmlns:a16="http://schemas.microsoft.com/office/drawing/2014/main" id="{3C3F0C61-3E63-ADC8-9FD5-8A61B211E6C4}"/>
+              </a:ext>
+            </a:extLst>
+          </p:cNvPr>
+          <p:cNvSpPr>
+            <a:spLocks noGrp="1"/>
+          </p:cNvSpPr>
+          <p:nvPr>
+            <p:ph idx="1"/>
+          </p:nvPr>
+        </p:nvSpPr>
+        <p:spPr/>
+        <p:txBody>
+          <a:bodyPr/>
+          <a:lstStyle/>
+          <a:p>
+            <a:endParaRPr lang="en-CA" dirty="0"/>
+          </a:p>
+        </p:txBody>
+      </p:sp>
+      <p:sp>
+        <p:nvSpPr>
+          <p:cNvPr id="5" name="Title 1">
+            <a:extLst>
+              <a:ext uri="{FF2B5EF4-FFF2-40B4-BE49-F238E27FC236}">
+                <a16:creationId xmlns:a16="http://schemas.microsoft.com/office/drawing/2014/main" id="{B02CD3EF-D92A-953A-9D16-6135045952AE}"/>
+              </a:ext>
+            </a:extLst>
+          </p:cNvPr>
+          <p:cNvSpPr txBox="1">
+            <a:spLocks/>
+          </p:cNvSpPr>
+          <p:nvPr/>
+        </p:nvSpPr>
+        <p:spPr>
+          <a:xfrm>
+            <a:off x="609600" y="337392"/>
+            <a:ext cx="10439400" cy="624840"/>
+          </a:xfrm>
+          <a:prstGeom prst="rect">
+            <a:avLst/>
+          </a:prstGeom>
+        </p:spPr>
+        <p:txBody>
+          <a:bodyPr vert="horz" lIns="91440" tIns="45720" rIns="91440" bIns="45720" rtlCol="0" anchor="b">
+            <a:noAutofit/>
+          </a:bodyPr>
+          <a:lstStyle>
+            <a:lvl1pPr algn="l" defTabSz="914400" rtl="0" eaLnBrk="1" latinLnBrk="0" hangingPunct="1">
+              <a:lnSpc>
+                <a:spcPct val="90000"/>
+              </a:lnSpc>
+              <a:spcBef>
+                <a:spcPct val="0"/>
+              </a:spcBef>
+              <a:buNone/>
+              <a:defRPr sz="4400" kern="1200" spc="-50" baseline="0">
+                <a:solidFill>
+                  <a:schemeClr val="tx1"/>
+                </a:solidFill>
+                <a:latin typeface="Times New Roman" panose="02020603050405020304" pitchFamily="18" charset="0"/>
+                <a:ea typeface="+mj-ea"/>
+                <a:cs typeface="+mj-cs"/>
+              </a:defRPr>
+            </a:lvl1pPr>
+          </a:lstStyle>
+          <a:p>
+            <a:r>
+              <a:rPr lang="en-US" sz="3600" dirty="0">
+                <a:cs typeface="Times New Roman" panose="02020603050405020304" pitchFamily="18" charset="0"/>
+              </a:rPr>
+              <a:t>Effect of Medicare on Expenditure: Quantiles</a:t>
+            </a:r>
+          </a:p>
+        </p:txBody>
+      </p:sp>
+      <p:pic>
+        <p:nvPicPr>
+          <p:cNvPr id="8" name="Picture 7">
+            <a:extLst>
+              <a:ext uri="{FF2B5EF4-FFF2-40B4-BE49-F238E27FC236}">
+                <a16:creationId xmlns:a16="http://schemas.microsoft.com/office/drawing/2014/main" id="{4E936F49-9A99-A086-8E59-087C6D1C50AF}"/>
+              </a:ext>
+            </a:extLst>
+          </p:cNvPr>
+          <p:cNvPicPr>
+            <a:picLocks noChangeAspect="1"/>
+          </p:cNvPicPr>
+          <p:nvPr/>
+        </p:nvPicPr>
+        <p:blipFill rotWithShape="1">
+          <a:blip r:embed="rId3"/>
+          <a:srcRect b="51755"/>
+          <a:stretch/>
+        </p:blipFill>
+        <p:spPr>
+          <a:xfrm>
+            <a:off x="609600" y="962232"/>
+            <a:ext cx="10469402" cy="3762168"/>
+          </a:xfrm>
+          <a:prstGeom prst="rect">
+            <a:avLst/>
+          </a:prstGeom>
+        </p:spPr>
+      </p:pic>
+    </p:spTree>
+    <p:extLst>
+      <p:ext uri="{BB962C8B-B14F-4D97-AF65-F5344CB8AC3E}">
+        <p14:creationId xmlns:p14="http://schemas.microsoft.com/office/powerpoint/2010/main" val="1864519306"/>
+      </p:ext>
+    </p:extLst>
+  </p:cSld>
+  <p:clrMapOvr>
+    <a:masterClrMapping/>
+  </p:clrMapOvr>
+</p:sld>
+</file>
+
+<file path=ppt/slides/slide44.xml><?xml version="1.0" encoding="utf-8"?>
+<p:sld xmlns:a="http://schemas.openxmlformats.org/drawingml/2006/main" xmlns:r="http://schemas.openxmlformats.org/officeDocument/2006/relationships" xmlns:p="http://schemas.openxmlformats.org/presentationml/2006/main">
+  <p:cSld>
+    <p:bg>
+      <p:bgPr>
+        <a:solidFill>
+          <a:schemeClr val="bg1"/>
+        </a:solidFill>
+        <a:effectLst/>
+      </p:bgPr>
+    </p:bg>
+    <p:spTree>
+      <p:nvGrpSpPr>
+        <p:cNvPr id="1" name=""/>
+        <p:cNvGrpSpPr/>
+        <p:nvPr/>
+      </p:nvGrpSpPr>
+      <p:grpSpPr>
+        <a:xfrm>
+          <a:off x="0" y="0"/>
+          <a:ext cx="0" cy="0"/>
+          <a:chOff x="0" y="0"/>
+          <a:chExt cx="0" cy="0"/>
+        </a:xfrm>
+      </p:grpSpPr>
+      <p:sp>
+        <p:nvSpPr>
+          <p:cNvPr id="11" name="Rectangle 10">
+            <a:extLst>
+              <a:ext uri="{FF2B5EF4-FFF2-40B4-BE49-F238E27FC236}">
+                <a16:creationId xmlns:a16="http://schemas.microsoft.com/office/drawing/2014/main" id="{5D5E0904-721C-4D68-9EB8-1C9752E329A7}"/>
+              </a:ext>
+              <a:ext uri="{C183D7F6-B498-43B3-948B-1728B52AA6E4}">
+                <adec:decorative xmlns:adec="http://schemas.microsoft.com/office/drawing/2017/decorative" val="1"/>
+              </a:ext>
+            </a:extLst>
+          </p:cNvPr>
+          <p:cNvSpPr>
+            <a:spLocks noGrp="1" noRot="1" noChangeAspect="1" noMove="1" noResize="1" noEditPoints="1" noAdjustHandles="1" noChangeArrowheads="1" noChangeShapeType="1" noTextEdit="1"/>
+          </p:cNvSpPr>
+          <p:nvPr>
+            <p:extLst>
+              <p:ext uri="{386F3935-93C4-4BCD-93E2-E3B085C9AB24}">
+                <p16:designElem xmlns:p16="http://schemas.microsoft.com/office/powerpoint/2015/main" val="1"/>
+              </p:ext>
+            </p:extLst>
+          </p:nvPr>
+        </p:nvSpPr>
+        <p:spPr>
+          <a:xfrm>
+            <a:off x="0" y="0"/>
+            <a:ext cx="457200" cy="6858000"/>
+          </a:xfrm>
+          <a:prstGeom prst="rect">
+            <a:avLst/>
+          </a:prstGeom>
+          <a:solidFill>
+            <a:schemeClr val="accent1"/>
+          </a:solidFill>
+          <a:ln>
+            <a:noFill/>
+          </a:ln>
+        </p:spPr>
+        <p:style>
+          <a:lnRef idx="2">
+            <a:schemeClr val="accent1">
+              <a:shade val="50000"/>
+            </a:schemeClr>
+          </a:lnRef>
+          <a:fillRef idx="1">
+            <a:schemeClr val="accent1"/>
+          </a:fillRef>
+          <a:effectRef idx="0">
+            <a:schemeClr val="accent1"/>
+          </a:effectRef>
+          <a:fontRef idx="minor">
+            <a:schemeClr val="lt1"/>
+          </a:fontRef>
+        </p:style>
+      </p:sp>
+      <p:sp>
+        <p:nvSpPr>
+          <p:cNvPr id="13" name="Rectangle 12">
+            <a:extLst>
+              <a:ext uri="{FF2B5EF4-FFF2-40B4-BE49-F238E27FC236}">
+                <a16:creationId xmlns:a16="http://schemas.microsoft.com/office/drawing/2014/main" id="{7466C88B-B170-4C69-85D3-FD6AD975F9A0}"/>
+              </a:ext>
+              <a:ext uri="{C183D7F6-B498-43B3-948B-1728B52AA6E4}">
+                <adec:decorative xmlns:adec="http://schemas.microsoft.com/office/drawing/2017/decorative" val="1"/>
+              </a:ext>
+            </a:extLst>
+          </p:cNvPr>
+          <p:cNvSpPr>
+            <a:spLocks noGrp="1" noRot="1" noChangeAspect="1" noMove="1" noResize="1" noEditPoints="1" noAdjustHandles="1" noChangeArrowheads="1" noChangeShapeType="1" noTextEdit="1"/>
+          </p:cNvSpPr>
+          <p:nvPr>
+            <p:extLst>
+              <p:ext uri="{386F3935-93C4-4BCD-93E2-E3B085C9AB24}">
+                <p16:designElem xmlns:p16="http://schemas.microsoft.com/office/powerpoint/2015/main" val="1"/>
+              </p:ext>
+            </p:extLst>
+          </p:nvPr>
+        </p:nvSpPr>
+        <p:spPr>
+          <a:xfrm>
+            <a:off x="0" y="-3244"/>
+            <a:ext cx="457200" cy="6858000"/>
+          </a:xfrm>
+          <a:prstGeom prst="rect">
+            <a:avLst/>
+          </a:prstGeom>
+          <a:solidFill>
+            <a:srgbClr val="6F6F74"/>
+          </a:solidFill>
+          <a:ln>
+            <a:noFill/>
+          </a:ln>
+        </p:spPr>
+        <p:style>
+          <a:lnRef idx="2">
+            <a:schemeClr val="accent1">
+              <a:shade val="50000"/>
+            </a:schemeClr>
+          </a:lnRef>
+          <a:fillRef idx="1">
+            <a:schemeClr val="accent1"/>
+          </a:fillRef>
+          <a:effectRef idx="0">
+            <a:schemeClr val="accent1"/>
+          </a:effectRef>
+          <a:fontRef idx="minor">
+            <a:schemeClr val="lt1"/>
+          </a:fontRef>
+        </p:style>
+        <p:txBody>
+          <a:bodyPr rtlCol="0" anchor="ctr"/>
+          <a:lstStyle/>
+          <a:p>
+            <a:pPr algn="ctr"/>
+            <a:endParaRPr lang="en-US"/>
+          </a:p>
+        </p:txBody>
+      </p:sp>
+      <p:sp>
+        <p:nvSpPr>
+          <p:cNvPr id="15" name="Rectangle 14">
+            <a:extLst>
+              <a:ext uri="{FF2B5EF4-FFF2-40B4-BE49-F238E27FC236}">
+                <a16:creationId xmlns:a16="http://schemas.microsoft.com/office/drawing/2014/main" id="{080FE256-DF37-4639-8CB7-2E2F1897AD0F}"/>
+              </a:ext>
+              <a:ext uri="{C183D7F6-B498-43B3-948B-1728B52AA6E4}">
+                <adec:decorative xmlns:adec="http://schemas.microsoft.com/office/drawing/2017/decorative" val="1"/>
+              </a:ext>
+            </a:extLst>
+          </p:cNvPr>
+          <p:cNvSpPr>
+            <a:spLocks noGrp="1" noRot="1" noChangeAspect="1" noMove="1" noResize="1" noEditPoints="1" noAdjustHandles="1" noChangeArrowheads="1" noChangeShapeType="1" noTextEdit="1"/>
+          </p:cNvSpPr>
+          <p:nvPr>
+            <p:extLst>
+              <p:ext uri="{386F3935-93C4-4BCD-93E2-E3B085C9AB24}">
+                <p16:designElem xmlns:p16="http://schemas.microsoft.com/office/powerpoint/2015/main" val="1"/>
+              </p:ext>
+            </p:extLst>
+          </p:nvPr>
+        </p:nvSpPr>
+        <p:spPr>
+          <a:xfrm>
+            <a:off x="457200" y="0"/>
+            <a:ext cx="10835640" cy="6858000"/>
+          </a:xfrm>
+          <a:prstGeom prst="rect">
+            <a:avLst/>
+          </a:prstGeom>
+          <a:solidFill>
+            <a:srgbClr val="353537"/>
+          </a:solidFill>
+          <a:ln>
+            <a:noFill/>
+          </a:ln>
+        </p:spPr>
+        <p:style>
+          <a:lnRef idx="2">
+            <a:schemeClr val="accent1">
+              <a:shade val="50000"/>
+            </a:schemeClr>
+          </a:lnRef>
+          <a:fillRef idx="1">
+            <a:schemeClr val="accent1"/>
+          </a:fillRef>
+          <a:effectRef idx="0">
+            <a:schemeClr val="accent1"/>
+          </a:effectRef>
+          <a:fontRef idx="minor">
+            <a:schemeClr val="lt1"/>
+          </a:fontRef>
+        </p:style>
+      </p:sp>
+      <p:sp>
+        <p:nvSpPr>
+          <p:cNvPr id="2" name="Title 1"/>
+          <p:cNvSpPr>
+            <a:spLocks noGrp="1"/>
+          </p:cNvSpPr>
+          <p:nvPr>
+            <p:ph type="title"/>
+          </p:nvPr>
+        </p:nvSpPr>
+        <p:spPr>
+          <a:xfrm>
+            <a:off x="5522600" y="758952"/>
+            <a:ext cx="5157591" cy="4041648"/>
+          </a:xfrm>
+        </p:spPr>
+        <p:txBody>
+          <a:bodyPr vert="horz" lIns="91440" tIns="45720" rIns="91440" bIns="45720" rtlCol="0" anchor="b">
+            <a:normAutofit/>
+          </a:bodyPr>
+          <a:lstStyle/>
+          <a:p>
+            <a:pPr>
+              <a:lnSpc>
+                <a:spcPct val="85000"/>
+              </a:lnSpc>
+            </a:pPr>
+            <a:r>
+              <a:rPr lang="en-US" sz="5000" dirty="0">
+                <a:solidFill>
+                  <a:srgbClr val="FFFFFF"/>
+                </a:solidFill>
+                <a:latin typeface="+mj-lt"/>
+              </a:rPr>
+              <a:t>What about effects on financial risk?</a:t>
+            </a:r>
+          </a:p>
+        </p:txBody>
+      </p:sp>
+      <p:sp useBgFill="1">
+        <p:nvSpPr>
+          <p:cNvPr id="17" name="Rectangle 16">
+            <a:extLst>
+              <a:ext uri="{FF2B5EF4-FFF2-40B4-BE49-F238E27FC236}">
+                <a16:creationId xmlns:a16="http://schemas.microsoft.com/office/drawing/2014/main" id="{FDD1039A-772C-4213-A092-0D8A9EF4ACAB}"/>
+              </a:ext>
+              <a:ext uri="{C183D7F6-B498-43B3-948B-1728B52AA6E4}">
+                <adec:decorative xmlns:adec="http://schemas.microsoft.com/office/drawing/2017/decorative" val="1"/>
+              </a:ext>
+            </a:extLst>
+          </p:cNvPr>
+          <p:cNvSpPr>
+            <a:spLocks noGrp="1" noRot="1" noChangeAspect="1" noMove="1" noResize="1" noEditPoints="1" noAdjustHandles="1" noChangeArrowheads="1" noChangeShapeType="1" noTextEdit="1"/>
+          </p:cNvSpPr>
+          <p:nvPr>
+            <p:extLst>
+              <p:ext uri="{386F3935-93C4-4BCD-93E2-E3B085C9AB24}">
+                <p16:designElem xmlns:p16="http://schemas.microsoft.com/office/powerpoint/2015/main" val="1"/>
+              </p:ext>
+            </p:extLst>
+          </p:nvPr>
+        </p:nvSpPr>
+        <p:spPr>
+          <a:xfrm>
+            <a:off x="452284" y="0"/>
+            <a:ext cx="4619968" cy="6858000"/>
+          </a:xfrm>
+          <a:prstGeom prst="rect">
+            <a:avLst/>
+          </a:prstGeom>
+          <a:ln>
+            <a:noFill/>
+          </a:ln>
+        </p:spPr>
+        <p:style>
+          <a:lnRef idx="2">
+            <a:schemeClr val="accent1">
+              <a:shade val="50000"/>
+            </a:schemeClr>
+          </a:lnRef>
+          <a:fillRef idx="1">
+            <a:schemeClr val="accent1"/>
+          </a:fillRef>
+          <a:effectRef idx="0">
+            <a:schemeClr val="accent1"/>
+          </a:effectRef>
+          <a:fontRef idx="minor">
+            <a:schemeClr val="lt1"/>
+          </a:fontRef>
+        </p:style>
+        <p:txBody>
+          <a:bodyPr rtlCol="0" anchor="ctr"/>
+          <a:lstStyle/>
+          <a:p>
+            <a:pPr algn="ctr"/>
+            <a:endParaRPr lang="en-US"/>
+          </a:p>
+        </p:txBody>
+      </p:sp>
+      <p:pic>
+        <p:nvPicPr>
+          <p:cNvPr id="6" name="Content Placeholder 5">
+            <a:extLst>
+              <a:ext uri="{FF2B5EF4-FFF2-40B4-BE49-F238E27FC236}">
+                <a16:creationId xmlns:a16="http://schemas.microsoft.com/office/drawing/2014/main" id="{8916A5D2-CED4-4778-0092-EDC7EC9B9DFA}"/>
+              </a:ext>
+            </a:extLst>
+          </p:cNvPr>
+          <p:cNvPicPr>
+            <a:picLocks noGrp="1" noChangeAspect="1"/>
+          </p:cNvPicPr>
+          <p:nvPr>
+            <p:ph idx="1"/>
+          </p:nvPr>
+        </p:nvPicPr>
+        <p:blipFill>
+          <a:blip r:embed="rId3"/>
+          <a:stretch>
+            <a:fillRect/>
+          </a:stretch>
+        </p:blipFill>
+        <p:spPr>
+          <a:xfrm>
+            <a:off x="902987" y="554278"/>
+            <a:ext cx="3718563" cy="5742955"/>
+          </a:xfrm>
+          <a:prstGeom prst="rect">
+            <a:avLst/>
+          </a:prstGeom>
+        </p:spPr>
+      </p:pic>
+      <p:sp>
+        <p:nvSpPr>
+          <p:cNvPr id="19" name="Rectangle 18">
+            <a:extLst>
+              <a:ext uri="{FF2B5EF4-FFF2-40B4-BE49-F238E27FC236}">
+                <a16:creationId xmlns:a16="http://schemas.microsoft.com/office/drawing/2014/main" id="{0B39728D-66CA-4175-956D-FE26F3225678}"/>
+              </a:ext>
+              <a:ext uri="{C183D7F6-B498-43B3-948B-1728B52AA6E4}">
+                <adec:decorative xmlns:adec="http://schemas.microsoft.com/office/drawing/2017/decorative" val="1"/>
+              </a:ext>
+            </a:extLst>
+          </p:cNvPr>
+          <p:cNvSpPr>
+            <a:spLocks noGrp="1" noRot="1" noChangeAspect="1" noMove="1" noResize="1" noEditPoints="1" noAdjustHandles="1" noChangeArrowheads="1" noChangeShapeType="1" noTextEdit="1"/>
+          </p:cNvSpPr>
+          <p:nvPr>
+            <p:extLst>
+              <p:ext uri="{386F3935-93C4-4BCD-93E2-E3B085C9AB24}">
+                <p16:designElem xmlns:p16="http://schemas.microsoft.com/office/powerpoint/2015/main" val="1"/>
+              </p:ext>
+            </p:extLst>
+          </p:nvPr>
+        </p:nvSpPr>
+        <p:spPr>
+          <a:xfrm>
+            <a:off x="11292840" y="0"/>
+            <a:ext cx="899160" cy="6858000"/>
+          </a:xfrm>
+          <a:prstGeom prst="rect">
+            <a:avLst/>
+          </a:prstGeom>
+          <a:solidFill>
+            <a:srgbClr val="353537"/>
+          </a:solidFill>
+          <a:ln>
+            <a:noFill/>
+          </a:ln>
+        </p:spPr>
+        <p:style>
+          <a:lnRef idx="2">
+            <a:schemeClr val="accent1">
+              <a:shade val="50000"/>
+            </a:schemeClr>
+          </a:lnRef>
+          <a:fillRef idx="1">
+            <a:schemeClr val="accent1"/>
+          </a:fillRef>
+          <a:effectRef idx="0">
+            <a:schemeClr val="accent1"/>
+          </a:effectRef>
+          <a:fontRef idx="minor">
+            <a:schemeClr val="lt1"/>
+          </a:fontRef>
+        </p:style>
+        <p:txBody>
+          <a:bodyPr rtlCol="0" anchor="ctr"/>
+          <a:lstStyle/>
+          <a:p>
+            <a:pPr algn="ctr"/>
+            <a:endParaRPr lang="en-US"/>
+          </a:p>
+        </p:txBody>
+      </p:sp>
+    </p:spTree>
+    <p:extLst>
+      <p:ext uri="{BB962C8B-B14F-4D97-AF65-F5344CB8AC3E}">
+        <p14:creationId xmlns:p14="http://schemas.microsoft.com/office/powerpoint/2010/main" val="1640187422"/>
+      </p:ext>
+    </p:extLst>
+  </p:cSld>
+  <p:clrMapOvr>
+    <a:masterClrMapping/>
+  </p:clrMapOvr>
+</p:sld>
+</file>
+
+<file path=ppt/slides/slide45.xml><?xml version="1.0" encoding="utf-8"?>
+<p:sld xmlns:a="http://schemas.openxmlformats.org/drawingml/2006/main" xmlns:r="http://schemas.openxmlformats.org/officeDocument/2006/relationships" xmlns:p="http://schemas.openxmlformats.org/presentationml/2006/main">
+  <p:cSld>
+    <p:spTree>
+      <p:nvGrpSpPr>
+        <p:cNvPr id="1" name=""/>
+        <p:cNvGrpSpPr/>
+        <p:nvPr/>
+      </p:nvGrpSpPr>
+      <p:grpSpPr>
+        <a:xfrm>
+          <a:off x="0" y="0"/>
+          <a:ext cx="0" cy="0"/>
+          <a:chOff x="0" y="0"/>
+          <a:chExt cx="0" cy="0"/>
+        </a:xfrm>
+      </p:grpSpPr>
+      <p:sp>
+        <p:nvSpPr>
+          <p:cNvPr id="2" name="Title 1"/>
+          <p:cNvSpPr>
+            <a:spLocks noGrp="1"/>
+          </p:cNvSpPr>
+          <p:nvPr>
+            <p:ph type="title"/>
+          </p:nvPr>
+        </p:nvSpPr>
+        <p:spPr>
+          <a:xfrm>
+            <a:off x="5522600" y="758952"/>
+            <a:ext cx="5157591" cy="4041648"/>
+          </a:xfrm>
+        </p:spPr>
+        <p:txBody>
+          <a:bodyPr vert="horz" lIns="91440" tIns="45720" rIns="91440" bIns="45720" rtlCol="0" anchor="b">
+            <a:normAutofit/>
+          </a:bodyPr>
+          <a:lstStyle/>
+          <a:p>
+            <a:pPr>
+              <a:lnSpc>
+                <a:spcPct val="85000"/>
+              </a:lnSpc>
+            </a:pPr>
+            <a:r>
+              <a:rPr lang="en-US" sz="5000" dirty="0">
+                <a:solidFill>
+                  <a:srgbClr val="FFFFFF"/>
+                </a:solidFill>
+                <a:latin typeface="+mj-lt"/>
+              </a:rPr>
+              <a:t>What about effects on financial risk?</a:t>
+            </a:r>
+          </a:p>
+        </p:txBody>
+      </p:sp>
+      <p:sp>
+        <p:nvSpPr>
+          <p:cNvPr id="4" name="Content Placeholder 3">
+            <a:extLst>
+              <a:ext uri="{FF2B5EF4-FFF2-40B4-BE49-F238E27FC236}">
+                <a16:creationId xmlns:a16="http://schemas.microsoft.com/office/drawing/2014/main" id="{0FCE5FFF-0A9D-8D6F-D763-CAA05AC648AD}"/>
+              </a:ext>
+            </a:extLst>
+          </p:cNvPr>
+          <p:cNvSpPr>
+            <a:spLocks noGrp="1"/>
+          </p:cNvSpPr>
+          <p:nvPr>
+            <p:ph idx="1"/>
+          </p:nvPr>
+        </p:nvSpPr>
+        <p:spPr/>
+        <p:txBody>
+          <a:bodyPr/>
+          <a:lstStyle/>
+          <a:p>
+            <a:endParaRPr lang="en-CA"/>
+          </a:p>
+        </p:txBody>
+      </p:sp>
+      <p:pic>
+        <p:nvPicPr>
+          <p:cNvPr id="7" name="Picture 6">
+            <a:extLst>
+              <a:ext uri="{FF2B5EF4-FFF2-40B4-BE49-F238E27FC236}">
+                <a16:creationId xmlns:a16="http://schemas.microsoft.com/office/drawing/2014/main" id="{3877F984-B0C2-38F7-F79B-5286BFC3AFBC}"/>
+              </a:ext>
+            </a:extLst>
+          </p:cNvPr>
+          <p:cNvPicPr>
+            <a:picLocks noChangeAspect="1"/>
+          </p:cNvPicPr>
+          <p:nvPr/>
+        </p:nvPicPr>
+        <p:blipFill>
+          <a:blip r:embed="rId3"/>
+          <a:stretch>
+            <a:fillRect/>
+          </a:stretch>
+        </p:blipFill>
+        <p:spPr>
+          <a:xfrm>
+            <a:off x="438913" y="304800"/>
+            <a:ext cx="7848600" cy="6395833"/>
+          </a:xfrm>
+          <a:prstGeom prst="rect">
+            <a:avLst/>
+          </a:prstGeom>
+        </p:spPr>
+      </p:pic>
+    </p:spTree>
+    <p:extLst>
+      <p:ext uri="{BB962C8B-B14F-4D97-AF65-F5344CB8AC3E}">
+        <p14:creationId xmlns:p14="http://schemas.microsoft.com/office/powerpoint/2010/main" val="3960149040"/>
+      </p:ext>
+    </p:extLst>
+  </p:cSld>
+  <p:clrMapOvr>
+    <a:masterClrMapping/>
+  </p:clrMapOvr>
+</p:sld>
+</file>
+
+<file path=ppt/slides/slide46.xml><?xml version="1.0" encoding="utf-8"?>
+<p:sld xmlns:a="http://schemas.openxmlformats.org/drawingml/2006/main" xmlns:r="http://schemas.openxmlformats.org/officeDocument/2006/relationships" xmlns:p="http://schemas.openxmlformats.org/presentationml/2006/main">
+  <p:cSld>
+    <p:spTree>
+      <p:nvGrpSpPr>
+        <p:cNvPr id="1" name=""/>
+        <p:cNvGrpSpPr/>
+        <p:nvPr/>
+      </p:nvGrpSpPr>
+      <p:grpSpPr>
+        <a:xfrm>
+          <a:off x="0" y="0"/>
+          <a:ext cx="0" cy="0"/>
+          <a:chOff x="0" y="0"/>
+          <a:chExt cx="0" cy="0"/>
+        </a:xfrm>
+      </p:grpSpPr>
+      <p:sp>
+        <p:nvSpPr>
+          <p:cNvPr id="2" name="Title 1">
+            <a:extLst>
+              <a:ext uri="{FF2B5EF4-FFF2-40B4-BE49-F238E27FC236}">
+                <a16:creationId xmlns:a16="http://schemas.microsoft.com/office/drawing/2014/main" id="{F6693EDF-660D-4391-A114-A6C54268E445}"/>
+              </a:ext>
+            </a:extLst>
+          </p:cNvPr>
+          <p:cNvSpPr>
+            <a:spLocks noGrp="1"/>
+          </p:cNvSpPr>
+          <p:nvPr>
+            <p:ph type="ctrTitle"/>
+          </p:nvPr>
+        </p:nvSpPr>
+        <p:spPr>
+          <a:xfrm>
+            <a:off x="1261872" y="758952"/>
+            <a:ext cx="10549128" cy="4041648"/>
+          </a:xfrm>
+        </p:spPr>
+        <p:txBody>
+          <a:bodyPr/>
+          <a:lstStyle/>
+          <a:p>
+            <a:r>
+              <a:rPr lang="en-US" dirty="0"/>
+              <a:t>Nonparametric and </a:t>
+            </a:r>
+            <a:br>
+              <a:rPr lang="en-US" dirty="0"/>
+            </a:br>
+            <a:r>
+              <a:rPr lang="en-US" dirty="0"/>
+              <a:t>Conditional Density Estimation</a:t>
+            </a:r>
+          </a:p>
+        </p:txBody>
+      </p:sp>
+      <p:sp>
+        <p:nvSpPr>
+          <p:cNvPr id="3" name="Subtitle 2">
+            <a:extLst>
+              <a:ext uri="{FF2B5EF4-FFF2-40B4-BE49-F238E27FC236}">
+                <a16:creationId xmlns:a16="http://schemas.microsoft.com/office/drawing/2014/main" id="{9A7FADE3-4D7C-4B3A-B023-71CD85AECCCB}"/>
+              </a:ext>
+            </a:extLst>
+          </p:cNvPr>
+          <p:cNvSpPr>
+            <a:spLocks noGrp="1"/>
+          </p:cNvSpPr>
+          <p:nvPr>
+            <p:ph type="subTitle" idx="1"/>
+          </p:nvPr>
+        </p:nvSpPr>
+        <p:spPr/>
+        <p:txBody>
+          <a:bodyPr/>
+          <a:lstStyle/>
+          <a:p>
+            <a:endParaRPr lang="en-US"/>
+          </a:p>
+        </p:txBody>
+      </p:sp>
+    </p:spTree>
+    <p:extLst>
+      <p:ext uri="{BB962C8B-B14F-4D97-AF65-F5344CB8AC3E}">
+        <p14:creationId xmlns:p14="http://schemas.microsoft.com/office/powerpoint/2010/main" val="1548548980"/>
+      </p:ext>
+    </p:extLst>
+  </p:cSld>
+  <p:clrMapOvr>
+    <a:masterClrMapping/>
+  </p:clrMapOvr>
+</p:sld>
+</file>
+
+<file path=ppt/slides/slide47.xml><?xml version="1.0" encoding="utf-8"?>
+<p:sld xmlns:a="http://schemas.openxmlformats.org/drawingml/2006/main" xmlns:r="http://schemas.openxmlformats.org/officeDocument/2006/relationships" xmlns:p="http://schemas.openxmlformats.org/presentationml/2006/main">
+  <p:cSld>
+    <p:spTree>
+      <p:nvGrpSpPr>
+        <p:cNvPr id="1" name=""/>
+        <p:cNvGrpSpPr/>
+        <p:nvPr/>
+      </p:nvGrpSpPr>
+      <p:grpSpPr>
+        <a:xfrm>
+          <a:off x="0" y="0"/>
+          <a:ext cx="0" cy="0"/>
+          <a:chOff x="0" y="0"/>
+          <a:chExt cx="0" cy="0"/>
+        </a:xfrm>
+      </p:grpSpPr>
+      <p:sp>
+        <p:nvSpPr>
+          <p:cNvPr id="2" name="Title 1"/>
+          <p:cNvSpPr>
+            <a:spLocks noGrp="1"/>
+          </p:cNvSpPr>
+          <p:nvPr>
+            <p:ph type="title"/>
+          </p:nvPr>
+        </p:nvSpPr>
+        <p:spPr>
+          <a:xfrm>
+            <a:off x="609600" y="337392"/>
+            <a:ext cx="10439400" cy="624840"/>
+          </a:xfrm>
+        </p:spPr>
+        <p:txBody>
+          <a:bodyPr>
+            <a:noAutofit/>
+          </a:bodyPr>
+          <a:lstStyle/>
+          <a:p>
+            <a:r>
+              <a:rPr lang="en-US" sz="3600" dirty="0">
+                <a:cs typeface="Times New Roman" panose="02020603050405020304" pitchFamily="18" charset="0"/>
+              </a:rPr>
+              <a:t>Nonparametric Estimation (an introduction)</a:t>
+            </a:r>
+            <a:endParaRPr lang="en-US" sz="3600" dirty="0">
+              <a:latin typeface="Times New Roman" panose="02020603050405020304" pitchFamily="18" charset="0"/>
+              <a:cs typeface="Times New Roman" panose="02020603050405020304" pitchFamily="18" charset="0"/>
+            </a:endParaRPr>
+          </a:p>
+        </p:txBody>
+      </p:sp>
+      <mc:AlternateContent xmlns:mc="http://schemas.openxmlformats.org/markup-compatibility/2006">
+        <mc:Choice xmlns:a14="http://schemas.microsoft.com/office/drawing/2010/main" Requires="a14">
           <p:sp>
             <p:nvSpPr>
               <p:cNvPr id="3" name="Content Placeholder 2"/>
@@ -17174,8 +20037,8 @@
             </p:nvSpPr>
             <p:spPr>
               <a:xfrm>
-                <a:off x="1219199" y="1066801"/>
-                <a:ext cx="9405791" cy="5141388"/>
+                <a:off x="609601" y="1066801"/>
+                <a:ext cx="10015390" cy="5141388"/>
               </a:xfrm>
             </p:spPr>
             <p:txBody>
@@ -17506,7 +20369,7 @@
             </p:txBody>
           </p:sp>
         </mc:Choice>
-        <mc:Fallback xmlns="">
+        <mc:Fallback>
           <p:sp>
             <p:nvSpPr>
               <p:cNvPr id="3" name="Content Placeholder 2"/>
@@ -17519,13 +20382,13 @@
             </p:nvSpPr>
             <p:spPr>
               <a:xfrm>
-                <a:off x="1219199" y="1066801"/>
-                <a:ext cx="9405791" cy="5141388"/>
+                <a:off x="609601" y="1066801"/>
+                <a:ext cx="10015390" cy="5141388"/>
               </a:xfrm>
               <a:blipFill>
                 <a:blip r:embed="rId3"/>
                 <a:stretch>
-                  <a:fillRect l="-972" t="-1305"/>
+                  <a:fillRect l="-913" t="-1305"/>
                 </a:stretch>
               </a:blipFill>
             </p:spPr>
@@ -17534,7 +20397,7 @@
               <a:lstStyle/>
               <a:p>
                 <a:r>
-                  <a:rPr lang="en-US">
+                  <a:rPr lang="en-CA">
                     <a:noFill/>
                   </a:rPr>
                   <a:t> </a:t>
@@ -17557,7 +20420,7 @@
 </p:sld>
 </file>
 
-<file path=ppt/slides/slide41.xml><?xml version="1.0" encoding="utf-8"?>
+<file path=ppt/slides/slide48.xml><?xml version="1.0" encoding="utf-8"?>
 <p:sld xmlns:a="http://schemas.openxmlformats.org/drawingml/2006/main" xmlns:r="http://schemas.openxmlformats.org/officeDocument/2006/relationships" xmlns:p="http://schemas.openxmlformats.org/presentationml/2006/main">
   <p:cSld>
     <p:spTree>
@@ -17609,8 +20472,8 @@
           </a:p>
         </p:txBody>
       </p:sp>
-      <mc:AlternateContent xmlns:mc="http://schemas.openxmlformats.org/markup-compatibility/2006" xmlns:a14="http://schemas.microsoft.com/office/drawing/2010/main">
-        <mc:Choice Requires="a14">
+      <mc:AlternateContent xmlns:mc="http://schemas.openxmlformats.org/markup-compatibility/2006">
+        <mc:Choice xmlns:a14="http://schemas.microsoft.com/office/drawing/2010/main" Requires="a14">
           <p:sp>
             <p:nvSpPr>
               <p:cNvPr id="3" name="Content Placeholder 2"/>
@@ -17623,8 +20486,8 @@
             </p:nvSpPr>
             <p:spPr>
               <a:xfrm>
-                <a:off x="1219199" y="1066801"/>
-                <a:ext cx="9405791" cy="5141388"/>
+                <a:off x="609601" y="1066801"/>
+                <a:ext cx="10015390" cy="5141388"/>
               </a:xfrm>
             </p:spPr>
             <p:txBody>
@@ -18032,7 +20895,7 @@
             </p:txBody>
           </p:sp>
         </mc:Choice>
-        <mc:Fallback xmlns="">
+        <mc:Fallback>
           <p:sp>
             <p:nvSpPr>
               <p:cNvPr id="3" name="Content Placeholder 2"/>
@@ -18045,13 +20908,13 @@
             </p:nvSpPr>
             <p:spPr>
               <a:xfrm>
-                <a:off x="1219199" y="1066801"/>
-                <a:ext cx="9405791" cy="5141388"/>
+                <a:off x="609601" y="1066801"/>
+                <a:ext cx="10015390" cy="5141388"/>
               </a:xfrm>
               <a:blipFill>
                 <a:blip r:embed="rId3"/>
                 <a:stretch>
-                  <a:fillRect l="-972" t="-1305"/>
+                  <a:fillRect l="-913" t="-1305"/>
                 </a:stretch>
               </a:blipFill>
             </p:spPr>
@@ -18060,7 +20923,7 @@
               <a:lstStyle/>
               <a:p>
                 <a:r>
-                  <a:rPr lang="en-US">
+                  <a:rPr lang="en-CA">
                     <a:noFill/>
                   </a:rPr>
                   <a:t> </a:t>
@@ -18083,7 +20946,7 @@
 </p:sld>
 </file>
 
-<file path=ppt/slides/slide42.xml><?xml version="1.0" encoding="utf-8"?>
+<file path=ppt/slides/slide49.xml><?xml version="1.0" encoding="utf-8"?>
 <p:sld xmlns:a="http://schemas.openxmlformats.org/drawingml/2006/main" xmlns:r="http://schemas.openxmlformats.org/officeDocument/2006/relationships" xmlns:p="http://schemas.openxmlformats.org/presentationml/2006/main">
   <p:cSld>
     <p:spTree>
@@ -18135,8 +20998,8 @@
           </a:p>
         </p:txBody>
       </p:sp>
-      <mc:AlternateContent xmlns:mc="http://schemas.openxmlformats.org/markup-compatibility/2006" xmlns:a14="http://schemas.microsoft.com/office/drawing/2010/main">
-        <mc:Choice Requires="a14">
+      <mc:AlternateContent xmlns:mc="http://schemas.openxmlformats.org/markup-compatibility/2006">
+        <mc:Choice xmlns:a14="http://schemas.microsoft.com/office/drawing/2010/main" Requires="a14">
           <p:sp>
             <p:nvSpPr>
               <p:cNvPr id="3" name="Content Placeholder 2"/>
@@ -18149,8 +21012,8 @@
             </p:nvSpPr>
             <p:spPr>
               <a:xfrm>
-                <a:off x="762001" y="1066801"/>
-                <a:ext cx="9862990" cy="5141388"/>
+                <a:off x="609600" y="1066801"/>
+                <a:ext cx="10015391" cy="5141388"/>
               </a:xfrm>
             </p:spPr>
             <p:txBody>
@@ -18993,7 +21856,7 @@
             </p:txBody>
           </p:sp>
         </mc:Choice>
-        <mc:Fallback xmlns="">
+        <mc:Fallback>
           <p:sp>
             <p:nvSpPr>
               <p:cNvPr id="3" name="Content Placeholder 2"/>
@@ -19006,13 +21869,13 @@
             </p:nvSpPr>
             <p:spPr>
               <a:xfrm>
-                <a:off x="762001" y="1066801"/>
-                <a:ext cx="9862990" cy="5141388"/>
+                <a:off x="609600" y="1066801"/>
+                <a:ext cx="10015391" cy="5141388"/>
               </a:xfrm>
               <a:blipFill>
                 <a:blip r:embed="rId3"/>
                 <a:stretch>
-                  <a:fillRect l="-433" t="-1305" r="-1112"/>
+                  <a:fillRect l="-426" t="-1305"/>
                 </a:stretch>
               </a:blipFill>
             </p:spPr>
@@ -19021,7 +21884,7 @@
               <a:lstStyle/>
               <a:p>
                 <a:r>
-                  <a:rPr lang="en-US">
+                  <a:rPr lang="en-CA">
                     <a:noFill/>
                   </a:rPr>
                   <a:t> </a:t>
@@ -19091,7 +21954,481 @@
 </p:sld>
 </file>
 
-<file path=ppt/slides/slide43.xml><?xml version="1.0" encoding="utf-8"?>
+<file path=ppt/slides/slide5.xml><?xml version="1.0" encoding="utf-8"?>
+<p:sld xmlns:a="http://schemas.openxmlformats.org/drawingml/2006/main" xmlns:r="http://schemas.openxmlformats.org/officeDocument/2006/relationships" xmlns:p="http://schemas.openxmlformats.org/presentationml/2006/main">
+  <p:cSld>
+    <p:spTree>
+      <p:nvGrpSpPr>
+        <p:cNvPr id="1" name=""/>
+        <p:cNvGrpSpPr/>
+        <p:nvPr/>
+      </p:nvGrpSpPr>
+      <p:grpSpPr>
+        <a:xfrm>
+          <a:off x="0" y="0"/>
+          <a:ext cx="0" cy="0"/>
+          <a:chOff x="0" y="0"/>
+          <a:chExt cx="0" cy="0"/>
+        </a:xfrm>
+      </p:grpSpPr>
+      <p:sp>
+        <p:nvSpPr>
+          <p:cNvPr id="2" name="Title 1"/>
+          <p:cNvSpPr>
+            <a:spLocks noGrp="1"/>
+          </p:cNvSpPr>
+          <p:nvPr>
+            <p:ph type="title"/>
+          </p:nvPr>
+        </p:nvSpPr>
+        <p:spPr>
+          <a:xfrm>
+            <a:off x="609600" y="337392"/>
+            <a:ext cx="10439400" cy="624840"/>
+          </a:xfrm>
+        </p:spPr>
+        <p:txBody>
+          <a:bodyPr>
+            <a:noAutofit/>
+          </a:bodyPr>
+          <a:lstStyle/>
+          <a:p>
+            <a:r>
+              <a:rPr lang="en-US" sz="3600" dirty="0">
+                <a:cs typeface="Times New Roman" panose="02020603050405020304" pitchFamily="18" charset="0"/>
+              </a:rPr>
+              <a:t>What are we </a:t>
+            </a:r>
+            <a:r>
+              <a:rPr lang="en-US" sz="3600" dirty="0" err="1">
+                <a:cs typeface="Times New Roman" panose="02020603050405020304" pitchFamily="18" charset="0"/>
+              </a:rPr>
+              <a:t>DIDing</a:t>
+            </a:r>
+            <a:r>
+              <a:rPr lang="en-US" sz="3600" dirty="0">
+                <a:cs typeface="Times New Roman" panose="02020603050405020304" pitchFamily="18" charset="0"/>
+              </a:rPr>
+              <a:t>? </a:t>
+            </a:r>
+            <a:endParaRPr lang="en-US" sz="3600" dirty="0">
+              <a:latin typeface="Times New Roman" panose="02020603050405020304" pitchFamily="18" charset="0"/>
+              <a:cs typeface="Times New Roman" panose="02020603050405020304" pitchFamily="18" charset="0"/>
+            </a:endParaRPr>
+          </a:p>
+        </p:txBody>
+      </p:sp>
+      <mc:AlternateContent xmlns:mc="http://schemas.openxmlformats.org/markup-compatibility/2006" xmlns:a14="http://schemas.microsoft.com/office/drawing/2010/main">
+        <mc:Choice Requires="a14">
+          <p:sp>
+            <p:nvSpPr>
+              <p:cNvPr id="3" name="Content Placeholder 2"/>
+              <p:cNvSpPr>
+                <a:spLocks noGrp="1"/>
+              </p:cNvSpPr>
+              <p:nvPr>
+                <p:ph idx="1"/>
+              </p:nvPr>
+            </p:nvSpPr>
+            <p:spPr>
+              <a:xfrm>
+                <a:off x="1219199" y="1066801"/>
+                <a:ext cx="9601201" cy="5141388"/>
+              </a:xfrm>
+            </p:spPr>
+            <p:txBody>
+              <a:bodyPr>
+                <a:noAutofit/>
+              </a:bodyPr>
+              <a:lstStyle/>
+              <a:p>
+                <a:r>
+                  <a:rPr lang="en-US" sz="2400" dirty="0">
+                    <a:cs typeface="Times New Roman" panose="02020603050405020304" pitchFamily="18" charset="0"/>
+                  </a:rPr>
+                  <a:t>Typical DID framework is a way to use </a:t>
+                </a:r>
+                <a:r>
+                  <a:rPr lang="en-US" sz="2400" b="1" dirty="0">
+                    <a:solidFill>
+                      <a:schemeClr val="accent2">
+                        <a:lumMod val="75000"/>
+                      </a:schemeClr>
+                    </a:solidFill>
+                    <a:cs typeface="Times New Roman" panose="02020603050405020304" pitchFamily="18" charset="0"/>
+                  </a:rPr>
+                  <a:t>observational data </a:t>
+                </a:r>
+                <a:r>
+                  <a:rPr lang="en-US" sz="2400" dirty="0">
+                    <a:cs typeface="Times New Roman" panose="02020603050405020304" pitchFamily="18" charset="0"/>
+                  </a:rPr>
+                  <a:t>to examine </a:t>
+                </a:r>
+                <a:r>
+                  <a:rPr lang="en-US" sz="2400" b="1" dirty="0">
+                    <a:solidFill>
+                      <a:schemeClr val="accent3">
+                        <a:lumMod val="75000"/>
+                      </a:schemeClr>
+                    </a:solidFill>
+                    <a:cs typeface="Times New Roman" panose="02020603050405020304" pitchFamily="18" charset="0"/>
+                  </a:rPr>
+                  <a:t>potential outcomes</a:t>
+                </a:r>
+              </a:p>
+              <a:p>
+                <a:r>
+                  <a:rPr lang="en-US" sz="2400" dirty="0">
+                    <a:cs typeface="Times New Roman" panose="02020603050405020304" pitchFamily="18" charset="0"/>
+                  </a:rPr>
+                  <a:t>We would like to have: </a:t>
+                </a:r>
+              </a:p>
+              <a:p>
+                <a:pPr marL="0" indent="0">
+                  <a:buNone/>
+                </a:pPr>
+                <a14:m>
+                  <m:oMathPara xmlns:m="http://schemas.openxmlformats.org/officeDocument/2006/math">
+                    <m:oMathParaPr>
+                      <m:jc m:val="centerGroup"/>
+                    </m:oMathParaPr>
+                    <m:oMath xmlns:m="http://schemas.openxmlformats.org/officeDocument/2006/math">
+                      <m:sSub>
+                        <m:sSubPr>
+                          <m:ctrlPr>
+                            <a:rPr lang="en-US" sz="2400" b="0" i="1" smtClean="0">
+                              <a:latin typeface="Cambria Math" panose="02040503050406030204" pitchFamily="18" charset="0"/>
+                              <a:cs typeface="Times New Roman" panose="02020603050405020304" pitchFamily="18" charset="0"/>
+                            </a:rPr>
+                          </m:ctrlPr>
+                        </m:sSubPr>
+                        <m:e>
+                          <m:r>
+                            <a:rPr lang="en-US" sz="2400" b="0" i="1" smtClean="0">
+                              <a:latin typeface="Cambria Math" panose="02040503050406030204" pitchFamily="18" charset="0"/>
+                              <a:cs typeface="Times New Roman" panose="02020603050405020304" pitchFamily="18" charset="0"/>
+                            </a:rPr>
+                            <m:t>𝛿</m:t>
+                          </m:r>
+                        </m:e>
+                        <m:sub>
+                          <m:r>
+                            <a:rPr lang="en-US" sz="2400" b="0" i="1" smtClean="0">
+                              <a:latin typeface="Cambria Math" panose="02040503050406030204" pitchFamily="18" charset="0"/>
+                              <a:cs typeface="Times New Roman" panose="02020603050405020304" pitchFamily="18" charset="0"/>
+                            </a:rPr>
+                            <m:t>𝑖𝑡</m:t>
+                          </m:r>
+                        </m:sub>
+                      </m:sSub>
+                      <m:r>
+                        <a:rPr lang="en-US" sz="2400" b="0" i="1" smtClean="0">
+                          <a:latin typeface="Cambria Math" panose="02040503050406030204" pitchFamily="18" charset="0"/>
+                          <a:cs typeface="Times New Roman" panose="02020603050405020304" pitchFamily="18" charset="0"/>
+                        </a:rPr>
+                        <m:t>=</m:t>
+                      </m:r>
+                      <m:sSubSup>
+                        <m:sSubSupPr>
+                          <m:ctrlPr>
+                            <a:rPr lang="en-US" sz="2400" b="0" i="1" smtClean="0">
+                              <a:latin typeface="Cambria Math" panose="02040503050406030204" pitchFamily="18" charset="0"/>
+                              <a:cs typeface="Times New Roman" panose="02020603050405020304" pitchFamily="18" charset="0"/>
+                            </a:rPr>
+                          </m:ctrlPr>
+                        </m:sSubSupPr>
+                        <m:e>
+                          <m:r>
+                            <a:rPr lang="en-US" sz="2400" b="0" i="1" smtClean="0">
+                              <a:latin typeface="Cambria Math" panose="02040503050406030204" pitchFamily="18" charset="0"/>
+                              <a:cs typeface="Times New Roman" panose="02020603050405020304" pitchFamily="18" charset="0"/>
+                            </a:rPr>
+                            <m:t>𝑌</m:t>
+                          </m:r>
+                        </m:e>
+                        <m:sub>
+                          <m:r>
+                            <a:rPr lang="en-US" sz="2400" b="0" i="1" smtClean="0">
+                              <a:latin typeface="Cambria Math" panose="02040503050406030204" pitchFamily="18" charset="0"/>
+                              <a:cs typeface="Times New Roman" panose="02020603050405020304" pitchFamily="18" charset="0"/>
+                            </a:rPr>
+                            <m:t>𝑖𝑡</m:t>
+                          </m:r>
+                        </m:sub>
+                        <m:sup>
+                          <m:r>
+                            <a:rPr lang="en-US" sz="2400" b="0" i="1" smtClean="0">
+                              <a:latin typeface="Cambria Math" panose="02040503050406030204" pitchFamily="18" charset="0"/>
+                              <a:cs typeface="Times New Roman" panose="02020603050405020304" pitchFamily="18" charset="0"/>
+                            </a:rPr>
+                            <m:t>1</m:t>
+                          </m:r>
+                        </m:sup>
+                      </m:sSubSup>
+                      <m:r>
+                        <a:rPr lang="en-US" sz="2400" b="0" i="1" smtClean="0">
+                          <a:latin typeface="Cambria Math" panose="02040503050406030204" pitchFamily="18" charset="0"/>
+                          <a:cs typeface="Times New Roman" panose="02020603050405020304" pitchFamily="18" charset="0"/>
+                        </a:rPr>
+                        <m:t>−</m:t>
+                      </m:r>
+                      <m:sSubSup>
+                        <m:sSubSupPr>
+                          <m:ctrlPr>
+                            <a:rPr lang="en-US" sz="2400" b="0" i="1" smtClean="0">
+                              <a:latin typeface="Cambria Math" panose="02040503050406030204" pitchFamily="18" charset="0"/>
+                              <a:cs typeface="Times New Roman" panose="02020603050405020304" pitchFamily="18" charset="0"/>
+                            </a:rPr>
+                          </m:ctrlPr>
+                        </m:sSubSupPr>
+                        <m:e>
+                          <m:r>
+                            <a:rPr lang="en-US" sz="2400" b="0" i="1" smtClean="0">
+                              <a:latin typeface="Cambria Math" panose="02040503050406030204" pitchFamily="18" charset="0"/>
+                              <a:cs typeface="Times New Roman" panose="02020603050405020304" pitchFamily="18" charset="0"/>
+                            </a:rPr>
+                            <m:t>𝑌</m:t>
+                          </m:r>
+                        </m:e>
+                        <m:sub>
+                          <m:r>
+                            <a:rPr lang="en-US" sz="2400" b="0" i="1" smtClean="0">
+                              <a:latin typeface="Cambria Math" panose="02040503050406030204" pitchFamily="18" charset="0"/>
+                              <a:cs typeface="Times New Roman" panose="02020603050405020304" pitchFamily="18" charset="0"/>
+                            </a:rPr>
+                            <m:t>𝑖𝑡</m:t>
+                          </m:r>
+                        </m:sub>
+                        <m:sup>
+                          <m:r>
+                            <a:rPr lang="en-US" sz="2400" b="0" i="1" smtClean="0">
+                              <a:latin typeface="Cambria Math" panose="02040503050406030204" pitchFamily="18" charset="0"/>
+                              <a:cs typeface="Times New Roman" panose="02020603050405020304" pitchFamily="18" charset="0"/>
+                            </a:rPr>
+                            <m:t>0</m:t>
+                          </m:r>
+                        </m:sup>
+                      </m:sSubSup>
+                    </m:oMath>
+                  </m:oMathPara>
+                </a14:m>
+                <a:endParaRPr lang="en-US" sz="2400" dirty="0">
+                  <a:cs typeface="Times New Roman" panose="02020603050405020304" pitchFamily="18" charset="0"/>
+                </a:endParaRPr>
+              </a:p>
+              <a:p>
+                <a:r>
+                  <a:rPr lang="en-US" sz="2400" dirty="0">
+                    <a:cs typeface="Times New Roman" panose="02020603050405020304" pitchFamily="18" charset="0"/>
+                  </a:rPr>
+                  <a:t>When </a:t>
+                </a:r>
+                <a14:m>
+                  <m:oMath xmlns:m="http://schemas.openxmlformats.org/officeDocument/2006/math">
+                    <m:sSubSup>
+                      <m:sSubSupPr>
+                        <m:ctrlPr>
+                          <a:rPr lang="en-US" sz="2400" b="0" i="1" smtClean="0">
+                            <a:latin typeface="Cambria Math" panose="02040503050406030204" pitchFamily="18" charset="0"/>
+                            <a:cs typeface="Times New Roman" panose="02020603050405020304" pitchFamily="18" charset="0"/>
+                          </a:rPr>
+                        </m:ctrlPr>
+                      </m:sSubSupPr>
+                      <m:e>
+                        <m:r>
+                          <a:rPr lang="en-US" sz="2400" b="0" i="1" smtClean="0">
+                            <a:latin typeface="Cambria Math" panose="02040503050406030204" pitchFamily="18" charset="0"/>
+                            <a:cs typeface="Times New Roman" panose="02020603050405020304" pitchFamily="18" charset="0"/>
+                          </a:rPr>
+                          <m:t>𝑌</m:t>
+                        </m:r>
+                      </m:e>
+                      <m:sub>
+                        <m:r>
+                          <a:rPr lang="en-US" sz="2400" b="0" i="1" smtClean="0">
+                            <a:latin typeface="Cambria Math" panose="02040503050406030204" pitchFamily="18" charset="0"/>
+                            <a:cs typeface="Times New Roman" panose="02020603050405020304" pitchFamily="18" charset="0"/>
+                          </a:rPr>
+                          <m:t>𝑖𝑡</m:t>
+                        </m:r>
+                      </m:sub>
+                      <m:sup>
+                        <m:r>
+                          <a:rPr lang="en-US" sz="2400" b="0" i="1" smtClean="0">
+                            <a:latin typeface="Cambria Math" panose="02040503050406030204" pitchFamily="18" charset="0"/>
+                            <a:cs typeface="Times New Roman" panose="02020603050405020304" pitchFamily="18" charset="0"/>
+                          </a:rPr>
+                          <m:t>0</m:t>
+                        </m:r>
+                      </m:sup>
+                    </m:sSubSup>
+                  </m:oMath>
+                </a14:m>
+                <a:r>
+                  <a:rPr lang="en-US" sz="2400" dirty="0">
+                    <a:cs typeface="Times New Roman" panose="02020603050405020304" pitchFamily="18" charset="0"/>
+                  </a:rPr>
+                  <a:t> is unobserved, we </a:t>
+                </a:r>
+                <a:r>
+                  <a:rPr lang="en-US" sz="2400" u="sng" dirty="0">
+                    <a:cs typeface="Times New Roman" panose="02020603050405020304" pitchFamily="18" charset="0"/>
+                  </a:rPr>
+                  <a:t>proxy it</a:t>
+                </a:r>
+                <a:r>
+                  <a:rPr lang="en-US" sz="2400" b="1" dirty="0">
+                    <a:cs typeface="Times New Roman" panose="02020603050405020304" pitchFamily="18" charset="0"/>
+                  </a:rPr>
+                  <a:t> </a:t>
+                </a:r>
+                <a:r>
+                  <a:rPr lang="en-US" sz="2400" dirty="0">
+                    <a:cs typeface="Times New Roman" panose="02020603050405020304" pitchFamily="18" charset="0"/>
+                  </a:rPr>
+                  <a:t>with a </a:t>
+                </a:r>
+                <a:r>
+                  <a:rPr lang="en-US" sz="2400" dirty="0">
+                    <a:solidFill>
+                      <a:schemeClr val="accent2">
+                        <a:lumMod val="75000"/>
+                      </a:schemeClr>
+                    </a:solidFill>
+                    <a:cs typeface="Times New Roman" panose="02020603050405020304" pitchFamily="18" charset="0"/>
+                  </a:rPr>
+                  <a:t>control group </a:t>
+                </a:r>
+              </a:p>
+              <a:p>
+                <a:r>
+                  <a:rPr lang="en-US" sz="2400" dirty="0">
+                    <a:cs typeface="Times New Roman" panose="02020603050405020304" pitchFamily="18" charset="0"/>
+                  </a:rPr>
+                  <a:t>But are we limited to the control groups we observe?</a:t>
+                </a:r>
+              </a:p>
+              <a:p>
+                <a:pPr marL="0" indent="0">
+                  <a:buNone/>
+                </a:pPr>
+                <a:r>
+                  <a:rPr lang="en-US" sz="2400" dirty="0">
+                    <a:cs typeface="Times New Roman" panose="02020603050405020304" pitchFamily="18" charset="0"/>
+                  </a:rPr>
+                  <a:t>Synthetic controls uses </a:t>
+                </a:r>
+                <a:r>
+                  <a:rPr lang="en-US" sz="2400" b="1" dirty="0">
+                    <a:cs typeface="Times New Roman" panose="02020603050405020304" pitchFamily="18" charset="0"/>
+                  </a:rPr>
+                  <a:t>weighted averages of units </a:t>
+                </a:r>
+                <a:r>
+                  <a:rPr lang="en-US" sz="2400" dirty="0">
+                    <a:cs typeface="Times New Roman" panose="02020603050405020304" pitchFamily="18" charset="0"/>
+                  </a:rPr>
+                  <a:t>to construct: </a:t>
+                </a:r>
+              </a:p>
+              <a:p>
+                <a:r>
+                  <a:rPr lang="en-US" sz="2400" dirty="0">
+                    <a:cs typeface="Times New Roman" panose="02020603050405020304" pitchFamily="18" charset="0"/>
+                  </a:rPr>
+                  <a:t>A suitable counterfactual to treated group</a:t>
+                </a:r>
+              </a:p>
+              <a:p>
+                <a:r>
+                  <a:rPr lang="en-US" sz="2400" dirty="0">
+                    <a:cs typeface="Times New Roman" panose="02020603050405020304" pitchFamily="18" charset="0"/>
+                  </a:rPr>
+                  <a:t>Think of this as matching + parallel trends assumption </a:t>
+                </a:r>
+              </a:p>
+              <a:p>
+                <a:r>
+                  <a:rPr lang="en-US" sz="2400" dirty="0">
+                    <a:cs typeface="Times New Roman" panose="02020603050405020304" pitchFamily="18" charset="0"/>
+                  </a:rPr>
+                  <a:t>The weighted average may be a </a:t>
+                </a:r>
+                <a:r>
+                  <a:rPr lang="en-US" sz="2400" b="1" dirty="0">
+                    <a:cs typeface="Times New Roman" panose="02020603050405020304" pitchFamily="18" charset="0"/>
+                  </a:rPr>
+                  <a:t>superior control group </a:t>
+                </a:r>
+                <a:r>
+                  <a:rPr lang="en-US" sz="2400" dirty="0">
+                    <a:cs typeface="Times New Roman" panose="02020603050405020304" pitchFamily="18" charset="0"/>
+                  </a:rPr>
+                  <a:t>than any one unit</a:t>
+                </a:r>
+              </a:p>
+              <a:p>
+                <a:endParaRPr lang="en-US" sz="2400" dirty="0">
+                  <a:cs typeface="Times New Roman" panose="02020603050405020304" pitchFamily="18" charset="0"/>
+                </a:endParaRPr>
+              </a:p>
+            </p:txBody>
+          </p:sp>
+        </mc:Choice>
+        <mc:Fallback xmlns="">
+          <p:sp>
+            <p:nvSpPr>
+              <p:cNvPr id="3" name="Content Placeholder 2"/>
+              <p:cNvSpPr>
+                <a:spLocks noGrp="1" noRot="1" noChangeAspect="1" noMove="1" noResize="1" noEditPoints="1" noAdjustHandles="1" noChangeArrowheads="1" noChangeShapeType="1" noTextEdit="1"/>
+              </p:cNvSpPr>
+              <p:nvPr>
+                <p:ph idx="1"/>
+              </p:nvPr>
+            </p:nvSpPr>
+            <p:spPr>
+              <a:xfrm>
+                <a:off x="1219199" y="1066801"/>
+                <a:ext cx="9601201" cy="5141388"/>
+              </a:xfrm>
+              <a:blipFill>
+                <a:blip r:embed="rId3"/>
+                <a:stretch>
+                  <a:fillRect l="-952" t="-1305" b="-1186"/>
+                </a:stretch>
+              </a:blipFill>
+            </p:spPr>
+            <p:txBody>
+              <a:bodyPr/>
+              <a:lstStyle/>
+              <a:p>
+                <a:r>
+                  <a:rPr lang="en-US">
+                    <a:noFill/>
+                  </a:rPr>
+                  <a:t> </a:t>
+                </a:r>
+              </a:p>
+            </p:txBody>
+          </p:sp>
+        </mc:Fallback>
+      </mc:AlternateContent>
+    </p:spTree>
+    <p:extLst>
+      <p:ext uri="{BB962C8B-B14F-4D97-AF65-F5344CB8AC3E}">
+        <p14:creationId xmlns:p14="http://schemas.microsoft.com/office/powerpoint/2010/main" val="3663613923"/>
+      </p:ext>
+    </p:extLst>
+  </p:cSld>
+  <p:clrMapOvr>
+    <a:masterClrMapping/>
+  </p:clrMapOvr>
+</p:sld>
+</file>
+
+<file path=ppt/slides/slide50.xml><?xml version="1.0" encoding="utf-8"?>
 <p:sld xmlns:a="http://schemas.openxmlformats.org/drawingml/2006/main" xmlns:r="http://schemas.openxmlformats.org/officeDocument/2006/relationships" xmlns:p="http://schemas.openxmlformats.org/presentationml/2006/main">
   <p:cSld>
     <p:spTree>
@@ -19455,7 +22792,7 @@
 </p:sld>
 </file>
 
-<file path=ppt/slides/slide44.xml><?xml version="1.0" encoding="utf-8"?>
+<file path=ppt/slides/slide51.xml><?xml version="1.0" encoding="utf-8"?>
 <p:sld xmlns:a="http://schemas.openxmlformats.org/drawingml/2006/main" xmlns:r="http://schemas.openxmlformats.org/officeDocument/2006/relationships" xmlns:p="http://schemas.openxmlformats.org/presentationml/2006/main">
   <p:cSld>
     <p:spTree>
@@ -20042,7 +23379,7 @@
 </p:sld>
 </file>
 
-<file path=ppt/slides/slide45.xml><?xml version="1.0" encoding="utf-8"?>
+<file path=ppt/slides/slide52.xml><?xml version="1.0" encoding="utf-8"?>
 <p:sld xmlns:a="http://schemas.openxmlformats.org/drawingml/2006/main" xmlns:r="http://schemas.openxmlformats.org/officeDocument/2006/relationships" xmlns:p="http://schemas.openxmlformats.org/presentationml/2006/main">
   <p:cSld>
     <p:spTree>
@@ -20537,7 +23874,7 @@
 </p:sld>
 </file>
 
-<file path=ppt/slides/slide46.xml><?xml version="1.0" encoding="utf-8"?>
+<file path=ppt/slides/slide53.xml><?xml version="1.0" encoding="utf-8"?>
 <p:sld xmlns:a="http://schemas.openxmlformats.org/drawingml/2006/main" xmlns:r="http://schemas.openxmlformats.org/officeDocument/2006/relationships" xmlns:p="http://schemas.openxmlformats.org/presentationml/2006/main">
   <p:cSld>
     <p:spTree>
@@ -20849,7 +24186,7 @@
 </p:sld>
 </file>
 
-<file path=ppt/slides/slide47.xml><?xml version="1.0" encoding="utf-8"?>
+<file path=ppt/slides/slide54.xml><?xml version="1.0" encoding="utf-8"?>
 <p:sld xmlns:a="http://schemas.openxmlformats.org/drawingml/2006/main" xmlns:r="http://schemas.openxmlformats.org/officeDocument/2006/relationships" xmlns:p="http://schemas.openxmlformats.org/presentationml/2006/main">
   <p:cSld>
     <p:spTree>
@@ -21083,7 +24420,7 @@
 </p:sld>
 </file>
 
-<file path=ppt/slides/slide48.xml><?xml version="1.0" encoding="utf-8"?>
+<file path=ppt/slides/slide55.xml><?xml version="1.0" encoding="utf-8"?>
 <p:sld xmlns:a="http://schemas.openxmlformats.org/drawingml/2006/main" xmlns:r="http://schemas.openxmlformats.org/officeDocument/2006/relationships" xmlns:p="http://schemas.openxmlformats.org/presentationml/2006/main">
   <p:cSld>
     <p:spTree>
@@ -21343,480 +24680,6 @@
 </p:sld>
 </file>
 
-<file path=ppt/slides/slide5.xml><?xml version="1.0" encoding="utf-8"?>
-<p:sld xmlns:a="http://schemas.openxmlformats.org/drawingml/2006/main" xmlns:r="http://schemas.openxmlformats.org/officeDocument/2006/relationships" xmlns:p="http://schemas.openxmlformats.org/presentationml/2006/main">
-  <p:cSld>
-    <p:spTree>
-      <p:nvGrpSpPr>
-        <p:cNvPr id="1" name=""/>
-        <p:cNvGrpSpPr/>
-        <p:nvPr/>
-      </p:nvGrpSpPr>
-      <p:grpSpPr>
-        <a:xfrm>
-          <a:off x="0" y="0"/>
-          <a:ext cx="0" cy="0"/>
-          <a:chOff x="0" y="0"/>
-          <a:chExt cx="0" cy="0"/>
-        </a:xfrm>
-      </p:grpSpPr>
-      <p:sp>
-        <p:nvSpPr>
-          <p:cNvPr id="2" name="Title 1"/>
-          <p:cNvSpPr>
-            <a:spLocks noGrp="1"/>
-          </p:cNvSpPr>
-          <p:nvPr>
-            <p:ph type="title"/>
-          </p:nvPr>
-        </p:nvSpPr>
-        <p:spPr>
-          <a:xfrm>
-            <a:off x="609600" y="337392"/>
-            <a:ext cx="10439400" cy="624840"/>
-          </a:xfrm>
-        </p:spPr>
-        <p:txBody>
-          <a:bodyPr>
-            <a:noAutofit/>
-          </a:bodyPr>
-          <a:lstStyle/>
-          <a:p>
-            <a:r>
-              <a:rPr lang="en-US" sz="3600" dirty="0">
-                <a:cs typeface="Times New Roman" panose="02020603050405020304" pitchFamily="18" charset="0"/>
-              </a:rPr>
-              <a:t>What are we </a:t>
-            </a:r>
-            <a:r>
-              <a:rPr lang="en-US" sz="3600" dirty="0" err="1">
-                <a:cs typeface="Times New Roman" panose="02020603050405020304" pitchFamily="18" charset="0"/>
-              </a:rPr>
-              <a:t>DIDing</a:t>
-            </a:r>
-            <a:r>
-              <a:rPr lang="en-US" sz="3600" dirty="0">
-                <a:cs typeface="Times New Roman" panose="02020603050405020304" pitchFamily="18" charset="0"/>
-              </a:rPr>
-              <a:t>? </a:t>
-            </a:r>
-            <a:endParaRPr lang="en-US" sz="3600" dirty="0">
-              <a:latin typeface="Times New Roman" panose="02020603050405020304" pitchFamily="18" charset="0"/>
-              <a:cs typeface="Times New Roman" panose="02020603050405020304" pitchFamily="18" charset="0"/>
-            </a:endParaRPr>
-          </a:p>
-        </p:txBody>
-      </p:sp>
-      <mc:AlternateContent xmlns:mc="http://schemas.openxmlformats.org/markup-compatibility/2006" xmlns:a14="http://schemas.microsoft.com/office/drawing/2010/main">
-        <mc:Choice Requires="a14">
-          <p:sp>
-            <p:nvSpPr>
-              <p:cNvPr id="3" name="Content Placeholder 2"/>
-              <p:cNvSpPr>
-                <a:spLocks noGrp="1"/>
-              </p:cNvSpPr>
-              <p:nvPr>
-                <p:ph idx="1"/>
-              </p:nvPr>
-            </p:nvSpPr>
-            <p:spPr>
-              <a:xfrm>
-                <a:off x="1219199" y="1066801"/>
-                <a:ext cx="9601201" cy="5141388"/>
-              </a:xfrm>
-            </p:spPr>
-            <p:txBody>
-              <a:bodyPr>
-                <a:noAutofit/>
-              </a:bodyPr>
-              <a:lstStyle/>
-              <a:p>
-                <a:r>
-                  <a:rPr lang="en-US" sz="2400" dirty="0">
-                    <a:cs typeface="Times New Roman" panose="02020603050405020304" pitchFamily="18" charset="0"/>
-                  </a:rPr>
-                  <a:t>Typical DID framework is a way to use </a:t>
-                </a:r>
-                <a:r>
-                  <a:rPr lang="en-US" sz="2400" b="1" dirty="0">
-                    <a:solidFill>
-                      <a:schemeClr val="accent2">
-                        <a:lumMod val="75000"/>
-                      </a:schemeClr>
-                    </a:solidFill>
-                    <a:cs typeface="Times New Roman" panose="02020603050405020304" pitchFamily="18" charset="0"/>
-                  </a:rPr>
-                  <a:t>observational data </a:t>
-                </a:r>
-                <a:r>
-                  <a:rPr lang="en-US" sz="2400" dirty="0">
-                    <a:cs typeface="Times New Roman" panose="02020603050405020304" pitchFamily="18" charset="0"/>
-                  </a:rPr>
-                  <a:t>to examine </a:t>
-                </a:r>
-                <a:r>
-                  <a:rPr lang="en-US" sz="2400" b="1" dirty="0">
-                    <a:solidFill>
-                      <a:schemeClr val="accent3">
-                        <a:lumMod val="75000"/>
-                      </a:schemeClr>
-                    </a:solidFill>
-                    <a:cs typeface="Times New Roman" panose="02020603050405020304" pitchFamily="18" charset="0"/>
-                  </a:rPr>
-                  <a:t>potential outcomes</a:t>
-                </a:r>
-              </a:p>
-              <a:p>
-                <a:r>
-                  <a:rPr lang="en-US" sz="2400" dirty="0">
-                    <a:cs typeface="Times New Roman" panose="02020603050405020304" pitchFamily="18" charset="0"/>
-                  </a:rPr>
-                  <a:t>We would like to have: </a:t>
-                </a:r>
-              </a:p>
-              <a:p>
-                <a:pPr marL="0" indent="0">
-                  <a:buNone/>
-                </a:pPr>
-                <a14:m>
-                  <m:oMathPara xmlns:m="http://schemas.openxmlformats.org/officeDocument/2006/math">
-                    <m:oMathParaPr>
-                      <m:jc m:val="centerGroup"/>
-                    </m:oMathParaPr>
-                    <m:oMath xmlns:m="http://schemas.openxmlformats.org/officeDocument/2006/math">
-                      <m:sSub>
-                        <m:sSubPr>
-                          <m:ctrlPr>
-                            <a:rPr lang="en-US" sz="2400" b="0" i="1" smtClean="0">
-                              <a:latin typeface="Cambria Math" panose="02040503050406030204" pitchFamily="18" charset="0"/>
-                              <a:cs typeface="Times New Roman" panose="02020603050405020304" pitchFamily="18" charset="0"/>
-                            </a:rPr>
-                          </m:ctrlPr>
-                        </m:sSubPr>
-                        <m:e>
-                          <m:r>
-                            <a:rPr lang="en-US" sz="2400" b="0" i="1" smtClean="0">
-                              <a:latin typeface="Cambria Math" panose="02040503050406030204" pitchFamily="18" charset="0"/>
-                              <a:cs typeface="Times New Roman" panose="02020603050405020304" pitchFamily="18" charset="0"/>
-                            </a:rPr>
-                            <m:t>𝛿</m:t>
-                          </m:r>
-                        </m:e>
-                        <m:sub>
-                          <m:r>
-                            <a:rPr lang="en-US" sz="2400" b="0" i="1" smtClean="0">
-                              <a:latin typeface="Cambria Math" panose="02040503050406030204" pitchFamily="18" charset="0"/>
-                              <a:cs typeface="Times New Roman" panose="02020603050405020304" pitchFamily="18" charset="0"/>
-                            </a:rPr>
-                            <m:t>𝑖𝑡</m:t>
-                          </m:r>
-                        </m:sub>
-                      </m:sSub>
-                      <m:r>
-                        <a:rPr lang="en-US" sz="2400" b="0" i="1" smtClean="0">
-                          <a:latin typeface="Cambria Math" panose="02040503050406030204" pitchFamily="18" charset="0"/>
-                          <a:cs typeface="Times New Roman" panose="02020603050405020304" pitchFamily="18" charset="0"/>
-                        </a:rPr>
-                        <m:t>=</m:t>
-                      </m:r>
-                      <m:sSubSup>
-                        <m:sSubSupPr>
-                          <m:ctrlPr>
-                            <a:rPr lang="en-US" sz="2400" b="0" i="1" smtClean="0">
-                              <a:latin typeface="Cambria Math" panose="02040503050406030204" pitchFamily="18" charset="0"/>
-                              <a:cs typeface="Times New Roman" panose="02020603050405020304" pitchFamily="18" charset="0"/>
-                            </a:rPr>
-                          </m:ctrlPr>
-                        </m:sSubSupPr>
-                        <m:e>
-                          <m:r>
-                            <a:rPr lang="en-US" sz="2400" b="0" i="1" smtClean="0">
-                              <a:latin typeface="Cambria Math" panose="02040503050406030204" pitchFamily="18" charset="0"/>
-                              <a:cs typeface="Times New Roman" panose="02020603050405020304" pitchFamily="18" charset="0"/>
-                            </a:rPr>
-                            <m:t>𝑌</m:t>
-                          </m:r>
-                        </m:e>
-                        <m:sub>
-                          <m:r>
-                            <a:rPr lang="en-US" sz="2400" b="0" i="1" smtClean="0">
-                              <a:latin typeface="Cambria Math" panose="02040503050406030204" pitchFamily="18" charset="0"/>
-                              <a:cs typeface="Times New Roman" panose="02020603050405020304" pitchFamily="18" charset="0"/>
-                            </a:rPr>
-                            <m:t>𝑖𝑡</m:t>
-                          </m:r>
-                        </m:sub>
-                        <m:sup>
-                          <m:r>
-                            <a:rPr lang="en-US" sz="2400" b="0" i="1" smtClean="0">
-                              <a:latin typeface="Cambria Math" panose="02040503050406030204" pitchFamily="18" charset="0"/>
-                              <a:cs typeface="Times New Roman" panose="02020603050405020304" pitchFamily="18" charset="0"/>
-                            </a:rPr>
-                            <m:t>1</m:t>
-                          </m:r>
-                        </m:sup>
-                      </m:sSubSup>
-                      <m:r>
-                        <a:rPr lang="en-US" sz="2400" b="0" i="1" smtClean="0">
-                          <a:latin typeface="Cambria Math" panose="02040503050406030204" pitchFamily="18" charset="0"/>
-                          <a:cs typeface="Times New Roman" panose="02020603050405020304" pitchFamily="18" charset="0"/>
-                        </a:rPr>
-                        <m:t>−</m:t>
-                      </m:r>
-                      <m:sSubSup>
-                        <m:sSubSupPr>
-                          <m:ctrlPr>
-                            <a:rPr lang="en-US" sz="2400" b="0" i="1" smtClean="0">
-                              <a:latin typeface="Cambria Math" panose="02040503050406030204" pitchFamily="18" charset="0"/>
-                              <a:cs typeface="Times New Roman" panose="02020603050405020304" pitchFamily="18" charset="0"/>
-                            </a:rPr>
-                          </m:ctrlPr>
-                        </m:sSubSupPr>
-                        <m:e>
-                          <m:r>
-                            <a:rPr lang="en-US" sz="2400" b="0" i="1" smtClean="0">
-                              <a:latin typeface="Cambria Math" panose="02040503050406030204" pitchFamily="18" charset="0"/>
-                              <a:cs typeface="Times New Roman" panose="02020603050405020304" pitchFamily="18" charset="0"/>
-                            </a:rPr>
-                            <m:t>𝑌</m:t>
-                          </m:r>
-                        </m:e>
-                        <m:sub>
-                          <m:r>
-                            <a:rPr lang="en-US" sz="2400" b="0" i="1" smtClean="0">
-                              <a:latin typeface="Cambria Math" panose="02040503050406030204" pitchFamily="18" charset="0"/>
-                              <a:cs typeface="Times New Roman" panose="02020603050405020304" pitchFamily="18" charset="0"/>
-                            </a:rPr>
-                            <m:t>𝑖𝑡</m:t>
-                          </m:r>
-                        </m:sub>
-                        <m:sup>
-                          <m:r>
-                            <a:rPr lang="en-US" sz="2400" b="0" i="1" smtClean="0">
-                              <a:latin typeface="Cambria Math" panose="02040503050406030204" pitchFamily="18" charset="0"/>
-                              <a:cs typeface="Times New Roman" panose="02020603050405020304" pitchFamily="18" charset="0"/>
-                            </a:rPr>
-                            <m:t>0</m:t>
-                          </m:r>
-                        </m:sup>
-                      </m:sSubSup>
-                    </m:oMath>
-                  </m:oMathPara>
-                </a14:m>
-                <a:endParaRPr lang="en-US" sz="2400" dirty="0">
-                  <a:cs typeface="Times New Roman" panose="02020603050405020304" pitchFamily="18" charset="0"/>
-                </a:endParaRPr>
-              </a:p>
-              <a:p>
-                <a:r>
-                  <a:rPr lang="en-US" sz="2400" dirty="0">
-                    <a:cs typeface="Times New Roman" panose="02020603050405020304" pitchFamily="18" charset="0"/>
-                  </a:rPr>
-                  <a:t>When </a:t>
-                </a:r>
-                <a14:m>
-                  <m:oMath xmlns:m="http://schemas.openxmlformats.org/officeDocument/2006/math">
-                    <m:sSubSup>
-                      <m:sSubSupPr>
-                        <m:ctrlPr>
-                          <a:rPr lang="en-US" sz="2400" b="0" i="1" smtClean="0">
-                            <a:latin typeface="Cambria Math" panose="02040503050406030204" pitchFamily="18" charset="0"/>
-                            <a:cs typeface="Times New Roman" panose="02020603050405020304" pitchFamily="18" charset="0"/>
-                          </a:rPr>
-                        </m:ctrlPr>
-                      </m:sSubSupPr>
-                      <m:e>
-                        <m:r>
-                          <a:rPr lang="en-US" sz="2400" b="0" i="1" smtClean="0">
-                            <a:latin typeface="Cambria Math" panose="02040503050406030204" pitchFamily="18" charset="0"/>
-                            <a:cs typeface="Times New Roman" panose="02020603050405020304" pitchFamily="18" charset="0"/>
-                          </a:rPr>
-                          <m:t>𝑌</m:t>
-                        </m:r>
-                      </m:e>
-                      <m:sub>
-                        <m:r>
-                          <a:rPr lang="en-US" sz="2400" b="0" i="1" smtClean="0">
-                            <a:latin typeface="Cambria Math" panose="02040503050406030204" pitchFamily="18" charset="0"/>
-                            <a:cs typeface="Times New Roman" panose="02020603050405020304" pitchFamily="18" charset="0"/>
-                          </a:rPr>
-                          <m:t>𝑖𝑡</m:t>
-                        </m:r>
-                      </m:sub>
-                      <m:sup>
-                        <m:r>
-                          <a:rPr lang="en-US" sz="2400" b="0" i="1" smtClean="0">
-                            <a:latin typeface="Cambria Math" panose="02040503050406030204" pitchFamily="18" charset="0"/>
-                            <a:cs typeface="Times New Roman" panose="02020603050405020304" pitchFamily="18" charset="0"/>
-                          </a:rPr>
-                          <m:t>0</m:t>
-                        </m:r>
-                      </m:sup>
-                    </m:sSubSup>
-                  </m:oMath>
-                </a14:m>
-                <a:r>
-                  <a:rPr lang="en-US" sz="2400" dirty="0">
-                    <a:cs typeface="Times New Roman" panose="02020603050405020304" pitchFamily="18" charset="0"/>
-                  </a:rPr>
-                  <a:t> is unobserved, we </a:t>
-                </a:r>
-                <a:r>
-                  <a:rPr lang="en-US" sz="2400" u="sng" dirty="0">
-                    <a:cs typeface="Times New Roman" panose="02020603050405020304" pitchFamily="18" charset="0"/>
-                  </a:rPr>
-                  <a:t>proxy it</a:t>
-                </a:r>
-                <a:r>
-                  <a:rPr lang="en-US" sz="2400" b="1" dirty="0">
-                    <a:cs typeface="Times New Roman" panose="02020603050405020304" pitchFamily="18" charset="0"/>
-                  </a:rPr>
-                  <a:t> </a:t>
-                </a:r>
-                <a:r>
-                  <a:rPr lang="en-US" sz="2400" dirty="0">
-                    <a:cs typeface="Times New Roman" panose="02020603050405020304" pitchFamily="18" charset="0"/>
-                  </a:rPr>
-                  <a:t>with a </a:t>
-                </a:r>
-                <a:r>
-                  <a:rPr lang="en-US" sz="2400" dirty="0">
-                    <a:solidFill>
-                      <a:schemeClr val="accent2">
-                        <a:lumMod val="75000"/>
-                      </a:schemeClr>
-                    </a:solidFill>
-                    <a:cs typeface="Times New Roman" panose="02020603050405020304" pitchFamily="18" charset="0"/>
-                  </a:rPr>
-                  <a:t>control group </a:t>
-                </a:r>
-              </a:p>
-              <a:p>
-                <a:r>
-                  <a:rPr lang="en-US" sz="2400" dirty="0">
-                    <a:cs typeface="Times New Roman" panose="02020603050405020304" pitchFamily="18" charset="0"/>
-                  </a:rPr>
-                  <a:t>But are we limited to the control groups we observe?</a:t>
-                </a:r>
-              </a:p>
-              <a:p>
-                <a:pPr marL="0" indent="0">
-                  <a:buNone/>
-                </a:pPr>
-                <a:r>
-                  <a:rPr lang="en-US" sz="2400" dirty="0">
-                    <a:cs typeface="Times New Roman" panose="02020603050405020304" pitchFamily="18" charset="0"/>
-                  </a:rPr>
-                  <a:t>Synthetic controls uses </a:t>
-                </a:r>
-                <a:r>
-                  <a:rPr lang="en-US" sz="2400" b="1" dirty="0">
-                    <a:cs typeface="Times New Roman" panose="02020603050405020304" pitchFamily="18" charset="0"/>
-                  </a:rPr>
-                  <a:t>weighted averages of units </a:t>
-                </a:r>
-                <a:r>
-                  <a:rPr lang="en-US" sz="2400" dirty="0">
-                    <a:cs typeface="Times New Roman" panose="02020603050405020304" pitchFamily="18" charset="0"/>
-                  </a:rPr>
-                  <a:t>to construct: </a:t>
-                </a:r>
-              </a:p>
-              <a:p>
-                <a:r>
-                  <a:rPr lang="en-US" sz="2400" dirty="0">
-                    <a:cs typeface="Times New Roman" panose="02020603050405020304" pitchFamily="18" charset="0"/>
-                  </a:rPr>
-                  <a:t>A suitable counterfactual to treated group</a:t>
-                </a:r>
-              </a:p>
-              <a:p>
-                <a:r>
-                  <a:rPr lang="en-US" sz="2400" dirty="0">
-                    <a:cs typeface="Times New Roman" panose="02020603050405020304" pitchFamily="18" charset="0"/>
-                  </a:rPr>
-                  <a:t>Think of this as matching + parallel trends assumption </a:t>
-                </a:r>
-              </a:p>
-              <a:p>
-                <a:r>
-                  <a:rPr lang="en-US" sz="2400" dirty="0">
-                    <a:cs typeface="Times New Roman" panose="02020603050405020304" pitchFamily="18" charset="0"/>
-                  </a:rPr>
-                  <a:t>The weighted average may be a </a:t>
-                </a:r>
-                <a:r>
-                  <a:rPr lang="en-US" sz="2400" b="1" dirty="0">
-                    <a:cs typeface="Times New Roman" panose="02020603050405020304" pitchFamily="18" charset="0"/>
-                  </a:rPr>
-                  <a:t>superior control group </a:t>
-                </a:r>
-                <a:r>
-                  <a:rPr lang="en-US" sz="2400" dirty="0">
-                    <a:cs typeface="Times New Roman" panose="02020603050405020304" pitchFamily="18" charset="0"/>
-                  </a:rPr>
-                  <a:t>than any one unit</a:t>
-                </a:r>
-              </a:p>
-              <a:p>
-                <a:endParaRPr lang="en-US" sz="2400" dirty="0">
-                  <a:cs typeface="Times New Roman" panose="02020603050405020304" pitchFamily="18" charset="0"/>
-                </a:endParaRPr>
-              </a:p>
-            </p:txBody>
-          </p:sp>
-        </mc:Choice>
-        <mc:Fallback xmlns="">
-          <p:sp>
-            <p:nvSpPr>
-              <p:cNvPr id="3" name="Content Placeholder 2"/>
-              <p:cNvSpPr>
-                <a:spLocks noGrp="1" noRot="1" noChangeAspect="1" noMove="1" noResize="1" noEditPoints="1" noAdjustHandles="1" noChangeArrowheads="1" noChangeShapeType="1" noTextEdit="1"/>
-              </p:cNvSpPr>
-              <p:nvPr>
-                <p:ph idx="1"/>
-              </p:nvPr>
-            </p:nvSpPr>
-            <p:spPr>
-              <a:xfrm>
-                <a:off x="1219199" y="1066801"/>
-                <a:ext cx="9601201" cy="5141388"/>
-              </a:xfrm>
-              <a:blipFill>
-                <a:blip r:embed="rId3"/>
-                <a:stretch>
-                  <a:fillRect l="-952" t="-1305" b="-1186"/>
-                </a:stretch>
-              </a:blipFill>
-            </p:spPr>
-            <p:txBody>
-              <a:bodyPr/>
-              <a:lstStyle/>
-              <a:p>
-                <a:r>
-                  <a:rPr lang="en-US">
-                    <a:noFill/>
-                  </a:rPr>
-                  <a:t> </a:t>
-                </a:r>
-              </a:p>
-            </p:txBody>
-          </p:sp>
-        </mc:Fallback>
-      </mc:AlternateContent>
-    </p:spTree>
-    <p:extLst>
-      <p:ext uri="{BB962C8B-B14F-4D97-AF65-F5344CB8AC3E}">
-        <p14:creationId xmlns:p14="http://schemas.microsoft.com/office/powerpoint/2010/main" val="3663613923"/>
-      </p:ext>
-    </p:extLst>
-  </p:cSld>
-  <p:clrMapOvr>
-    <a:masterClrMapping/>
-  </p:clrMapOvr>
-</p:sld>
-</file>
-
 <file path=ppt/slides/slide6.xml><?xml version="1.0" encoding="utf-8"?>
 <p:sld xmlns:a="http://schemas.openxmlformats.org/drawingml/2006/main" xmlns:r="http://schemas.openxmlformats.org/officeDocument/2006/relationships" xmlns:p="http://schemas.openxmlformats.org/presentationml/2006/main">
   <p:cSld>
@@ -22351,6 +25214,9 @@
           </a:bodyPr>
           <a:lstStyle/>
           <a:p>
+            <a:pPr marL="0" indent="0">
+              <a:buNone/>
+            </a:pPr>
             <a:r>
               <a:rPr lang="en-US" sz="2400" dirty="0">
                 <a:cs typeface="Times New Roman" panose="02020603050405020304" pitchFamily="18" charset="0"/>
@@ -22359,9 +25225,14 @@
             </a:r>
             <a:r>
               <a:rPr lang="en-US" sz="2400" b="1" dirty="0">
+                <a:solidFill>
+                  <a:schemeClr val="accent2">
+                    <a:lumMod val="75000"/>
+                  </a:schemeClr>
+                </a:solidFill>
                 <a:cs typeface="Times New Roman" panose="02020603050405020304" pitchFamily="18" charset="0"/>
               </a:rPr>
-              <a:t>throw in the kitchen sink!</a:t>
+              <a:t>throw in the kitchen sink! (this time it’s okay)</a:t>
             </a:r>
           </a:p>
           <a:p>
@@ -22404,7 +25275,7 @@
               <a:rPr lang="en-US" sz="2400" dirty="0">
                 <a:cs typeface="Times New Roman" panose="02020603050405020304" pitchFamily="18" charset="0"/>
               </a:rPr>
-              <a:t>: possible states for control group (algorithm may assign weight 0)</a:t>
+              <a:t>: possible states for control group                                   (algorithm may assign weight 0)</a:t>
             </a:r>
           </a:p>
           <a:p>

--- a/Lecture10_SyntheticControl_QuantileRegression/Lecture10_SyntheticControl_QuantileRegression.pptx
+++ b/Lecture10_SyntheticControl_QuantileRegression/Lecture10_SyntheticControl_QuantileRegression.pptx
@@ -407,7 +407,7 @@
           <a:p>
             <a:fld id="{EF911157-0FC2-4F06-8D61-FD647FE4E19D}" type="datetimeFigureOut">
               <a:rPr lang="en-US" smtClean="0"/>
-              <a:t>11/14/2022</a:t>
+              <a:t>11/18/2022</a:t>
             </a:fld>
             <a:endParaRPr lang="en-US"/>
           </a:p>
@@ -729,7 +729,7 @@
             </a:pPr>
             <a:r>
               <a:rPr lang="en-US" dirty="0"/>
-              <a:t>Announcement: we will do course evaluations sometime in the next lecture – please bring your laptop and your critiques! </a:t>
+              <a:t>Announcement: we will do course evaluations sometime in the next lecture – please bring your laptop and your critiques! I will also post presentation orders this week so people can prepare.</a:t>
             </a:r>
           </a:p>
         </p:txBody>
@@ -6015,7 +6015,7 @@
             <a:fld id="{0972D05C-DCFB-4BB6-B49C-AC126BF3ED2C}" type="datetimeFigureOut">
               <a:rPr lang="en-US" smtClean="0"/>
               <a:pPr/>
-              <a:t>11/14/2022</a:t>
+              <a:t>11/18/2022</a:t>
             </a:fld>
             <a:endParaRPr lang="en-US"/>
           </a:p>
@@ -6245,7 +6245,7 @@
             <a:fld id="{0972D05C-DCFB-4BB6-B49C-AC126BF3ED2C}" type="datetimeFigureOut">
               <a:rPr lang="en-US" smtClean="0"/>
               <a:pPr/>
-              <a:t>11/14/2022</a:t>
+              <a:t>11/18/2022</a:t>
             </a:fld>
             <a:endParaRPr lang="en-US"/>
           </a:p>
@@ -6427,7 +6427,7 @@
             <a:fld id="{0972D05C-DCFB-4BB6-B49C-AC126BF3ED2C}" type="datetimeFigureOut">
               <a:rPr lang="en-US" smtClean="0"/>
               <a:pPr/>
-              <a:t>11/14/2022</a:t>
+              <a:t>11/18/2022</a:t>
             </a:fld>
             <a:endParaRPr lang="en-US"/>
           </a:p>
@@ -6599,7 +6599,7 @@
             <a:fld id="{0972D05C-DCFB-4BB6-B49C-AC126BF3ED2C}" type="datetimeFigureOut">
               <a:rPr lang="en-US" smtClean="0"/>
               <a:pPr/>
-              <a:t>11/14/2022</a:t>
+              <a:t>11/18/2022</a:t>
             </a:fld>
             <a:endParaRPr lang="en-US"/>
           </a:p>
@@ -6855,7 +6855,7 @@
             <a:fld id="{0972D05C-DCFB-4BB6-B49C-AC126BF3ED2C}" type="datetimeFigureOut">
               <a:rPr lang="en-US" smtClean="0"/>
               <a:pPr/>
-              <a:t>11/14/2022</a:t>
+              <a:t>11/18/2022</a:t>
             </a:fld>
             <a:endParaRPr lang="en-US"/>
           </a:p>
@@ -7183,7 +7183,7 @@
             <a:fld id="{0972D05C-DCFB-4BB6-B49C-AC126BF3ED2C}" type="datetimeFigureOut">
               <a:rPr lang="en-US" smtClean="0"/>
               <a:pPr/>
-              <a:t>11/14/2022</a:t>
+              <a:t>11/18/2022</a:t>
             </a:fld>
             <a:endParaRPr lang="en-US"/>
           </a:p>
@@ -7636,7 +7636,7 @@
             <a:fld id="{0972D05C-DCFB-4BB6-B49C-AC126BF3ED2C}" type="datetimeFigureOut">
               <a:rPr lang="en-US" smtClean="0"/>
               <a:pPr/>
-              <a:t>11/14/2022</a:t>
+              <a:t>11/18/2022</a:t>
             </a:fld>
             <a:endParaRPr lang="en-US"/>
           </a:p>
@@ -7756,7 +7756,7 @@
             <a:fld id="{0972D05C-DCFB-4BB6-B49C-AC126BF3ED2C}" type="datetimeFigureOut">
               <a:rPr lang="en-US" smtClean="0"/>
               <a:pPr/>
-              <a:t>11/14/2022</a:t>
+              <a:t>11/18/2022</a:t>
             </a:fld>
             <a:endParaRPr lang="en-US"/>
           </a:p>
@@ -7853,7 +7853,7 @@
             <a:fld id="{0972D05C-DCFB-4BB6-B49C-AC126BF3ED2C}" type="datetimeFigureOut">
               <a:rPr lang="en-US" smtClean="0"/>
               <a:pPr/>
-              <a:t>11/14/2022</a:t>
+              <a:t>11/18/2022</a:t>
             </a:fld>
             <a:endParaRPr lang="en-US"/>
           </a:p>
@@ -8142,7 +8142,7 @@
             <a:fld id="{0972D05C-DCFB-4BB6-B49C-AC126BF3ED2C}" type="datetimeFigureOut">
               <a:rPr lang="en-US" smtClean="0"/>
               <a:pPr/>
-              <a:t>11/14/2022</a:t>
+              <a:t>11/18/2022</a:t>
             </a:fld>
             <a:endParaRPr lang="en-US"/>
           </a:p>
@@ -8466,7 +8466,7 @@
             <a:fld id="{0972D05C-DCFB-4BB6-B49C-AC126BF3ED2C}" type="datetimeFigureOut">
               <a:rPr lang="en-US" smtClean="0"/>
               <a:pPr/>
-              <a:t>11/14/2022</a:t>
+              <a:t>11/18/2022</a:t>
             </a:fld>
             <a:endParaRPr lang="en-US"/>
           </a:p>
@@ -8721,7 +8721,7 @@
             <a:fld id="{0972D05C-DCFB-4BB6-B49C-AC126BF3ED2C}" type="datetimeFigureOut">
               <a:rPr lang="en-US" smtClean="0"/>
               <a:pPr/>
-              <a:t>11/14/2022</a:t>
+              <a:t>11/18/2022</a:t>
             </a:fld>
             <a:endParaRPr lang="en-US" dirty="0"/>
           </a:p>
@@ -9367,7 +9367,7 @@
         </p:nvSpPr>
         <p:spPr>
           <a:xfrm>
-            <a:off x="609601" y="1066801"/>
+            <a:off x="609601" y="1107012"/>
             <a:ext cx="10015390" cy="5141388"/>
           </a:xfrm>
         </p:spPr>
@@ -10699,8 +10699,8 @@
           </a:prstGeom>
         </p:spPr>
       </p:pic>
-      <mc:AlternateContent xmlns:mc="http://schemas.openxmlformats.org/markup-compatibility/2006">
-        <mc:Choice xmlns:p14="http://schemas.microsoft.com/office/powerpoint/2010/main" Requires="p14">
+      <mc:AlternateContent xmlns:mc="http://schemas.openxmlformats.org/markup-compatibility/2006" xmlns:p14="http://schemas.microsoft.com/office/powerpoint/2010/main">
+        <mc:Choice Requires="p14">
           <p:contentPart p14:bwMode="auto" r:id="rId4">
             <p14:nvContentPartPr>
               <p14:cNvPr id="4" name="Ink 3">
@@ -10719,7 +10719,7 @@
             </p14:xfrm>
           </p:contentPart>
         </mc:Choice>
-        <mc:Fallback>
+        <mc:Fallback xmlns="">
           <p:pic>
             <p:nvPicPr>
               <p:cNvPr id="4" name="Ink 3">
@@ -13871,7 +13871,7 @@
         <p:spPr>
           <a:xfrm>
             <a:off x="304800" y="4011"/>
-            <a:ext cx="4824805" cy="6858000"/>
+            <a:ext cx="8458200" cy="12022524"/>
           </a:xfrm>
           <a:prstGeom prst="rect">
             <a:avLst/>
@@ -14323,8 +14323,8 @@
           </a:p>
         </p:txBody>
       </p:sp>
-      <mc:AlternateContent xmlns:mc="http://schemas.openxmlformats.org/markup-compatibility/2006">
-        <mc:Choice xmlns:a14="http://schemas.microsoft.com/office/drawing/2010/main" Requires="a14">
+      <mc:AlternateContent xmlns:mc="http://schemas.openxmlformats.org/markup-compatibility/2006" xmlns:a14="http://schemas.microsoft.com/office/drawing/2010/main">
+        <mc:Choice Requires="a14">
           <p:sp>
             <p:nvSpPr>
               <p:cNvPr id="3" name="Content Placeholder 2"/>
@@ -14652,7 +14652,7 @@
             </p:txBody>
           </p:sp>
         </mc:Choice>
-        <mc:Fallback>
+        <mc:Fallback xmlns="">
           <p:sp>
             <p:nvSpPr>
               <p:cNvPr id="3" name="Content Placeholder 2"/>
@@ -15823,8 +15823,8 @@
           </a:p>
         </p:txBody>
       </p:sp>
-      <mc:AlternateContent xmlns:mc="http://schemas.openxmlformats.org/markup-compatibility/2006" xmlns:a14="http://schemas.microsoft.com/office/drawing/2010/main">
-        <mc:Choice Requires="a14">
+      <mc:AlternateContent xmlns:mc="http://schemas.openxmlformats.org/markup-compatibility/2006">
+        <mc:Choice xmlns:a14="http://schemas.microsoft.com/office/drawing/2010/main" Requires="a14">
           <p:sp>
             <p:nvSpPr>
               <p:cNvPr id="3" name="Content Placeholder 2"/>
@@ -16135,7 +16135,7 @@
             </p:txBody>
           </p:sp>
         </mc:Choice>
-        <mc:Fallback xmlns="">
+        <mc:Fallback>
           <p:sp>
             <p:nvSpPr>
               <p:cNvPr id="3" name="Content Placeholder 2"/>
@@ -16238,8 +16238,8 @@
           </a:p>
         </p:txBody>
       </p:sp>
-      <mc:AlternateContent xmlns:mc="http://schemas.openxmlformats.org/markup-compatibility/2006" xmlns:a14="http://schemas.microsoft.com/office/drawing/2010/main">
-        <mc:Choice Requires="a14">
+      <mc:AlternateContent xmlns:mc="http://schemas.openxmlformats.org/markup-compatibility/2006">
+        <mc:Choice xmlns:a14="http://schemas.microsoft.com/office/drawing/2010/main" Requires="a14">
           <p:sp>
             <p:nvSpPr>
               <p:cNvPr id="3" name="Content Placeholder 2"/>
@@ -16592,6 +16592,26 @@
                       <m:jc m:val="centerGroup"/>
                     </m:oMathParaPr>
                     <m:oMath xmlns:m="http://schemas.openxmlformats.org/officeDocument/2006/math">
+                      <m:r>
+                        <a:rPr lang="en-US" sz="2400" b="0" i="1" smtClean="0">
+                          <a:solidFill>
+                            <a:srgbClr val="222222"/>
+                          </a:solidFill>
+                          <a:latin typeface="Cambria Math" panose="02040503050406030204" pitchFamily="18" charset="0"/>
+                          <a:cs typeface="Times New Roman" panose="02020603050405020304" pitchFamily="18" charset="0"/>
+                        </a:rPr>
+                        <m:t>𝑎𝑟𝑔𝑚𝑖𝑛</m:t>
+                      </m:r>
+                      <m:r>
+                        <a:rPr lang="en-US" sz="2400" b="0" i="1" smtClean="0">
+                          <a:solidFill>
+                            <a:srgbClr val="222222"/>
+                          </a:solidFill>
+                          <a:latin typeface="Cambria Math" panose="02040503050406030204" pitchFamily="18" charset="0"/>
+                          <a:cs typeface="Times New Roman" panose="02020603050405020304" pitchFamily="18" charset="0"/>
+                        </a:rPr>
+                        <m:t> </m:t>
+                      </m:r>
                       <m:f>
                         <m:fPr>
                           <m:ctrlPr>
@@ -17358,7 +17378,7 @@
             </p:txBody>
           </p:sp>
         </mc:Choice>
-        <mc:Fallback xmlns="">
+        <mc:Fallback>
           <p:sp>
             <p:nvSpPr>
               <p:cNvPr id="3" name="Content Placeholder 2"/>
@@ -20023,8 +20043,8 @@
           </a:p>
         </p:txBody>
       </p:sp>
-      <mc:AlternateContent xmlns:mc="http://schemas.openxmlformats.org/markup-compatibility/2006">
-        <mc:Choice xmlns:a14="http://schemas.microsoft.com/office/drawing/2010/main" Requires="a14">
+      <mc:AlternateContent xmlns:mc="http://schemas.openxmlformats.org/markup-compatibility/2006" xmlns:a14="http://schemas.microsoft.com/office/drawing/2010/main">
+        <mc:Choice Requires="a14">
           <p:sp>
             <p:nvSpPr>
               <p:cNvPr id="3" name="Content Placeholder 2"/>
@@ -20369,7 +20389,7 @@
             </p:txBody>
           </p:sp>
         </mc:Choice>
-        <mc:Fallback>
+        <mc:Fallback xmlns="">
           <p:sp>
             <p:nvSpPr>
               <p:cNvPr id="3" name="Content Placeholder 2"/>
@@ -20472,8 +20492,8 @@
           </a:p>
         </p:txBody>
       </p:sp>
-      <mc:AlternateContent xmlns:mc="http://schemas.openxmlformats.org/markup-compatibility/2006">
-        <mc:Choice xmlns:a14="http://schemas.microsoft.com/office/drawing/2010/main" Requires="a14">
+      <mc:AlternateContent xmlns:mc="http://schemas.openxmlformats.org/markup-compatibility/2006" xmlns:a14="http://schemas.microsoft.com/office/drawing/2010/main">
+        <mc:Choice Requires="a14">
           <p:sp>
             <p:nvSpPr>
               <p:cNvPr id="3" name="Content Placeholder 2"/>
@@ -20895,7 +20915,7 @@
             </p:txBody>
           </p:sp>
         </mc:Choice>
-        <mc:Fallback>
+        <mc:Fallback xmlns="">
           <p:sp>
             <p:nvSpPr>
               <p:cNvPr id="3" name="Content Placeholder 2"/>
@@ -21837,14 +21857,6 @@
                 </a:r>
               </a:p>
               <a:p>
-                <a:endParaRPr lang="en-US" sz="2400" dirty="0">
-                  <a:solidFill>
-                    <a:srgbClr val="222222"/>
-                  </a:solidFill>
-                  <a:cs typeface="Times New Roman" panose="02020603050405020304" pitchFamily="18" charset="0"/>
-                </a:endParaRPr>
-              </a:p>
-              <a:p>
                 <a:pPr lvl="1"/>
                 <a:endParaRPr lang="en-US" sz="2400" dirty="0">
                   <a:solidFill>
@@ -21884,7 +21896,7 @@
               <a:lstStyle/>
               <a:p>
                 <a:r>
-                  <a:rPr lang="en-CA">
+                  <a:rPr lang="en-US">
                     <a:noFill/>
                   </a:rPr>
                   <a:t> </a:t>
@@ -25294,6 +25306,18 @@
                 <a:cs typeface="Times New Roman" panose="02020603050405020304" pitchFamily="18" charset="0"/>
               </a:rPr>
               <a:t>should include pre-treatment trends + any other covariates</a:t>
+            </a:r>
+          </a:p>
+          <a:p>
+            <a:pPr marL="731520" lvl="1" indent="-457200">
+              <a:buFont typeface="+mj-lt"/>
+              <a:buAutoNum type="arabicPeriod"/>
+            </a:pPr>
+            <a:r>
+              <a:rPr lang="en-US" sz="2400" dirty="0">
+                <a:cs typeface="Times New Roman" panose="02020603050405020304" pitchFamily="18" charset="0"/>
+              </a:rPr>
+              <a:t>McClelland and Gault has a nice guide to how to implement this</a:t>
             </a:r>
           </a:p>
           <a:p>
